--- a/TERM1-BLOCK1/2-ICTNWK541-Configure_Verify_Troubleshoot_WAN_links-IP_services/Assessmet_Task2/Task2/ICTNWK541 Assessment task.pptx
+++ b/TERM1-BLOCK1/2-ICTNWK541-Configure_Verify_Troubleshoot_WAN_links-IP_services/Assessmet_Task2/Task2/ICTNWK541 Assessment task.pptx
@@ -5,7 +5,7 @@
     <p:sldMasterId id="2147483648" r:id="rId1"/>
   </p:sldMasterIdLst>
   <p:notesMasterIdLst>
-    <p:notesMasterId r:id="rId29"/>
+    <p:notesMasterId r:id="rId43"/>
   </p:notesMasterIdLst>
   <p:sldIdLst>
     <p:sldId id="256" r:id="rId4"/>
@@ -33,6 +33,20 @@
     <p:sldId id="278" r:id="rId26"/>
     <p:sldId id="279" r:id="rId27"/>
     <p:sldId id="280" r:id="rId28"/>
+    <p:sldId id="281" r:id="rId29"/>
+    <p:sldId id="282" r:id="rId30"/>
+    <p:sldId id="283" r:id="rId31"/>
+    <p:sldId id="284" r:id="rId32"/>
+    <p:sldId id="285" r:id="rId33"/>
+    <p:sldId id="286" r:id="rId34"/>
+    <p:sldId id="287" r:id="rId35"/>
+    <p:sldId id="288" r:id="rId36"/>
+    <p:sldId id="289" r:id="rId37"/>
+    <p:sldId id="290" r:id="rId38"/>
+    <p:sldId id="291" r:id="rId39"/>
+    <p:sldId id="292" r:id="rId40"/>
+    <p:sldId id="293" r:id="rId41"/>
+    <p:sldId id="294" r:id="rId42"/>
   </p:sldIdLst>
   <p:sldSz cx="12192000" cy="6858000"/>
   <p:notesSz cx="6858000" cy="9144000"/>
@@ -158,7 +172,7 @@
       </p:grpSpPr>
       <p:sp>
         <p:nvSpPr>
-          <p:cNvPr id="2065054874" name="Header Placeholder 1"/>
+          <p:cNvPr id="490396776" name="Header Placeholder 1"/>
           <p:cNvSpPr>
             <a:spLocks noGrp="1"/>
           </p:cNvSpPr>
@@ -192,7 +206,7 @@
       </p:sp>
       <p:sp>
         <p:nvSpPr>
-          <p:cNvPr id="649544492" name="Date Placeholder 2"/>
+          <p:cNvPr id="2082985741" name="Date Placeholder 2"/>
           <p:cNvSpPr>
             <a:spLocks noGrp="1"/>
           </p:cNvSpPr>
@@ -230,7 +244,7 @@
       </p:sp>
       <p:sp>
         <p:nvSpPr>
-          <p:cNvPr id="912135543" name="Slide Image Placeholder 3"/>
+          <p:cNvPr id="1131793182" name="Slide Image Placeholder 3"/>
           <p:cNvSpPr>
             <a:spLocks noChangeAspect="1" noGrp="1" noRot="1"/>
           </p:cNvSpPr>
@@ -266,7 +280,7 @@
       </p:sp>
       <p:sp>
         <p:nvSpPr>
-          <p:cNvPr id="1133745236" name="Notes Placeholder 4"/>
+          <p:cNvPr id="696687956" name="Notes Placeholder 4"/>
           <p:cNvSpPr>
             <a:spLocks noGrp="1"/>
           </p:cNvSpPr>
@@ -340,7 +354,7 @@
       </p:sp>
       <p:sp>
         <p:nvSpPr>
-          <p:cNvPr id="574856142" name="Footer Placeholder 5"/>
+          <p:cNvPr id="1453024044" name="Footer Placeholder 5"/>
           <p:cNvSpPr>
             <a:spLocks noGrp="1"/>
           </p:cNvSpPr>
@@ -374,7 +388,7 @@
       </p:sp>
       <p:sp>
         <p:nvSpPr>
-          <p:cNvPr id="302105465" name="Slide Number Placeholder 6"/>
+          <p:cNvPr id="1330229197" name="Slide Number Placeholder 6"/>
           <p:cNvSpPr>
             <a:spLocks noGrp="1"/>
           </p:cNvSpPr>
@@ -527,7 +541,7 @@
       </p:grpSpPr>
       <p:sp>
         <p:nvSpPr>
-          <p:cNvPr id="1591462543" name="Slide Image Placeholder 1"/>
+          <p:cNvPr id="1219006018" name="Slide Image Placeholder 1"/>
           <p:cNvSpPr>
             <a:spLocks noChangeAspect="1" noGrp="1" noRot="1"/>
           </p:cNvSpPr>
@@ -544,7 +558,7 @@
       </p:sp>
       <p:sp>
         <p:nvSpPr>
-          <p:cNvPr id="2069330165" name="Notes Placeholder 2"/>
+          <p:cNvPr id="2065737466" name="Notes Placeholder 2"/>
           <p:cNvSpPr>
             <a:spLocks noGrp="1"/>
           </p:cNvSpPr>
@@ -569,7 +583,7 @@
       </p:sp>
       <p:sp>
         <p:nvSpPr>
-          <p:cNvPr id="1488793056" name="Slide Number Placeholder 3"/>
+          <p:cNvPr id="680536960" name="Slide Number Placeholder 3"/>
           <p:cNvSpPr>
             <a:spLocks noGrp="1"/>
           </p:cNvSpPr>
@@ -1992,6 +2006,334 @@
 </p:notes>
 </file>
 
+<file path=ppt/notesSlides/notesSlide26.xml><?xml version="1.0" encoding="utf-8"?>
+<p:notes xmlns:a="http://schemas.openxmlformats.org/drawingml/2006/main" xmlns:r="http://schemas.openxmlformats.org/officeDocument/2006/relationships" xmlns:p="http://schemas.openxmlformats.org/presentationml/2006/main" xmlns:m="http://schemas.openxmlformats.org/officeDocument/2006/math" xmlns:w="http://schemas.openxmlformats.org/wordprocessingml/2006/main">
+  <p:cSld name="">
+    <p:spTree>
+      <p:nvGrpSpPr>
+        <p:cNvPr id="1" name=""/>
+        <p:cNvGrpSpPr/>
+        <p:nvPr/>
+      </p:nvGrpSpPr>
+      <p:grpSpPr bwMode="auto">
+        <a:xfrm>
+          <a:off x="0" y="0"/>
+          <a:ext cx="0" cy="0"/>
+          <a:chOff x="0" y="0"/>
+          <a:chExt cx="0" cy="0"/>
+        </a:xfrm>
+      </p:grpSpPr>
+      <p:sp>
+        <p:nvSpPr>
+          <p:cNvPr id="1508655594" name="Slide Image Placeholder 1"/>
+          <p:cNvSpPr>
+            <a:spLocks noChangeAspect="1" noGrp="1" noRot="1"/>
+          </p:cNvSpPr>
+          <p:nvPr>
+            <p:ph type="sldImg"/>
+          </p:nvPr>
+        </p:nvSpPr>
+        <p:spPr bwMode="auto"/>
+      </p:sp>
+      <p:sp>
+        <p:nvSpPr>
+          <p:cNvPr id="1587768039" name="Notes Placeholder 2"/>
+          <p:cNvSpPr>
+            <a:spLocks noGrp="1"/>
+          </p:cNvSpPr>
+          <p:nvPr>
+            <p:ph type="body" idx="1"/>
+          </p:nvPr>
+        </p:nvSpPr>
+        <p:spPr bwMode="auto"/>
+        <p:txBody>
+          <a:bodyPr/>
+          <a:lstStyle/>
+          <a:p>
+            <a:pPr>
+              <a:defRPr/>
+            </a:pPr>
+            <a:endParaRPr/>
+          </a:p>
+        </p:txBody>
+      </p:sp>
+      <p:sp>
+        <p:nvSpPr>
+          <p:cNvPr id="949591691" name="Slide Number Placeholder 3"/>
+          <p:cNvSpPr>
+            <a:spLocks noGrp="1"/>
+          </p:cNvSpPr>
+          <p:nvPr>
+            <p:ph type="sldNum" sz="quarter" idx="10"/>
+          </p:nvPr>
+        </p:nvSpPr>
+        <p:spPr bwMode="auto"/>
+        <p:txBody>
+          <a:bodyPr/>
+          <a:lstStyle/>
+          <a:p>
+            <a:pPr>
+              <a:defRPr/>
+            </a:pPr>
+            <a:fld id="{94D42060-B7F2-A833-2C06-8C5C5A2B4955}" type="slidenum">
+              <a:rPr/>
+              <a:t/>
+            </a:fld>
+            <a:endParaRPr/>
+          </a:p>
+        </p:txBody>
+      </p:sp>
+    </p:spTree>
+  </p:cSld>
+</p:notes>
+</file>
+
+<file path=ppt/notesSlides/notesSlide27.xml><?xml version="1.0" encoding="utf-8"?>
+<p:notes xmlns:a="http://schemas.openxmlformats.org/drawingml/2006/main" xmlns:r="http://schemas.openxmlformats.org/officeDocument/2006/relationships" xmlns:p="http://schemas.openxmlformats.org/presentationml/2006/main" xmlns:m="http://schemas.openxmlformats.org/officeDocument/2006/math" xmlns:w="http://schemas.openxmlformats.org/wordprocessingml/2006/main">
+  <p:cSld name="">
+    <p:spTree>
+      <p:nvGrpSpPr>
+        <p:cNvPr id="1" name=""/>
+        <p:cNvGrpSpPr/>
+        <p:nvPr/>
+      </p:nvGrpSpPr>
+      <p:grpSpPr bwMode="auto">
+        <a:xfrm>
+          <a:off x="0" y="0"/>
+          <a:ext cx="0" cy="0"/>
+          <a:chOff x="0" y="0"/>
+          <a:chExt cx="0" cy="0"/>
+        </a:xfrm>
+      </p:grpSpPr>
+      <p:sp>
+        <p:nvSpPr>
+          <p:cNvPr id="1698346237" name="Slide Image Placeholder 1"/>
+          <p:cNvSpPr>
+            <a:spLocks noChangeAspect="1" noGrp="1" noRot="1"/>
+          </p:cNvSpPr>
+          <p:nvPr>
+            <p:ph type="sldImg"/>
+          </p:nvPr>
+        </p:nvSpPr>
+        <p:spPr bwMode="auto"/>
+      </p:sp>
+      <p:sp>
+        <p:nvSpPr>
+          <p:cNvPr id="440306018" name="Notes Placeholder 2"/>
+          <p:cNvSpPr>
+            <a:spLocks noGrp="1"/>
+          </p:cNvSpPr>
+          <p:nvPr>
+            <p:ph type="body" idx="1"/>
+          </p:nvPr>
+        </p:nvSpPr>
+        <p:spPr bwMode="auto"/>
+        <p:txBody>
+          <a:bodyPr/>
+          <a:lstStyle/>
+          <a:p>
+            <a:pPr>
+              <a:defRPr/>
+            </a:pPr>
+            <a:endParaRPr/>
+          </a:p>
+        </p:txBody>
+      </p:sp>
+      <p:sp>
+        <p:nvSpPr>
+          <p:cNvPr id="1833594318" name="Slide Number Placeholder 3"/>
+          <p:cNvSpPr>
+            <a:spLocks noGrp="1"/>
+          </p:cNvSpPr>
+          <p:nvPr>
+            <p:ph type="sldNum" sz="quarter" idx="10"/>
+          </p:nvPr>
+        </p:nvSpPr>
+        <p:spPr bwMode="auto"/>
+        <p:txBody>
+          <a:bodyPr/>
+          <a:lstStyle/>
+          <a:p>
+            <a:pPr>
+              <a:defRPr/>
+            </a:pPr>
+            <a:fld id="{33A90E2C-1788-7996-0A5A-1E97143AD48F}" type="slidenum">
+              <a:rPr/>
+              <a:t/>
+            </a:fld>
+            <a:endParaRPr/>
+          </a:p>
+        </p:txBody>
+      </p:sp>
+    </p:spTree>
+  </p:cSld>
+</p:notes>
+</file>
+
+<file path=ppt/notesSlides/notesSlide28.xml><?xml version="1.0" encoding="utf-8"?>
+<p:notes xmlns:a="http://schemas.openxmlformats.org/drawingml/2006/main" xmlns:r="http://schemas.openxmlformats.org/officeDocument/2006/relationships" xmlns:p="http://schemas.openxmlformats.org/presentationml/2006/main" xmlns:m="http://schemas.openxmlformats.org/officeDocument/2006/math" xmlns:w="http://schemas.openxmlformats.org/wordprocessingml/2006/main">
+  <p:cSld name="">
+    <p:spTree>
+      <p:nvGrpSpPr>
+        <p:cNvPr id="1" name=""/>
+        <p:cNvGrpSpPr/>
+        <p:nvPr/>
+      </p:nvGrpSpPr>
+      <p:grpSpPr bwMode="auto">
+        <a:xfrm>
+          <a:off x="0" y="0"/>
+          <a:ext cx="0" cy="0"/>
+          <a:chOff x="0" y="0"/>
+          <a:chExt cx="0" cy="0"/>
+        </a:xfrm>
+      </p:grpSpPr>
+      <p:sp>
+        <p:nvSpPr>
+          <p:cNvPr id="1623059706" name="Slide Image Placeholder 1"/>
+          <p:cNvSpPr>
+            <a:spLocks noChangeAspect="1" noGrp="1" noRot="1"/>
+          </p:cNvSpPr>
+          <p:nvPr>
+            <p:ph type="sldImg"/>
+          </p:nvPr>
+        </p:nvSpPr>
+        <p:spPr bwMode="auto"/>
+      </p:sp>
+      <p:sp>
+        <p:nvSpPr>
+          <p:cNvPr id="1600705664" name="Notes Placeholder 2"/>
+          <p:cNvSpPr>
+            <a:spLocks noGrp="1"/>
+          </p:cNvSpPr>
+          <p:nvPr>
+            <p:ph type="body" idx="1"/>
+          </p:nvPr>
+        </p:nvSpPr>
+        <p:spPr bwMode="auto"/>
+        <p:txBody>
+          <a:bodyPr/>
+          <a:lstStyle/>
+          <a:p>
+            <a:pPr>
+              <a:defRPr/>
+            </a:pPr>
+            <a:endParaRPr/>
+          </a:p>
+        </p:txBody>
+      </p:sp>
+      <p:sp>
+        <p:nvSpPr>
+          <p:cNvPr id="2011441699" name="Slide Number Placeholder 3"/>
+          <p:cNvSpPr>
+            <a:spLocks noGrp="1"/>
+          </p:cNvSpPr>
+          <p:nvPr>
+            <p:ph type="sldNum" sz="quarter" idx="10"/>
+          </p:nvPr>
+        </p:nvSpPr>
+        <p:spPr bwMode="auto"/>
+        <p:txBody>
+          <a:bodyPr/>
+          <a:lstStyle/>
+          <a:p>
+            <a:pPr>
+              <a:defRPr/>
+            </a:pPr>
+            <a:fld id="{0820455C-78B1-E20B-7386-D69C8521DEDC}" type="slidenum">
+              <a:rPr/>
+              <a:t/>
+            </a:fld>
+            <a:endParaRPr/>
+          </a:p>
+        </p:txBody>
+      </p:sp>
+    </p:spTree>
+  </p:cSld>
+</p:notes>
+</file>
+
+<file path=ppt/notesSlides/notesSlide29.xml><?xml version="1.0" encoding="utf-8"?>
+<p:notes xmlns:a="http://schemas.openxmlformats.org/drawingml/2006/main" xmlns:r="http://schemas.openxmlformats.org/officeDocument/2006/relationships" xmlns:p="http://schemas.openxmlformats.org/presentationml/2006/main" xmlns:m="http://schemas.openxmlformats.org/officeDocument/2006/math" xmlns:w="http://schemas.openxmlformats.org/wordprocessingml/2006/main">
+  <p:cSld name="">
+    <p:spTree>
+      <p:nvGrpSpPr>
+        <p:cNvPr id="1" name=""/>
+        <p:cNvGrpSpPr/>
+        <p:nvPr/>
+      </p:nvGrpSpPr>
+      <p:grpSpPr bwMode="auto">
+        <a:xfrm>
+          <a:off x="0" y="0"/>
+          <a:ext cx="0" cy="0"/>
+          <a:chOff x="0" y="0"/>
+          <a:chExt cx="0" cy="0"/>
+        </a:xfrm>
+      </p:grpSpPr>
+      <p:sp>
+        <p:nvSpPr>
+          <p:cNvPr id="1272868179" name="Slide Image Placeholder 1"/>
+          <p:cNvSpPr>
+            <a:spLocks noChangeAspect="1" noGrp="1" noRot="1"/>
+          </p:cNvSpPr>
+          <p:nvPr>
+            <p:ph type="sldImg"/>
+          </p:nvPr>
+        </p:nvSpPr>
+        <p:spPr bwMode="auto"/>
+      </p:sp>
+      <p:sp>
+        <p:nvSpPr>
+          <p:cNvPr id="2016665398" name="Notes Placeholder 2"/>
+          <p:cNvSpPr>
+            <a:spLocks noGrp="1"/>
+          </p:cNvSpPr>
+          <p:nvPr>
+            <p:ph type="body" idx="1"/>
+          </p:nvPr>
+        </p:nvSpPr>
+        <p:spPr bwMode="auto"/>
+        <p:txBody>
+          <a:bodyPr/>
+          <a:lstStyle/>
+          <a:p>
+            <a:pPr>
+              <a:defRPr/>
+            </a:pPr>
+            <a:endParaRPr/>
+          </a:p>
+        </p:txBody>
+      </p:sp>
+      <p:sp>
+        <p:nvSpPr>
+          <p:cNvPr id="253305161" name="Slide Number Placeholder 3"/>
+          <p:cNvSpPr>
+            <a:spLocks noGrp="1"/>
+          </p:cNvSpPr>
+          <p:nvPr>
+            <p:ph type="sldNum" sz="quarter" idx="10"/>
+          </p:nvPr>
+        </p:nvSpPr>
+        <p:spPr bwMode="auto"/>
+        <p:txBody>
+          <a:bodyPr/>
+          <a:lstStyle/>
+          <a:p>
+            <a:pPr>
+              <a:defRPr/>
+            </a:pPr>
+            <a:fld id="{EDB7FCD4-19E5-E1A2-DFEE-5780FEDCBCFE}" type="slidenum">
+              <a:rPr/>
+              <a:t/>
+            </a:fld>
+            <a:endParaRPr/>
+          </a:p>
+        </p:txBody>
+      </p:sp>
+    </p:spTree>
+  </p:cSld>
+</p:notes>
+</file>
+
 <file path=ppt/notesSlides/notesSlide3.xml><?xml version="1.0" encoding="utf-8"?>
 <p:notes xmlns:a="http://schemas.openxmlformats.org/drawingml/2006/main" xmlns:r="http://schemas.openxmlformats.org/officeDocument/2006/relationships" xmlns:p="http://schemas.openxmlformats.org/presentationml/2006/main" xmlns:m="http://schemas.openxmlformats.org/officeDocument/2006/math" xmlns:w="http://schemas.openxmlformats.org/wordprocessingml/2006/main">
   <p:cSld name="">
@@ -2062,6 +2404,826 @@
               <a:defRPr/>
             </a:pPr>
             <a:fld id="{EBD5F6FA-FA60-54D9-3F56-CFE9264EB86F}" type="slidenum">
+              <a:rPr/>
+              <a:t/>
+            </a:fld>
+            <a:endParaRPr/>
+          </a:p>
+        </p:txBody>
+      </p:sp>
+    </p:spTree>
+  </p:cSld>
+</p:notes>
+</file>
+
+<file path=ppt/notesSlides/notesSlide30.xml><?xml version="1.0" encoding="utf-8"?>
+<p:notes xmlns:a="http://schemas.openxmlformats.org/drawingml/2006/main" xmlns:r="http://schemas.openxmlformats.org/officeDocument/2006/relationships" xmlns:p="http://schemas.openxmlformats.org/presentationml/2006/main" xmlns:m="http://schemas.openxmlformats.org/officeDocument/2006/math" xmlns:w="http://schemas.openxmlformats.org/wordprocessingml/2006/main">
+  <p:cSld name="">
+    <p:spTree>
+      <p:nvGrpSpPr>
+        <p:cNvPr id="1" name=""/>
+        <p:cNvGrpSpPr/>
+        <p:nvPr/>
+      </p:nvGrpSpPr>
+      <p:grpSpPr bwMode="auto">
+        <a:xfrm>
+          <a:off x="0" y="0"/>
+          <a:ext cx="0" cy="0"/>
+          <a:chOff x="0" y="0"/>
+          <a:chExt cx="0" cy="0"/>
+        </a:xfrm>
+      </p:grpSpPr>
+      <p:sp>
+        <p:nvSpPr>
+          <p:cNvPr id="194316041" name="Slide Image Placeholder 1"/>
+          <p:cNvSpPr>
+            <a:spLocks noChangeAspect="1" noGrp="1" noRot="1"/>
+          </p:cNvSpPr>
+          <p:nvPr>
+            <p:ph type="sldImg"/>
+          </p:nvPr>
+        </p:nvSpPr>
+        <p:spPr bwMode="auto"/>
+      </p:sp>
+      <p:sp>
+        <p:nvSpPr>
+          <p:cNvPr id="6840782" name="Notes Placeholder 2"/>
+          <p:cNvSpPr>
+            <a:spLocks noGrp="1"/>
+          </p:cNvSpPr>
+          <p:nvPr>
+            <p:ph type="body" idx="1"/>
+          </p:nvPr>
+        </p:nvSpPr>
+        <p:spPr bwMode="auto"/>
+        <p:txBody>
+          <a:bodyPr/>
+          <a:lstStyle/>
+          <a:p>
+            <a:pPr>
+              <a:defRPr/>
+            </a:pPr>
+            <a:endParaRPr/>
+          </a:p>
+        </p:txBody>
+      </p:sp>
+      <p:sp>
+        <p:nvSpPr>
+          <p:cNvPr id="1816445973" name="Slide Number Placeholder 3"/>
+          <p:cNvSpPr>
+            <a:spLocks noGrp="1"/>
+          </p:cNvSpPr>
+          <p:nvPr>
+            <p:ph type="sldNum" sz="quarter" idx="10"/>
+          </p:nvPr>
+        </p:nvSpPr>
+        <p:spPr bwMode="auto"/>
+        <p:txBody>
+          <a:bodyPr/>
+          <a:lstStyle/>
+          <a:p>
+            <a:pPr>
+              <a:defRPr/>
+            </a:pPr>
+            <a:fld id="{71621DEC-BE42-94D1-F0F4-6B02A2FD989E}" type="slidenum">
+              <a:rPr/>
+              <a:t/>
+            </a:fld>
+            <a:endParaRPr/>
+          </a:p>
+        </p:txBody>
+      </p:sp>
+    </p:spTree>
+  </p:cSld>
+</p:notes>
+</file>
+
+<file path=ppt/notesSlides/notesSlide31.xml><?xml version="1.0" encoding="utf-8"?>
+<p:notes xmlns:a="http://schemas.openxmlformats.org/drawingml/2006/main" xmlns:r="http://schemas.openxmlformats.org/officeDocument/2006/relationships" xmlns:p="http://schemas.openxmlformats.org/presentationml/2006/main" xmlns:m="http://schemas.openxmlformats.org/officeDocument/2006/math" xmlns:w="http://schemas.openxmlformats.org/wordprocessingml/2006/main">
+  <p:cSld name="">
+    <p:spTree>
+      <p:nvGrpSpPr>
+        <p:cNvPr id="1" name=""/>
+        <p:cNvGrpSpPr/>
+        <p:nvPr/>
+      </p:nvGrpSpPr>
+      <p:grpSpPr bwMode="auto">
+        <a:xfrm>
+          <a:off x="0" y="0"/>
+          <a:ext cx="0" cy="0"/>
+          <a:chOff x="0" y="0"/>
+          <a:chExt cx="0" cy="0"/>
+        </a:xfrm>
+      </p:grpSpPr>
+      <p:sp>
+        <p:nvSpPr>
+          <p:cNvPr id="264519944" name="Slide Image Placeholder 1"/>
+          <p:cNvSpPr>
+            <a:spLocks noChangeAspect="1" noGrp="1" noRot="1"/>
+          </p:cNvSpPr>
+          <p:nvPr>
+            <p:ph type="sldImg"/>
+          </p:nvPr>
+        </p:nvSpPr>
+        <p:spPr bwMode="auto"/>
+      </p:sp>
+      <p:sp>
+        <p:nvSpPr>
+          <p:cNvPr id="107629754" name="Notes Placeholder 2"/>
+          <p:cNvSpPr>
+            <a:spLocks noGrp="1"/>
+          </p:cNvSpPr>
+          <p:nvPr>
+            <p:ph type="body" idx="1"/>
+          </p:nvPr>
+        </p:nvSpPr>
+        <p:spPr bwMode="auto"/>
+        <p:txBody>
+          <a:bodyPr/>
+          <a:lstStyle/>
+          <a:p>
+            <a:pPr>
+              <a:defRPr/>
+            </a:pPr>
+            <a:endParaRPr/>
+          </a:p>
+        </p:txBody>
+      </p:sp>
+      <p:sp>
+        <p:nvSpPr>
+          <p:cNvPr id="2086317503" name="Slide Number Placeholder 3"/>
+          <p:cNvSpPr>
+            <a:spLocks noGrp="1"/>
+          </p:cNvSpPr>
+          <p:nvPr>
+            <p:ph type="sldNum" sz="quarter" idx="10"/>
+          </p:nvPr>
+        </p:nvSpPr>
+        <p:spPr bwMode="auto"/>
+        <p:txBody>
+          <a:bodyPr/>
+          <a:lstStyle/>
+          <a:p>
+            <a:pPr>
+              <a:defRPr/>
+            </a:pPr>
+            <a:fld id="{4875EAC9-D773-2D79-5310-BD22F3977FC4}" type="slidenum">
+              <a:rPr/>
+              <a:t/>
+            </a:fld>
+            <a:endParaRPr/>
+          </a:p>
+        </p:txBody>
+      </p:sp>
+    </p:spTree>
+  </p:cSld>
+</p:notes>
+</file>
+
+<file path=ppt/notesSlides/notesSlide32.xml><?xml version="1.0" encoding="utf-8"?>
+<p:notes xmlns:a="http://schemas.openxmlformats.org/drawingml/2006/main" xmlns:r="http://schemas.openxmlformats.org/officeDocument/2006/relationships" xmlns:p="http://schemas.openxmlformats.org/presentationml/2006/main" xmlns:m="http://schemas.openxmlformats.org/officeDocument/2006/math" xmlns:w="http://schemas.openxmlformats.org/wordprocessingml/2006/main">
+  <p:cSld name="">
+    <p:spTree>
+      <p:nvGrpSpPr>
+        <p:cNvPr id="1" name=""/>
+        <p:cNvGrpSpPr/>
+        <p:nvPr/>
+      </p:nvGrpSpPr>
+      <p:grpSpPr bwMode="auto">
+        <a:xfrm>
+          <a:off x="0" y="0"/>
+          <a:ext cx="0" cy="0"/>
+          <a:chOff x="0" y="0"/>
+          <a:chExt cx="0" cy="0"/>
+        </a:xfrm>
+      </p:grpSpPr>
+      <p:sp>
+        <p:nvSpPr>
+          <p:cNvPr id="1658605878" name="Slide Image Placeholder 1"/>
+          <p:cNvSpPr>
+            <a:spLocks noChangeAspect="1" noGrp="1" noRot="1"/>
+          </p:cNvSpPr>
+          <p:nvPr>
+            <p:ph type="sldImg"/>
+          </p:nvPr>
+        </p:nvSpPr>
+        <p:spPr bwMode="auto"/>
+      </p:sp>
+      <p:sp>
+        <p:nvSpPr>
+          <p:cNvPr id="1543670532" name="Notes Placeholder 2"/>
+          <p:cNvSpPr>
+            <a:spLocks noGrp="1"/>
+          </p:cNvSpPr>
+          <p:nvPr>
+            <p:ph type="body" idx="1"/>
+          </p:nvPr>
+        </p:nvSpPr>
+        <p:spPr bwMode="auto"/>
+        <p:txBody>
+          <a:bodyPr/>
+          <a:lstStyle/>
+          <a:p>
+            <a:pPr>
+              <a:defRPr/>
+            </a:pPr>
+            <a:endParaRPr/>
+          </a:p>
+        </p:txBody>
+      </p:sp>
+      <p:sp>
+        <p:nvSpPr>
+          <p:cNvPr id="35538986" name="Slide Number Placeholder 3"/>
+          <p:cNvSpPr>
+            <a:spLocks noGrp="1"/>
+          </p:cNvSpPr>
+          <p:nvPr>
+            <p:ph type="sldNum" sz="quarter" idx="10"/>
+          </p:nvPr>
+        </p:nvSpPr>
+        <p:spPr bwMode="auto"/>
+        <p:txBody>
+          <a:bodyPr/>
+          <a:lstStyle/>
+          <a:p>
+            <a:pPr>
+              <a:defRPr/>
+            </a:pPr>
+            <a:fld id="{F1B5371C-5E75-7FFC-A539-7B360BDA7A1A}" type="slidenum">
+              <a:rPr/>
+              <a:t/>
+            </a:fld>
+            <a:endParaRPr/>
+          </a:p>
+        </p:txBody>
+      </p:sp>
+    </p:spTree>
+  </p:cSld>
+</p:notes>
+</file>
+
+<file path=ppt/notesSlides/notesSlide33.xml><?xml version="1.0" encoding="utf-8"?>
+<p:notes xmlns:a="http://schemas.openxmlformats.org/drawingml/2006/main" xmlns:r="http://schemas.openxmlformats.org/officeDocument/2006/relationships" xmlns:p="http://schemas.openxmlformats.org/presentationml/2006/main" xmlns:m="http://schemas.openxmlformats.org/officeDocument/2006/math" xmlns:w="http://schemas.openxmlformats.org/wordprocessingml/2006/main">
+  <p:cSld name="">
+    <p:spTree>
+      <p:nvGrpSpPr>
+        <p:cNvPr id="1" name=""/>
+        <p:cNvGrpSpPr/>
+        <p:nvPr/>
+      </p:nvGrpSpPr>
+      <p:grpSpPr bwMode="auto">
+        <a:xfrm>
+          <a:off x="0" y="0"/>
+          <a:ext cx="0" cy="0"/>
+          <a:chOff x="0" y="0"/>
+          <a:chExt cx="0" cy="0"/>
+        </a:xfrm>
+      </p:grpSpPr>
+      <p:sp>
+        <p:nvSpPr>
+          <p:cNvPr id="157139105" name="Slide Image Placeholder 1"/>
+          <p:cNvSpPr>
+            <a:spLocks noChangeAspect="1" noGrp="1" noRot="1"/>
+          </p:cNvSpPr>
+          <p:nvPr>
+            <p:ph type="sldImg"/>
+          </p:nvPr>
+        </p:nvSpPr>
+        <p:spPr bwMode="auto"/>
+      </p:sp>
+      <p:sp>
+        <p:nvSpPr>
+          <p:cNvPr id="272406764" name="Notes Placeholder 2"/>
+          <p:cNvSpPr>
+            <a:spLocks noGrp="1"/>
+          </p:cNvSpPr>
+          <p:nvPr>
+            <p:ph type="body" idx="1"/>
+          </p:nvPr>
+        </p:nvSpPr>
+        <p:spPr bwMode="auto"/>
+        <p:txBody>
+          <a:bodyPr/>
+          <a:lstStyle/>
+          <a:p>
+            <a:pPr>
+              <a:defRPr/>
+            </a:pPr>
+            <a:endParaRPr/>
+          </a:p>
+        </p:txBody>
+      </p:sp>
+      <p:sp>
+        <p:nvSpPr>
+          <p:cNvPr id="460976259" name="Slide Number Placeholder 3"/>
+          <p:cNvSpPr>
+            <a:spLocks noGrp="1"/>
+          </p:cNvSpPr>
+          <p:nvPr>
+            <p:ph type="sldNum" sz="quarter" idx="10"/>
+          </p:nvPr>
+        </p:nvSpPr>
+        <p:spPr bwMode="auto"/>
+        <p:txBody>
+          <a:bodyPr/>
+          <a:lstStyle/>
+          <a:p>
+            <a:pPr>
+              <a:defRPr/>
+            </a:pPr>
+            <a:fld id="{6CE63D20-5D10-E6C6-153A-F4828BD351BC}" type="slidenum">
+              <a:rPr/>
+              <a:t/>
+            </a:fld>
+            <a:endParaRPr/>
+          </a:p>
+        </p:txBody>
+      </p:sp>
+    </p:spTree>
+  </p:cSld>
+</p:notes>
+</file>
+
+<file path=ppt/notesSlides/notesSlide34.xml><?xml version="1.0" encoding="utf-8"?>
+<p:notes xmlns:a="http://schemas.openxmlformats.org/drawingml/2006/main" xmlns:r="http://schemas.openxmlformats.org/officeDocument/2006/relationships" xmlns:p="http://schemas.openxmlformats.org/presentationml/2006/main" xmlns:m="http://schemas.openxmlformats.org/officeDocument/2006/math" xmlns:w="http://schemas.openxmlformats.org/wordprocessingml/2006/main">
+  <p:cSld name="">
+    <p:spTree>
+      <p:nvGrpSpPr>
+        <p:cNvPr id="1" name=""/>
+        <p:cNvGrpSpPr/>
+        <p:nvPr/>
+      </p:nvGrpSpPr>
+      <p:grpSpPr bwMode="auto">
+        <a:xfrm>
+          <a:off x="0" y="0"/>
+          <a:ext cx="0" cy="0"/>
+          <a:chOff x="0" y="0"/>
+          <a:chExt cx="0" cy="0"/>
+        </a:xfrm>
+      </p:grpSpPr>
+      <p:sp>
+        <p:nvSpPr>
+          <p:cNvPr id="1063209815" name="Slide Image Placeholder 1"/>
+          <p:cNvSpPr>
+            <a:spLocks noChangeAspect="1" noGrp="1" noRot="1"/>
+          </p:cNvSpPr>
+          <p:nvPr>
+            <p:ph type="sldImg"/>
+          </p:nvPr>
+        </p:nvSpPr>
+        <p:spPr bwMode="auto"/>
+      </p:sp>
+      <p:sp>
+        <p:nvSpPr>
+          <p:cNvPr id="1684507424" name="Notes Placeholder 2"/>
+          <p:cNvSpPr>
+            <a:spLocks noGrp="1"/>
+          </p:cNvSpPr>
+          <p:nvPr>
+            <p:ph type="body" idx="1"/>
+          </p:nvPr>
+        </p:nvSpPr>
+        <p:spPr bwMode="auto"/>
+        <p:txBody>
+          <a:bodyPr/>
+          <a:lstStyle/>
+          <a:p>
+            <a:pPr>
+              <a:defRPr/>
+            </a:pPr>
+            <a:endParaRPr/>
+          </a:p>
+        </p:txBody>
+      </p:sp>
+      <p:sp>
+        <p:nvSpPr>
+          <p:cNvPr id="28546259" name="Slide Number Placeholder 3"/>
+          <p:cNvSpPr>
+            <a:spLocks noGrp="1"/>
+          </p:cNvSpPr>
+          <p:nvPr>
+            <p:ph type="sldNum" sz="quarter" idx="10"/>
+          </p:nvPr>
+        </p:nvSpPr>
+        <p:spPr bwMode="auto"/>
+        <p:txBody>
+          <a:bodyPr/>
+          <a:lstStyle/>
+          <a:p>
+            <a:pPr>
+              <a:defRPr/>
+            </a:pPr>
+            <a:fld id="{A1C228A4-EDBF-13FE-D7F4-04DBCD01360E}" type="slidenum">
+              <a:rPr/>
+              <a:t/>
+            </a:fld>
+            <a:endParaRPr/>
+          </a:p>
+        </p:txBody>
+      </p:sp>
+    </p:spTree>
+  </p:cSld>
+</p:notes>
+</file>
+
+<file path=ppt/notesSlides/notesSlide35.xml><?xml version="1.0" encoding="utf-8"?>
+<p:notes xmlns:a="http://schemas.openxmlformats.org/drawingml/2006/main" xmlns:r="http://schemas.openxmlformats.org/officeDocument/2006/relationships" xmlns:p="http://schemas.openxmlformats.org/presentationml/2006/main" xmlns:m="http://schemas.openxmlformats.org/officeDocument/2006/math" xmlns:w="http://schemas.openxmlformats.org/wordprocessingml/2006/main">
+  <p:cSld name="">
+    <p:spTree>
+      <p:nvGrpSpPr>
+        <p:cNvPr id="1" name=""/>
+        <p:cNvGrpSpPr/>
+        <p:nvPr/>
+      </p:nvGrpSpPr>
+      <p:grpSpPr bwMode="auto">
+        <a:xfrm>
+          <a:off x="0" y="0"/>
+          <a:ext cx="0" cy="0"/>
+          <a:chOff x="0" y="0"/>
+          <a:chExt cx="0" cy="0"/>
+        </a:xfrm>
+      </p:grpSpPr>
+      <p:sp>
+        <p:nvSpPr>
+          <p:cNvPr id="1034983655" name="Slide Image Placeholder 1"/>
+          <p:cNvSpPr>
+            <a:spLocks noChangeAspect="1" noGrp="1" noRot="1"/>
+          </p:cNvSpPr>
+          <p:nvPr>
+            <p:ph type="sldImg"/>
+          </p:nvPr>
+        </p:nvSpPr>
+        <p:spPr bwMode="auto"/>
+      </p:sp>
+      <p:sp>
+        <p:nvSpPr>
+          <p:cNvPr id="1778026076" name="Notes Placeholder 2"/>
+          <p:cNvSpPr>
+            <a:spLocks noGrp="1"/>
+          </p:cNvSpPr>
+          <p:nvPr>
+            <p:ph type="body" idx="1"/>
+          </p:nvPr>
+        </p:nvSpPr>
+        <p:spPr bwMode="auto"/>
+        <p:txBody>
+          <a:bodyPr/>
+          <a:lstStyle/>
+          <a:p>
+            <a:pPr>
+              <a:defRPr/>
+            </a:pPr>
+            <a:endParaRPr/>
+          </a:p>
+        </p:txBody>
+      </p:sp>
+      <p:sp>
+        <p:nvSpPr>
+          <p:cNvPr id="910556976" name="Slide Number Placeholder 3"/>
+          <p:cNvSpPr>
+            <a:spLocks noGrp="1"/>
+          </p:cNvSpPr>
+          <p:nvPr>
+            <p:ph type="sldNum" sz="quarter" idx="10"/>
+          </p:nvPr>
+        </p:nvSpPr>
+        <p:spPr bwMode="auto"/>
+        <p:txBody>
+          <a:bodyPr/>
+          <a:lstStyle/>
+          <a:p>
+            <a:pPr>
+              <a:defRPr/>
+            </a:pPr>
+            <a:fld id="{F88AEC32-62D0-6E15-B057-9C54B505F08B}" type="slidenum">
+              <a:rPr/>
+              <a:t/>
+            </a:fld>
+            <a:endParaRPr/>
+          </a:p>
+        </p:txBody>
+      </p:sp>
+    </p:spTree>
+  </p:cSld>
+</p:notes>
+</file>
+
+<file path=ppt/notesSlides/notesSlide36.xml><?xml version="1.0" encoding="utf-8"?>
+<p:notes xmlns:a="http://schemas.openxmlformats.org/drawingml/2006/main" xmlns:r="http://schemas.openxmlformats.org/officeDocument/2006/relationships" xmlns:p="http://schemas.openxmlformats.org/presentationml/2006/main" xmlns:m="http://schemas.openxmlformats.org/officeDocument/2006/math" xmlns:w="http://schemas.openxmlformats.org/wordprocessingml/2006/main">
+  <p:cSld name="">
+    <p:spTree>
+      <p:nvGrpSpPr>
+        <p:cNvPr id="1" name=""/>
+        <p:cNvGrpSpPr/>
+        <p:nvPr/>
+      </p:nvGrpSpPr>
+      <p:grpSpPr bwMode="auto">
+        <a:xfrm>
+          <a:off x="0" y="0"/>
+          <a:ext cx="0" cy="0"/>
+          <a:chOff x="0" y="0"/>
+          <a:chExt cx="0" cy="0"/>
+        </a:xfrm>
+      </p:grpSpPr>
+      <p:sp>
+        <p:nvSpPr>
+          <p:cNvPr id="2017779657" name="Slide Image Placeholder 1"/>
+          <p:cNvSpPr>
+            <a:spLocks noChangeAspect="1" noGrp="1" noRot="1"/>
+          </p:cNvSpPr>
+          <p:nvPr>
+            <p:ph type="sldImg"/>
+          </p:nvPr>
+        </p:nvSpPr>
+        <p:spPr bwMode="auto"/>
+      </p:sp>
+      <p:sp>
+        <p:nvSpPr>
+          <p:cNvPr id="1455175102" name="Notes Placeholder 2"/>
+          <p:cNvSpPr>
+            <a:spLocks noGrp="1"/>
+          </p:cNvSpPr>
+          <p:nvPr>
+            <p:ph type="body" idx="1"/>
+          </p:nvPr>
+        </p:nvSpPr>
+        <p:spPr bwMode="auto"/>
+        <p:txBody>
+          <a:bodyPr/>
+          <a:lstStyle/>
+          <a:p>
+            <a:pPr>
+              <a:defRPr/>
+            </a:pPr>
+            <a:endParaRPr/>
+          </a:p>
+        </p:txBody>
+      </p:sp>
+      <p:sp>
+        <p:nvSpPr>
+          <p:cNvPr id="1957268442" name="Slide Number Placeholder 3"/>
+          <p:cNvSpPr>
+            <a:spLocks noGrp="1"/>
+          </p:cNvSpPr>
+          <p:nvPr>
+            <p:ph type="sldNum" sz="quarter" idx="10"/>
+          </p:nvPr>
+        </p:nvSpPr>
+        <p:spPr bwMode="auto"/>
+        <p:txBody>
+          <a:bodyPr/>
+          <a:lstStyle/>
+          <a:p>
+            <a:pPr>
+              <a:defRPr/>
+            </a:pPr>
+            <a:fld id="{63C3F74B-D5C1-230D-1DFD-5390C0F83FFE}" type="slidenum">
+              <a:rPr/>
+              <a:t/>
+            </a:fld>
+            <a:endParaRPr/>
+          </a:p>
+        </p:txBody>
+      </p:sp>
+    </p:spTree>
+  </p:cSld>
+</p:notes>
+</file>
+
+<file path=ppt/notesSlides/notesSlide37.xml><?xml version="1.0" encoding="utf-8"?>
+<p:notes xmlns:a="http://schemas.openxmlformats.org/drawingml/2006/main" xmlns:r="http://schemas.openxmlformats.org/officeDocument/2006/relationships" xmlns:p="http://schemas.openxmlformats.org/presentationml/2006/main" xmlns:m="http://schemas.openxmlformats.org/officeDocument/2006/math" xmlns:w="http://schemas.openxmlformats.org/wordprocessingml/2006/main">
+  <p:cSld name="">
+    <p:spTree>
+      <p:nvGrpSpPr>
+        <p:cNvPr id="1" name=""/>
+        <p:cNvGrpSpPr/>
+        <p:nvPr/>
+      </p:nvGrpSpPr>
+      <p:grpSpPr bwMode="auto">
+        <a:xfrm>
+          <a:off x="0" y="0"/>
+          <a:ext cx="0" cy="0"/>
+          <a:chOff x="0" y="0"/>
+          <a:chExt cx="0" cy="0"/>
+        </a:xfrm>
+      </p:grpSpPr>
+      <p:sp>
+        <p:nvSpPr>
+          <p:cNvPr id="88877864" name="Slide Image Placeholder 1"/>
+          <p:cNvSpPr>
+            <a:spLocks noChangeAspect="1" noGrp="1" noRot="1"/>
+          </p:cNvSpPr>
+          <p:nvPr>
+            <p:ph type="sldImg"/>
+          </p:nvPr>
+        </p:nvSpPr>
+        <p:spPr bwMode="auto"/>
+      </p:sp>
+      <p:sp>
+        <p:nvSpPr>
+          <p:cNvPr id="1638773949" name="Notes Placeholder 2"/>
+          <p:cNvSpPr>
+            <a:spLocks noGrp="1"/>
+          </p:cNvSpPr>
+          <p:nvPr>
+            <p:ph type="body" idx="1"/>
+          </p:nvPr>
+        </p:nvSpPr>
+        <p:spPr bwMode="auto"/>
+        <p:txBody>
+          <a:bodyPr/>
+          <a:lstStyle/>
+          <a:p>
+            <a:pPr>
+              <a:defRPr/>
+            </a:pPr>
+            <a:endParaRPr/>
+          </a:p>
+        </p:txBody>
+      </p:sp>
+      <p:sp>
+        <p:nvSpPr>
+          <p:cNvPr id="1640739369" name="Slide Number Placeholder 3"/>
+          <p:cNvSpPr>
+            <a:spLocks noGrp="1"/>
+          </p:cNvSpPr>
+          <p:nvPr>
+            <p:ph type="sldNum" sz="quarter" idx="10"/>
+          </p:nvPr>
+        </p:nvSpPr>
+        <p:spPr bwMode="auto"/>
+        <p:txBody>
+          <a:bodyPr/>
+          <a:lstStyle/>
+          <a:p>
+            <a:pPr>
+              <a:defRPr/>
+            </a:pPr>
+            <a:fld id="{B32EB207-4261-72E1-80DC-6FB4017A1B00}" type="slidenum">
+              <a:rPr/>
+              <a:t/>
+            </a:fld>
+            <a:endParaRPr/>
+          </a:p>
+        </p:txBody>
+      </p:sp>
+    </p:spTree>
+  </p:cSld>
+</p:notes>
+</file>
+
+<file path=ppt/notesSlides/notesSlide38.xml><?xml version="1.0" encoding="utf-8"?>
+<p:notes xmlns:a="http://schemas.openxmlformats.org/drawingml/2006/main" xmlns:r="http://schemas.openxmlformats.org/officeDocument/2006/relationships" xmlns:p="http://schemas.openxmlformats.org/presentationml/2006/main" xmlns:m="http://schemas.openxmlformats.org/officeDocument/2006/math" xmlns:w="http://schemas.openxmlformats.org/wordprocessingml/2006/main">
+  <p:cSld name="">
+    <p:spTree>
+      <p:nvGrpSpPr>
+        <p:cNvPr id="1" name=""/>
+        <p:cNvGrpSpPr/>
+        <p:nvPr/>
+      </p:nvGrpSpPr>
+      <p:grpSpPr bwMode="auto">
+        <a:xfrm>
+          <a:off x="0" y="0"/>
+          <a:ext cx="0" cy="0"/>
+          <a:chOff x="0" y="0"/>
+          <a:chExt cx="0" cy="0"/>
+        </a:xfrm>
+      </p:grpSpPr>
+      <p:sp>
+        <p:nvSpPr>
+          <p:cNvPr id="1169862246" name="Slide Image Placeholder 1"/>
+          <p:cNvSpPr>
+            <a:spLocks noChangeAspect="1" noGrp="1" noRot="1"/>
+          </p:cNvSpPr>
+          <p:nvPr>
+            <p:ph type="sldImg"/>
+          </p:nvPr>
+        </p:nvSpPr>
+        <p:spPr bwMode="auto"/>
+      </p:sp>
+      <p:sp>
+        <p:nvSpPr>
+          <p:cNvPr id="291695383" name="Notes Placeholder 2"/>
+          <p:cNvSpPr>
+            <a:spLocks noGrp="1"/>
+          </p:cNvSpPr>
+          <p:nvPr>
+            <p:ph type="body" idx="1"/>
+          </p:nvPr>
+        </p:nvSpPr>
+        <p:spPr bwMode="auto"/>
+        <p:txBody>
+          <a:bodyPr/>
+          <a:lstStyle/>
+          <a:p>
+            <a:pPr>
+              <a:defRPr/>
+            </a:pPr>
+            <a:endParaRPr/>
+          </a:p>
+        </p:txBody>
+      </p:sp>
+      <p:sp>
+        <p:nvSpPr>
+          <p:cNvPr id="278161295" name="Slide Number Placeholder 3"/>
+          <p:cNvSpPr>
+            <a:spLocks noGrp="1"/>
+          </p:cNvSpPr>
+          <p:nvPr>
+            <p:ph type="sldNum" sz="quarter" idx="10"/>
+          </p:nvPr>
+        </p:nvSpPr>
+        <p:spPr bwMode="auto"/>
+        <p:txBody>
+          <a:bodyPr/>
+          <a:lstStyle/>
+          <a:p>
+            <a:pPr>
+              <a:defRPr/>
+            </a:pPr>
+            <a:fld id="{58FA6881-E144-BBA5-2084-BA0A4C297112}" type="slidenum">
+              <a:rPr/>
+              <a:t/>
+            </a:fld>
+            <a:endParaRPr/>
+          </a:p>
+        </p:txBody>
+      </p:sp>
+    </p:spTree>
+  </p:cSld>
+</p:notes>
+</file>
+
+<file path=ppt/notesSlides/notesSlide39.xml><?xml version="1.0" encoding="utf-8"?>
+<p:notes xmlns:a="http://schemas.openxmlformats.org/drawingml/2006/main" xmlns:r="http://schemas.openxmlformats.org/officeDocument/2006/relationships" xmlns:p="http://schemas.openxmlformats.org/presentationml/2006/main" xmlns:m="http://schemas.openxmlformats.org/officeDocument/2006/math" xmlns:w="http://schemas.openxmlformats.org/wordprocessingml/2006/main">
+  <p:cSld name="">
+    <p:spTree>
+      <p:nvGrpSpPr>
+        <p:cNvPr id="1" name=""/>
+        <p:cNvGrpSpPr/>
+        <p:nvPr/>
+      </p:nvGrpSpPr>
+      <p:grpSpPr bwMode="auto">
+        <a:xfrm>
+          <a:off x="0" y="0"/>
+          <a:ext cx="0" cy="0"/>
+          <a:chOff x="0" y="0"/>
+          <a:chExt cx="0" cy="0"/>
+        </a:xfrm>
+      </p:grpSpPr>
+      <p:sp>
+        <p:nvSpPr>
+          <p:cNvPr id="2" name="Slide Image Placeholder 1"/>
+          <p:cNvSpPr>
+            <a:spLocks noChangeAspect="1" noGrp="1" noRot="1"/>
+          </p:cNvSpPr>
+          <p:nvPr>
+            <p:ph type="sldImg"/>
+          </p:nvPr>
+        </p:nvSpPr>
+        <p:spPr bwMode="auto"/>
+      </p:sp>
+      <p:sp>
+        <p:nvSpPr>
+          <p:cNvPr id="3" name="Notes Placeholder 2"/>
+          <p:cNvSpPr>
+            <a:spLocks noGrp="1"/>
+          </p:cNvSpPr>
+          <p:nvPr>
+            <p:ph type="body" idx="1"/>
+          </p:nvPr>
+        </p:nvSpPr>
+        <p:spPr bwMode="auto"/>
+        <p:txBody>
+          <a:bodyPr/>
+          <a:lstStyle/>
+          <a:p>
+            <a:pPr>
+              <a:defRPr/>
+            </a:pPr>
+            <a:endParaRPr/>
+          </a:p>
+        </p:txBody>
+      </p:sp>
+      <p:sp>
+        <p:nvSpPr>
+          <p:cNvPr id="4" name="Slide Number Placeholder 3"/>
+          <p:cNvSpPr>
+            <a:spLocks noGrp="1"/>
+          </p:cNvSpPr>
+          <p:nvPr>
+            <p:ph type="sldNum" sz="quarter" idx="10"/>
+          </p:nvPr>
+        </p:nvSpPr>
+        <p:spPr bwMode="auto"/>
+        <p:txBody>
+          <a:bodyPr/>
+          <a:lstStyle/>
+          <a:p>
+            <a:pPr>
+              <a:defRPr/>
+            </a:pPr>
+            <a:fld id="{2724FB1A-835C-7637-DC63-F4C1716F584D}" type="slidenum">
               <a:rPr/>
               <a:t/>
             </a:fld>
@@ -6545,7 +7707,7 @@
       </p:grpSpPr>
       <p:sp>
         <p:nvSpPr>
-          <p:cNvPr id="580834707" name="Title 1"/>
+          <p:cNvPr id="2099567884" name="Title 1"/>
           <p:cNvSpPr>
             <a:spLocks noGrp="1"/>
           </p:cNvSpPr>
@@ -6591,7 +7753,7 @@
       </p:sp>
       <p:sp>
         <p:nvSpPr>
-          <p:cNvPr id="1531146112" name="Subtitle 2"/>
+          <p:cNvPr id="1317378955" name="Subtitle 2"/>
           <p:cNvSpPr>
             <a:spLocks noGrp="1"/>
           </p:cNvSpPr>
@@ -9909,6 +11071,756 @@
 </p:sld>
 </file>
 
+<file path=ppt/slides/slide26.xml><?xml version="1.0" encoding="utf-8"?>
+<p:sld xmlns:a="http://schemas.openxmlformats.org/drawingml/2006/main" xmlns:r="http://schemas.openxmlformats.org/officeDocument/2006/relationships" xmlns:p="http://schemas.openxmlformats.org/presentationml/2006/main" xmlns:m="http://schemas.openxmlformats.org/officeDocument/2006/math" xmlns:w="http://schemas.openxmlformats.org/wordprocessingml/2006/main" xmlns:mc="http://schemas.openxmlformats.org/markup-compatibility/2006" showMasterPhAnim="0" showMasterSp="1" show="1">
+  <p:cSld name="">
+    <p:spTree>
+      <p:nvGrpSpPr>
+        <p:cNvPr id="1" name=""/>
+        <p:cNvGrpSpPr/>
+        <p:nvPr/>
+      </p:nvGrpSpPr>
+      <p:grpSpPr bwMode="auto">
+        <a:xfrm>
+          <a:off x="0" y="0"/>
+          <a:ext cx="0" cy="0"/>
+          <a:chOff x="0" y="0"/>
+          <a:chExt cx="0" cy="0"/>
+        </a:xfrm>
+      </p:grpSpPr>
+      <p:sp>
+        <p:nvSpPr>
+          <p:cNvPr id="947430251" name="Title 1"/>
+          <p:cNvSpPr>
+            <a:spLocks noGrp="1"/>
+          </p:cNvSpPr>
+          <p:nvPr>
+            <p:ph type="title"/>
+          </p:nvPr>
+        </p:nvSpPr>
+        <p:spPr bwMode="auto"/>
+        <p:txBody>
+          <a:bodyPr vertOverflow="overflow" horzOverflow="overflow" vert="horz" wrap="square" lIns="91440" tIns="45720" rIns="91440" bIns="45720" numCol="1" spcCol="0" rtlCol="0" fromWordArt="0" anchor="ctr" anchorCtr="0" forceAA="0" upright="0" compatLnSpc="0">
+            <a:normAutofit/>
+          </a:bodyPr>
+          <a:lstStyle/>
+          <a:p>
+            <a:pPr>
+              <a:defRPr/>
+            </a:pPr>
+            <a:r>
+              <a:rPr lang="en-AU" sz="4400" b="0" i="0" u="none" strike="noStrike" cap="none" spc="0">
+                <a:solidFill>
+                  <a:schemeClr val="tx1">
+                    <a:lumMod val="65000"/>
+                    <a:lumOff val="35000"/>
+                  </a:schemeClr>
+                </a:solidFill>
+                <a:latin typeface="Arial"/>
+                <a:ea typeface="Arial"/>
+                <a:cs typeface="Arial"/>
+              </a:rPr>
+              <a:t>Brisbane Branch</a:t>
+            </a:r>
+            <a:r>
+              <a:rPr lang="en-AU" sz="4400" b="0" i="0" u="none" strike="noStrike" cap="none" spc="0">
+                <a:solidFill>
+                  <a:schemeClr val="tx1">
+                    <a:lumMod val="65000"/>
+                    <a:lumOff val="35000"/>
+                  </a:schemeClr>
+                </a:solidFill>
+                <a:latin typeface="Arial"/>
+                <a:ea typeface="Arial"/>
+                <a:cs typeface="Arial"/>
+              </a:rPr>
+              <a:t> - Local</a:t>
+            </a:r>
+            <a:endParaRPr sz="4400"/>
+          </a:p>
+        </p:txBody>
+      </p:sp>
+      <p:sp>
+        <p:nvSpPr>
+          <p:cNvPr id="94039914" name=""/>
+          <p:cNvSpPr txBox="1"/>
+          <p:nvPr/>
+        </p:nvSpPr>
+        <p:spPr bwMode="auto">
+          <a:xfrm flipH="0" flipV="0">
+            <a:off x="6779278" y="2614392"/>
+            <a:ext cx="4824361" cy="1554840"/>
+          </a:xfrm>
+          <a:prstGeom prst="rect">
+            <a:avLst/>
+          </a:prstGeom>
+          <a:noFill/>
+        </p:spPr>
+        <p:txBody>
+          <a:bodyPr vertOverflow="overflow" horzOverflow="overflow" vert="horz" wrap="square" lIns="91440" tIns="45720" rIns="91440" bIns="45720" numCol="1" spcCol="0" rtlCol="0" fromWordArt="0" anchor="t" anchorCtr="0" forceAA="0" upright="0" compatLnSpc="0">
+            <a:spAutoFit/>
+          </a:bodyPr>
+          <a:p>
+            <a:pPr algn="l">
+              <a:defRPr/>
+            </a:pPr>
+            <a:r>
+              <a:rPr lang="en-GB" sz="3200" b="0" i="0" u="none" strike="noStrike" cap="none" spc="0">
+                <a:solidFill>
+                  <a:schemeClr val="tx1">
+                    <a:lumMod val="75000"/>
+                    <a:lumOff val="25000"/>
+                  </a:schemeClr>
+                </a:solidFill>
+                <a:latin typeface="Arial"/>
+                <a:ea typeface="Arial"/>
+                <a:cs typeface="Arial"/>
+              </a:rPr>
+              <a:t>Sydney Branch and  Brisbane Branch</a:t>
+            </a:r>
+            <a:r>
+              <a:rPr lang="en-AU" sz="3200" b="0" i="0" u="none" strike="noStrike" cap="none" spc="0">
+                <a:solidFill>
+                  <a:schemeClr val="tx1">
+                    <a:lumMod val="75000"/>
+                    <a:lumOff val="25000"/>
+                  </a:schemeClr>
+                </a:solidFill>
+                <a:latin typeface="Arial"/>
+                <a:ea typeface="Arial"/>
+                <a:cs typeface="Arial"/>
+              </a:rPr>
+              <a:t> over IPv4</a:t>
+            </a:r>
+            <a:endParaRPr sz="3200">
+              <a:solidFill>
+                <a:schemeClr val="tx1">
+                  <a:lumMod val="75000"/>
+                  <a:lumOff val="25000"/>
+                </a:schemeClr>
+              </a:solidFill>
+            </a:endParaRPr>
+          </a:p>
+        </p:txBody>
+      </p:sp>
+      <p:pic>
+        <p:nvPicPr>
+          <p:cNvPr id="1186022452" name=""/>
+          <p:cNvPicPr>
+            <a:picLocks noChangeAspect="1"/>
+          </p:cNvPicPr>
+          <p:nvPr/>
+        </p:nvPicPr>
+        <p:blipFill>
+          <a:blip r:embed="rId3"/>
+          <a:stretch/>
+        </p:blipFill>
+        <p:spPr bwMode="auto">
+          <a:xfrm rot="0" flipH="0" flipV="0">
+            <a:off x="609599" y="2614392"/>
+            <a:ext cx="5731509" cy="2812150"/>
+          </a:xfrm>
+          <a:prstGeom prst="rect">
+            <a:avLst/>
+          </a:prstGeom>
+        </p:spPr>
+      </p:pic>
+    </p:spTree>
+  </p:cSld>
+  <p:clrMapOvr>
+    <a:masterClrMapping/>
+  </p:clrMapOvr>
+  <mc:AlternateContent xmlns:mc="http://schemas.openxmlformats.org/markup-compatibility/2006">
+    <mc:Choice xmlns:p159="http://schemas.microsoft.com/office/powerpoint/2015/09/main" xmlns:p14="http://schemas.microsoft.com/office/powerpoint/2010/main" Requires="p159">
+      <p:transition p14:dur="2000" advClick="1"/>
+    </mc:Choice>
+    <mc:Fallback>
+      <p:transition advClick="1"/>
+    </mc:Fallback>
+  </mc:AlternateContent>
+</p:sld>
+</file>
+
+<file path=ppt/slides/slide27.xml><?xml version="1.0" encoding="utf-8"?>
+<p:sld xmlns:a="http://schemas.openxmlformats.org/drawingml/2006/main" xmlns:r="http://schemas.openxmlformats.org/officeDocument/2006/relationships" xmlns:p="http://schemas.openxmlformats.org/presentationml/2006/main" xmlns:m="http://schemas.openxmlformats.org/officeDocument/2006/math" xmlns:w="http://schemas.openxmlformats.org/wordprocessingml/2006/main" xmlns:mc="http://schemas.openxmlformats.org/markup-compatibility/2006" showMasterPhAnim="0" showMasterSp="1" show="1">
+  <p:cSld name="">
+    <p:spTree>
+      <p:nvGrpSpPr>
+        <p:cNvPr id="1" name=""/>
+        <p:cNvGrpSpPr/>
+        <p:nvPr/>
+      </p:nvGrpSpPr>
+      <p:grpSpPr bwMode="auto">
+        <a:xfrm>
+          <a:off x="0" y="0"/>
+          <a:ext cx="0" cy="0"/>
+          <a:chOff x="0" y="0"/>
+          <a:chExt cx="0" cy="0"/>
+        </a:xfrm>
+      </p:grpSpPr>
+      <p:sp>
+        <p:nvSpPr>
+          <p:cNvPr id="386318760" name="Title 1"/>
+          <p:cNvSpPr>
+            <a:spLocks noGrp="1"/>
+          </p:cNvSpPr>
+          <p:nvPr>
+            <p:ph type="title"/>
+          </p:nvPr>
+        </p:nvSpPr>
+        <p:spPr bwMode="auto"/>
+        <p:txBody>
+          <a:bodyPr vertOverflow="overflow" horzOverflow="overflow" vert="horz" wrap="square" lIns="91440" tIns="45720" rIns="91440" bIns="45720" numCol="1" spcCol="0" rtlCol="0" fromWordArt="0" anchor="ctr" anchorCtr="0" forceAA="0" upright="0" compatLnSpc="0">
+            <a:normAutofit/>
+          </a:bodyPr>
+          <a:lstStyle/>
+          <a:p>
+            <a:pPr>
+              <a:defRPr/>
+            </a:pPr>
+            <a:r>
+              <a:rPr lang="en-AU" sz="4400" b="0" i="0" u="none" strike="noStrike" cap="none" spc="0">
+                <a:solidFill>
+                  <a:schemeClr val="tx1">
+                    <a:lumMod val="65000"/>
+                    <a:lumOff val="35000"/>
+                  </a:schemeClr>
+                </a:solidFill>
+                <a:latin typeface="Arial"/>
+                <a:ea typeface="Arial"/>
+                <a:cs typeface="Arial"/>
+              </a:rPr>
+              <a:t>Brisbane Branch</a:t>
+            </a:r>
+            <a:r>
+              <a:rPr lang="en-AU" sz="4400" b="0" i="0" u="none" strike="noStrike" cap="none" spc="0">
+                <a:solidFill>
+                  <a:schemeClr val="tx1">
+                    <a:lumMod val="65000"/>
+                    <a:lumOff val="35000"/>
+                  </a:schemeClr>
+                </a:solidFill>
+                <a:latin typeface="Arial"/>
+                <a:ea typeface="Arial"/>
+                <a:cs typeface="Arial"/>
+              </a:rPr>
+              <a:t> - Local</a:t>
+            </a:r>
+            <a:endParaRPr sz="4400"/>
+          </a:p>
+        </p:txBody>
+      </p:sp>
+      <p:sp>
+        <p:nvSpPr>
+          <p:cNvPr id="2082219457" name=""/>
+          <p:cNvSpPr txBox="1"/>
+          <p:nvPr/>
+        </p:nvSpPr>
+        <p:spPr bwMode="auto">
+          <a:xfrm flipH="0" flipV="0">
+            <a:off x="6779278" y="2614392"/>
+            <a:ext cx="4825081" cy="1554840"/>
+          </a:xfrm>
+          <a:prstGeom prst="rect">
+            <a:avLst/>
+          </a:prstGeom>
+          <a:noFill/>
+        </p:spPr>
+        <p:txBody>
+          <a:bodyPr vertOverflow="overflow" horzOverflow="overflow" vert="horz" wrap="square" lIns="91440" tIns="45720" rIns="91440" bIns="45720" numCol="1" spcCol="0" rtlCol="0" fromWordArt="0" anchor="t" anchorCtr="0" forceAA="0" upright="0" compatLnSpc="0">
+            <a:spAutoFit/>
+          </a:bodyPr>
+          <a:p>
+            <a:pPr algn="l">
+              <a:defRPr/>
+            </a:pPr>
+            <a:r>
+              <a:rPr lang="en-GB" sz="3200" b="0" i="0" u="none" strike="noStrike" cap="none" spc="0">
+                <a:solidFill>
+                  <a:schemeClr val="tx1">
+                    <a:lumMod val="75000"/>
+                    <a:lumOff val="25000"/>
+                  </a:schemeClr>
+                </a:solidFill>
+                <a:latin typeface="Arial"/>
+                <a:ea typeface="Arial"/>
+                <a:cs typeface="Arial"/>
+              </a:rPr>
+              <a:t>Sydney Branch and  Brisbane Branch</a:t>
+            </a:r>
+            <a:r>
+              <a:rPr lang="en-AU" sz="3200" b="0" i="0" u="none" strike="noStrike" cap="none" spc="0">
+                <a:solidFill>
+                  <a:schemeClr val="tx1">
+                    <a:lumMod val="75000"/>
+                    <a:lumOff val="25000"/>
+                  </a:schemeClr>
+                </a:solidFill>
+                <a:latin typeface="Arial"/>
+                <a:ea typeface="Arial"/>
+                <a:cs typeface="Arial"/>
+              </a:rPr>
+              <a:t> over IPv6</a:t>
+            </a:r>
+            <a:endParaRPr sz="3200">
+              <a:solidFill>
+                <a:schemeClr val="tx1">
+                  <a:lumMod val="75000"/>
+                  <a:lumOff val="25000"/>
+                </a:schemeClr>
+              </a:solidFill>
+            </a:endParaRPr>
+          </a:p>
+        </p:txBody>
+      </p:sp>
+      <p:pic>
+        <p:nvPicPr>
+          <p:cNvPr id="1461842965" name=""/>
+          <p:cNvPicPr>
+            <a:picLocks noChangeAspect="1"/>
+          </p:cNvPicPr>
+          <p:nvPr/>
+        </p:nvPicPr>
+        <p:blipFill>
+          <a:blip r:embed="rId3"/>
+          <a:stretch/>
+        </p:blipFill>
+        <p:spPr bwMode="auto">
+          <a:xfrm rot="0" flipH="0" flipV="0">
+            <a:off x="609599" y="2614392"/>
+            <a:ext cx="5731509" cy="3502138"/>
+          </a:xfrm>
+          <a:prstGeom prst="rect">
+            <a:avLst/>
+          </a:prstGeom>
+        </p:spPr>
+      </p:pic>
+    </p:spTree>
+  </p:cSld>
+  <p:clrMapOvr>
+    <a:masterClrMapping/>
+  </p:clrMapOvr>
+  <mc:AlternateContent xmlns:mc="http://schemas.openxmlformats.org/markup-compatibility/2006">
+    <mc:Choice xmlns:p159="http://schemas.microsoft.com/office/powerpoint/2015/09/main" xmlns:p14="http://schemas.microsoft.com/office/powerpoint/2010/main" Requires="p159">
+      <p:transition p14:dur="2000" advClick="1"/>
+    </mc:Choice>
+    <mc:Fallback>
+      <p:transition advClick="1"/>
+    </mc:Fallback>
+  </mc:AlternateContent>
+</p:sld>
+</file>
+
+<file path=ppt/slides/slide28.xml><?xml version="1.0" encoding="utf-8"?>
+<p:sld xmlns:a="http://schemas.openxmlformats.org/drawingml/2006/main" xmlns:r="http://schemas.openxmlformats.org/officeDocument/2006/relationships" xmlns:p="http://schemas.openxmlformats.org/presentationml/2006/main" xmlns:m="http://schemas.openxmlformats.org/officeDocument/2006/math" xmlns:w="http://schemas.openxmlformats.org/wordprocessingml/2006/main" xmlns:mc="http://schemas.openxmlformats.org/markup-compatibility/2006" showMasterPhAnim="0" showMasterSp="1" show="1">
+  <p:cSld name="">
+    <p:spTree>
+      <p:nvGrpSpPr>
+        <p:cNvPr id="1" name=""/>
+        <p:cNvGrpSpPr/>
+        <p:nvPr/>
+      </p:nvGrpSpPr>
+      <p:grpSpPr bwMode="auto">
+        <a:xfrm>
+          <a:off x="0" y="0"/>
+          <a:ext cx="0" cy="0"/>
+          <a:chOff x="0" y="0"/>
+          <a:chExt cx="0" cy="0"/>
+        </a:xfrm>
+      </p:grpSpPr>
+      <p:sp>
+        <p:nvSpPr>
+          <p:cNvPr id="1257230805" name="Subtitle 2"/>
+          <p:cNvSpPr>
+            <a:spLocks noGrp="1"/>
+          </p:cNvSpPr>
+          <p:nvPr>
+            <p:ph type="subTitle" idx="1"/>
+          </p:nvPr>
+        </p:nvSpPr>
+        <p:spPr bwMode="auto">
+          <a:xfrm>
+            <a:off x="4655839" y="2708919"/>
+            <a:ext cx="6720746" cy="720079"/>
+          </a:xfrm>
+        </p:spPr>
+        <p:txBody>
+          <a:bodyPr/>
+          <a:lstStyle>
+            <a:lvl1pPr marL="0" indent="0" algn="r">
+              <a:buNone/>
+              <a:defRPr>
+                <a:solidFill>
+                  <a:schemeClr val="tx1">
+                    <a:lumMod val="50000"/>
+                    <a:lumOff val="50000"/>
+                  </a:schemeClr>
+                </a:solidFill>
+              </a:defRPr>
+            </a:lvl1pPr>
+            <a:lvl2pPr marL="457200" indent="0" algn="ctr">
+              <a:buNone/>
+              <a:defRPr>
+                <a:solidFill>
+                  <a:schemeClr val="tx1">
+                    <a:tint val="75000"/>
+                  </a:schemeClr>
+                </a:solidFill>
+              </a:defRPr>
+            </a:lvl2pPr>
+            <a:lvl3pPr marL="914400" indent="0" algn="ctr">
+              <a:buNone/>
+              <a:defRPr>
+                <a:solidFill>
+                  <a:schemeClr val="tx1">
+                    <a:tint val="75000"/>
+                  </a:schemeClr>
+                </a:solidFill>
+              </a:defRPr>
+            </a:lvl3pPr>
+            <a:lvl4pPr marL="1371600" indent="0" algn="ctr">
+              <a:buNone/>
+              <a:defRPr>
+                <a:solidFill>
+                  <a:schemeClr val="tx1">
+                    <a:tint val="75000"/>
+                  </a:schemeClr>
+                </a:solidFill>
+              </a:defRPr>
+            </a:lvl4pPr>
+            <a:lvl5pPr marL="1828800" indent="0" algn="ctr">
+              <a:buNone/>
+              <a:defRPr>
+                <a:solidFill>
+                  <a:schemeClr val="tx1">
+                    <a:tint val="75000"/>
+                  </a:schemeClr>
+                </a:solidFill>
+              </a:defRPr>
+            </a:lvl5pPr>
+            <a:lvl6pPr marL="2286000" indent="0" algn="ctr">
+              <a:buNone/>
+              <a:defRPr>
+                <a:solidFill>
+                  <a:schemeClr val="tx1">
+                    <a:tint val="75000"/>
+                  </a:schemeClr>
+                </a:solidFill>
+              </a:defRPr>
+            </a:lvl6pPr>
+            <a:lvl7pPr marL="2743200" indent="0" algn="ctr">
+              <a:buNone/>
+              <a:defRPr>
+                <a:solidFill>
+                  <a:schemeClr val="tx1">
+                    <a:tint val="75000"/>
+                  </a:schemeClr>
+                </a:solidFill>
+              </a:defRPr>
+            </a:lvl7pPr>
+            <a:lvl8pPr marL="3200400" indent="0" algn="ctr">
+              <a:buNone/>
+              <a:defRPr>
+                <a:solidFill>
+                  <a:schemeClr val="tx1">
+                    <a:tint val="75000"/>
+                  </a:schemeClr>
+                </a:solidFill>
+              </a:defRPr>
+            </a:lvl8pPr>
+            <a:lvl9pPr marL="3657600" indent="0" algn="ctr">
+              <a:buNone/>
+              <a:defRPr>
+                <a:solidFill>
+                  <a:schemeClr val="tx1">
+                    <a:tint val="75000"/>
+                  </a:schemeClr>
+                </a:solidFill>
+              </a:defRPr>
+            </a:lvl9pPr>
+          </a:lstStyle>
+          <a:p>
+            <a:pPr>
+              <a:defRPr/>
+            </a:pPr>
+            <a:r>
+              <a:rPr lang="en-AU"/>
+              <a:t>WAN</a:t>
+            </a:r>
+            <a:endParaRPr/>
+          </a:p>
+        </p:txBody>
+      </p:sp>
+      <p:sp>
+        <p:nvSpPr>
+          <p:cNvPr id="1798664128" name="Title 6"/>
+          <p:cNvSpPr>
+            <a:spLocks noGrp="1"/>
+          </p:cNvSpPr>
+          <p:nvPr>
+            <p:ph type="title"/>
+          </p:nvPr>
+        </p:nvSpPr>
+        <p:spPr bwMode="auto">
+          <a:xfrm flipH="0" flipV="0">
+            <a:off x="4595833" y="1208942"/>
+            <a:ext cx="6720746" cy="1319957"/>
+          </a:xfrm>
+        </p:spPr>
+        <p:txBody>
+          <a:bodyPr vertOverflow="overflow" horzOverflow="overflow" vert="horz" wrap="square" lIns="91440" tIns="45720" rIns="91440" bIns="45720" numCol="1" spcCol="0" rtlCol="0" fromWordArt="0" anchor="ctr" anchorCtr="0" forceAA="0" upright="0" compatLnSpc="0">
+            <a:normAutofit fontScale="95000" lnSpcReduction="1000"/>
+          </a:bodyPr>
+          <a:lstStyle>
+            <a:lvl1pPr algn="r">
+              <a:defRPr/>
+            </a:lvl1pPr>
+          </a:lstStyle>
+          <a:p>
+            <a:pPr>
+              <a:defRPr/>
+            </a:pPr>
+            <a:r>
+              <a:rPr lang="en-AU">
+                <a:latin typeface="Arial"/>
+                <a:ea typeface="Arial"/>
+                <a:cs typeface="Arial"/>
+              </a:rPr>
+              <a:t>Secure Access SSH &amp; Telnet</a:t>
+            </a:r>
+            <a:r>
+              <a:rPr lang="en-AU">
+                <a:latin typeface="Arial"/>
+                <a:ea typeface="Arial"/>
+                <a:cs typeface="Arial"/>
+              </a:rPr>
+              <a:t> </a:t>
+            </a:r>
+            <a:endParaRPr/>
+          </a:p>
+        </p:txBody>
+      </p:sp>
+    </p:spTree>
+  </p:cSld>
+  <p:clrMapOvr>
+    <a:masterClrMapping/>
+  </p:clrMapOvr>
+  <mc:AlternateContent xmlns:mc="http://schemas.openxmlformats.org/markup-compatibility/2006">
+    <mc:Choice xmlns:p159="http://schemas.microsoft.com/office/powerpoint/2015/09/main" xmlns:p14="http://schemas.microsoft.com/office/powerpoint/2010/main" Requires="p159">
+      <p:transition p14:dur="2000" advClick="1"/>
+    </mc:Choice>
+    <mc:Fallback>
+      <p:transition advClick="1"/>
+    </mc:Fallback>
+  </mc:AlternateContent>
+</p:sld>
+</file>
+
+<file path=ppt/slides/slide29.xml><?xml version="1.0" encoding="utf-8"?>
+<p:sld xmlns:a="http://schemas.openxmlformats.org/drawingml/2006/main" xmlns:r="http://schemas.openxmlformats.org/officeDocument/2006/relationships" xmlns:p="http://schemas.openxmlformats.org/presentationml/2006/main" xmlns:m="http://schemas.openxmlformats.org/officeDocument/2006/math" xmlns:w="http://schemas.openxmlformats.org/wordprocessingml/2006/main" xmlns:mc="http://schemas.openxmlformats.org/markup-compatibility/2006" showMasterPhAnim="0" showMasterSp="1" show="1">
+  <p:cSld name="">
+    <p:spTree>
+      <p:nvGrpSpPr>
+        <p:cNvPr id="1" name=""/>
+        <p:cNvGrpSpPr/>
+        <p:nvPr/>
+      </p:nvGrpSpPr>
+      <p:grpSpPr bwMode="auto">
+        <a:xfrm>
+          <a:off x="0" y="0"/>
+          <a:ext cx="0" cy="0"/>
+          <a:chOff x="0" y="0"/>
+          <a:chExt cx="0" cy="0"/>
+        </a:xfrm>
+      </p:grpSpPr>
+      <p:sp>
+        <p:nvSpPr>
+          <p:cNvPr id="1791250224" name="Subtitle 2"/>
+          <p:cNvSpPr>
+            <a:spLocks noGrp="1"/>
+          </p:cNvSpPr>
+          <p:nvPr>
+            <p:ph type="subTitle" idx="1"/>
+          </p:nvPr>
+        </p:nvSpPr>
+        <p:spPr bwMode="auto">
+          <a:xfrm>
+            <a:off x="4655839" y="2708919"/>
+            <a:ext cx="6720746" cy="720079"/>
+          </a:xfrm>
+        </p:spPr>
+        <p:txBody>
+          <a:bodyPr/>
+          <a:lstStyle>
+            <a:lvl1pPr marL="0" indent="0" algn="r">
+              <a:buNone/>
+              <a:defRPr>
+                <a:solidFill>
+                  <a:schemeClr val="tx1">
+                    <a:lumMod val="50000"/>
+                    <a:lumOff val="50000"/>
+                  </a:schemeClr>
+                </a:solidFill>
+              </a:defRPr>
+            </a:lvl1pPr>
+            <a:lvl2pPr marL="457200" indent="0" algn="ctr">
+              <a:buNone/>
+              <a:defRPr>
+                <a:solidFill>
+                  <a:schemeClr val="tx1">
+                    <a:tint val="75000"/>
+                  </a:schemeClr>
+                </a:solidFill>
+              </a:defRPr>
+            </a:lvl2pPr>
+            <a:lvl3pPr marL="914400" indent="0" algn="ctr">
+              <a:buNone/>
+              <a:defRPr>
+                <a:solidFill>
+                  <a:schemeClr val="tx1">
+                    <a:tint val="75000"/>
+                  </a:schemeClr>
+                </a:solidFill>
+              </a:defRPr>
+            </a:lvl3pPr>
+            <a:lvl4pPr marL="1371600" indent="0" algn="ctr">
+              <a:buNone/>
+              <a:defRPr>
+                <a:solidFill>
+                  <a:schemeClr val="tx1">
+                    <a:tint val="75000"/>
+                  </a:schemeClr>
+                </a:solidFill>
+              </a:defRPr>
+            </a:lvl4pPr>
+            <a:lvl5pPr marL="1828800" indent="0" algn="ctr">
+              <a:buNone/>
+              <a:defRPr>
+                <a:solidFill>
+                  <a:schemeClr val="tx1">
+                    <a:tint val="75000"/>
+                  </a:schemeClr>
+                </a:solidFill>
+              </a:defRPr>
+            </a:lvl5pPr>
+            <a:lvl6pPr marL="2286000" indent="0" algn="ctr">
+              <a:buNone/>
+              <a:defRPr>
+                <a:solidFill>
+                  <a:schemeClr val="tx1">
+                    <a:tint val="75000"/>
+                  </a:schemeClr>
+                </a:solidFill>
+              </a:defRPr>
+            </a:lvl6pPr>
+            <a:lvl7pPr marL="2743200" indent="0" algn="ctr">
+              <a:buNone/>
+              <a:defRPr>
+                <a:solidFill>
+                  <a:schemeClr val="tx1">
+                    <a:tint val="75000"/>
+                  </a:schemeClr>
+                </a:solidFill>
+              </a:defRPr>
+            </a:lvl7pPr>
+            <a:lvl8pPr marL="3200400" indent="0" algn="ctr">
+              <a:buNone/>
+              <a:defRPr>
+                <a:solidFill>
+                  <a:schemeClr val="tx1">
+                    <a:tint val="75000"/>
+                  </a:schemeClr>
+                </a:solidFill>
+              </a:defRPr>
+            </a:lvl8pPr>
+            <a:lvl9pPr marL="3657600" indent="0" algn="ctr">
+              <a:buNone/>
+              <a:defRPr>
+                <a:solidFill>
+                  <a:schemeClr val="tx1">
+                    <a:tint val="75000"/>
+                  </a:schemeClr>
+                </a:solidFill>
+              </a:defRPr>
+            </a:lvl9pPr>
+          </a:lstStyle>
+          <a:p>
+            <a:pPr>
+              <a:defRPr/>
+            </a:pPr>
+            <a:r>
+              <a:rPr lang="en-AU"/>
+              <a:t>WAN</a:t>
+            </a:r>
+            <a:endParaRPr/>
+          </a:p>
+        </p:txBody>
+      </p:sp>
+      <p:sp>
+        <p:nvSpPr>
+          <p:cNvPr id="729895597" name="Title 6"/>
+          <p:cNvSpPr>
+            <a:spLocks noGrp="1"/>
+          </p:cNvSpPr>
+          <p:nvPr>
+            <p:ph type="title"/>
+          </p:nvPr>
+        </p:nvSpPr>
+        <p:spPr bwMode="auto">
+          <a:xfrm flipH="0" flipV="0">
+            <a:off x="4595833" y="1208942"/>
+            <a:ext cx="6720746" cy="1319957"/>
+          </a:xfrm>
+        </p:spPr>
+        <p:txBody>
+          <a:bodyPr vertOverflow="overflow" horzOverflow="overflow" vert="horz" wrap="square" lIns="91440" tIns="45720" rIns="91440" bIns="45720" numCol="1" spcCol="0" rtlCol="0" fromWordArt="0" anchor="ctr" anchorCtr="0" forceAA="0" upright="0" compatLnSpc="0">
+            <a:normAutofit fontScale="95000" lnSpcReduction="1000"/>
+          </a:bodyPr>
+          <a:lstStyle>
+            <a:lvl1pPr algn="r">
+              <a:defRPr/>
+            </a:lvl1pPr>
+          </a:lstStyle>
+          <a:p>
+            <a:pPr>
+              <a:defRPr/>
+            </a:pPr>
+            <a:r>
+              <a:rPr lang="en-AU">
+                <a:latin typeface="Arial"/>
+                <a:ea typeface="Arial"/>
+                <a:cs typeface="Arial"/>
+              </a:rPr>
+              <a:t>Secure Access SSH &amp; Telnet</a:t>
+            </a:r>
+            <a:r>
+              <a:rPr lang="en-AU">
+                <a:latin typeface="Arial"/>
+                <a:ea typeface="Arial"/>
+                <a:cs typeface="Arial"/>
+              </a:rPr>
+              <a:t> </a:t>
+            </a:r>
+            <a:endParaRPr/>
+          </a:p>
+        </p:txBody>
+      </p:sp>
+    </p:spTree>
+  </p:cSld>
+  <p:clrMapOvr>
+    <a:masterClrMapping/>
+  </p:clrMapOvr>
+  <mc:AlternateContent xmlns:mc="http://schemas.openxmlformats.org/markup-compatibility/2006">
+    <mc:Choice xmlns:p159="http://schemas.microsoft.com/office/powerpoint/2015/09/main" xmlns:p14="http://schemas.microsoft.com/office/powerpoint/2010/main" Requires="p159">
+      <p:transition p14:dur="2000" advClick="1"/>
+    </mc:Choice>
+    <mc:Fallback>
+      <p:transition advClick="1"/>
+    </mc:Fallback>
+  </mc:AlternateContent>
+</p:sld>
+</file>
+
 <file path=ppt/slides/slide3.xml><?xml version="1.0" encoding="utf-8"?>
 <p:sld xmlns:a="http://schemas.openxmlformats.org/drawingml/2006/main" xmlns:r="http://schemas.openxmlformats.org/officeDocument/2006/relationships" xmlns:p="http://schemas.openxmlformats.org/presentationml/2006/main" xmlns:m="http://schemas.openxmlformats.org/officeDocument/2006/math" xmlns:w="http://schemas.openxmlformats.org/wordprocessingml/2006/main" xmlns:mc="http://schemas.openxmlformats.org/markup-compatibility/2006" showMasterPhAnim="0" showMasterSp="1" show="1">
   <p:cSld name="">
@@ -10065,6 +11977,2668 @@
           </a:prstGeom>
         </p:spPr>
       </p:pic>
+    </p:spTree>
+  </p:cSld>
+  <p:clrMapOvr>
+    <a:masterClrMapping/>
+  </p:clrMapOvr>
+  <mc:AlternateContent xmlns:mc="http://schemas.openxmlformats.org/markup-compatibility/2006">
+    <mc:Choice xmlns:p159="http://schemas.microsoft.com/office/powerpoint/2015/09/main" xmlns:p14="http://schemas.microsoft.com/office/powerpoint/2010/main" Requires="p159">
+      <p:transition p14:dur="2000" advClick="1"/>
+    </mc:Choice>
+    <mc:Fallback>
+      <p:transition advClick="1"/>
+    </mc:Fallback>
+  </mc:AlternateContent>
+</p:sld>
+</file>
+
+<file path=ppt/slides/slide30.xml><?xml version="1.0" encoding="utf-8"?>
+<p:sld xmlns:a="http://schemas.openxmlformats.org/drawingml/2006/main" xmlns:r="http://schemas.openxmlformats.org/officeDocument/2006/relationships" xmlns:p="http://schemas.openxmlformats.org/presentationml/2006/main" xmlns:m="http://schemas.openxmlformats.org/officeDocument/2006/math" xmlns:w="http://schemas.openxmlformats.org/wordprocessingml/2006/main" xmlns:mc="http://schemas.openxmlformats.org/markup-compatibility/2006" showMasterPhAnim="0" showMasterSp="1" show="1">
+  <p:cSld name="">
+    <p:spTree>
+      <p:nvGrpSpPr>
+        <p:cNvPr id="1" name=""/>
+        <p:cNvGrpSpPr/>
+        <p:nvPr/>
+      </p:nvGrpSpPr>
+      <p:grpSpPr bwMode="auto">
+        <a:xfrm>
+          <a:off x="0" y="0"/>
+          <a:ext cx="0" cy="0"/>
+          <a:chOff x="0" y="0"/>
+          <a:chExt cx="0" cy="0"/>
+        </a:xfrm>
+      </p:grpSpPr>
+      <p:sp>
+        <p:nvSpPr>
+          <p:cNvPr id="623377338" name="Title 1"/>
+          <p:cNvSpPr>
+            <a:spLocks noGrp="1"/>
+          </p:cNvSpPr>
+          <p:nvPr>
+            <p:ph type="title"/>
+          </p:nvPr>
+        </p:nvSpPr>
+        <p:spPr bwMode="auto"/>
+        <p:txBody>
+          <a:bodyPr vertOverflow="overflow" horzOverflow="overflow" vert="horz" wrap="square" lIns="91440" tIns="45720" rIns="91440" bIns="45720" numCol="1" spcCol="0" rtlCol="0" fromWordArt="0" anchor="ctr" anchorCtr="0" forceAA="0" upright="0" compatLnSpc="0">
+            <a:normAutofit/>
+          </a:bodyPr>
+          <a:lstStyle/>
+          <a:p>
+            <a:pPr>
+              <a:defRPr/>
+            </a:pPr>
+            <a:r>
+              <a:rPr lang="en-AU" sz="4400" b="0" i="0" u="none" strike="noStrike" cap="none" spc="0">
+                <a:solidFill>
+                  <a:schemeClr val="tx1">
+                    <a:lumMod val="65000"/>
+                    <a:lumOff val="35000"/>
+                  </a:schemeClr>
+                </a:solidFill>
+                <a:latin typeface="Arial"/>
+                <a:ea typeface="Arial"/>
+                <a:cs typeface="Arial"/>
+              </a:rPr>
+              <a:t>Secure Access</a:t>
+            </a:r>
+            <a:endParaRPr/>
+          </a:p>
+        </p:txBody>
+      </p:sp>
+      <p:sp>
+        <p:nvSpPr>
+          <p:cNvPr id="1524309055" name=""/>
+          <p:cNvSpPr txBox="1"/>
+          <p:nvPr/>
+        </p:nvSpPr>
+        <p:spPr bwMode="auto">
+          <a:xfrm flipH="0" flipV="0">
+            <a:off x="6779278" y="2614392"/>
+            <a:ext cx="4827601" cy="1554840"/>
+          </a:xfrm>
+          <a:prstGeom prst="rect">
+            <a:avLst/>
+          </a:prstGeom>
+          <a:noFill/>
+        </p:spPr>
+        <p:txBody>
+          <a:bodyPr vertOverflow="overflow" horzOverflow="overflow" vert="horz" wrap="square" lIns="91440" tIns="45720" rIns="91440" bIns="45720" numCol="1" spcCol="0" rtlCol="0" fromWordArt="0" anchor="t" anchorCtr="0" forceAA="0" upright="0" compatLnSpc="0">
+            <a:spAutoFit/>
+          </a:bodyPr>
+          <a:p>
+            <a:pPr algn="l">
+              <a:defRPr/>
+            </a:pPr>
+            <a:r>
+              <a:rPr lang="en-GB" sz="3200" b="1" i="0" u="none" strike="noStrike" cap="none" spc="0">
+                <a:solidFill>
+                  <a:schemeClr val="tx1">
+                    <a:lumMod val="75000"/>
+                    <a:lumOff val="25000"/>
+                  </a:schemeClr>
+                </a:solidFill>
+                <a:latin typeface="Arial"/>
+                <a:ea typeface="Arial"/>
+                <a:cs typeface="Arial"/>
+              </a:rPr>
+              <a:t>RT1</a:t>
+            </a:r>
+            <a:br>
+              <a:rPr lang="en-GB" sz="3200" b="0" i="0" u="none" strike="noStrike" cap="none" spc="0">
+                <a:solidFill>
+                  <a:schemeClr val="tx1">
+                    <a:lumMod val="75000"/>
+                    <a:lumOff val="25000"/>
+                  </a:schemeClr>
+                </a:solidFill>
+                <a:latin typeface="Arial"/>
+                <a:ea typeface="Arial"/>
+                <a:cs typeface="Arial"/>
+              </a:rPr>
+            </a:br>
+            <a:br>
+              <a:rPr lang="en-GB" sz="3200" b="0" i="0" u="none" strike="noStrike" cap="none" spc="0">
+                <a:solidFill>
+                  <a:schemeClr val="tx1">
+                    <a:lumMod val="75000"/>
+                    <a:lumOff val="25000"/>
+                  </a:schemeClr>
+                </a:solidFill>
+                <a:latin typeface="Arial"/>
+                <a:ea typeface="Arial"/>
+                <a:cs typeface="Arial"/>
+              </a:rPr>
+            </a:br>
+            <a:r>
+              <a:rPr lang="en-GB" sz="3200" b="0" i="0" u="none" strike="noStrike" cap="none" spc="0">
+                <a:solidFill>
+                  <a:schemeClr val="tx1">
+                    <a:lumMod val="75000"/>
+                    <a:lumOff val="25000"/>
+                  </a:schemeClr>
+                </a:solidFill>
+                <a:latin typeface="Arial"/>
+                <a:ea typeface="Arial"/>
+                <a:cs typeface="Arial"/>
+              </a:rPr>
+              <a:t>192.168.10.1</a:t>
+            </a:r>
+            <a:endParaRPr sz="3200">
+              <a:solidFill>
+                <a:schemeClr val="tx1">
+                  <a:lumMod val="75000"/>
+                  <a:lumOff val="25000"/>
+                </a:schemeClr>
+              </a:solidFill>
+            </a:endParaRPr>
+          </a:p>
+        </p:txBody>
+      </p:sp>
+      <p:pic>
+        <p:nvPicPr>
+          <p:cNvPr id="1551607705" name=""/>
+          <p:cNvPicPr>
+            <a:picLocks noChangeAspect="1"/>
+          </p:cNvPicPr>
+          <p:nvPr/>
+        </p:nvPicPr>
+        <p:blipFill>
+          <a:blip r:embed="rId3"/>
+          <a:stretch/>
+        </p:blipFill>
+        <p:spPr bwMode="auto">
+          <a:xfrm rot="0" flipH="0" flipV="0">
+            <a:off x="536330" y="1918334"/>
+            <a:ext cx="5731509" cy="1268106"/>
+          </a:xfrm>
+          <a:prstGeom prst="rect">
+            <a:avLst/>
+          </a:prstGeom>
+        </p:spPr>
+      </p:pic>
+      <p:pic>
+        <p:nvPicPr>
+          <p:cNvPr id="335539562" name=""/>
+          <p:cNvPicPr>
+            <a:picLocks noChangeAspect="1"/>
+          </p:cNvPicPr>
+          <p:nvPr/>
+        </p:nvPicPr>
+        <p:blipFill>
+          <a:blip r:embed="rId4"/>
+          <a:stretch/>
+        </p:blipFill>
+        <p:spPr bwMode="auto">
+          <a:xfrm rot="0" flipH="0" flipV="0">
+            <a:off x="536330" y="3391812"/>
+            <a:ext cx="5731509" cy="1651875"/>
+          </a:xfrm>
+          <a:prstGeom prst="rect">
+            <a:avLst/>
+          </a:prstGeom>
+        </p:spPr>
+      </p:pic>
+      <p:pic>
+        <p:nvPicPr>
+          <p:cNvPr id="1457103366" name=""/>
+          <p:cNvPicPr>
+            <a:picLocks noChangeAspect="1"/>
+          </p:cNvPicPr>
+          <p:nvPr/>
+        </p:nvPicPr>
+        <p:blipFill>
+          <a:blip r:embed="rId5"/>
+          <a:stretch/>
+        </p:blipFill>
+        <p:spPr bwMode="auto">
+          <a:xfrm rot="0" flipH="0" flipV="0">
+            <a:off x="536330" y="5330336"/>
+            <a:ext cx="5731509" cy="1651875"/>
+          </a:xfrm>
+          <a:prstGeom prst="rect">
+            <a:avLst/>
+          </a:prstGeom>
+        </p:spPr>
+      </p:pic>
+    </p:spTree>
+  </p:cSld>
+  <p:clrMapOvr>
+    <a:masterClrMapping/>
+  </p:clrMapOvr>
+  <mc:AlternateContent xmlns:mc="http://schemas.openxmlformats.org/markup-compatibility/2006">
+    <mc:Choice xmlns:p159="http://schemas.microsoft.com/office/powerpoint/2015/09/main" xmlns:p14="http://schemas.microsoft.com/office/powerpoint/2010/main" Requires="p159">
+      <p:transition p14:dur="2000" advClick="1"/>
+    </mc:Choice>
+    <mc:Fallback>
+      <p:transition advClick="1"/>
+    </mc:Fallback>
+  </mc:AlternateContent>
+</p:sld>
+</file>
+
+<file path=ppt/slides/slide31.xml><?xml version="1.0" encoding="utf-8"?>
+<p:sld xmlns:a="http://schemas.openxmlformats.org/drawingml/2006/main" xmlns:r="http://schemas.openxmlformats.org/officeDocument/2006/relationships" xmlns:p="http://schemas.openxmlformats.org/presentationml/2006/main" xmlns:m="http://schemas.openxmlformats.org/officeDocument/2006/math" xmlns:w="http://schemas.openxmlformats.org/wordprocessingml/2006/main" xmlns:mc="http://schemas.openxmlformats.org/markup-compatibility/2006" showMasterPhAnim="0" showMasterSp="1" show="1">
+  <p:cSld name="">
+    <p:spTree>
+      <p:nvGrpSpPr>
+        <p:cNvPr id="1" name=""/>
+        <p:cNvGrpSpPr/>
+        <p:nvPr/>
+      </p:nvGrpSpPr>
+      <p:grpSpPr bwMode="auto">
+        <a:xfrm>
+          <a:off x="0" y="0"/>
+          <a:ext cx="0" cy="0"/>
+          <a:chOff x="0" y="0"/>
+          <a:chExt cx="0" cy="0"/>
+        </a:xfrm>
+      </p:grpSpPr>
+      <p:sp>
+        <p:nvSpPr>
+          <p:cNvPr id="424041178" name="Title 1"/>
+          <p:cNvSpPr>
+            <a:spLocks noGrp="1"/>
+          </p:cNvSpPr>
+          <p:nvPr>
+            <p:ph type="title"/>
+          </p:nvPr>
+        </p:nvSpPr>
+        <p:spPr bwMode="auto"/>
+        <p:txBody>
+          <a:bodyPr vertOverflow="overflow" horzOverflow="overflow" vert="horz" wrap="square" lIns="91440" tIns="45720" rIns="91440" bIns="45720" numCol="1" spcCol="0" rtlCol="0" fromWordArt="0" anchor="ctr" anchorCtr="0" forceAA="0" upright="0" compatLnSpc="0">
+            <a:normAutofit/>
+          </a:bodyPr>
+          <a:lstStyle/>
+          <a:p>
+            <a:pPr>
+              <a:defRPr/>
+            </a:pPr>
+            <a:r>
+              <a:rPr lang="en-AU" sz="4400" b="0" i="0" u="none" strike="noStrike" cap="none" spc="0">
+                <a:solidFill>
+                  <a:schemeClr val="tx1">
+                    <a:lumMod val="65000"/>
+                    <a:lumOff val="35000"/>
+                  </a:schemeClr>
+                </a:solidFill>
+                <a:latin typeface="Arial"/>
+                <a:ea typeface="Arial"/>
+                <a:cs typeface="Arial"/>
+              </a:rPr>
+              <a:t>Secure Access</a:t>
+            </a:r>
+            <a:endParaRPr/>
+          </a:p>
+        </p:txBody>
+      </p:sp>
+      <p:sp>
+        <p:nvSpPr>
+          <p:cNvPr id="1583029221" name=""/>
+          <p:cNvSpPr txBox="1"/>
+          <p:nvPr/>
+        </p:nvSpPr>
+        <p:spPr bwMode="auto">
+          <a:xfrm flipH="0" flipV="0">
+            <a:off x="6779278" y="2614392"/>
+            <a:ext cx="4829761" cy="1554840"/>
+          </a:xfrm>
+          <a:prstGeom prst="rect">
+            <a:avLst/>
+          </a:prstGeom>
+          <a:noFill/>
+        </p:spPr>
+        <p:txBody>
+          <a:bodyPr vertOverflow="overflow" horzOverflow="overflow" vert="horz" wrap="square" lIns="91440" tIns="45720" rIns="91440" bIns="45720" numCol="1" spcCol="0" rtlCol="0" fromWordArt="0" anchor="t" anchorCtr="0" forceAA="0" upright="0" compatLnSpc="0">
+            <a:spAutoFit/>
+          </a:bodyPr>
+          <a:p>
+            <a:pPr algn="l">
+              <a:defRPr/>
+            </a:pPr>
+            <a:r>
+              <a:rPr lang="en-GB" sz="3200" b="1" i="0" u="none" strike="noStrike" cap="none" spc="0">
+                <a:solidFill>
+                  <a:schemeClr val="tx1">
+                    <a:lumMod val="75000"/>
+                    <a:lumOff val="25000"/>
+                  </a:schemeClr>
+                </a:solidFill>
+                <a:latin typeface="Arial"/>
+                <a:ea typeface="Arial"/>
+                <a:cs typeface="Arial"/>
+              </a:rPr>
+              <a:t>RT2 </a:t>
+            </a:r>
+            <a:br>
+              <a:rPr lang="en-GB" sz="3200" b="1" i="0" u="none" strike="noStrike" cap="none" spc="0">
+                <a:solidFill>
+                  <a:schemeClr val="tx1">
+                    <a:lumMod val="75000"/>
+                    <a:lumOff val="25000"/>
+                  </a:schemeClr>
+                </a:solidFill>
+                <a:latin typeface="Arial"/>
+                <a:ea typeface="Arial"/>
+                <a:cs typeface="Arial"/>
+              </a:rPr>
+            </a:br>
+            <a:br>
+              <a:rPr lang="en-GB" sz="3200" b="1" i="0" u="none" strike="noStrike" cap="none" spc="0">
+                <a:solidFill>
+                  <a:schemeClr val="tx1">
+                    <a:lumMod val="75000"/>
+                    <a:lumOff val="25000"/>
+                  </a:schemeClr>
+                </a:solidFill>
+                <a:latin typeface="Arial"/>
+                <a:ea typeface="Arial"/>
+                <a:cs typeface="Arial"/>
+              </a:rPr>
+            </a:br>
+            <a:r>
+              <a:rPr lang="en-GB" sz="3200" b="0" i="0" u="none" strike="noStrike" cap="none" spc="0">
+                <a:solidFill>
+                  <a:schemeClr val="tx1">
+                    <a:lumMod val="75000"/>
+                    <a:lumOff val="25000"/>
+                  </a:schemeClr>
+                </a:solidFill>
+                <a:latin typeface="Arial"/>
+                <a:ea typeface="Arial"/>
+                <a:cs typeface="Arial"/>
+              </a:rPr>
+              <a:t>2000::3</a:t>
+            </a:r>
+            <a:endParaRPr sz="3200">
+              <a:solidFill>
+                <a:schemeClr val="tx1">
+                  <a:lumMod val="75000"/>
+                  <a:lumOff val="25000"/>
+                </a:schemeClr>
+              </a:solidFill>
+            </a:endParaRPr>
+          </a:p>
+        </p:txBody>
+      </p:sp>
+      <p:pic>
+        <p:nvPicPr>
+          <p:cNvPr id="1262902381" name=""/>
+          <p:cNvPicPr>
+            <a:picLocks noChangeAspect="1"/>
+          </p:cNvPicPr>
+          <p:nvPr/>
+        </p:nvPicPr>
+        <p:blipFill>
+          <a:blip r:embed="rId3"/>
+          <a:stretch/>
+        </p:blipFill>
+        <p:spPr bwMode="auto">
+          <a:xfrm>
+            <a:off x="456111" y="1651875"/>
+            <a:ext cx="5731508" cy="1651875"/>
+          </a:xfrm>
+          <a:prstGeom prst="rect">
+            <a:avLst/>
+          </a:prstGeom>
+        </p:spPr>
+      </p:pic>
+      <p:pic>
+        <p:nvPicPr>
+          <p:cNvPr id="2123933246" name=""/>
+          <p:cNvPicPr>
+            <a:picLocks noChangeAspect="1"/>
+          </p:cNvPicPr>
+          <p:nvPr/>
+        </p:nvPicPr>
+        <p:blipFill>
+          <a:blip r:embed="rId4"/>
+          <a:stretch/>
+        </p:blipFill>
+        <p:spPr bwMode="auto">
+          <a:xfrm>
+            <a:off x="456111" y="3391811"/>
+            <a:ext cx="5731508" cy="1651875"/>
+          </a:xfrm>
+          <a:prstGeom prst="rect">
+            <a:avLst/>
+          </a:prstGeom>
+        </p:spPr>
+      </p:pic>
+      <p:pic>
+        <p:nvPicPr>
+          <p:cNvPr id="883784603" name=""/>
+          <p:cNvPicPr>
+            <a:picLocks noChangeAspect="1"/>
+          </p:cNvPicPr>
+          <p:nvPr/>
+        </p:nvPicPr>
+        <p:blipFill>
+          <a:blip r:embed="rId5"/>
+          <a:stretch/>
+        </p:blipFill>
+        <p:spPr bwMode="auto">
+          <a:xfrm>
+            <a:off x="456111" y="5220432"/>
+            <a:ext cx="5731508" cy="1651875"/>
+          </a:xfrm>
+          <a:prstGeom prst="rect">
+            <a:avLst/>
+          </a:prstGeom>
+        </p:spPr>
+      </p:pic>
+      <p:sp>
+        <p:nvSpPr>
+          <p:cNvPr id="735397937" name=""/>
+          <p:cNvSpPr txBox="1"/>
+          <p:nvPr/>
+        </p:nvSpPr>
+        <p:spPr bwMode="auto">
+          <a:xfrm flipH="0" flipV="0">
+            <a:off x="6004379" y="2279142"/>
+            <a:ext cx="183240" cy="2299715"/>
+          </a:xfrm>
+          <a:prstGeom prst="rect">
+            <a:avLst/>
+          </a:prstGeom>
+          <a:noFill/>
+        </p:spPr>
+        <p:txBody>
+          <a:bodyPr vertOverflow="overflow" horzOverflow="overflow" vert="horz" wrap="square" lIns="91440" tIns="45720" rIns="91440" bIns="45720" numCol="1" spcCol="0" rtlCol="0" fromWordArt="0" anchor="t" anchorCtr="0" forceAA="0" upright="0" compatLnSpc="0">
+            <a:spAutoFit/>
+          </a:bodyPr>
+          <a:p>
+            <a:pPr algn="l">
+              <a:lnSpc>
+                <a:spcPct val="114999"/>
+              </a:lnSpc>
+              <a:spcAft>
+                <a:spcPts val="0"/>
+              </a:spcAft>
+              <a:defRPr/>
+            </a:pPr>
+            <a:endParaRPr lang="en-AU">
+              <a:latin typeface="Arial"/>
+              <a:ea typeface="Arial"/>
+              <a:cs typeface="Arial"/>
+            </a:endParaRPr>
+          </a:p>
+          <a:p>
+            <a:pPr algn="l">
+              <a:lnSpc>
+                <a:spcPct val="114999"/>
+              </a:lnSpc>
+              <a:spcAft>
+                <a:spcPts val="0"/>
+              </a:spcAft>
+              <a:defRPr/>
+            </a:pPr>
+            <a:endParaRPr lang="en-AU">
+              <a:latin typeface="Arial"/>
+              <a:ea typeface="Arial"/>
+              <a:cs typeface="Arial"/>
+            </a:endParaRPr>
+          </a:p>
+          <a:p>
+            <a:pPr algn="l">
+              <a:lnSpc>
+                <a:spcPct val="114999"/>
+              </a:lnSpc>
+              <a:spcAft>
+                <a:spcPts val="0"/>
+              </a:spcAft>
+              <a:defRPr/>
+            </a:pPr>
+            <a:endParaRPr lang="en-AU">
+              <a:latin typeface="Arial"/>
+              <a:ea typeface="Arial"/>
+              <a:cs typeface="Arial"/>
+            </a:endParaRPr>
+          </a:p>
+          <a:p>
+            <a:pPr algn="l">
+              <a:lnSpc>
+                <a:spcPct val="114999"/>
+              </a:lnSpc>
+              <a:spcAft>
+                <a:spcPts val="0"/>
+              </a:spcAft>
+              <a:defRPr/>
+            </a:pPr>
+            <a:endParaRPr lang="en-AU">
+              <a:latin typeface="Arial"/>
+              <a:ea typeface="Arial"/>
+              <a:cs typeface="Arial"/>
+            </a:endParaRPr>
+          </a:p>
+          <a:p>
+            <a:pPr algn="l">
+              <a:lnSpc>
+                <a:spcPct val="114999"/>
+              </a:lnSpc>
+              <a:spcAft>
+                <a:spcPts val="0"/>
+              </a:spcAft>
+              <a:defRPr/>
+            </a:pPr>
+            <a:endParaRPr lang="en-AU">
+              <a:latin typeface="Arial"/>
+              <a:ea typeface="Arial"/>
+              <a:cs typeface="Arial"/>
+            </a:endParaRPr>
+          </a:p>
+          <a:p>
+            <a:pPr algn="l">
+              <a:lnSpc>
+                <a:spcPct val="114999"/>
+              </a:lnSpc>
+              <a:spcAft>
+                <a:spcPts val="0"/>
+              </a:spcAft>
+              <a:defRPr/>
+            </a:pPr>
+            <a:endParaRPr lang="en-AU">
+              <a:latin typeface="Arial"/>
+              <a:ea typeface="Arial"/>
+              <a:cs typeface="Arial"/>
+            </a:endParaRPr>
+          </a:p>
+          <a:p>
+            <a:pPr algn="l">
+              <a:lnSpc>
+                <a:spcPct val="114999"/>
+              </a:lnSpc>
+              <a:spcAft>
+                <a:spcPts val="0"/>
+              </a:spcAft>
+              <a:defRPr/>
+            </a:pPr>
+            <a:endParaRPr lang="en-AU">
+              <a:latin typeface="Arial"/>
+              <a:ea typeface="Arial"/>
+              <a:cs typeface="Arial"/>
+            </a:endParaRPr>
+          </a:p>
+        </p:txBody>
+      </p:sp>
+    </p:spTree>
+  </p:cSld>
+  <p:clrMapOvr>
+    <a:masterClrMapping/>
+  </p:clrMapOvr>
+  <mc:AlternateContent xmlns:mc="http://schemas.openxmlformats.org/markup-compatibility/2006">
+    <mc:Choice xmlns:p159="http://schemas.microsoft.com/office/powerpoint/2015/09/main" xmlns:p14="http://schemas.microsoft.com/office/powerpoint/2010/main" Requires="p159">
+      <p:transition p14:dur="2000" advClick="1"/>
+    </mc:Choice>
+    <mc:Fallback>
+      <p:transition advClick="1"/>
+    </mc:Fallback>
+  </mc:AlternateContent>
+</p:sld>
+</file>
+
+<file path=ppt/slides/slide32.xml><?xml version="1.0" encoding="utf-8"?>
+<p:sld xmlns:a="http://schemas.openxmlformats.org/drawingml/2006/main" xmlns:r="http://schemas.openxmlformats.org/officeDocument/2006/relationships" xmlns:p="http://schemas.openxmlformats.org/presentationml/2006/main" xmlns:m="http://schemas.openxmlformats.org/officeDocument/2006/math" xmlns:w="http://schemas.openxmlformats.org/wordprocessingml/2006/main" xmlns:mc="http://schemas.openxmlformats.org/markup-compatibility/2006" showMasterPhAnim="0" showMasterSp="1" show="1">
+  <p:cSld name="">
+    <p:spTree>
+      <p:nvGrpSpPr>
+        <p:cNvPr id="1" name=""/>
+        <p:cNvGrpSpPr/>
+        <p:nvPr/>
+      </p:nvGrpSpPr>
+      <p:grpSpPr bwMode="auto">
+        <a:xfrm>
+          <a:off x="0" y="0"/>
+          <a:ext cx="0" cy="0"/>
+          <a:chOff x="0" y="0"/>
+          <a:chExt cx="0" cy="0"/>
+        </a:xfrm>
+      </p:grpSpPr>
+      <p:sp>
+        <p:nvSpPr>
+          <p:cNvPr id="257648232" name="Title 1"/>
+          <p:cNvSpPr>
+            <a:spLocks noGrp="1"/>
+          </p:cNvSpPr>
+          <p:nvPr>
+            <p:ph type="title"/>
+          </p:nvPr>
+        </p:nvSpPr>
+        <p:spPr bwMode="auto"/>
+        <p:txBody>
+          <a:bodyPr vertOverflow="overflow" horzOverflow="overflow" vert="horz" wrap="square" lIns="91440" tIns="45720" rIns="91440" bIns="45720" numCol="1" spcCol="0" rtlCol="0" fromWordArt="0" anchor="ctr" anchorCtr="0" forceAA="0" upright="0" compatLnSpc="0">
+            <a:normAutofit/>
+          </a:bodyPr>
+          <a:lstStyle/>
+          <a:p>
+            <a:pPr>
+              <a:defRPr/>
+            </a:pPr>
+            <a:r>
+              <a:rPr lang="en-AU" sz="4400" b="0" i="0" u="none" strike="noStrike" cap="none" spc="0">
+                <a:solidFill>
+                  <a:schemeClr val="tx1">
+                    <a:lumMod val="65000"/>
+                    <a:lumOff val="35000"/>
+                  </a:schemeClr>
+                </a:solidFill>
+                <a:latin typeface="Arial"/>
+                <a:ea typeface="Arial"/>
+                <a:cs typeface="Arial"/>
+              </a:rPr>
+              <a:t>Secure Access</a:t>
+            </a:r>
+            <a:endParaRPr/>
+          </a:p>
+        </p:txBody>
+      </p:sp>
+      <p:sp>
+        <p:nvSpPr>
+          <p:cNvPr id="839331275" name=""/>
+          <p:cNvSpPr txBox="1"/>
+          <p:nvPr/>
+        </p:nvSpPr>
+        <p:spPr bwMode="auto">
+          <a:xfrm flipH="0" flipV="0">
+            <a:off x="6779278" y="2614392"/>
+            <a:ext cx="4835161" cy="1554840"/>
+          </a:xfrm>
+          <a:prstGeom prst="rect">
+            <a:avLst/>
+          </a:prstGeom>
+          <a:noFill/>
+        </p:spPr>
+        <p:txBody>
+          <a:bodyPr vertOverflow="overflow" horzOverflow="overflow" vert="horz" wrap="square" lIns="91440" tIns="45720" rIns="91440" bIns="45720" numCol="1" spcCol="0" rtlCol="0" fromWordArt="0" anchor="t" anchorCtr="0" forceAA="0" upright="0" compatLnSpc="0">
+            <a:spAutoFit/>
+          </a:bodyPr>
+          <a:p>
+            <a:pPr algn="l">
+              <a:defRPr/>
+            </a:pPr>
+            <a:r>
+              <a:rPr lang="en-GB" sz="3200" b="1" i="0" u="none" strike="noStrike" cap="none" spc="0">
+                <a:solidFill>
+                  <a:schemeClr val="tx1">
+                    <a:lumMod val="75000"/>
+                    <a:lumOff val="25000"/>
+                  </a:schemeClr>
+                </a:solidFill>
+                <a:latin typeface="Arial"/>
+                <a:ea typeface="Arial"/>
+                <a:cs typeface="Arial"/>
+              </a:rPr>
+              <a:t>sw10</a:t>
+            </a:r>
+            <a:br>
+              <a:rPr lang="en-GB" sz="3200" b="0" i="0" u="none" strike="noStrike" cap="none" spc="0">
+                <a:solidFill>
+                  <a:schemeClr val="tx1">
+                    <a:lumMod val="75000"/>
+                    <a:lumOff val="25000"/>
+                  </a:schemeClr>
+                </a:solidFill>
+                <a:latin typeface="Arial"/>
+                <a:ea typeface="Arial"/>
+                <a:cs typeface="Arial"/>
+              </a:rPr>
+            </a:br>
+            <a:br>
+              <a:rPr lang="en-GB" sz="3200" b="0" i="0" u="none" strike="noStrike" cap="none" spc="0">
+                <a:solidFill>
+                  <a:schemeClr val="tx1">
+                    <a:lumMod val="75000"/>
+                    <a:lumOff val="25000"/>
+                  </a:schemeClr>
+                </a:solidFill>
+                <a:latin typeface="Arial"/>
+                <a:ea typeface="Arial"/>
+                <a:cs typeface="Arial"/>
+              </a:rPr>
+            </a:br>
+            <a:r>
+              <a:rPr lang="en-GB" sz="3200" b="0" i="0" u="none" strike="noStrike" cap="none" spc="0">
+                <a:solidFill>
+                  <a:schemeClr val="tx1">
+                    <a:lumMod val="75000"/>
+                    <a:lumOff val="25000"/>
+                  </a:schemeClr>
+                </a:solidFill>
+                <a:latin typeface="Arial"/>
+                <a:ea typeface="Arial"/>
+                <a:cs typeface="Arial"/>
+              </a:rPr>
+              <a:t> VLAN1:192.168.40.98</a:t>
+            </a:r>
+            <a:endParaRPr sz="3200" b="0">
+              <a:solidFill>
+                <a:schemeClr val="tx1">
+                  <a:lumMod val="75000"/>
+                  <a:lumOff val="25000"/>
+                </a:schemeClr>
+              </a:solidFill>
+            </a:endParaRPr>
+          </a:p>
+        </p:txBody>
+      </p:sp>
+      <p:sp>
+        <p:nvSpPr>
+          <p:cNvPr id="470843289" name=""/>
+          <p:cNvSpPr txBox="1"/>
+          <p:nvPr/>
+        </p:nvSpPr>
+        <p:spPr bwMode="auto">
+          <a:xfrm flipH="0" flipV="0">
+            <a:off x="6004379" y="2279142"/>
+            <a:ext cx="183240" cy="2299715"/>
+          </a:xfrm>
+          <a:prstGeom prst="rect">
+            <a:avLst/>
+          </a:prstGeom>
+          <a:noFill/>
+        </p:spPr>
+        <p:txBody>
+          <a:bodyPr vertOverflow="overflow" horzOverflow="overflow" vert="horz" wrap="square" lIns="91440" tIns="45720" rIns="91440" bIns="45720" numCol="1" spcCol="0" rtlCol="0" fromWordArt="0" anchor="t" anchorCtr="0" forceAA="0" upright="0" compatLnSpc="0">
+            <a:spAutoFit/>
+          </a:bodyPr>
+          <a:p>
+            <a:pPr algn="l">
+              <a:lnSpc>
+                <a:spcPct val="114999"/>
+              </a:lnSpc>
+              <a:spcAft>
+                <a:spcPts val="0"/>
+              </a:spcAft>
+              <a:defRPr/>
+            </a:pPr>
+            <a:endParaRPr lang="en-AU">
+              <a:latin typeface="Arial"/>
+              <a:ea typeface="Arial"/>
+              <a:cs typeface="Arial"/>
+            </a:endParaRPr>
+          </a:p>
+          <a:p>
+            <a:pPr algn="l">
+              <a:lnSpc>
+                <a:spcPct val="114999"/>
+              </a:lnSpc>
+              <a:spcAft>
+                <a:spcPts val="0"/>
+              </a:spcAft>
+              <a:defRPr/>
+            </a:pPr>
+            <a:endParaRPr lang="en-AU">
+              <a:latin typeface="Arial"/>
+              <a:ea typeface="Arial"/>
+              <a:cs typeface="Arial"/>
+            </a:endParaRPr>
+          </a:p>
+          <a:p>
+            <a:pPr algn="l">
+              <a:lnSpc>
+                <a:spcPct val="114999"/>
+              </a:lnSpc>
+              <a:spcAft>
+                <a:spcPts val="0"/>
+              </a:spcAft>
+              <a:defRPr/>
+            </a:pPr>
+            <a:endParaRPr lang="en-AU">
+              <a:latin typeface="Arial"/>
+              <a:ea typeface="Arial"/>
+              <a:cs typeface="Arial"/>
+            </a:endParaRPr>
+          </a:p>
+          <a:p>
+            <a:pPr algn="l">
+              <a:lnSpc>
+                <a:spcPct val="114999"/>
+              </a:lnSpc>
+              <a:spcAft>
+                <a:spcPts val="0"/>
+              </a:spcAft>
+              <a:defRPr/>
+            </a:pPr>
+            <a:endParaRPr lang="en-AU">
+              <a:latin typeface="Arial"/>
+              <a:ea typeface="Arial"/>
+              <a:cs typeface="Arial"/>
+            </a:endParaRPr>
+          </a:p>
+          <a:p>
+            <a:pPr algn="l">
+              <a:lnSpc>
+                <a:spcPct val="114999"/>
+              </a:lnSpc>
+              <a:spcAft>
+                <a:spcPts val="0"/>
+              </a:spcAft>
+              <a:defRPr/>
+            </a:pPr>
+            <a:endParaRPr lang="en-AU">
+              <a:latin typeface="Arial"/>
+              <a:ea typeface="Arial"/>
+              <a:cs typeface="Arial"/>
+            </a:endParaRPr>
+          </a:p>
+          <a:p>
+            <a:pPr algn="l">
+              <a:lnSpc>
+                <a:spcPct val="114999"/>
+              </a:lnSpc>
+              <a:spcAft>
+                <a:spcPts val="0"/>
+              </a:spcAft>
+              <a:defRPr/>
+            </a:pPr>
+            <a:endParaRPr lang="en-AU">
+              <a:latin typeface="Arial"/>
+              <a:ea typeface="Arial"/>
+              <a:cs typeface="Arial"/>
+            </a:endParaRPr>
+          </a:p>
+          <a:p>
+            <a:pPr algn="l">
+              <a:lnSpc>
+                <a:spcPct val="114999"/>
+              </a:lnSpc>
+              <a:spcAft>
+                <a:spcPts val="0"/>
+              </a:spcAft>
+              <a:defRPr/>
+            </a:pPr>
+            <a:endParaRPr lang="en-AU">
+              <a:latin typeface="Arial"/>
+              <a:ea typeface="Arial"/>
+              <a:cs typeface="Arial"/>
+            </a:endParaRPr>
+          </a:p>
+        </p:txBody>
+      </p:sp>
+      <p:pic>
+        <p:nvPicPr>
+          <p:cNvPr id="1303695726" name=""/>
+          <p:cNvPicPr>
+            <a:picLocks noChangeAspect="1"/>
+          </p:cNvPicPr>
+          <p:nvPr/>
+        </p:nvPicPr>
+        <p:blipFill>
+          <a:blip r:embed="rId3"/>
+          <a:stretch/>
+        </p:blipFill>
+        <p:spPr bwMode="auto">
+          <a:xfrm>
+            <a:off x="364491" y="1919998"/>
+            <a:ext cx="5731508" cy="1651875"/>
+          </a:xfrm>
+          <a:prstGeom prst="rect">
+            <a:avLst/>
+          </a:prstGeom>
+        </p:spPr>
+      </p:pic>
+      <p:pic>
+        <p:nvPicPr>
+          <p:cNvPr id="1033501657" name=""/>
+          <p:cNvPicPr>
+            <a:picLocks noChangeAspect="1"/>
+          </p:cNvPicPr>
+          <p:nvPr/>
+        </p:nvPicPr>
+        <p:blipFill>
+          <a:blip r:embed="rId4"/>
+          <a:stretch/>
+        </p:blipFill>
+        <p:spPr bwMode="auto">
+          <a:xfrm>
+            <a:off x="456111" y="3571874"/>
+            <a:ext cx="5731508" cy="1651875"/>
+          </a:xfrm>
+          <a:prstGeom prst="rect">
+            <a:avLst/>
+          </a:prstGeom>
+        </p:spPr>
+      </p:pic>
+      <p:pic>
+        <p:nvPicPr>
+          <p:cNvPr id="886446192" name=""/>
+          <p:cNvPicPr>
+            <a:picLocks noChangeAspect="1"/>
+          </p:cNvPicPr>
+          <p:nvPr/>
+        </p:nvPicPr>
+        <p:blipFill>
+          <a:blip r:embed="rId5"/>
+          <a:stretch/>
+        </p:blipFill>
+        <p:spPr bwMode="auto">
+          <a:xfrm>
+            <a:off x="456111" y="5312018"/>
+            <a:ext cx="5731508" cy="1651875"/>
+          </a:xfrm>
+          <a:prstGeom prst="rect">
+            <a:avLst/>
+          </a:prstGeom>
+        </p:spPr>
+      </p:pic>
+      <p:sp>
+        <p:nvSpPr>
+          <p:cNvPr id="1336414612" name=""/>
+          <p:cNvSpPr txBox="1"/>
+          <p:nvPr/>
+        </p:nvSpPr>
+        <p:spPr bwMode="auto">
+          <a:xfrm flipH="0" flipV="0">
+            <a:off x="6004379" y="2676906"/>
+            <a:ext cx="183240" cy="1504187"/>
+          </a:xfrm>
+          <a:prstGeom prst="rect">
+            <a:avLst/>
+          </a:prstGeom>
+          <a:noFill/>
+        </p:spPr>
+        <p:txBody>
+          <a:bodyPr vertOverflow="overflow" horzOverflow="overflow" vert="horz" wrap="square" lIns="91440" tIns="45720" rIns="91440" bIns="45720" numCol="1" spcCol="0" rtlCol="0" fromWordArt="0" anchor="t" anchorCtr="0" forceAA="0" upright="0" compatLnSpc="0">
+            <a:spAutoFit/>
+          </a:bodyPr>
+          <a:p>
+            <a:pPr algn="l">
+              <a:lnSpc>
+                <a:spcPct val="114999"/>
+              </a:lnSpc>
+              <a:spcAft>
+                <a:spcPts val="0"/>
+              </a:spcAft>
+              <a:defRPr/>
+            </a:pPr>
+            <a:endParaRPr lang="en-AU">
+              <a:latin typeface="Arial"/>
+              <a:ea typeface="Arial"/>
+              <a:cs typeface="Arial"/>
+            </a:endParaRPr>
+          </a:p>
+          <a:p>
+            <a:pPr algn="l">
+              <a:defRPr/>
+            </a:pPr>
+            <a:endParaRPr lang="en-AU" b="1">
+              <a:latin typeface="Arial"/>
+              <a:ea typeface="Arial"/>
+              <a:cs typeface="Arial"/>
+            </a:endParaRPr>
+          </a:p>
+          <a:p>
+            <a:pPr algn="l">
+              <a:defRPr/>
+            </a:pPr>
+            <a:endParaRPr lang="en-AU" b="1">
+              <a:latin typeface="Arial"/>
+              <a:ea typeface="Arial"/>
+              <a:cs typeface="Arial"/>
+            </a:endParaRPr>
+          </a:p>
+          <a:p>
+            <a:pPr algn="l">
+              <a:defRPr/>
+            </a:pPr>
+            <a:endParaRPr lang="en-AU" b="1">
+              <a:latin typeface="Arial"/>
+              <a:ea typeface="Arial"/>
+              <a:cs typeface="Arial"/>
+            </a:endParaRPr>
+          </a:p>
+          <a:p>
+            <a:pPr algn="l">
+              <a:defRPr/>
+            </a:pPr>
+            <a:endParaRPr lang="en-AU" b="1">
+              <a:latin typeface="Arial"/>
+              <a:ea typeface="Arial"/>
+              <a:cs typeface="Arial"/>
+            </a:endParaRPr>
+          </a:p>
+        </p:txBody>
+      </p:sp>
+    </p:spTree>
+  </p:cSld>
+  <p:clrMapOvr>
+    <a:masterClrMapping/>
+  </p:clrMapOvr>
+  <mc:AlternateContent xmlns:mc="http://schemas.openxmlformats.org/markup-compatibility/2006">
+    <mc:Choice xmlns:p159="http://schemas.microsoft.com/office/powerpoint/2015/09/main" xmlns:p14="http://schemas.microsoft.com/office/powerpoint/2010/main" Requires="p159">
+      <p:transition p14:dur="2000" advClick="1"/>
+    </mc:Choice>
+    <mc:Fallback>
+      <p:transition advClick="1"/>
+    </mc:Fallback>
+  </mc:AlternateContent>
+</p:sld>
+</file>
+
+<file path=ppt/slides/slide33.xml><?xml version="1.0" encoding="utf-8"?>
+<p:sld xmlns:a="http://schemas.openxmlformats.org/drawingml/2006/main" xmlns:r="http://schemas.openxmlformats.org/officeDocument/2006/relationships" xmlns:p="http://schemas.openxmlformats.org/presentationml/2006/main" xmlns:m="http://schemas.openxmlformats.org/officeDocument/2006/math" xmlns:w="http://schemas.openxmlformats.org/wordprocessingml/2006/main" xmlns:mc="http://schemas.openxmlformats.org/markup-compatibility/2006" showMasterPhAnim="0" showMasterSp="1" show="1">
+  <p:cSld name="">
+    <p:spTree>
+      <p:nvGrpSpPr>
+        <p:cNvPr id="1" name=""/>
+        <p:cNvGrpSpPr/>
+        <p:nvPr/>
+      </p:nvGrpSpPr>
+      <p:grpSpPr bwMode="auto">
+        <a:xfrm>
+          <a:off x="0" y="0"/>
+          <a:ext cx="0" cy="0"/>
+          <a:chOff x="0" y="0"/>
+          <a:chExt cx="0" cy="0"/>
+        </a:xfrm>
+      </p:grpSpPr>
+      <p:sp>
+        <p:nvSpPr>
+          <p:cNvPr id="890795537" name="Title 1"/>
+          <p:cNvSpPr>
+            <a:spLocks noGrp="1"/>
+          </p:cNvSpPr>
+          <p:nvPr>
+            <p:ph type="title"/>
+          </p:nvPr>
+        </p:nvSpPr>
+        <p:spPr bwMode="auto"/>
+        <p:txBody>
+          <a:bodyPr vertOverflow="overflow" horzOverflow="overflow" vert="horz" wrap="square" lIns="91440" tIns="45720" rIns="91440" bIns="45720" numCol="1" spcCol="0" rtlCol="0" fromWordArt="0" anchor="ctr" anchorCtr="0" forceAA="0" upright="0" compatLnSpc="0">
+            <a:normAutofit fontScale="90000" lnSpcReduction="2000"/>
+          </a:bodyPr>
+          <a:lstStyle/>
+          <a:p>
+            <a:pPr>
+              <a:defRPr/>
+            </a:pPr>
+            <a:r>
+              <a:rPr lang="en-AU" sz="4400" b="0" i="0" u="none" strike="noStrike" cap="none" spc="0">
+                <a:solidFill>
+                  <a:schemeClr val="tx1">
+                    <a:lumMod val="65000"/>
+                    <a:lumOff val="35000"/>
+                  </a:schemeClr>
+                </a:solidFill>
+                <a:latin typeface="+mj-lt"/>
+                <a:ea typeface="+mj-ea"/>
+                <a:cs typeface="+mj-cs"/>
+              </a:rPr>
+              <a:t>Sydney Branch</a:t>
+            </a:r>
+            <a:endParaRPr sz="4400"/>
+          </a:p>
+          <a:p>
+            <a:pPr>
+              <a:defRPr/>
+            </a:pPr>
+            <a:endParaRPr/>
+          </a:p>
+        </p:txBody>
+      </p:sp>
+      <p:sp>
+        <p:nvSpPr>
+          <p:cNvPr id="1031304624" name=""/>
+          <p:cNvSpPr txBox="1"/>
+          <p:nvPr/>
+        </p:nvSpPr>
+        <p:spPr bwMode="auto">
+          <a:xfrm flipH="0" flipV="0">
+            <a:off x="6779278" y="2614392"/>
+            <a:ext cx="4830121" cy="2042519"/>
+          </a:xfrm>
+          <a:prstGeom prst="rect">
+            <a:avLst/>
+          </a:prstGeom>
+          <a:noFill/>
+        </p:spPr>
+        <p:txBody>
+          <a:bodyPr vertOverflow="overflow" horzOverflow="overflow" vert="horz" wrap="square" lIns="91440" tIns="45720" rIns="91440" bIns="45720" numCol="1" spcCol="0" rtlCol="0" fromWordArt="0" anchor="t" anchorCtr="0" forceAA="0" upright="0" compatLnSpc="0">
+            <a:spAutoFit/>
+          </a:bodyPr>
+          <a:p>
+            <a:pPr algn="l">
+              <a:defRPr/>
+            </a:pPr>
+            <a:r>
+              <a:rPr lang="en-GB" sz="3200" b="1" i="0" u="none" strike="noStrike" cap="none" spc="0">
+                <a:solidFill>
+                  <a:schemeClr val="tx1">
+                    <a:lumMod val="75000"/>
+                    <a:lumOff val="25000"/>
+                  </a:schemeClr>
+                </a:solidFill>
+                <a:latin typeface="Arial"/>
+                <a:ea typeface="Arial"/>
+                <a:cs typeface="Arial"/>
+              </a:rPr>
+              <a:t>RT1</a:t>
+            </a:r>
+            <a:br>
+              <a:rPr lang="en-GB" sz="3200" b="0" i="0" u="none" strike="noStrike" cap="none" spc="0">
+                <a:solidFill>
+                  <a:schemeClr val="tx1">
+                    <a:lumMod val="75000"/>
+                    <a:lumOff val="25000"/>
+                  </a:schemeClr>
+                </a:solidFill>
+                <a:latin typeface="Arial"/>
+                <a:ea typeface="Arial"/>
+                <a:cs typeface="Arial"/>
+              </a:rPr>
+            </a:br>
+            <a:br>
+              <a:rPr lang="en-GB" sz="3200" b="0" i="0" u="none" strike="noStrike" cap="none" spc="0">
+                <a:solidFill>
+                  <a:schemeClr val="tx1">
+                    <a:lumMod val="75000"/>
+                    <a:lumOff val="25000"/>
+                  </a:schemeClr>
+                </a:solidFill>
+                <a:latin typeface="Arial"/>
+                <a:ea typeface="Arial"/>
+                <a:cs typeface="Arial"/>
+              </a:rPr>
+            </a:br>
+            <a:r>
+              <a:rPr lang="en-GB" sz="3200" b="0" i="0" u="none" strike="noStrike" cap="none" spc="0">
+                <a:solidFill>
+                  <a:schemeClr val="tx1">
+                    <a:lumMod val="75000"/>
+                    <a:lumOff val="25000"/>
+                  </a:schemeClr>
+                </a:solidFill>
+                <a:latin typeface="Arial"/>
+                <a:ea typeface="Arial"/>
+                <a:cs typeface="Arial"/>
+              </a:rPr>
+              <a:t>New PC configured to DHCP and IPv6 Auto</a:t>
+            </a:r>
+            <a:endParaRPr sz="3200">
+              <a:solidFill>
+                <a:schemeClr val="tx1">
+                  <a:lumMod val="75000"/>
+                  <a:lumOff val="25000"/>
+                </a:schemeClr>
+              </a:solidFill>
+            </a:endParaRPr>
+          </a:p>
+        </p:txBody>
+      </p:sp>
+      <p:pic>
+        <p:nvPicPr>
+          <p:cNvPr id="768604582" name=""/>
+          <p:cNvPicPr>
+            <a:picLocks noChangeAspect="1"/>
+          </p:cNvPicPr>
+          <p:nvPr/>
+        </p:nvPicPr>
+        <p:blipFill>
+          <a:blip r:embed="rId3"/>
+          <a:stretch/>
+        </p:blipFill>
+        <p:spPr bwMode="auto">
+          <a:xfrm>
+            <a:off x="609599" y="2614392"/>
+            <a:ext cx="5731508" cy="1872621"/>
+          </a:xfrm>
+          <a:prstGeom prst="rect">
+            <a:avLst/>
+          </a:prstGeom>
+        </p:spPr>
+      </p:pic>
+      <p:pic>
+        <p:nvPicPr>
+          <p:cNvPr id="783522496" name=""/>
+          <p:cNvPicPr>
+            <a:picLocks noChangeAspect="1"/>
+          </p:cNvPicPr>
+          <p:nvPr/>
+        </p:nvPicPr>
+        <p:blipFill>
+          <a:blip r:embed="rId4"/>
+          <a:stretch/>
+        </p:blipFill>
+        <p:spPr bwMode="auto">
+          <a:xfrm>
+            <a:off x="609599" y="4805826"/>
+            <a:ext cx="5731508" cy="1368864"/>
+          </a:xfrm>
+          <a:prstGeom prst="rect">
+            <a:avLst/>
+          </a:prstGeom>
+        </p:spPr>
+      </p:pic>
+      <p:sp>
+        <p:nvSpPr>
+          <p:cNvPr id="158216329" name=""/>
+          <p:cNvSpPr txBox="1"/>
+          <p:nvPr/>
+        </p:nvSpPr>
+        <p:spPr bwMode="auto">
+          <a:xfrm flipH="0" flipV="0">
+            <a:off x="6004379" y="2752343"/>
+            <a:ext cx="183240" cy="1353312"/>
+          </a:xfrm>
+          <a:prstGeom prst="rect">
+            <a:avLst/>
+          </a:prstGeom>
+          <a:noFill/>
+        </p:spPr>
+        <p:txBody>
+          <a:bodyPr vertOverflow="overflow" horzOverflow="overflow" vert="horz" wrap="square" lIns="91440" tIns="45720" rIns="91440" bIns="45720" numCol="1" spcCol="0" rtlCol="0" fromWordArt="0" anchor="t" anchorCtr="0" forceAA="0" upright="0" compatLnSpc="0">
+            <a:spAutoFit/>
+          </a:bodyPr>
+          <a:p>
+            <a:pPr algn="l">
+              <a:lnSpc>
+                <a:spcPct val="114999"/>
+              </a:lnSpc>
+              <a:spcAft>
+                <a:spcPts val="0"/>
+              </a:spcAft>
+              <a:defRPr/>
+            </a:pPr>
+            <a:endParaRPr lang="en-AU">
+              <a:latin typeface="Arial"/>
+              <a:ea typeface="Arial"/>
+              <a:cs typeface="Arial"/>
+            </a:endParaRPr>
+          </a:p>
+          <a:p>
+            <a:pPr algn="l">
+              <a:lnSpc>
+                <a:spcPct val="114999"/>
+              </a:lnSpc>
+              <a:spcAft>
+                <a:spcPts val="0"/>
+              </a:spcAft>
+              <a:defRPr/>
+            </a:pPr>
+            <a:endParaRPr lang="en-AU">
+              <a:latin typeface="Arial"/>
+              <a:ea typeface="Arial"/>
+              <a:cs typeface="Arial"/>
+            </a:endParaRPr>
+          </a:p>
+          <a:p>
+            <a:pPr algn="l">
+              <a:lnSpc>
+                <a:spcPct val="114999"/>
+              </a:lnSpc>
+              <a:spcAft>
+                <a:spcPts val="0"/>
+              </a:spcAft>
+              <a:defRPr/>
+            </a:pPr>
+            <a:endParaRPr lang="en-AU">
+              <a:latin typeface="Arial"/>
+              <a:ea typeface="Arial"/>
+              <a:cs typeface="Arial"/>
+            </a:endParaRPr>
+          </a:p>
+          <a:p>
+            <a:pPr algn="l">
+              <a:lnSpc>
+                <a:spcPct val="114999"/>
+              </a:lnSpc>
+              <a:spcAft>
+                <a:spcPts val="0"/>
+              </a:spcAft>
+              <a:defRPr/>
+            </a:pPr>
+            <a:endParaRPr lang="en-AU">
+              <a:latin typeface="Arial"/>
+              <a:ea typeface="Arial"/>
+              <a:cs typeface="Arial"/>
+            </a:endParaRPr>
+          </a:p>
+        </p:txBody>
+      </p:sp>
+    </p:spTree>
+  </p:cSld>
+  <p:clrMapOvr>
+    <a:masterClrMapping/>
+  </p:clrMapOvr>
+  <mc:AlternateContent xmlns:mc="http://schemas.openxmlformats.org/markup-compatibility/2006">
+    <mc:Choice xmlns:p159="http://schemas.microsoft.com/office/powerpoint/2015/09/main" xmlns:p14="http://schemas.microsoft.com/office/powerpoint/2010/main" Requires="p159">
+      <p:transition p14:dur="2000" advClick="1"/>
+    </mc:Choice>
+    <mc:Fallback>
+      <p:transition advClick="1"/>
+    </mc:Fallback>
+  </mc:AlternateContent>
+</p:sld>
+</file>
+
+<file path=ppt/slides/slide34.xml><?xml version="1.0" encoding="utf-8"?>
+<p:sld xmlns:a="http://schemas.openxmlformats.org/drawingml/2006/main" xmlns:r="http://schemas.openxmlformats.org/officeDocument/2006/relationships" xmlns:p="http://schemas.openxmlformats.org/presentationml/2006/main" xmlns:m="http://schemas.openxmlformats.org/officeDocument/2006/math" xmlns:w="http://schemas.openxmlformats.org/wordprocessingml/2006/main" xmlns:mc="http://schemas.openxmlformats.org/markup-compatibility/2006" showMasterPhAnim="0" showMasterSp="1" show="1">
+  <p:cSld name="">
+    <p:spTree>
+      <p:nvGrpSpPr>
+        <p:cNvPr id="1" name=""/>
+        <p:cNvGrpSpPr/>
+        <p:nvPr/>
+      </p:nvGrpSpPr>
+      <p:grpSpPr bwMode="auto">
+        <a:xfrm>
+          <a:off x="0" y="0"/>
+          <a:ext cx="0" cy="0"/>
+          <a:chOff x="0" y="0"/>
+          <a:chExt cx="0" cy="0"/>
+        </a:xfrm>
+      </p:grpSpPr>
+      <p:sp>
+        <p:nvSpPr>
+          <p:cNvPr id="750207930" name="Title 1"/>
+          <p:cNvSpPr>
+            <a:spLocks noGrp="1"/>
+          </p:cNvSpPr>
+          <p:nvPr>
+            <p:ph type="title"/>
+          </p:nvPr>
+        </p:nvSpPr>
+        <p:spPr bwMode="auto"/>
+        <p:txBody>
+          <a:bodyPr vertOverflow="overflow" horzOverflow="overflow" vert="horz" wrap="square" lIns="91440" tIns="45720" rIns="91440" bIns="45720" numCol="1" spcCol="0" rtlCol="0" fromWordArt="0" anchor="ctr" anchorCtr="0" forceAA="0" upright="0" compatLnSpc="0">
+            <a:normAutofit fontScale="90000" lnSpcReduction="2000"/>
+          </a:bodyPr>
+          <a:lstStyle/>
+          <a:p>
+            <a:pPr>
+              <a:defRPr/>
+            </a:pPr>
+            <a:r>
+              <a:rPr lang="en-AU" sz="4400" b="0" i="0" u="none" strike="noStrike" cap="none" spc="0">
+                <a:solidFill>
+                  <a:schemeClr val="tx1">
+                    <a:lumMod val="65000"/>
+                    <a:lumOff val="35000"/>
+                  </a:schemeClr>
+                </a:solidFill>
+                <a:latin typeface="Arial"/>
+                <a:ea typeface="Arial"/>
+                <a:cs typeface="Arial"/>
+              </a:rPr>
+              <a:t>Brisbane Branch</a:t>
+            </a:r>
+            <a:endParaRPr sz="4400"/>
+          </a:p>
+          <a:p>
+            <a:pPr>
+              <a:defRPr/>
+            </a:pPr>
+            <a:endParaRPr/>
+          </a:p>
+        </p:txBody>
+      </p:sp>
+      <p:sp>
+        <p:nvSpPr>
+          <p:cNvPr id="30303708" name=""/>
+          <p:cNvSpPr txBox="1"/>
+          <p:nvPr/>
+        </p:nvSpPr>
+        <p:spPr bwMode="auto">
+          <a:xfrm flipH="0" flipV="0">
+            <a:off x="6779278" y="2614392"/>
+            <a:ext cx="4831561" cy="2042519"/>
+          </a:xfrm>
+          <a:prstGeom prst="rect">
+            <a:avLst/>
+          </a:prstGeom>
+          <a:noFill/>
+        </p:spPr>
+        <p:txBody>
+          <a:bodyPr vertOverflow="overflow" horzOverflow="overflow" vert="horz" wrap="square" lIns="91440" tIns="45720" rIns="91440" bIns="45720" numCol="1" spcCol="0" rtlCol="0" fromWordArt="0" anchor="t" anchorCtr="0" forceAA="0" upright="0" compatLnSpc="0">
+            <a:spAutoFit/>
+          </a:bodyPr>
+          <a:p>
+            <a:pPr>
+              <a:defRPr/>
+            </a:pPr>
+            <a:r>
+              <a:rPr lang="en-GB" sz="3200" b="1" i="0" u="none" strike="noStrike" cap="none" spc="0">
+                <a:solidFill>
+                  <a:schemeClr val="tx1">
+                    <a:lumMod val="75000"/>
+                    <a:lumOff val="25000"/>
+                  </a:schemeClr>
+                </a:solidFill>
+                <a:latin typeface="Arial"/>
+                <a:ea typeface="Arial"/>
+                <a:cs typeface="Arial"/>
+              </a:rPr>
+              <a:t>RT3</a:t>
+            </a:r>
+            <a:endParaRPr lang="en-GB" sz="3200" b="1" i="0" u="none" strike="noStrike" cap="none" spc="0">
+              <a:solidFill>
+                <a:schemeClr val="tx1">
+                  <a:lumMod val="75000"/>
+                  <a:lumOff val="25000"/>
+                </a:schemeClr>
+              </a:solidFill>
+              <a:latin typeface="Arial"/>
+              <a:cs typeface="Arial"/>
+            </a:endParaRPr>
+          </a:p>
+          <a:p>
+            <a:pPr>
+              <a:defRPr/>
+            </a:pPr>
+            <a:endParaRPr lang="en-GB" sz="3200" b="1" i="0" u="none" strike="noStrike" cap="none" spc="0">
+              <a:solidFill>
+                <a:schemeClr val="tx1">
+                  <a:lumMod val="75000"/>
+                  <a:lumOff val="25000"/>
+                </a:schemeClr>
+              </a:solidFill>
+              <a:latin typeface="Arial"/>
+              <a:cs typeface="Arial"/>
+            </a:endParaRPr>
+          </a:p>
+          <a:p>
+            <a:pPr algn="l">
+              <a:defRPr/>
+            </a:pPr>
+            <a:r>
+              <a:rPr lang="en-GB" sz="3200" b="0" i="0" u="none" strike="noStrike" cap="none" spc="0">
+                <a:solidFill>
+                  <a:schemeClr val="tx1">
+                    <a:lumMod val="75000"/>
+                    <a:lumOff val="25000"/>
+                  </a:schemeClr>
+                </a:solidFill>
+                <a:latin typeface="Arial"/>
+                <a:ea typeface="Arial"/>
+                <a:cs typeface="Arial"/>
+              </a:rPr>
+              <a:t>New PC configured to DHCP and IPv6 Auto</a:t>
+            </a:r>
+            <a:endParaRPr sz="3200" b="0">
+              <a:solidFill>
+                <a:schemeClr val="tx1">
+                  <a:lumMod val="75000"/>
+                  <a:lumOff val="25000"/>
+                </a:schemeClr>
+              </a:solidFill>
+            </a:endParaRPr>
+          </a:p>
+        </p:txBody>
+      </p:sp>
+      <p:sp>
+        <p:nvSpPr>
+          <p:cNvPr id="372777741" name=""/>
+          <p:cNvSpPr txBox="1"/>
+          <p:nvPr/>
+        </p:nvSpPr>
+        <p:spPr bwMode="auto">
+          <a:xfrm flipH="0" flipV="0">
+            <a:off x="6004379" y="2752343"/>
+            <a:ext cx="183240" cy="1353312"/>
+          </a:xfrm>
+          <a:prstGeom prst="rect">
+            <a:avLst/>
+          </a:prstGeom>
+          <a:noFill/>
+        </p:spPr>
+        <p:txBody>
+          <a:bodyPr vertOverflow="overflow" horzOverflow="overflow" vert="horz" wrap="square" lIns="91440" tIns="45720" rIns="91440" bIns="45720" numCol="1" spcCol="0" rtlCol="0" fromWordArt="0" anchor="t" anchorCtr="0" forceAA="0" upright="0" compatLnSpc="0">
+            <a:spAutoFit/>
+          </a:bodyPr>
+          <a:p>
+            <a:pPr algn="l">
+              <a:lnSpc>
+                <a:spcPct val="114999"/>
+              </a:lnSpc>
+              <a:spcAft>
+                <a:spcPts val="0"/>
+              </a:spcAft>
+              <a:defRPr/>
+            </a:pPr>
+            <a:endParaRPr lang="en-AU">
+              <a:latin typeface="Arial"/>
+              <a:ea typeface="Arial"/>
+              <a:cs typeface="Arial"/>
+            </a:endParaRPr>
+          </a:p>
+          <a:p>
+            <a:pPr algn="l">
+              <a:lnSpc>
+                <a:spcPct val="114999"/>
+              </a:lnSpc>
+              <a:spcAft>
+                <a:spcPts val="0"/>
+              </a:spcAft>
+              <a:defRPr/>
+            </a:pPr>
+            <a:endParaRPr lang="en-AU">
+              <a:latin typeface="Arial"/>
+              <a:ea typeface="Arial"/>
+              <a:cs typeface="Arial"/>
+            </a:endParaRPr>
+          </a:p>
+          <a:p>
+            <a:pPr algn="l">
+              <a:lnSpc>
+                <a:spcPct val="114999"/>
+              </a:lnSpc>
+              <a:spcAft>
+                <a:spcPts val="0"/>
+              </a:spcAft>
+              <a:defRPr/>
+            </a:pPr>
+            <a:endParaRPr lang="en-AU">
+              <a:latin typeface="Arial"/>
+              <a:ea typeface="Arial"/>
+              <a:cs typeface="Arial"/>
+            </a:endParaRPr>
+          </a:p>
+          <a:p>
+            <a:pPr algn="l">
+              <a:lnSpc>
+                <a:spcPct val="114999"/>
+              </a:lnSpc>
+              <a:spcAft>
+                <a:spcPts val="0"/>
+              </a:spcAft>
+              <a:defRPr/>
+            </a:pPr>
+            <a:endParaRPr lang="en-AU">
+              <a:latin typeface="Arial"/>
+              <a:ea typeface="Arial"/>
+              <a:cs typeface="Arial"/>
+            </a:endParaRPr>
+          </a:p>
+        </p:txBody>
+      </p:sp>
+      <p:pic>
+        <p:nvPicPr>
+          <p:cNvPr id="885714987" name=""/>
+          <p:cNvPicPr>
+            <a:picLocks noChangeAspect="1"/>
+          </p:cNvPicPr>
+          <p:nvPr/>
+        </p:nvPicPr>
+        <p:blipFill>
+          <a:blip r:embed="rId3"/>
+          <a:stretch/>
+        </p:blipFill>
+        <p:spPr bwMode="auto">
+          <a:xfrm rot="0" flipH="0" flipV="0">
+            <a:off x="609599" y="2752343"/>
+            <a:ext cx="5731509" cy="3307468"/>
+          </a:xfrm>
+          <a:prstGeom prst="rect">
+            <a:avLst/>
+          </a:prstGeom>
+        </p:spPr>
+      </p:pic>
+    </p:spTree>
+  </p:cSld>
+  <p:clrMapOvr>
+    <a:masterClrMapping/>
+  </p:clrMapOvr>
+  <mc:AlternateContent xmlns:mc="http://schemas.openxmlformats.org/markup-compatibility/2006">
+    <mc:Choice xmlns:p159="http://schemas.microsoft.com/office/powerpoint/2015/09/main" xmlns:p14="http://schemas.microsoft.com/office/powerpoint/2010/main" Requires="p159">
+      <p:transition p14:dur="2000" advClick="1"/>
+    </mc:Choice>
+    <mc:Fallback>
+      <p:transition advClick="1"/>
+    </mc:Fallback>
+  </mc:AlternateContent>
+</p:sld>
+</file>
+
+<file path=ppt/slides/slide35.xml><?xml version="1.0" encoding="utf-8"?>
+<p:sld xmlns:a="http://schemas.openxmlformats.org/drawingml/2006/main" xmlns:r="http://schemas.openxmlformats.org/officeDocument/2006/relationships" xmlns:p="http://schemas.openxmlformats.org/presentationml/2006/main" xmlns:m="http://schemas.openxmlformats.org/officeDocument/2006/math" xmlns:w="http://schemas.openxmlformats.org/wordprocessingml/2006/main" xmlns:mc="http://schemas.openxmlformats.org/markup-compatibility/2006" showMasterPhAnim="0" showMasterSp="1" show="1">
+  <p:cSld name="">
+    <p:spTree>
+      <p:nvGrpSpPr>
+        <p:cNvPr id="1" name=""/>
+        <p:cNvGrpSpPr/>
+        <p:nvPr/>
+      </p:nvGrpSpPr>
+      <p:grpSpPr bwMode="auto">
+        <a:xfrm>
+          <a:off x="0" y="0"/>
+          <a:ext cx="0" cy="0"/>
+          <a:chOff x="0" y="0"/>
+          <a:chExt cx="0" cy="0"/>
+        </a:xfrm>
+      </p:grpSpPr>
+      <p:sp>
+        <p:nvSpPr>
+          <p:cNvPr id="375233752" name="Subtitle 2"/>
+          <p:cNvSpPr>
+            <a:spLocks noGrp="1"/>
+          </p:cNvSpPr>
+          <p:nvPr>
+            <p:ph type="subTitle" idx="1"/>
+          </p:nvPr>
+        </p:nvSpPr>
+        <p:spPr bwMode="auto">
+          <a:xfrm>
+            <a:off x="4655839" y="2708919"/>
+            <a:ext cx="6720746" cy="720079"/>
+          </a:xfrm>
+        </p:spPr>
+        <p:txBody>
+          <a:bodyPr/>
+          <a:lstStyle>
+            <a:lvl1pPr marL="0" indent="0" algn="r">
+              <a:buNone/>
+              <a:defRPr>
+                <a:solidFill>
+                  <a:schemeClr val="tx1">
+                    <a:lumMod val="50000"/>
+                    <a:lumOff val="50000"/>
+                  </a:schemeClr>
+                </a:solidFill>
+              </a:defRPr>
+            </a:lvl1pPr>
+            <a:lvl2pPr marL="457200" indent="0" algn="ctr">
+              <a:buNone/>
+              <a:defRPr>
+                <a:solidFill>
+                  <a:schemeClr val="tx1">
+                    <a:tint val="75000"/>
+                  </a:schemeClr>
+                </a:solidFill>
+              </a:defRPr>
+            </a:lvl2pPr>
+            <a:lvl3pPr marL="914400" indent="0" algn="ctr">
+              <a:buNone/>
+              <a:defRPr>
+                <a:solidFill>
+                  <a:schemeClr val="tx1">
+                    <a:tint val="75000"/>
+                  </a:schemeClr>
+                </a:solidFill>
+              </a:defRPr>
+            </a:lvl3pPr>
+            <a:lvl4pPr marL="1371600" indent="0" algn="ctr">
+              <a:buNone/>
+              <a:defRPr>
+                <a:solidFill>
+                  <a:schemeClr val="tx1">
+                    <a:tint val="75000"/>
+                  </a:schemeClr>
+                </a:solidFill>
+              </a:defRPr>
+            </a:lvl4pPr>
+            <a:lvl5pPr marL="1828800" indent="0" algn="ctr">
+              <a:buNone/>
+              <a:defRPr>
+                <a:solidFill>
+                  <a:schemeClr val="tx1">
+                    <a:tint val="75000"/>
+                  </a:schemeClr>
+                </a:solidFill>
+              </a:defRPr>
+            </a:lvl5pPr>
+            <a:lvl6pPr marL="2286000" indent="0" algn="ctr">
+              <a:buNone/>
+              <a:defRPr>
+                <a:solidFill>
+                  <a:schemeClr val="tx1">
+                    <a:tint val="75000"/>
+                  </a:schemeClr>
+                </a:solidFill>
+              </a:defRPr>
+            </a:lvl6pPr>
+            <a:lvl7pPr marL="2743200" indent="0" algn="ctr">
+              <a:buNone/>
+              <a:defRPr>
+                <a:solidFill>
+                  <a:schemeClr val="tx1">
+                    <a:tint val="75000"/>
+                  </a:schemeClr>
+                </a:solidFill>
+              </a:defRPr>
+            </a:lvl7pPr>
+            <a:lvl8pPr marL="3200400" indent="0" algn="ctr">
+              <a:buNone/>
+              <a:defRPr>
+                <a:solidFill>
+                  <a:schemeClr val="tx1">
+                    <a:tint val="75000"/>
+                  </a:schemeClr>
+                </a:solidFill>
+              </a:defRPr>
+            </a:lvl8pPr>
+            <a:lvl9pPr marL="3657600" indent="0" algn="ctr">
+              <a:buNone/>
+              <a:defRPr>
+                <a:solidFill>
+                  <a:schemeClr val="tx1">
+                    <a:tint val="75000"/>
+                  </a:schemeClr>
+                </a:solidFill>
+              </a:defRPr>
+            </a:lvl9pPr>
+          </a:lstStyle>
+          <a:p>
+            <a:pPr>
+              <a:defRPr/>
+            </a:pPr>
+            <a:r>
+              <a:rPr lang="en-AU"/>
+              <a:t>WAN – IPv6</a:t>
+            </a:r>
+            <a:endParaRPr/>
+          </a:p>
+        </p:txBody>
+      </p:sp>
+      <p:sp>
+        <p:nvSpPr>
+          <p:cNvPr id="756357616" name="Title 6"/>
+          <p:cNvSpPr>
+            <a:spLocks noGrp="1"/>
+          </p:cNvSpPr>
+          <p:nvPr>
+            <p:ph type="title"/>
+          </p:nvPr>
+        </p:nvSpPr>
+        <p:spPr bwMode="auto">
+          <a:xfrm flipH="0" flipV="0">
+            <a:off x="4595833" y="1208942"/>
+            <a:ext cx="6720746" cy="1319957"/>
+          </a:xfrm>
+        </p:spPr>
+        <p:txBody>
+          <a:bodyPr vertOverflow="overflow" horzOverflow="overflow" vert="horz" wrap="square" lIns="91440" tIns="45720" rIns="91440" bIns="45720" numCol="1" spcCol="0" rtlCol="0" fromWordArt="0" anchor="ctr" anchorCtr="0" forceAA="0" upright="0" compatLnSpc="0">
+            <a:normAutofit/>
+          </a:bodyPr>
+          <a:lstStyle>
+            <a:lvl1pPr algn="r">
+              <a:defRPr/>
+            </a:lvl1pPr>
+          </a:lstStyle>
+          <a:p>
+            <a:pPr>
+              <a:defRPr/>
+            </a:pPr>
+            <a:r>
+              <a:rPr lang="en-AU">
+                <a:latin typeface="Arial"/>
+                <a:ea typeface="Arial"/>
+                <a:cs typeface="Arial"/>
+              </a:rPr>
+              <a:t>Testing LACP</a:t>
+            </a:r>
+            <a:endParaRPr/>
+          </a:p>
+        </p:txBody>
+      </p:sp>
+    </p:spTree>
+  </p:cSld>
+  <p:clrMapOvr>
+    <a:masterClrMapping/>
+  </p:clrMapOvr>
+  <mc:AlternateContent xmlns:mc="http://schemas.openxmlformats.org/markup-compatibility/2006">
+    <mc:Choice xmlns:p159="http://schemas.microsoft.com/office/powerpoint/2015/09/main" xmlns:p14="http://schemas.microsoft.com/office/powerpoint/2010/main" Requires="p159">
+      <p:transition p14:dur="2000" advClick="1"/>
+    </mc:Choice>
+    <mc:Fallback>
+      <p:transition advClick="1"/>
+    </mc:Fallback>
+  </mc:AlternateContent>
+</p:sld>
+</file>
+
+<file path=ppt/slides/slide36.xml><?xml version="1.0" encoding="utf-8"?>
+<p:sld xmlns:a="http://schemas.openxmlformats.org/drawingml/2006/main" xmlns:r="http://schemas.openxmlformats.org/officeDocument/2006/relationships" xmlns:p="http://schemas.openxmlformats.org/presentationml/2006/main" xmlns:m="http://schemas.openxmlformats.org/officeDocument/2006/math" xmlns:w="http://schemas.openxmlformats.org/wordprocessingml/2006/main" xmlns:mc="http://schemas.openxmlformats.org/markup-compatibility/2006" showMasterPhAnim="0" showMasterSp="1" show="1">
+  <p:cSld name="">
+    <p:spTree>
+      <p:nvGrpSpPr>
+        <p:cNvPr id="1" name=""/>
+        <p:cNvGrpSpPr/>
+        <p:nvPr/>
+      </p:nvGrpSpPr>
+      <p:grpSpPr bwMode="auto">
+        <a:xfrm>
+          <a:off x="0" y="0"/>
+          <a:ext cx="0" cy="0"/>
+          <a:chOff x="0" y="0"/>
+          <a:chExt cx="0" cy="0"/>
+        </a:xfrm>
+      </p:grpSpPr>
+      <p:sp>
+        <p:nvSpPr>
+          <p:cNvPr id="128721302" name="Title 1"/>
+          <p:cNvSpPr>
+            <a:spLocks noGrp="1"/>
+          </p:cNvSpPr>
+          <p:nvPr>
+            <p:ph type="title"/>
+          </p:nvPr>
+        </p:nvSpPr>
+        <p:spPr bwMode="auto"/>
+        <p:txBody>
+          <a:bodyPr vertOverflow="overflow" horzOverflow="overflow" vert="horz" wrap="square" lIns="91440" tIns="45720" rIns="91440" bIns="45720" numCol="1" spcCol="0" rtlCol="0" fromWordArt="0" anchor="ctr" anchorCtr="0" forceAA="0" upright="0" compatLnSpc="0">
+            <a:normAutofit/>
+          </a:bodyPr>
+          <a:lstStyle/>
+          <a:p>
+            <a:pPr>
+              <a:defRPr/>
+            </a:pPr>
+            <a:r>
+              <a:rPr lang="en-AU">
+                <a:latin typeface="Arial"/>
+                <a:ea typeface="Arial"/>
+                <a:cs typeface="Arial"/>
+              </a:rPr>
+              <a:t>Summary port-channel</a:t>
+            </a:r>
+            <a:endParaRPr/>
+          </a:p>
+        </p:txBody>
+      </p:sp>
+      <p:sp>
+        <p:nvSpPr>
+          <p:cNvPr id="916368959" name=""/>
+          <p:cNvSpPr txBox="1"/>
+          <p:nvPr/>
+        </p:nvSpPr>
+        <p:spPr bwMode="auto">
+          <a:xfrm flipH="0" flipV="0">
+            <a:off x="6779278" y="2614392"/>
+            <a:ext cx="4840921" cy="1554840"/>
+          </a:xfrm>
+          <a:prstGeom prst="rect">
+            <a:avLst/>
+          </a:prstGeom>
+          <a:noFill/>
+        </p:spPr>
+        <p:txBody>
+          <a:bodyPr vertOverflow="overflow" horzOverflow="overflow" vert="horz" wrap="square" lIns="91440" tIns="45720" rIns="91440" bIns="45720" numCol="1" spcCol="0" rtlCol="0" fromWordArt="0" anchor="t" anchorCtr="0" forceAA="0" upright="0" compatLnSpc="0">
+            <a:spAutoFit/>
+          </a:bodyPr>
+          <a:p>
+            <a:pPr>
+              <a:defRPr/>
+            </a:pPr>
+            <a:r>
+              <a:rPr lang="en-AU" sz="3200" b="1" i="0" u="none" strike="noStrike" cap="none" spc="0">
+                <a:solidFill>
+                  <a:schemeClr val="tx1">
+                    <a:lumMod val="75000"/>
+                    <a:lumOff val="25000"/>
+                  </a:schemeClr>
+                </a:solidFill>
+                <a:latin typeface="Arial"/>
+                <a:ea typeface="Arial"/>
+                <a:cs typeface="Arial"/>
+              </a:rPr>
+              <a:t>Sydney</a:t>
+            </a:r>
+            <a:endParaRPr lang="en-GB" sz="3200" b="1" i="0" u="none" strike="noStrike" cap="none" spc="0">
+              <a:solidFill>
+                <a:schemeClr val="tx1">
+                  <a:lumMod val="75000"/>
+                  <a:lumOff val="25000"/>
+                </a:schemeClr>
+              </a:solidFill>
+              <a:latin typeface="Arial"/>
+              <a:cs typeface="Arial"/>
+            </a:endParaRPr>
+          </a:p>
+          <a:p>
+            <a:pPr>
+              <a:defRPr/>
+            </a:pPr>
+            <a:endParaRPr lang="en-GB" sz="3200" b="1" i="0" u="none" strike="noStrike" cap="none" spc="0">
+              <a:solidFill>
+                <a:schemeClr val="tx1">
+                  <a:lumMod val="75000"/>
+                  <a:lumOff val="25000"/>
+                </a:schemeClr>
+              </a:solidFill>
+              <a:latin typeface="Arial"/>
+              <a:cs typeface="Arial"/>
+            </a:endParaRPr>
+          </a:p>
+          <a:p>
+            <a:pPr algn="l">
+              <a:defRPr/>
+            </a:pPr>
+            <a:r>
+              <a:rPr lang="en-AU" sz="3200" b="0" i="0" u="none" strike="noStrike" cap="none" spc="0">
+                <a:solidFill>
+                  <a:schemeClr val="tx1">
+                    <a:lumMod val="75000"/>
+                    <a:lumOff val="25000"/>
+                  </a:schemeClr>
+                </a:solidFill>
+                <a:latin typeface="Arial"/>
+                <a:ea typeface="Arial"/>
+                <a:cs typeface="Arial"/>
+              </a:rPr>
+              <a:t>Summary config</a:t>
+            </a:r>
+            <a:endParaRPr sz="3200" b="0">
+              <a:solidFill>
+                <a:schemeClr val="tx1">
+                  <a:lumMod val="75000"/>
+                  <a:lumOff val="25000"/>
+                </a:schemeClr>
+              </a:solidFill>
+            </a:endParaRPr>
+          </a:p>
+        </p:txBody>
+      </p:sp>
+      <p:sp>
+        <p:nvSpPr>
+          <p:cNvPr id="1861732119" name=""/>
+          <p:cNvSpPr txBox="1"/>
+          <p:nvPr/>
+        </p:nvSpPr>
+        <p:spPr bwMode="auto">
+          <a:xfrm flipH="0" flipV="0">
+            <a:off x="6004379" y="2752343"/>
+            <a:ext cx="183240" cy="1353312"/>
+          </a:xfrm>
+          <a:prstGeom prst="rect">
+            <a:avLst/>
+          </a:prstGeom>
+          <a:noFill/>
+        </p:spPr>
+        <p:txBody>
+          <a:bodyPr vertOverflow="overflow" horzOverflow="overflow" vert="horz" wrap="square" lIns="91440" tIns="45720" rIns="91440" bIns="45720" numCol="1" spcCol="0" rtlCol="0" fromWordArt="0" anchor="t" anchorCtr="0" forceAA="0" upright="0" compatLnSpc="0">
+            <a:spAutoFit/>
+          </a:bodyPr>
+          <a:p>
+            <a:pPr algn="l">
+              <a:lnSpc>
+                <a:spcPct val="114999"/>
+              </a:lnSpc>
+              <a:spcAft>
+                <a:spcPts val="0"/>
+              </a:spcAft>
+              <a:defRPr/>
+            </a:pPr>
+            <a:endParaRPr lang="en-AU">
+              <a:latin typeface="Arial"/>
+              <a:ea typeface="Arial"/>
+              <a:cs typeface="Arial"/>
+            </a:endParaRPr>
+          </a:p>
+          <a:p>
+            <a:pPr algn="l">
+              <a:lnSpc>
+                <a:spcPct val="114999"/>
+              </a:lnSpc>
+              <a:spcAft>
+                <a:spcPts val="0"/>
+              </a:spcAft>
+              <a:defRPr/>
+            </a:pPr>
+            <a:endParaRPr lang="en-AU">
+              <a:latin typeface="Arial"/>
+              <a:ea typeface="Arial"/>
+              <a:cs typeface="Arial"/>
+            </a:endParaRPr>
+          </a:p>
+          <a:p>
+            <a:pPr algn="l">
+              <a:lnSpc>
+                <a:spcPct val="114999"/>
+              </a:lnSpc>
+              <a:spcAft>
+                <a:spcPts val="0"/>
+              </a:spcAft>
+              <a:defRPr/>
+            </a:pPr>
+            <a:endParaRPr lang="en-AU">
+              <a:latin typeface="Arial"/>
+              <a:ea typeface="Arial"/>
+              <a:cs typeface="Arial"/>
+            </a:endParaRPr>
+          </a:p>
+          <a:p>
+            <a:pPr algn="l">
+              <a:lnSpc>
+                <a:spcPct val="114999"/>
+              </a:lnSpc>
+              <a:spcAft>
+                <a:spcPts val="0"/>
+              </a:spcAft>
+              <a:defRPr/>
+            </a:pPr>
+            <a:endParaRPr lang="en-AU">
+              <a:latin typeface="Arial"/>
+              <a:ea typeface="Arial"/>
+              <a:cs typeface="Arial"/>
+            </a:endParaRPr>
+          </a:p>
+        </p:txBody>
+      </p:sp>
+      <p:pic>
+        <p:nvPicPr>
+          <p:cNvPr id="1963663151" name=""/>
+          <p:cNvPicPr>
+            <a:picLocks noChangeAspect="1"/>
+          </p:cNvPicPr>
+          <p:nvPr/>
+        </p:nvPicPr>
+        <p:blipFill>
+          <a:blip r:embed="rId3"/>
+          <a:stretch/>
+        </p:blipFill>
+        <p:spPr bwMode="auto">
+          <a:xfrm rot="0" flipH="0" flipV="0">
+            <a:off x="456109" y="2692644"/>
+            <a:ext cx="6240981" cy="3040673"/>
+          </a:xfrm>
+          <a:prstGeom prst="rect">
+            <a:avLst/>
+          </a:prstGeom>
+        </p:spPr>
+      </p:pic>
+    </p:spTree>
+  </p:cSld>
+  <p:clrMapOvr>
+    <a:masterClrMapping/>
+  </p:clrMapOvr>
+  <mc:AlternateContent xmlns:mc="http://schemas.openxmlformats.org/markup-compatibility/2006">
+    <mc:Choice xmlns:p159="http://schemas.microsoft.com/office/powerpoint/2015/09/main" xmlns:p14="http://schemas.microsoft.com/office/powerpoint/2010/main" Requires="p159">
+      <p:transition p14:dur="2000" advClick="1"/>
+    </mc:Choice>
+    <mc:Fallback>
+      <p:transition advClick="1"/>
+    </mc:Fallback>
+  </mc:AlternateContent>
+</p:sld>
+</file>
+
+<file path=ppt/slides/slide37.xml><?xml version="1.0" encoding="utf-8"?>
+<p:sld xmlns:a="http://schemas.openxmlformats.org/drawingml/2006/main" xmlns:r="http://schemas.openxmlformats.org/officeDocument/2006/relationships" xmlns:p="http://schemas.openxmlformats.org/presentationml/2006/main" xmlns:m="http://schemas.openxmlformats.org/officeDocument/2006/math" xmlns:w="http://schemas.openxmlformats.org/wordprocessingml/2006/main" xmlns:mc="http://schemas.openxmlformats.org/markup-compatibility/2006" showMasterPhAnim="0" showMasterSp="1" show="1">
+  <p:cSld name="">
+    <p:spTree>
+      <p:nvGrpSpPr>
+        <p:cNvPr id="1" name=""/>
+        <p:cNvGrpSpPr/>
+        <p:nvPr/>
+      </p:nvGrpSpPr>
+      <p:grpSpPr bwMode="auto">
+        <a:xfrm>
+          <a:off x="0" y="0"/>
+          <a:ext cx="0" cy="0"/>
+          <a:chOff x="0" y="0"/>
+          <a:chExt cx="0" cy="0"/>
+        </a:xfrm>
+      </p:grpSpPr>
+      <p:sp>
+        <p:nvSpPr>
+          <p:cNvPr id="1769248350" name="Title 1"/>
+          <p:cNvSpPr>
+            <a:spLocks noGrp="1"/>
+          </p:cNvSpPr>
+          <p:nvPr>
+            <p:ph type="title"/>
+          </p:nvPr>
+        </p:nvSpPr>
+        <p:spPr bwMode="auto"/>
+        <p:txBody>
+          <a:bodyPr vertOverflow="overflow" horzOverflow="overflow" vert="horz" wrap="square" lIns="91440" tIns="45720" rIns="91440" bIns="45720" numCol="1" spcCol="0" rtlCol="0" fromWordArt="0" anchor="ctr" anchorCtr="0" forceAA="0" upright="0" compatLnSpc="0">
+            <a:normAutofit fontScale="90000" lnSpcReduction="2000"/>
+          </a:bodyPr>
+          <a:lstStyle/>
+          <a:p>
+            <a:pPr>
+              <a:defRPr/>
+            </a:pPr>
+            <a:r>
+              <a:rPr lang="en-AU" sz="4400" b="0" i="0" u="none" strike="noStrike" cap="none" spc="0">
+                <a:solidFill>
+                  <a:schemeClr val="tx1">
+                    <a:lumMod val="65000"/>
+                    <a:lumOff val="35000"/>
+                  </a:schemeClr>
+                </a:solidFill>
+                <a:latin typeface="Arial"/>
+                <a:ea typeface="Arial"/>
+                <a:cs typeface="Arial"/>
+              </a:rPr>
+              <a:t>Brisbane Branch</a:t>
+            </a:r>
+            <a:endParaRPr sz="4400"/>
+          </a:p>
+          <a:p>
+            <a:pPr>
+              <a:defRPr/>
+            </a:pPr>
+            <a:endParaRPr/>
+          </a:p>
+        </p:txBody>
+      </p:sp>
+      <p:sp>
+        <p:nvSpPr>
+          <p:cNvPr id="2079521710" name=""/>
+          <p:cNvSpPr txBox="1"/>
+          <p:nvPr/>
+        </p:nvSpPr>
+        <p:spPr bwMode="auto">
+          <a:xfrm flipH="0" flipV="0">
+            <a:off x="6779278" y="2614392"/>
+            <a:ext cx="4851361" cy="1067159"/>
+          </a:xfrm>
+          <a:prstGeom prst="rect">
+            <a:avLst/>
+          </a:prstGeom>
+          <a:noFill/>
+        </p:spPr>
+        <p:txBody>
+          <a:bodyPr vertOverflow="overflow" horzOverflow="overflow" vert="horz" wrap="square" lIns="91440" tIns="45720" rIns="91440" bIns="45720" numCol="1" spcCol="0" rtlCol="0" fromWordArt="0" anchor="t" anchorCtr="0" forceAA="0" upright="0" compatLnSpc="0">
+            <a:spAutoFit/>
+          </a:bodyPr>
+          <a:p>
+            <a:pPr marL="438080" indent="-438080" algn="l">
+              <a:buFont typeface="Arial"/>
+              <a:buChar char="•"/>
+              <a:defRPr/>
+            </a:pPr>
+            <a:r>
+              <a:rPr lang="en-AU" sz="3200" b="0" i="0" u="none" strike="noStrike" cap="none" spc="0">
+                <a:solidFill>
+                  <a:schemeClr val="tx1">
+                    <a:lumMod val="75000"/>
+                    <a:lumOff val="25000"/>
+                  </a:schemeClr>
+                </a:solidFill>
+                <a:latin typeface="Arial"/>
+                <a:ea typeface="Arial"/>
+                <a:cs typeface="Arial"/>
+              </a:rPr>
+              <a:t>Turned Down </a:t>
+            </a:r>
+            <a:r>
+              <a:rPr lang="en-GB" sz="3200" b="0" i="0" u="none" strike="noStrike" cap="none" spc="0">
+                <a:solidFill>
+                  <a:schemeClr val="tx1">
+                    <a:lumMod val="75000"/>
+                    <a:lumOff val="25000"/>
+                  </a:schemeClr>
+                </a:solidFill>
+                <a:latin typeface="Arial"/>
+                <a:ea typeface="Arial"/>
+                <a:cs typeface="Arial"/>
+              </a:rPr>
+              <a:t> </a:t>
+            </a:r>
+            <a:r>
+              <a:rPr lang="en-AU" sz="3200" b="0" i="0" u="none" strike="noStrike" cap="none" spc="0">
+                <a:solidFill>
+                  <a:schemeClr val="tx1">
+                    <a:lumMod val="75000"/>
+                    <a:lumOff val="25000"/>
+                  </a:schemeClr>
+                </a:solidFill>
+                <a:latin typeface="Arial"/>
+                <a:ea typeface="Arial"/>
+                <a:cs typeface="Arial"/>
+              </a:rPr>
+              <a:t>swm3 interfaces</a:t>
+            </a:r>
+            <a:endParaRPr sz="3200" b="0">
+              <a:solidFill>
+                <a:schemeClr val="tx1">
+                  <a:lumMod val="75000"/>
+                  <a:lumOff val="25000"/>
+                </a:schemeClr>
+              </a:solidFill>
+            </a:endParaRPr>
+          </a:p>
+        </p:txBody>
+      </p:sp>
+      <p:sp>
+        <p:nvSpPr>
+          <p:cNvPr id="1576384725" name=""/>
+          <p:cNvSpPr txBox="1"/>
+          <p:nvPr/>
+        </p:nvSpPr>
+        <p:spPr bwMode="auto">
+          <a:xfrm flipH="0" flipV="0">
+            <a:off x="6004379" y="2752343"/>
+            <a:ext cx="183240" cy="1353312"/>
+          </a:xfrm>
+          <a:prstGeom prst="rect">
+            <a:avLst/>
+          </a:prstGeom>
+          <a:noFill/>
+        </p:spPr>
+        <p:txBody>
+          <a:bodyPr vertOverflow="overflow" horzOverflow="overflow" vert="horz" wrap="square" lIns="91440" tIns="45720" rIns="91440" bIns="45720" numCol="1" spcCol="0" rtlCol="0" fromWordArt="0" anchor="t" anchorCtr="0" forceAA="0" upright="0" compatLnSpc="0">
+            <a:spAutoFit/>
+          </a:bodyPr>
+          <a:p>
+            <a:pPr algn="l">
+              <a:lnSpc>
+                <a:spcPct val="114999"/>
+              </a:lnSpc>
+              <a:spcAft>
+                <a:spcPts val="0"/>
+              </a:spcAft>
+              <a:defRPr/>
+            </a:pPr>
+            <a:endParaRPr lang="en-AU">
+              <a:latin typeface="Arial"/>
+              <a:ea typeface="Arial"/>
+              <a:cs typeface="Arial"/>
+            </a:endParaRPr>
+          </a:p>
+          <a:p>
+            <a:pPr algn="l">
+              <a:lnSpc>
+                <a:spcPct val="114999"/>
+              </a:lnSpc>
+              <a:spcAft>
+                <a:spcPts val="0"/>
+              </a:spcAft>
+              <a:defRPr/>
+            </a:pPr>
+            <a:endParaRPr lang="en-AU">
+              <a:latin typeface="Arial"/>
+              <a:ea typeface="Arial"/>
+              <a:cs typeface="Arial"/>
+            </a:endParaRPr>
+          </a:p>
+          <a:p>
+            <a:pPr algn="l">
+              <a:lnSpc>
+                <a:spcPct val="114999"/>
+              </a:lnSpc>
+              <a:spcAft>
+                <a:spcPts val="0"/>
+              </a:spcAft>
+              <a:defRPr/>
+            </a:pPr>
+            <a:endParaRPr lang="en-AU">
+              <a:latin typeface="Arial"/>
+              <a:ea typeface="Arial"/>
+              <a:cs typeface="Arial"/>
+            </a:endParaRPr>
+          </a:p>
+          <a:p>
+            <a:pPr algn="l">
+              <a:lnSpc>
+                <a:spcPct val="114999"/>
+              </a:lnSpc>
+              <a:spcAft>
+                <a:spcPts val="0"/>
+              </a:spcAft>
+              <a:defRPr/>
+            </a:pPr>
+            <a:endParaRPr lang="en-AU">
+              <a:latin typeface="Arial"/>
+              <a:ea typeface="Arial"/>
+              <a:cs typeface="Arial"/>
+            </a:endParaRPr>
+          </a:p>
+        </p:txBody>
+      </p:sp>
+      <p:pic>
+        <p:nvPicPr>
+          <p:cNvPr id="1400669034" name=""/>
+          <p:cNvPicPr>
+            <a:picLocks noChangeAspect="1"/>
+          </p:cNvPicPr>
+          <p:nvPr/>
+        </p:nvPicPr>
+        <p:blipFill>
+          <a:blip r:embed="rId3"/>
+          <a:stretch/>
+        </p:blipFill>
+        <p:spPr bwMode="auto">
+          <a:xfrm rot="0" flipH="0" flipV="0">
+            <a:off x="364489" y="1999165"/>
+            <a:ext cx="6300217" cy="4212980"/>
+          </a:xfrm>
+          <a:prstGeom prst="rect">
+            <a:avLst/>
+          </a:prstGeom>
+        </p:spPr>
+      </p:pic>
+    </p:spTree>
+  </p:cSld>
+  <p:clrMapOvr>
+    <a:masterClrMapping/>
+  </p:clrMapOvr>
+  <mc:AlternateContent xmlns:mc="http://schemas.openxmlformats.org/markup-compatibility/2006">
+    <mc:Choice xmlns:p159="http://schemas.microsoft.com/office/powerpoint/2015/09/main" xmlns:p14="http://schemas.microsoft.com/office/powerpoint/2010/main" Requires="p159">
+      <p:transition p14:dur="2000" advClick="1"/>
+    </mc:Choice>
+    <mc:Fallback>
+      <p:transition advClick="1"/>
+    </mc:Fallback>
+  </mc:AlternateContent>
+</p:sld>
+</file>
+
+<file path=ppt/slides/slide38.xml><?xml version="1.0" encoding="utf-8"?>
+<p:sld xmlns:a="http://schemas.openxmlformats.org/drawingml/2006/main" xmlns:r="http://schemas.openxmlformats.org/officeDocument/2006/relationships" xmlns:p="http://schemas.openxmlformats.org/presentationml/2006/main" xmlns:m="http://schemas.openxmlformats.org/officeDocument/2006/math" xmlns:w="http://schemas.openxmlformats.org/wordprocessingml/2006/main" xmlns:mc="http://schemas.openxmlformats.org/markup-compatibility/2006" showMasterPhAnim="0" showMasterSp="1" show="1">
+  <p:cSld name="">
+    <p:spTree>
+      <p:nvGrpSpPr>
+        <p:cNvPr id="1" name=""/>
+        <p:cNvGrpSpPr/>
+        <p:nvPr/>
+      </p:nvGrpSpPr>
+      <p:grpSpPr bwMode="auto">
+        <a:xfrm>
+          <a:off x="0" y="0"/>
+          <a:ext cx="0" cy="0"/>
+          <a:chOff x="0" y="0"/>
+          <a:chExt cx="0" cy="0"/>
+        </a:xfrm>
+      </p:grpSpPr>
+      <p:sp>
+        <p:nvSpPr>
+          <p:cNvPr id="4863741" name="Title 1"/>
+          <p:cNvSpPr>
+            <a:spLocks noGrp="1"/>
+          </p:cNvSpPr>
+          <p:nvPr>
+            <p:ph type="title"/>
+          </p:nvPr>
+        </p:nvSpPr>
+        <p:spPr bwMode="auto"/>
+        <p:txBody>
+          <a:bodyPr vertOverflow="overflow" horzOverflow="overflow" vert="horz" wrap="square" lIns="91440" tIns="45720" rIns="91440" bIns="45720" numCol="1" spcCol="0" rtlCol="0" fromWordArt="0" anchor="ctr" anchorCtr="0" forceAA="0" upright="0" compatLnSpc="0">
+            <a:normAutofit fontScale="90000" lnSpcReduction="2000"/>
+          </a:bodyPr>
+          <a:lstStyle/>
+          <a:p>
+            <a:pPr>
+              <a:defRPr/>
+            </a:pPr>
+            <a:r>
+              <a:rPr lang="en-AU" sz="4400" b="0" i="0" u="none" strike="noStrike" cap="none" spc="0">
+                <a:solidFill>
+                  <a:schemeClr val="tx1">
+                    <a:lumMod val="65000"/>
+                    <a:lumOff val="35000"/>
+                  </a:schemeClr>
+                </a:solidFill>
+                <a:latin typeface="Arial"/>
+                <a:ea typeface="Arial"/>
+                <a:cs typeface="Arial"/>
+              </a:rPr>
+              <a:t>Brisbane Branch</a:t>
+            </a:r>
+            <a:endParaRPr sz="4400"/>
+          </a:p>
+          <a:p>
+            <a:pPr>
+              <a:defRPr/>
+            </a:pPr>
+            <a:endParaRPr/>
+          </a:p>
+        </p:txBody>
+      </p:sp>
+      <p:sp>
+        <p:nvSpPr>
+          <p:cNvPr id="650210589" name=""/>
+          <p:cNvSpPr txBox="1"/>
+          <p:nvPr/>
+        </p:nvSpPr>
+        <p:spPr bwMode="auto">
+          <a:xfrm flipH="0" flipV="0">
+            <a:off x="6779278" y="2614392"/>
+            <a:ext cx="4852801" cy="1067159"/>
+          </a:xfrm>
+          <a:prstGeom prst="rect">
+            <a:avLst/>
+          </a:prstGeom>
+          <a:noFill/>
+        </p:spPr>
+        <p:txBody>
+          <a:bodyPr vertOverflow="overflow" horzOverflow="overflow" vert="horz" wrap="square" lIns="91440" tIns="45720" rIns="91440" bIns="45720" numCol="1" spcCol="0" rtlCol="0" fromWordArt="0" anchor="t" anchorCtr="0" forceAA="0" upright="0" compatLnSpc="0">
+            <a:spAutoFit/>
+          </a:bodyPr>
+          <a:p>
+            <a:pPr marL="438080" indent="-438080" algn="l">
+              <a:buFont typeface="Arial"/>
+              <a:buChar char="•"/>
+              <a:defRPr/>
+            </a:pPr>
+            <a:r>
+              <a:rPr lang="en-AU" sz="3200" b="0" i="0" u="none" strike="noStrike" cap="none" spc="0">
+                <a:solidFill>
+                  <a:schemeClr val="tx1">
+                    <a:lumMod val="75000"/>
+                    <a:lumOff val="25000"/>
+                  </a:schemeClr>
+                </a:solidFill>
+                <a:latin typeface="Arial"/>
+                <a:ea typeface="Arial"/>
+                <a:cs typeface="Arial"/>
+              </a:rPr>
+              <a:t>Connections are still working...</a:t>
+            </a:r>
+            <a:endParaRPr sz="3200" b="0">
+              <a:solidFill>
+                <a:schemeClr val="tx1">
+                  <a:lumMod val="75000"/>
+                  <a:lumOff val="25000"/>
+                </a:schemeClr>
+              </a:solidFill>
+            </a:endParaRPr>
+          </a:p>
+        </p:txBody>
+      </p:sp>
+      <p:sp>
+        <p:nvSpPr>
+          <p:cNvPr id="1494473823" name=""/>
+          <p:cNvSpPr txBox="1"/>
+          <p:nvPr/>
+        </p:nvSpPr>
+        <p:spPr bwMode="auto">
+          <a:xfrm flipH="0" flipV="0">
+            <a:off x="6004379" y="2752343"/>
+            <a:ext cx="183240" cy="1353312"/>
+          </a:xfrm>
+          <a:prstGeom prst="rect">
+            <a:avLst/>
+          </a:prstGeom>
+          <a:noFill/>
+        </p:spPr>
+        <p:txBody>
+          <a:bodyPr vertOverflow="overflow" horzOverflow="overflow" vert="horz" wrap="square" lIns="91440" tIns="45720" rIns="91440" bIns="45720" numCol="1" spcCol="0" rtlCol="0" fromWordArt="0" anchor="t" anchorCtr="0" forceAA="0" upright="0" compatLnSpc="0">
+            <a:spAutoFit/>
+          </a:bodyPr>
+          <a:p>
+            <a:pPr algn="l">
+              <a:lnSpc>
+                <a:spcPct val="114999"/>
+              </a:lnSpc>
+              <a:spcAft>
+                <a:spcPts val="0"/>
+              </a:spcAft>
+              <a:defRPr/>
+            </a:pPr>
+            <a:endParaRPr lang="en-AU">
+              <a:latin typeface="Arial"/>
+              <a:ea typeface="Arial"/>
+              <a:cs typeface="Arial"/>
+            </a:endParaRPr>
+          </a:p>
+          <a:p>
+            <a:pPr algn="l">
+              <a:lnSpc>
+                <a:spcPct val="114999"/>
+              </a:lnSpc>
+              <a:spcAft>
+                <a:spcPts val="0"/>
+              </a:spcAft>
+              <a:defRPr/>
+            </a:pPr>
+            <a:endParaRPr lang="en-AU">
+              <a:latin typeface="Arial"/>
+              <a:ea typeface="Arial"/>
+              <a:cs typeface="Arial"/>
+            </a:endParaRPr>
+          </a:p>
+          <a:p>
+            <a:pPr algn="l">
+              <a:lnSpc>
+                <a:spcPct val="114999"/>
+              </a:lnSpc>
+              <a:spcAft>
+                <a:spcPts val="0"/>
+              </a:spcAft>
+              <a:defRPr/>
+            </a:pPr>
+            <a:endParaRPr lang="en-AU">
+              <a:latin typeface="Arial"/>
+              <a:ea typeface="Arial"/>
+              <a:cs typeface="Arial"/>
+            </a:endParaRPr>
+          </a:p>
+          <a:p>
+            <a:pPr algn="l">
+              <a:lnSpc>
+                <a:spcPct val="114999"/>
+              </a:lnSpc>
+              <a:spcAft>
+                <a:spcPts val="0"/>
+              </a:spcAft>
+              <a:defRPr/>
+            </a:pPr>
+            <a:endParaRPr lang="en-AU">
+              <a:latin typeface="Arial"/>
+              <a:ea typeface="Arial"/>
+              <a:cs typeface="Arial"/>
+            </a:endParaRPr>
+          </a:p>
+        </p:txBody>
+      </p:sp>
+      <p:pic>
+        <p:nvPicPr>
+          <p:cNvPr id="373859219" name=""/>
+          <p:cNvPicPr>
+            <a:picLocks noChangeAspect="1"/>
+          </p:cNvPicPr>
+          <p:nvPr/>
+        </p:nvPicPr>
+        <p:blipFill>
+          <a:blip r:embed="rId3"/>
+          <a:srcRect l="0" t="0" r="0" b="18652"/>
+          <a:stretch/>
+        </p:blipFill>
+        <p:spPr bwMode="auto">
+          <a:xfrm rot="0" flipH="0" flipV="0">
+            <a:off x="609599" y="2367680"/>
+            <a:ext cx="5731509" cy="1691743"/>
+          </a:xfrm>
+          <a:prstGeom prst="rect">
+            <a:avLst/>
+          </a:prstGeom>
+        </p:spPr>
+      </p:pic>
+      <p:pic>
+        <p:nvPicPr>
+          <p:cNvPr id="1871930133" name=""/>
+          <p:cNvPicPr>
+            <a:picLocks noChangeAspect="1"/>
+          </p:cNvPicPr>
+          <p:nvPr/>
+        </p:nvPicPr>
+        <p:blipFill>
+          <a:blip r:embed="rId4"/>
+          <a:srcRect l="0" t="0" r="0" b="18224"/>
+          <a:stretch/>
+        </p:blipFill>
+        <p:spPr bwMode="auto">
+          <a:xfrm rot="0" flipH="0" flipV="0">
+            <a:off x="609599" y="4359519"/>
+            <a:ext cx="5731509" cy="1700624"/>
+          </a:xfrm>
+          <a:prstGeom prst="rect">
+            <a:avLst/>
+          </a:prstGeom>
+        </p:spPr>
+      </p:pic>
+    </p:spTree>
+  </p:cSld>
+  <p:clrMapOvr>
+    <a:masterClrMapping/>
+  </p:clrMapOvr>
+  <mc:AlternateContent xmlns:mc="http://schemas.openxmlformats.org/markup-compatibility/2006">
+    <mc:Choice xmlns:p159="http://schemas.microsoft.com/office/powerpoint/2015/09/main" xmlns:p14="http://schemas.microsoft.com/office/powerpoint/2010/main" Requires="p159">
+      <p:transition p14:dur="2000" advClick="1"/>
+    </mc:Choice>
+    <mc:Fallback>
+      <p:transition advClick="1"/>
+    </mc:Fallback>
+  </mc:AlternateContent>
+</p:sld>
+</file>
+
+<file path=ppt/slides/slide39.xml><?xml version="1.0" encoding="utf-8"?>
+<p:sld xmlns:a="http://schemas.openxmlformats.org/drawingml/2006/main" xmlns:r="http://schemas.openxmlformats.org/officeDocument/2006/relationships" xmlns:p="http://schemas.openxmlformats.org/presentationml/2006/main" xmlns:m="http://schemas.openxmlformats.org/officeDocument/2006/math" xmlns:w="http://schemas.openxmlformats.org/wordprocessingml/2006/main" xmlns:mc="http://schemas.openxmlformats.org/markup-compatibility/2006" showMasterPhAnim="0" showMasterSp="1" show="1">
+  <p:cSld name="">
+    <p:spTree>
+      <p:nvGrpSpPr>
+        <p:cNvPr id="1" name=""/>
+        <p:cNvGrpSpPr/>
+        <p:nvPr/>
+      </p:nvGrpSpPr>
+      <p:grpSpPr bwMode="auto">
+        <a:xfrm>
+          <a:off x="0" y="0"/>
+          <a:ext cx="0" cy="0"/>
+          <a:chOff x="0" y="0"/>
+          <a:chExt cx="0" cy="0"/>
+        </a:xfrm>
+      </p:grpSpPr>
+      <p:sp>
+        <p:nvSpPr>
+          <p:cNvPr id="371123378" name="Title 1"/>
+          <p:cNvSpPr>
+            <a:spLocks noGrp="1"/>
+          </p:cNvSpPr>
+          <p:nvPr>
+            <p:ph type="title"/>
+          </p:nvPr>
+        </p:nvSpPr>
+        <p:spPr bwMode="auto"/>
+        <p:txBody>
+          <a:bodyPr/>
+          <a:lstStyle/>
+          <a:p>
+            <a:pPr>
+              <a:defRPr/>
+            </a:pPr>
+            <a:endParaRPr/>
+          </a:p>
+        </p:txBody>
+      </p:sp>
+      <p:sp>
+        <p:nvSpPr>
+          <p:cNvPr id="622815849" name="Content Placeholder 2"/>
+          <p:cNvSpPr>
+            <a:spLocks noGrp="1"/>
+          </p:cNvSpPr>
+          <p:nvPr>
+            <p:ph idx="1"/>
+          </p:nvPr>
+        </p:nvSpPr>
+        <p:spPr bwMode="auto"/>
+        <p:txBody>
+          <a:bodyPr/>
+          <a:lstStyle/>
+          <a:p>
+            <a:pPr>
+              <a:defRPr/>
+            </a:pPr>
+            <a:endParaRPr/>
+          </a:p>
+        </p:txBody>
+      </p:sp>
     </p:spTree>
   </p:cSld>
   <p:clrMapOvr>

--- a/TERM1-BLOCK1/2-ICTNWK541-Configure_Verify_Troubleshoot_WAN_links-IP_services/Assessmet_Task2/Task2/ICTNWK541 Assessment task.pptx
+++ b/TERM1-BLOCK1/2-ICTNWK541-Configure_Verify_Troubleshoot_WAN_links-IP_services/Assessmet_Task2/Task2/ICTNWK541 Assessment task.pptx
@@ -5,7 +5,7 @@
     <p:sldMasterId id="2147483648" r:id="rId1"/>
   </p:sldMasterIdLst>
   <p:notesMasterIdLst>
-    <p:notesMasterId r:id="rId43"/>
+    <p:notesMasterId r:id="rId59"/>
   </p:notesMasterIdLst>
   <p:sldIdLst>
     <p:sldId id="256" r:id="rId4"/>
@@ -47,6 +47,22 @@
     <p:sldId id="292" r:id="rId40"/>
     <p:sldId id="293" r:id="rId41"/>
     <p:sldId id="294" r:id="rId42"/>
+    <p:sldId id="295" r:id="rId43"/>
+    <p:sldId id="296" r:id="rId44"/>
+    <p:sldId id="297" r:id="rId45"/>
+    <p:sldId id="298" r:id="rId46"/>
+    <p:sldId id="299" r:id="rId47"/>
+    <p:sldId id="300" r:id="rId48"/>
+    <p:sldId id="301" r:id="rId49"/>
+    <p:sldId id="302" r:id="rId50"/>
+    <p:sldId id="303" r:id="rId51"/>
+    <p:sldId id="304" r:id="rId52"/>
+    <p:sldId id="305" r:id="rId53"/>
+    <p:sldId id="306" r:id="rId54"/>
+    <p:sldId id="307" r:id="rId55"/>
+    <p:sldId id="308" r:id="rId56"/>
+    <p:sldId id="309" r:id="rId57"/>
+    <p:sldId id="310" r:id="rId58"/>
   </p:sldIdLst>
   <p:sldSz cx="12192000" cy="6858000"/>
   <p:notesSz cx="6858000" cy="9144000"/>
@@ -172,7 +188,7 @@
       </p:grpSpPr>
       <p:sp>
         <p:nvSpPr>
-          <p:cNvPr id="490396776" name="Header Placeholder 1"/>
+          <p:cNvPr id="1925495367" name="Header Placeholder 1"/>
           <p:cNvSpPr>
             <a:spLocks noGrp="1"/>
           </p:cNvSpPr>
@@ -206,7 +222,7 @@
       </p:sp>
       <p:sp>
         <p:nvSpPr>
-          <p:cNvPr id="2082985741" name="Date Placeholder 2"/>
+          <p:cNvPr id="1496301973" name="Date Placeholder 2"/>
           <p:cNvSpPr>
             <a:spLocks noGrp="1"/>
           </p:cNvSpPr>
@@ -244,7 +260,7 @@
       </p:sp>
       <p:sp>
         <p:nvSpPr>
-          <p:cNvPr id="1131793182" name="Slide Image Placeholder 3"/>
+          <p:cNvPr id="1890148464" name="Slide Image Placeholder 3"/>
           <p:cNvSpPr>
             <a:spLocks noChangeAspect="1" noGrp="1" noRot="1"/>
           </p:cNvSpPr>
@@ -280,7 +296,7 @@
       </p:sp>
       <p:sp>
         <p:nvSpPr>
-          <p:cNvPr id="696687956" name="Notes Placeholder 4"/>
+          <p:cNvPr id="1823362460" name="Notes Placeholder 4"/>
           <p:cNvSpPr>
             <a:spLocks noGrp="1"/>
           </p:cNvSpPr>
@@ -354,7 +370,7 @@
       </p:sp>
       <p:sp>
         <p:nvSpPr>
-          <p:cNvPr id="1453024044" name="Footer Placeholder 5"/>
+          <p:cNvPr id="33515043" name="Footer Placeholder 5"/>
           <p:cNvSpPr>
             <a:spLocks noGrp="1"/>
           </p:cNvSpPr>
@@ -388,7 +404,7 @@
       </p:sp>
       <p:sp>
         <p:nvSpPr>
-          <p:cNvPr id="1330229197" name="Slide Number Placeholder 6"/>
+          <p:cNvPr id="2110982801" name="Slide Number Placeholder 6"/>
           <p:cNvSpPr>
             <a:spLocks noGrp="1"/>
           </p:cNvSpPr>
@@ -541,7 +557,7 @@
       </p:grpSpPr>
       <p:sp>
         <p:nvSpPr>
-          <p:cNvPr id="1219006018" name="Slide Image Placeholder 1"/>
+          <p:cNvPr id="888531818" name="Slide Image Placeholder 1"/>
           <p:cNvSpPr>
             <a:spLocks noChangeAspect="1" noGrp="1" noRot="1"/>
           </p:cNvSpPr>
@@ -558,7 +574,7 @@
       </p:sp>
       <p:sp>
         <p:nvSpPr>
-          <p:cNvPr id="2065737466" name="Notes Placeholder 2"/>
+          <p:cNvPr id="1522816882" name="Notes Placeholder 2"/>
           <p:cNvSpPr>
             <a:spLocks noGrp="1"/>
           </p:cNvSpPr>
@@ -583,7 +599,7 @@
       </p:sp>
       <p:sp>
         <p:nvSpPr>
-          <p:cNvPr id="680536960" name="Slide Number Placeholder 3"/>
+          <p:cNvPr id="900024694" name="Slide Number Placeholder 3"/>
           <p:cNvSpPr>
             <a:spLocks noGrp="1"/>
           </p:cNvSpPr>
@@ -631,7 +647,7 @@
       </p:grpSpPr>
       <p:sp>
         <p:nvSpPr>
-          <p:cNvPr id="2" name="Slide Image Placeholder 1"/>
+          <p:cNvPr id="770396059" name="Slide Image Placeholder 1"/>
           <p:cNvSpPr>
             <a:spLocks noChangeAspect="1" noGrp="1" noRot="1"/>
           </p:cNvSpPr>
@@ -643,7 +659,7 @@
       </p:sp>
       <p:sp>
         <p:nvSpPr>
-          <p:cNvPr id="3" name="Notes Placeholder 2"/>
+          <p:cNvPr id="716474655" name="Notes Placeholder 2"/>
           <p:cNvSpPr>
             <a:spLocks noGrp="1"/>
           </p:cNvSpPr>
@@ -665,7 +681,7 @@
       </p:sp>
       <p:sp>
         <p:nvSpPr>
-          <p:cNvPr id="4" name="Slide Number Placeholder 3"/>
+          <p:cNvPr id="2032740250" name="Slide Number Placeholder 3"/>
           <p:cNvSpPr>
             <a:spLocks noGrp="1"/>
           </p:cNvSpPr>
@@ -713,7 +729,7 @@
       </p:grpSpPr>
       <p:sp>
         <p:nvSpPr>
-          <p:cNvPr id="2" name="Slide Image Placeholder 1"/>
+          <p:cNvPr id="624043691" name="Slide Image Placeholder 1"/>
           <p:cNvSpPr>
             <a:spLocks noChangeAspect="1" noGrp="1" noRot="1"/>
           </p:cNvSpPr>
@@ -725,7 +741,7 @@
       </p:sp>
       <p:sp>
         <p:nvSpPr>
-          <p:cNvPr id="3" name="Notes Placeholder 2"/>
+          <p:cNvPr id="1213322721" name="Notes Placeholder 2"/>
           <p:cNvSpPr>
             <a:spLocks noGrp="1"/>
           </p:cNvSpPr>
@@ -747,7 +763,7 @@
       </p:sp>
       <p:sp>
         <p:nvSpPr>
-          <p:cNvPr id="4" name="Slide Number Placeholder 3"/>
+          <p:cNvPr id="1996929306" name="Slide Number Placeholder 3"/>
           <p:cNvSpPr>
             <a:spLocks noGrp="1"/>
           </p:cNvSpPr>
@@ -795,7 +811,7 @@
       </p:grpSpPr>
       <p:sp>
         <p:nvSpPr>
-          <p:cNvPr id="2" name="Slide Image Placeholder 1"/>
+          <p:cNvPr id="2038896089" name="Slide Image Placeholder 1"/>
           <p:cNvSpPr>
             <a:spLocks noChangeAspect="1" noGrp="1" noRot="1"/>
           </p:cNvSpPr>
@@ -807,7 +823,7 @@
       </p:sp>
       <p:sp>
         <p:nvSpPr>
-          <p:cNvPr id="3" name="Notes Placeholder 2"/>
+          <p:cNvPr id="1592895134" name="Notes Placeholder 2"/>
           <p:cNvSpPr>
             <a:spLocks noGrp="1"/>
           </p:cNvSpPr>
@@ -829,7 +845,7 @@
       </p:sp>
       <p:sp>
         <p:nvSpPr>
-          <p:cNvPr id="4" name="Slide Number Placeholder 3"/>
+          <p:cNvPr id="2142295081" name="Slide Number Placeholder 3"/>
           <p:cNvSpPr>
             <a:spLocks noGrp="1"/>
           </p:cNvSpPr>
@@ -877,7 +893,7 @@
       </p:grpSpPr>
       <p:sp>
         <p:nvSpPr>
-          <p:cNvPr id="2" name="Slide Image Placeholder 1"/>
+          <p:cNvPr id="314602124" name="Slide Image Placeholder 1"/>
           <p:cNvSpPr>
             <a:spLocks noChangeAspect="1" noGrp="1" noRot="1"/>
           </p:cNvSpPr>
@@ -889,7 +905,7 @@
       </p:sp>
       <p:sp>
         <p:nvSpPr>
-          <p:cNvPr id="3" name="Notes Placeholder 2"/>
+          <p:cNvPr id="1719304868" name="Notes Placeholder 2"/>
           <p:cNvSpPr>
             <a:spLocks noGrp="1"/>
           </p:cNvSpPr>
@@ -911,7 +927,7 @@
       </p:sp>
       <p:sp>
         <p:nvSpPr>
-          <p:cNvPr id="4" name="Slide Number Placeholder 3"/>
+          <p:cNvPr id="276769224" name="Slide Number Placeholder 3"/>
           <p:cNvSpPr>
             <a:spLocks noGrp="1"/>
           </p:cNvSpPr>
@@ -959,7 +975,7 @@
       </p:grpSpPr>
       <p:sp>
         <p:nvSpPr>
-          <p:cNvPr id="2" name="Slide Image Placeholder 1"/>
+          <p:cNvPr id="1014000757" name="Slide Image Placeholder 1"/>
           <p:cNvSpPr>
             <a:spLocks noChangeAspect="1" noGrp="1" noRot="1"/>
           </p:cNvSpPr>
@@ -971,7 +987,7 @@
       </p:sp>
       <p:sp>
         <p:nvSpPr>
-          <p:cNvPr id="3" name="Notes Placeholder 2"/>
+          <p:cNvPr id="1077305078" name="Notes Placeholder 2"/>
           <p:cNvSpPr>
             <a:spLocks noGrp="1"/>
           </p:cNvSpPr>
@@ -993,7 +1009,7 @@
       </p:sp>
       <p:sp>
         <p:nvSpPr>
-          <p:cNvPr id="4" name="Slide Number Placeholder 3"/>
+          <p:cNvPr id="702845214" name="Slide Number Placeholder 3"/>
           <p:cNvSpPr>
             <a:spLocks noGrp="1"/>
           </p:cNvSpPr>
@@ -1041,7 +1057,7 @@
       </p:grpSpPr>
       <p:sp>
         <p:nvSpPr>
-          <p:cNvPr id="2" name="Slide Image Placeholder 1"/>
+          <p:cNvPr id="1872670772" name="Slide Image Placeholder 1"/>
           <p:cNvSpPr>
             <a:spLocks noChangeAspect="1" noGrp="1" noRot="1"/>
           </p:cNvSpPr>
@@ -1053,7 +1069,7 @@
       </p:sp>
       <p:sp>
         <p:nvSpPr>
-          <p:cNvPr id="3" name="Notes Placeholder 2"/>
+          <p:cNvPr id="1134585842" name="Notes Placeholder 2"/>
           <p:cNvSpPr>
             <a:spLocks noGrp="1"/>
           </p:cNvSpPr>
@@ -1075,7 +1091,7 @@
       </p:sp>
       <p:sp>
         <p:nvSpPr>
-          <p:cNvPr id="4" name="Slide Number Placeholder 3"/>
+          <p:cNvPr id="1807980343" name="Slide Number Placeholder 3"/>
           <p:cNvSpPr>
             <a:spLocks noGrp="1"/>
           </p:cNvSpPr>
@@ -1123,7 +1139,7 @@
       </p:grpSpPr>
       <p:sp>
         <p:nvSpPr>
-          <p:cNvPr id="2" name="Slide Image Placeholder 1"/>
+          <p:cNvPr id="774254646" name="Slide Image Placeholder 1"/>
           <p:cNvSpPr>
             <a:spLocks noChangeAspect="1" noGrp="1" noRot="1"/>
           </p:cNvSpPr>
@@ -1135,7 +1151,7 @@
       </p:sp>
       <p:sp>
         <p:nvSpPr>
-          <p:cNvPr id="3" name="Notes Placeholder 2"/>
+          <p:cNvPr id="380816540" name="Notes Placeholder 2"/>
           <p:cNvSpPr>
             <a:spLocks noGrp="1"/>
           </p:cNvSpPr>
@@ -1157,7 +1173,7 @@
       </p:sp>
       <p:sp>
         <p:nvSpPr>
-          <p:cNvPr id="4" name="Slide Number Placeholder 3"/>
+          <p:cNvPr id="1544300844" name="Slide Number Placeholder 3"/>
           <p:cNvSpPr>
             <a:spLocks noGrp="1"/>
           </p:cNvSpPr>
@@ -1205,7 +1221,7 @@
       </p:grpSpPr>
       <p:sp>
         <p:nvSpPr>
-          <p:cNvPr id="2" name="Slide Image Placeholder 1"/>
+          <p:cNvPr id="2046476149" name="Slide Image Placeholder 1"/>
           <p:cNvSpPr>
             <a:spLocks noChangeAspect="1" noGrp="1" noRot="1"/>
           </p:cNvSpPr>
@@ -1217,7 +1233,7 @@
       </p:sp>
       <p:sp>
         <p:nvSpPr>
-          <p:cNvPr id="3" name="Notes Placeholder 2"/>
+          <p:cNvPr id="2045792578" name="Notes Placeholder 2"/>
           <p:cNvSpPr>
             <a:spLocks noGrp="1"/>
           </p:cNvSpPr>
@@ -1239,7 +1255,7 @@
       </p:sp>
       <p:sp>
         <p:nvSpPr>
-          <p:cNvPr id="4" name="Slide Number Placeholder 3"/>
+          <p:cNvPr id="1369092333" name="Slide Number Placeholder 3"/>
           <p:cNvSpPr>
             <a:spLocks noGrp="1"/>
           </p:cNvSpPr>
@@ -1287,7 +1303,7 @@
       </p:grpSpPr>
       <p:sp>
         <p:nvSpPr>
-          <p:cNvPr id="2" name="Slide Image Placeholder 1"/>
+          <p:cNvPr id="1580199549" name="Slide Image Placeholder 1"/>
           <p:cNvSpPr>
             <a:spLocks noChangeAspect="1" noGrp="1" noRot="1"/>
           </p:cNvSpPr>
@@ -1299,7 +1315,7 @@
       </p:sp>
       <p:sp>
         <p:nvSpPr>
-          <p:cNvPr id="3" name="Notes Placeholder 2"/>
+          <p:cNvPr id="174321545" name="Notes Placeholder 2"/>
           <p:cNvSpPr>
             <a:spLocks noGrp="1"/>
           </p:cNvSpPr>
@@ -1321,7 +1337,7 @@
       </p:sp>
       <p:sp>
         <p:nvSpPr>
-          <p:cNvPr id="4" name="Slide Number Placeholder 3"/>
+          <p:cNvPr id="1579952680" name="Slide Number Placeholder 3"/>
           <p:cNvSpPr>
             <a:spLocks noGrp="1"/>
           </p:cNvSpPr>
@@ -1369,7 +1385,7 @@
       </p:grpSpPr>
       <p:sp>
         <p:nvSpPr>
-          <p:cNvPr id="2" name="Slide Image Placeholder 1"/>
+          <p:cNvPr id="51603269" name="Slide Image Placeholder 1"/>
           <p:cNvSpPr>
             <a:spLocks noChangeAspect="1" noGrp="1" noRot="1"/>
           </p:cNvSpPr>
@@ -1381,7 +1397,7 @@
       </p:sp>
       <p:sp>
         <p:nvSpPr>
-          <p:cNvPr id="3" name="Notes Placeholder 2"/>
+          <p:cNvPr id="1335750878" name="Notes Placeholder 2"/>
           <p:cNvSpPr>
             <a:spLocks noGrp="1"/>
           </p:cNvSpPr>
@@ -1403,7 +1419,7 @@
       </p:sp>
       <p:sp>
         <p:nvSpPr>
-          <p:cNvPr id="4" name="Slide Number Placeholder 3"/>
+          <p:cNvPr id="1528921199" name="Slide Number Placeholder 3"/>
           <p:cNvSpPr>
             <a:spLocks noGrp="1"/>
           </p:cNvSpPr>
@@ -1451,7 +1467,7 @@
       </p:grpSpPr>
       <p:sp>
         <p:nvSpPr>
-          <p:cNvPr id="2" name="Slide Image Placeholder 1"/>
+          <p:cNvPr id="195908449" name="Slide Image Placeholder 1"/>
           <p:cNvSpPr>
             <a:spLocks noChangeAspect="1" noGrp="1" noRot="1"/>
           </p:cNvSpPr>
@@ -1463,7 +1479,7 @@
       </p:sp>
       <p:sp>
         <p:nvSpPr>
-          <p:cNvPr id="3" name="Notes Placeholder 2"/>
+          <p:cNvPr id="1292546519" name="Notes Placeholder 2"/>
           <p:cNvSpPr>
             <a:spLocks noGrp="1"/>
           </p:cNvSpPr>
@@ -1485,7 +1501,7 @@
       </p:sp>
       <p:sp>
         <p:nvSpPr>
-          <p:cNvPr id="4" name="Slide Number Placeholder 3"/>
+          <p:cNvPr id="1574387804" name="Slide Number Placeholder 3"/>
           <p:cNvSpPr>
             <a:spLocks noGrp="1"/>
           </p:cNvSpPr>
@@ -1533,7 +1549,7 @@
       </p:grpSpPr>
       <p:sp>
         <p:nvSpPr>
-          <p:cNvPr id="2" name="Slide Image Placeholder 1"/>
+          <p:cNvPr id="1661785220" name="Slide Image Placeholder 1"/>
           <p:cNvSpPr>
             <a:spLocks noChangeAspect="1" noGrp="1" noRot="1"/>
           </p:cNvSpPr>
@@ -1545,7 +1561,7 @@
       </p:sp>
       <p:sp>
         <p:nvSpPr>
-          <p:cNvPr id="3" name="Notes Placeholder 2"/>
+          <p:cNvPr id="1882968924" name="Notes Placeholder 2"/>
           <p:cNvSpPr>
             <a:spLocks noGrp="1"/>
           </p:cNvSpPr>
@@ -1567,7 +1583,7 @@
       </p:sp>
       <p:sp>
         <p:nvSpPr>
-          <p:cNvPr id="4" name="Slide Number Placeholder 3"/>
+          <p:cNvPr id="2141622220" name="Slide Number Placeholder 3"/>
           <p:cNvSpPr>
             <a:spLocks noGrp="1"/>
           </p:cNvSpPr>
@@ -1615,7 +1631,7 @@
       </p:grpSpPr>
       <p:sp>
         <p:nvSpPr>
-          <p:cNvPr id="1299725964" name="Slide Image Placeholder 1"/>
+          <p:cNvPr id="1565091760" name="Slide Image Placeholder 1"/>
           <p:cNvSpPr>
             <a:spLocks noChangeAspect="1" noGrp="1" noRot="1"/>
           </p:cNvSpPr>
@@ -1627,7 +1643,7 @@
       </p:sp>
       <p:sp>
         <p:nvSpPr>
-          <p:cNvPr id="1544107521" name="Notes Placeholder 2"/>
+          <p:cNvPr id="98579469" name="Notes Placeholder 2"/>
           <p:cNvSpPr>
             <a:spLocks noGrp="1"/>
           </p:cNvSpPr>
@@ -1649,7 +1665,7 @@
       </p:sp>
       <p:sp>
         <p:nvSpPr>
-          <p:cNvPr id="290576086" name="Slide Number Placeholder 3"/>
+          <p:cNvPr id="116127551" name="Slide Number Placeholder 3"/>
           <p:cNvSpPr>
             <a:spLocks noGrp="1"/>
           </p:cNvSpPr>
@@ -1697,7 +1713,7 @@
       </p:grpSpPr>
       <p:sp>
         <p:nvSpPr>
-          <p:cNvPr id="2121256222" name="Slide Image Placeholder 1"/>
+          <p:cNvPr id="1710561688" name="Slide Image Placeholder 1"/>
           <p:cNvSpPr>
             <a:spLocks noChangeAspect="1" noGrp="1" noRot="1"/>
           </p:cNvSpPr>
@@ -1709,7 +1725,7 @@
       </p:sp>
       <p:sp>
         <p:nvSpPr>
-          <p:cNvPr id="1972210981" name="Notes Placeholder 2"/>
+          <p:cNvPr id="2090851923" name="Notes Placeholder 2"/>
           <p:cNvSpPr>
             <a:spLocks noGrp="1"/>
           </p:cNvSpPr>
@@ -1731,7 +1747,7 @@
       </p:sp>
       <p:sp>
         <p:nvSpPr>
-          <p:cNvPr id="284139830" name="Slide Number Placeholder 3"/>
+          <p:cNvPr id="1949210929" name="Slide Number Placeholder 3"/>
           <p:cNvSpPr>
             <a:spLocks noGrp="1"/>
           </p:cNvSpPr>
@@ -1779,7 +1795,7 @@
       </p:grpSpPr>
       <p:sp>
         <p:nvSpPr>
-          <p:cNvPr id="1751121022" name="Slide Image Placeholder 1"/>
+          <p:cNvPr id="148382692" name="Slide Image Placeholder 1"/>
           <p:cNvSpPr>
             <a:spLocks noChangeAspect="1" noGrp="1" noRot="1"/>
           </p:cNvSpPr>
@@ -1791,7 +1807,7 @@
       </p:sp>
       <p:sp>
         <p:nvSpPr>
-          <p:cNvPr id="1603722676" name="Notes Placeholder 2"/>
+          <p:cNvPr id="1399683691" name="Notes Placeholder 2"/>
           <p:cNvSpPr>
             <a:spLocks noGrp="1"/>
           </p:cNvSpPr>
@@ -1813,7 +1829,7 @@
       </p:sp>
       <p:sp>
         <p:nvSpPr>
-          <p:cNvPr id="1978045148" name="Slide Number Placeholder 3"/>
+          <p:cNvPr id="1605543791" name="Slide Number Placeholder 3"/>
           <p:cNvSpPr>
             <a:spLocks noGrp="1"/>
           </p:cNvSpPr>
@@ -1861,7 +1877,7 @@
       </p:grpSpPr>
       <p:sp>
         <p:nvSpPr>
-          <p:cNvPr id="278681918" name="Slide Image Placeholder 1"/>
+          <p:cNvPr id="833572886" name="Slide Image Placeholder 1"/>
           <p:cNvSpPr>
             <a:spLocks noChangeAspect="1" noGrp="1" noRot="1"/>
           </p:cNvSpPr>
@@ -1873,7 +1889,7 @@
       </p:sp>
       <p:sp>
         <p:nvSpPr>
-          <p:cNvPr id="1394628266" name="Notes Placeholder 2"/>
+          <p:cNvPr id="730037946" name="Notes Placeholder 2"/>
           <p:cNvSpPr>
             <a:spLocks noGrp="1"/>
           </p:cNvSpPr>
@@ -1895,7 +1911,7 @@
       </p:sp>
       <p:sp>
         <p:nvSpPr>
-          <p:cNvPr id="2032638536" name="Slide Number Placeholder 3"/>
+          <p:cNvPr id="635517356" name="Slide Number Placeholder 3"/>
           <p:cNvSpPr>
             <a:spLocks noGrp="1"/>
           </p:cNvSpPr>
@@ -1943,7 +1959,7 @@
       </p:grpSpPr>
       <p:sp>
         <p:nvSpPr>
-          <p:cNvPr id="1139793639" name="Slide Image Placeholder 1"/>
+          <p:cNvPr id="804310265" name="Slide Image Placeholder 1"/>
           <p:cNvSpPr>
             <a:spLocks noChangeAspect="1" noGrp="1" noRot="1"/>
           </p:cNvSpPr>
@@ -1955,7 +1971,7 @@
       </p:sp>
       <p:sp>
         <p:nvSpPr>
-          <p:cNvPr id="1005765936" name="Notes Placeholder 2"/>
+          <p:cNvPr id="440655916" name="Notes Placeholder 2"/>
           <p:cNvSpPr>
             <a:spLocks noGrp="1"/>
           </p:cNvSpPr>
@@ -1977,7 +1993,7 @@
       </p:sp>
       <p:sp>
         <p:nvSpPr>
-          <p:cNvPr id="1454402150" name="Slide Number Placeholder 3"/>
+          <p:cNvPr id="1691582950" name="Slide Number Placeholder 3"/>
           <p:cNvSpPr>
             <a:spLocks noGrp="1"/>
           </p:cNvSpPr>
@@ -2025,7 +2041,7 @@
       </p:grpSpPr>
       <p:sp>
         <p:nvSpPr>
-          <p:cNvPr id="1508655594" name="Slide Image Placeholder 1"/>
+          <p:cNvPr id="487029215" name="Slide Image Placeholder 1"/>
           <p:cNvSpPr>
             <a:spLocks noChangeAspect="1" noGrp="1" noRot="1"/>
           </p:cNvSpPr>
@@ -2037,7 +2053,7 @@
       </p:sp>
       <p:sp>
         <p:nvSpPr>
-          <p:cNvPr id="1587768039" name="Notes Placeholder 2"/>
+          <p:cNvPr id="204548447" name="Notes Placeholder 2"/>
           <p:cNvSpPr>
             <a:spLocks noGrp="1"/>
           </p:cNvSpPr>
@@ -2059,7 +2075,7 @@
       </p:sp>
       <p:sp>
         <p:nvSpPr>
-          <p:cNvPr id="949591691" name="Slide Number Placeholder 3"/>
+          <p:cNvPr id="386574976" name="Slide Number Placeholder 3"/>
           <p:cNvSpPr>
             <a:spLocks noGrp="1"/>
           </p:cNvSpPr>
@@ -2107,7 +2123,7 @@
       </p:grpSpPr>
       <p:sp>
         <p:nvSpPr>
-          <p:cNvPr id="1698346237" name="Slide Image Placeholder 1"/>
+          <p:cNvPr id="746658529" name="Slide Image Placeholder 1"/>
           <p:cNvSpPr>
             <a:spLocks noChangeAspect="1" noGrp="1" noRot="1"/>
           </p:cNvSpPr>
@@ -2119,7 +2135,7 @@
       </p:sp>
       <p:sp>
         <p:nvSpPr>
-          <p:cNvPr id="440306018" name="Notes Placeholder 2"/>
+          <p:cNvPr id="583381345" name="Notes Placeholder 2"/>
           <p:cNvSpPr>
             <a:spLocks noGrp="1"/>
           </p:cNvSpPr>
@@ -2141,7 +2157,7 @@
       </p:sp>
       <p:sp>
         <p:nvSpPr>
-          <p:cNvPr id="1833594318" name="Slide Number Placeholder 3"/>
+          <p:cNvPr id="1971836151" name="Slide Number Placeholder 3"/>
           <p:cNvSpPr>
             <a:spLocks noGrp="1"/>
           </p:cNvSpPr>
@@ -2189,7 +2205,7 @@
       </p:grpSpPr>
       <p:sp>
         <p:nvSpPr>
-          <p:cNvPr id="1623059706" name="Slide Image Placeholder 1"/>
+          <p:cNvPr id="1946350390" name="Slide Image Placeholder 1"/>
           <p:cNvSpPr>
             <a:spLocks noChangeAspect="1" noGrp="1" noRot="1"/>
           </p:cNvSpPr>
@@ -2201,7 +2217,7 @@
       </p:sp>
       <p:sp>
         <p:nvSpPr>
-          <p:cNvPr id="1600705664" name="Notes Placeholder 2"/>
+          <p:cNvPr id="853563181" name="Notes Placeholder 2"/>
           <p:cNvSpPr>
             <a:spLocks noGrp="1"/>
           </p:cNvSpPr>
@@ -2223,7 +2239,7 @@
       </p:sp>
       <p:sp>
         <p:nvSpPr>
-          <p:cNvPr id="2011441699" name="Slide Number Placeholder 3"/>
+          <p:cNvPr id="1709830728" name="Slide Number Placeholder 3"/>
           <p:cNvSpPr>
             <a:spLocks noGrp="1"/>
           </p:cNvSpPr>
@@ -2271,7 +2287,7 @@
       </p:grpSpPr>
       <p:sp>
         <p:nvSpPr>
-          <p:cNvPr id="1272868179" name="Slide Image Placeholder 1"/>
+          <p:cNvPr id="1956798362" name="Slide Image Placeholder 1"/>
           <p:cNvSpPr>
             <a:spLocks noChangeAspect="1" noGrp="1" noRot="1"/>
           </p:cNvSpPr>
@@ -2283,7 +2299,7 @@
       </p:sp>
       <p:sp>
         <p:nvSpPr>
-          <p:cNvPr id="2016665398" name="Notes Placeholder 2"/>
+          <p:cNvPr id="139325072" name="Notes Placeholder 2"/>
           <p:cNvSpPr>
             <a:spLocks noGrp="1"/>
           </p:cNvSpPr>
@@ -2305,7 +2321,7 @@
       </p:sp>
       <p:sp>
         <p:nvSpPr>
-          <p:cNvPr id="253305161" name="Slide Number Placeholder 3"/>
+          <p:cNvPr id="2034151297" name="Slide Number Placeholder 3"/>
           <p:cNvSpPr>
             <a:spLocks noGrp="1"/>
           </p:cNvSpPr>
@@ -2353,7 +2369,7 @@
       </p:grpSpPr>
       <p:sp>
         <p:nvSpPr>
-          <p:cNvPr id="2" name="Slide Image Placeholder 1"/>
+          <p:cNvPr id="1305292965" name="Slide Image Placeholder 1"/>
           <p:cNvSpPr>
             <a:spLocks noChangeAspect="1" noGrp="1" noRot="1"/>
           </p:cNvSpPr>
@@ -2365,7 +2381,7 @@
       </p:sp>
       <p:sp>
         <p:nvSpPr>
-          <p:cNvPr id="3" name="Notes Placeholder 2"/>
+          <p:cNvPr id="1334678265" name="Notes Placeholder 2"/>
           <p:cNvSpPr>
             <a:spLocks noGrp="1"/>
           </p:cNvSpPr>
@@ -2387,7 +2403,7 @@
       </p:sp>
       <p:sp>
         <p:nvSpPr>
-          <p:cNvPr id="4" name="Slide Number Placeholder 3"/>
+          <p:cNvPr id="920903291" name="Slide Number Placeholder 3"/>
           <p:cNvSpPr>
             <a:spLocks noGrp="1"/>
           </p:cNvSpPr>
@@ -2435,7 +2451,7 @@
       </p:grpSpPr>
       <p:sp>
         <p:nvSpPr>
-          <p:cNvPr id="194316041" name="Slide Image Placeholder 1"/>
+          <p:cNvPr id="764377717" name="Slide Image Placeholder 1"/>
           <p:cNvSpPr>
             <a:spLocks noChangeAspect="1" noGrp="1" noRot="1"/>
           </p:cNvSpPr>
@@ -2447,7 +2463,7 @@
       </p:sp>
       <p:sp>
         <p:nvSpPr>
-          <p:cNvPr id="6840782" name="Notes Placeholder 2"/>
+          <p:cNvPr id="297684682" name="Notes Placeholder 2"/>
           <p:cNvSpPr>
             <a:spLocks noGrp="1"/>
           </p:cNvSpPr>
@@ -2469,7 +2485,7 @@
       </p:sp>
       <p:sp>
         <p:nvSpPr>
-          <p:cNvPr id="1816445973" name="Slide Number Placeholder 3"/>
+          <p:cNvPr id="1746691074" name="Slide Number Placeholder 3"/>
           <p:cNvSpPr>
             <a:spLocks noGrp="1"/>
           </p:cNvSpPr>
@@ -2517,7 +2533,7 @@
       </p:grpSpPr>
       <p:sp>
         <p:nvSpPr>
-          <p:cNvPr id="264519944" name="Slide Image Placeholder 1"/>
+          <p:cNvPr id="1930031354" name="Slide Image Placeholder 1"/>
           <p:cNvSpPr>
             <a:spLocks noChangeAspect="1" noGrp="1" noRot="1"/>
           </p:cNvSpPr>
@@ -2529,7 +2545,7 @@
       </p:sp>
       <p:sp>
         <p:nvSpPr>
-          <p:cNvPr id="107629754" name="Notes Placeholder 2"/>
+          <p:cNvPr id="321706425" name="Notes Placeholder 2"/>
           <p:cNvSpPr>
             <a:spLocks noGrp="1"/>
           </p:cNvSpPr>
@@ -2551,7 +2567,7 @@
       </p:sp>
       <p:sp>
         <p:nvSpPr>
-          <p:cNvPr id="2086317503" name="Slide Number Placeholder 3"/>
+          <p:cNvPr id="830970800" name="Slide Number Placeholder 3"/>
           <p:cNvSpPr>
             <a:spLocks noGrp="1"/>
           </p:cNvSpPr>
@@ -2599,7 +2615,7 @@
       </p:grpSpPr>
       <p:sp>
         <p:nvSpPr>
-          <p:cNvPr id="1658605878" name="Slide Image Placeholder 1"/>
+          <p:cNvPr id="1743359079" name="Slide Image Placeholder 1"/>
           <p:cNvSpPr>
             <a:spLocks noChangeAspect="1" noGrp="1" noRot="1"/>
           </p:cNvSpPr>
@@ -2611,7 +2627,7 @@
       </p:sp>
       <p:sp>
         <p:nvSpPr>
-          <p:cNvPr id="1543670532" name="Notes Placeholder 2"/>
+          <p:cNvPr id="944810956" name="Notes Placeholder 2"/>
           <p:cNvSpPr>
             <a:spLocks noGrp="1"/>
           </p:cNvSpPr>
@@ -2633,7 +2649,7 @@
       </p:sp>
       <p:sp>
         <p:nvSpPr>
-          <p:cNvPr id="35538986" name="Slide Number Placeholder 3"/>
+          <p:cNvPr id="134415594" name="Slide Number Placeholder 3"/>
           <p:cNvSpPr>
             <a:spLocks noGrp="1"/>
           </p:cNvSpPr>
@@ -2681,7 +2697,7 @@
       </p:grpSpPr>
       <p:sp>
         <p:nvSpPr>
-          <p:cNvPr id="157139105" name="Slide Image Placeholder 1"/>
+          <p:cNvPr id="1159667795" name="Slide Image Placeholder 1"/>
           <p:cNvSpPr>
             <a:spLocks noChangeAspect="1" noGrp="1" noRot="1"/>
           </p:cNvSpPr>
@@ -2693,7 +2709,7 @@
       </p:sp>
       <p:sp>
         <p:nvSpPr>
-          <p:cNvPr id="272406764" name="Notes Placeholder 2"/>
+          <p:cNvPr id="294921813" name="Notes Placeholder 2"/>
           <p:cNvSpPr>
             <a:spLocks noGrp="1"/>
           </p:cNvSpPr>
@@ -2715,7 +2731,7 @@
       </p:sp>
       <p:sp>
         <p:nvSpPr>
-          <p:cNvPr id="460976259" name="Slide Number Placeholder 3"/>
+          <p:cNvPr id="1621415978" name="Slide Number Placeholder 3"/>
           <p:cNvSpPr>
             <a:spLocks noGrp="1"/>
           </p:cNvSpPr>
@@ -2763,7 +2779,7 @@
       </p:grpSpPr>
       <p:sp>
         <p:nvSpPr>
-          <p:cNvPr id="1063209815" name="Slide Image Placeholder 1"/>
+          <p:cNvPr id="1463571579" name="Slide Image Placeholder 1"/>
           <p:cNvSpPr>
             <a:spLocks noChangeAspect="1" noGrp="1" noRot="1"/>
           </p:cNvSpPr>
@@ -2775,7 +2791,7 @@
       </p:sp>
       <p:sp>
         <p:nvSpPr>
-          <p:cNvPr id="1684507424" name="Notes Placeholder 2"/>
+          <p:cNvPr id="705919562" name="Notes Placeholder 2"/>
           <p:cNvSpPr>
             <a:spLocks noGrp="1"/>
           </p:cNvSpPr>
@@ -2797,7 +2813,7 @@
       </p:sp>
       <p:sp>
         <p:nvSpPr>
-          <p:cNvPr id="28546259" name="Slide Number Placeholder 3"/>
+          <p:cNvPr id="2093660426" name="Slide Number Placeholder 3"/>
           <p:cNvSpPr>
             <a:spLocks noGrp="1"/>
           </p:cNvSpPr>
@@ -2845,7 +2861,7 @@
       </p:grpSpPr>
       <p:sp>
         <p:nvSpPr>
-          <p:cNvPr id="1034983655" name="Slide Image Placeholder 1"/>
+          <p:cNvPr id="219309632" name="Slide Image Placeholder 1"/>
           <p:cNvSpPr>
             <a:spLocks noChangeAspect="1" noGrp="1" noRot="1"/>
           </p:cNvSpPr>
@@ -2857,7 +2873,7 @@
       </p:sp>
       <p:sp>
         <p:nvSpPr>
-          <p:cNvPr id="1778026076" name="Notes Placeholder 2"/>
+          <p:cNvPr id="1451820718" name="Notes Placeholder 2"/>
           <p:cNvSpPr>
             <a:spLocks noGrp="1"/>
           </p:cNvSpPr>
@@ -2879,7 +2895,7 @@
       </p:sp>
       <p:sp>
         <p:nvSpPr>
-          <p:cNvPr id="910556976" name="Slide Number Placeholder 3"/>
+          <p:cNvPr id="1315255676" name="Slide Number Placeholder 3"/>
           <p:cNvSpPr>
             <a:spLocks noGrp="1"/>
           </p:cNvSpPr>
@@ -2927,7 +2943,7 @@
       </p:grpSpPr>
       <p:sp>
         <p:nvSpPr>
-          <p:cNvPr id="2017779657" name="Slide Image Placeholder 1"/>
+          <p:cNvPr id="935106030" name="Slide Image Placeholder 1"/>
           <p:cNvSpPr>
             <a:spLocks noChangeAspect="1" noGrp="1" noRot="1"/>
           </p:cNvSpPr>
@@ -2939,7 +2955,7 @@
       </p:sp>
       <p:sp>
         <p:nvSpPr>
-          <p:cNvPr id="1455175102" name="Notes Placeholder 2"/>
+          <p:cNvPr id="374394003" name="Notes Placeholder 2"/>
           <p:cNvSpPr>
             <a:spLocks noGrp="1"/>
           </p:cNvSpPr>
@@ -2961,7 +2977,7 @@
       </p:sp>
       <p:sp>
         <p:nvSpPr>
-          <p:cNvPr id="1957268442" name="Slide Number Placeholder 3"/>
+          <p:cNvPr id="1412243189" name="Slide Number Placeholder 3"/>
           <p:cNvSpPr>
             <a:spLocks noGrp="1"/>
           </p:cNvSpPr>
@@ -3009,7 +3025,7 @@
       </p:grpSpPr>
       <p:sp>
         <p:nvSpPr>
-          <p:cNvPr id="88877864" name="Slide Image Placeholder 1"/>
+          <p:cNvPr id="1286943927" name="Slide Image Placeholder 1"/>
           <p:cNvSpPr>
             <a:spLocks noChangeAspect="1" noGrp="1" noRot="1"/>
           </p:cNvSpPr>
@@ -3021,7 +3037,7 @@
       </p:sp>
       <p:sp>
         <p:nvSpPr>
-          <p:cNvPr id="1638773949" name="Notes Placeholder 2"/>
+          <p:cNvPr id="851510420" name="Notes Placeholder 2"/>
           <p:cNvSpPr>
             <a:spLocks noGrp="1"/>
           </p:cNvSpPr>
@@ -3043,7 +3059,7 @@
       </p:sp>
       <p:sp>
         <p:nvSpPr>
-          <p:cNvPr id="1640739369" name="Slide Number Placeholder 3"/>
+          <p:cNvPr id="1219721321" name="Slide Number Placeholder 3"/>
           <p:cNvSpPr>
             <a:spLocks noGrp="1"/>
           </p:cNvSpPr>
@@ -3091,7 +3107,7 @@
       </p:grpSpPr>
       <p:sp>
         <p:nvSpPr>
-          <p:cNvPr id="1169862246" name="Slide Image Placeholder 1"/>
+          <p:cNvPr id="2106198807" name="Slide Image Placeholder 1"/>
           <p:cNvSpPr>
             <a:spLocks noChangeAspect="1" noGrp="1" noRot="1"/>
           </p:cNvSpPr>
@@ -3103,7 +3119,7 @@
       </p:sp>
       <p:sp>
         <p:nvSpPr>
-          <p:cNvPr id="291695383" name="Notes Placeholder 2"/>
+          <p:cNvPr id="755992098" name="Notes Placeholder 2"/>
           <p:cNvSpPr>
             <a:spLocks noGrp="1"/>
           </p:cNvSpPr>
@@ -3125,7 +3141,7 @@
       </p:sp>
       <p:sp>
         <p:nvSpPr>
-          <p:cNvPr id="278161295" name="Slide Number Placeholder 3"/>
+          <p:cNvPr id="1910452349" name="Slide Number Placeholder 3"/>
           <p:cNvSpPr>
             <a:spLocks noGrp="1"/>
           </p:cNvSpPr>
@@ -3173,7 +3189,7 @@
       </p:grpSpPr>
       <p:sp>
         <p:nvSpPr>
-          <p:cNvPr id="2" name="Slide Image Placeholder 1"/>
+          <p:cNvPr id="1145772011" name="Slide Image Placeholder 1"/>
           <p:cNvSpPr>
             <a:spLocks noChangeAspect="1" noGrp="1" noRot="1"/>
           </p:cNvSpPr>
@@ -3185,7 +3201,7 @@
       </p:sp>
       <p:sp>
         <p:nvSpPr>
-          <p:cNvPr id="3" name="Notes Placeholder 2"/>
+          <p:cNvPr id="945808688" name="Notes Placeholder 2"/>
           <p:cNvSpPr>
             <a:spLocks noGrp="1"/>
           </p:cNvSpPr>
@@ -3207,7 +3223,7 @@
       </p:sp>
       <p:sp>
         <p:nvSpPr>
-          <p:cNvPr id="4" name="Slide Number Placeholder 3"/>
+          <p:cNvPr id="1300526023" name="Slide Number Placeholder 3"/>
           <p:cNvSpPr>
             <a:spLocks noGrp="1"/>
           </p:cNvSpPr>
@@ -3223,7 +3239,7 @@
             <a:pPr>
               <a:defRPr/>
             </a:pPr>
-            <a:fld id="{2724FB1A-835C-7637-DC63-F4C1716F584D}" type="slidenum">
+            <a:fld id="{614F6C4F-4F18-8D7F-12C3-534FA46A4588}" type="slidenum">
               <a:rPr/>
               <a:t/>
             </a:fld>
@@ -3255,7 +3271,7 @@
       </p:grpSpPr>
       <p:sp>
         <p:nvSpPr>
-          <p:cNvPr id="2" name="Slide Image Placeholder 1"/>
+          <p:cNvPr id="600318274" name="Slide Image Placeholder 1"/>
           <p:cNvSpPr>
             <a:spLocks noChangeAspect="1" noGrp="1" noRot="1"/>
           </p:cNvSpPr>
@@ -3267,7 +3283,7 @@
       </p:sp>
       <p:sp>
         <p:nvSpPr>
-          <p:cNvPr id="3" name="Notes Placeholder 2"/>
+          <p:cNvPr id="193139730" name="Notes Placeholder 2"/>
           <p:cNvSpPr>
             <a:spLocks noGrp="1"/>
           </p:cNvSpPr>
@@ -3289,7 +3305,7 @@
       </p:sp>
       <p:sp>
         <p:nvSpPr>
-          <p:cNvPr id="4" name="Slide Number Placeholder 3"/>
+          <p:cNvPr id="762704411" name="Slide Number Placeholder 3"/>
           <p:cNvSpPr>
             <a:spLocks noGrp="1"/>
           </p:cNvSpPr>
@@ -3306,6 +3322,826 @@
               <a:defRPr/>
             </a:pPr>
             <a:fld id="{B4174818-4463-3F93-E2E6-6D2B7C81FDD2}" type="slidenum">
+              <a:rPr/>
+              <a:t/>
+            </a:fld>
+            <a:endParaRPr/>
+          </a:p>
+        </p:txBody>
+      </p:sp>
+    </p:spTree>
+  </p:cSld>
+</p:notes>
+</file>
+
+<file path=ppt/notesSlides/notesSlide40.xml><?xml version="1.0" encoding="utf-8"?>
+<p:notes xmlns:a="http://schemas.openxmlformats.org/drawingml/2006/main" xmlns:r="http://schemas.openxmlformats.org/officeDocument/2006/relationships" xmlns:p="http://schemas.openxmlformats.org/presentationml/2006/main" xmlns:m="http://schemas.openxmlformats.org/officeDocument/2006/math" xmlns:w="http://schemas.openxmlformats.org/wordprocessingml/2006/main">
+  <p:cSld name="">
+    <p:spTree>
+      <p:nvGrpSpPr>
+        <p:cNvPr id="1" name=""/>
+        <p:cNvGrpSpPr/>
+        <p:nvPr/>
+      </p:nvGrpSpPr>
+      <p:grpSpPr bwMode="auto">
+        <a:xfrm>
+          <a:off x="0" y="0"/>
+          <a:ext cx="0" cy="0"/>
+          <a:chOff x="0" y="0"/>
+          <a:chExt cx="0" cy="0"/>
+        </a:xfrm>
+      </p:grpSpPr>
+      <p:sp>
+        <p:nvSpPr>
+          <p:cNvPr id="1845517746" name="Slide Image Placeholder 1"/>
+          <p:cNvSpPr>
+            <a:spLocks noChangeAspect="1" noGrp="1" noRot="1"/>
+          </p:cNvSpPr>
+          <p:nvPr>
+            <p:ph type="sldImg"/>
+          </p:nvPr>
+        </p:nvSpPr>
+        <p:spPr bwMode="auto"/>
+      </p:sp>
+      <p:sp>
+        <p:nvSpPr>
+          <p:cNvPr id="1570804246" name="Notes Placeholder 2"/>
+          <p:cNvSpPr>
+            <a:spLocks noGrp="1"/>
+          </p:cNvSpPr>
+          <p:nvPr>
+            <p:ph type="body" idx="1"/>
+          </p:nvPr>
+        </p:nvSpPr>
+        <p:spPr bwMode="auto"/>
+        <p:txBody>
+          <a:bodyPr/>
+          <a:lstStyle/>
+          <a:p>
+            <a:pPr>
+              <a:defRPr/>
+            </a:pPr>
+            <a:endParaRPr/>
+          </a:p>
+        </p:txBody>
+      </p:sp>
+      <p:sp>
+        <p:nvSpPr>
+          <p:cNvPr id="1045875186" name="Slide Number Placeholder 3"/>
+          <p:cNvSpPr>
+            <a:spLocks noGrp="1"/>
+          </p:cNvSpPr>
+          <p:nvPr>
+            <p:ph type="sldNum" sz="quarter" idx="10"/>
+          </p:nvPr>
+        </p:nvSpPr>
+        <p:spPr bwMode="auto"/>
+        <p:txBody>
+          <a:bodyPr/>
+          <a:lstStyle/>
+          <a:p>
+            <a:pPr>
+              <a:defRPr/>
+            </a:pPr>
+            <a:fld id="{7F9A6B9C-AACE-4921-18A3-96E82F4DF6C1}" type="slidenum">
+              <a:rPr/>
+              <a:t/>
+            </a:fld>
+            <a:endParaRPr/>
+          </a:p>
+        </p:txBody>
+      </p:sp>
+    </p:spTree>
+  </p:cSld>
+</p:notes>
+</file>
+
+<file path=ppt/notesSlides/notesSlide41.xml><?xml version="1.0" encoding="utf-8"?>
+<p:notes xmlns:a="http://schemas.openxmlformats.org/drawingml/2006/main" xmlns:r="http://schemas.openxmlformats.org/officeDocument/2006/relationships" xmlns:p="http://schemas.openxmlformats.org/presentationml/2006/main" xmlns:m="http://schemas.openxmlformats.org/officeDocument/2006/math" xmlns:w="http://schemas.openxmlformats.org/wordprocessingml/2006/main">
+  <p:cSld name="">
+    <p:spTree>
+      <p:nvGrpSpPr>
+        <p:cNvPr id="1" name=""/>
+        <p:cNvGrpSpPr/>
+        <p:nvPr/>
+      </p:nvGrpSpPr>
+      <p:grpSpPr bwMode="auto">
+        <a:xfrm>
+          <a:off x="0" y="0"/>
+          <a:ext cx="0" cy="0"/>
+          <a:chOff x="0" y="0"/>
+          <a:chExt cx="0" cy="0"/>
+        </a:xfrm>
+      </p:grpSpPr>
+      <p:sp>
+        <p:nvSpPr>
+          <p:cNvPr id="1167080718" name="Slide Image Placeholder 1"/>
+          <p:cNvSpPr>
+            <a:spLocks noChangeAspect="1" noGrp="1" noRot="1"/>
+          </p:cNvSpPr>
+          <p:nvPr>
+            <p:ph type="sldImg"/>
+          </p:nvPr>
+        </p:nvSpPr>
+        <p:spPr bwMode="auto"/>
+      </p:sp>
+      <p:sp>
+        <p:nvSpPr>
+          <p:cNvPr id="546818257" name="Notes Placeholder 2"/>
+          <p:cNvSpPr>
+            <a:spLocks noGrp="1"/>
+          </p:cNvSpPr>
+          <p:nvPr>
+            <p:ph type="body" idx="1"/>
+          </p:nvPr>
+        </p:nvSpPr>
+        <p:spPr bwMode="auto"/>
+        <p:txBody>
+          <a:bodyPr/>
+          <a:lstStyle/>
+          <a:p>
+            <a:pPr>
+              <a:defRPr/>
+            </a:pPr>
+            <a:endParaRPr/>
+          </a:p>
+        </p:txBody>
+      </p:sp>
+      <p:sp>
+        <p:nvSpPr>
+          <p:cNvPr id="1290540183" name="Slide Number Placeholder 3"/>
+          <p:cNvSpPr>
+            <a:spLocks noGrp="1"/>
+          </p:cNvSpPr>
+          <p:nvPr>
+            <p:ph type="sldNum" sz="quarter" idx="10"/>
+          </p:nvPr>
+        </p:nvSpPr>
+        <p:spPr bwMode="auto"/>
+        <p:txBody>
+          <a:bodyPr/>
+          <a:lstStyle/>
+          <a:p>
+            <a:pPr>
+              <a:defRPr/>
+            </a:pPr>
+            <a:fld id="{4B5A4FBF-D4C8-804A-07D0-8678B502E7EF}" type="slidenum">
+              <a:rPr/>
+              <a:t/>
+            </a:fld>
+            <a:endParaRPr/>
+          </a:p>
+        </p:txBody>
+      </p:sp>
+    </p:spTree>
+  </p:cSld>
+</p:notes>
+</file>
+
+<file path=ppt/notesSlides/notesSlide42.xml><?xml version="1.0" encoding="utf-8"?>
+<p:notes xmlns:a="http://schemas.openxmlformats.org/drawingml/2006/main" xmlns:r="http://schemas.openxmlformats.org/officeDocument/2006/relationships" xmlns:p="http://schemas.openxmlformats.org/presentationml/2006/main" xmlns:m="http://schemas.openxmlformats.org/officeDocument/2006/math" xmlns:w="http://schemas.openxmlformats.org/wordprocessingml/2006/main">
+  <p:cSld name="">
+    <p:spTree>
+      <p:nvGrpSpPr>
+        <p:cNvPr id="1" name=""/>
+        <p:cNvGrpSpPr/>
+        <p:nvPr/>
+      </p:nvGrpSpPr>
+      <p:grpSpPr bwMode="auto">
+        <a:xfrm>
+          <a:off x="0" y="0"/>
+          <a:ext cx="0" cy="0"/>
+          <a:chOff x="0" y="0"/>
+          <a:chExt cx="0" cy="0"/>
+        </a:xfrm>
+      </p:grpSpPr>
+      <p:sp>
+        <p:nvSpPr>
+          <p:cNvPr id="1274209393" name="Slide Image Placeholder 1"/>
+          <p:cNvSpPr>
+            <a:spLocks noChangeAspect="1" noGrp="1" noRot="1"/>
+          </p:cNvSpPr>
+          <p:nvPr>
+            <p:ph type="sldImg"/>
+          </p:nvPr>
+        </p:nvSpPr>
+        <p:spPr bwMode="auto"/>
+      </p:sp>
+      <p:sp>
+        <p:nvSpPr>
+          <p:cNvPr id="3676999" name="Notes Placeholder 2"/>
+          <p:cNvSpPr>
+            <a:spLocks noGrp="1"/>
+          </p:cNvSpPr>
+          <p:nvPr>
+            <p:ph type="body" idx="1"/>
+          </p:nvPr>
+        </p:nvSpPr>
+        <p:spPr bwMode="auto"/>
+        <p:txBody>
+          <a:bodyPr/>
+          <a:lstStyle/>
+          <a:p>
+            <a:pPr>
+              <a:defRPr/>
+            </a:pPr>
+            <a:endParaRPr/>
+          </a:p>
+        </p:txBody>
+      </p:sp>
+      <p:sp>
+        <p:nvSpPr>
+          <p:cNvPr id="1016178580" name="Slide Number Placeholder 3"/>
+          <p:cNvSpPr>
+            <a:spLocks noGrp="1"/>
+          </p:cNvSpPr>
+          <p:nvPr>
+            <p:ph type="sldNum" sz="quarter" idx="10"/>
+          </p:nvPr>
+        </p:nvSpPr>
+        <p:spPr bwMode="auto"/>
+        <p:txBody>
+          <a:bodyPr/>
+          <a:lstStyle/>
+          <a:p>
+            <a:pPr>
+              <a:defRPr/>
+            </a:pPr>
+            <a:fld id="{B1FC78AD-72C0-5CDD-FDC1-C7A9A009F625}" type="slidenum">
+              <a:rPr/>
+              <a:t/>
+            </a:fld>
+            <a:endParaRPr/>
+          </a:p>
+        </p:txBody>
+      </p:sp>
+    </p:spTree>
+  </p:cSld>
+</p:notes>
+</file>
+
+<file path=ppt/notesSlides/notesSlide43.xml><?xml version="1.0" encoding="utf-8"?>
+<p:notes xmlns:a="http://schemas.openxmlformats.org/drawingml/2006/main" xmlns:r="http://schemas.openxmlformats.org/officeDocument/2006/relationships" xmlns:p="http://schemas.openxmlformats.org/presentationml/2006/main" xmlns:m="http://schemas.openxmlformats.org/officeDocument/2006/math" xmlns:w="http://schemas.openxmlformats.org/wordprocessingml/2006/main">
+  <p:cSld name="">
+    <p:spTree>
+      <p:nvGrpSpPr>
+        <p:cNvPr id="1" name=""/>
+        <p:cNvGrpSpPr/>
+        <p:nvPr/>
+      </p:nvGrpSpPr>
+      <p:grpSpPr bwMode="auto">
+        <a:xfrm>
+          <a:off x="0" y="0"/>
+          <a:ext cx="0" cy="0"/>
+          <a:chOff x="0" y="0"/>
+          <a:chExt cx="0" cy="0"/>
+        </a:xfrm>
+      </p:grpSpPr>
+      <p:sp>
+        <p:nvSpPr>
+          <p:cNvPr id="141864555" name="Slide Image Placeholder 1"/>
+          <p:cNvSpPr>
+            <a:spLocks noChangeAspect="1" noGrp="1" noRot="1"/>
+          </p:cNvSpPr>
+          <p:nvPr>
+            <p:ph type="sldImg"/>
+          </p:nvPr>
+        </p:nvSpPr>
+        <p:spPr bwMode="auto"/>
+      </p:sp>
+      <p:sp>
+        <p:nvSpPr>
+          <p:cNvPr id="407016061" name="Notes Placeholder 2"/>
+          <p:cNvSpPr>
+            <a:spLocks noGrp="1"/>
+          </p:cNvSpPr>
+          <p:nvPr>
+            <p:ph type="body" idx="1"/>
+          </p:nvPr>
+        </p:nvSpPr>
+        <p:spPr bwMode="auto"/>
+        <p:txBody>
+          <a:bodyPr/>
+          <a:lstStyle/>
+          <a:p>
+            <a:pPr>
+              <a:defRPr/>
+            </a:pPr>
+            <a:endParaRPr/>
+          </a:p>
+        </p:txBody>
+      </p:sp>
+      <p:sp>
+        <p:nvSpPr>
+          <p:cNvPr id="2029765580" name="Slide Number Placeholder 3"/>
+          <p:cNvSpPr>
+            <a:spLocks noGrp="1"/>
+          </p:cNvSpPr>
+          <p:nvPr>
+            <p:ph type="sldNum" sz="quarter" idx="10"/>
+          </p:nvPr>
+        </p:nvSpPr>
+        <p:spPr bwMode="auto"/>
+        <p:txBody>
+          <a:bodyPr/>
+          <a:lstStyle/>
+          <a:p>
+            <a:pPr>
+              <a:defRPr/>
+            </a:pPr>
+            <a:fld id="{FAC34DD4-BB3A-241A-BE70-7E88DE25F49B}" type="slidenum">
+              <a:rPr/>
+              <a:t/>
+            </a:fld>
+            <a:endParaRPr/>
+          </a:p>
+        </p:txBody>
+      </p:sp>
+    </p:spTree>
+  </p:cSld>
+</p:notes>
+</file>
+
+<file path=ppt/notesSlides/notesSlide44.xml><?xml version="1.0" encoding="utf-8"?>
+<p:notes xmlns:a="http://schemas.openxmlformats.org/drawingml/2006/main" xmlns:r="http://schemas.openxmlformats.org/officeDocument/2006/relationships" xmlns:p="http://schemas.openxmlformats.org/presentationml/2006/main" xmlns:m="http://schemas.openxmlformats.org/officeDocument/2006/math" xmlns:w="http://schemas.openxmlformats.org/wordprocessingml/2006/main">
+  <p:cSld name="">
+    <p:spTree>
+      <p:nvGrpSpPr>
+        <p:cNvPr id="1" name=""/>
+        <p:cNvGrpSpPr/>
+        <p:nvPr/>
+      </p:nvGrpSpPr>
+      <p:grpSpPr bwMode="auto">
+        <a:xfrm>
+          <a:off x="0" y="0"/>
+          <a:ext cx="0" cy="0"/>
+          <a:chOff x="0" y="0"/>
+          <a:chExt cx="0" cy="0"/>
+        </a:xfrm>
+      </p:grpSpPr>
+      <p:sp>
+        <p:nvSpPr>
+          <p:cNvPr id="141849373" name="Slide Image Placeholder 1"/>
+          <p:cNvSpPr>
+            <a:spLocks noChangeAspect="1" noGrp="1" noRot="1"/>
+          </p:cNvSpPr>
+          <p:nvPr>
+            <p:ph type="sldImg"/>
+          </p:nvPr>
+        </p:nvSpPr>
+        <p:spPr bwMode="auto"/>
+      </p:sp>
+      <p:sp>
+        <p:nvSpPr>
+          <p:cNvPr id="600899531" name="Notes Placeholder 2"/>
+          <p:cNvSpPr>
+            <a:spLocks noGrp="1"/>
+          </p:cNvSpPr>
+          <p:nvPr>
+            <p:ph type="body" idx="1"/>
+          </p:nvPr>
+        </p:nvSpPr>
+        <p:spPr bwMode="auto"/>
+        <p:txBody>
+          <a:bodyPr/>
+          <a:lstStyle/>
+          <a:p>
+            <a:pPr>
+              <a:defRPr/>
+            </a:pPr>
+            <a:endParaRPr/>
+          </a:p>
+        </p:txBody>
+      </p:sp>
+      <p:sp>
+        <p:nvSpPr>
+          <p:cNvPr id="972899974" name="Slide Number Placeholder 3"/>
+          <p:cNvSpPr>
+            <a:spLocks noGrp="1"/>
+          </p:cNvSpPr>
+          <p:nvPr>
+            <p:ph type="sldNum" sz="quarter" idx="10"/>
+          </p:nvPr>
+        </p:nvSpPr>
+        <p:spPr bwMode="auto"/>
+        <p:txBody>
+          <a:bodyPr/>
+          <a:lstStyle/>
+          <a:p>
+            <a:pPr>
+              <a:defRPr/>
+            </a:pPr>
+            <a:fld id="{F1029CE1-9BA9-E309-4EC5-4EFEECFEA902}" type="slidenum">
+              <a:rPr/>
+              <a:t/>
+            </a:fld>
+            <a:endParaRPr/>
+          </a:p>
+        </p:txBody>
+      </p:sp>
+    </p:spTree>
+  </p:cSld>
+</p:notes>
+</file>
+
+<file path=ppt/notesSlides/notesSlide45.xml><?xml version="1.0" encoding="utf-8"?>
+<p:notes xmlns:a="http://schemas.openxmlformats.org/drawingml/2006/main" xmlns:r="http://schemas.openxmlformats.org/officeDocument/2006/relationships" xmlns:p="http://schemas.openxmlformats.org/presentationml/2006/main" xmlns:m="http://schemas.openxmlformats.org/officeDocument/2006/math" xmlns:w="http://schemas.openxmlformats.org/wordprocessingml/2006/main">
+  <p:cSld name="">
+    <p:spTree>
+      <p:nvGrpSpPr>
+        <p:cNvPr id="1" name=""/>
+        <p:cNvGrpSpPr/>
+        <p:nvPr/>
+      </p:nvGrpSpPr>
+      <p:grpSpPr bwMode="auto">
+        <a:xfrm>
+          <a:off x="0" y="0"/>
+          <a:ext cx="0" cy="0"/>
+          <a:chOff x="0" y="0"/>
+          <a:chExt cx="0" cy="0"/>
+        </a:xfrm>
+      </p:grpSpPr>
+      <p:sp>
+        <p:nvSpPr>
+          <p:cNvPr id="791240242" name="Slide Image Placeholder 1"/>
+          <p:cNvSpPr>
+            <a:spLocks noChangeAspect="1" noGrp="1" noRot="1"/>
+          </p:cNvSpPr>
+          <p:nvPr>
+            <p:ph type="sldImg"/>
+          </p:nvPr>
+        </p:nvSpPr>
+        <p:spPr bwMode="auto"/>
+      </p:sp>
+      <p:sp>
+        <p:nvSpPr>
+          <p:cNvPr id="1979600705" name="Notes Placeholder 2"/>
+          <p:cNvSpPr>
+            <a:spLocks noGrp="1"/>
+          </p:cNvSpPr>
+          <p:nvPr>
+            <p:ph type="body" idx="1"/>
+          </p:nvPr>
+        </p:nvSpPr>
+        <p:spPr bwMode="auto"/>
+        <p:txBody>
+          <a:bodyPr/>
+          <a:lstStyle/>
+          <a:p>
+            <a:pPr>
+              <a:defRPr/>
+            </a:pPr>
+            <a:endParaRPr/>
+          </a:p>
+        </p:txBody>
+      </p:sp>
+      <p:sp>
+        <p:nvSpPr>
+          <p:cNvPr id="1540310484" name="Slide Number Placeholder 3"/>
+          <p:cNvSpPr>
+            <a:spLocks noGrp="1"/>
+          </p:cNvSpPr>
+          <p:nvPr>
+            <p:ph type="sldNum" sz="quarter" idx="10"/>
+          </p:nvPr>
+        </p:nvSpPr>
+        <p:spPr bwMode="auto"/>
+        <p:txBody>
+          <a:bodyPr/>
+          <a:lstStyle/>
+          <a:p>
+            <a:pPr>
+              <a:defRPr/>
+            </a:pPr>
+            <a:fld id="{20CB3AF0-CA7B-9889-D634-6CEEAD9FBA0D}" type="slidenum">
+              <a:rPr/>
+              <a:t/>
+            </a:fld>
+            <a:endParaRPr/>
+          </a:p>
+        </p:txBody>
+      </p:sp>
+    </p:spTree>
+  </p:cSld>
+</p:notes>
+</file>
+
+<file path=ppt/notesSlides/notesSlide46.xml><?xml version="1.0" encoding="utf-8"?>
+<p:notes xmlns:a="http://schemas.openxmlformats.org/drawingml/2006/main" xmlns:r="http://schemas.openxmlformats.org/officeDocument/2006/relationships" xmlns:p="http://schemas.openxmlformats.org/presentationml/2006/main" xmlns:m="http://schemas.openxmlformats.org/officeDocument/2006/math" xmlns:w="http://schemas.openxmlformats.org/wordprocessingml/2006/main">
+  <p:cSld name="">
+    <p:spTree>
+      <p:nvGrpSpPr>
+        <p:cNvPr id="1" name=""/>
+        <p:cNvGrpSpPr/>
+        <p:nvPr/>
+      </p:nvGrpSpPr>
+      <p:grpSpPr bwMode="auto">
+        <a:xfrm>
+          <a:off x="0" y="0"/>
+          <a:ext cx="0" cy="0"/>
+          <a:chOff x="0" y="0"/>
+          <a:chExt cx="0" cy="0"/>
+        </a:xfrm>
+      </p:grpSpPr>
+      <p:sp>
+        <p:nvSpPr>
+          <p:cNvPr id="1856415403" name="Slide Image Placeholder 1"/>
+          <p:cNvSpPr>
+            <a:spLocks noChangeAspect="1" noGrp="1" noRot="1"/>
+          </p:cNvSpPr>
+          <p:nvPr>
+            <p:ph type="sldImg"/>
+          </p:nvPr>
+        </p:nvSpPr>
+        <p:spPr bwMode="auto"/>
+      </p:sp>
+      <p:sp>
+        <p:nvSpPr>
+          <p:cNvPr id="436837532" name="Notes Placeholder 2"/>
+          <p:cNvSpPr>
+            <a:spLocks noGrp="1"/>
+          </p:cNvSpPr>
+          <p:nvPr>
+            <p:ph type="body" idx="1"/>
+          </p:nvPr>
+        </p:nvSpPr>
+        <p:spPr bwMode="auto"/>
+        <p:txBody>
+          <a:bodyPr/>
+          <a:lstStyle/>
+          <a:p>
+            <a:pPr>
+              <a:defRPr/>
+            </a:pPr>
+            <a:endParaRPr/>
+          </a:p>
+        </p:txBody>
+      </p:sp>
+      <p:sp>
+        <p:nvSpPr>
+          <p:cNvPr id="95050965" name="Slide Number Placeholder 3"/>
+          <p:cNvSpPr>
+            <a:spLocks noGrp="1"/>
+          </p:cNvSpPr>
+          <p:nvPr>
+            <p:ph type="sldNum" sz="quarter" idx="10"/>
+          </p:nvPr>
+        </p:nvSpPr>
+        <p:spPr bwMode="auto"/>
+        <p:txBody>
+          <a:bodyPr/>
+          <a:lstStyle/>
+          <a:p>
+            <a:pPr>
+              <a:defRPr/>
+            </a:pPr>
+            <a:fld id="{FEA35DB1-75CE-58C4-70AF-A7D6A4EE28FA}" type="slidenum">
+              <a:rPr/>
+              <a:t/>
+            </a:fld>
+            <a:endParaRPr/>
+          </a:p>
+        </p:txBody>
+      </p:sp>
+    </p:spTree>
+  </p:cSld>
+</p:notes>
+</file>
+
+<file path=ppt/notesSlides/notesSlide47.xml><?xml version="1.0" encoding="utf-8"?>
+<p:notes xmlns:a="http://schemas.openxmlformats.org/drawingml/2006/main" xmlns:r="http://schemas.openxmlformats.org/officeDocument/2006/relationships" xmlns:p="http://schemas.openxmlformats.org/presentationml/2006/main" xmlns:m="http://schemas.openxmlformats.org/officeDocument/2006/math" xmlns:w="http://schemas.openxmlformats.org/wordprocessingml/2006/main">
+  <p:cSld name="">
+    <p:spTree>
+      <p:nvGrpSpPr>
+        <p:cNvPr id="1" name=""/>
+        <p:cNvGrpSpPr/>
+        <p:nvPr/>
+      </p:nvGrpSpPr>
+      <p:grpSpPr bwMode="auto">
+        <a:xfrm>
+          <a:off x="0" y="0"/>
+          <a:ext cx="0" cy="0"/>
+          <a:chOff x="0" y="0"/>
+          <a:chExt cx="0" cy="0"/>
+        </a:xfrm>
+      </p:grpSpPr>
+      <p:sp>
+        <p:nvSpPr>
+          <p:cNvPr id="963457530" name="Slide Image Placeholder 1"/>
+          <p:cNvSpPr>
+            <a:spLocks noChangeAspect="1" noGrp="1" noRot="1"/>
+          </p:cNvSpPr>
+          <p:nvPr>
+            <p:ph type="sldImg"/>
+          </p:nvPr>
+        </p:nvSpPr>
+        <p:spPr bwMode="auto"/>
+      </p:sp>
+      <p:sp>
+        <p:nvSpPr>
+          <p:cNvPr id="1883348829" name="Notes Placeholder 2"/>
+          <p:cNvSpPr>
+            <a:spLocks noGrp="1"/>
+          </p:cNvSpPr>
+          <p:nvPr>
+            <p:ph type="body" idx="1"/>
+          </p:nvPr>
+        </p:nvSpPr>
+        <p:spPr bwMode="auto"/>
+        <p:txBody>
+          <a:bodyPr/>
+          <a:lstStyle/>
+          <a:p>
+            <a:pPr>
+              <a:defRPr/>
+            </a:pPr>
+            <a:endParaRPr/>
+          </a:p>
+        </p:txBody>
+      </p:sp>
+      <p:sp>
+        <p:nvSpPr>
+          <p:cNvPr id="1114085184" name="Slide Number Placeholder 3"/>
+          <p:cNvSpPr>
+            <a:spLocks noGrp="1"/>
+          </p:cNvSpPr>
+          <p:nvPr>
+            <p:ph type="sldNum" sz="quarter" idx="10"/>
+          </p:nvPr>
+        </p:nvSpPr>
+        <p:spPr bwMode="auto"/>
+        <p:txBody>
+          <a:bodyPr/>
+          <a:lstStyle/>
+          <a:p>
+            <a:pPr>
+              <a:defRPr/>
+            </a:pPr>
+            <a:fld id="{B8DD557A-37F6-3BFF-5E8F-481B19074E5E}" type="slidenum">
+              <a:rPr/>
+              <a:t/>
+            </a:fld>
+            <a:endParaRPr/>
+          </a:p>
+        </p:txBody>
+      </p:sp>
+    </p:spTree>
+  </p:cSld>
+</p:notes>
+</file>
+
+<file path=ppt/notesSlides/notesSlide48.xml><?xml version="1.0" encoding="utf-8"?>
+<p:notes xmlns:a="http://schemas.openxmlformats.org/drawingml/2006/main" xmlns:r="http://schemas.openxmlformats.org/officeDocument/2006/relationships" xmlns:p="http://schemas.openxmlformats.org/presentationml/2006/main" xmlns:m="http://schemas.openxmlformats.org/officeDocument/2006/math" xmlns:w="http://schemas.openxmlformats.org/wordprocessingml/2006/main">
+  <p:cSld name="">
+    <p:spTree>
+      <p:nvGrpSpPr>
+        <p:cNvPr id="1" name=""/>
+        <p:cNvGrpSpPr/>
+        <p:nvPr/>
+      </p:nvGrpSpPr>
+      <p:grpSpPr bwMode="auto">
+        <a:xfrm>
+          <a:off x="0" y="0"/>
+          <a:ext cx="0" cy="0"/>
+          <a:chOff x="0" y="0"/>
+          <a:chExt cx="0" cy="0"/>
+        </a:xfrm>
+      </p:grpSpPr>
+      <p:sp>
+        <p:nvSpPr>
+          <p:cNvPr id="1620364625" name="Slide Image Placeholder 1"/>
+          <p:cNvSpPr>
+            <a:spLocks noChangeAspect="1" noGrp="1" noRot="1"/>
+          </p:cNvSpPr>
+          <p:nvPr>
+            <p:ph type="sldImg"/>
+          </p:nvPr>
+        </p:nvSpPr>
+        <p:spPr bwMode="auto"/>
+      </p:sp>
+      <p:sp>
+        <p:nvSpPr>
+          <p:cNvPr id="1737365540" name="Notes Placeholder 2"/>
+          <p:cNvSpPr>
+            <a:spLocks noGrp="1"/>
+          </p:cNvSpPr>
+          <p:nvPr>
+            <p:ph type="body" idx="1"/>
+          </p:nvPr>
+        </p:nvSpPr>
+        <p:spPr bwMode="auto"/>
+        <p:txBody>
+          <a:bodyPr/>
+          <a:lstStyle/>
+          <a:p>
+            <a:pPr>
+              <a:defRPr/>
+            </a:pPr>
+            <a:endParaRPr/>
+          </a:p>
+        </p:txBody>
+      </p:sp>
+      <p:sp>
+        <p:nvSpPr>
+          <p:cNvPr id="704390196" name="Slide Number Placeholder 3"/>
+          <p:cNvSpPr>
+            <a:spLocks noGrp="1"/>
+          </p:cNvSpPr>
+          <p:nvPr>
+            <p:ph type="sldNum" sz="quarter" idx="10"/>
+          </p:nvPr>
+        </p:nvSpPr>
+        <p:spPr bwMode="auto"/>
+        <p:txBody>
+          <a:bodyPr/>
+          <a:lstStyle/>
+          <a:p>
+            <a:pPr>
+              <a:defRPr/>
+            </a:pPr>
+            <a:fld id="{94DCFA35-21C1-2350-CC24-1B036F0C811B}" type="slidenum">
+              <a:rPr/>
+              <a:t/>
+            </a:fld>
+            <a:endParaRPr/>
+          </a:p>
+        </p:txBody>
+      </p:sp>
+    </p:spTree>
+  </p:cSld>
+</p:notes>
+</file>
+
+<file path=ppt/notesSlides/notesSlide49.xml><?xml version="1.0" encoding="utf-8"?>
+<p:notes xmlns:a="http://schemas.openxmlformats.org/drawingml/2006/main" xmlns:r="http://schemas.openxmlformats.org/officeDocument/2006/relationships" xmlns:p="http://schemas.openxmlformats.org/presentationml/2006/main" xmlns:m="http://schemas.openxmlformats.org/officeDocument/2006/math" xmlns:w="http://schemas.openxmlformats.org/wordprocessingml/2006/main">
+  <p:cSld name="">
+    <p:spTree>
+      <p:nvGrpSpPr>
+        <p:cNvPr id="1" name=""/>
+        <p:cNvGrpSpPr/>
+        <p:nvPr/>
+      </p:nvGrpSpPr>
+      <p:grpSpPr bwMode="auto">
+        <a:xfrm>
+          <a:off x="0" y="0"/>
+          <a:ext cx="0" cy="0"/>
+          <a:chOff x="0" y="0"/>
+          <a:chExt cx="0" cy="0"/>
+        </a:xfrm>
+      </p:grpSpPr>
+      <p:sp>
+        <p:nvSpPr>
+          <p:cNvPr id="487480569" name="Slide Image Placeholder 1"/>
+          <p:cNvSpPr>
+            <a:spLocks noChangeAspect="1" noGrp="1" noRot="1"/>
+          </p:cNvSpPr>
+          <p:nvPr>
+            <p:ph type="sldImg"/>
+          </p:nvPr>
+        </p:nvSpPr>
+        <p:spPr bwMode="auto"/>
+      </p:sp>
+      <p:sp>
+        <p:nvSpPr>
+          <p:cNvPr id="1116700990" name="Notes Placeholder 2"/>
+          <p:cNvSpPr>
+            <a:spLocks noGrp="1"/>
+          </p:cNvSpPr>
+          <p:nvPr>
+            <p:ph type="body" idx="1"/>
+          </p:nvPr>
+        </p:nvSpPr>
+        <p:spPr bwMode="auto"/>
+        <p:txBody>
+          <a:bodyPr/>
+          <a:lstStyle/>
+          <a:p>
+            <a:pPr>
+              <a:defRPr/>
+            </a:pPr>
+            <a:endParaRPr/>
+          </a:p>
+        </p:txBody>
+      </p:sp>
+      <p:sp>
+        <p:nvSpPr>
+          <p:cNvPr id="416954397" name="Slide Number Placeholder 3"/>
+          <p:cNvSpPr>
+            <a:spLocks noGrp="1"/>
+          </p:cNvSpPr>
+          <p:nvPr>
+            <p:ph type="sldNum" sz="quarter" idx="10"/>
+          </p:nvPr>
+        </p:nvSpPr>
+        <p:spPr bwMode="auto"/>
+        <p:txBody>
+          <a:bodyPr/>
+          <a:lstStyle/>
+          <a:p>
+            <a:pPr>
+              <a:defRPr/>
+            </a:pPr>
+            <a:fld id="{B1F6BD41-5DD1-D88D-C6F1-ABFB6FE59227}" type="slidenum">
               <a:rPr/>
               <a:t/>
             </a:fld>
@@ -3337,7 +4173,7 @@
       </p:grpSpPr>
       <p:sp>
         <p:nvSpPr>
-          <p:cNvPr id="633676500" name="Slide Image Placeholder 1"/>
+          <p:cNvPr id="198236888" name="Slide Image Placeholder 1"/>
           <p:cNvSpPr>
             <a:spLocks noChangeAspect="1" noGrp="1" noRot="1"/>
           </p:cNvSpPr>
@@ -3349,7 +4185,7 @@
       </p:sp>
       <p:sp>
         <p:nvSpPr>
-          <p:cNvPr id="707617503" name="Notes Placeholder 2"/>
+          <p:cNvPr id="1426002767" name="Notes Placeholder 2"/>
           <p:cNvSpPr>
             <a:spLocks noGrp="1"/>
           </p:cNvSpPr>
@@ -3371,7 +4207,7 @@
       </p:sp>
       <p:sp>
         <p:nvSpPr>
-          <p:cNvPr id="325142765" name="Slide Number Placeholder 3"/>
+          <p:cNvPr id="1294653044" name="Slide Number Placeholder 3"/>
           <p:cNvSpPr>
             <a:spLocks noGrp="1"/>
           </p:cNvSpPr>
@@ -3388,6 +4224,498 @@
               <a:defRPr/>
             </a:pPr>
             <a:fld id="{5E869B38-7C0E-6C69-3EE8-674E57681FF7}" type="slidenum">
+              <a:rPr/>
+              <a:t/>
+            </a:fld>
+            <a:endParaRPr/>
+          </a:p>
+        </p:txBody>
+      </p:sp>
+    </p:spTree>
+  </p:cSld>
+</p:notes>
+</file>
+
+<file path=ppt/notesSlides/notesSlide50.xml><?xml version="1.0" encoding="utf-8"?>
+<p:notes xmlns:a="http://schemas.openxmlformats.org/drawingml/2006/main" xmlns:r="http://schemas.openxmlformats.org/officeDocument/2006/relationships" xmlns:p="http://schemas.openxmlformats.org/presentationml/2006/main" xmlns:m="http://schemas.openxmlformats.org/officeDocument/2006/math" xmlns:w="http://schemas.openxmlformats.org/wordprocessingml/2006/main">
+  <p:cSld name="">
+    <p:spTree>
+      <p:nvGrpSpPr>
+        <p:cNvPr id="1" name=""/>
+        <p:cNvGrpSpPr/>
+        <p:nvPr/>
+      </p:nvGrpSpPr>
+      <p:grpSpPr bwMode="auto">
+        <a:xfrm>
+          <a:off x="0" y="0"/>
+          <a:ext cx="0" cy="0"/>
+          <a:chOff x="0" y="0"/>
+          <a:chExt cx="0" cy="0"/>
+        </a:xfrm>
+      </p:grpSpPr>
+      <p:sp>
+        <p:nvSpPr>
+          <p:cNvPr id="22542124" name="Slide Image Placeholder 1"/>
+          <p:cNvSpPr>
+            <a:spLocks noChangeAspect="1" noGrp="1" noRot="1"/>
+          </p:cNvSpPr>
+          <p:nvPr>
+            <p:ph type="sldImg"/>
+          </p:nvPr>
+        </p:nvSpPr>
+        <p:spPr bwMode="auto"/>
+      </p:sp>
+      <p:sp>
+        <p:nvSpPr>
+          <p:cNvPr id="292093998" name="Notes Placeholder 2"/>
+          <p:cNvSpPr>
+            <a:spLocks noGrp="1"/>
+          </p:cNvSpPr>
+          <p:nvPr>
+            <p:ph type="body" idx="1"/>
+          </p:nvPr>
+        </p:nvSpPr>
+        <p:spPr bwMode="auto"/>
+        <p:txBody>
+          <a:bodyPr/>
+          <a:lstStyle/>
+          <a:p>
+            <a:pPr>
+              <a:defRPr/>
+            </a:pPr>
+            <a:endParaRPr/>
+          </a:p>
+        </p:txBody>
+      </p:sp>
+      <p:sp>
+        <p:nvSpPr>
+          <p:cNvPr id="115734417" name="Slide Number Placeholder 3"/>
+          <p:cNvSpPr>
+            <a:spLocks noGrp="1"/>
+          </p:cNvSpPr>
+          <p:nvPr>
+            <p:ph type="sldNum" sz="quarter" idx="10"/>
+          </p:nvPr>
+        </p:nvSpPr>
+        <p:spPr bwMode="auto"/>
+        <p:txBody>
+          <a:bodyPr/>
+          <a:lstStyle/>
+          <a:p>
+            <a:pPr>
+              <a:defRPr/>
+            </a:pPr>
+            <a:fld id="{7DB87235-EDB6-2F6C-3136-E1173957BA81}" type="slidenum">
+              <a:rPr/>
+              <a:t/>
+            </a:fld>
+            <a:endParaRPr/>
+          </a:p>
+        </p:txBody>
+      </p:sp>
+    </p:spTree>
+  </p:cSld>
+</p:notes>
+</file>
+
+<file path=ppt/notesSlides/notesSlide51.xml><?xml version="1.0" encoding="utf-8"?>
+<p:notes xmlns:a="http://schemas.openxmlformats.org/drawingml/2006/main" xmlns:r="http://schemas.openxmlformats.org/officeDocument/2006/relationships" xmlns:p="http://schemas.openxmlformats.org/presentationml/2006/main" xmlns:m="http://schemas.openxmlformats.org/officeDocument/2006/math" xmlns:w="http://schemas.openxmlformats.org/wordprocessingml/2006/main">
+  <p:cSld name="">
+    <p:spTree>
+      <p:nvGrpSpPr>
+        <p:cNvPr id="1" name=""/>
+        <p:cNvGrpSpPr/>
+        <p:nvPr/>
+      </p:nvGrpSpPr>
+      <p:grpSpPr bwMode="auto">
+        <a:xfrm>
+          <a:off x="0" y="0"/>
+          <a:ext cx="0" cy="0"/>
+          <a:chOff x="0" y="0"/>
+          <a:chExt cx="0" cy="0"/>
+        </a:xfrm>
+      </p:grpSpPr>
+      <p:sp>
+        <p:nvSpPr>
+          <p:cNvPr id="59424960" name="Slide Image Placeholder 1"/>
+          <p:cNvSpPr>
+            <a:spLocks noChangeAspect="1" noGrp="1" noRot="1"/>
+          </p:cNvSpPr>
+          <p:nvPr>
+            <p:ph type="sldImg"/>
+          </p:nvPr>
+        </p:nvSpPr>
+        <p:spPr bwMode="auto"/>
+      </p:sp>
+      <p:sp>
+        <p:nvSpPr>
+          <p:cNvPr id="984308903" name="Notes Placeholder 2"/>
+          <p:cNvSpPr>
+            <a:spLocks noGrp="1"/>
+          </p:cNvSpPr>
+          <p:nvPr>
+            <p:ph type="body" idx="1"/>
+          </p:nvPr>
+        </p:nvSpPr>
+        <p:spPr bwMode="auto"/>
+        <p:txBody>
+          <a:bodyPr/>
+          <a:lstStyle/>
+          <a:p>
+            <a:pPr>
+              <a:defRPr/>
+            </a:pPr>
+            <a:endParaRPr/>
+          </a:p>
+        </p:txBody>
+      </p:sp>
+      <p:sp>
+        <p:nvSpPr>
+          <p:cNvPr id="481981766" name="Slide Number Placeholder 3"/>
+          <p:cNvSpPr>
+            <a:spLocks noGrp="1"/>
+          </p:cNvSpPr>
+          <p:nvPr>
+            <p:ph type="sldNum" sz="quarter" idx="10"/>
+          </p:nvPr>
+        </p:nvSpPr>
+        <p:spPr bwMode="auto"/>
+        <p:txBody>
+          <a:bodyPr/>
+          <a:lstStyle/>
+          <a:p>
+            <a:pPr>
+              <a:defRPr/>
+            </a:pPr>
+            <a:fld id="{02BBCD24-B36D-4F47-DB6A-3E086BE92A65}" type="slidenum">
+              <a:rPr/>
+              <a:t/>
+            </a:fld>
+            <a:endParaRPr/>
+          </a:p>
+        </p:txBody>
+      </p:sp>
+    </p:spTree>
+  </p:cSld>
+</p:notes>
+</file>
+
+<file path=ppt/notesSlides/notesSlide52.xml><?xml version="1.0" encoding="utf-8"?>
+<p:notes xmlns:a="http://schemas.openxmlformats.org/drawingml/2006/main" xmlns:r="http://schemas.openxmlformats.org/officeDocument/2006/relationships" xmlns:p="http://schemas.openxmlformats.org/presentationml/2006/main" xmlns:m="http://schemas.openxmlformats.org/officeDocument/2006/math" xmlns:w="http://schemas.openxmlformats.org/wordprocessingml/2006/main">
+  <p:cSld name="">
+    <p:spTree>
+      <p:nvGrpSpPr>
+        <p:cNvPr id="1" name=""/>
+        <p:cNvGrpSpPr/>
+        <p:nvPr/>
+      </p:nvGrpSpPr>
+      <p:grpSpPr bwMode="auto">
+        <a:xfrm>
+          <a:off x="0" y="0"/>
+          <a:ext cx="0" cy="0"/>
+          <a:chOff x="0" y="0"/>
+          <a:chExt cx="0" cy="0"/>
+        </a:xfrm>
+      </p:grpSpPr>
+      <p:sp>
+        <p:nvSpPr>
+          <p:cNvPr id="486822088" name="Slide Image Placeholder 1"/>
+          <p:cNvSpPr>
+            <a:spLocks noChangeAspect="1" noGrp="1" noRot="1"/>
+          </p:cNvSpPr>
+          <p:nvPr>
+            <p:ph type="sldImg"/>
+          </p:nvPr>
+        </p:nvSpPr>
+        <p:spPr bwMode="auto"/>
+      </p:sp>
+      <p:sp>
+        <p:nvSpPr>
+          <p:cNvPr id="1629339674" name="Notes Placeholder 2"/>
+          <p:cNvSpPr>
+            <a:spLocks noGrp="1"/>
+          </p:cNvSpPr>
+          <p:nvPr>
+            <p:ph type="body" idx="1"/>
+          </p:nvPr>
+        </p:nvSpPr>
+        <p:spPr bwMode="auto"/>
+        <p:txBody>
+          <a:bodyPr/>
+          <a:lstStyle/>
+          <a:p>
+            <a:pPr>
+              <a:defRPr/>
+            </a:pPr>
+            <a:endParaRPr/>
+          </a:p>
+        </p:txBody>
+      </p:sp>
+      <p:sp>
+        <p:nvSpPr>
+          <p:cNvPr id="595020270" name="Slide Number Placeholder 3"/>
+          <p:cNvSpPr>
+            <a:spLocks noGrp="1"/>
+          </p:cNvSpPr>
+          <p:nvPr>
+            <p:ph type="sldNum" sz="quarter" idx="10"/>
+          </p:nvPr>
+        </p:nvSpPr>
+        <p:spPr bwMode="auto"/>
+        <p:txBody>
+          <a:bodyPr/>
+          <a:lstStyle/>
+          <a:p>
+            <a:pPr>
+              <a:defRPr/>
+            </a:pPr>
+            <a:fld id="{8CDE8716-6647-546F-C8E0-3B52DAAD7597}" type="slidenum">
+              <a:rPr/>
+              <a:t/>
+            </a:fld>
+            <a:endParaRPr/>
+          </a:p>
+        </p:txBody>
+      </p:sp>
+    </p:spTree>
+  </p:cSld>
+</p:notes>
+</file>
+
+<file path=ppt/notesSlides/notesSlide53.xml><?xml version="1.0" encoding="utf-8"?>
+<p:notes xmlns:a="http://schemas.openxmlformats.org/drawingml/2006/main" xmlns:r="http://schemas.openxmlformats.org/officeDocument/2006/relationships" xmlns:p="http://schemas.openxmlformats.org/presentationml/2006/main" xmlns:m="http://schemas.openxmlformats.org/officeDocument/2006/math" xmlns:w="http://schemas.openxmlformats.org/wordprocessingml/2006/main">
+  <p:cSld name="">
+    <p:spTree>
+      <p:nvGrpSpPr>
+        <p:cNvPr id="1" name=""/>
+        <p:cNvGrpSpPr/>
+        <p:nvPr/>
+      </p:nvGrpSpPr>
+      <p:grpSpPr bwMode="auto">
+        <a:xfrm>
+          <a:off x="0" y="0"/>
+          <a:ext cx="0" cy="0"/>
+          <a:chOff x="0" y="0"/>
+          <a:chExt cx="0" cy="0"/>
+        </a:xfrm>
+      </p:grpSpPr>
+      <p:sp>
+        <p:nvSpPr>
+          <p:cNvPr id="1533549558" name="Slide Image Placeholder 1"/>
+          <p:cNvSpPr>
+            <a:spLocks noChangeAspect="1" noGrp="1" noRot="1"/>
+          </p:cNvSpPr>
+          <p:nvPr>
+            <p:ph type="sldImg"/>
+          </p:nvPr>
+        </p:nvSpPr>
+        <p:spPr bwMode="auto"/>
+      </p:sp>
+      <p:sp>
+        <p:nvSpPr>
+          <p:cNvPr id="65840323" name="Notes Placeholder 2"/>
+          <p:cNvSpPr>
+            <a:spLocks noGrp="1"/>
+          </p:cNvSpPr>
+          <p:nvPr>
+            <p:ph type="body" idx="1"/>
+          </p:nvPr>
+        </p:nvSpPr>
+        <p:spPr bwMode="auto"/>
+        <p:txBody>
+          <a:bodyPr/>
+          <a:lstStyle/>
+          <a:p>
+            <a:pPr>
+              <a:defRPr/>
+            </a:pPr>
+            <a:endParaRPr/>
+          </a:p>
+        </p:txBody>
+      </p:sp>
+      <p:sp>
+        <p:nvSpPr>
+          <p:cNvPr id="615535783" name="Slide Number Placeholder 3"/>
+          <p:cNvSpPr>
+            <a:spLocks noGrp="1"/>
+          </p:cNvSpPr>
+          <p:nvPr>
+            <p:ph type="sldNum" sz="quarter" idx="10"/>
+          </p:nvPr>
+        </p:nvSpPr>
+        <p:spPr bwMode="auto"/>
+        <p:txBody>
+          <a:bodyPr/>
+          <a:lstStyle/>
+          <a:p>
+            <a:pPr>
+              <a:defRPr/>
+            </a:pPr>
+            <a:fld id="{F0CEEBCE-A92E-A74E-0525-4EC76099CD3E}" type="slidenum">
+              <a:rPr/>
+              <a:t/>
+            </a:fld>
+            <a:endParaRPr/>
+          </a:p>
+        </p:txBody>
+      </p:sp>
+    </p:spTree>
+  </p:cSld>
+</p:notes>
+</file>
+
+<file path=ppt/notesSlides/notesSlide54.xml><?xml version="1.0" encoding="utf-8"?>
+<p:notes xmlns:a="http://schemas.openxmlformats.org/drawingml/2006/main" xmlns:r="http://schemas.openxmlformats.org/officeDocument/2006/relationships" xmlns:p="http://schemas.openxmlformats.org/presentationml/2006/main" xmlns:m="http://schemas.openxmlformats.org/officeDocument/2006/math" xmlns:w="http://schemas.openxmlformats.org/wordprocessingml/2006/main">
+  <p:cSld name="">
+    <p:spTree>
+      <p:nvGrpSpPr>
+        <p:cNvPr id="1" name=""/>
+        <p:cNvGrpSpPr/>
+        <p:nvPr/>
+      </p:nvGrpSpPr>
+      <p:grpSpPr bwMode="auto">
+        <a:xfrm>
+          <a:off x="0" y="0"/>
+          <a:ext cx="0" cy="0"/>
+          <a:chOff x="0" y="0"/>
+          <a:chExt cx="0" cy="0"/>
+        </a:xfrm>
+      </p:grpSpPr>
+      <p:sp>
+        <p:nvSpPr>
+          <p:cNvPr id="1684358781" name="Slide Image Placeholder 1"/>
+          <p:cNvSpPr>
+            <a:spLocks noChangeAspect="1" noGrp="1" noRot="1"/>
+          </p:cNvSpPr>
+          <p:nvPr>
+            <p:ph type="sldImg"/>
+          </p:nvPr>
+        </p:nvSpPr>
+        <p:spPr bwMode="auto"/>
+      </p:sp>
+      <p:sp>
+        <p:nvSpPr>
+          <p:cNvPr id="65117716" name="Notes Placeholder 2"/>
+          <p:cNvSpPr>
+            <a:spLocks noGrp="1"/>
+          </p:cNvSpPr>
+          <p:nvPr>
+            <p:ph type="body" idx="1"/>
+          </p:nvPr>
+        </p:nvSpPr>
+        <p:spPr bwMode="auto"/>
+        <p:txBody>
+          <a:bodyPr/>
+          <a:lstStyle/>
+          <a:p>
+            <a:pPr>
+              <a:defRPr/>
+            </a:pPr>
+            <a:endParaRPr/>
+          </a:p>
+        </p:txBody>
+      </p:sp>
+      <p:sp>
+        <p:nvSpPr>
+          <p:cNvPr id="1798546106" name="Slide Number Placeholder 3"/>
+          <p:cNvSpPr>
+            <a:spLocks noGrp="1"/>
+          </p:cNvSpPr>
+          <p:nvPr>
+            <p:ph type="sldNum" sz="quarter" idx="10"/>
+          </p:nvPr>
+        </p:nvSpPr>
+        <p:spPr bwMode="auto"/>
+        <p:txBody>
+          <a:bodyPr/>
+          <a:lstStyle/>
+          <a:p>
+            <a:pPr>
+              <a:defRPr/>
+            </a:pPr>
+            <a:fld id="{8CC15699-6B3A-9ACC-A96F-7A7EF13BD40C}" type="slidenum">
+              <a:rPr/>
+              <a:t/>
+            </a:fld>
+            <a:endParaRPr/>
+          </a:p>
+        </p:txBody>
+      </p:sp>
+    </p:spTree>
+  </p:cSld>
+</p:notes>
+</file>
+
+<file path=ppt/notesSlides/notesSlide55.xml><?xml version="1.0" encoding="utf-8"?>
+<p:notes xmlns:a="http://schemas.openxmlformats.org/drawingml/2006/main" xmlns:r="http://schemas.openxmlformats.org/officeDocument/2006/relationships" xmlns:p="http://schemas.openxmlformats.org/presentationml/2006/main" xmlns:m="http://schemas.openxmlformats.org/officeDocument/2006/math" xmlns:w="http://schemas.openxmlformats.org/wordprocessingml/2006/main">
+  <p:cSld name="">
+    <p:spTree>
+      <p:nvGrpSpPr>
+        <p:cNvPr id="1" name=""/>
+        <p:cNvGrpSpPr/>
+        <p:nvPr/>
+      </p:nvGrpSpPr>
+      <p:grpSpPr bwMode="auto">
+        <a:xfrm>
+          <a:off x="0" y="0"/>
+          <a:ext cx="0" cy="0"/>
+          <a:chOff x="0" y="0"/>
+          <a:chExt cx="0" cy="0"/>
+        </a:xfrm>
+      </p:grpSpPr>
+      <p:sp>
+        <p:nvSpPr>
+          <p:cNvPr id="713493886" name="Slide Image Placeholder 1"/>
+          <p:cNvSpPr>
+            <a:spLocks noChangeAspect="1" noGrp="1" noRot="1"/>
+          </p:cNvSpPr>
+          <p:nvPr>
+            <p:ph type="sldImg"/>
+          </p:nvPr>
+        </p:nvSpPr>
+        <p:spPr bwMode="auto"/>
+      </p:sp>
+      <p:sp>
+        <p:nvSpPr>
+          <p:cNvPr id="882724896" name="Notes Placeholder 2"/>
+          <p:cNvSpPr>
+            <a:spLocks noGrp="1"/>
+          </p:cNvSpPr>
+          <p:nvPr>
+            <p:ph type="body" idx="1"/>
+          </p:nvPr>
+        </p:nvSpPr>
+        <p:spPr bwMode="auto"/>
+        <p:txBody>
+          <a:bodyPr/>
+          <a:lstStyle/>
+          <a:p>
+            <a:pPr>
+              <a:defRPr/>
+            </a:pPr>
+            <a:endParaRPr/>
+          </a:p>
+        </p:txBody>
+      </p:sp>
+      <p:sp>
+        <p:nvSpPr>
+          <p:cNvPr id="48893528" name="Slide Number Placeholder 3"/>
+          <p:cNvSpPr>
+            <a:spLocks noGrp="1"/>
+          </p:cNvSpPr>
+          <p:nvPr>
+            <p:ph type="sldNum" sz="quarter" idx="10"/>
+          </p:nvPr>
+        </p:nvSpPr>
+        <p:spPr bwMode="auto"/>
+        <p:txBody>
+          <a:bodyPr/>
+          <a:lstStyle/>
+          <a:p>
+            <a:pPr>
+              <a:defRPr/>
+            </a:pPr>
+            <a:fld id="{08707B47-6939-EEAB-9E86-5FC54EA71A3E}" type="slidenum">
               <a:rPr/>
               <a:t/>
             </a:fld>
@@ -3419,7 +4747,7 @@
       </p:grpSpPr>
       <p:sp>
         <p:nvSpPr>
-          <p:cNvPr id="2" name="Slide Image Placeholder 1"/>
+          <p:cNvPr id="691308459" name="Slide Image Placeholder 1"/>
           <p:cNvSpPr>
             <a:spLocks noChangeAspect="1" noGrp="1" noRot="1"/>
           </p:cNvSpPr>
@@ -3431,7 +4759,7 @@
       </p:sp>
       <p:sp>
         <p:nvSpPr>
-          <p:cNvPr id="3" name="Notes Placeholder 2"/>
+          <p:cNvPr id="383147010" name="Notes Placeholder 2"/>
           <p:cNvSpPr>
             <a:spLocks noGrp="1"/>
           </p:cNvSpPr>
@@ -3453,7 +4781,7 @@
       </p:sp>
       <p:sp>
         <p:nvSpPr>
-          <p:cNvPr id="4" name="Slide Number Placeholder 3"/>
+          <p:cNvPr id="477315635" name="Slide Number Placeholder 3"/>
           <p:cNvSpPr>
             <a:spLocks noGrp="1"/>
           </p:cNvSpPr>
@@ -3501,7 +4829,7 @@
       </p:grpSpPr>
       <p:sp>
         <p:nvSpPr>
-          <p:cNvPr id="2" name="Slide Image Placeholder 1"/>
+          <p:cNvPr id="1682120472" name="Slide Image Placeholder 1"/>
           <p:cNvSpPr>
             <a:spLocks noChangeAspect="1" noGrp="1" noRot="1"/>
           </p:cNvSpPr>
@@ -3513,7 +4841,7 @@
       </p:sp>
       <p:sp>
         <p:nvSpPr>
-          <p:cNvPr id="3" name="Notes Placeholder 2"/>
+          <p:cNvPr id="1054441593" name="Notes Placeholder 2"/>
           <p:cNvSpPr>
             <a:spLocks noGrp="1"/>
           </p:cNvSpPr>
@@ -3535,7 +4863,7 @@
       </p:sp>
       <p:sp>
         <p:nvSpPr>
-          <p:cNvPr id="4" name="Slide Number Placeholder 3"/>
+          <p:cNvPr id="1793388876" name="Slide Number Placeholder 3"/>
           <p:cNvSpPr>
             <a:spLocks noGrp="1"/>
           </p:cNvSpPr>
@@ -3583,7 +4911,7 @@
       </p:grpSpPr>
       <p:sp>
         <p:nvSpPr>
-          <p:cNvPr id="2" name="Slide Image Placeholder 1"/>
+          <p:cNvPr id="1264227594" name="Slide Image Placeholder 1"/>
           <p:cNvSpPr>
             <a:spLocks noChangeAspect="1" noGrp="1" noRot="1"/>
           </p:cNvSpPr>
@@ -3595,7 +4923,7 @@
       </p:sp>
       <p:sp>
         <p:nvSpPr>
-          <p:cNvPr id="3" name="Notes Placeholder 2"/>
+          <p:cNvPr id="1379398022" name="Notes Placeholder 2"/>
           <p:cNvSpPr>
             <a:spLocks noGrp="1"/>
           </p:cNvSpPr>
@@ -3617,7 +4945,7 @@
       </p:sp>
       <p:sp>
         <p:nvSpPr>
-          <p:cNvPr id="4" name="Slide Number Placeholder 3"/>
+          <p:cNvPr id="1113596869" name="Slide Number Placeholder 3"/>
           <p:cNvSpPr>
             <a:spLocks noGrp="1"/>
           </p:cNvSpPr>
@@ -3665,7 +4993,7 @@
       </p:grpSpPr>
       <p:sp>
         <p:nvSpPr>
-          <p:cNvPr id="2" name="Slide Image Placeholder 1"/>
+          <p:cNvPr id="614394752" name="Slide Image Placeholder 1"/>
           <p:cNvSpPr>
             <a:spLocks noChangeAspect="1" noGrp="1" noRot="1"/>
           </p:cNvSpPr>
@@ -3677,7 +5005,7 @@
       </p:sp>
       <p:sp>
         <p:nvSpPr>
-          <p:cNvPr id="3" name="Notes Placeholder 2"/>
+          <p:cNvPr id="2012805188" name="Notes Placeholder 2"/>
           <p:cNvSpPr>
             <a:spLocks noGrp="1"/>
           </p:cNvSpPr>
@@ -3699,7 +5027,7 @@
       </p:sp>
       <p:sp>
         <p:nvSpPr>
-          <p:cNvPr id="4" name="Slide Number Placeholder 3"/>
+          <p:cNvPr id="986871799" name="Slide Number Placeholder 3"/>
           <p:cNvSpPr>
             <a:spLocks noGrp="1"/>
           </p:cNvSpPr>
@@ -3747,7 +5075,7 @@
       </p:grpSpPr>
       <p:sp>
         <p:nvSpPr>
-          <p:cNvPr id="1022226167" name="Shape 1059"/>
+          <p:cNvPr id="1355503258" name="Shape 1059"/>
           <p:cNvSpPr>
             <a:spLocks noChangeArrowheads="1" noGrp="1"/>
           </p:cNvSpPr>
@@ -3870,7 +5198,7 @@
       </p:sp>
       <p:sp>
         <p:nvSpPr>
-          <p:cNvPr id="1896871267" name="Shape 1060"/>
+          <p:cNvPr id="1849442602" name="Shape 1060"/>
           <p:cNvSpPr>
             <a:spLocks noChangeArrowheads="1" noGrp="1"/>
           </p:cNvSpPr>
@@ -3879,7 +5207,7 @@
         <p:spPr bwMode="auto">
           <a:xfrm>
             <a:off x="1309514" y="1839834"/>
-            <a:ext cx="4011787" cy="1314325"/>
+            <a:ext cx="4011787" cy="1314324"/>
           </a:xfrm>
           <a:custGeom>
             <a:avLst/>
@@ -3961,7 +5289,7 @@
       </p:sp>
       <p:sp>
         <p:nvSpPr>
-          <p:cNvPr id="1987776271" name="Shape 1061"/>
+          <p:cNvPr id="1742208148" name="Shape 1061"/>
           <p:cNvSpPr>
             <a:spLocks noChangeArrowheads="1" noGrp="1"/>
           </p:cNvSpPr>
@@ -3969,7 +5297,7 @@
         </p:nvSpPr>
         <p:spPr bwMode="auto">
           <a:xfrm>
-            <a:off x="6567031" y="4629133"/>
+            <a:off x="6567030" y="4629133"/>
             <a:ext cx="5395523" cy="2231707"/>
           </a:xfrm>
           <a:custGeom>
@@ -4047,7 +5375,7 @@
       </p:sp>
       <p:sp>
         <p:nvSpPr>
-          <p:cNvPr id="1001470155" name="Shape 1062"/>
+          <p:cNvPr id="1161599755" name="Shape 1062"/>
           <p:cNvSpPr>
             <a:spLocks noChangeArrowheads="1" noGrp="1"/>
           </p:cNvSpPr>
@@ -4125,7 +5453,7 @@
       </p:sp>
       <p:sp>
         <p:nvSpPr>
-          <p:cNvPr id="368216512" name="Shape 1063"/>
+          <p:cNvPr id="1065769924" name="Shape 1063"/>
           <p:cNvSpPr>
             <a:spLocks noChangeArrowheads="1" noGrp="1"/>
           </p:cNvSpPr>
@@ -4203,7 +5531,7 @@
       </p:sp>
       <p:sp>
         <p:nvSpPr>
-          <p:cNvPr id="863516731" name="Subtitle 2"/>
+          <p:cNvPr id="1641160951" name="Subtitle 2"/>
           <p:cNvSpPr>
             <a:spLocks noGrp="1"/>
           </p:cNvSpPr>
@@ -4214,7 +5542,7 @@
         <p:spPr bwMode="auto">
           <a:xfrm>
             <a:off x="4655839" y="2708919"/>
-            <a:ext cx="6720746" cy="720079"/>
+            <a:ext cx="6720745" cy="720079"/>
           </a:xfrm>
         </p:spPr>
         <p:txBody>
@@ -4326,7 +5654,7 @@
       </p:sp>
       <p:sp>
         <p:nvSpPr>
-          <p:cNvPr id="1763063615" name="Date Placeholder 3"/>
+          <p:cNvPr id="199224923" name="Date Placeholder 3"/>
           <p:cNvSpPr>
             <a:spLocks noGrp="1"/>
           </p:cNvSpPr>
@@ -4352,7 +5680,7 @@
       </p:sp>
       <p:sp>
         <p:nvSpPr>
-          <p:cNvPr id="406863400" name="Footer Placeholder 4"/>
+          <p:cNvPr id="1901281150" name="Footer Placeholder 4"/>
           <p:cNvSpPr>
             <a:spLocks noGrp="1"/>
           </p:cNvSpPr>
@@ -4374,7 +5702,7 @@
       </p:sp>
       <p:sp>
         <p:nvSpPr>
-          <p:cNvPr id="1263151655" name="Slide Number Placeholder 5"/>
+          <p:cNvPr id="846538482" name="Slide Number Placeholder 5"/>
           <p:cNvSpPr>
             <a:spLocks noGrp="1"/>
           </p:cNvSpPr>
@@ -4400,7 +5728,7 @@
       </p:sp>
       <p:sp>
         <p:nvSpPr>
-          <p:cNvPr id="327447561" name="Title 6"/>
+          <p:cNvPr id="545038059" name="Title 6"/>
           <p:cNvSpPr>
             <a:spLocks noGrp="1"/>
           </p:cNvSpPr>
@@ -4411,7 +5739,7 @@
         <p:spPr bwMode="auto">
           <a:xfrm>
             <a:off x="4595833" y="1808820"/>
-            <a:ext cx="6720746" cy="720079"/>
+            <a:ext cx="6720745" cy="720079"/>
           </a:xfrm>
         </p:spPr>
         <p:txBody>
@@ -4460,7 +5788,7 @@
       </p:grpSpPr>
       <p:sp>
         <p:nvSpPr>
-          <p:cNvPr id="1675104416" name="Title 1"/>
+          <p:cNvPr id="164892379" name="Title 1"/>
           <p:cNvSpPr>
             <a:spLocks noGrp="1"/>
           </p:cNvSpPr>
@@ -4486,7 +5814,7 @@
       </p:sp>
       <p:sp>
         <p:nvSpPr>
-          <p:cNvPr id="2044249913" name="Vertical Text Placeholder 2"/>
+          <p:cNvPr id="1773446498" name="Vertical Text Placeholder 2"/>
           <p:cNvSpPr>
             <a:spLocks noGrp="1"/>
           </p:cNvSpPr>
@@ -4552,7 +5880,7 @@
       </p:sp>
       <p:sp>
         <p:nvSpPr>
-          <p:cNvPr id="408905042" name="Date Placeholder 3"/>
+          <p:cNvPr id="126390104" name="Date Placeholder 3"/>
           <p:cNvSpPr>
             <a:spLocks noGrp="1"/>
           </p:cNvSpPr>
@@ -4578,7 +5906,7 @@
       </p:sp>
       <p:sp>
         <p:nvSpPr>
-          <p:cNvPr id="404610451" name="Footer Placeholder 4"/>
+          <p:cNvPr id="1525751739" name="Footer Placeholder 4"/>
           <p:cNvSpPr>
             <a:spLocks noGrp="1"/>
           </p:cNvSpPr>
@@ -4600,7 +5928,7 @@
       </p:sp>
       <p:sp>
         <p:nvSpPr>
-          <p:cNvPr id="266528879" name="Slide Number Placeholder 5"/>
+          <p:cNvPr id="59021561" name="Slide Number Placeholder 5"/>
           <p:cNvSpPr>
             <a:spLocks noGrp="1"/>
           </p:cNvSpPr>
@@ -4651,7 +5979,7 @@
       </p:grpSpPr>
       <p:sp>
         <p:nvSpPr>
-          <p:cNvPr id="770067779" name="Vertical Title 1"/>
+          <p:cNvPr id="137035334" name="Vertical Title 1"/>
           <p:cNvSpPr>
             <a:spLocks noGrp="1"/>
           </p:cNvSpPr>
@@ -4686,7 +6014,7 @@
       </p:sp>
       <p:sp>
         <p:nvSpPr>
-          <p:cNvPr id="7483180" name="Vertical Text Placeholder 2"/>
+          <p:cNvPr id="2062006892" name="Vertical Text Placeholder 2"/>
           <p:cNvSpPr>
             <a:spLocks noGrp="1"/>
           </p:cNvSpPr>
@@ -4757,7 +6085,7 @@
       </p:sp>
       <p:sp>
         <p:nvSpPr>
-          <p:cNvPr id="1961297729" name="Date Placeholder 3"/>
+          <p:cNvPr id="1690403268" name="Date Placeholder 3"/>
           <p:cNvSpPr>
             <a:spLocks noGrp="1"/>
           </p:cNvSpPr>
@@ -4783,7 +6111,7 @@
       </p:sp>
       <p:sp>
         <p:nvSpPr>
-          <p:cNvPr id="142433663" name="Footer Placeholder 4"/>
+          <p:cNvPr id="885384315" name="Footer Placeholder 4"/>
           <p:cNvSpPr>
             <a:spLocks noGrp="1"/>
           </p:cNvSpPr>
@@ -4805,7 +6133,7 @@
       </p:sp>
       <p:sp>
         <p:nvSpPr>
-          <p:cNvPr id="466642699" name="Slide Number Placeholder 5"/>
+          <p:cNvPr id="1498321287" name="Slide Number Placeholder 5"/>
           <p:cNvSpPr>
             <a:spLocks noGrp="1"/>
           </p:cNvSpPr>
@@ -4856,7 +6184,7 @@
       </p:grpSpPr>
       <p:sp>
         <p:nvSpPr>
-          <p:cNvPr id="1924409716" name="Title 1"/>
+          <p:cNvPr id="1834347257" name="Title 1"/>
           <p:cNvSpPr>
             <a:spLocks noGrp="1"/>
           </p:cNvSpPr>
@@ -4882,7 +6210,7 @@
       </p:sp>
       <p:sp>
         <p:nvSpPr>
-          <p:cNvPr id="1336057701" name="Content Placeholder 2"/>
+          <p:cNvPr id="1519208233" name="Content Placeholder 2"/>
           <p:cNvSpPr>
             <a:spLocks noGrp="1"/>
           </p:cNvSpPr>
@@ -4948,7 +6276,7 @@
       </p:sp>
       <p:sp>
         <p:nvSpPr>
-          <p:cNvPr id="12301873" name="Date Placeholder 3"/>
+          <p:cNvPr id="1996568654" name="Date Placeholder 3"/>
           <p:cNvSpPr>
             <a:spLocks noGrp="1"/>
           </p:cNvSpPr>
@@ -4974,7 +6302,7 @@
       </p:sp>
       <p:sp>
         <p:nvSpPr>
-          <p:cNvPr id="1847914211" name="Footer Placeholder 4"/>
+          <p:cNvPr id="560247567" name="Footer Placeholder 4"/>
           <p:cNvSpPr>
             <a:spLocks noGrp="1"/>
           </p:cNvSpPr>
@@ -4996,7 +6324,7 @@
       </p:sp>
       <p:sp>
         <p:nvSpPr>
-          <p:cNvPr id="1950025902" name="Slide Number Placeholder 5"/>
+          <p:cNvPr id="1865284573" name="Slide Number Placeholder 5"/>
           <p:cNvSpPr>
             <a:spLocks noGrp="1"/>
           </p:cNvSpPr>
@@ -5047,7 +6375,7 @@
       </p:grpSpPr>
       <p:sp>
         <p:nvSpPr>
-          <p:cNvPr id="1275359225" name="Title 1"/>
+          <p:cNvPr id="1389207316" name="Title 1"/>
           <p:cNvSpPr>
             <a:spLocks noGrp="1"/>
           </p:cNvSpPr>
@@ -5082,7 +6410,7 @@
       </p:sp>
       <p:sp>
         <p:nvSpPr>
-          <p:cNvPr id="1641896913" name="Text Placeholder 2"/>
+          <p:cNvPr id="299918477" name="Text Placeholder 2"/>
           <p:cNvSpPr>
             <a:spLocks noGrp="1"/>
           </p:cNvSpPr>
@@ -5204,7 +6532,7 @@
       </p:sp>
       <p:sp>
         <p:nvSpPr>
-          <p:cNvPr id="908584423" name="Date Placeholder 3"/>
+          <p:cNvPr id="1625245379" name="Date Placeholder 3"/>
           <p:cNvSpPr>
             <a:spLocks noGrp="1"/>
           </p:cNvSpPr>
@@ -5230,7 +6558,7 @@
       </p:sp>
       <p:sp>
         <p:nvSpPr>
-          <p:cNvPr id="407728978" name="Footer Placeholder 4"/>
+          <p:cNvPr id="1727141333" name="Footer Placeholder 4"/>
           <p:cNvSpPr>
             <a:spLocks noGrp="1"/>
           </p:cNvSpPr>
@@ -5252,7 +6580,7 @@
       </p:sp>
       <p:sp>
         <p:nvSpPr>
-          <p:cNvPr id="205201267" name="Slide Number Placeholder 5"/>
+          <p:cNvPr id="1209683496" name="Slide Number Placeholder 5"/>
           <p:cNvSpPr>
             <a:spLocks noGrp="1"/>
           </p:cNvSpPr>
@@ -5303,7 +6631,7 @@
       </p:grpSpPr>
       <p:sp>
         <p:nvSpPr>
-          <p:cNvPr id="1593059448" name="Title 1"/>
+          <p:cNvPr id="1169684031" name="Title 1"/>
           <p:cNvSpPr>
             <a:spLocks noGrp="1"/>
           </p:cNvSpPr>
@@ -5329,7 +6657,7 @@
       </p:sp>
       <p:sp>
         <p:nvSpPr>
-          <p:cNvPr id="2102778657" name="Content Placeholder 2"/>
+          <p:cNvPr id="840179497" name="Content Placeholder 2"/>
           <p:cNvSpPr>
             <a:spLocks noGrp="1"/>
           </p:cNvSpPr>
@@ -5428,7 +6756,7 @@
       </p:sp>
       <p:sp>
         <p:nvSpPr>
-          <p:cNvPr id="403031034" name="Content Placeholder 3"/>
+          <p:cNvPr id="1139074160" name="Content Placeholder 3"/>
           <p:cNvSpPr>
             <a:spLocks noGrp="1"/>
           </p:cNvSpPr>
@@ -5527,7 +6855,7 @@
       </p:sp>
       <p:sp>
         <p:nvSpPr>
-          <p:cNvPr id="818684886" name="Date Placeholder 4"/>
+          <p:cNvPr id="437257455" name="Date Placeholder 4"/>
           <p:cNvSpPr>
             <a:spLocks noGrp="1"/>
           </p:cNvSpPr>
@@ -5553,7 +6881,7 @@
       </p:sp>
       <p:sp>
         <p:nvSpPr>
-          <p:cNvPr id="2000313224" name="Footer Placeholder 5"/>
+          <p:cNvPr id="2013125546" name="Footer Placeholder 5"/>
           <p:cNvSpPr>
             <a:spLocks noGrp="1"/>
           </p:cNvSpPr>
@@ -5575,7 +6903,7 @@
       </p:sp>
       <p:sp>
         <p:nvSpPr>
-          <p:cNvPr id="2120047414" name="Slide Number Placeholder 6"/>
+          <p:cNvPr id="896947115" name="Slide Number Placeholder 6"/>
           <p:cNvSpPr>
             <a:spLocks noGrp="1"/>
           </p:cNvSpPr>
@@ -5626,7 +6954,7 @@
       </p:grpSpPr>
       <p:sp>
         <p:nvSpPr>
-          <p:cNvPr id="774230994" name="Title 1"/>
+          <p:cNvPr id="2130387179" name="Title 1"/>
           <p:cNvSpPr>
             <a:spLocks noGrp="1"/>
           </p:cNvSpPr>
@@ -5656,7 +6984,7 @@
       </p:sp>
       <p:sp>
         <p:nvSpPr>
-          <p:cNvPr id="1079186959" name="Text Placeholder 2"/>
+          <p:cNvPr id="67130269" name="Text Placeholder 2"/>
           <p:cNvSpPr>
             <a:spLocks noGrp="1"/>
           </p:cNvSpPr>
@@ -5724,7 +7052,7 @@
       </p:sp>
       <p:sp>
         <p:nvSpPr>
-          <p:cNvPr id="1372778089" name="Content Placeholder 3"/>
+          <p:cNvPr id="1966153120" name="Content Placeholder 3"/>
           <p:cNvSpPr>
             <a:spLocks noGrp="1"/>
           </p:cNvSpPr>
@@ -5823,7 +7151,7 @@
       </p:sp>
       <p:sp>
         <p:nvSpPr>
-          <p:cNvPr id="742459260" name="Text Placeholder 4"/>
+          <p:cNvPr id="471707460" name="Text Placeholder 4"/>
           <p:cNvSpPr>
             <a:spLocks noGrp="1"/>
           </p:cNvSpPr>
@@ -5891,7 +7219,7 @@
       </p:sp>
       <p:sp>
         <p:nvSpPr>
-          <p:cNvPr id="1742710433" name="Content Placeholder 5"/>
+          <p:cNvPr id="940403876" name="Content Placeholder 5"/>
           <p:cNvSpPr>
             <a:spLocks noGrp="1"/>
           </p:cNvSpPr>
@@ -5990,7 +7318,7 @@
       </p:sp>
       <p:sp>
         <p:nvSpPr>
-          <p:cNvPr id="1993247930" name="Date Placeholder 6"/>
+          <p:cNvPr id="1629214183" name="Date Placeholder 6"/>
           <p:cNvSpPr>
             <a:spLocks noGrp="1"/>
           </p:cNvSpPr>
@@ -6016,7 +7344,7 @@
       </p:sp>
       <p:sp>
         <p:nvSpPr>
-          <p:cNvPr id="1460537688" name="Footer Placeholder 7"/>
+          <p:cNvPr id="454417801" name="Footer Placeholder 7"/>
           <p:cNvSpPr>
             <a:spLocks noGrp="1"/>
           </p:cNvSpPr>
@@ -6038,7 +7366,7 @@
       </p:sp>
       <p:sp>
         <p:nvSpPr>
-          <p:cNvPr id="626080554" name="Slide Number Placeholder 8"/>
+          <p:cNvPr id="1844187359" name="Slide Number Placeholder 8"/>
           <p:cNvSpPr>
             <a:spLocks noGrp="1"/>
           </p:cNvSpPr>
@@ -6089,7 +7417,7 @@
       </p:grpSpPr>
       <p:sp>
         <p:nvSpPr>
-          <p:cNvPr id="97599069" name="Title 1"/>
+          <p:cNvPr id="1502273308" name="Title 1"/>
           <p:cNvSpPr>
             <a:spLocks noGrp="1"/>
           </p:cNvSpPr>
@@ -6115,7 +7443,7 @@
       </p:sp>
       <p:sp>
         <p:nvSpPr>
-          <p:cNvPr id="1601387229" name="Date Placeholder 2"/>
+          <p:cNvPr id="942131968" name="Date Placeholder 2"/>
           <p:cNvSpPr>
             <a:spLocks noGrp="1"/>
           </p:cNvSpPr>
@@ -6141,7 +7469,7 @@
       </p:sp>
       <p:sp>
         <p:nvSpPr>
-          <p:cNvPr id="852616562" name="Footer Placeholder 3"/>
+          <p:cNvPr id="787203125" name="Footer Placeholder 3"/>
           <p:cNvSpPr>
             <a:spLocks noGrp="1"/>
           </p:cNvSpPr>
@@ -6163,7 +7491,7 @@
       </p:sp>
       <p:sp>
         <p:nvSpPr>
-          <p:cNvPr id="599708001" name="Slide Number Placeholder 4"/>
+          <p:cNvPr id="1873311333" name="Slide Number Placeholder 4"/>
           <p:cNvSpPr>
             <a:spLocks noGrp="1"/>
           </p:cNvSpPr>
@@ -6214,7 +7542,7 @@
       </p:grpSpPr>
       <p:sp>
         <p:nvSpPr>
-          <p:cNvPr id="1640645881" name="Date Placeholder 1"/>
+          <p:cNvPr id="2142520820" name="Date Placeholder 1"/>
           <p:cNvSpPr>
             <a:spLocks noGrp="1"/>
           </p:cNvSpPr>
@@ -6240,7 +7568,7 @@
       </p:sp>
       <p:sp>
         <p:nvSpPr>
-          <p:cNvPr id="565223043" name="Footer Placeholder 2"/>
+          <p:cNvPr id="1984812164" name="Footer Placeholder 2"/>
           <p:cNvSpPr>
             <a:spLocks noGrp="1"/>
           </p:cNvSpPr>
@@ -6262,7 +7590,7 @@
       </p:sp>
       <p:sp>
         <p:nvSpPr>
-          <p:cNvPr id="1934817644" name="Slide Number Placeholder 3"/>
+          <p:cNvPr id="886067860" name="Slide Number Placeholder 3"/>
           <p:cNvSpPr>
             <a:spLocks noGrp="1"/>
           </p:cNvSpPr>
@@ -6313,7 +7641,7 @@
       </p:grpSpPr>
       <p:sp>
         <p:nvSpPr>
-          <p:cNvPr id="1888175352" name="Title 1"/>
+          <p:cNvPr id="362037687" name="Title 1"/>
           <p:cNvSpPr>
             <a:spLocks noGrp="1"/>
           </p:cNvSpPr>
@@ -6348,7 +7676,7 @@
       </p:sp>
       <p:sp>
         <p:nvSpPr>
-          <p:cNvPr id="480076034" name="Content Placeholder 2"/>
+          <p:cNvPr id="63724738" name="Content Placeholder 2"/>
           <p:cNvSpPr>
             <a:spLocks noGrp="1"/>
           </p:cNvSpPr>
@@ -6447,7 +7775,7 @@
       </p:sp>
       <p:sp>
         <p:nvSpPr>
-          <p:cNvPr id="1177629323" name="Text Placeholder 3"/>
+          <p:cNvPr id="1643472691" name="Text Placeholder 3"/>
           <p:cNvSpPr>
             <a:spLocks noGrp="1"/>
           </p:cNvSpPr>
@@ -6515,7 +7843,7 @@
       </p:sp>
       <p:sp>
         <p:nvSpPr>
-          <p:cNvPr id="1433733416" name="Date Placeholder 4"/>
+          <p:cNvPr id="713989958" name="Date Placeholder 4"/>
           <p:cNvSpPr>
             <a:spLocks noGrp="1"/>
           </p:cNvSpPr>
@@ -6541,7 +7869,7 @@
       </p:sp>
       <p:sp>
         <p:nvSpPr>
-          <p:cNvPr id="121584868" name="Footer Placeholder 5"/>
+          <p:cNvPr id="1990098598" name="Footer Placeholder 5"/>
           <p:cNvSpPr>
             <a:spLocks noGrp="1"/>
           </p:cNvSpPr>
@@ -6563,7 +7891,7 @@
       </p:sp>
       <p:sp>
         <p:nvSpPr>
-          <p:cNvPr id="1640976426" name="Slide Number Placeholder 6"/>
+          <p:cNvPr id="553157759" name="Slide Number Placeholder 6"/>
           <p:cNvSpPr>
             <a:spLocks noGrp="1"/>
           </p:cNvSpPr>
@@ -6614,7 +7942,7 @@
       </p:grpSpPr>
       <p:sp>
         <p:nvSpPr>
-          <p:cNvPr id="1372661710" name="Title 1"/>
+          <p:cNvPr id="584087480" name="Title 1"/>
           <p:cNvSpPr>
             <a:spLocks noGrp="1"/>
           </p:cNvSpPr>
@@ -6649,7 +7977,7 @@
       </p:sp>
       <p:sp>
         <p:nvSpPr>
-          <p:cNvPr id="840854147" name="Picture Placeholder 2"/>
+          <p:cNvPr id="1368208419" name="Picture Placeholder 2"/>
           <p:cNvSpPr>
             <a:spLocks noGrp="1"/>
           </p:cNvSpPr>
@@ -6713,7 +8041,7 @@
       </p:sp>
       <p:sp>
         <p:nvSpPr>
-          <p:cNvPr id="1285874967" name="Text Placeholder 3"/>
+          <p:cNvPr id="723555134" name="Text Placeholder 3"/>
           <p:cNvSpPr>
             <a:spLocks noGrp="1"/>
           </p:cNvSpPr>
@@ -6781,7 +8109,7 @@
       </p:sp>
       <p:sp>
         <p:nvSpPr>
-          <p:cNvPr id="1879058642" name="Date Placeholder 4"/>
+          <p:cNvPr id="1662914661" name="Date Placeholder 4"/>
           <p:cNvSpPr>
             <a:spLocks noGrp="1"/>
           </p:cNvSpPr>
@@ -6807,7 +8135,7 @@
       </p:sp>
       <p:sp>
         <p:nvSpPr>
-          <p:cNvPr id="1798402727" name="Footer Placeholder 5"/>
+          <p:cNvPr id="853354665" name="Footer Placeholder 5"/>
           <p:cNvSpPr>
             <a:spLocks noGrp="1"/>
           </p:cNvSpPr>
@@ -6829,7 +8157,7 @@
       </p:sp>
       <p:sp>
         <p:nvSpPr>
-          <p:cNvPr id="1613590306" name="Slide Number Placeholder 6"/>
+          <p:cNvPr id="1201007163" name="Slide Number Placeholder 6"/>
           <p:cNvSpPr>
             <a:spLocks noGrp="1"/>
           </p:cNvSpPr>
@@ -6885,7 +8213,7 @@
       </p:grpSpPr>
       <p:sp>
         <p:nvSpPr>
-          <p:cNvPr id="911813302" name="Shape 1059"/>
+          <p:cNvPr id="633615217" name="Shape 1059"/>
           <p:cNvSpPr>
             <a:spLocks noChangeArrowheads="1" noGrp="1"/>
           </p:cNvSpPr>
@@ -6963,7 +8291,7 @@
       </p:sp>
       <p:sp>
         <p:nvSpPr>
-          <p:cNvPr id="1969911461" name="Shape 1060"/>
+          <p:cNvPr id="35053841" name="Shape 1060"/>
           <p:cNvSpPr>
             <a:spLocks noChangeArrowheads="1" noGrp="1"/>
           </p:cNvSpPr>
@@ -7044,7 +8372,7 @@
       </p:sp>
       <p:sp>
         <p:nvSpPr>
-          <p:cNvPr id="41968425" name="Shape 1061"/>
+          <p:cNvPr id="1237744482" name="Shape 1061"/>
           <p:cNvSpPr>
             <a:spLocks noChangeArrowheads="1" noGrp="1"/>
           </p:cNvSpPr>
@@ -7052,7 +8380,7 @@
         </p:nvSpPr>
         <p:spPr bwMode="auto">
           <a:xfrm>
-            <a:off x="1637457" y="1"/>
+            <a:off x="1637456" y="1"/>
             <a:ext cx="3839633" cy="2609650"/>
           </a:xfrm>
           <a:custGeom>
@@ -7162,7 +8490,7 @@
       </p:sp>
       <p:sp>
         <p:nvSpPr>
-          <p:cNvPr id="177087708" name="Title 1"/>
+          <p:cNvPr id="1391378685" name="Title 1"/>
           <p:cNvSpPr>
             <a:spLocks noGrp="1"/>
           </p:cNvSpPr>
@@ -7198,7 +8526,7 @@
       </p:sp>
       <p:sp>
         <p:nvSpPr>
-          <p:cNvPr id="1613389640" name="Text Placeholder 2"/>
+          <p:cNvPr id="415463004" name="Text Placeholder 2"/>
           <p:cNvSpPr>
             <a:spLocks noGrp="1"/>
           </p:cNvSpPr>
@@ -7274,7 +8602,7 @@
       </p:sp>
       <p:sp>
         <p:nvSpPr>
-          <p:cNvPr id="1508692169" name="Date Placeholder 3"/>
+          <p:cNvPr id="598241148" name="Date Placeholder 3"/>
           <p:cNvSpPr>
             <a:spLocks noGrp="1"/>
           </p:cNvSpPr>
@@ -7285,7 +8613,7 @@
         <p:spPr bwMode="auto">
           <a:xfrm>
             <a:off x="609599" y="6356351"/>
-            <a:ext cx="2844799" cy="365125"/>
+            <a:ext cx="2844798" cy="365125"/>
           </a:xfrm>
           <a:prstGeom prst="rect">
             <a:avLst/>
@@ -7318,7 +8646,7 @@
       </p:sp>
       <p:sp>
         <p:nvSpPr>
-          <p:cNvPr id="1834237263" name="Footer Placeholder 4"/>
+          <p:cNvPr id="412706864" name="Footer Placeholder 4"/>
           <p:cNvSpPr>
             <a:spLocks noGrp="1"/>
           </p:cNvSpPr>
@@ -7358,7 +8686,7 @@
       </p:sp>
       <p:sp>
         <p:nvSpPr>
-          <p:cNvPr id="669204246" name="Slide Number Placeholder 5"/>
+          <p:cNvPr id="161985766" name="Slide Number Placeholder 5"/>
           <p:cNvSpPr>
             <a:spLocks noGrp="1"/>
           </p:cNvSpPr>
@@ -7369,7 +8697,7 @@
         <p:spPr bwMode="auto">
           <a:xfrm>
             <a:off x="8737599" y="6356351"/>
-            <a:ext cx="2844799" cy="365125"/>
+            <a:ext cx="2844798" cy="365125"/>
           </a:xfrm>
           <a:prstGeom prst="rect">
             <a:avLst/>
@@ -7707,7 +9035,7 @@
       </p:grpSpPr>
       <p:sp>
         <p:nvSpPr>
-          <p:cNvPr id="2099567884" name="Title 1"/>
+          <p:cNvPr id="583108024" name="Title 1"/>
           <p:cNvSpPr>
             <a:spLocks noGrp="1"/>
           </p:cNvSpPr>
@@ -7718,7 +9046,7 @@
         <p:spPr bwMode="auto">
           <a:xfrm flipH="0" flipV="0">
             <a:off x="4595833" y="586153"/>
-            <a:ext cx="6720746" cy="1942746"/>
+            <a:ext cx="6720745" cy="1942746"/>
           </a:xfrm>
         </p:spPr>
         <p:txBody>
@@ -7753,7 +9081,7 @@
       </p:sp>
       <p:sp>
         <p:nvSpPr>
-          <p:cNvPr id="1317378955" name="Subtitle 2"/>
+          <p:cNvPr id="2106054216" name="Subtitle 2"/>
           <p:cNvSpPr>
             <a:spLocks noGrp="1"/>
           </p:cNvSpPr>
@@ -7786,7 +9114,7 @@
       </p:sp>
       <p:sp>
         <p:nvSpPr>
-          <p:cNvPr id="272881628" name=""/>
+          <p:cNvPr id="1978123218" name=""/>
           <p:cNvSpPr txBox="1"/>
           <p:nvPr/>
         </p:nvSpPr>
@@ -7858,7 +9186,7 @@
       </p:grpSpPr>
       <p:sp>
         <p:nvSpPr>
-          <p:cNvPr id="1853879276" name="Title 1"/>
+          <p:cNvPr id="422215807" name="Title 1"/>
           <p:cNvSpPr>
             <a:spLocks noGrp="1"/>
           </p:cNvSpPr>
@@ -7896,7 +9224,7 @@
       </p:sp>
       <p:sp>
         <p:nvSpPr>
-          <p:cNvPr id="799594046" name="Content Placeholder 2"/>
+          <p:cNvPr id="1076301982" name="Content Placeholder 2"/>
           <p:cNvSpPr>
             <a:spLocks noGrp="1"/>
           </p:cNvSpPr>
@@ -8176,7 +9504,7 @@
       </p:grpSpPr>
       <p:sp>
         <p:nvSpPr>
-          <p:cNvPr id="1402654421" name="Subtitle 2"/>
+          <p:cNvPr id="33266161" name="Subtitle 2"/>
           <p:cNvSpPr>
             <a:spLocks noGrp="1"/>
           </p:cNvSpPr>
@@ -8187,7 +9515,7 @@
         <p:spPr bwMode="auto">
           <a:xfrm>
             <a:off x="4655839" y="2708919"/>
-            <a:ext cx="6720746" cy="720079"/>
+            <a:ext cx="6720745" cy="720079"/>
           </a:xfrm>
         </p:spPr>
         <p:txBody>
@@ -8295,7 +9623,7 @@
       </p:sp>
       <p:sp>
         <p:nvSpPr>
-          <p:cNvPr id="1254045672" name="Title 6"/>
+          <p:cNvPr id="2030472233" name="Title 6"/>
           <p:cNvSpPr>
             <a:spLocks noGrp="1"/>
           </p:cNvSpPr>
@@ -8306,7 +9634,7 @@
         <p:spPr bwMode="auto">
           <a:xfrm flipH="0" flipV="0">
             <a:off x="4595833" y="1172307"/>
-            <a:ext cx="6720746" cy="2256692"/>
+            <a:ext cx="6720745" cy="2256692"/>
           </a:xfrm>
         </p:spPr>
         <p:txBody>
@@ -8369,7 +9697,7 @@
       </p:grpSpPr>
       <p:sp>
         <p:nvSpPr>
-          <p:cNvPr id="290808317" name="Title 1"/>
+          <p:cNvPr id="1103398162" name="Title 1"/>
           <p:cNvSpPr>
             <a:spLocks noGrp="1"/>
           </p:cNvSpPr>
@@ -8405,7 +9733,7 @@
       </p:sp>
       <p:sp>
         <p:nvSpPr>
-          <p:cNvPr id="1030977248" name="Content Placeholder 2"/>
+          <p:cNvPr id="1419621162" name="Content Placeholder 2"/>
           <p:cNvSpPr>
             <a:spLocks noGrp="1"/>
           </p:cNvSpPr>
@@ -8451,7 +9779,7 @@
       </p:sp>
       <p:pic>
         <p:nvPicPr>
-          <p:cNvPr id="1725329068" name=""/>
+          <p:cNvPr id="1285807493" name=""/>
           <p:cNvPicPr>
             <a:picLocks noChangeAspect="1"/>
           </p:cNvPicPr>
@@ -8507,7 +9835,7 @@
       </p:grpSpPr>
       <p:sp>
         <p:nvSpPr>
-          <p:cNvPr id="1617603083" name="Title 1"/>
+          <p:cNvPr id="1666574870" name="Title 1"/>
           <p:cNvSpPr>
             <a:spLocks noGrp="1"/>
           </p:cNvSpPr>
@@ -8545,7 +9873,7 @@
       </p:sp>
       <p:sp>
         <p:nvSpPr>
-          <p:cNvPr id="1982604110" name="Content Placeholder 2"/>
+          <p:cNvPr id="792606827" name="Content Placeholder 2"/>
           <p:cNvSpPr>
             <a:spLocks noGrp="1"/>
           </p:cNvSpPr>
@@ -8695,7 +10023,7 @@
       </p:sp>
       <p:pic>
         <p:nvPicPr>
-          <p:cNvPr id="1938312470" name=""/>
+          <p:cNvPr id="76833539" name=""/>
           <p:cNvPicPr>
             <a:picLocks noChangeAspect="1"/>
           </p:cNvPicPr>
@@ -8750,7 +10078,7 @@
       </p:grpSpPr>
       <p:sp>
         <p:nvSpPr>
-          <p:cNvPr id="200544670" name="Title 1"/>
+          <p:cNvPr id="993832050" name="Title 1"/>
           <p:cNvSpPr>
             <a:spLocks noGrp="1"/>
           </p:cNvSpPr>
@@ -8788,7 +10116,7 @@
       </p:sp>
       <p:sp>
         <p:nvSpPr>
-          <p:cNvPr id="258117204" name="Content Placeholder 2"/>
+          <p:cNvPr id="983715524" name="Content Placeholder 2"/>
           <p:cNvSpPr>
             <a:spLocks noGrp="1"/>
           </p:cNvSpPr>
@@ -8908,7 +10236,7 @@
       </p:sp>
       <p:pic>
         <p:nvPicPr>
-          <p:cNvPr id="1995028712" name=""/>
+          <p:cNvPr id="59345820" name=""/>
           <p:cNvPicPr>
             <a:picLocks noChangeAspect="1"/>
           </p:cNvPicPr>
@@ -8916,7 +10244,7 @@
         </p:nvPicPr>
         <p:blipFill>
           <a:blip r:embed="rId3"/>
-          <a:srcRect l="19447" t="23351" r="18151" b="24646"/>
+          <a:srcRect l="19447" t="23351" r="18150" b="24646"/>
           <a:stretch/>
         </p:blipFill>
         <p:spPr bwMode="auto">
@@ -8964,7 +10292,7 @@
       </p:grpSpPr>
       <p:sp>
         <p:nvSpPr>
-          <p:cNvPr id="522203716" name="Title 1"/>
+          <p:cNvPr id="701395648" name="Title 1"/>
           <p:cNvSpPr>
             <a:spLocks noGrp="1"/>
           </p:cNvSpPr>
@@ -9002,7 +10330,7 @@
       </p:sp>
       <p:sp>
         <p:nvSpPr>
-          <p:cNvPr id="1060130714" name="Content Placeholder 2"/>
+          <p:cNvPr id="1632456483" name="Content Placeholder 2"/>
           <p:cNvSpPr>
             <a:spLocks noGrp="1"/>
           </p:cNvSpPr>
@@ -9133,7 +10461,7 @@
       </p:sp>
       <p:grpSp>
         <p:nvGrpSpPr>
-          <p:cNvPr id="924309070" name=""/>
+          <p:cNvPr id="19050343" name=""/>
           <p:cNvGrpSpPr/>
           <p:nvPr/>
         </p:nvGrpSpPr>
@@ -9226,7 +10554,7 @@
       </p:grpSpPr>
       <p:sp>
         <p:nvSpPr>
-          <p:cNvPr id="1089697743" name="Title 1"/>
+          <p:cNvPr id="1726004052" name="Title 1"/>
           <p:cNvSpPr>
             <a:spLocks noGrp="1"/>
           </p:cNvSpPr>
@@ -9264,7 +10592,7 @@
       </p:sp>
       <p:sp>
         <p:nvSpPr>
-          <p:cNvPr id="1128318534" name="Content Placeholder 2"/>
+          <p:cNvPr id="1958898848" name="Content Placeholder 2"/>
           <p:cNvSpPr>
             <a:spLocks noGrp="1"/>
           </p:cNvSpPr>
@@ -9415,7 +10743,7 @@
       </p:sp>
       <p:pic>
         <p:nvPicPr>
-          <p:cNvPr id="1465849190" name=""/>
+          <p:cNvPr id="182583650" name=""/>
           <p:cNvPicPr>
             <a:picLocks noChangeAspect="1"/>
           </p:cNvPicPr>
@@ -9471,7 +10799,7 @@
       </p:grpSpPr>
       <p:sp>
         <p:nvSpPr>
-          <p:cNvPr id="1083570969" name="Title 1"/>
+          <p:cNvPr id="1127747709" name="Title 1"/>
           <p:cNvSpPr>
             <a:spLocks noGrp="1"/>
           </p:cNvSpPr>
@@ -9509,7 +10837,7 @@
       </p:sp>
       <p:sp>
         <p:nvSpPr>
-          <p:cNvPr id="678187790" name="Content Placeholder 2"/>
+          <p:cNvPr id="581186701" name="Content Placeholder 2"/>
           <p:cNvSpPr>
             <a:spLocks noGrp="1"/>
           </p:cNvSpPr>
@@ -9636,7 +10964,7 @@
       </p:sp>
       <p:pic>
         <p:nvPicPr>
-          <p:cNvPr id="1998340011" name=""/>
+          <p:cNvPr id="1558705780" name=""/>
           <p:cNvPicPr>
             <a:picLocks noChangeAspect="1"/>
           </p:cNvPicPr>
@@ -9692,7 +11020,7 @@
       </p:grpSpPr>
       <p:sp>
         <p:nvSpPr>
-          <p:cNvPr id="2020030088" name="Subtitle 2"/>
+          <p:cNvPr id="891683455" name="Subtitle 2"/>
           <p:cNvSpPr>
             <a:spLocks noGrp="1"/>
           </p:cNvSpPr>
@@ -9703,7 +11031,7 @@
         <p:spPr bwMode="auto">
           <a:xfrm>
             <a:off x="4655839" y="2708919"/>
-            <a:ext cx="6720746" cy="720079"/>
+            <a:ext cx="6720745" cy="720079"/>
           </a:xfrm>
         </p:spPr>
         <p:txBody>
@@ -9815,7 +11143,7 @@
       </p:sp>
       <p:sp>
         <p:nvSpPr>
-          <p:cNvPr id="554982517" name="Title 6"/>
+          <p:cNvPr id="991198728" name="Title 6"/>
           <p:cNvSpPr>
             <a:spLocks noGrp="1"/>
           </p:cNvSpPr>
@@ -9826,7 +11154,7 @@
         <p:spPr bwMode="auto">
           <a:xfrm>
             <a:off x="4595833" y="1808820"/>
-            <a:ext cx="6720746" cy="720079"/>
+            <a:ext cx="6720745" cy="720079"/>
           </a:xfrm>
         </p:spPr>
         <p:txBody>
@@ -9887,7 +11215,7 @@
       </p:grpSpPr>
       <p:sp>
         <p:nvSpPr>
-          <p:cNvPr id="2048239257" name="Title 1"/>
+          <p:cNvPr id="404268467" name="Title 1"/>
           <p:cNvSpPr>
             <a:spLocks noGrp="1"/>
           </p:cNvSpPr>
@@ -9913,7 +11241,7 @@
       </p:sp>
       <p:pic>
         <p:nvPicPr>
-          <p:cNvPr id="981833119" name=""/>
+          <p:cNvPr id="1412489762" name=""/>
           <p:cNvPicPr>
             <a:picLocks noChangeAspect="1"/>
           </p:cNvPicPr>
@@ -9968,7 +11296,7 @@
       </p:grpSpPr>
       <p:sp>
         <p:nvSpPr>
-          <p:cNvPr id="605102845" name="Title 1"/>
+          <p:cNvPr id="547981012" name="Title 1"/>
           <p:cNvSpPr>
             <a:spLocks noGrp="1"/>
           </p:cNvSpPr>
@@ -10004,7 +11332,7 @@
       </p:sp>
       <p:sp>
         <p:nvSpPr>
-          <p:cNvPr id="1963629817" name="Content Placeholder 2"/>
+          <p:cNvPr id="340572538" name="Content Placeholder 2"/>
           <p:cNvSpPr>
             <a:spLocks noGrp="1"/>
           </p:cNvSpPr>
@@ -10026,7 +11354,7 @@
       </p:sp>
       <p:pic>
         <p:nvPicPr>
-          <p:cNvPr id="872067603" name=""/>
+          <p:cNvPr id="413091479" name=""/>
           <p:cNvPicPr>
             <a:picLocks noChangeAspect="1"/>
           </p:cNvPicPr>
@@ -10081,7 +11409,7 @@
       </p:grpSpPr>
       <p:sp>
         <p:nvSpPr>
-          <p:cNvPr id="2068206659" name="Title 1"/>
+          <p:cNvPr id="1662387479" name="Title 1"/>
           <p:cNvSpPr>
             <a:spLocks noGrp="1"/>
           </p:cNvSpPr>
@@ -10119,7 +11447,7 @@
       </p:sp>
       <p:pic>
         <p:nvPicPr>
-          <p:cNvPr id="170194044" name=""/>
+          <p:cNvPr id="2020556339" name=""/>
           <p:cNvPicPr>
             <a:picLocks noChangeAspect="1"/>
           </p:cNvPicPr>
@@ -10141,7 +11469,7 @@
       </p:pic>
       <p:sp>
         <p:nvSpPr>
-          <p:cNvPr id="706195370" name=""/>
+          <p:cNvPr id="1994417982" name=""/>
           <p:cNvSpPr txBox="1"/>
           <p:nvPr/>
         </p:nvSpPr>
@@ -10220,7 +11548,7 @@
       </p:grpSpPr>
       <p:sp>
         <p:nvSpPr>
-          <p:cNvPr id="2077756610" name="Title 1"/>
+          <p:cNvPr id="725550083" name="Title 1"/>
           <p:cNvSpPr>
             <a:spLocks noGrp="1"/>
           </p:cNvSpPr>
@@ -10258,7 +11586,7 @@
       </p:sp>
       <p:sp>
         <p:nvSpPr>
-          <p:cNvPr id="1300841154" name=""/>
+          <p:cNvPr id="1550252845" name=""/>
           <p:cNvSpPr txBox="1"/>
           <p:nvPr/>
         </p:nvSpPr>
@@ -10336,7 +11664,7 @@
       </p:sp>
       <p:pic>
         <p:nvPicPr>
-          <p:cNvPr id="1900123643" name=""/>
+          <p:cNvPr id="1535464792" name=""/>
           <p:cNvPicPr>
             <a:picLocks noChangeAspect="1"/>
           </p:cNvPicPr>
@@ -10392,7 +11720,7 @@
       </p:grpSpPr>
       <p:sp>
         <p:nvSpPr>
-          <p:cNvPr id="709869517" name="Title 1"/>
+          <p:cNvPr id="974721710" name="Title 1"/>
           <p:cNvSpPr>
             <a:spLocks noGrp="1"/>
           </p:cNvSpPr>
@@ -10418,7 +11746,7 @@
       </p:sp>
       <p:pic>
         <p:nvPicPr>
-          <p:cNvPr id="1252498538" name=""/>
+          <p:cNvPr id="1879346992" name=""/>
           <p:cNvPicPr>
             <a:picLocks noChangeAspect="1"/>
           </p:cNvPicPr>
@@ -10473,7 +11801,7 @@
       </p:grpSpPr>
       <p:sp>
         <p:nvSpPr>
-          <p:cNvPr id="1599348904" name="Title 1"/>
+          <p:cNvPr id="806186729" name="Title 1"/>
           <p:cNvSpPr>
             <a:spLocks noGrp="1"/>
           </p:cNvSpPr>
@@ -10525,7 +11853,7 @@
       </p:sp>
       <p:sp>
         <p:nvSpPr>
-          <p:cNvPr id="398805887" name=""/>
+          <p:cNvPr id="559768573" name=""/>
           <p:cNvSpPr txBox="1"/>
           <p:nvPr/>
         </p:nvSpPr>
@@ -10603,7 +11931,7 @@
       </p:sp>
       <p:pic>
         <p:nvPicPr>
-          <p:cNvPr id="868852514" name=""/>
+          <p:cNvPr id="1493812880" name=""/>
           <p:cNvPicPr>
             <a:picLocks noChangeAspect="1"/>
           </p:cNvPicPr>
@@ -10658,7 +11986,7 @@
       </p:grpSpPr>
       <p:sp>
         <p:nvSpPr>
-          <p:cNvPr id="333020315" name="Title 1"/>
+          <p:cNvPr id="2046373809" name="Title 1"/>
           <p:cNvSpPr>
             <a:spLocks noGrp="1"/>
           </p:cNvSpPr>
@@ -10710,7 +12038,7 @@
       </p:sp>
       <p:sp>
         <p:nvSpPr>
-          <p:cNvPr id="1316837722" name=""/>
+          <p:cNvPr id="826054040" name=""/>
           <p:cNvSpPr txBox="1"/>
           <p:nvPr/>
         </p:nvSpPr>
@@ -10840,7 +12168,7 @@
       </p:sp>
       <p:pic>
         <p:nvPicPr>
-          <p:cNvPr id="1309180609" name=""/>
+          <p:cNvPr id="2145966159" name=""/>
           <p:cNvPicPr>
             <a:picLocks noChangeAspect="1"/>
           </p:cNvPicPr>
@@ -10895,7 +12223,7 @@
       </p:grpSpPr>
       <p:sp>
         <p:nvSpPr>
-          <p:cNvPr id="387395149" name="Subtitle 2"/>
+          <p:cNvPr id="676263669" name="Subtitle 2"/>
           <p:cNvSpPr>
             <a:spLocks noGrp="1"/>
           </p:cNvSpPr>
@@ -10906,7 +12234,7 @@
         <p:spPr bwMode="auto">
           <a:xfrm>
             <a:off x="4655839" y="2708919"/>
-            <a:ext cx="6720746" cy="720079"/>
+            <a:ext cx="6720745" cy="720079"/>
           </a:xfrm>
         </p:spPr>
         <p:txBody>
@@ -11018,7 +12346,7 @@
       </p:sp>
       <p:sp>
         <p:nvSpPr>
-          <p:cNvPr id="1721987838" name="Title 6"/>
+          <p:cNvPr id="273595781" name="Title 6"/>
           <p:cNvSpPr>
             <a:spLocks noGrp="1"/>
           </p:cNvSpPr>
@@ -11029,7 +12357,7 @@
         <p:spPr bwMode="auto">
           <a:xfrm>
             <a:off x="4595833" y="1808820"/>
-            <a:ext cx="6720746" cy="720079"/>
+            <a:ext cx="6720745" cy="720079"/>
           </a:xfrm>
         </p:spPr>
         <p:txBody>
@@ -11090,7 +12418,7 @@
       </p:grpSpPr>
       <p:sp>
         <p:nvSpPr>
-          <p:cNvPr id="947430251" name="Title 1"/>
+          <p:cNvPr id="994365778" name="Title 1"/>
           <p:cNvSpPr>
             <a:spLocks noGrp="1"/>
           </p:cNvSpPr>
@@ -11142,7 +12470,7 @@
       </p:sp>
       <p:sp>
         <p:nvSpPr>
-          <p:cNvPr id="94039914" name=""/>
+          <p:cNvPr id="167266058" name=""/>
           <p:cNvSpPr txBox="1"/>
           <p:nvPr/>
         </p:nvSpPr>
@@ -11205,7 +12533,7 @@
       </p:sp>
       <p:pic>
         <p:nvPicPr>
-          <p:cNvPr id="1186022452" name=""/>
+          <p:cNvPr id="177124063" name=""/>
           <p:cNvPicPr>
             <a:picLocks noChangeAspect="1"/>
           </p:cNvPicPr>
@@ -11260,7 +12588,7 @@
       </p:grpSpPr>
       <p:sp>
         <p:nvSpPr>
-          <p:cNvPr id="386318760" name="Title 1"/>
+          <p:cNvPr id="1299528457" name="Title 1"/>
           <p:cNvSpPr>
             <a:spLocks noGrp="1"/>
           </p:cNvSpPr>
@@ -11312,7 +12640,7 @@
       </p:sp>
       <p:sp>
         <p:nvSpPr>
-          <p:cNvPr id="2082219457" name=""/>
+          <p:cNvPr id="1088923501" name=""/>
           <p:cNvSpPr txBox="1"/>
           <p:nvPr/>
         </p:nvSpPr>
@@ -11375,7 +12703,7 @@
       </p:sp>
       <p:pic>
         <p:nvPicPr>
-          <p:cNvPr id="1461842965" name=""/>
+          <p:cNvPr id="1773213275" name=""/>
           <p:cNvPicPr>
             <a:picLocks noChangeAspect="1"/>
           </p:cNvPicPr>
@@ -11388,7 +12716,7 @@
         <p:spPr bwMode="auto">
           <a:xfrm rot="0" flipH="0" flipV="0">
             <a:off x="609599" y="2614392"/>
-            <a:ext cx="5731509" cy="3502138"/>
+            <a:ext cx="5731509" cy="3502137"/>
           </a:xfrm>
           <a:prstGeom prst="rect">
             <a:avLst/>
@@ -11430,7 +12758,7 @@
       </p:grpSpPr>
       <p:sp>
         <p:nvSpPr>
-          <p:cNvPr id="1257230805" name="Subtitle 2"/>
+          <p:cNvPr id="1939112642" name="Subtitle 2"/>
           <p:cNvSpPr>
             <a:spLocks noGrp="1"/>
           </p:cNvSpPr>
@@ -11441,7 +12769,7 @@
         <p:spPr bwMode="auto">
           <a:xfrm>
             <a:off x="4655839" y="2708919"/>
-            <a:ext cx="6720746" cy="720079"/>
+            <a:ext cx="6720745" cy="720079"/>
           </a:xfrm>
         </p:spPr>
         <p:txBody>
@@ -11553,7 +12881,7 @@
       </p:sp>
       <p:sp>
         <p:nvSpPr>
-          <p:cNvPr id="1798664128" name="Title 6"/>
+          <p:cNvPr id="1325828215" name="Title 6"/>
           <p:cNvSpPr>
             <a:spLocks noGrp="1"/>
           </p:cNvSpPr>
@@ -11564,7 +12892,7 @@
         <p:spPr bwMode="auto">
           <a:xfrm flipH="0" flipV="0">
             <a:off x="4595833" y="1208942"/>
-            <a:ext cx="6720746" cy="1319957"/>
+            <a:ext cx="6720745" cy="1319957"/>
           </a:xfrm>
         </p:spPr>
         <p:txBody>
@@ -11635,7 +12963,7 @@
       </p:grpSpPr>
       <p:sp>
         <p:nvSpPr>
-          <p:cNvPr id="1791250224" name="Subtitle 2"/>
+          <p:cNvPr id="1133571292" name="Subtitle 2"/>
           <p:cNvSpPr>
             <a:spLocks noGrp="1"/>
           </p:cNvSpPr>
@@ -11646,7 +12974,7 @@
         <p:spPr bwMode="auto">
           <a:xfrm>
             <a:off x="4655839" y="2708919"/>
-            <a:ext cx="6720746" cy="720079"/>
+            <a:ext cx="6720745" cy="720079"/>
           </a:xfrm>
         </p:spPr>
         <p:txBody>
@@ -11758,7 +13086,7 @@
       </p:sp>
       <p:sp>
         <p:nvSpPr>
-          <p:cNvPr id="729895597" name="Title 6"/>
+          <p:cNvPr id="611852541" name="Title 6"/>
           <p:cNvSpPr>
             <a:spLocks noGrp="1"/>
           </p:cNvSpPr>
@@ -11769,7 +13097,7 @@
         <p:spPr bwMode="auto">
           <a:xfrm flipH="0" flipV="0">
             <a:off x="4595833" y="1208942"/>
-            <a:ext cx="6720746" cy="1319957"/>
+            <a:ext cx="6720745" cy="1319957"/>
           </a:xfrm>
         </p:spPr>
         <p:txBody>
@@ -11840,7 +13168,7 @@
       </p:grpSpPr>
       <p:sp>
         <p:nvSpPr>
-          <p:cNvPr id="684158206" name="Title 1"/>
+          <p:cNvPr id="2146719770" name="Title 1"/>
           <p:cNvSpPr>
             <a:spLocks noGrp="1"/>
           </p:cNvSpPr>
@@ -11862,7 +13190,7 @@
       </p:sp>
       <p:sp>
         <p:nvSpPr>
-          <p:cNvPr id="1333413734" name="Content Placeholder 2"/>
+          <p:cNvPr id="265793169" name="Content Placeholder 2"/>
           <p:cNvSpPr>
             <a:spLocks noGrp="1"/>
           </p:cNvSpPr>
@@ -11917,7 +13245,7 @@
       </p:sp>
       <p:sp>
         <p:nvSpPr>
-          <p:cNvPr id="767138129" name=""/>
+          <p:cNvPr id="1762100096" name=""/>
           <p:cNvSpPr txBox="1"/>
           <p:nvPr/>
         </p:nvSpPr>
@@ -11956,7 +13284,7 @@
       </p:sp>
       <p:pic>
         <p:nvPicPr>
-          <p:cNvPr id="1458297939" name=""/>
+          <p:cNvPr id="888823594" name=""/>
           <p:cNvPicPr>
             <a:picLocks noChangeAspect="1"/>
           </p:cNvPicPr>
@@ -11964,7 +13292,7 @@
         </p:nvPicPr>
         <p:blipFill>
           <a:blip r:embed="rId3"/>
-          <a:srcRect l="0" t="37921" r="0" b="16415"/>
+          <a:srcRect l="0" t="37921" r="0" b="16414"/>
           <a:stretch/>
         </p:blipFill>
         <p:spPr bwMode="auto">
@@ -12012,7 +13340,7 @@
       </p:grpSpPr>
       <p:sp>
         <p:nvSpPr>
-          <p:cNvPr id="623377338" name="Title 1"/>
+          <p:cNvPr id="10649103" name="Title 1"/>
           <p:cNvSpPr>
             <a:spLocks noGrp="1"/>
           </p:cNvSpPr>
@@ -12050,7 +13378,7 @@
       </p:sp>
       <p:sp>
         <p:nvSpPr>
-          <p:cNvPr id="1524309055" name=""/>
+          <p:cNvPr id="589468826" name=""/>
           <p:cNvSpPr txBox="1"/>
           <p:nvPr/>
         </p:nvSpPr>
@@ -12139,7 +13467,7 @@
       </p:sp>
       <p:pic>
         <p:nvPicPr>
-          <p:cNvPr id="1551607705" name=""/>
+          <p:cNvPr id="587079004" name=""/>
           <p:cNvPicPr>
             <a:picLocks noChangeAspect="1"/>
           </p:cNvPicPr>
@@ -12161,7 +13489,7 @@
       </p:pic>
       <p:pic>
         <p:nvPicPr>
-          <p:cNvPr id="335539562" name=""/>
+          <p:cNvPr id="959715389" name=""/>
           <p:cNvPicPr>
             <a:picLocks noChangeAspect="1"/>
           </p:cNvPicPr>
@@ -12183,7 +13511,7 @@
       </p:pic>
       <p:pic>
         <p:nvPicPr>
-          <p:cNvPr id="1457103366" name=""/>
+          <p:cNvPr id="1107374248" name=""/>
           <p:cNvPicPr>
             <a:picLocks noChangeAspect="1"/>
           </p:cNvPicPr>
@@ -12238,7 +13566,7 @@
       </p:grpSpPr>
       <p:sp>
         <p:nvSpPr>
-          <p:cNvPr id="424041178" name="Title 1"/>
+          <p:cNvPr id="2145494501" name="Title 1"/>
           <p:cNvSpPr>
             <a:spLocks noGrp="1"/>
           </p:cNvSpPr>
@@ -12276,7 +13604,7 @@
       </p:sp>
       <p:sp>
         <p:nvSpPr>
-          <p:cNvPr id="1583029221" name=""/>
+          <p:cNvPr id="1478404326" name=""/>
           <p:cNvSpPr txBox="1"/>
           <p:nvPr/>
         </p:nvSpPr>
@@ -12365,7 +13693,7 @@
       </p:sp>
       <p:pic>
         <p:nvPicPr>
-          <p:cNvPr id="1262902381" name=""/>
+          <p:cNvPr id="195725243" name=""/>
           <p:cNvPicPr>
             <a:picLocks noChangeAspect="1"/>
           </p:cNvPicPr>
@@ -12387,7 +13715,7 @@
       </p:pic>
       <p:pic>
         <p:nvPicPr>
-          <p:cNvPr id="2123933246" name=""/>
+          <p:cNvPr id="44566137" name=""/>
           <p:cNvPicPr>
             <a:picLocks noChangeAspect="1"/>
           </p:cNvPicPr>
@@ -12409,7 +13737,7 @@
       </p:pic>
       <p:pic>
         <p:nvPicPr>
-          <p:cNvPr id="883784603" name=""/>
+          <p:cNvPr id="633790803" name=""/>
           <p:cNvPicPr>
             <a:picLocks noChangeAspect="1"/>
           </p:cNvPicPr>
@@ -12431,7 +13759,7 @@
       </p:pic>
       <p:sp>
         <p:nvSpPr>
-          <p:cNvPr id="735397937" name=""/>
+          <p:cNvPr id="1628115561" name=""/>
           <p:cNvSpPr txBox="1"/>
           <p:nvPr/>
         </p:nvSpPr>
@@ -12598,7 +13926,7 @@
       </p:grpSpPr>
       <p:sp>
         <p:nvSpPr>
-          <p:cNvPr id="257648232" name="Title 1"/>
+          <p:cNvPr id="1479880334" name="Title 1"/>
           <p:cNvSpPr>
             <a:spLocks noGrp="1"/>
           </p:cNvSpPr>
@@ -12636,7 +13964,7 @@
       </p:sp>
       <p:sp>
         <p:nvSpPr>
-          <p:cNvPr id="839331275" name=""/>
+          <p:cNvPr id="618448338" name=""/>
           <p:cNvSpPr txBox="1"/>
           <p:nvPr/>
         </p:nvSpPr>
@@ -12725,7 +14053,7 @@
       </p:sp>
       <p:sp>
         <p:nvSpPr>
-          <p:cNvPr id="470843289" name=""/>
+          <p:cNvPr id="2108557237" name=""/>
           <p:cNvSpPr txBox="1"/>
           <p:nvPr/>
         </p:nvSpPr>
@@ -12859,7 +14187,7 @@
       </p:sp>
       <p:pic>
         <p:nvPicPr>
-          <p:cNvPr id="1303695726" name=""/>
+          <p:cNvPr id="215298057" name=""/>
           <p:cNvPicPr>
             <a:picLocks noChangeAspect="1"/>
           </p:cNvPicPr>
@@ -12881,7 +14209,7 @@
       </p:pic>
       <p:pic>
         <p:nvPicPr>
-          <p:cNvPr id="1033501657" name=""/>
+          <p:cNvPr id="1052872251" name=""/>
           <p:cNvPicPr>
             <a:picLocks noChangeAspect="1"/>
           </p:cNvPicPr>
@@ -12903,7 +14231,7 @@
       </p:pic>
       <p:pic>
         <p:nvPicPr>
-          <p:cNvPr id="886446192" name=""/>
+          <p:cNvPr id="1914778063" name=""/>
           <p:cNvPicPr>
             <a:picLocks noChangeAspect="1"/>
           </p:cNvPicPr>
@@ -12925,7 +14253,7 @@
       </p:pic>
       <p:sp>
         <p:nvSpPr>
-          <p:cNvPr id="1336414612" name=""/>
+          <p:cNvPr id="1359133214" name=""/>
           <p:cNvSpPr txBox="1"/>
           <p:nvPr/>
         </p:nvSpPr>
@@ -13036,7 +14364,7 @@
       </p:grpSpPr>
       <p:sp>
         <p:nvSpPr>
-          <p:cNvPr id="890795537" name="Title 1"/>
+          <p:cNvPr id="279882223" name="Title 1"/>
           <p:cNvSpPr>
             <a:spLocks noGrp="1"/>
           </p:cNvSpPr>
@@ -13047,7 +14375,7 @@
         <p:spPr bwMode="auto"/>
         <p:txBody>
           <a:bodyPr vertOverflow="overflow" horzOverflow="overflow" vert="horz" wrap="square" lIns="91440" tIns="45720" rIns="91440" bIns="45720" numCol="1" spcCol="0" rtlCol="0" fromWordArt="0" anchor="ctr" anchorCtr="0" forceAA="0" upright="0" compatLnSpc="0">
-            <a:normAutofit fontScale="90000" lnSpcReduction="2000"/>
+            <a:normAutofit/>
           </a:bodyPr>
           <a:lstStyle/>
           <a:p>
@@ -13070,17 +14398,11 @@
             </a:r>
             <a:endParaRPr sz="4400"/>
           </a:p>
-          <a:p>
-            <a:pPr>
-              <a:defRPr/>
-            </a:pPr>
-            <a:endParaRPr/>
-          </a:p>
-        </p:txBody>
-      </p:sp>
-      <p:sp>
-        <p:nvSpPr>
-          <p:cNvPr id="1031304624" name=""/>
+        </p:txBody>
+      </p:sp>
+      <p:sp>
+        <p:nvSpPr>
+          <p:cNvPr id="2053129340" name=""/>
           <p:cNvSpPr txBox="1"/>
           <p:nvPr/>
         </p:nvSpPr>
@@ -13169,7 +14491,7 @@
       </p:sp>
       <p:pic>
         <p:nvPicPr>
-          <p:cNvPr id="768604582" name=""/>
+          <p:cNvPr id="23957288" name=""/>
           <p:cNvPicPr>
             <a:picLocks noChangeAspect="1"/>
           </p:cNvPicPr>
@@ -13191,7 +14513,7 @@
       </p:pic>
       <p:pic>
         <p:nvPicPr>
-          <p:cNvPr id="783522496" name=""/>
+          <p:cNvPr id="1719665110" name=""/>
           <p:cNvPicPr>
             <a:picLocks noChangeAspect="1"/>
           </p:cNvPicPr>
@@ -13213,7 +14535,7 @@
       </p:pic>
       <p:sp>
         <p:nvSpPr>
-          <p:cNvPr id="158216329" name=""/>
+          <p:cNvPr id="465825918" name=""/>
           <p:cNvSpPr txBox="1"/>
           <p:nvPr/>
         </p:nvSpPr>
@@ -13332,7 +14654,7 @@
       </p:grpSpPr>
       <p:sp>
         <p:nvSpPr>
-          <p:cNvPr id="750207930" name="Title 1"/>
+          <p:cNvPr id="1521857737" name="Title 1"/>
           <p:cNvSpPr>
             <a:spLocks noGrp="1"/>
           </p:cNvSpPr>
@@ -13343,7 +14665,7 @@
         <p:spPr bwMode="auto"/>
         <p:txBody>
           <a:bodyPr vertOverflow="overflow" horzOverflow="overflow" vert="horz" wrap="square" lIns="91440" tIns="45720" rIns="91440" bIns="45720" numCol="1" spcCol="0" rtlCol="0" fromWordArt="0" anchor="ctr" anchorCtr="0" forceAA="0" upright="0" compatLnSpc="0">
-            <a:normAutofit fontScale="90000" lnSpcReduction="2000"/>
+            <a:normAutofit/>
           </a:bodyPr>
           <a:lstStyle/>
           <a:p>
@@ -13366,17 +14688,11 @@
             </a:r>
             <a:endParaRPr sz="4400"/>
           </a:p>
-          <a:p>
-            <a:pPr>
-              <a:defRPr/>
-            </a:pPr>
-            <a:endParaRPr/>
-          </a:p>
-        </p:txBody>
-      </p:sp>
-      <p:sp>
-        <p:nvSpPr>
-          <p:cNvPr id="30303708" name=""/>
+        </p:txBody>
+      </p:sp>
+      <p:sp>
+        <p:nvSpPr>
+          <p:cNvPr id="1446370263" name=""/>
           <p:cNvSpPr txBox="1"/>
           <p:nvPr/>
         </p:nvSpPr>
@@ -13469,7 +14785,7 @@
       </p:sp>
       <p:sp>
         <p:nvSpPr>
-          <p:cNvPr id="372777741" name=""/>
+          <p:cNvPr id="1514223810" name=""/>
           <p:cNvSpPr txBox="1"/>
           <p:nvPr/>
         </p:nvSpPr>
@@ -13555,7 +14871,7 @@
       </p:sp>
       <p:pic>
         <p:nvPicPr>
-          <p:cNvPr id="885714987" name=""/>
+          <p:cNvPr id="71111400" name=""/>
           <p:cNvPicPr>
             <a:picLocks noChangeAspect="1"/>
           </p:cNvPicPr>
@@ -13610,7 +14926,7 @@
       </p:grpSpPr>
       <p:sp>
         <p:nvSpPr>
-          <p:cNvPr id="375233752" name="Subtitle 2"/>
+          <p:cNvPr id="225166111" name="Subtitle 2"/>
           <p:cNvSpPr>
             <a:spLocks noGrp="1"/>
           </p:cNvSpPr>
@@ -13621,7 +14937,7 @@
         <p:spPr bwMode="auto">
           <a:xfrm>
             <a:off x="4655839" y="2708919"/>
-            <a:ext cx="6720746" cy="720079"/>
+            <a:ext cx="6720745" cy="720079"/>
           </a:xfrm>
         </p:spPr>
         <p:txBody>
@@ -13733,7 +15049,7 @@
       </p:sp>
       <p:sp>
         <p:nvSpPr>
-          <p:cNvPr id="756357616" name="Title 6"/>
+          <p:cNvPr id="613777014" name="Title 6"/>
           <p:cNvSpPr>
             <a:spLocks noGrp="1"/>
           </p:cNvSpPr>
@@ -13744,7 +15060,7 @@
         <p:spPr bwMode="auto">
           <a:xfrm flipH="0" flipV="0">
             <a:off x="4595833" y="1208942"/>
-            <a:ext cx="6720746" cy="1319957"/>
+            <a:ext cx="6720745" cy="1319957"/>
           </a:xfrm>
         </p:spPr>
         <p:txBody>
@@ -13807,7 +15123,7 @@
       </p:grpSpPr>
       <p:sp>
         <p:nvSpPr>
-          <p:cNvPr id="128721302" name="Title 1"/>
+          <p:cNvPr id="1242211041" name="Title 1"/>
           <p:cNvSpPr>
             <a:spLocks noGrp="1"/>
           </p:cNvSpPr>
@@ -13839,7 +15155,7 @@
       </p:sp>
       <p:sp>
         <p:nvSpPr>
-          <p:cNvPr id="916368959" name=""/>
+          <p:cNvPr id="218949113" name=""/>
           <p:cNvSpPr txBox="1"/>
           <p:nvPr/>
         </p:nvSpPr>
@@ -13932,7 +15248,7 @@
       </p:sp>
       <p:sp>
         <p:nvSpPr>
-          <p:cNvPr id="1861732119" name=""/>
+          <p:cNvPr id="1111892531" name=""/>
           <p:cNvSpPr txBox="1"/>
           <p:nvPr/>
         </p:nvSpPr>
@@ -14018,7 +15334,7 @@
       </p:sp>
       <p:pic>
         <p:nvPicPr>
-          <p:cNvPr id="1963663151" name=""/>
+          <p:cNvPr id="66170304" name=""/>
           <p:cNvPicPr>
             <a:picLocks noChangeAspect="1"/>
           </p:cNvPicPr>
@@ -14073,7 +15389,7 @@
       </p:grpSpPr>
       <p:sp>
         <p:nvSpPr>
-          <p:cNvPr id="1769248350" name="Title 1"/>
+          <p:cNvPr id="1430876828" name="Title 1"/>
           <p:cNvSpPr>
             <a:spLocks noGrp="1"/>
           </p:cNvSpPr>
@@ -14084,7 +15400,7 @@
         <p:spPr bwMode="auto"/>
         <p:txBody>
           <a:bodyPr vertOverflow="overflow" horzOverflow="overflow" vert="horz" wrap="square" lIns="91440" tIns="45720" rIns="91440" bIns="45720" numCol="1" spcCol="0" rtlCol="0" fromWordArt="0" anchor="ctr" anchorCtr="0" forceAA="0" upright="0" compatLnSpc="0">
-            <a:normAutofit fontScale="90000" lnSpcReduction="2000"/>
+            <a:normAutofit/>
           </a:bodyPr>
           <a:lstStyle/>
           <a:p>
@@ -14103,21 +15419,15 @@
                 <a:ea typeface="Arial"/>
                 <a:cs typeface="Arial"/>
               </a:rPr>
-              <a:t>Brisbane Branch</a:t>
+              <a:t>LACP - Brisbane Branch</a:t>
             </a:r>
             <a:endParaRPr sz="4400"/>
           </a:p>
-          <a:p>
-            <a:pPr>
-              <a:defRPr/>
-            </a:pPr>
-            <a:endParaRPr/>
-          </a:p>
-        </p:txBody>
-      </p:sp>
-      <p:sp>
-        <p:nvSpPr>
-          <p:cNvPr id="2079521710" name=""/>
+        </p:txBody>
+      </p:sp>
+      <p:sp>
+        <p:nvSpPr>
+          <p:cNvPr id="1087414093" name=""/>
           <p:cNvSpPr txBox="1"/>
           <p:nvPr/>
         </p:nvSpPr>
@@ -14196,7 +15506,7 @@
       </p:sp>
       <p:sp>
         <p:nvSpPr>
-          <p:cNvPr id="1576384725" name=""/>
+          <p:cNvPr id="635772532" name=""/>
           <p:cNvSpPr txBox="1"/>
           <p:nvPr/>
         </p:nvSpPr>
@@ -14282,7 +15592,7 @@
       </p:sp>
       <p:pic>
         <p:nvPicPr>
-          <p:cNvPr id="1400669034" name=""/>
+          <p:cNvPr id="1807395710" name=""/>
           <p:cNvPicPr>
             <a:picLocks noChangeAspect="1"/>
           </p:cNvPicPr>
@@ -14294,7 +15604,7 @@
         </p:blipFill>
         <p:spPr bwMode="auto">
           <a:xfrm rot="0" flipH="0" flipV="0">
-            <a:off x="364489" y="1999165"/>
+            <a:off x="364489" y="1999164"/>
             <a:ext cx="6300217" cy="4212980"/>
           </a:xfrm>
           <a:prstGeom prst="rect">
@@ -14337,7 +15647,7 @@
       </p:grpSpPr>
       <p:sp>
         <p:nvSpPr>
-          <p:cNvPr id="4863741" name="Title 1"/>
+          <p:cNvPr id="950217292" name="Title 1"/>
           <p:cNvSpPr>
             <a:spLocks noGrp="1"/>
           </p:cNvSpPr>
@@ -14348,7 +15658,7 @@
         <p:spPr bwMode="auto"/>
         <p:txBody>
           <a:bodyPr vertOverflow="overflow" horzOverflow="overflow" vert="horz" wrap="square" lIns="91440" tIns="45720" rIns="91440" bIns="45720" numCol="1" spcCol="0" rtlCol="0" fromWordArt="0" anchor="ctr" anchorCtr="0" forceAA="0" upright="0" compatLnSpc="0">
-            <a:normAutofit fontScale="90000" lnSpcReduction="2000"/>
+            <a:normAutofit/>
           </a:bodyPr>
           <a:lstStyle/>
           <a:p>
@@ -14371,17 +15681,11 @@
             </a:r>
             <a:endParaRPr sz="4400"/>
           </a:p>
-          <a:p>
-            <a:pPr>
-              <a:defRPr/>
-            </a:pPr>
-            <a:endParaRPr/>
-          </a:p>
-        </p:txBody>
-      </p:sp>
-      <p:sp>
-        <p:nvSpPr>
-          <p:cNvPr id="650210589" name=""/>
+        </p:txBody>
+      </p:sp>
+      <p:sp>
+        <p:nvSpPr>
+          <p:cNvPr id="482471614" name=""/>
           <p:cNvSpPr txBox="1"/>
           <p:nvPr/>
         </p:nvSpPr>
@@ -14432,7 +15736,7 @@
       </p:sp>
       <p:sp>
         <p:nvSpPr>
-          <p:cNvPr id="1494473823" name=""/>
+          <p:cNvPr id="1050709652" name=""/>
           <p:cNvSpPr txBox="1"/>
           <p:nvPr/>
         </p:nvSpPr>
@@ -14518,7 +15822,7 @@
       </p:sp>
       <p:pic>
         <p:nvPicPr>
-          <p:cNvPr id="373859219" name=""/>
+          <p:cNvPr id="1907759971" name=""/>
           <p:cNvPicPr>
             <a:picLocks noChangeAspect="1"/>
           </p:cNvPicPr>
@@ -14541,7 +15845,7 @@
       </p:pic>
       <p:pic>
         <p:nvPicPr>
-          <p:cNvPr id="1871930133" name=""/>
+          <p:cNvPr id="545648354" name=""/>
           <p:cNvPicPr>
             <a:picLocks noChangeAspect="1"/>
           </p:cNvPicPr>
@@ -14597,7 +15901,130 @@
       </p:grpSpPr>
       <p:sp>
         <p:nvSpPr>
-          <p:cNvPr id="371123378" name="Title 1"/>
+          <p:cNvPr id="246653578" name="Subtitle 2"/>
+          <p:cNvSpPr>
+            <a:spLocks noGrp="1"/>
+          </p:cNvSpPr>
+          <p:nvPr>
+            <p:ph type="subTitle" idx="1"/>
+          </p:nvPr>
+        </p:nvSpPr>
+        <p:spPr bwMode="auto">
+          <a:xfrm>
+            <a:off x="4655839" y="2708919"/>
+            <a:ext cx="6720745" cy="720079"/>
+          </a:xfrm>
+        </p:spPr>
+        <p:txBody>
+          <a:bodyPr/>
+          <a:lstStyle>
+            <a:lvl1pPr marL="0" indent="0" algn="r">
+              <a:buNone/>
+              <a:defRPr>
+                <a:solidFill>
+                  <a:schemeClr val="tx1">
+                    <a:lumMod val="50000"/>
+                    <a:lumOff val="50000"/>
+                  </a:schemeClr>
+                </a:solidFill>
+              </a:defRPr>
+            </a:lvl1pPr>
+            <a:lvl2pPr marL="457200" indent="0" algn="ctr">
+              <a:buNone/>
+              <a:defRPr>
+                <a:solidFill>
+                  <a:schemeClr val="tx1">
+                    <a:tint val="75000"/>
+                  </a:schemeClr>
+                </a:solidFill>
+              </a:defRPr>
+            </a:lvl2pPr>
+            <a:lvl3pPr marL="914400" indent="0" algn="ctr">
+              <a:buNone/>
+              <a:defRPr>
+                <a:solidFill>
+                  <a:schemeClr val="tx1">
+                    <a:tint val="75000"/>
+                  </a:schemeClr>
+                </a:solidFill>
+              </a:defRPr>
+            </a:lvl3pPr>
+            <a:lvl4pPr marL="1371600" indent="0" algn="ctr">
+              <a:buNone/>
+              <a:defRPr>
+                <a:solidFill>
+                  <a:schemeClr val="tx1">
+                    <a:tint val="75000"/>
+                  </a:schemeClr>
+                </a:solidFill>
+              </a:defRPr>
+            </a:lvl4pPr>
+            <a:lvl5pPr marL="1828800" indent="0" algn="ctr">
+              <a:buNone/>
+              <a:defRPr>
+                <a:solidFill>
+                  <a:schemeClr val="tx1">
+                    <a:tint val="75000"/>
+                  </a:schemeClr>
+                </a:solidFill>
+              </a:defRPr>
+            </a:lvl5pPr>
+            <a:lvl6pPr marL="2286000" indent="0" algn="ctr">
+              <a:buNone/>
+              <a:defRPr>
+                <a:solidFill>
+                  <a:schemeClr val="tx1">
+                    <a:tint val="75000"/>
+                  </a:schemeClr>
+                </a:solidFill>
+              </a:defRPr>
+            </a:lvl6pPr>
+            <a:lvl7pPr marL="2743200" indent="0" algn="ctr">
+              <a:buNone/>
+              <a:defRPr>
+                <a:solidFill>
+                  <a:schemeClr val="tx1">
+                    <a:tint val="75000"/>
+                  </a:schemeClr>
+                </a:solidFill>
+              </a:defRPr>
+            </a:lvl7pPr>
+            <a:lvl8pPr marL="3200400" indent="0" algn="ctr">
+              <a:buNone/>
+              <a:defRPr>
+                <a:solidFill>
+                  <a:schemeClr val="tx1">
+                    <a:tint val="75000"/>
+                  </a:schemeClr>
+                </a:solidFill>
+              </a:defRPr>
+            </a:lvl8pPr>
+            <a:lvl9pPr marL="3657600" indent="0" algn="ctr">
+              <a:buNone/>
+              <a:defRPr>
+                <a:solidFill>
+                  <a:schemeClr val="tx1">
+                    <a:tint val="75000"/>
+                  </a:schemeClr>
+                </a:solidFill>
+              </a:defRPr>
+            </a:lvl9pPr>
+          </a:lstStyle>
+          <a:p>
+            <a:pPr>
+              <a:defRPr/>
+            </a:pPr>
+            <a:r>
+              <a:rPr lang="en-AU"/>
+              <a:t>Sydney – IPv6</a:t>
+            </a:r>
+            <a:endParaRPr/>
+          </a:p>
+        </p:txBody>
+      </p:sp>
+      <p:sp>
+        <p:nvSpPr>
+          <p:cNvPr id="918671502" name="Title 6"/>
           <p:cNvSpPr>
             <a:spLocks noGrp="1"/>
           </p:cNvSpPr>
@@ -14605,36 +16032,41 @@
             <p:ph type="title"/>
           </p:nvPr>
         </p:nvSpPr>
-        <p:spPr bwMode="auto"/>
-        <p:txBody>
-          <a:bodyPr/>
-          <a:lstStyle/>
-          <a:p>
-            <a:pPr>
-              <a:defRPr/>
-            </a:pPr>
-            <a:endParaRPr/>
-          </a:p>
-        </p:txBody>
-      </p:sp>
-      <p:sp>
-        <p:nvSpPr>
-          <p:cNvPr id="622815849" name="Content Placeholder 2"/>
-          <p:cNvSpPr>
-            <a:spLocks noGrp="1"/>
-          </p:cNvSpPr>
-          <p:nvPr>
-            <p:ph idx="1"/>
-          </p:nvPr>
-        </p:nvSpPr>
-        <p:spPr bwMode="auto"/>
-        <p:txBody>
-          <a:bodyPr/>
-          <a:lstStyle/>
-          <a:p>
-            <a:pPr>
-              <a:defRPr/>
-            </a:pPr>
+        <p:spPr bwMode="auto">
+          <a:xfrm flipH="0" flipV="0">
+            <a:off x="4595833" y="1208942"/>
+            <a:ext cx="6720745" cy="1319957"/>
+          </a:xfrm>
+        </p:spPr>
+        <p:txBody>
+          <a:bodyPr vertOverflow="overflow" horzOverflow="overflow" vert="horz" wrap="square" lIns="91440" tIns="45720" rIns="91440" bIns="45720" numCol="1" spcCol="0" rtlCol="0" fromWordArt="0" anchor="ctr" anchorCtr="0" forceAA="0" upright="0" compatLnSpc="0">
+            <a:normAutofit/>
+          </a:bodyPr>
+          <a:lstStyle>
+            <a:lvl1pPr algn="r">
+              <a:defRPr/>
+            </a:lvl1pPr>
+          </a:lstStyle>
+          <a:p>
+            <a:pPr>
+              <a:defRPr/>
+            </a:pPr>
+            <a:r>
+              <a:rPr lang="en-AU">
+                <a:latin typeface="Arial"/>
+                <a:ea typeface="Arial"/>
+                <a:cs typeface="Arial"/>
+              </a:rPr>
+              <a:t>Testing HSRP</a:t>
+            </a:r>
+            <a:r>
+              <a:rPr lang="en-AU">
+                <a:latin typeface="Arial"/>
+                <a:ea typeface="Arial"/>
+                <a:cs typeface="Arial"/>
+              </a:rPr>
+              <a:t> </a:t>
+            </a:r>
             <a:endParaRPr/>
           </a:p>
         </p:txBody>
@@ -14674,7 +16106,7 @@
       </p:grpSpPr>
       <p:sp>
         <p:nvSpPr>
-          <p:cNvPr id="1164318487" name="Title 1"/>
+          <p:cNvPr id="1686807541" name="Title 1"/>
           <p:cNvSpPr>
             <a:spLocks noGrp="1"/>
           </p:cNvSpPr>
@@ -14700,7 +16132,7 @@
       </p:sp>
       <p:pic>
         <p:nvPicPr>
-          <p:cNvPr id="1467565078" name=""/>
+          <p:cNvPr id="1255007499" name=""/>
           <p:cNvPicPr>
             <a:picLocks noChangeAspect="1"/>
           </p:cNvPicPr>
@@ -14723,7 +16155,7 @@
       </p:pic>
       <p:pic>
         <p:nvPicPr>
-          <p:cNvPr id="77192910" name=""/>
+          <p:cNvPr id="479515687" name=""/>
           <p:cNvPicPr>
             <a:picLocks noChangeAspect="1"/>
           </p:cNvPicPr>
@@ -14738,6 +16170,2153 @@
           <a:xfrm flipH="0" flipV="0">
             <a:off x="1337163" y="3312470"/>
             <a:ext cx="3183127" cy="882893"/>
+          </a:xfrm>
+          <a:prstGeom prst="rect">
+            <a:avLst/>
+          </a:prstGeom>
+        </p:spPr>
+      </p:pic>
+    </p:spTree>
+  </p:cSld>
+  <p:clrMapOvr>
+    <a:masterClrMapping/>
+  </p:clrMapOvr>
+  <mc:AlternateContent xmlns:mc="http://schemas.openxmlformats.org/markup-compatibility/2006">
+    <mc:Choice xmlns:p159="http://schemas.microsoft.com/office/powerpoint/2015/09/main" xmlns:p14="http://schemas.microsoft.com/office/powerpoint/2010/main" Requires="p159">
+      <p:transition p14:dur="2000" advClick="1"/>
+    </mc:Choice>
+    <mc:Fallback>
+      <p:transition advClick="1"/>
+    </mc:Fallback>
+  </mc:AlternateContent>
+</p:sld>
+</file>
+
+<file path=ppt/slides/slide40.xml><?xml version="1.0" encoding="utf-8"?>
+<p:sld xmlns:a="http://schemas.openxmlformats.org/drawingml/2006/main" xmlns:r="http://schemas.openxmlformats.org/officeDocument/2006/relationships" xmlns:p="http://schemas.openxmlformats.org/presentationml/2006/main" xmlns:m="http://schemas.openxmlformats.org/officeDocument/2006/math" xmlns:w="http://schemas.openxmlformats.org/wordprocessingml/2006/main" xmlns:mc="http://schemas.openxmlformats.org/markup-compatibility/2006" showMasterPhAnim="0" showMasterSp="1" show="1">
+  <p:cSld name="">
+    <p:spTree>
+      <p:nvGrpSpPr>
+        <p:cNvPr id="1" name=""/>
+        <p:cNvGrpSpPr/>
+        <p:nvPr/>
+      </p:nvGrpSpPr>
+      <p:grpSpPr bwMode="auto">
+        <a:xfrm>
+          <a:off x="0" y="0"/>
+          <a:ext cx="0" cy="0"/>
+          <a:chOff x="0" y="0"/>
+          <a:chExt cx="0" cy="0"/>
+        </a:xfrm>
+      </p:grpSpPr>
+      <p:sp>
+        <p:nvSpPr>
+          <p:cNvPr id="1847812598" name="Title 1"/>
+          <p:cNvSpPr>
+            <a:spLocks noGrp="1"/>
+          </p:cNvSpPr>
+          <p:nvPr>
+            <p:ph type="title"/>
+          </p:nvPr>
+        </p:nvSpPr>
+        <p:spPr bwMode="auto"/>
+        <p:txBody>
+          <a:bodyPr vertOverflow="overflow" horzOverflow="overflow" vert="horz" wrap="square" lIns="91440" tIns="45720" rIns="91440" bIns="45720" numCol="1" spcCol="0" rtlCol="0" fromWordArt="0" anchor="ctr" anchorCtr="0" forceAA="0" upright="0" compatLnSpc="0">
+            <a:normAutofit/>
+          </a:bodyPr>
+          <a:lstStyle/>
+          <a:p>
+            <a:pPr>
+              <a:defRPr/>
+            </a:pPr>
+            <a:r>
+              <a:rPr lang="en-AU" sz="4400" b="0" i="0" u="none" strike="noStrike" cap="none" spc="0">
+                <a:solidFill>
+                  <a:schemeClr val="tx1">
+                    <a:lumMod val="65000"/>
+                    <a:lumOff val="35000"/>
+                  </a:schemeClr>
+                </a:solidFill>
+                <a:latin typeface="Arial"/>
+                <a:ea typeface="Arial"/>
+                <a:cs typeface="Arial"/>
+              </a:rPr>
+              <a:t>HSRP</a:t>
+            </a:r>
+            <a:endParaRPr sz="4400"/>
+          </a:p>
+        </p:txBody>
+      </p:sp>
+      <p:sp>
+        <p:nvSpPr>
+          <p:cNvPr id="1297266959" name=""/>
+          <p:cNvSpPr txBox="1"/>
+          <p:nvPr/>
+        </p:nvSpPr>
+        <p:spPr bwMode="auto">
+          <a:xfrm flipH="0" flipV="0">
+            <a:off x="306170" y="1863382"/>
+            <a:ext cx="11276228" cy="579479"/>
+          </a:xfrm>
+          <a:prstGeom prst="rect">
+            <a:avLst/>
+          </a:prstGeom>
+          <a:noFill/>
+        </p:spPr>
+        <p:txBody>
+          <a:bodyPr vertOverflow="overflow" horzOverflow="overflow" vert="horz" wrap="square" lIns="91440" tIns="45720" rIns="91440" bIns="45720" numCol="1" spcCol="0" rtlCol="0" fromWordArt="0" anchor="t" anchorCtr="0" forceAA="0" upright="0" compatLnSpc="0">
+            <a:spAutoFit/>
+          </a:bodyPr>
+          <a:p>
+            <a:pPr algn="l">
+              <a:defRPr/>
+            </a:pPr>
+            <a:r>
+              <a:rPr lang="en-AU" sz="3200" b="0" i="0" u="none" strike="noStrike" cap="none" spc="0">
+                <a:solidFill>
+                  <a:schemeClr val="tx1">
+                    <a:lumMod val="75000"/>
+                    <a:lumOff val="25000"/>
+                  </a:schemeClr>
+                </a:solidFill>
+                <a:latin typeface="Arial"/>
+                <a:ea typeface="Arial"/>
+                <a:cs typeface="Arial"/>
+              </a:rPr>
+              <a:t>Primary (priority 120) and secondary router (priority 100).</a:t>
+            </a:r>
+            <a:endParaRPr sz="3200" b="0">
+              <a:solidFill>
+                <a:schemeClr val="tx1">
+                  <a:lumMod val="75000"/>
+                  <a:lumOff val="25000"/>
+                </a:schemeClr>
+              </a:solidFill>
+            </a:endParaRPr>
+          </a:p>
+        </p:txBody>
+      </p:sp>
+      <p:sp>
+        <p:nvSpPr>
+          <p:cNvPr id="439921135" name=""/>
+          <p:cNvSpPr txBox="1"/>
+          <p:nvPr/>
+        </p:nvSpPr>
+        <p:spPr bwMode="auto">
+          <a:xfrm flipH="0" flipV="0">
+            <a:off x="6004379" y="2752342"/>
+            <a:ext cx="183240" cy="1353312"/>
+          </a:xfrm>
+          <a:prstGeom prst="rect">
+            <a:avLst/>
+          </a:prstGeom>
+          <a:noFill/>
+        </p:spPr>
+        <p:txBody>
+          <a:bodyPr vertOverflow="overflow" horzOverflow="overflow" vert="horz" wrap="square" lIns="91440" tIns="45720" rIns="91440" bIns="45720" numCol="1" spcCol="0" rtlCol="0" fromWordArt="0" anchor="t" anchorCtr="0" forceAA="0" upright="0" compatLnSpc="0">
+            <a:spAutoFit/>
+          </a:bodyPr>
+          <a:p>
+            <a:pPr algn="l">
+              <a:lnSpc>
+                <a:spcPct val="114999"/>
+              </a:lnSpc>
+              <a:spcAft>
+                <a:spcPts val="0"/>
+              </a:spcAft>
+              <a:defRPr/>
+            </a:pPr>
+            <a:endParaRPr lang="en-AU">
+              <a:latin typeface="Arial"/>
+              <a:ea typeface="Arial"/>
+              <a:cs typeface="Arial"/>
+            </a:endParaRPr>
+          </a:p>
+          <a:p>
+            <a:pPr algn="l">
+              <a:lnSpc>
+                <a:spcPct val="114999"/>
+              </a:lnSpc>
+              <a:spcAft>
+                <a:spcPts val="0"/>
+              </a:spcAft>
+              <a:defRPr/>
+            </a:pPr>
+            <a:endParaRPr lang="en-AU">
+              <a:latin typeface="Arial"/>
+              <a:ea typeface="Arial"/>
+              <a:cs typeface="Arial"/>
+            </a:endParaRPr>
+          </a:p>
+          <a:p>
+            <a:pPr algn="l">
+              <a:lnSpc>
+                <a:spcPct val="114999"/>
+              </a:lnSpc>
+              <a:spcAft>
+                <a:spcPts val="0"/>
+              </a:spcAft>
+              <a:defRPr/>
+            </a:pPr>
+            <a:endParaRPr lang="en-AU">
+              <a:latin typeface="Arial"/>
+              <a:ea typeface="Arial"/>
+              <a:cs typeface="Arial"/>
+            </a:endParaRPr>
+          </a:p>
+          <a:p>
+            <a:pPr algn="l">
+              <a:lnSpc>
+                <a:spcPct val="114999"/>
+              </a:lnSpc>
+              <a:spcAft>
+                <a:spcPts val="0"/>
+              </a:spcAft>
+              <a:defRPr/>
+            </a:pPr>
+            <a:endParaRPr lang="en-AU">
+              <a:latin typeface="Arial"/>
+              <a:ea typeface="Arial"/>
+              <a:cs typeface="Arial"/>
+            </a:endParaRPr>
+          </a:p>
+        </p:txBody>
+      </p:sp>
+      <p:pic>
+        <p:nvPicPr>
+          <p:cNvPr id="703182186" name=""/>
+          <p:cNvPicPr>
+            <a:picLocks noChangeAspect="1"/>
+          </p:cNvPicPr>
+          <p:nvPr/>
+        </p:nvPicPr>
+        <p:blipFill>
+          <a:blip r:embed="rId3"/>
+          <a:stretch/>
+        </p:blipFill>
+        <p:spPr bwMode="auto">
+          <a:xfrm rot="0" flipH="0" flipV="0">
+            <a:off x="306170" y="2824528"/>
+            <a:ext cx="10537579" cy="3549894"/>
+          </a:xfrm>
+          <a:prstGeom prst="rect">
+            <a:avLst/>
+          </a:prstGeom>
+        </p:spPr>
+      </p:pic>
+    </p:spTree>
+  </p:cSld>
+  <p:clrMapOvr>
+    <a:masterClrMapping/>
+  </p:clrMapOvr>
+  <mc:AlternateContent xmlns:mc="http://schemas.openxmlformats.org/markup-compatibility/2006">
+    <mc:Choice xmlns:p159="http://schemas.microsoft.com/office/powerpoint/2015/09/main" xmlns:p14="http://schemas.microsoft.com/office/powerpoint/2010/main" Requires="p159">
+      <p:transition p14:dur="2000" advClick="1"/>
+    </mc:Choice>
+    <mc:Fallback>
+      <p:transition advClick="1"/>
+    </mc:Fallback>
+  </mc:AlternateContent>
+</p:sld>
+</file>
+
+<file path=ppt/slides/slide41.xml><?xml version="1.0" encoding="utf-8"?>
+<p:sld xmlns:a="http://schemas.openxmlformats.org/drawingml/2006/main" xmlns:r="http://schemas.openxmlformats.org/officeDocument/2006/relationships" xmlns:p="http://schemas.openxmlformats.org/presentationml/2006/main" xmlns:m="http://schemas.openxmlformats.org/officeDocument/2006/math" xmlns:w="http://schemas.openxmlformats.org/wordprocessingml/2006/main" xmlns:mc="http://schemas.openxmlformats.org/markup-compatibility/2006" showMasterPhAnim="0" showMasterSp="1" show="1">
+  <p:cSld name="">
+    <p:spTree>
+      <p:nvGrpSpPr>
+        <p:cNvPr id="1" name=""/>
+        <p:cNvGrpSpPr/>
+        <p:nvPr/>
+      </p:nvGrpSpPr>
+      <p:grpSpPr bwMode="auto">
+        <a:xfrm>
+          <a:off x="0" y="0"/>
+          <a:ext cx="0" cy="0"/>
+          <a:chOff x="0" y="0"/>
+          <a:chExt cx="0" cy="0"/>
+        </a:xfrm>
+      </p:grpSpPr>
+      <p:sp>
+        <p:nvSpPr>
+          <p:cNvPr id="1760548777" name="Title 1"/>
+          <p:cNvSpPr>
+            <a:spLocks noGrp="1"/>
+          </p:cNvSpPr>
+          <p:nvPr>
+            <p:ph type="title"/>
+          </p:nvPr>
+        </p:nvSpPr>
+        <p:spPr bwMode="auto"/>
+        <p:txBody>
+          <a:bodyPr vertOverflow="overflow" horzOverflow="overflow" vert="horz" wrap="square" lIns="91440" tIns="45720" rIns="91440" bIns="45720" numCol="1" spcCol="0" rtlCol="0" fromWordArt="0" anchor="ctr" anchorCtr="0" forceAA="0" upright="0" compatLnSpc="0">
+            <a:normAutofit/>
+          </a:bodyPr>
+          <a:lstStyle/>
+          <a:p>
+            <a:pPr>
+              <a:defRPr/>
+            </a:pPr>
+            <a:r>
+              <a:rPr lang="en-AU" sz="4400" b="0" i="0" u="none" strike="noStrike" cap="none" spc="0">
+                <a:solidFill>
+                  <a:schemeClr val="tx1">
+                    <a:lumMod val="65000"/>
+                    <a:lumOff val="35000"/>
+                  </a:schemeClr>
+                </a:solidFill>
+                <a:latin typeface="Arial"/>
+                <a:ea typeface="Arial"/>
+                <a:cs typeface="Arial"/>
+              </a:rPr>
+              <a:t>HSRP</a:t>
+            </a:r>
+            <a:endParaRPr sz="4400"/>
+          </a:p>
+        </p:txBody>
+      </p:sp>
+      <p:sp>
+        <p:nvSpPr>
+          <p:cNvPr id="1374957621" name=""/>
+          <p:cNvSpPr txBox="1"/>
+          <p:nvPr/>
+        </p:nvSpPr>
+        <p:spPr bwMode="auto">
+          <a:xfrm flipH="0" flipV="0">
+            <a:off x="6779278" y="2614392"/>
+            <a:ext cx="4854601" cy="1554840"/>
+          </a:xfrm>
+          <a:prstGeom prst="rect">
+            <a:avLst/>
+          </a:prstGeom>
+          <a:noFill/>
+        </p:spPr>
+        <p:txBody>
+          <a:bodyPr vertOverflow="overflow" horzOverflow="overflow" vert="horz" wrap="square" lIns="91440" tIns="45720" rIns="91440" bIns="45720" numCol="1" spcCol="0" rtlCol="0" fromWordArt="0" anchor="t" anchorCtr="0" forceAA="0" upright="0" compatLnSpc="0">
+            <a:spAutoFit/>
+          </a:bodyPr>
+          <a:p>
+            <a:pPr algn="l">
+              <a:defRPr/>
+            </a:pPr>
+            <a:r>
+              <a:rPr lang="en-AU" sz="3200" b="0" i="0" u="none" strike="noStrike" cap="none" spc="0">
+                <a:solidFill>
+                  <a:schemeClr val="tx1">
+                    <a:lumMod val="75000"/>
+                    <a:lumOff val="25000"/>
+                  </a:schemeClr>
+                </a:solidFill>
+                <a:latin typeface="Arial"/>
+                <a:ea typeface="Arial"/>
+                <a:cs typeface="Arial"/>
+              </a:rPr>
+              <a:t>The primary router will be turned off to verify network behaviour.</a:t>
+            </a:r>
+            <a:endParaRPr sz="3200" b="0">
+              <a:solidFill>
+                <a:schemeClr val="tx1">
+                  <a:lumMod val="75000"/>
+                  <a:lumOff val="25000"/>
+                </a:schemeClr>
+              </a:solidFill>
+            </a:endParaRPr>
+          </a:p>
+        </p:txBody>
+      </p:sp>
+      <p:sp>
+        <p:nvSpPr>
+          <p:cNvPr id="1742486378" name=""/>
+          <p:cNvSpPr txBox="1"/>
+          <p:nvPr/>
+        </p:nvSpPr>
+        <p:spPr bwMode="auto">
+          <a:xfrm flipH="0" flipV="0">
+            <a:off x="6004379" y="2752343"/>
+            <a:ext cx="183240" cy="1353312"/>
+          </a:xfrm>
+          <a:prstGeom prst="rect">
+            <a:avLst/>
+          </a:prstGeom>
+          <a:noFill/>
+        </p:spPr>
+        <p:txBody>
+          <a:bodyPr vertOverflow="overflow" horzOverflow="overflow" vert="horz" wrap="square" lIns="91440" tIns="45720" rIns="91440" bIns="45720" numCol="1" spcCol="0" rtlCol="0" fromWordArt="0" anchor="t" anchorCtr="0" forceAA="0" upright="0" compatLnSpc="0">
+            <a:spAutoFit/>
+          </a:bodyPr>
+          <a:p>
+            <a:pPr algn="l">
+              <a:lnSpc>
+                <a:spcPct val="114999"/>
+              </a:lnSpc>
+              <a:spcAft>
+                <a:spcPts val="0"/>
+              </a:spcAft>
+              <a:defRPr/>
+            </a:pPr>
+            <a:endParaRPr lang="en-AU">
+              <a:latin typeface="Arial"/>
+              <a:ea typeface="Arial"/>
+              <a:cs typeface="Arial"/>
+            </a:endParaRPr>
+          </a:p>
+          <a:p>
+            <a:pPr algn="l">
+              <a:lnSpc>
+                <a:spcPct val="114999"/>
+              </a:lnSpc>
+              <a:spcAft>
+                <a:spcPts val="0"/>
+              </a:spcAft>
+              <a:defRPr/>
+            </a:pPr>
+            <a:endParaRPr lang="en-AU">
+              <a:latin typeface="Arial"/>
+              <a:ea typeface="Arial"/>
+              <a:cs typeface="Arial"/>
+            </a:endParaRPr>
+          </a:p>
+          <a:p>
+            <a:pPr algn="l">
+              <a:lnSpc>
+                <a:spcPct val="114999"/>
+              </a:lnSpc>
+              <a:spcAft>
+                <a:spcPts val="0"/>
+              </a:spcAft>
+              <a:defRPr/>
+            </a:pPr>
+            <a:endParaRPr lang="en-AU">
+              <a:latin typeface="Arial"/>
+              <a:ea typeface="Arial"/>
+              <a:cs typeface="Arial"/>
+            </a:endParaRPr>
+          </a:p>
+          <a:p>
+            <a:pPr algn="l">
+              <a:lnSpc>
+                <a:spcPct val="114999"/>
+              </a:lnSpc>
+              <a:spcAft>
+                <a:spcPts val="0"/>
+              </a:spcAft>
+              <a:defRPr/>
+            </a:pPr>
+            <a:endParaRPr lang="en-AU">
+              <a:latin typeface="Arial"/>
+              <a:ea typeface="Arial"/>
+              <a:cs typeface="Arial"/>
+            </a:endParaRPr>
+          </a:p>
+        </p:txBody>
+      </p:sp>
+      <p:pic>
+        <p:nvPicPr>
+          <p:cNvPr id="1865543484" name=""/>
+          <p:cNvPicPr>
+            <a:picLocks noChangeAspect="1"/>
+          </p:cNvPicPr>
+          <p:nvPr/>
+        </p:nvPicPr>
+        <p:blipFill>
+          <a:blip r:embed="rId3"/>
+          <a:stretch/>
+        </p:blipFill>
+        <p:spPr bwMode="auto">
+          <a:xfrm rot="0" flipH="0" flipV="0">
+            <a:off x="536330" y="2344615"/>
+            <a:ext cx="5935317" cy="3370384"/>
+          </a:xfrm>
+          <a:prstGeom prst="rect">
+            <a:avLst/>
+          </a:prstGeom>
+        </p:spPr>
+      </p:pic>
+    </p:spTree>
+  </p:cSld>
+  <p:clrMapOvr>
+    <a:masterClrMapping/>
+  </p:clrMapOvr>
+  <mc:AlternateContent xmlns:mc="http://schemas.openxmlformats.org/markup-compatibility/2006">
+    <mc:Choice xmlns:p159="http://schemas.microsoft.com/office/powerpoint/2015/09/main" xmlns:p14="http://schemas.microsoft.com/office/powerpoint/2010/main" Requires="p159">
+      <p:transition p14:dur="2000" advClick="1"/>
+    </mc:Choice>
+    <mc:Fallback>
+      <p:transition advClick="1"/>
+    </mc:Fallback>
+  </mc:AlternateContent>
+</p:sld>
+</file>
+
+<file path=ppt/slides/slide42.xml><?xml version="1.0" encoding="utf-8"?>
+<p:sld xmlns:a="http://schemas.openxmlformats.org/drawingml/2006/main" xmlns:r="http://schemas.openxmlformats.org/officeDocument/2006/relationships" xmlns:p="http://schemas.openxmlformats.org/presentationml/2006/main" xmlns:m="http://schemas.openxmlformats.org/officeDocument/2006/math" xmlns:w="http://schemas.openxmlformats.org/wordprocessingml/2006/main" xmlns:mc="http://schemas.openxmlformats.org/markup-compatibility/2006" showMasterPhAnim="0" showMasterSp="1" show="1">
+  <p:cSld name="">
+    <p:spTree>
+      <p:nvGrpSpPr>
+        <p:cNvPr id="1" name=""/>
+        <p:cNvGrpSpPr/>
+        <p:nvPr/>
+      </p:nvGrpSpPr>
+      <p:grpSpPr bwMode="auto">
+        <a:xfrm>
+          <a:off x="0" y="0"/>
+          <a:ext cx="0" cy="0"/>
+          <a:chOff x="0" y="0"/>
+          <a:chExt cx="0" cy="0"/>
+        </a:xfrm>
+      </p:grpSpPr>
+      <p:sp>
+        <p:nvSpPr>
+          <p:cNvPr id="17141537" name="Title 1"/>
+          <p:cNvSpPr>
+            <a:spLocks noGrp="1"/>
+          </p:cNvSpPr>
+          <p:nvPr>
+            <p:ph type="title"/>
+          </p:nvPr>
+        </p:nvSpPr>
+        <p:spPr bwMode="auto"/>
+        <p:txBody>
+          <a:bodyPr vertOverflow="overflow" horzOverflow="overflow" vert="horz" wrap="square" lIns="91440" tIns="45720" rIns="91440" bIns="45720" numCol="1" spcCol="0" rtlCol="0" fromWordArt="0" anchor="ctr" anchorCtr="0" forceAA="0" upright="0" compatLnSpc="0">
+            <a:normAutofit/>
+          </a:bodyPr>
+          <a:lstStyle/>
+          <a:p>
+            <a:pPr>
+              <a:defRPr/>
+            </a:pPr>
+            <a:r>
+              <a:rPr lang="en-AU" sz="4400" b="0" i="0" u="none" strike="noStrike" cap="none" spc="0">
+                <a:solidFill>
+                  <a:schemeClr val="tx1">
+                    <a:lumMod val="65000"/>
+                    <a:lumOff val="35000"/>
+                  </a:schemeClr>
+                </a:solidFill>
+                <a:latin typeface="Arial"/>
+                <a:ea typeface="Arial"/>
+                <a:cs typeface="Arial"/>
+              </a:rPr>
+              <a:t>HSRP</a:t>
+            </a:r>
+            <a:endParaRPr sz="4400"/>
+          </a:p>
+        </p:txBody>
+      </p:sp>
+      <p:sp>
+        <p:nvSpPr>
+          <p:cNvPr id="1531936072" name=""/>
+          <p:cNvSpPr txBox="1"/>
+          <p:nvPr/>
+        </p:nvSpPr>
+        <p:spPr bwMode="auto">
+          <a:xfrm flipH="0" flipV="0">
+            <a:off x="659422" y="1863382"/>
+            <a:ext cx="10983815" cy="579479"/>
+          </a:xfrm>
+          <a:prstGeom prst="rect">
+            <a:avLst/>
+          </a:prstGeom>
+          <a:noFill/>
+        </p:spPr>
+        <p:txBody>
+          <a:bodyPr vertOverflow="overflow" horzOverflow="overflow" vert="horz" wrap="square" lIns="91440" tIns="45720" rIns="91440" bIns="45720" numCol="1" spcCol="0" rtlCol="0" fromWordArt="0" anchor="t" anchorCtr="0" forceAA="0" upright="0" compatLnSpc="0">
+            <a:spAutoFit/>
+          </a:bodyPr>
+          <a:p>
+            <a:pPr algn="l">
+              <a:defRPr/>
+            </a:pPr>
+            <a:r>
+              <a:rPr lang="en-AU" sz="3200" b="0" i="0" u="none" strike="noStrike" cap="none" spc="0">
+                <a:solidFill>
+                  <a:schemeClr val="tx1">
+                    <a:lumMod val="75000"/>
+                    <a:lumOff val="25000"/>
+                  </a:schemeClr>
+                </a:solidFill>
+                <a:latin typeface="Arial"/>
+                <a:ea typeface="Arial"/>
+                <a:cs typeface="Arial"/>
+              </a:rPr>
+              <a:t>RT2 keeps LAN working...</a:t>
+            </a:r>
+            <a:endParaRPr sz="3200" b="0">
+              <a:solidFill>
+                <a:schemeClr val="tx1">
+                  <a:lumMod val="75000"/>
+                  <a:lumOff val="25000"/>
+                </a:schemeClr>
+              </a:solidFill>
+            </a:endParaRPr>
+          </a:p>
+        </p:txBody>
+      </p:sp>
+      <p:pic>
+        <p:nvPicPr>
+          <p:cNvPr id="1109149359" name=""/>
+          <p:cNvPicPr>
+            <a:picLocks noChangeAspect="1"/>
+          </p:cNvPicPr>
+          <p:nvPr/>
+        </p:nvPicPr>
+        <p:blipFill>
+          <a:blip r:embed="rId3"/>
+          <a:stretch/>
+        </p:blipFill>
+        <p:spPr bwMode="auto">
+          <a:xfrm rot="0" flipH="0" flipV="0">
+            <a:off x="609598" y="2637692"/>
+            <a:ext cx="10590447" cy="3425336"/>
+          </a:xfrm>
+          <a:prstGeom prst="rect">
+            <a:avLst/>
+          </a:prstGeom>
+        </p:spPr>
+      </p:pic>
+    </p:spTree>
+  </p:cSld>
+  <p:clrMapOvr>
+    <a:masterClrMapping/>
+  </p:clrMapOvr>
+  <mc:AlternateContent xmlns:mc="http://schemas.openxmlformats.org/markup-compatibility/2006">
+    <mc:Choice xmlns:p159="http://schemas.microsoft.com/office/powerpoint/2015/09/main" xmlns:p14="http://schemas.microsoft.com/office/powerpoint/2010/main" Requires="p159">
+      <p:transition p14:dur="2000" advClick="1"/>
+    </mc:Choice>
+    <mc:Fallback>
+      <p:transition advClick="1"/>
+    </mc:Fallback>
+  </mc:AlternateContent>
+</p:sld>
+</file>
+
+<file path=ppt/slides/slide43.xml><?xml version="1.0" encoding="utf-8"?>
+<p:sld xmlns:a="http://schemas.openxmlformats.org/drawingml/2006/main" xmlns:r="http://schemas.openxmlformats.org/officeDocument/2006/relationships" xmlns:p="http://schemas.openxmlformats.org/presentationml/2006/main" xmlns:m="http://schemas.openxmlformats.org/officeDocument/2006/math" xmlns:w="http://schemas.openxmlformats.org/wordprocessingml/2006/main" xmlns:mc="http://schemas.openxmlformats.org/markup-compatibility/2006" showMasterPhAnim="0" showMasterSp="1" show="1">
+  <p:cSld name="">
+    <p:spTree>
+      <p:nvGrpSpPr>
+        <p:cNvPr id="1" name=""/>
+        <p:cNvGrpSpPr/>
+        <p:nvPr/>
+      </p:nvGrpSpPr>
+      <p:grpSpPr bwMode="auto">
+        <a:xfrm>
+          <a:off x="0" y="0"/>
+          <a:ext cx="0" cy="0"/>
+          <a:chOff x="0" y="0"/>
+          <a:chExt cx="0" cy="0"/>
+        </a:xfrm>
+      </p:grpSpPr>
+      <p:sp>
+        <p:nvSpPr>
+          <p:cNvPr id="2122866257" name="Subtitle 2"/>
+          <p:cNvSpPr>
+            <a:spLocks noGrp="1"/>
+          </p:cNvSpPr>
+          <p:nvPr>
+            <p:ph type="subTitle" idx="1"/>
+          </p:nvPr>
+        </p:nvSpPr>
+        <p:spPr bwMode="auto">
+          <a:xfrm>
+            <a:off x="4655838" y="2708919"/>
+            <a:ext cx="6720744" cy="720078"/>
+          </a:xfrm>
+        </p:spPr>
+        <p:txBody>
+          <a:bodyPr/>
+          <a:lstStyle>
+            <a:lvl1pPr marL="0" indent="0" algn="r">
+              <a:buNone/>
+              <a:defRPr>
+                <a:solidFill>
+                  <a:schemeClr val="tx1">
+                    <a:lumMod val="50000"/>
+                    <a:lumOff val="50000"/>
+                  </a:schemeClr>
+                </a:solidFill>
+              </a:defRPr>
+            </a:lvl1pPr>
+            <a:lvl2pPr marL="457200" indent="0" algn="ctr">
+              <a:buNone/>
+              <a:defRPr>
+                <a:solidFill>
+                  <a:schemeClr val="tx1">
+                    <a:tint val="75000"/>
+                  </a:schemeClr>
+                </a:solidFill>
+              </a:defRPr>
+            </a:lvl2pPr>
+            <a:lvl3pPr marL="914400" indent="0" algn="ctr">
+              <a:buNone/>
+              <a:defRPr>
+                <a:solidFill>
+                  <a:schemeClr val="tx1">
+                    <a:tint val="75000"/>
+                  </a:schemeClr>
+                </a:solidFill>
+              </a:defRPr>
+            </a:lvl3pPr>
+            <a:lvl4pPr marL="1371600" indent="0" algn="ctr">
+              <a:buNone/>
+              <a:defRPr>
+                <a:solidFill>
+                  <a:schemeClr val="tx1">
+                    <a:tint val="75000"/>
+                  </a:schemeClr>
+                </a:solidFill>
+              </a:defRPr>
+            </a:lvl4pPr>
+            <a:lvl5pPr marL="1828800" indent="0" algn="ctr">
+              <a:buNone/>
+              <a:defRPr>
+                <a:solidFill>
+                  <a:schemeClr val="tx1">
+                    <a:tint val="75000"/>
+                  </a:schemeClr>
+                </a:solidFill>
+              </a:defRPr>
+            </a:lvl5pPr>
+            <a:lvl6pPr marL="2286000" indent="0" algn="ctr">
+              <a:buNone/>
+              <a:defRPr>
+                <a:solidFill>
+                  <a:schemeClr val="tx1">
+                    <a:tint val="75000"/>
+                  </a:schemeClr>
+                </a:solidFill>
+              </a:defRPr>
+            </a:lvl6pPr>
+            <a:lvl7pPr marL="2743200" indent="0" algn="ctr">
+              <a:buNone/>
+              <a:defRPr>
+                <a:solidFill>
+                  <a:schemeClr val="tx1">
+                    <a:tint val="75000"/>
+                  </a:schemeClr>
+                </a:solidFill>
+              </a:defRPr>
+            </a:lvl7pPr>
+            <a:lvl8pPr marL="3200400" indent="0" algn="ctr">
+              <a:buNone/>
+              <a:defRPr>
+                <a:solidFill>
+                  <a:schemeClr val="tx1">
+                    <a:tint val="75000"/>
+                  </a:schemeClr>
+                </a:solidFill>
+              </a:defRPr>
+            </a:lvl8pPr>
+            <a:lvl9pPr marL="3657600" indent="0" algn="ctr">
+              <a:buNone/>
+              <a:defRPr>
+                <a:solidFill>
+                  <a:schemeClr val="tx1">
+                    <a:tint val="75000"/>
+                  </a:schemeClr>
+                </a:solidFill>
+              </a:defRPr>
+            </a:lvl9pPr>
+          </a:lstStyle>
+          <a:p>
+            <a:pPr>
+              <a:defRPr/>
+            </a:pPr>
+            <a:r>
+              <a:rPr lang="en-AU"/>
+              <a:t>WAN</a:t>
+            </a:r>
+            <a:endParaRPr/>
+          </a:p>
+        </p:txBody>
+      </p:sp>
+      <p:sp>
+        <p:nvSpPr>
+          <p:cNvPr id="671936444" name="Title 6"/>
+          <p:cNvSpPr>
+            <a:spLocks noGrp="1"/>
+          </p:cNvSpPr>
+          <p:nvPr>
+            <p:ph type="title"/>
+          </p:nvPr>
+        </p:nvSpPr>
+        <p:spPr bwMode="auto">
+          <a:xfrm flipH="0" flipV="0">
+            <a:off x="4595833" y="1208941"/>
+            <a:ext cx="6720744" cy="1319956"/>
+          </a:xfrm>
+        </p:spPr>
+        <p:txBody>
+          <a:bodyPr vertOverflow="overflow" horzOverflow="overflow" vert="horz" wrap="square" lIns="91440" tIns="45720" rIns="91440" bIns="45720" numCol="1" spcCol="0" rtlCol="0" fromWordArt="0" anchor="ctr" anchorCtr="0" forceAA="0" upright="0" compatLnSpc="0">
+            <a:normAutofit/>
+          </a:bodyPr>
+          <a:lstStyle>
+            <a:lvl1pPr algn="r">
+              <a:defRPr/>
+            </a:lvl1pPr>
+          </a:lstStyle>
+          <a:p>
+            <a:pPr>
+              <a:defRPr/>
+            </a:pPr>
+            <a:r>
+              <a:rPr lang="en-AU">
+                <a:latin typeface="Arial"/>
+                <a:ea typeface="Arial"/>
+                <a:cs typeface="Arial"/>
+              </a:rPr>
+              <a:t>Testing </a:t>
+            </a:r>
+            <a:r>
+              <a:rPr lang="en-AU" sz="4400" b="0" i="0" u="none" strike="noStrike" cap="none" spc="0">
+                <a:solidFill>
+                  <a:schemeClr val="tx1">
+                    <a:lumMod val="65000"/>
+                    <a:lumOff val="35000"/>
+                  </a:schemeClr>
+                </a:solidFill>
+                <a:latin typeface="Arial"/>
+                <a:ea typeface="Arial"/>
+                <a:cs typeface="Arial"/>
+              </a:rPr>
+              <a:t>OSPF</a:t>
+            </a:r>
+            <a:endParaRPr/>
+          </a:p>
+        </p:txBody>
+      </p:sp>
+    </p:spTree>
+  </p:cSld>
+  <p:clrMapOvr>
+    <a:masterClrMapping/>
+  </p:clrMapOvr>
+  <mc:AlternateContent xmlns:mc="http://schemas.openxmlformats.org/markup-compatibility/2006">
+    <mc:Choice xmlns:p159="http://schemas.microsoft.com/office/powerpoint/2015/09/main" xmlns:p14="http://schemas.microsoft.com/office/powerpoint/2010/main" Requires="p159">
+      <p:transition p14:dur="2000" advClick="1"/>
+    </mc:Choice>
+    <mc:Fallback>
+      <p:transition advClick="1"/>
+    </mc:Fallback>
+  </mc:AlternateContent>
+</p:sld>
+</file>
+
+<file path=ppt/slides/slide44.xml><?xml version="1.0" encoding="utf-8"?>
+<p:sld xmlns:a="http://schemas.openxmlformats.org/drawingml/2006/main" xmlns:r="http://schemas.openxmlformats.org/officeDocument/2006/relationships" xmlns:p="http://schemas.openxmlformats.org/presentationml/2006/main" xmlns:m="http://schemas.openxmlformats.org/officeDocument/2006/math" xmlns:w="http://schemas.openxmlformats.org/wordprocessingml/2006/main" xmlns:mc="http://schemas.openxmlformats.org/markup-compatibility/2006" showMasterPhAnim="0" showMasterSp="1" show="1">
+  <p:cSld name="">
+    <p:spTree>
+      <p:nvGrpSpPr>
+        <p:cNvPr id="1" name=""/>
+        <p:cNvGrpSpPr/>
+        <p:nvPr/>
+      </p:nvGrpSpPr>
+      <p:grpSpPr bwMode="auto">
+        <a:xfrm>
+          <a:off x="0" y="0"/>
+          <a:ext cx="0" cy="0"/>
+          <a:chOff x="0" y="0"/>
+          <a:chExt cx="0" cy="0"/>
+        </a:xfrm>
+      </p:grpSpPr>
+      <p:sp>
+        <p:nvSpPr>
+          <p:cNvPr id="443544644" name="Title 1"/>
+          <p:cNvSpPr>
+            <a:spLocks noGrp="1"/>
+          </p:cNvSpPr>
+          <p:nvPr>
+            <p:ph type="title"/>
+          </p:nvPr>
+        </p:nvSpPr>
+        <p:spPr bwMode="auto"/>
+        <p:txBody>
+          <a:bodyPr vertOverflow="overflow" horzOverflow="overflow" vert="horz" wrap="square" lIns="91440" tIns="45720" rIns="91440" bIns="45720" numCol="1" spcCol="0" rtlCol="0" fromWordArt="0" anchor="ctr" anchorCtr="0" forceAA="0" upright="0" compatLnSpc="0">
+            <a:normAutofit/>
+          </a:bodyPr>
+          <a:lstStyle/>
+          <a:p>
+            <a:pPr>
+              <a:defRPr/>
+            </a:pPr>
+            <a:r>
+              <a:rPr lang="en-AU" sz="4400" b="0" i="0" u="none" strike="noStrike" cap="none" spc="0">
+                <a:solidFill>
+                  <a:schemeClr val="tx1">
+                    <a:lumMod val="65000"/>
+                    <a:lumOff val="35000"/>
+                  </a:schemeClr>
+                </a:solidFill>
+                <a:latin typeface="Arial"/>
+                <a:ea typeface="Arial"/>
+                <a:cs typeface="Arial"/>
+              </a:rPr>
+              <a:t>HSRP</a:t>
+            </a:r>
+            <a:endParaRPr sz="4400"/>
+          </a:p>
+        </p:txBody>
+      </p:sp>
+      <p:sp>
+        <p:nvSpPr>
+          <p:cNvPr id="608024630" name=""/>
+          <p:cNvSpPr txBox="1"/>
+          <p:nvPr/>
+        </p:nvSpPr>
+        <p:spPr bwMode="auto">
+          <a:xfrm flipH="0" flipV="0">
+            <a:off x="306169" y="1863381"/>
+            <a:ext cx="11277308" cy="579479"/>
+          </a:xfrm>
+          <a:prstGeom prst="rect">
+            <a:avLst/>
+          </a:prstGeom>
+          <a:noFill/>
+        </p:spPr>
+        <p:txBody>
+          <a:bodyPr vertOverflow="overflow" horzOverflow="overflow" vert="horz" wrap="square" lIns="91440" tIns="45720" rIns="91440" bIns="45720" numCol="1" spcCol="0" rtlCol="0" fromWordArt="0" anchor="t" anchorCtr="0" forceAA="0" upright="0" compatLnSpc="0">
+            <a:spAutoFit/>
+          </a:bodyPr>
+          <a:p>
+            <a:pPr algn="l">
+              <a:defRPr/>
+            </a:pPr>
+            <a:r>
+              <a:rPr lang="en-AU" sz="3200" b="0" i="0" u="none" strike="noStrike" cap="none" spc="0">
+                <a:solidFill>
+                  <a:schemeClr val="tx1">
+                    <a:lumMod val="75000"/>
+                    <a:lumOff val="25000"/>
+                  </a:schemeClr>
+                </a:solidFill>
+                <a:latin typeface="Arial"/>
+                <a:ea typeface="Arial"/>
+                <a:cs typeface="Arial"/>
+              </a:rPr>
+              <a:t>Routes between devices are proved by OSPF</a:t>
+            </a:r>
+            <a:endParaRPr sz="3200" b="0">
+              <a:solidFill>
+                <a:schemeClr val="tx1">
+                  <a:lumMod val="75000"/>
+                  <a:lumOff val="25000"/>
+                </a:schemeClr>
+              </a:solidFill>
+            </a:endParaRPr>
+          </a:p>
+        </p:txBody>
+      </p:sp>
+      <p:sp>
+        <p:nvSpPr>
+          <p:cNvPr id="1235744095" name=""/>
+          <p:cNvSpPr txBox="1"/>
+          <p:nvPr/>
+        </p:nvSpPr>
+        <p:spPr bwMode="auto">
+          <a:xfrm flipH="0" flipV="0">
+            <a:off x="6004378" y="2752341"/>
+            <a:ext cx="183240" cy="1353312"/>
+          </a:xfrm>
+          <a:prstGeom prst="rect">
+            <a:avLst/>
+          </a:prstGeom>
+          <a:noFill/>
+        </p:spPr>
+        <p:txBody>
+          <a:bodyPr vertOverflow="overflow" horzOverflow="overflow" vert="horz" wrap="square" lIns="91440" tIns="45720" rIns="91440" bIns="45720" numCol="1" spcCol="0" rtlCol="0" fromWordArt="0" anchor="t" anchorCtr="0" forceAA="0" upright="0" compatLnSpc="0">
+            <a:spAutoFit/>
+          </a:bodyPr>
+          <a:p>
+            <a:pPr algn="l">
+              <a:lnSpc>
+                <a:spcPct val="114999"/>
+              </a:lnSpc>
+              <a:spcAft>
+                <a:spcPts val="0"/>
+              </a:spcAft>
+              <a:defRPr/>
+            </a:pPr>
+            <a:endParaRPr lang="en-AU">
+              <a:latin typeface="Arial"/>
+              <a:ea typeface="Arial"/>
+              <a:cs typeface="Arial"/>
+            </a:endParaRPr>
+          </a:p>
+          <a:p>
+            <a:pPr algn="l">
+              <a:lnSpc>
+                <a:spcPct val="114999"/>
+              </a:lnSpc>
+              <a:spcAft>
+                <a:spcPts val="0"/>
+              </a:spcAft>
+              <a:defRPr/>
+            </a:pPr>
+            <a:endParaRPr lang="en-AU">
+              <a:latin typeface="Arial"/>
+              <a:ea typeface="Arial"/>
+              <a:cs typeface="Arial"/>
+            </a:endParaRPr>
+          </a:p>
+          <a:p>
+            <a:pPr algn="l">
+              <a:lnSpc>
+                <a:spcPct val="114999"/>
+              </a:lnSpc>
+              <a:spcAft>
+                <a:spcPts val="0"/>
+              </a:spcAft>
+              <a:defRPr/>
+            </a:pPr>
+            <a:endParaRPr lang="en-AU">
+              <a:latin typeface="Arial"/>
+              <a:ea typeface="Arial"/>
+              <a:cs typeface="Arial"/>
+            </a:endParaRPr>
+          </a:p>
+          <a:p>
+            <a:pPr algn="l">
+              <a:lnSpc>
+                <a:spcPct val="114999"/>
+              </a:lnSpc>
+              <a:spcAft>
+                <a:spcPts val="0"/>
+              </a:spcAft>
+              <a:defRPr/>
+            </a:pPr>
+            <a:endParaRPr lang="en-AU">
+              <a:latin typeface="Arial"/>
+              <a:ea typeface="Arial"/>
+              <a:cs typeface="Arial"/>
+            </a:endParaRPr>
+          </a:p>
+        </p:txBody>
+      </p:sp>
+      <p:pic>
+        <p:nvPicPr>
+          <p:cNvPr id="1195423646" name=""/>
+          <p:cNvPicPr>
+            <a:picLocks noChangeAspect="1"/>
+          </p:cNvPicPr>
+          <p:nvPr/>
+        </p:nvPicPr>
+        <p:blipFill>
+          <a:blip r:embed="rId3"/>
+          <a:stretch/>
+        </p:blipFill>
+        <p:spPr bwMode="auto">
+          <a:xfrm rot="0" flipH="0" flipV="0">
+            <a:off x="306169" y="2692644"/>
+            <a:ext cx="9714570" cy="3425336"/>
+          </a:xfrm>
+          <a:prstGeom prst="rect">
+            <a:avLst/>
+          </a:prstGeom>
+        </p:spPr>
+      </p:pic>
+    </p:spTree>
+  </p:cSld>
+  <p:clrMapOvr>
+    <a:masterClrMapping/>
+  </p:clrMapOvr>
+  <mc:AlternateContent xmlns:mc="http://schemas.openxmlformats.org/markup-compatibility/2006">
+    <mc:Choice xmlns:p159="http://schemas.microsoft.com/office/powerpoint/2015/09/main" xmlns:p14="http://schemas.microsoft.com/office/powerpoint/2010/main" Requires="p159">
+      <p:transition p14:dur="2000" advClick="1"/>
+    </mc:Choice>
+    <mc:Fallback>
+      <p:transition advClick="1"/>
+    </mc:Fallback>
+  </mc:AlternateContent>
+</p:sld>
+</file>
+
+<file path=ppt/slides/slide45.xml><?xml version="1.0" encoding="utf-8"?>
+<p:sld xmlns:a="http://schemas.openxmlformats.org/drawingml/2006/main" xmlns:r="http://schemas.openxmlformats.org/officeDocument/2006/relationships" xmlns:p="http://schemas.openxmlformats.org/presentationml/2006/main" xmlns:m="http://schemas.openxmlformats.org/officeDocument/2006/math" xmlns:w="http://schemas.openxmlformats.org/wordprocessingml/2006/main" xmlns:mc="http://schemas.openxmlformats.org/markup-compatibility/2006" showMasterPhAnim="0" showMasterSp="1" show="1">
+  <p:cSld name="">
+    <p:spTree>
+      <p:nvGrpSpPr>
+        <p:cNvPr id="1" name=""/>
+        <p:cNvGrpSpPr/>
+        <p:nvPr/>
+      </p:nvGrpSpPr>
+      <p:grpSpPr bwMode="auto">
+        <a:xfrm>
+          <a:off x="0" y="0"/>
+          <a:ext cx="0" cy="0"/>
+          <a:chOff x="0" y="0"/>
+          <a:chExt cx="0" cy="0"/>
+        </a:xfrm>
+      </p:grpSpPr>
+      <p:sp>
+        <p:nvSpPr>
+          <p:cNvPr id="1370539077" name="Title 1"/>
+          <p:cNvSpPr>
+            <a:spLocks noGrp="1"/>
+          </p:cNvSpPr>
+          <p:nvPr>
+            <p:ph type="title"/>
+          </p:nvPr>
+        </p:nvSpPr>
+        <p:spPr bwMode="auto"/>
+        <p:txBody>
+          <a:bodyPr vertOverflow="overflow" horzOverflow="overflow" vert="horz" wrap="square" lIns="91440" tIns="45720" rIns="91440" bIns="45720" numCol="1" spcCol="0" rtlCol="0" fromWordArt="0" anchor="ctr" anchorCtr="0" forceAA="0" upright="0" compatLnSpc="0">
+            <a:normAutofit/>
+          </a:bodyPr>
+          <a:lstStyle/>
+          <a:p>
+            <a:pPr>
+              <a:defRPr/>
+            </a:pPr>
+            <a:r>
+              <a:rPr lang="en-AU" sz="4400" b="0" i="0" u="none" strike="noStrike" cap="none" spc="0">
+                <a:solidFill>
+                  <a:schemeClr val="tx1">
+                    <a:lumMod val="65000"/>
+                    <a:lumOff val="35000"/>
+                  </a:schemeClr>
+                </a:solidFill>
+                <a:latin typeface="Arial"/>
+                <a:ea typeface="Arial"/>
+                <a:cs typeface="Arial"/>
+              </a:rPr>
+              <a:t>HSRP</a:t>
+            </a:r>
+            <a:endParaRPr sz="4400"/>
+          </a:p>
+        </p:txBody>
+      </p:sp>
+      <p:sp>
+        <p:nvSpPr>
+          <p:cNvPr id="1079914418" name=""/>
+          <p:cNvSpPr txBox="1"/>
+          <p:nvPr/>
+        </p:nvSpPr>
+        <p:spPr bwMode="auto">
+          <a:xfrm flipH="0" flipV="0">
+            <a:off x="306169" y="1863381"/>
+            <a:ext cx="11278028" cy="579479"/>
+          </a:xfrm>
+          <a:prstGeom prst="rect">
+            <a:avLst/>
+          </a:prstGeom>
+          <a:noFill/>
+        </p:spPr>
+        <p:txBody>
+          <a:bodyPr vertOverflow="overflow" horzOverflow="overflow" vert="horz" wrap="square" lIns="91440" tIns="45720" rIns="91440" bIns="45720" numCol="1" spcCol="0" rtlCol="0" fromWordArt="0" anchor="t" anchorCtr="0" forceAA="0" upright="0" compatLnSpc="0">
+            <a:spAutoFit/>
+          </a:bodyPr>
+          <a:p>
+            <a:pPr algn="l">
+              <a:defRPr/>
+            </a:pPr>
+            <a:r>
+              <a:rPr lang="en-AU" sz="3200" b="0" i="0" u="none" strike="noStrike" cap="none" spc="0">
+                <a:solidFill>
+                  <a:schemeClr val="tx1">
+                    <a:lumMod val="75000"/>
+                    <a:lumOff val="25000"/>
+                  </a:schemeClr>
+                </a:solidFill>
+                <a:latin typeface="Arial"/>
+                <a:ea typeface="Arial"/>
+                <a:cs typeface="Arial"/>
+              </a:rPr>
+              <a:t>Routes between devices are proved by OSPFv3</a:t>
+            </a:r>
+            <a:endParaRPr sz="3200" b="0">
+              <a:solidFill>
+                <a:schemeClr val="tx1">
+                  <a:lumMod val="75000"/>
+                  <a:lumOff val="25000"/>
+                </a:schemeClr>
+              </a:solidFill>
+            </a:endParaRPr>
+          </a:p>
+        </p:txBody>
+      </p:sp>
+      <p:sp>
+        <p:nvSpPr>
+          <p:cNvPr id="146507244" name=""/>
+          <p:cNvSpPr txBox="1"/>
+          <p:nvPr/>
+        </p:nvSpPr>
+        <p:spPr bwMode="auto">
+          <a:xfrm flipH="0" flipV="0">
+            <a:off x="6004378" y="2752341"/>
+            <a:ext cx="183240" cy="1353312"/>
+          </a:xfrm>
+          <a:prstGeom prst="rect">
+            <a:avLst/>
+          </a:prstGeom>
+          <a:noFill/>
+        </p:spPr>
+        <p:txBody>
+          <a:bodyPr vertOverflow="overflow" horzOverflow="overflow" vert="horz" wrap="square" lIns="91440" tIns="45720" rIns="91440" bIns="45720" numCol="1" spcCol="0" rtlCol="0" fromWordArt="0" anchor="t" anchorCtr="0" forceAA="0" upright="0" compatLnSpc="0">
+            <a:spAutoFit/>
+          </a:bodyPr>
+          <a:p>
+            <a:pPr algn="l">
+              <a:lnSpc>
+                <a:spcPct val="114999"/>
+              </a:lnSpc>
+              <a:spcAft>
+                <a:spcPts val="0"/>
+              </a:spcAft>
+              <a:defRPr/>
+            </a:pPr>
+            <a:endParaRPr lang="en-AU">
+              <a:latin typeface="Arial"/>
+              <a:ea typeface="Arial"/>
+              <a:cs typeface="Arial"/>
+            </a:endParaRPr>
+          </a:p>
+          <a:p>
+            <a:pPr algn="l">
+              <a:lnSpc>
+                <a:spcPct val="114999"/>
+              </a:lnSpc>
+              <a:spcAft>
+                <a:spcPts val="0"/>
+              </a:spcAft>
+              <a:defRPr/>
+            </a:pPr>
+            <a:endParaRPr lang="en-AU">
+              <a:latin typeface="Arial"/>
+              <a:ea typeface="Arial"/>
+              <a:cs typeface="Arial"/>
+            </a:endParaRPr>
+          </a:p>
+          <a:p>
+            <a:pPr algn="l">
+              <a:lnSpc>
+                <a:spcPct val="114999"/>
+              </a:lnSpc>
+              <a:spcAft>
+                <a:spcPts val="0"/>
+              </a:spcAft>
+              <a:defRPr/>
+            </a:pPr>
+            <a:endParaRPr lang="en-AU">
+              <a:latin typeface="Arial"/>
+              <a:ea typeface="Arial"/>
+              <a:cs typeface="Arial"/>
+            </a:endParaRPr>
+          </a:p>
+          <a:p>
+            <a:pPr algn="l">
+              <a:lnSpc>
+                <a:spcPct val="114999"/>
+              </a:lnSpc>
+              <a:spcAft>
+                <a:spcPts val="0"/>
+              </a:spcAft>
+              <a:defRPr/>
+            </a:pPr>
+            <a:endParaRPr lang="en-AU">
+              <a:latin typeface="Arial"/>
+              <a:ea typeface="Arial"/>
+              <a:cs typeface="Arial"/>
+            </a:endParaRPr>
+          </a:p>
+        </p:txBody>
+      </p:sp>
+      <p:pic>
+        <p:nvPicPr>
+          <p:cNvPr id="46453474" name=""/>
+          <p:cNvPicPr>
+            <a:picLocks noChangeAspect="1"/>
+          </p:cNvPicPr>
+          <p:nvPr/>
+        </p:nvPicPr>
+        <p:blipFill>
+          <a:blip r:embed="rId3"/>
+          <a:stretch/>
+        </p:blipFill>
+        <p:spPr bwMode="auto">
+          <a:xfrm rot="0" flipH="0" flipV="0">
+            <a:off x="306169" y="2752341"/>
+            <a:ext cx="10376455" cy="3658715"/>
+          </a:xfrm>
+          <a:prstGeom prst="rect">
+            <a:avLst/>
+          </a:prstGeom>
+        </p:spPr>
+      </p:pic>
+    </p:spTree>
+  </p:cSld>
+  <p:clrMapOvr>
+    <a:masterClrMapping/>
+  </p:clrMapOvr>
+  <mc:AlternateContent xmlns:mc="http://schemas.openxmlformats.org/markup-compatibility/2006">
+    <mc:Choice xmlns:p159="http://schemas.microsoft.com/office/powerpoint/2015/09/main" xmlns:p14="http://schemas.microsoft.com/office/powerpoint/2010/main" Requires="p159">
+      <p:transition p14:dur="2000" advClick="1"/>
+    </mc:Choice>
+    <mc:Fallback>
+      <p:transition advClick="1"/>
+    </mc:Fallback>
+  </mc:AlternateContent>
+</p:sld>
+</file>
+
+<file path=ppt/slides/slide46.xml><?xml version="1.0" encoding="utf-8"?>
+<p:sld xmlns:a="http://schemas.openxmlformats.org/drawingml/2006/main" xmlns:r="http://schemas.openxmlformats.org/officeDocument/2006/relationships" xmlns:p="http://schemas.openxmlformats.org/presentationml/2006/main" xmlns:m="http://schemas.openxmlformats.org/officeDocument/2006/math" xmlns:w="http://schemas.openxmlformats.org/wordprocessingml/2006/main" xmlns:mc="http://schemas.openxmlformats.org/markup-compatibility/2006" showMasterPhAnim="0" showMasterSp="1" show="1">
+  <p:cSld name="">
+    <p:spTree>
+      <p:nvGrpSpPr>
+        <p:cNvPr id="1" name=""/>
+        <p:cNvGrpSpPr/>
+        <p:nvPr/>
+      </p:nvGrpSpPr>
+      <p:grpSpPr bwMode="auto">
+        <a:xfrm>
+          <a:off x="0" y="0"/>
+          <a:ext cx="0" cy="0"/>
+          <a:chOff x="0" y="0"/>
+          <a:chExt cx="0" cy="0"/>
+        </a:xfrm>
+      </p:grpSpPr>
+      <p:sp>
+        <p:nvSpPr>
+          <p:cNvPr id="1492866222" name="Title 1"/>
+          <p:cNvSpPr>
+            <a:spLocks noGrp="1"/>
+          </p:cNvSpPr>
+          <p:nvPr>
+            <p:ph type="title"/>
+          </p:nvPr>
+        </p:nvSpPr>
+        <p:spPr bwMode="auto"/>
+        <p:txBody>
+          <a:bodyPr vertOverflow="overflow" horzOverflow="overflow" vert="horz" wrap="square" lIns="91440" tIns="45720" rIns="91440" bIns="45720" numCol="1" spcCol="0" rtlCol="0" fromWordArt="0" anchor="ctr" anchorCtr="0" forceAA="0" upright="0" compatLnSpc="0">
+            <a:normAutofit/>
+          </a:bodyPr>
+          <a:lstStyle/>
+          <a:p>
+            <a:pPr>
+              <a:defRPr/>
+            </a:pPr>
+            <a:r>
+              <a:rPr lang="en-AU" sz="4400" b="0" i="0" u="none" strike="noStrike" cap="none" spc="0">
+                <a:solidFill>
+                  <a:schemeClr val="tx1">
+                    <a:lumMod val="65000"/>
+                    <a:lumOff val="35000"/>
+                  </a:schemeClr>
+                </a:solidFill>
+                <a:latin typeface="Arial"/>
+                <a:ea typeface="Arial"/>
+                <a:cs typeface="Arial"/>
+              </a:rPr>
+              <a:t>HSRP</a:t>
+            </a:r>
+            <a:endParaRPr sz="4400"/>
+          </a:p>
+        </p:txBody>
+      </p:sp>
+      <p:sp>
+        <p:nvSpPr>
+          <p:cNvPr id="1440509054" name=""/>
+          <p:cNvSpPr txBox="1"/>
+          <p:nvPr/>
+        </p:nvSpPr>
+        <p:spPr bwMode="auto">
+          <a:xfrm flipH="0" flipV="0">
+            <a:off x="306169" y="1863381"/>
+            <a:ext cx="11283788" cy="1067159"/>
+          </a:xfrm>
+          <a:prstGeom prst="rect">
+            <a:avLst/>
+          </a:prstGeom>
+          <a:noFill/>
+        </p:spPr>
+        <p:txBody>
+          <a:bodyPr vertOverflow="overflow" horzOverflow="overflow" vert="horz" wrap="square" lIns="91440" tIns="45720" rIns="91440" bIns="45720" numCol="1" spcCol="0" rtlCol="0" fromWordArt="0" anchor="t" anchorCtr="0" forceAA="0" upright="0" compatLnSpc="0">
+            <a:spAutoFit/>
+          </a:bodyPr>
+          <a:p>
+            <a:pPr algn="l">
+              <a:defRPr/>
+            </a:pPr>
+            <a:r>
+              <a:rPr lang="en-AU" sz="3200" b="0" i="0" u="none" strike="noStrike" cap="none" spc="0">
+                <a:solidFill>
+                  <a:schemeClr val="tx1">
+                    <a:lumMod val="75000"/>
+                    <a:lumOff val="25000"/>
+                  </a:schemeClr>
+                </a:solidFill>
+                <a:latin typeface="Arial"/>
+                <a:ea typeface="Arial"/>
+                <a:cs typeface="Arial"/>
+              </a:rPr>
+              <a:t>Bidirectional trace route between Sydney Branch and Brisbane Branch over IPv4</a:t>
+            </a:r>
+            <a:endParaRPr sz="3200" b="0">
+              <a:solidFill>
+                <a:schemeClr val="tx1">
+                  <a:lumMod val="75000"/>
+                  <a:lumOff val="25000"/>
+                </a:schemeClr>
+              </a:solidFill>
+            </a:endParaRPr>
+          </a:p>
+        </p:txBody>
+      </p:sp>
+      <p:sp>
+        <p:nvSpPr>
+          <p:cNvPr id="154935082" name=""/>
+          <p:cNvSpPr txBox="1"/>
+          <p:nvPr/>
+        </p:nvSpPr>
+        <p:spPr bwMode="auto">
+          <a:xfrm flipH="0" flipV="0">
+            <a:off x="6004378" y="2752341"/>
+            <a:ext cx="183240" cy="1353312"/>
+          </a:xfrm>
+          <a:prstGeom prst="rect">
+            <a:avLst/>
+          </a:prstGeom>
+          <a:noFill/>
+        </p:spPr>
+        <p:txBody>
+          <a:bodyPr vertOverflow="overflow" horzOverflow="overflow" vert="horz" wrap="square" lIns="91440" tIns="45720" rIns="91440" bIns="45720" numCol="1" spcCol="0" rtlCol="0" fromWordArt="0" anchor="t" anchorCtr="0" forceAA="0" upright="0" compatLnSpc="0">
+            <a:spAutoFit/>
+          </a:bodyPr>
+          <a:p>
+            <a:pPr algn="l">
+              <a:lnSpc>
+                <a:spcPct val="114999"/>
+              </a:lnSpc>
+              <a:spcAft>
+                <a:spcPts val="0"/>
+              </a:spcAft>
+              <a:defRPr/>
+            </a:pPr>
+            <a:endParaRPr lang="en-AU">
+              <a:latin typeface="Arial"/>
+              <a:ea typeface="Arial"/>
+              <a:cs typeface="Arial"/>
+            </a:endParaRPr>
+          </a:p>
+          <a:p>
+            <a:pPr algn="l">
+              <a:lnSpc>
+                <a:spcPct val="114999"/>
+              </a:lnSpc>
+              <a:spcAft>
+                <a:spcPts val="0"/>
+              </a:spcAft>
+              <a:defRPr/>
+            </a:pPr>
+            <a:endParaRPr lang="en-AU">
+              <a:latin typeface="Arial"/>
+              <a:ea typeface="Arial"/>
+              <a:cs typeface="Arial"/>
+            </a:endParaRPr>
+          </a:p>
+          <a:p>
+            <a:pPr algn="l">
+              <a:lnSpc>
+                <a:spcPct val="114999"/>
+              </a:lnSpc>
+              <a:spcAft>
+                <a:spcPts val="0"/>
+              </a:spcAft>
+              <a:defRPr/>
+            </a:pPr>
+            <a:endParaRPr lang="en-AU">
+              <a:latin typeface="Arial"/>
+              <a:ea typeface="Arial"/>
+              <a:cs typeface="Arial"/>
+            </a:endParaRPr>
+          </a:p>
+          <a:p>
+            <a:pPr algn="l">
+              <a:lnSpc>
+                <a:spcPct val="114999"/>
+              </a:lnSpc>
+              <a:spcAft>
+                <a:spcPts val="0"/>
+              </a:spcAft>
+              <a:defRPr/>
+            </a:pPr>
+            <a:endParaRPr lang="en-AU">
+              <a:latin typeface="Arial"/>
+              <a:ea typeface="Arial"/>
+              <a:cs typeface="Arial"/>
+            </a:endParaRPr>
+          </a:p>
+        </p:txBody>
+      </p:sp>
+      <p:pic>
+        <p:nvPicPr>
+          <p:cNvPr id="167426608" name=""/>
+          <p:cNvPicPr>
+            <a:picLocks noChangeAspect="1"/>
+          </p:cNvPicPr>
+          <p:nvPr/>
+        </p:nvPicPr>
+        <p:blipFill>
+          <a:blip r:embed="rId3"/>
+          <a:stretch/>
+        </p:blipFill>
+        <p:spPr bwMode="auto">
+          <a:xfrm rot="0" flipH="0" flipV="0">
+            <a:off x="306169" y="3132259"/>
+            <a:ext cx="10942531" cy="2760483"/>
+          </a:xfrm>
+          <a:prstGeom prst="rect">
+            <a:avLst/>
+          </a:prstGeom>
+        </p:spPr>
+      </p:pic>
+    </p:spTree>
+  </p:cSld>
+  <p:clrMapOvr>
+    <a:masterClrMapping/>
+  </p:clrMapOvr>
+  <mc:AlternateContent xmlns:mc="http://schemas.openxmlformats.org/markup-compatibility/2006">
+    <mc:Choice xmlns:p159="http://schemas.microsoft.com/office/powerpoint/2015/09/main" xmlns:p14="http://schemas.microsoft.com/office/powerpoint/2010/main" Requires="p159">
+      <p:transition p14:dur="2000" advClick="1"/>
+    </mc:Choice>
+    <mc:Fallback>
+      <p:transition advClick="1"/>
+    </mc:Fallback>
+  </mc:AlternateContent>
+</p:sld>
+</file>
+
+<file path=ppt/slides/slide47.xml><?xml version="1.0" encoding="utf-8"?>
+<p:sld xmlns:a="http://schemas.openxmlformats.org/drawingml/2006/main" xmlns:r="http://schemas.openxmlformats.org/officeDocument/2006/relationships" xmlns:p="http://schemas.openxmlformats.org/presentationml/2006/main" xmlns:m="http://schemas.openxmlformats.org/officeDocument/2006/math" xmlns:w="http://schemas.openxmlformats.org/wordprocessingml/2006/main" xmlns:mc="http://schemas.openxmlformats.org/markup-compatibility/2006" showMasterPhAnim="0" showMasterSp="1" show="1">
+  <p:cSld name="">
+    <p:spTree>
+      <p:nvGrpSpPr>
+        <p:cNvPr id="1" name=""/>
+        <p:cNvGrpSpPr/>
+        <p:nvPr/>
+      </p:nvGrpSpPr>
+      <p:grpSpPr bwMode="auto">
+        <a:xfrm>
+          <a:off x="0" y="0"/>
+          <a:ext cx="0" cy="0"/>
+          <a:chOff x="0" y="0"/>
+          <a:chExt cx="0" cy="0"/>
+        </a:xfrm>
+      </p:grpSpPr>
+      <p:sp>
+        <p:nvSpPr>
+          <p:cNvPr id="641063674" name="Title 1"/>
+          <p:cNvSpPr>
+            <a:spLocks noGrp="1"/>
+          </p:cNvSpPr>
+          <p:nvPr>
+            <p:ph type="title"/>
+          </p:nvPr>
+        </p:nvSpPr>
+        <p:spPr bwMode="auto"/>
+        <p:txBody>
+          <a:bodyPr vertOverflow="overflow" horzOverflow="overflow" vert="horz" wrap="square" lIns="91440" tIns="45720" rIns="91440" bIns="45720" numCol="1" spcCol="0" rtlCol="0" fromWordArt="0" anchor="ctr" anchorCtr="0" forceAA="0" upright="0" compatLnSpc="0">
+            <a:normAutofit/>
+          </a:bodyPr>
+          <a:lstStyle/>
+          <a:p>
+            <a:pPr>
+              <a:defRPr/>
+            </a:pPr>
+            <a:r>
+              <a:rPr lang="en-AU" sz="4400" b="0" i="0" u="none" strike="noStrike" cap="none" spc="0">
+                <a:solidFill>
+                  <a:schemeClr val="tx1">
+                    <a:lumMod val="65000"/>
+                    <a:lumOff val="35000"/>
+                  </a:schemeClr>
+                </a:solidFill>
+                <a:latin typeface="Arial"/>
+                <a:ea typeface="Arial"/>
+                <a:cs typeface="Arial"/>
+              </a:rPr>
+              <a:t>HSRP</a:t>
+            </a:r>
+            <a:endParaRPr sz="4400"/>
+          </a:p>
+        </p:txBody>
+      </p:sp>
+      <p:sp>
+        <p:nvSpPr>
+          <p:cNvPr id="69005006" name=""/>
+          <p:cNvSpPr txBox="1"/>
+          <p:nvPr/>
+        </p:nvSpPr>
+        <p:spPr bwMode="auto">
+          <a:xfrm flipH="0" flipV="0">
+            <a:off x="306169" y="1863381"/>
+            <a:ext cx="11284508" cy="1067159"/>
+          </a:xfrm>
+          <a:prstGeom prst="rect">
+            <a:avLst/>
+          </a:prstGeom>
+          <a:noFill/>
+        </p:spPr>
+        <p:txBody>
+          <a:bodyPr vertOverflow="overflow" horzOverflow="overflow" vert="horz" wrap="square" lIns="91440" tIns="45720" rIns="91440" bIns="45720" numCol="1" spcCol="0" rtlCol="0" fromWordArt="0" anchor="t" anchorCtr="0" forceAA="0" upright="0" compatLnSpc="0">
+            <a:spAutoFit/>
+          </a:bodyPr>
+          <a:p>
+            <a:pPr algn="l">
+              <a:defRPr/>
+            </a:pPr>
+            <a:r>
+              <a:rPr lang="en-AU" sz="3200" b="0" i="0" u="none" strike="noStrike" cap="none" spc="0">
+                <a:solidFill>
+                  <a:schemeClr val="tx1">
+                    <a:lumMod val="75000"/>
+                    <a:lumOff val="25000"/>
+                  </a:schemeClr>
+                </a:solidFill>
+                <a:latin typeface="Arial"/>
+                <a:ea typeface="Arial"/>
+                <a:cs typeface="Arial"/>
+              </a:rPr>
+              <a:t>Bidirectional trace route between Sydney Branch and Brisbane Branch over IPv6</a:t>
+            </a:r>
+            <a:endParaRPr sz="3200" b="0">
+              <a:solidFill>
+                <a:schemeClr val="tx1">
+                  <a:lumMod val="75000"/>
+                  <a:lumOff val="25000"/>
+                </a:schemeClr>
+              </a:solidFill>
+            </a:endParaRPr>
+          </a:p>
+        </p:txBody>
+      </p:sp>
+      <p:sp>
+        <p:nvSpPr>
+          <p:cNvPr id="467608127" name=""/>
+          <p:cNvSpPr txBox="1"/>
+          <p:nvPr/>
+        </p:nvSpPr>
+        <p:spPr bwMode="auto">
+          <a:xfrm flipH="0" flipV="0">
+            <a:off x="6004378" y="2752341"/>
+            <a:ext cx="183240" cy="1353312"/>
+          </a:xfrm>
+          <a:prstGeom prst="rect">
+            <a:avLst/>
+          </a:prstGeom>
+          <a:noFill/>
+        </p:spPr>
+        <p:txBody>
+          <a:bodyPr vertOverflow="overflow" horzOverflow="overflow" vert="horz" wrap="square" lIns="91440" tIns="45720" rIns="91440" bIns="45720" numCol="1" spcCol="0" rtlCol="0" fromWordArt="0" anchor="t" anchorCtr="0" forceAA="0" upright="0" compatLnSpc="0">
+            <a:spAutoFit/>
+          </a:bodyPr>
+          <a:p>
+            <a:pPr algn="l">
+              <a:lnSpc>
+                <a:spcPct val="114999"/>
+              </a:lnSpc>
+              <a:spcAft>
+                <a:spcPts val="0"/>
+              </a:spcAft>
+              <a:defRPr/>
+            </a:pPr>
+            <a:endParaRPr lang="en-AU">
+              <a:latin typeface="Arial"/>
+              <a:ea typeface="Arial"/>
+              <a:cs typeface="Arial"/>
+            </a:endParaRPr>
+          </a:p>
+          <a:p>
+            <a:pPr algn="l">
+              <a:lnSpc>
+                <a:spcPct val="114999"/>
+              </a:lnSpc>
+              <a:spcAft>
+                <a:spcPts val="0"/>
+              </a:spcAft>
+              <a:defRPr/>
+            </a:pPr>
+            <a:endParaRPr lang="en-AU">
+              <a:latin typeface="Arial"/>
+              <a:ea typeface="Arial"/>
+              <a:cs typeface="Arial"/>
+            </a:endParaRPr>
+          </a:p>
+          <a:p>
+            <a:pPr algn="l">
+              <a:lnSpc>
+                <a:spcPct val="114999"/>
+              </a:lnSpc>
+              <a:spcAft>
+                <a:spcPts val="0"/>
+              </a:spcAft>
+              <a:defRPr/>
+            </a:pPr>
+            <a:endParaRPr lang="en-AU">
+              <a:latin typeface="Arial"/>
+              <a:ea typeface="Arial"/>
+              <a:cs typeface="Arial"/>
+            </a:endParaRPr>
+          </a:p>
+          <a:p>
+            <a:pPr algn="l">
+              <a:lnSpc>
+                <a:spcPct val="114999"/>
+              </a:lnSpc>
+              <a:spcAft>
+                <a:spcPts val="0"/>
+              </a:spcAft>
+              <a:defRPr/>
+            </a:pPr>
+            <a:endParaRPr lang="en-AU">
+              <a:latin typeface="Arial"/>
+              <a:ea typeface="Arial"/>
+              <a:cs typeface="Arial"/>
+            </a:endParaRPr>
+          </a:p>
+        </p:txBody>
+      </p:sp>
+      <p:pic>
+        <p:nvPicPr>
+          <p:cNvPr id="244302881" name=""/>
+          <p:cNvPicPr>
+            <a:picLocks noChangeAspect="1"/>
+          </p:cNvPicPr>
+          <p:nvPr/>
+        </p:nvPicPr>
+        <p:blipFill>
+          <a:blip r:embed="rId3"/>
+          <a:srcRect l="0" t="0" r="10739" b="0"/>
+          <a:stretch/>
+        </p:blipFill>
+        <p:spPr bwMode="auto">
+          <a:xfrm rot="0" flipH="0" flipV="0">
+            <a:off x="306169" y="3223846"/>
+            <a:ext cx="11037711" cy="2527788"/>
+          </a:xfrm>
+          <a:prstGeom prst="rect">
+            <a:avLst/>
+          </a:prstGeom>
+        </p:spPr>
+      </p:pic>
+    </p:spTree>
+  </p:cSld>
+  <p:clrMapOvr>
+    <a:masterClrMapping/>
+  </p:clrMapOvr>
+  <mc:AlternateContent xmlns:mc="http://schemas.openxmlformats.org/markup-compatibility/2006">
+    <mc:Choice xmlns:p159="http://schemas.microsoft.com/office/powerpoint/2015/09/main" xmlns:p14="http://schemas.microsoft.com/office/powerpoint/2010/main" Requires="p159">
+      <p:transition p14:dur="2000" advClick="1"/>
+    </mc:Choice>
+    <mc:Fallback>
+      <p:transition advClick="1"/>
+    </mc:Fallback>
+  </mc:AlternateContent>
+</p:sld>
+</file>
+
+<file path=ppt/slides/slide48.xml><?xml version="1.0" encoding="utf-8"?>
+<p:sld xmlns:a="http://schemas.openxmlformats.org/drawingml/2006/main" xmlns:r="http://schemas.openxmlformats.org/officeDocument/2006/relationships" xmlns:p="http://schemas.openxmlformats.org/presentationml/2006/main" xmlns:m="http://schemas.openxmlformats.org/officeDocument/2006/math" xmlns:w="http://schemas.openxmlformats.org/wordprocessingml/2006/main" xmlns:mc="http://schemas.openxmlformats.org/markup-compatibility/2006" showMasterPhAnim="0" showMasterSp="1" show="1">
+  <p:cSld name="">
+    <p:spTree>
+      <p:nvGrpSpPr>
+        <p:cNvPr id="1" name=""/>
+        <p:cNvGrpSpPr/>
+        <p:nvPr/>
+      </p:nvGrpSpPr>
+      <p:grpSpPr bwMode="auto">
+        <a:xfrm>
+          <a:off x="0" y="0"/>
+          <a:ext cx="0" cy="0"/>
+          <a:chOff x="0" y="0"/>
+          <a:chExt cx="0" cy="0"/>
+        </a:xfrm>
+      </p:grpSpPr>
+      <p:sp>
+        <p:nvSpPr>
+          <p:cNvPr id="1556968250" name="Subtitle 2"/>
+          <p:cNvSpPr>
+            <a:spLocks noGrp="1"/>
+          </p:cNvSpPr>
+          <p:nvPr>
+            <p:ph type="subTitle" idx="1"/>
+          </p:nvPr>
+        </p:nvSpPr>
+        <p:spPr bwMode="auto">
+          <a:xfrm>
+            <a:off x="4655838" y="2708919"/>
+            <a:ext cx="6720744" cy="720078"/>
+          </a:xfrm>
+        </p:spPr>
+        <p:txBody>
+          <a:bodyPr/>
+          <a:lstStyle>
+            <a:lvl1pPr marL="0" indent="0" algn="r">
+              <a:buNone/>
+              <a:defRPr>
+                <a:solidFill>
+                  <a:schemeClr val="tx1">
+                    <a:lumMod val="50000"/>
+                    <a:lumOff val="50000"/>
+                  </a:schemeClr>
+                </a:solidFill>
+              </a:defRPr>
+            </a:lvl1pPr>
+            <a:lvl2pPr marL="457200" indent="0" algn="ctr">
+              <a:buNone/>
+              <a:defRPr>
+                <a:solidFill>
+                  <a:schemeClr val="tx1">
+                    <a:tint val="75000"/>
+                  </a:schemeClr>
+                </a:solidFill>
+              </a:defRPr>
+            </a:lvl2pPr>
+            <a:lvl3pPr marL="914400" indent="0" algn="ctr">
+              <a:buNone/>
+              <a:defRPr>
+                <a:solidFill>
+                  <a:schemeClr val="tx1">
+                    <a:tint val="75000"/>
+                  </a:schemeClr>
+                </a:solidFill>
+              </a:defRPr>
+            </a:lvl3pPr>
+            <a:lvl4pPr marL="1371600" indent="0" algn="ctr">
+              <a:buNone/>
+              <a:defRPr>
+                <a:solidFill>
+                  <a:schemeClr val="tx1">
+                    <a:tint val="75000"/>
+                  </a:schemeClr>
+                </a:solidFill>
+              </a:defRPr>
+            </a:lvl4pPr>
+            <a:lvl5pPr marL="1828800" indent="0" algn="ctr">
+              <a:buNone/>
+              <a:defRPr>
+                <a:solidFill>
+                  <a:schemeClr val="tx1">
+                    <a:tint val="75000"/>
+                  </a:schemeClr>
+                </a:solidFill>
+              </a:defRPr>
+            </a:lvl5pPr>
+            <a:lvl6pPr marL="2286000" indent="0" algn="ctr">
+              <a:buNone/>
+              <a:defRPr>
+                <a:solidFill>
+                  <a:schemeClr val="tx1">
+                    <a:tint val="75000"/>
+                  </a:schemeClr>
+                </a:solidFill>
+              </a:defRPr>
+            </a:lvl6pPr>
+            <a:lvl7pPr marL="2743200" indent="0" algn="ctr">
+              <a:buNone/>
+              <a:defRPr>
+                <a:solidFill>
+                  <a:schemeClr val="tx1">
+                    <a:tint val="75000"/>
+                  </a:schemeClr>
+                </a:solidFill>
+              </a:defRPr>
+            </a:lvl7pPr>
+            <a:lvl8pPr marL="3200400" indent="0" algn="ctr">
+              <a:buNone/>
+              <a:defRPr>
+                <a:solidFill>
+                  <a:schemeClr val="tx1">
+                    <a:tint val="75000"/>
+                  </a:schemeClr>
+                </a:solidFill>
+              </a:defRPr>
+            </a:lvl8pPr>
+            <a:lvl9pPr marL="3657600" indent="0" algn="ctr">
+              <a:buNone/>
+              <a:defRPr>
+                <a:solidFill>
+                  <a:schemeClr val="tx1">
+                    <a:tint val="75000"/>
+                  </a:schemeClr>
+                </a:solidFill>
+              </a:defRPr>
+            </a:lvl9pPr>
+          </a:lstStyle>
+          <a:p>
+            <a:pPr>
+              <a:defRPr/>
+            </a:pPr>
+            <a:r>
+              <a:rPr lang="en-AU"/>
+              <a:t>WAN – IPv4</a:t>
+            </a:r>
+            <a:endParaRPr/>
+          </a:p>
+        </p:txBody>
+      </p:sp>
+      <p:sp>
+        <p:nvSpPr>
+          <p:cNvPr id="1401318016" name="Title 6"/>
+          <p:cNvSpPr>
+            <a:spLocks noGrp="1"/>
+          </p:cNvSpPr>
+          <p:nvPr>
+            <p:ph type="title"/>
+          </p:nvPr>
+        </p:nvSpPr>
+        <p:spPr bwMode="auto">
+          <a:xfrm flipH="0" flipV="0">
+            <a:off x="4595833" y="1208941"/>
+            <a:ext cx="6720744" cy="1319956"/>
+          </a:xfrm>
+        </p:spPr>
+        <p:txBody>
+          <a:bodyPr vertOverflow="overflow" horzOverflow="overflow" vert="horz" wrap="square" lIns="91440" tIns="45720" rIns="91440" bIns="45720" numCol="1" spcCol="0" rtlCol="0" fromWordArt="0" anchor="ctr" anchorCtr="0" forceAA="0" upright="0" compatLnSpc="0">
+            <a:normAutofit/>
+          </a:bodyPr>
+          <a:lstStyle>
+            <a:lvl1pPr algn="r">
+              <a:defRPr/>
+            </a:lvl1pPr>
+          </a:lstStyle>
+          <a:p>
+            <a:pPr>
+              <a:defRPr/>
+            </a:pPr>
+            <a:r>
+              <a:rPr lang="en-AU">
+                <a:latin typeface="Arial"/>
+                <a:ea typeface="Arial"/>
+                <a:cs typeface="Arial"/>
+              </a:rPr>
+              <a:t>Testing ACL</a:t>
+            </a:r>
+            <a:endParaRPr/>
+          </a:p>
+        </p:txBody>
+      </p:sp>
+    </p:spTree>
+  </p:cSld>
+  <p:clrMapOvr>
+    <a:masterClrMapping/>
+  </p:clrMapOvr>
+  <mc:AlternateContent xmlns:mc="http://schemas.openxmlformats.org/markup-compatibility/2006">
+    <mc:Choice xmlns:p159="http://schemas.microsoft.com/office/powerpoint/2015/09/main" xmlns:p14="http://schemas.microsoft.com/office/powerpoint/2010/main" Requires="p159">
+      <p:transition p14:dur="2000" advClick="1"/>
+    </mc:Choice>
+    <mc:Fallback>
+      <p:transition advClick="1"/>
+    </mc:Fallback>
+  </mc:AlternateContent>
+</p:sld>
+</file>
+
+<file path=ppt/slides/slide49.xml><?xml version="1.0" encoding="utf-8"?>
+<p:sld xmlns:a="http://schemas.openxmlformats.org/drawingml/2006/main" xmlns:r="http://schemas.openxmlformats.org/officeDocument/2006/relationships" xmlns:p="http://schemas.openxmlformats.org/presentationml/2006/main" xmlns:m="http://schemas.openxmlformats.org/officeDocument/2006/math" xmlns:w="http://schemas.openxmlformats.org/wordprocessingml/2006/main" xmlns:mc="http://schemas.openxmlformats.org/markup-compatibility/2006" showMasterPhAnim="0" showMasterSp="1" show="1">
+  <p:cSld name="">
+    <p:spTree>
+      <p:nvGrpSpPr>
+        <p:cNvPr id="1" name=""/>
+        <p:cNvGrpSpPr/>
+        <p:nvPr/>
+      </p:nvGrpSpPr>
+      <p:grpSpPr bwMode="auto">
+        <a:xfrm>
+          <a:off x="0" y="0"/>
+          <a:ext cx="0" cy="0"/>
+          <a:chOff x="0" y="0"/>
+          <a:chExt cx="0" cy="0"/>
+        </a:xfrm>
+      </p:grpSpPr>
+      <p:sp>
+        <p:nvSpPr>
+          <p:cNvPr id="1304464092" name="Title 1"/>
+          <p:cNvSpPr>
+            <a:spLocks noGrp="1"/>
+          </p:cNvSpPr>
+          <p:nvPr>
+            <p:ph type="title"/>
+          </p:nvPr>
+        </p:nvSpPr>
+        <p:spPr bwMode="auto"/>
+        <p:txBody>
+          <a:bodyPr vertOverflow="overflow" horzOverflow="overflow" vert="horz" wrap="square" lIns="91440" tIns="45720" rIns="91440" bIns="45720" numCol="1" spcCol="0" rtlCol="0" fromWordArt="0" anchor="ctr" anchorCtr="0" forceAA="0" upright="0" compatLnSpc="0">
+            <a:normAutofit/>
+          </a:bodyPr>
+          <a:lstStyle/>
+          <a:p>
+            <a:pPr>
+              <a:defRPr/>
+            </a:pPr>
+            <a:r>
+              <a:rPr lang="en-AU" sz="4400" b="0" i="0" u="none" strike="noStrike" cap="none" spc="0">
+                <a:solidFill>
+                  <a:schemeClr val="tx1">
+                    <a:lumMod val="65000"/>
+                    <a:lumOff val="35000"/>
+                  </a:schemeClr>
+                </a:solidFill>
+                <a:latin typeface="Arial"/>
+                <a:ea typeface="Arial"/>
+                <a:cs typeface="Arial"/>
+              </a:rPr>
+              <a:t>ACL</a:t>
+            </a:r>
+            <a:endParaRPr sz="4400"/>
+          </a:p>
+        </p:txBody>
+      </p:sp>
+      <p:sp>
+        <p:nvSpPr>
+          <p:cNvPr id="1318381032" name=""/>
+          <p:cNvSpPr txBox="1"/>
+          <p:nvPr/>
+        </p:nvSpPr>
+        <p:spPr bwMode="auto">
+          <a:xfrm flipH="0" flipV="0">
+            <a:off x="306169" y="1863381"/>
+            <a:ext cx="11292788" cy="579479"/>
+          </a:xfrm>
+          <a:prstGeom prst="rect">
+            <a:avLst/>
+          </a:prstGeom>
+          <a:noFill/>
+        </p:spPr>
+        <p:txBody>
+          <a:bodyPr vertOverflow="overflow" horzOverflow="overflow" vert="horz" wrap="square" lIns="91440" tIns="45720" rIns="91440" bIns="45720" numCol="1" spcCol="0" rtlCol="0" fromWordArt="0" anchor="t" anchorCtr="0" forceAA="0" upright="0" compatLnSpc="0">
+            <a:spAutoFit/>
+          </a:bodyPr>
+          <a:p>
+            <a:pPr algn="l">
+              <a:defRPr/>
+            </a:pPr>
+            <a:r>
+              <a:rPr lang="en-AU" sz="3200" b="0" i="0" u="none" strike="noStrike" cap="none" spc="0">
+                <a:solidFill>
+                  <a:schemeClr val="tx1">
+                    <a:lumMod val="75000"/>
+                    <a:lumOff val="25000"/>
+                  </a:schemeClr>
+                </a:solidFill>
+                <a:latin typeface="Arial"/>
+                <a:ea typeface="Arial"/>
+                <a:cs typeface="Arial"/>
+              </a:rPr>
+              <a:t>Example ACL on R1 (Sydney Branch)</a:t>
+            </a:r>
+            <a:endParaRPr sz="3200" b="0">
+              <a:solidFill>
+                <a:schemeClr val="tx1">
+                  <a:lumMod val="75000"/>
+                  <a:lumOff val="25000"/>
+                </a:schemeClr>
+              </a:solidFill>
+            </a:endParaRPr>
+          </a:p>
+        </p:txBody>
+      </p:sp>
+      <p:sp>
+        <p:nvSpPr>
+          <p:cNvPr id="1930975848" name=""/>
+          <p:cNvSpPr txBox="1"/>
+          <p:nvPr/>
+        </p:nvSpPr>
+        <p:spPr bwMode="auto">
+          <a:xfrm flipH="0" flipV="0">
+            <a:off x="6004378" y="2752341"/>
+            <a:ext cx="183240" cy="1353312"/>
+          </a:xfrm>
+          <a:prstGeom prst="rect">
+            <a:avLst/>
+          </a:prstGeom>
+          <a:noFill/>
+        </p:spPr>
+        <p:txBody>
+          <a:bodyPr vertOverflow="overflow" horzOverflow="overflow" vert="horz" wrap="square" lIns="91440" tIns="45720" rIns="91440" bIns="45720" numCol="1" spcCol="0" rtlCol="0" fromWordArt="0" anchor="t" anchorCtr="0" forceAA="0" upright="0" compatLnSpc="0">
+            <a:spAutoFit/>
+          </a:bodyPr>
+          <a:p>
+            <a:pPr algn="l">
+              <a:lnSpc>
+                <a:spcPct val="114999"/>
+              </a:lnSpc>
+              <a:spcAft>
+                <a:spcPts val="0"/>
+              </a:spcAft>
+              <a:defRPr/>
+            </a:pPr>
+            <a:endParaRPr lang="en-AU">
+              <a:latin typeface="Arial"/>
+              <a:ea typeface="Arial"/>
+              <a:cs typeface="Arial"/>
+            </a:endParaRPr>
+          </a:p>
+          <a:p>
+            <a:pPr algn="l">
+              <a:lnSpc>
+                <a:spcPct val="114999"/>
+              </a:lnSpc>
+              <a:spcAft>
+                <a:spcPts val="0"/>
+              </a:spcAft>
+              <a:defRPr/>
+            </a:pPr>
+            <a:endParaRPr lang="en-AU">
+              <a:latin typeface="Arial"/>
+              <a:ea typeface="Arial"/>
+              <a:cs typeface="Arial"/>
+            </a:endParaRPr>
+          </a:p>
+          <a:p>
+            <a:pPr algn="l">
+              <a:lnSpc>
+                <a:spcPct val="114999"/>
+              </a:lnSpc>
+              <a:spcAft>
+                <a:spcPts val="0"/>
+              </a:spcAft>
+              <a:defRPr/>
+            </a:pPr>
+            <a:endParaRPr lang="en-AU">
+              <a:latin typeface="Arial"/>
+              <a:ea typeface="Arial"/>
+              <a:cs typeface="Arial"/>
+            </a:endParaRPr>
+          </a:p>
+          <a:p>
+            <a:pPr algn="l">
+              <a:lnSpc>
+                <a:spcPct val="114999"/>
+              </a:lnSpc>
+              <a:spcAft>
+                <a:spcPts val="0"/>
+              </a:spcAft>
+              <a:defRPr/>
+            </a:pPr>
+            <a:endParaRPr lang="en-AU">
+              <a:latin typeface="Arial"/>
+              <a:ea typeface="Arial"/>
+              <a:cs typeface="Arial"/>
+            </a:endParaRPr>
+          </a:p>
+        </p:txBody>
+      </p:sp>
+      <p:pic>
+        <p:nvPicPr>
+          <p:cNvPr id="665585714" name=""/>
+          <p:cNvPicPr>
+            <a:picLocks noChangeAspect="1"/>
+          </p:cNvPicPr>
+          <p:nvPr/>
+        </p:nvPicPr>
+        <p:blipFill>
+          <a:blip r:embed="rId3"/>
+          <a:stretch/>
+        </p:blipFill>
+        <p:spPr bwMode="auto">
+          <a:xfrm rot="0" flipH="0" flipV="0">
+            <a:off x="306169" y="2692644"/>
+            <a:ext cx="9754743" cy="3315432"/>
           </a:xfrm>
           <a:prstGeom prst="rect">
             <a:avLst/>
@@ -14779,7 +18358,7 @@
       </p:grpSpPr>
       <p:sp>
         <p:nvSpPr>
-          <p:cNvPr id="1136154749" name="Title 1"/>
+          <p:cNvPr id="1374184207" name="Title 1"/>
           <p:cNvSpPr>
             <a:spLocks noGrp="1"/>
           </p:cNvSpPr>
@@ -14805,7 +18384,7 @@
       </p:sp>
       <p:pic>
         <p:nvPicPr>
-          <p:cNvPr id="1598086468" name=""/>
+          <p:cNvPr id="367263191" name=""/>
           <p:cNvPicPr>
             <a:picLocks noChangeAspect="1"/>
           </p:cNvPicPr>
@@ -14828,7 +18407,7 @@
       </p:pic>
       <p:pic>
         <p:nvPicPr>
-          <p:cNvPr id="210472840" name=""/>
+          <p:cNvPr id="1453309597" name=""/>
           <p:cNvPicPr>
             <a:picLocks noChangeAspect="1"/>
           </p:cNvPicPr>
@@ -14865,6 +18444,1468 @@
 </p:sld>
 </file>
 
+<file path=ppt/slides/slide50.xml><?xml version="1.0" encoding="utf-8"?>
+<p:sld xmlns:a="http://schemas.openxmlformats.org/drawingml/2006/main" xmlns:r="http://schemas.openxmlformats.org/officeDocument/2006/relationships" xmlns:p="http://schemas.openxmlformats.org/presentationml/2006/main" xmlns:m="http://schemas.openxmlformats.org/officeDocument/2006/math" xmlns:w="http://schemas.openxmlformats.org/wordprocessingml/2006/main" xmlns:mc="http://schemas.openxmlformats.org/markup-compatibility/2006" showMasterPhAnim="0" showMasterSp="1" show="1">
+  <p:cSld name="">
+    <p:spTree>
+      <p:nvGrpSpPr>
+        <p:cNvPr id="1" name=""/>
+        <p:cNvGrpSpPr/>
+        <p:nvPr/>
+      </p:nvGrpSpPr>
+      <p:grpSpPr bwMode="auto">
+        <a:xfrm>
+          <a:off x="0" y="0"/>
+          <a:ext cx="0" cy="0"/>
+          <a:chOff x="0" y="0"/>
+          <a:chExt cx="0" cy="0"/>
+        </a:xfrm>
+      </p:grpSpPr>
+      <p:sp>
+        <p:nvSpPr>
+          <p:cNvPr id="232506838" name="Title 1"/>
+          <p:cNvSpPr>
+            <a:spLocks noGrp="1"/>
+          </p:cNvSpPr>
+          <p:nvPr>
+            <p:ph type="title"/>
+          </p:nvPr>
+        </p:nvSpPr>
+        <p:spPr bwMode="auto"/>
+        <p:txBody>
+          <a:bodyPr vertOverflow="overflow" horzOverflow="overflow" vert="horz" wrap="square" lIns="91440" tIns="45720" rIns="91440" bIns="45720" numCol="1" spcCol="0" rtlCol="0" fromWordArt="0" anchor="ctr" anchorCtr="0" forceAA="0" upright="0" compatLnSpc="0">
+            <a:normAutofit/>
+          </a:bodyPr>
+          <a:lstStyle/>
+          <a:p>
+            <a:pPr>
+              <a:defRPr/>
+            </a:pPr>
+            <a:r>
+              <a:rPr lang="en-AU" sz="4400" b="0" i="0" u="none" strike="noStrike" cap="none" spc="0">
+                <a:solidFill>
+                  <a:schemeClr val="tx1">
+                    <a:lumMod val="65000"/>
+                    <a:lumOff val="35000"/>
+                  </a:schemeClr>
+                </a:solidFill>
+                <a:latin typeface="Arial"/>
+                <a:ea typeface="Arial"/>
+                <a:cs typeface="Arial"/>
+              </a:rPr>
+              <a:t>ACL</a:t>
+            </a:r>
+            <a:endParaRPr sz="4400"/>
+          </a:p>
+        </p:txBody>
+      </p:sp>
+      <p:sp>
+        <p:nvSpPr>
+          <p:cNvPr id="1259581848" name=""/>
+          <p:cNvSpPr txBox="1"/>
+          <p:nvPr/>
+        </p:nvSpPr>
+        <p:spPr bwMode="auto">
+          <a:xfrm flipH="0" flipV="0">
+            <a:off x="306169" y="1863381"/>
+            <a:ext cx="11309348" cy="579479"/>
+          </a:xfrm>
+          <a:prstGeom prst="rect">
+            <a:avLst/>
+          </a:prstGeom>
+          <a:noFill/>
+        </p:spPr>
+        <p:txBody>
+          <a:bodyPr vertOverflow="overflow" horzOverflow="overflow" vert="horz" wrap="square" lIns="91440" tIns="45720" rIns="91440" bIns="45720" numCol="1" spcCol="0" rtlCol="0" fromWordArt="0" anchor="t" anchorCtr="0" forceAA="0" upright="0" compatLnSpc="0">
+            <a:spAutoFit/>
+          </a:bodyPr>
+          <a:p>
+            <a:pPr algn="l">
+              <a:defRPr/>
+            </a:pPr>
+            <a:r>
+              <a:rPr lang="en-AU" sz="3200" b="0" i="0" u="none" strike="noStrike" cap="none" spc="0">
+                <a:solidFill>
+                  <a:schemeClr val="tx1">
+                    <a:lumMod val="75000"/>
+                    <a:lumOff val="25000"/>
+                  </a:schemeClr>
+                </a:solidFill>
+                <a:latin typeface="Arial"/>
+                <a:ea typeface="Arial"/>
+                <a:cs typeface="Arial"/>
+              </a:rPr>
+              <a:t>Deny rule for testing t</a:t>
+            </a:r>
+            <a:r>
+              <a:rPr lang="en-AU" sz="3200" b="0" i="0" u="none" strike="noStrike" cap="none" spc="0">
+                <a:solidFill>
+                  <a:schemeClr val="tx1">
+                    <a:lumMod val="75000"/>
+                    <a:lumOff val="25000"/>
+                  </a:schemeClr>
+                </a:solidFill>
+                <a:latin typeface="Arial"/>
+                <a:ea typeface="Arial"/>
+                <a:cs typeface="Arial"/>
+              </a:rPr>
+              <a:t>raffic from 192.168.10.99 (Brisbane)</a:t>
+            </a:r>
+            <a:endParaRPr sz="3200" b="0">
+              <a:solidFill>
+                <a:schemeClr val="tx1">
+                  <a:lumMod val="75000"/>
+                  <a:lumOff val="25000"/>
+                </a:schemeClr>
+              </a:solidFill>
+            </a:endParaRPr>
+          </a:p>
+        </p:txBody>
+      </p:sp>
+      <p:sp>
+        <p:nvSpPr>
+          <p:cNvPr id="293280559" name=""/>
+          <p:cNvSpPr txBox="1"/>
+          <p:nvPr/>
+        </p:nvSpPr>
+        <p:spPr bwMode="auto">
+          <a:xfrm flipH="0" flipV="0">
+            <a:off x="6004378" y="2752341"/>
+            <a:ext cx="183240" cy="1353312"/>
+          </a:xfrm>
+          <a:prstGeom prst="rect">
+            <a:avLst/>
+          </a:prstGeom>
+          <a:noFill/>
+        </p:spPr>
+        <p:txBody>
+          <a:bodyPr vertOverflow="overflow" horzOverflow="overflow" vert="horz" wrap="square" lIns="91440" tIns="45720" rIns="91440" bIns="45720" numCol="1" spcCol="0" rtlCol="0" fromWordArt="0" anchor="t" anchorCtr="0" forceAA="0" upright="0" compatLnSpc="0">
+            <a:spAutoFit/>
+          </a:bodyPr>
+          <a:p>
+            <a:pPr algn="l">
+              <a:lnSpc>
+                <a:spcPct val="114999"/>
+              </a:lnSpc>
+              <a:spcAft>
+                <a:spcPts val="0"/>
+              </a:spcAft>
+              <a:defRPr/>
+            </a:pPr>
+            <a:endParaRPr lang="en-AU">
+              <a:latin typeface="Arial"/>
+              <a:ea typeface="Arial"/>
+              <a:cs typeface="Arial"/>
+            </a:endParaRPr>
+          </a:p>
+          <a:p>
+            <a:pPr algn="l">
+              <a:lnSpc>
+                <a:spcPct val="114999"/>
+              </a:lnSpc>
+              <a:spcAft>
+                <a:spcPts val="0"/>
+              </a:spcAft>
+              <a:defRPr/>
+            </a:pPr>
+            <a:endParaRPr lang="en-AU">
+              <a:latin typeface="Arial"/>
+              <a:ea typeface="Arial"/>
+              <a:cs typeface="Arial"/>
+            </a:endParaRPr>
+          </a:p>
+          <a:p>
+            <a:pPr algn="l">
+              <a:lnSpc>
+                <a:spcPct val="114999"/>
+              </a:lnSpc>
+              <a:spcAft>
+                <a:spcPts val="0"/>
+              </a:spcAft>
+              <a:defRPr/>
+            </a:pPr>
+            <a:endParaRPr lang="en-AU">
+              <a:latin typeface="Arial"/>
+              <a:ea typeface="Arial"/>
+              <a:cs typeface="Arial"/>
+            </a:endParaRPr>
+          </a:p>
+          <a:p>
+            <a:pPr algn="l">
+              <a:lnSpc>
+                <a:spcPct val="114999"/>
+              </a:lnSpc>
+              <a:spcAft>
+                <a:spcPts val="0"/>
+              </a:spcAft>
+              <a:defRPr/>
+            </a:pPr>
+            <a:endParaRPr lang="en-AU">
+              <a:latin typeface="Arial"/>
+              <a:ea typeface="Arial"/>
+              <a:cs typeface="Arial"/>
+            </a:endParaRPr>
+          </a:p>
+        </p:txBody>
+      </p:sp>
+      <p:pic>
+        <p:nvPicPr>
+          <p:cNvPr id="1766443419" name=""/>
+          <p:cNvPicPr>
+            <a:picLocks noChangeAspect="1"/>
+          </p:cNvPicPr>
+          <p:nvPr/>
+        </p:nvPicPr>
+        <p:blipFill>
+          <a:blip r:embed="rId3"/>
+          <a:srcRect l="0" t="35051" r="51456" b="35051"/>
+          <a:stretch/>
+        </p:blipFill>
+        <p:spPr bwMode="auto">
+          <a:xfrm rot="0" flipH="0" flipV="0">
+            <a:off x="306169" y="2582740"/>
+            <a:ext cx="8467754" cy="1062403"/>
+          </a:xfrm>
+          <a:prstGeom prst="rect">
+            <a:avLst/>
+          </a:prstGeom>
+        </p:spPr>
+      </p:pic>
+      <p:pic>
+        <p:nvPicPr>
+          <p:cNvPr id="159472994" name=""/>
+          <p:cNvPicPr>
+            <a:picLocks noChangeAspect="1"/>
+          </p:cNvPicPr>
+          <p:nvPr/>
+        </p:nvPicPr>
+        <p:blipFill>
+          <a:blip r:embed="rId3"/>
+          <a:srcRect l="53029" t="20437" r="0" b="18248"/>
+          <a:stretch/>
+        </p:blipFill>
+        <p:spPr bwMode="auto">
+          <a:xfrm rot="0" flipH="0" flipV="0">
+            <a:off x="306169" y="3864951"/>
+            <a:ext cx="8472231" cy="2253028"/>
+          </a:xfrm>
+          <a:prstGeom prst="rect">
+            <a:avLst/>
+          </a:prstGeom>
+          <a:noFill/>
+        </p:spPr>
+      </p:pic>
+    </p:spTree>
+  </p:cSld>
+  <p:clrMapOvr>
+    <a:masterClrMapping/>
+  </p:clrMapOvr>
+  <mc:AlternateContent xmlns:mc="http://schemas.openxmlformats.org/markup-compatibility/2006">
+    <mc:Choice xmlns:p159="http://schemas.microsoft.com/office/powerpoint/2015/09/main" xmlns:p14="http://schemas.microsoft.com/office/powerpoint/2010/main" Requires="p159">
+      <p:transition p14:dur="2000" advClick="1"/>
+    </mc:Choice>
+    <mc:Fallback>
+      <p:transition advClick="1"/>
+    </mc:Fallback>
+  </mc:AlternateContent>
+</p:sld>
+</file>
+
+<file path=ppt/slides/slide51.xml><?xml version="1.0" encoding="utf-8"?>
+<p:sld xmlns:a="http://schemas.openxmlformats.org/drawingml/2006/main" xmlns:r="http://schemas.openxmlformats.org/officeDocument/2006/relationships" xmlns:p="http://schemas.openxmlformats.org/presentationml/2006/main" xmlns:m="http://schemas.openxmlformats.org/officeDocument/2006/math" xmlns:w="http://schemas.openxmlformats.org/wordprocessingml/2006/main" xmlns:mc="http://schemas.openxmlformats.org/markup-compatibility/2006" showMasterPhAnim="0" showMasterSp="1" show="1">
+  <p:cSld name="">
+    <p:spTree>
+      <p:nvGrpSpPr>
+        <p:cNvPr id="1" name=""/>
+        <p:cNvGrpSpPr/>
+        <p:nvPr/>
+      </p:nvGrpSpPr>
+      <p:grpSpPr bwMode="auto">
+        <a:xfrm>
+          <a:off x="0" y="0"/>
+          <a:ext cx="0" cy="0"/>
+          <a:chOff x="0" y="0"/>
+          <a:chExt cx="0" cy="0"/>
+        </a:xfrm>
+      </p:grpSpPr>
+      <p:sp>
+        <p:nvSpPr>
+          <p:cNvPr id="157901877" name="Subtitle 2"/>
+          <p:cNvSpPr>
+            <a:spLocks noGrp="1"/>
+          </p:cNvSpPr>
+          <p:nvPr>
+            <p:ph type="subTitle" idx="1"/>
+          </p:nvPr>
+        </p:nvSpPr>
+        <p:spPr bwMode="auto">
+          <a:xfrm>
+            <a:off x="4655838" y="2708919"/>
+            <a:ext cx="6720744" cy="720078"/>
+          </a:xfrm>
+        </p:spPr>
+        <p:txBody>
+          <a:bodyPr/>
+          <a:lstStyle>
+            <a:lvl1pPr marL="0" indent="0" algn="r">
+              <a:buNone/>
+              <a:defRPr>
+                <a:solidFill>
+                  <a:schemeClr val="tx1">
+                    <a:lumMod val="50000"/>
+                    <a:lumOff val="50000"/>
+                  </a:schemeClr>
+                </a:solidFill>
+              </a:defRPr>
+            </a:lvl1pPr>
+            <a:lvl2pPr marL="457200" indent="0" algn="ctr">
+              <a:buNone/>
+              <a:defRPr>
+                <a:solidFill>
+                  <a:schemeClr val="tx1">
+                    <a:tint val="75000"/>
+                  </a:schemeClr>
+                </a:solidFill>
+              </a:defRPr>
+            </a:lvl2pPr>
+            <a:lvl3pPr marL="914400" indent="0" algn="ctr">
+              <a:buNone/>
+              <a:defRPr>
+                <a:solidFill>
+                  <a:schemeClr val="tx1">
+                    <a:tint val="75000"/>
+                  </a:schemeClr>
+                </a:solidFill>
+              </a:defRPr>
+            </a:lvl3pPr>
+            <a:lvl4pPr marL="1371600" indent="0" algn="ctr">
+              <a:buNone/>
+              <a:defRPr>
+                <a:solidFill>
+                  <a:schemeClr val="tx1">
+                    <a:tint val="75000"/>
+                  </a:schemeClr>
+                </a:solidFill>
+              </a:defRPr>
+            </a:lvl4pPr>
+            <a:lvl5pPr marL="1828800" indent="0" algn="ctr">
+              <a:buNone/>
+              <a:defRPr>
+                <a:solidFill>
+                  <a:schemeClr val="tx1">
+                    <a:tint val="75000"/>
+                  </a:schemeClr>
+                </a:solidFill>
+              </a:defRPr>
+            </a:lvl5pPr>
+            <a:lvl6pPr marL="2286000" indent="0" algn="ctr">
+              <a:buNone/>
+              <a:defRPr>
+                <a:solidFill>
+                  <a:schemeClr val="tx1">
+                    <a:tint val="75000"/>
+                  </a:schemeClr>
+                </a:solidFill>
+              </a:defRPr>
+            </a:lvl6pPr>
+            <a:lvl7pPr marL="2743200" indent="0" algn="ctr">
+              <a:buNone/>
+              <a:defRPr>
+                <a:solidFill>
+                  <a:schemeClr val="tx1">
+                    <a:tint val="75000"/>
+                  </a:schemeClr>
+                </a:solidFill>
+              </a:defRPr>
+            </a:lvl7pPr>
+            <a:lvl8pPr marL="3200400" indent="0" algn="ctr">
+              <a:buNone/>
+              <a:defRPr>
+                <a:solidFill>
+                  <a:schemeClr val="tx1">
+                    <a:tint val="75000"/>
+                  </a:schemeClr>
+                </a:solidFill>
+              </a:defRPr>
+            </a:lvl8pPr>
+            <a:lvl9pPr marL="3657600" indent="0" algn="ctr">
+              <a:buNone/>
+              <a:defRPr>
+                <a:solidFill>
+                  <a:schemeClr val="tx1">
+                    <a:tint val="75000"/>
+                  </a:schemeClr>
+                </a:solidFill>
+              </a:defRPr>
+            </a:lvl9pPr>
+          </a:lstStyle>
+          <a:p>
+            <a:pPr>
+              <a:defRPr/>
+            </a:pPr>
+            <a:r>
+              <a:rPr lang="en-AU"/>
+              <a:t>WAN – IPv4</a:t>
+            </a:r>
+            <a:endParaRPr/>
+          </a:p>
+        </p:txBody>
+      </p:sp>
+      <p:sp>
+        <p:nvSpPr>
+          <p:cNvPr id="1258588591" name="Title 6"/>
+          <p:cNvSpPr>
+            <a:spLocks noGrp="1"/>
+          </p:cNvSpPr>
+          <p:nvPr>
+            <p:ph type="title"/>
+          </p:nvPr>
+        </p:nvSpPr>
+        <p:spPr bwMode="auto">
+          <a:xfrm flipH="0" flipV="0">
+            <a:off x="4595833" y="1208941"/>
+            <a:ext cx="6720744" cy="1319956"/>
+          </a:xfrm>
+        </p:spPr>
+        <p:txBody>
+          <a:bodyPr vertOverflow="overflow" horzOverflow="overflow" vert="horz" wrap="square" lIns="91440" tIns="45720" rIns="91440" bIns="45720" numCol="1" spcCol="0" rtlCol="0" fromWordArt="0" anchor="ctr" anchorCtr="0" forceAA="0" upright="0" compatLnSpc="0">
+            <a:normAutofit/>
+          </a:bodyPr>
+          <a:lstStyle>
+            <a:lvl1pPr algn="r">
+              <a:defRPr/>
+            </a:lvl1pPr>
+          </a:lstStyle>
+          <a:p>
+            <a:pPr>
+              <a:defRPr/>
+            </a:pPr>
+            <a:r>
+              <a:rPr lang="en-AU">
+                <a:latin typeface="Arial"/>
+                <a:ea typeface="Arial"/>
+                <a:cs typeface="Arial"/>
+              </a:rPr>
+              <a:t>Testing VPN Site-To-Site</a:t>
+            </a:r>
+            <a:endParaRPr/>
+          </a:p>
+        </p:txBody>
+      </p:sp>
+    </p:spTree>
+  </p:cSld>
+  <p:clrMapOvr>
+    <a:masterClrMapping/>
+  </p:clrMapOvr>
+  <mc:AlternateContent xmlns:mc="http://schemas.openxmlformats.org/markup-compatibility/2006">
+    <mc:Choice xmlns:p159="http://schemas.microsoft.com/office/powerpoint/2015/09/main" xmlns:p14="http://schemas.microsoft.com/office/powerpoint/2010/main" Requires="p159">
+      <p:transition p14:dur="2000" advClick="1"/>
+    </mc:Choice>
+    <mc:Fallback>
+      <p:transition advClick="1"/>
+    </mc:Fallback>
+  </mc:AlternateContent>
+</p:sld>
+</file>
+
+<file path=ppt/slides/slide52.xml><?xml version="1.0" encoding="utf-8"?>
+<p:sld xmlns:a="http://schemas.openxmlformats.org/drawingml/2006/main" xmlns:r="http://schemas.openxmlformats.org/officeDocument/2006/relationships" xmlns:p="http://schemas.openxmlformats.org/presentationml/2006/main" xmlns:m="http://schemas.openxmlformats.org/officeDocument/2006/math" xmlns:w="http://schemas.openxmlformats.org/wordprocessingml/2006/main" xmlns:mc="http://schemas.openxmlformats.org/markup-compatibility/2006" showMasterPhAnim="0" showMasterSp="1" show="1">
+  <p:cSld name="">
+    <p:spTree>
+      <p:nvGrpSpPr>
+        <p:cNvPr id="1" name=""/>
+        <p:cNvGrpSpPr/>
+        <p:nvPr/>
+      </p:nvGrpSpPr>
+      <p:grpSpPr bwMode="auto">
+        <a:xfrm>
+          <a:off x="0" y="0"/>
+          <a:ext cx="0" cy="0"/>
+          <a:chOff x="0" y="0"/>
+          <a:chExt cx="0" cy="0"/>
+        </a:xfrm>
+      </p:grpSpPr>
+      <p:sp>
+        <p:nvSpPr>
+          <p:cNvPr id="1340901930" name="Title 1"/>
+          <p:cNvSpPr>
+            <a:spLocks noGrp="1"/>
+          </p:cNvSpPr>
+          <p:nvPr>
+            <p:ph type="title"/>
+          </p:nvPr>
+        </p:nvSpPr>
+        <p:spPr bwMode="auto"/>
+        <p:txBody>
+          <a:bodyPr vertOverflow="overflow" horzOverflow="overflow" vert="horz" wrap="square" lIns="91440" tIns="45720" rIns="91440" bIns="45720" numCol="1" spcCol="0" rtlCol="0" fromWordArt="0" anchor="ctr" anchorCtr="0" forceAA="0" upright="0" compatLnSpc="0">
+            <a:normAutofit/>
+          </a:bodyPr>
+          <a:lstStyle/>
+          <a:p>
+            <a:pPr>
+              <a:defRPr/>
+            </a:pPr>
+            <a:r>
+              <a:rPr lang="en-AU" sz="4400" b="0" i="0" u="none" strike="noStrike" cap="none" spc="0">
+                <a:solidFill>
+                  <a:schemeClr val="tx1">
+                    <a:lumMod val="65000"/>
+                    <a:lumOff val="35000"/>
+                  </a:schemeClr>
+                </a:solidFill>
+                <a:latin typeface="Arial"/>
+                <a:ea typeface="Arial"/>
+                <a:cs typeface="Arial"/>
+              </a:rPr>
+              <a:t>VPN Site-To-Site</a:t>
+            </a:r>
+            <a:endParaRPr sz="4400"/>
+          </a:p>
+        </p:txBody>
+      </p:sp>
+      <p:sp>
+        <p:nvSpPr>
+          <p:cNvPr id="1219916323" name=""/>
+          <p:cNvSpPr txBox="1"/>
+          <p:nvPr/>
+        </p:nvSpPr>
+        <p:spPr bwMode="auto">
+          <a:xfrm flipH="0" flipV="0">
+            <a:off x="306169" y="1863381"/>
+            <a:ext cx="11325908" cy="1067159"/>
+          </a:xfrm>
+          <a:prstGeom prst="rect">
+            <a:avLst/>
+          </a:prstGeom>
+          <a:noFill/>
+        </p:spPr>
+        <p:txBody>
+          <a:bodyPr vertOverflow="overflow" horzOverflow="overflow" vert="horz" wrap="square" lIns="91440" tIns="45720" rIns="91440" bIns="45720" numCol="1" spcCol="0" rtlCol="0" fromWordArt="0" anchor="t" anchorCtr="0" forceAA="0" upright="0" compatLnSpc="0">
+            <a:spAutoFit/>
+          </a:bodyPr>
+          <a:p>
+            <a:pPr algn="l">
+              <a:defRPr/>
+            </a:pPr>
+            <a:r>
+              <a:rPr lang="en-AU" sz="3200" b="0" i="0" u="none" strike="noStrike" cap="none" spc="0">
+                <a:solidFill>
+                  <a:schemeClr val="tx1">
+                    <a:lumMod val="75000"/>
+                    <a:lumOff val="25000"/>
+                  </a:schemeClr>
+                </a:solidFill>
+                <a:latin typeface="Arial"/>
+                <a:ea typeface="Arial"/>
+                <a:cs typeface="Arial"/>
+              </a:rPr>
+              <a:t>Internet connection are intercepted by a criminal sniffer.</a:t>
+            </a:r>
+            <a:br>
+              <a:rPr lang="en-AU" sz="3200" b="0" i="0" u="none" strike="noStrike" cap="none" spc="0">
+                <a:solidFill>
+                  <a:schemeClr val="tx1">
+                    <a:lumMod val="75000"/>
+                    <a:lumOff val="25000"/>
+                  </a:schemeClr>
+                </a:solidFill>
+                <a:latin typeface="Arial"/>
+                <a:ea typeface="Arial"/>
+                <a:cs typeface="Arial"/>
+              </a:rPr>
+            </a:br>
+            <a:r>
+              <a:rPr lang="en-AU" sz="3200" b="0" i="0" u="none" strike="noStrike" cap="none" spc="0">
+                <a:solidFill>
+                  <a:schemeClr val="tx1">
+                    <a:lumMod val="75000"/>
+                    <a:lumOff val="25000"/>
+                  </a:schemeClr>
+                </a:solidFill>
+                <a:latin typeface="Arial"/>
+                <a:ea typeface="Arial"/>
+                <a:cs typeface="Arial"/>
+              </a:rPr>
+              <a:t>FTP Messages cannot be captured.</a:t>
+            </a:r>
+            <a:endParaRPr sz="3200" b="0">
+              <a:solidFill>
+                <a:schemeClr val="tx1">
+                  <a:lumMod val="75000"/>
+                  <a:lumOff val="25000"/>
+                </a:schemeClr>
+              </a:solidFill>
+            </a:endParaRPr>
+          </a:p>
+        </p:txBody>
+      </p:sp>
+      <p:sp>
+        <p:nvSpPr>
+          <p:cNvPr id="1912609745" name=""/>
+          <p:cNvSpPr txBox="1"/>
+          <p:nvPr/>
+        </p:nvSpPr>
+        <p:spPr bwMode="auto">
+          <a:xfrm flipH="0" flipV="0">
+            <a:off x="6004378" y="2752341"/>
+            <a:ext cx="183240" cy="1353312"/>
+          </a:xfrm>
+          <a:prstGeom prst="rect">
+            <a:avLst/>
+          </a:prstGeom>
+          <a:noFill/>
+        </p:spPr>
+        <p:txBody>
+          <a:bodyPr vertOverflow="overflow" horzOverflow="overflow" vert="horz" wrap="square" lIns="91440" tIns="45720" rIns="91440" bIns="45720" numCol="1" spcCol="0" rtlCol="0" fromWordArt="0" anchor="t" anchorCtr="0" forceAA="0" upright="0" compatLnSpc="0">
+            <a:spAutoFit/>
+          </a:bodyPr>
+          <a:p>
+            <a:pPr algn="l">
+              <a:lnSpc>
+                <a:spcPct val="114999"/>
+              </a:lnSpc>
+              <a:spcAft>
+                <a:spcPts val="0"/>
+              </a:spcAft>
+              <a:defRPr/>
+            </a:pPr>
+            <a:endParaRPr lang="en-AU">
+              <a:latin typeface="Arial"/>
+              <a:ea typeface="Arial"/>
+              <a:cs typeface="Arial"/>
+            </a:endParaRPr>
+          </a:p>
+          <a:p>
+            <a:pPr algn="l">
+              <a:lnSpc>
+                <a:spcPct val="114999"/>
+              </a:lnSpc>
+              <a:spcAft>
+                <a:spcPts val="0"/>
+              </a:spcAft>
+              <a:defRPr/>
+            </a:pPr>
+            <a:endParaRPr lang="en-AU">
+              <a:latin typeface="Arial"/>
+              <a:ea typeface="Arial"/>
+              <a:cs typeface="Arial"/>
+            </a:endParaRPr>
+          </a:p>
+          <a:p>
+            <a:pPr algn="l">
+              <a:lnSpc>
+                <a:spcPct val="114999"/>
+              </a:lnSpc>
+              <a:spcAft>
+                <a:spcPts val="0"/>
+              </a:spcAft>
+              <a:defRPr/>
+            </a:pPr>
+            <a:endParaRPr lang="en-AU">
+              <a:latin typeface="Arial"/>
+              <a:ea typeface="Arial"/>
+              <a:cs typeface="Arial"/>
+            </a:endParaRPr>
+          </a:p>
+          <a:p>
+            <a:pPr algn="l">
+              <a:lnSpc>
+                <a:spcPct val="114999"/>
+              </a:lnSpc>
+              <a:spcAft>
+                <a:spcPts val="0"/>
+              </a:spcAft>
+              <a:defRPr/>
+            </a:pPr>
+            <a:endParaRPr lang="en-AU">
+              <a:latin typeface="Arial"/>
+              <a:ea typeface="Arial"/>
+              <a:cs typeface="Arial"/>
+            </a:endParaRPr>
+          </a:p>
+        </p:txBody>
+      </p:sp>
+      <p:pic>
+        <p:nvPicPr>
+          <p:cNvPr id="1221525295" name=""/>
+          <p:cNvPicPr>
+            <a:picLocks noChangeAspect="1"/>
+          </p:cNvPicPr>
+          <p:nvPr/>
+        </p:nvPicPr>
+        <p:blipFill>
+          <a:blip r:embed="rId3"/>
+          <a:stretch/>
+        </p:blipFill>
+        <p:spPr bwMode="auto">
+          <a:xfrm rot="0" flipH="0" flipV="0">
+            <a:off x="364489" y="3095624"/>
+            <a:ext cx="8343878" cy="3388701"/>
+          </a:xfrm>
+          <a:prstGeom prst="rect">
+            <a:avLst/>
+          </a:prstGeom>
+        </p:spPr>
+      </p:pic>
+    </p:spTree>
+  </p:cSld>
+  <p:clrMapOvr>
+    <a:masterClrMapping/>
+  </p:clrMapOvr>
+  <mc:AlternateContent xmlns:mc="http://schemas.openxmlformats.org/markup-compatibility/2006">
+    <mc:Choice xmlns:p159="http://schemas.microsoft.com/office/powerpoint/2015/09/main" xmlns:p14="http://schemas.microsoft.com/office/powerpoint/2010/main" Requires="p159">
+      <p:transition p14:dur="2000" advClick="1"/>
+    </mc:Choice>
+    <mc:Fallback>
+      <p:transition advClick="1"/>
+    </mc:Fallback>
+  </mc:AlternateContent>
+</p:sld>
+</file>
+
+<file path=ppt/slides/slide53.xml><?xml version="1.0" encoding="utf-8"?>
+<p:sld xmlns:a="http://schemas.openxmlformats.org/drawingml/2006/main" xmlns:r="http://schemas.openxmlformats.org/officeDocument/2006/relationships" xmlns:p="http://schemas.openxmlformats.org/presentationml/2006/main" xmlns:m="http://schemas.openxmlformats.org/officeDocument/2006/math" xmlns:w="http://schemas.openxmlformats.org/wordprocessingml/2006/main" xmlns:mc="http://schemas.openxmlformats.org/markup-compatibility/2006" showMasterPhAnim="0" showMasterSp="1" show="1">
+  <p:cSld name="">
+    <p:spTree>
+      <p:nvGrpSpPr>
+        <p:cNvPr id="1" name=""/>
+        <p:cNvGrpSpPr/>
+        <p:nvPr/>
+      </p:nvGrpSpPr>
+      <p:grpSpPr bwMode="auto">
+        <a:xfrm>
+          <a:off x="0" y="0"/>
+          <a:ext cx="0" cy="0"/>
+          <a:chOff x="0" y="0"/>
+          <a:chExt cx="0" cy="0"/>
+        </a:xfrm>
+      </p:grpSpPr>
+      <p:sp>
+        <p:nvSpPr>
+          <p:cNvPr id="1690187996" name="Title 1"/>
+          <p:cNvSpPr>
+            <a:spLocks noGrp="1"/>
+          </p:cNvSpPr>
+          <p:nvPr>
+            <p:ph type="title"/>
+          </p:nvPr>
+        </p:nvSpPr>
+        <p:spPr bwMode="auto"/>
+        <p:txBody>
+          <a:bodyPr vertOverflow="overflow" horzOverflow="overflow" vert="horz" wrap="square" lIns="91440" tIns="45720" rIns="91440" bIns="45720" numCol="1" spcCol="0" rtlCol="0" fromWordArt="0" anchor="ctr" anchorCtr="0" forceAA="0" upright="0" compatLnSpc="0">
+            <a:normAutofit/>
+          </a:bodyPr>
+          <a:lstStyle/>
+          <a:p>
+            <a:pPr>
+              <a:defRPr/>
+            </a:pPr>
+            <a:r>
+              <a:rPr lang="en-AU" sz="4400" b="0" i="0" u="none" strike="noStrike" cap="none" spc="0">
+                <a:solidFill>
+                  <a:schemeClr val="tx1">
+                    <a:lumMod val="65000"/>
+                    <a:lumOff val="35000"/>
+                  </a:schemeClr>
+                </a:solidFill>
+                <a:latin typeface="Arial"/>
+                <a:ea typeface="Arial"/>
+                <a:cs typeface="Arial"/>
+              </a:rPr>
+              <a:t>VPN Site-To-Site</a:t>
+            </a:r>
+            <a:endParaRPr sz="4400"/>
+          </a:p>
+        </p:txBody>
+      </p:sp>
+      <p:sp>
+        <p:nvSpPr>
+          <p:cNvPr id="1347924341" name=""/>
+          <p:cNvSpPr txBox="1"/>
+          <p:nvPr/>
+        </p:nvSpPr>
+        <p:spPr bwMode="auto">
+          <a:xfrm flipH="0" flipV="0">
+            <a:off x="306169" y="1863381"/>
+            <a:ext cx="11331308" cy="1341479"/>
+          </a:xfrm>
+          <a:prstGeom prst="rect">
+            <a:avLst/>
+          </a:prstGeom>
+          <a:noFill/>
+        </p:spPr>
+        <p:txBody>
+          <a:bodyPr vertOverflow="overflow" horzOverflow="overflow" vert="horz" wrap="square" lIns="91440" tIns="45720" rIns="91440" bIns="45720" numCol="1" spcCol="0" rtlCol="0" fromWordArt="0" anchor="t" anchorCtr="0" forceAA="0" upright="0" compatLnSpc="0">
+            <a:spAutoFit/>
+          </a:bodyPr>
+          <a:p>
+            <a:pPr algn="l">
+              <a:defRPr/>
+            </a:pPr>
+            <a:r>
+              <a:rPr lang="en-AU" sz="3200" b="0" i="0" u="none" strike="noStrike" cap="none" spc="0">
+                <a:solidFill>
+                  <a:schemeClr val="tx1">
+                    <a:lumMod val="75000"/>
+                    <a:lumOff val="25000"/>
+                  </a:schemeClr>
+                </a:solidFill>
+                <a:latin typeface="Arial"/>
+                <a:ea typeface="Arial"/>
+                <a:cs typeface="Arial"/>
+              </a:rPr>
+              <a:t>Local connection are susceptible to attacks.</a:t>
+            </a:r>
+            <a:br>
+              <a:rPr lang="en-AU" sz="3200" b="0" i="0" u="none" strike="noStrike" cap="none" spc="0">
+                <a:solidFill>
+                  <a:schemeClr val="tx1">
+                    <a:lumMod val="75000"/>
+                    <a:lumOff val="25000"/>
+                  </a:schemeClr>
+                </a:solidFill>
+                <a:latin typeface="Arial"/>
+                <a:ea typeface="Arial"/>
+                <a:cs typeface="Arial"/>
+              </a:rPr>
+            </a:br>
+            <a:r>
+              <a:rPr lang="en-AU" sz="3200" b="0" i="0" u="none" strike="noStrike" cap="none" spc="0">
+                <a:solidFill>
+                  <a:schemeClr val="tx1">
+                    <a:lumMod val="75000"/>
+                    <a:lumOff val="25000"/>
+                  </a:schemeClr>
+                </a:solidFill>
+                <a:latin typeface="Arial"/>
+                <a:ea typeface="Arial"/>
+                <a:cs typeface="Arial"/>
+              </a:rPr>
+              <a:t>FTP Messages can be captured.</a:t>
+            </a:r>
+            <a:endParaRPr sz="3200" b="0">
+              <a:solidFill>
+                <a:schemeClr val="tx1">
+                  <a:lumMod val="75000"/>
+                  <a:lumOff val="25000"/>
+                </a:schemeClr>
+              </a:solidFill>
+            </a:endParaRPr>
+          </a:p>
+          <a:p>
+            <a:pPr>
+              <a:defRPr/>
+            </a:pPr>
+            <a:endParaRPr/>
+          </a:p>
+        </p:txBody>
+      </p:sp>
+      <p:sp>
+        <p:nvSpPr>
+          <p:cNvPr id="196594995" name=""/>
+          <p:cNvSpPr txBox="1"/>
+          <p:nvPr/>
+        </p:nvSpPr>
+        <p:spPr bwMode="auto">
+          <a:xfrm flipH="0" flipV="0">
+            <a:off x="6004378" y="2752341"/>
+            <a:ext cx="183240" cy="1353312"/>
+          </a:xfrm>
+          <a:prstGeom prst="rect">
+            <a:avLst/>
+          </a:prstGeom>
+          <a:noFill/>
+        </p:spPr>
+        <p:txBody>
+          <a:bodyPr vertOverflow="overflow" horzOverflow="overflow" vert="horz" wrap="square" lIns="91440" tIns="45720" rIns="91440" bIns="45720" numCol="1" spcCol="0" rtlCol="0" fromWordArt="0" anchor="t" anchorCtr="0" forceAA="0" upright="0" compatLnSpc="0">
+            <a:spAutoFit/>
+          </a:bodyPr>
+          <a:p>
+            <a:pPr algn="l">
+              <a:lnSpc>
+                <a:spcPct val="114999"/>
+              </a:lnSpc>
+              <a:spcAft>
+                <a:spcPts val="0"/>
+              </a:spcAft>
+              <a:defRPr/>
+            </a:pPr>
+            <a:endParaRPr lang="en-AU">
+              <a:latin typeface="Arial"/>
+              <a:ea typeface="Arial"/>
+              <a:cs typeface="Arial"/>
+            </a:endParaRPr>
+          </a:p>
+          <a:p>
+            <a:pPr algn="l">
+              <a:lnSpc>
+                <a:spcPct val="114999"/>
+              </a:lnSpc>
+              <a:spcAft>
+                <a:spcPts val="0"/>
+              </a:spcAft>
+              <a:defRPr/>
+            </a:pPr>
+            <a:endParaRPr lang="en-AU">
+              <a:latin typeface="Arial"/>
+              <a:ea typeface="Arial"/>
+              <a:cs typeface="Arial"/>
+            </a:endParaRPr>
+          </a:p>
+          <a:p>
+            <a:pPr algn="l">
+              <a:lnSpc>
+                <a:spcPct val="114999"/>
+              </a:lnSpc>
+              <a:spcAft>
+                <a:spcPts val="0"/>
+              </a:spcAft>
+              <a:defRPr/>
+            </a:pPr>
+            <a:endParaRPr lang="en-AU">
+              <a:latin typeface="Arial"/>
+              <a:ea typeface="Arial"/>
+              <a:cs typeface="Arial"/>
+            </a:endParaRPr>
+          </a:p>
+          <a:p>
+            <a:pPr algn="l">
+              <a:lnSpc>
+                <a:spcPct val="114999"/>
+              </a:lnSpc>
+              <a:spcAft>
+                <a:spcPts val="0"/>
+              </a:spcAft>
+              <a:defRPr/>
+            </a:pPr>
+            <a:endParaRPr lang="en-AU">
+              <a:latin typeface="Arial"/>
+              <a:ea typeface="Arial"/>
+              <a:cs typeface="Arial"/>
+            </a:endParaRPr>
+          </a:p>
+        </p:txBody>
+      </p:sp>
+      <p:pic>
+        <p:nvPicPr>
+          <p:cNvPr id="3605207" name=""/>
+          <p:cNvPicPr>
+            <a:picLocks noChangeAspect="1"/>
+          </p:cNvPicPr>
+          <p:nvPr/>
+        </p:nvPicPr>
+        <p:blipFill>
+          <a:blip r:embed="rId3"/>
+          <a:stretch/>
+        </p:blipFill>
+        <p:spPr bwMode="auto">
+          <a:xfrm rot="0" flipH="0" flipV="0">
+            <a:off x="306169" y="3204861"/>
+            <a:ext cx="10802142" cy="2949753"/>
+          </a:xfrm>
+          <a:prstGeom prst="rect">
+            <a:avLst/>
+          </a:prstGeom>
+        </p:spPr>
+      </p:pic>
+    </p:spTree>
+  </p:cSld>
+  <p:clrMapOvr>
+    <a:masterClrMapping/>
+  </p:clrMapOvr>
+  <mc:AlternateContent xmlns:mc="http://schemas.openxmlformats.org/markup-compatibility/2006">
+    <mc:Choice xmlns:p159="http://schemas.microsoft.com/office/powerpoint/2015/09/main" xmlns:p14="http://schemas.microsoft.com/office/powerpoint/2010/main" Requires="p159">
+      <p:transition p14:dur="2000" advClick="1"/>
+    </mc:Choice>
+    <mc:Fallback>
+      <p:transition advClick="1"/>
+    </mc:Fallback>
+  </mc:AlternateContent>
+</p:sld>
+</file>
+
+<file path=ppt/slides/slide54.xml><?xml version="1.0" encoding="utf-8"?>
+<p:sld xmlns:a="http://schemas.openxmlformats.org/drawingml/2006/main" xmlns:r="http://schemas.openxmlformats.org/officeDocument/2006/relationships" xmlns:p="http://schemas.openxmlformats.org/presentationml/2006/main" xmlns:m="http://schemas.openxmlformats.org/officeDocument/2006/math" xmlns:w="http://schemas.openxmlformats.org/wordprocessingml/2006/main" xmlns:mc="http://schemas.openxmlformats.org/markup-compatibility/2006" showMasterPhAnim="0" showMasterSp="1" show="1">
+  <p:cSld name="">
+    <p:spTree>
+      <p:nvGrpSpPr>
+        <p:cNvPr id="1" name=""/>
+        <p:cNvGrpSpPr/>
+        <p:nvPr/>
+      </p:nvGrpSpPr>
+      <p:grpSpPr bwMode="auto">
+        <a:xfrm>
+          <a:off x="0" y="0"/>
+          <a:ext cx="0" cy="0"/>
+          <a:chOff x="0" y="0"/>
+          <a:chExt cx="0" cy="0"/>
+        </a:xfrm>
+      </p:grpSpPr>
+      <p:sp>
+        <p:nvSpPr>
+          <p:cNvPr id="1846533795" name="Subtitle 2"/>
+          <p:cNvSpPr>
+            <a:spLocks noGrp="1"/>
+          </p:cNvSpPr>
+          <p:nvPr>
+            <p:ph type="subTitle" idx="1"/>
+          </p:nvPr>
+        </p:nvSpPr>
+        <p:spPr bwMode="auto">
+          <a:xfrm>
+            <a:off x="4655838" y="2708919"/>
+            <a:ext cx="6720744" cy="720078"/>
+          </a:xfrm>
+        </p:spPr>
+        <p:txBody>
+          <a:bodyPr/>
+          <a:lstStyle>
+            <a:lvl1pPr marL="0" indent="0" algn="r">
+              <a:buNone/>
+              <a:defRPr>
+                <a:solidFill>
+                  <a:schemeClr val="tx1">
+                    <a:lumMod val="50000"/>
+                    <a:lumOff val="50000"/>
+                  </a:schemeClr>
+                </a:solidFill>
+              </a:defRPr>
+            </a:lvl1pPr>
+            <a:lvl2pPr marL="457200" indent="0" algn="ctr">
+              <a:buNone/>
+              <a:defRPr>
+                <a:solidFill>
+                  <a:schemeClr val="tx1">
+                    <a:tint val="75000"/>
+                  </a:schemeClr>
+                </a:solidFill>
+              </a:defRPr>
+            </a:lvl2pPr>
+            <a:lvl3pPr marL="914400" indent="0" algn="ctr">
+              <a:buNone/>
+              <a:defRPr>
+                <a:solidFill>
+                  <a:schemeClr val="tx1">
+                    <a:tint val="75000"/>
+                  </a:schemeClr>
+                </a:solidFill>
+              </a:defRPr>
+            </a:lvl3pPr>
+            <a:lvl4pPr marL="1371600" indent="0" algn="ctr">
+              <a:buNone/>
+              <a:defRPr>
+                <a:solidFill>
+                  <a:schemeClr val="tx1">
+                    <a:tint val="75000"/>
+                  </a:schemeClr>
+                </a:solidFill>
+              </a:defRPr>
+            </a:lvl4pPr>
+            <a:lvl5pPr marL="1828800" indent="0" algn="ctr">
+              <a:buNone/>
+              <a:defRPr>
+                <a:solidFill>
+                  <a:schemeClr val="tx1">
+                    <a:tint val="75000"/>
+                  </a:schemeClr>
+                </a:solidFill>
+              </a:defRPr>
+            </a:lvl5pPr>
+            <a:lvl6pPr marL="2286000" indent="0" algn="ctr">
+              <a:buNone/>
+              <a:defRPr>
+                <a:solidFill>
+                  <a:schemeClr val="tx1">
+                    <a:tint val="75000"/>
+                  </a:schemeClr>
+                </a:solidFill>
+              </a:defRPr>
+            </a:lvl6pPr>
+            <a:lvl7pPr marL="2743200" indent="0" algn="ctr">
+              <a:buNone/>
+              <a:defRPr>
+                <a:solidFill>
+                  <a:schemeClr val="tx1">
+                    <a:tint val="75000"/>
+                  </a:schemeClr>
+                </a:solidFill>
+              </a:defRPr>
+            </a:lvl7pPr>
+            <a:lvl8pPr marL="3200400" indent="0" algn="ctr">
+              <a:buNone/>
+              <a:defRPr>
+                <a:solidFill>
+                  <a:schemeClr val="tx1">
+                    <a:tint val="75000"/>
+                  </a:schemeClr>
+                </a:solidFill>
+              </a:defRPr>
+            </a:lvl8pPr>
+            <a:lvl9pPr marL="3657600" indent="0" algn="ctr">
+              <a:buNone/>
+              <a:defRPr>
+                <a:solidFill>
+                  <a:schemeClr val="tx1">
+                    <a:tint val="75000"/>
+                  </a:schemeClr>
+                </a:solidFill>
+              </a:defRPr>
+            </a:lvl9pPr>
+          </a:lstStyle>
+          <a:p>
+            <a:pPr>
+              <a:defRPr/>
+            </a:pPr>
+            <a:r>
+              <a:rPr lang="en-AU"/>
+              <a:t>IPv4</a:t>
+            </a:r>
+            <a:endParaRPr/>
+          </a:p>
+        </p:txBody>
+      </p:sp>
+      <p:sp>
+        <p:nvSpPr>
+          <p:cNvPr id="457496718" name="Title 6"/>
+          <p:cNvSpPr>
+            <a:spLocks noGrp="1"/>
+          </p:cNvSpPr>
+          <p:nvPr>
+            <p:ph type="title"/>
+          </p:nvPr>
+        </p:nvSpPr>
+        <p:spPr bwMode="auto">
+          <a:xfrm flipH="0" flipV="0">
+            <a:off x="4595833" y="1208941"/>
+            <a:ext cx="6720744" cy="1319956"/>
+          </a:xfrm>
+        </p:spPr>
+        <p:txBody>
+          <a:bodyPr vertOverflow="overflow" horzOverflow="overflow" vert="horz" wrap="square" lIns="91440" tIns="45720" rIns="91440" bIns="45720" numCol="1" spcCol="0" rtlCol="0" fromWordArt="0" anchor="ctr" anchorCtr="0" forceAA="0" upright="0" compatLnSpc="0">
+            <a:normAutofit fontScale="95000" lnSpcReduction="1000"/>
+          </a:bodyPr>
+          <a:lstStyle>
+            <a:lvl1pPr algn="r">
+              <a:defRPr/>
+            </a:lvl1pPr>
+          </a:lstStyle>
+          <a:p>
+            <a:pPr>
+              <a:defRPr/>
+            </a:pPr>
+            <a:r>
+              <a:rPr lang="en-AU" sz="4400" b="0" i="0" u="none" strike="noStrike" cap="none" spc="0">
+                <a:solidFill>
+                  <a:schemeClr val="tx1">
+                    <a:lumMod val="65000"/>
+                    <a:lumOff val="35000"/>
+                  </a:schemeClr>
+                </a:solidFill>
+                <a:latin typeface="Arial"/>
+                <a:ea typeface="Arial"/>
+                <a:cs typeface="Arial"/>
+              </a:rPr>
+              <a:t>Testing Encapsulation PPP</a:t>
+            </a:r>
+            <a:endParaRPr/>
+          </a:p>
+        </p:txBody>
+      </p:sp>
+    </p:spTree>
+  </p:cSld>
+  <p:clrMapOvr>
+    <a:masterClrMapping/>
+  </p:clrMapOvr>
+  <mc:AlternateContent xmlns:mc="http://schemas.openxmlformats.org/markup-compatibility/2006">
+    <mc:Choice xmlns:p159="http://schemas.microsoft.com/office/powerpoint/2015/09/main" xmlns:p14="http://schemas.microsoft.com/office/powerpoint/2010/main" Requires="p159">
+      <p:transition p14:dur="2000" advClick="1"/>
+    </mc:Choice>
+    <mc:Fallback>
+      <p:transition advClick="1"/>
+    </mc:Fallback>
+  </mc:AlternateContent>
+</p:sld>
+</file>
+
+<file path=ppt/slides/slide55.xml><?xml version="1.0" encoding="utf-8"?>
+<p:sld xmlns:a="http://schemas.openxmlformats.org/drawingml/2006/main" xmlns:r="http://schemas.openxmlformats.org/officeDocument/2006/relationships" xmlns:p="http://schemas.openxmlformats.org/presentationml/2006/main" xmlns:m="http://schemas.openxmlformats.org/officeDocument/2006/math" xmlns:w="http://schemas.openxmlformats.org/wordprocessingml/2006/main" xmlns:mc="http://schemas.openxmlformats.org/markup-compatibility/2006" showMasterPhAnim="0" showMasterSp="1" show="1">
+  <p:cSld name="">
+    <p:spTree>
+      <p:nvGrpSpPr>
+        <p:cNvPr id="1" name=""/>
+        <p:cNvGrpSpPr/>
+        <p:nvPr/>
+      </p:nvGrpSpPr>
+      <p:grpSpPr bwMode="auto">
+        <a:xfrm>
+          <a:off x="0" y="0"/>
+          <a:ext cx="0" cy="0"/>
+          <a:chOff x="0" y="0"/>
+          <a:chExt cx="0" cy="0"/>
+        </a:xfrm>
+      </p:grpSpPr>
+      <p:sp>
+        <p:nvSpPr>
+          <p:cNvPr id="682496178" name="Title 1"/>
+          <p:cNvSpPr>
+            <a:spLocks noGrp="1"/>
+          </p:cNvSpPr>
+          <p:nvPr>
+            <p:ph type="title"/>
+          </p:nvPr>
+        </p:nvSpPr>
+        <p:spPr bwMode="auto"/>
+        <p:txBody>
+          <a:bodyPr vertOverflow="overflow" horzOverflow="overflow" vert="horz" wrap="square" lIns="91440" tIns="45720" rIns="91440" bIns="45720" numCol="1" spcCol="0" rtlCol="0" fromWordArt="0" anchor="ctr" anchorCtr="0" forceAA="0" upright="0" compatLnSpc="0">
+            <a:normAutofit/>
+          </a:bodyPr>
+          <a:lstStyle/>
+          <a:p>
+            <a:pPr>
+              <a:defRPr/>
+            </a:pPr>
+            <a:r>
+              <a:rPr lang="en-AU" sz="4400" b="0" i="0" u="none" strike="noStrike" cap="none" spc="0">
+                <a:solidFill>
+                  <a:schemeClr val="tx1">
+                    <a:lumMod val="65000"/>
+                    <a:lumOff val="35000"/>
+                  </a:schemeClr>
+                </a:solidFill>
+                <a:latin typeface="Arial"/>
+                <a:ea typeface="Arial"/>
+                <a:cs typeface="Arial"/>
+              </a:rPr>
+              <a:t>Encapsulation PPP</a:t>
+            </a:r>
+            <a:endParaRPr sz="4400"/>
+          </a:p>
+        </p:txBody>
+      </p:sp>
+      <p:sp>
+        <p:nvSpPr>
+          <p:cNvPr id="2132278506" name=""/>
+          <p:cNvSpPr txBox="1"/>
+          <p:nvPr/>
+        </p:nvSpPr>
+        <p:spPr bwMode="auto">
+          <a:xfrm flipH="0" flipV="0">
+            <a:off x="8757547" y="1863381"/>
+            <a:ext cx="2826290" cy="2530199"/>
+          </a:xfrm>
+          <a:prstGeom prst="rect">
+            <a:avLst/>
+          </a:prstGeom>
+          <a:noFill/>
+        </p:spPr>
+        <p:txBody>
+          <a:bodyPr vertOverflow="overflow" horzOverflow="overflow" vert="horz" wrap="square" lIns="91440" tIns="45720" rIns="91440" bIns="45720" numCol="1" spcCol="0" rtlCol="0" fromWordArt="0" anchor="t" anchorCtr="0" forceAA="0" upright="0" compatLnSpc="0">
+            <a:spAutoFit/>
+          </a:bodyPr>
+          <a:p>
+            <a:pPr algn="l">
+              <a:defRPr/>
+            </a:pPr>
+            <a:r>
+              <a:rPr lang="en-AU" sz="3200" b="0" i="0" u="none" strike="noStrike" cap="none" spc="0">
+                <a:solidFill>
+                  <a:schemeClr val="tx1">
+                    <a:lumMod val="75000"/>
+                    <a:lumOff val="25000"/>
+                  </a:schemeClr>
+                </a:solidFill>
+                <a:latin typeface="Arial"/>
+                <a:ea typeface="Arial"/>
+                <a:cs typeface="Arial"/>
+              </a:rPr>
+              <a:t>Implemented </a:t>
+            </a:r>
+            <a:r>
+              <a:rPr lang="en-AU" sz="3200" b="0" i="0" u="none" strike="noStrike" cap="none" spc="0">
+                <a:solidFill>
+                  <a:schemeClr val="tx1">
+                    <a:lumMod val="75000"/>
+                    <a:lumOff val="25000"/>
+                  </a:schemeClr>
+                </a:solidFill>
+                <a:latin typeface="Arial"/>
+                <a:ea typeface="Arial"/>
+                <a:cs typeface="Arial"/>
+              </a:rPr>
+              <a:t>CHAP as an automatic authentication method.</a:t>
+            </a:r>
+            <a:endParaRPr sz="3200" b="0">
+              <a:solidFill>
+                <a:schemeClr val="tx1">
+                  <a:lumMod val="75000"/>
+                  <a:lumOff val="25000"/>
+                </a:schemeClr>
+              </a:solidFill>
+            </a:endParaRPr>
+          </a:p>
+        </p:txBody>
+      </p:sp>
+      <p:sp>
+        <p:nvSpPr>
+          <p:cNvPr id="1277315233" name=""/>
+          <p:cNvSpPr txBox="1"/>
+          <p:nvPr/>
+        </p:nvSpPr>
+        <p:spPr bwMode="auto">
+          <a:xfrm flipH="0" flipV="0">
+            <a:off x="6004378" y="2752341"/>
+            <a:ext cx="183240" cy="1353312"/>
+          </a:xfrm>
+          <a:prstGeom prst="rect">
+            <a:avLst/>
+          </a:prstGeom>
+          <a:noFill/>
+        </p:spPr>
+        <p:txBody>
+          <a:bodyPr vertOverflow="overflow" horzOverflow="overflow" vert="horz" wrap="square" lIns="91440" tIns="45720" rIns="91440" bIns="45720" numCol="1" spcCol="0" rtlCol="0" fromWordArt="0" anchor="t" anchorCtr="0" forceAA="0" upright="0" compatLnSpc="0">
+            <a:spAutoFit/>
+          </a:bodyPr>
+          <a:p>
+            <a:pPr algn="l">
+              <a:lnSpc>
+                <a:spcPct val="114999"/>
+              </a:lnSpc>
+              <a:spcAft>
+                <a:spcPts val="0"/>
+              </a:spcAft>
+              <a:defRPr/>
+            </a:pPr>
+            <a:endParaRPr lang="en-AU">
+              <a:latin typeface="Arial"/>
+              <a:ea typeface="Arial"/>
+              <a:cs typeface="Arial"/>
+            </a:endParaRPr>
+          </a:p>
+          <a:p>
+            <a:pPr algn="l">
+              <a:lnSpc>
+                <a:spcPct val="114999"/>
+              </a:lnSpc>
+              <a:spcAft>
+                <a:spcPts val="0"/>
+              </a:spcAft>
+              <a:defRPr/>
+            </a:pPr>
+            <a:endParaRPr lang="en-AU">
+              <a:latin typeface="Arial"/>
+              <a:ea typeface="Arial"/>
+              <a:cs typeface="Arial"/>
+            </a:endParaRPr>
+          </a:p>
+          <a:p>
+            <a:pPr algn="l">
+              <a:lnSpc>
+                <a:spcPct val="114999"/>
+              </a:lnSpc>
+              <a:spcAft>
+                <a:spcPts val="0"/>
+              </a:spcAft>
+              <a:defRPr/>
+            </a:pPr>
+            <a:endParaRPr lang="en-AU">
+              <a:latin typeface="Arial"/>
+              <a:ea typeface="Arial"/>
+              <a:cs typeface="Arial"/>
+            </a:endParaRPr>
+          </a:p>
+          <a:p>
+            <a:pPr algn="l">
+              <a:lnSpc>
+                <a:spcPct val="114999"/>
+              </a:lnSpc>
+              <a:spcAft>
+                <a:spcPts val="0"/>
+              </a:spcAft>
+              <a:defRPr/>
+            </a:pPr>
+            <a:endParaRPr lang="en-AU">
+              <a:latin typeface="Arial"/>
+              <a:ea typeface="Arial"/>
+              <a:cs typeface="Arial"/>
+            </a:endParaRPr>
+          </a:p>
+        </p:txBody>
+      </p:sp>
+      <p:grpSp>
+        <p:nvGrpSpPr>
+          <p:cNvPr id="1473470496" name=""/>
+          <p:cNvGrpSpPr/>
+          <p:nvPr/>
+        </p:nvGrpSpPr>
+        <p:grpSpPr bwMode="auto">
+          <a:xfrm rot="0" flipH="0" flipV="0">
+            <a:off x="70656" y="1710149"/>
+            <a:ext cx="7862612" cy="4920715"/>
+            <a:chOff x="0" y="0"/>
+            <a:chExt cx="7862612" cy="4920715"/>
+          </a:xfrm>
+        </p:grpSpPr>
+        <p:pic>
+          <p:nvPicPr>
+            <p:cNvPr id="1580599249" name=""/>
+            <p:cNvPicPr>
+              <a:picLocks noChangeAspect="1"/>
+            </p:cNvPicPr>
+            <p:nvPr/>
+          </p:nvPicPr>
+          <p:blipFill>
+            <a:blip r:embed="rId3"/>
+            <a:stretch/>
+          </p:blipFill>
+          <p:spPr bwMode="auto">
+            <a:xfrm rot="0" flipH="0" flipV="0">
+              <a:off x="0" y="0"/>
+              <a:ext cx="7862610" cy="2907371"/>
+            </a:xfrm>
+            <a:prstGeom prst="rect">
+              <a:avLst/>
+            </a:prstGeom>
+          </p:spPr>
+        </p:pic>
+        <p:pic>
+          <p:nvPicPr>
+            <p:cNvPr id="873215283" name=""/>
+            <p:cNvPicPr>
+              <a:picLocks noChangeAspect="1"/>
+            </p:cNvPicPr>
+            <p:nvPr/>
+          </p:nvPicPr>
+          <p:blipFill>
+            <a:blip r:embed="rId4"/>
+            <a:stretch/>
+          </p:blipFill>
+          <p:spPr bwMode="auto">
+            <a:xfrm rot="0" flipH="0" flipV="0">
+              <a:off x="117599" y="3132388"/>
+              <a:ext cx="3555454" cy="1788324"/>
+            </a:xfrm>
+            <a:prstGeom prst="rect">
+              <a:avLst/>
+            </a:prstGeom>
+          </p:spPr>
+        </p:pic>
+      </p:grpSp>
+    </p:spTree>
+  </p:cSld>
+  <p:clrMapOvr>
+    <a:masterClrMapping/>
+  </p:clrMapOvr>
+  <mc:AlternateContent xmlns:mc="http://schemas.openxmlformats.org/markup-compatibility/2006">
+    <mc:Choice xmlns:p159="http://schemas.microsoft.com/office/powerpoint/2015/09/main" xmlns:p14="http://schemas.microsoft.com/office/powerpoint/2010/main" Requires="p159">
+      <p:transition p14:dur="2000" advClick="1"/>
+    </mc:Choice>
+    <mc:Fallback>
+      <p:transition advClick="1"/>
+    </mc:Fallback>
+  </mc:AlternateContent>
+</p:sld>
+</file>
+
 <file path=ppt/slides/slide6.xml><?xml version="1.0" encoding="utf-8"?>
 <p:sld xmlns:a="http://schemas.openxmlformats.org/drawingml/2006/main" xmlns:r="http://schemas.openxmlformats.org/officeDocument/2006/relationships" xmlns:p="http://schemas.openxmlformats.org/presentationml/2006/main" xmlns:m="http://schemas.openxmlformats.org/officeDocument/2006/math" xmlns:w="http://schemas.openxmlformats.org/wordprocessingml/2006/main" xmlns:mc="http://schemas.openxmlformats.org/markup-compatibility/2006" showMasterPhAnim="0" showMasterSp="1" show="1">
   <p:cSld name="">
@@ -14884,7 +19925,7 @@
       </p:grpSpPr>
       <p:sp>
         <p:nvSpPr>
-          <p:cNvPr id="324680167" name="Title 1"/>
+          <p:cNvPr id="2042563860" name="Title 1"/>
           <p:cNvSpPr>
             <a:spLocks noGrp="1"/>
           </p:cNvSpPr>
@@ -14920,7 +19961,7 @@
       </p:sp>
       <p:sp>
         <p:nvSpPr>
-          <p:cNvPr id="29241705" name="Content Placeholder 2"/>
+          <p:cNvPr id="1346449983" name="Content Placeholder 2"/>
           <p:cNvSpPr>
             <a:spLocks noGrp="1"/>
           </p:cNvSpPr>
@@ -15014,7 +20055,7 @@
       </p:sp>
       <p:pic>
         <p:nvPicPr>
-          <p:cNvPr id="1047970099" name=""/>
+          <p:cNvPr id="973937315" name=""/>
           <p:cNvPicPr>
             <a:picLocks noChangeAspect="1"/>
           </p:cNvPicPr>
@@ -15069,7 +20110,7 @@
       </p:grpSpPr>
       <p:sp>
         <p:nvSpPr>
-          <p:cNvPr id="1711967187" name="Title 1"/>
+          <p:cNvPr id="1864067102" name="Title 1"/>
           <p:cNvSpPr>
             <a:spLocks noGrp="1"/>
           </p:cNvSpPr>
@@ -15105,7 +20146,7 @@
       </p:sp>
       <p:sp>
         <p:nvSpPr>
-          <p:cNvPr id="492984548" name="Content Placeholder 2"/>
+          <p:cNvPr id="1137551846" name="Content Placeholder 2"/>
           <p:cNvSpPr>
             <a:spLocks noGrp="1"/>
           </p:cNvSpPr>
@@ -15295,7 +20336,7 @@
       </p:sp>
       <p:sp>
         <p:nvSpPr>
-          <p:cNvPr id="1799331862" name=""/>
+          <p:cNvPr id="1844523075" name=""/>
           <p:cNvSpPr txBox="1"/>
           <p:nvPr/>
         </p:nvSpPr>
@@ -15512,7 +20553,7 @@
       </p:grpSpPr>
       <p:sp>
         <p:nvSpPr>
-          <p:cNvPr id="401680146" name="Title 1"/>
+          <p:cNvPr id="310318090" name="Title 1"/>
           <p:cNvSpPr>
             <a:spLocks noGrp="1"/>
           </p:cNvSpPr>
@@ -15542,7 +20583,7 @@
       </p:sp>
       <p:sp>
         <p:nvSpPr>
-          <p:cNvPr id="522739054" name="Content Placeholder 2"/>
+          <p:cNvPr id="1931567850" name="Content Placeholder 2"/>
           <p:cNvSpPr>
             <a:spLocks noGrp="1"/>
           </p:cNvSpPr>
@@ -15564,7 +20605,7 @@
       </p:sp>
       <p:graphicFrame>
         <p:nvGraphicFramePr>
-          <p:cNvPr id="1224761811" name=""/>
+          <p:cNvPr id="680308783" name=""/>
           <p:cNvGraphicFramePr>
             <a:graphicFrameLocks xmlns:a="http://schemas.openxmlformats.org/drawingml/2006/main"/>
           </p:cNvGraphicFramePr>
@@ -15920,7 +20961,7 @@
       </p:grpSpPr>
       <p:sp>
         <p:nvSpPr>
-          <p:cNvPr id="1616815479" name="Subtitle 2"/>
+          <p:cNvPr id="1009834744" name="Subtitle 2"/>
           <p:cNvSpPr>
             <a:spLocks noGrp="1"/>
           </p:cNvSpPr>
@@ -15931,7 +20972,7 @@
         <p:spPr bwMode="auto">
           <a:xfrm>
             <a:off x="4655839" y="2708919"/>
-            <a:ext cx="6720746" cy="720079"/>
+            <a:ext cx="6720745" cy="720079"/>
           </a:xfrm>
         </p:spPr>
         <p:txBody>
@@ -16053,7 +21094,7 @@
       </p:sp>
       <p:sp>
         <p:nvSpPr>
-          <p:cNvPr id="247540737" name="Title 6"/>
+          <p:cNvPr id="1414270188" name="Title 6"/>
           <p:cNvSpPr>
             <a:spLocks noGrp="1"/>
           </p:cNvSpPr>
@@ -16064,7 +21105,7 @@
         <p:spPr bwMode="auto">
           <a:xfrm>
             <a:off x="4595833" y="1808820"/>
-            <a:ext cx="6720746" cy="720079"/>
+            <a:ext cx="6720745" cy="720079"/>
           </a:xfrm>
         </p:spPr>
         <p:txBody>

--- a/TERM1-BLOCK1/2-ICTNWK541-Configure_Verify_Troubleshoot_WAN_links-IP_services/Assessmet_Task2/Task2/ICTNWK541 Assessment task.pptx
+++ b/TERM1-BLOCK1/2-ICTNWK541-Configure_Verify_Troubleshoot_WAN_links-IP_services/Assessmet_Task2/Task2/ICTNWK541 Assessment task.pptx
@@ -5,7 +5,7 @@
     <p:sldMasterId id="2147483648" r:id="rId1"/>
   </p:sldMasterIdLst>
   <p:notesMasterIdLst>
-    <p:notesMasterId r:id="rId59"/>
+    <p:notesMasterId r:id="rId70"/>
   </p:notesMasterIdLst>
   <p:sldIdLst>
     <p:sldId id="256" r:id="rId4"/>
@@ -63,6 +63,17 @@
     <p:sldId id="308" r:id="rId56"/>
     <p:sldId id="309" r:id="rId57"/>
     <p:sldId id="310" r:id="rId58"/>
+    <p:sldId id="311" r:id="rId59"/>
+    <p:sldId id="312" r:id="rId60"/>
+    <p:sldId id="313" r:id="rId61"/>
+    <p:sldId id="314" r:id="rId62"/>
+    <p:sldId id="315" r:id="rId63"/>
+    <p:sldId id="316" r:id="rId64"/>
+    <p:sldId id="317" r:id="rId65"/>
+    <p:sldId id="318" r:id="rId66"/>
+    <p:sldId id="319" r:id="rId67"/>
+    <p:sldId id="320" r:id="rId68"/>
+    <p:sldId id="321" r:id="rId69"/>
   </p:sldIdLst>
   <p:sldSz cx="12192000" cy="6858000"/>
   <p:notesSz cx="6858000" cy="9144000"/>
@@ -188,7 +199,7 @@
       </p:grpSpPr>
       <p:sp>
         <p:nvSpPr>
-          <p:cNvPr id="1925495367" name="Header Placeholder 1"/>
+          <p:cNvPr id="1953724660" name="Header Placeholder 1"/>
           <p:cNvSpPr>
             <a:spLocks noGrp="1"/>
           </p:cNvSpPr>
@@ -222,7 +233,7 @@
       </p:sp>
       <p:sp>
         <p:nvSpPr>
-          <p:cNvPr id="1496301973" name="Date Placeholder 2"/>
+          <p:cNvPr id="427427129" name="Date Placeholder 2"/>
           <p:cNvSpPr>
             <a:spLocks noGrp="1"/>
           </p:cNvSpPr>
@@ -260,7 +271,7 @@
       </p:sp>
       <p:sp>
         <p:nvSpPr>
-          <p:cNvPr id="1890148464" name="Slide Image Placeholder 3"/>
+          <p:cNvPr id="1024510690" name="Slide Image Placeholder 3"/>
           <p:cNvSpPr>
             <a:spLocks noChangeAspect="1" noGrp="1" noRot="1"/>
           </p:cNvSpPr>
@@ -296,7 +307,7 @@
       </p:sp>
       <p:sp>
         <p:nvSpPr>
-          <p:cNvPr id="1823362460" name="Notes Placeholder 4"/>
+          <p:cNvPr id="750524678" name="Notes Placeholder 4"/>
           <p:cNvSpPr>
             <a:spLocks noGrp="1"/>
           </p:cNvSpPr>
@@ -370,7 +381,7 @@
       </p:sp>
       <p:sp>
         <p:nvSpPr>
-          <p:cNvPr id="33515043" name="Footer Placeholder 5"/>
+          <p:cNvPr id="392762089" name="Footer Placeholder 5"/>
           <p:cNvSpPr>
             <a:spLocks noGrp="1"/>
           </p:cNvSpPr>
@@ -404,7 +415,7 @@
       </p:sp>
       <p:sp>
         <p:nvSpPr>
-          <p:cNvPr id="2110982801" name="Slide Number Placeholder 6"/>
+          <p:cNvPr id="1119965091" name="Slide Number Placeholder 6"/>
           <p:cNvSpPr>
             <a:spLocks noGrp="1"/>
           </p:cNvSpPr>
@@ -557,7 +568,7 @@
       </p:grpSpPr>
       <p:sp>
         <p:nvSpPr>
-          <p:cNvPr id="888531818" name="Slide Image Placeholder 1"/>
+          <p:cNvPr id="1627012151" name="Slide Image Placeholder 1"/>
           <p:cNvSpPr>
             <a:spLocks noChangeAspect="1" noGrp="1" noRot="1"/>
           </p:cNvSpPr>
@@ -574,7 +585,7 @@
       </p:sp>
       <p:sp>
         <p:nvSpPr>
-          <p:cNvPr id="1522816882" name="Notes Placeholder 2"/>
+          <p:cNvPr id="573931248" name="Notes Placeholder 2"/>
           <p:cNvSpPr>
             <a:spLocks noGrp="1"/>
           </p:cNvSpPr>
@@ -599,7 +610,7 @@
       </p:sp>
       <p:sp>
         <p:nvSpPr>
-          <p:cNvPr id="900024694" name="Slide Number Placeholder 3"/>
+          <p:cNvPr id="2059651768" name="Slide Number Placeholder 3"/>
           <p:cNvSpPr>
             <a:spLocks noGrp="1"/>
           </p:cNvSpPr>
@@ -647,7 +658,7 @@
       </p:grpSpPr>
       <p:sp>
         <p:nvSpPr>
-          <p:cNvPr id="770396059" name="Slide Image Placeholder 1"/>
+          <p:cNvPr id="1580011151" name="Slide Image Placeholder 1"/>
           <p:cNvSpPr>
             <a:spLocks noChangeAspect="1" noGrp="1" noRot="1"/>
           </p:cNvSpPr>
@@ -659,7 +670,7 @@
       </p:sp>
       <p:sp>
         <p:nvSpPr>
-          <p:cNvPr id="716474655" name="Notes Placeholder 2"/>
+          <p:cNvPr id="1074232886" name="Notes Placeholder 2"/>
           <p:cNvSpPr>
             <a:spLocks noGrp="1"/>
           </p:cNvSpPr>
@@ -681,7 +692,7 @@
       </p:sp>
       <p:sp>
         <p:nvSpPr>
-          <p:cNvPr id="2032740250" name="Slide Number Placeholder 3"/>
+          <p:cNvPr id="575315295" name="Slide Number Placeholder 3"/>
           <p:cNvSpPr>
             <a:spLocks noGrp="1"/>
           </p:cNvSpPr>
@@ -729,7 +740,7 @@
       </p:grpSpPr>
       <p:sp>
         <p:nvSpPr>
-          <p:cNvPr id="624043691" name="Slide Image Placeholder 1"/>
+          <p:cNvPr id="1942182293" name="Slide Image Placeholder 1"/>
           <p:cNvSpPr>
             <a:spLocks noChangeAspect="1" noGrp="1" noRot="1"/>
           </p:cNvSpPr>
@@ -741,7 +752,7 @@
       </p:sp>
       <p:sp>
         <p:nvSpPr>
-          <p:cNvPr id="1213322721" name="Notes Placeholder 2"/>
+          <p:cNvPr id="100158797" name="Notes Placeholder 2"/>
           <p:cNvSpPr>
             <a:spLocks noGrp="1"/>
           </p:cNvSpPr>
@@ -763,7 +774,7 @@
       </p:sp>
       <p:sp>
         <p:nvSpPr>
-          <p:cNvPr id="1996929306" name="Slide Number Placeholder 3"/>
+          <p:cNvPr id="1161376334" name="Slide Number Placeholder 3"/>
           <p:cNvSpPr>
             <a:spLocks noGrp="1"/>
           </p:cNvSpPr>
@@ -811,7 +822,7 @@
       </p:grpSpPr>
       <p:sp>
         <p:nvSpPr>
-          <p:cNvPr id="2038896089" name="Slide Image Placeholder 1"/>
+          <p:cNvPr id="621633476" name="Slide Image Placeholder 1"/>
           <p:cNvSpPr>
             <a:spLocks noChangeAspect="1" noGrp="1" noRot="1"/>
           </p:cNvSpPr>
@@ -823,7 +834,7 @@
       </p:sp>
       <p:sp>
         <p:nvSpPr>
-          <p:cNvPr id="1592895134" name="Notes Placeholder 2"/>
+          <p:cNvPr id="295982001" name="Notes Placeholder 2"/>
           <p:cNvSpPr>
             <a:spLocks noGrp="1"/>
           </p:cNvSpPr>
@@ -845,7 +856,7 @@
       </p:sp>
       <p:sp>
         <p:nvSpPr>
-          <p:cNvPr id="2142295081" name="Slide Number Placeholder 3"/>
+          <p:cNvPr id="1698178314" name="Slide Number Placeholder 3"/>
           <p:cNvSpPr>
             <a:spLocks noGrp="1"/>
           </p:cNvSpPr>
@@ -893,7 +904,7 @@
       </p:grpSpPr>
       <p:sp>
         <p:nvSpPr>
-          <p:cNvPr id="314602124" name="Slide Image Placeholder 1"/>
+          <p:cNvPr id="541412063" name="Slide Image Placeholder 1"/>
           <p:cNvSpPr>
             <a:spLocks noChangeAspect="1" noGrp="1" noRot="1"/>
           </p:cNvSpPr>
@@ -905,7 +916,7 @@
       </p:sp>
       <p:sp>
         <p:nvSpPr>
-          <p:cNvPr id="1719304868" name="Notes Placeholder 2"/>
+          <p:cNvPr id="660302493" name="Notes Placeholder 2"/>
           <p:cNvSpPr>
             <a:spLocks noGrp="1"/>
           </p:cNvSpPr>
@@ -927,7 +938,7 @@
       </p:sp>
       <p:sp>
         <p:nvSpPr>
-          <p:cNvPr id="276769224" name="Slide Number Placeholder 3"/>
+          <p:cNvPr id="925393316" name="Slide Number Placeholder 3"/>
           <p:cNvSpPr>
             <a:spLocks noGrp="1"/>
           </p:cNvSpPr>
@@ -975,7 +986,7 @@
       </p:grpSpPr>
       <p:sp>
         <p:nvSpPr>
-          <p:cNvPr id="1014000757" name="Slide Image Placeholder 1"/>
+          <p:cNvPr id="1244254034" name="Slide Image Placeholder 1"/>
           <p:cNvSpPr>
             <a:spLocks noChangeAspect="1" noGrp="1" noRot="1"/>
           </p:cNvSpPr>
@@ -987,7 +998,7 @@
       </p:sp>
       <p:sp>
         <p:nvSpPr>
-          <p:cNvPr id="1077305078" name="Notes Placeholder 2"/>
+          <p:cNvPr id="1547834292" name="Notes Placeholder 2"/>
           <p:cNvSpPr>
             <a:spLocks noGrp="1"/>
           </p:cNvSpPr>
@@ -1009,7 +1020,7 @@
       </p:sp>
       <p:sp>
         <p:nvSpPr>
-          <p:cNvPr id="702845214" name="Slide Number Placeholder 3"/>
+          <p:cNvPr id="1206467336" name="Slide Number Placeholder 3"/>
           <p:cNvSpPr>
             <a:spLocks noGrp="1"/>
           </p:cNvSpPr>
@@ -1057,7 +1068,7 @@
       </p:grpSpPr>
       <p:sp>
         <p:nvSpPr>
-          <p:cNvPr id="1872670772" name="Slide Image Placeholder 1"/>
+          <p:cNvPr id="747793243" name="Slide Image Placeholder 1"/>
           <p:cNvSpPr>
             <a:spLocks noChangeAspect="1" noGrp="1" noRot="1"/>
           </p:cNvSpPr>
@@ -1069,7 +1080,7 @@
       </p:sp>
       <p:sp>
         <p:nvSpPr>
-          <p:cNvPr id="1134585842" name="Notes Placeholder 2"/>
+          <p:cNvPr id="534077179" name="Notes Placeholder 2"/>
           <p:cNvSpPr>
             <a:spLocks noGrp="1"/>
           </p:cNvSpPr>
@@ -1091,7 +1102,7 @@
       </p:sp>
       <p:sp>
         <p:nvSpPr>
-          <p:cNvPr id="1807980343" name="Slide Number Placeholder 3"/>
+          <p:cNvPr id="325145942" name="Slide Number Placeholder 3"/>
           <p:cNvSpPr>
             <a:spLocks noGrp="1"/>
           </p:cNvSpPr>
@@ -1139,7 +1150,7 @@
       </p:grpSpPr>
       <p:sp>
         <p:nvSpPr>
-          <p:cNvPr id="774254646" name="Slide Image Placeholder 1"/>
+          <p:cNvPr id="2016728815" name="Slide Image Placeholder 1"/>
           <p:cNvSpPr>
             <a:spLocks noChangeAspect="1" noGrp="1" noRot="1"/>
           </p:cNvSpPr>
@@ -1151,7 +1162,7 @@
       </p:sp>
       <p:sp>
         <p:nvSpPr>
-          <p:cNvPr id="380816540" name="Notes Placeholder 2"/>
+          <p:cNvPr id="1968921814" name="Notes Placeholder 2"/>
           <p:cNvSpPr>
             <a:spLocks noGrp="1"/>
           </p:cNvSpPr>
@@ -1173,7 +1184,7 @@
       </p:sp>
       <p:sp>
         <p:nvSpPr>
-          <p:cNvPr id="1544300844" name="Slide Number Placeholder 3"/>
+          <p:cNvPr id="2048840716" name="Slide Number Placeholder 3"/>
           <p:cNvSpPr>
             <a:spLocks noGrp="1"/>
           </p:cNvSpPr>
@@ -1221,7 +1232,7 @@
       </p:grpSpPr>
       <p:sp>
         <p:nvSpPr>
-          <p:cNvPr id="2046476149" name="Slide Image Placeholder 1"/>
+          <p:cNvPr id="427303466" name="Slide Image Placeholder 1"/>
           <p:cNvSpPr>
             <a:spLocks noChangeAspect="1" noGrp="1" noRot="1"/>
           </p:cNvSpPr>
@@ -1233,7 +1244,7 @@
       </p:sp>
       <p:sp>
         <p:nvSpPr>
-          <p:cNvPr id="2045792578" name="Notes Placeholder 2"/>
+          <p:cNvPr id="2027169648" name="Notes Placeholder 2"/>
           <p:cNvSpPr>
             <a:spLocks noGrp="1"/>
           </p:cNvSpPr>
@@ -1255,7 +1266,7 @@
       </p:sp>
       <p:sp>
         <p:nvSpPr>
-          <p:cNvPr id="1369092333" name="Slide Number Placeholder 3"/>
+          <p:cNvPr id="1022152848" name="Slide Number Placeholder 3"/>
           <p:cNvSpPr>
             <a:spLocks noGrp="1"/>
           </p:cNvSpPr>
@@ -1303,7 +1314,7 @@
       </p:grpSpPr>
       <p:sp>
         <p:nvSpPr>
-          <p:cNvPr id="1580199549" name="Slide Image Placeholder 1"/>
+          <p:cNvPr id="994553413" name="Slide Image Placeholder 1"/>
           <p:cNvSpPr>
             <a:spLocks noChangeAspect="1" noGrp="1" noRot="1"/>
           </p:cNvSpPr>
@@ -1315,7 +1326,7 @@
       </p:sp>
       <p:sp>
         <p:nvSpPr>
-          <p:cNvPr id="174321545" name="Notes Placeholder 2"/>
+          <p:cNvPr id="1217024267" name="Notes Placeholder 2"/>
           <p:cNvSpPr>
             <a:spLocks noGrp="1"/>
           </p:cNvSpPr>
@@ -1337,7 +1348,7 @@
       </p:sp>
       <p:sp>
         <p:nvSpPr>
-          <p:cNvPr id="1579952680" name="Slide Number Placeholder 3"/>
+          <p:cNvPr id="1068186220" name="Slide Number Placeholder 3"/>
           <p:cNvSpPr>
             <a:spLocks noGrp="1"/>
           </p:cNvSpPr>
@@ -1385,7 +1396,7 @@
       </p:grpSpPr>
       <p:sp>
         <p:nvSpPr>
-          <p:cNvPr id="51603269" name="Slide Image Placeholder 1"/>
+          <p:cNvPr id="371850668" name="Slide Image Placeholder 1"/>
           <p:cNvSpPr>
             <a:spLocks noChangeAspect="1" noGrp="1" noRot="1"/>
           </p:cNvSpPr>
@@ -1397,7 +1408,7 @@
       </p:sp>
       <p:sp>
         <p:nvSpPr>
-          <p:cNvPr id="1335750878" name="Notes Placeholder 2"/>
+          <p:cNvPr id="1700572039" name="Notes Placeholder 2"/>
           <p:cNvSpPr>
             <a:spLocks noGrp="1"/>
           </p:cNvSpPr>
@@ -1419,7 +1430,7 @@
       </p:sp>
       <p:sp>
         <p:nvSpPr>
-          <p:cNvPr id="1528921199" name="Slide Number Placeholder 3"/>
+          <p:cNvPr id="469479441" name="Slide Number Placeholder 3"/>
           <p:cNvSpPr>
             <a:spLocks noGrp="1"/>
           </p:cNvSpPr>
@@ -1467,7 +1478,7 @@
       </p:grpSpPr>
       <p:sp>
         <p:nvSpPr>
-          <p:cNvPr id="195908449" name="Slide Image Placeholder 1"/>
+          <p:cNvPr id="368066905" name="Slide Image Placeholder 1"/>
           <p:cNvSpPr>
             <a:spLocks noChangeAspect="1" noGrp="1" noRot="1"/>
           </p:cNvSpPr>
@@ -1479,7 +1490,7 @@
       </p:sp>
       <p:sp>
         <p:nvSpPr>
-          <p:cNvPr id="1292546519" name="Notes Placeholder 2"/>
+          <p:cNvPr id="1004660028" name="Notes Placeholder 2"/>
           <p:cNvSpPr>
             <a:spLocks noGrp="1"/>
           </p:cNvSpPr>
@@ -1501,7 +1512,7 @@
       </p:sp>
       <p:sp>
         <p:nvSpPr>
-          <p:cNvPr id="1574387804" name="Slide Number Placeholder 3"/>
+          <p:cNvPr id="1277380830" name="Slide Number Placeholder 3"/>
           <p:cNvSpPr>
             <a:spLocks noGrp="1"/>
           </p:cNvSpPr>
@@ -1549,7 +1560,7 @@
       </p:grpSpPr>
       <p:sp>
         <p:nvSpPr>
-          <p:cNvPr id="1661785220" name="Slide Image Placeholder 1"/>
+          <p:cNvPr id="1508969071" name="Slide Image Placeholder 1"/>
           <p:cNvSpPr>
             <a:spLocks noChangeAspect="1" noGrp="1" noRot="1"/>
           </p:cNvSpPr>
@@ -1561,7 +1572,7 @@
       </p:sp>
       <p:sp>
         <p:nvSpPr>
-          <p:cNvPr id="1882968924" name="Notes Placeholder 2"/>
+          <p:cNvPr id="1858536108" name="Notes Placeholder 2"/>
           <p:cNvSpPr>
             <a:spLocks noGrp="1"/>
           </p:cNvSpPr>
@@ -1583,7 +1594,7 @@
       </p:sp>
       <p:sp>
         <p:nvSpPr>
-          <p:cNvPr id="2141622220" name="Slide Number Placeholder 3"/>
+          <p:cNvPr id="2129403518" name="Slide Number Placeholder 3"/>
           <p:cNvSpPr>
             <a:spLocks noGrp="1"/>
           </p:cNvSpPr>
@@ -1631,7 +1642,7 @@
       </p:grpSpPr>
       <p:sp>
         <p:nvSpPr>
-          <p:cNvPr id="1565091760" name="Slide Image Placeholder 1"/>
+          <p:cNvPr id="1789997269" name="Slide Image Placeholder 1"/>
           <p:cNvSpPr>
             <a:spLocks noChangeAspect="1" noGrp="1" noRot="1"/>
           </p:cNvSpPr>
@@ -1643,7 +1654,7 @@
       </p:sp>
       <p:sp>
         <p:nvSpPr>
-          <p:cNvPr id="98579469" name="Notes Placeholder 2"/>
+          <p:cNvPr id="2077792828" name="Notes Placeholder 2"/>
           <p:cNvSpPr>
             <a:spLocks noGrp="1"/>
           </p:cNvSpPr>
@@ -1665,7 +1676,7 @@
       </p:sp>
       <p:sp>
         <p:nvSpPr>
-          <p:cNvPr id="116127551" name="Slide Number Placeholder 3"/>
+          <p:cNvPr id="1263389573" name="Slide Number Placeholder 3"/>
           <p:cNvSpPr>
             <a:spLocks noGrp="1"/>
           </p:cNvSpPr>
@@ -1713,7 +1724,7 @@
       </p:grpSpPr>
       <p:sp>
         <p:nvSpPr>
-          <p:cNvPr id="1710561688" name="Slide Image Placeholder 1"/>
+          <p:cNvPr id="1361415018" name="Slide Image Placeholder 1"/>
           <p:cNvSpPr>
             <a:spLocks noChangeAspect="1" noGrp="1" noRot="1"/>
           </p:cNvSpPr>
@@ -1725,7 +1736,7 @@
       </p:sp>
       <p:sp>
         <p:nvSpPr>
-          <p:cNvPr id="2090851923" name="Notes Placeholder 2"/>
+          <p:cNvPr id="1512969328" name="Notes Placeholder 2"/>
           <p:cNvSpPr>
             <a:spLocks noGrp="1"/>
           </p:cNvSpPr>
@@ -1747,7 +1758,7 @@
       </p:sp>
       <p:sp>
         <p:nvSpPr>
-          <p:cNvPr id="1949210929" name="Slide Number Placeholder 3"/>
+          <p:cNvPr id="618089574" name="Slide Number Placeholder 3"/>
           <p:cNvSpPr>
             <a:spLocks noGrp="1"/>
           </p:cNvSpPr>
@@ -1795,7 +1806,7 @@
       </p:grpSpPr>
       <p:sp>
         <p:nvSpPr>
-          <p:cNvPr id="148382692" name="Slide Image Placeholder 1"/>
+          <p:cNvPr id="1624160776" name="Slide Image Placeholder 1"/>
           <p:cNvSpPr>
             <a:spLocks noChangeAspect="1" noGrp="1" noRot="1"/>
           </p:cNvSpPr>
@@ -1807,7 +1818,7 @@
       </p:sp>
       <p:sp>
         <p:nvSpPr>
-          <p:cNvPr id="1399683691" name="Notes Placeholder 2"/>
+          <p:cNvPr id="276058896" name="Notes Placeholder 2"/>
           <p:cNvSpPr>
             <a:spLocks noGrp="1"/>
           </p:cNvSpPr>
@@ -1829,7 +1840,7 @@
       </p:sp>
       <p:sp>
         <p:nvSpPr>
-          <p:cNvPr id="1605543791" name="Slide Number Placeholder 3"/>
+          <p:cNvPr id="1439217042" name="Slide Number Placeholder 3"/>
           <p:cNvSpPr>
             <a:spLocks noGrp="1"/>
           </p:cNvSpPr>
@@ -1877,7 +1888,7 @@
       </p:grpSpPr>
       <p:sp>
         <p:nvSpPr>
-          <p:cNvPr id="833572886" name="Slide Image Placeholder 1"/>
+          <p:cNvPr id="1061187536" name="Slide Image Placeholder 1"/>
           <p:cNvSpPr>
             <a:spLocks noChangeAspect="1" noGrp="1" noRot="1"/>
           </p:cNvSpPr>
@@ -1889,7 +1900,7 @@
       </p:sp>
       <p:sp>
         <p:nvSpPr>
-          <p:cNvPr id="730037946" name="Notes Placeholder 2"/>
+          <p:cNvPr id="1464317064" name="Notes Placeholder 2"/>
           <p:cNvSpPr>
             <a:spLocks noGrp="1"/>
           </p:cNvSpPr>
@@ -1911,7 +1922,7 @@
       </p:sp>
       <p:sp>
         <p:nvSpPr>
-          <p:cNvPr id="635517356" name="Slide Number Placeholder 3"/>
+          <p:cNvPr id="502508346" name="Slide Number Placeholder 3"/>
           <p:cNvSpPr>
             <a:spLocks noGrp="1"/>
           </p:cNvSpPr>
@@ -1959,7 +1970,7 @@
       </p:grpSpPr>
       <p:sp>
         <p:nvSpPr>
-          <p:cNvPr id="804310265" name="Slide Image Placeholder 1"/>
+          <p:cNvPr id="301857532" name="Slide Image Placeholder 1"/>
           <p:cNvSpPr>
             <a:spLocks noChangeAspect="1" noGrp="1" noRot="1"/>
           </p:cNvSpPr>
@@ -1971,7 +1982,7 @@
       </p:sp>
       <p:sp>
         <p:nvSpPr>
-          <p:cNvPr id="440655916" name="Notes Placeholder 2"/>
+          <p:cNvPr id="539449593" name="Notes Placeholder 2"/>
           <p:cNvSpPr>
             <a:spLocks noGrp="1"/>
           </p:cNvSpPr>
@@ -1993,7 +2004,7 @@
       </p:sp>
       <p:sp>
         <p:nvSpPr>
-          <p:cNvPr id="1691582950" name="Slide Number Placeholder 3"/>
+          <p:cNvPr id="899344684" name="Slide Number Placeholder 3"/>
           <p:cNvSpPr>
             <a:spLocks noGrp="1"/>
           </p:cNvSpPr>
@@ -2041,7 +2052,7 @@
       </p:grpSpPr>
       <p:sp>
         <p:nvSpPr>
-          <p:cNvPr id="487029215" name="Slide Image Placeholder 1"/>
+          <p:cNvPr id="1292808495" name="Slide Image Placeholder 1"/>
           <p:cNvSpPr>
             <a:spLocks noChangeAspect="1" noGrp="1" noRot="1"/>
           </p:cNvSpPr>
@@ -2053,7 +2064,7 @@
       </p:sp>
       <p:sp>
         <p:nvSpPr>
-          <p:cNvPr id="204548447" name="Notes Placeholder 2"/>
+          <p:cNvPr id="1597601563" name="Notes Placeholder 2"/>
           <p:cNvSpPr>
             <a:spLocks noGrp="1"/>
           </p:cNvSpPr>
@@ -2075,7 +2086,7 @@
       </p:sp>
       <p:sp>
         <p:nvSpPr>
-          <p:cNvPr id="386574976" name="Slide Number Placeholder 3"/>
+          <p:cNvPr id="1677915480" name="Slide Number Placeholder 3"/>
           <p:cNvSpPr>
             <a:spLocks noGrp="1"/>
           </p:cNvSpPr>
@@ -2123,7 +2134,7 @@
       </p:grpSpPr>
       <p:sp>
         <p:nvSpPr>
-          <p:cNvPr id="746658529" name="Slide Image Placeholder 1"/>
+          <p:cNvPr id="336855803" name="Slide Image Placeholder 1"/>
           <p:cNvSpPr>
             <a:spLocks noChangeAspect="1" noGrp="1" noRot="1"/>
           </p:cNvSpPr>
@@ -2135,7 +2146,7 @@
       </p:sp>
       <p:sp>
         <p:nvSpPr>
-          <p:cNvPr id="583381345" name="Notes Placeholder 2"/>
+          <p:cNvPr id="1236463998" name="Notes Placeholder 2"/>
           <p:cNvSpPr>
             <a:spLocks noGrp="1"/>
           </p:cNvSpPr>
@@ -2157,7 +2168,7 @@
       </p:sp>
       <p:sp>
         <p:nvSpPr>
-          <p:cNvPr id="1971836151" name="Slide Number Placeholder 3"/>
+          <p:cNvPr id="302698573" name="Slide Number Placeholder 3"/>
           <p:cNvSpPr>
             <a:spLocks noGrp="1"/>
           </p:cNvSpPr>
@@ -2205,7 +2216,7 @@
       </p:grpSpPr>
       <p:sp>
         <p:nvSpPr>
-          <p:cNvPr id="1946350390" name="Slide Image Placeholder 1"/>
+          <p:cNvPr id="954779018" name="Slide Image Placeholder 1"/>
           <p:cNvSpPr>
             <a:spLocks noChangeAspect="1" noGrp="1" noRot="1"/>
           </p:cNvSpPr>
@@ -2217,7 +2228,7 @@
       </p:sp>
       <p:sp>
         <p:nvSpPr>
-          <p:cNvPr id="853563181" name="Notes Placeholder 2"/>
+          <p:cNvPr id="507709589" name="Notes Placeholder 2"/>
           <p:cNvSpPr>
             <a:spLocks noGrp="1"/>
           </p:cNvSpPr>
@@ -2239,7 +2250,7 @@
       </p:sp>
       <p:sp>
         <p:nvSpPr>
-          <p:cNvPr id="1709830728" name="Slide Number Placeholder 3"/>
+          <p:cNvPr id="330293573" name="Slide Number Placeholder 3"/>
           <p:cNvSpPr>
             <a:spLocks noGrp="1"/>
           </p:cNvSpPr>
@@ -2287,7 +2298,7 @@
       </p:grpSpPr>
       <p:sp>
         <p:nvSpPr>
-          <p:cNvPr id="1956798362" name="Slide Image Placeholder 1"/>
+          <p:cNvPr id="1761412812" name="Slide Image Placeholder 1"/>
           <p:cNvSpPr>
             <a:spLocks noChangeAspect="1" noGrp="1" noRot="1"/>
           </p:cNvSpPr>
@@ -2299,7 +2310,7 @@
       </p:sp>
       <p:sp>
         <p:nvSpPr>
-          <p:cNvPr id="139325072" name="Notes Placeholder 2"/>
+          <p:cNvPr id="1078174546" name="Notes Placeholder 2"/>
           <p:cNvSpPr>
             <a:spLocks noGrp="1"/>
           </p:cNvSpPr>
@@ -2321,7 +2332,7 @@
       </p:sp>
       <p:sp>
         <p:nvSpPr>
-          <p:cNvPr id="2034151297" name="Slide Number Placeholder 3"/>
+          <p:cNvPr id="947187596" name="Slide Number Placeholder 3"/>
           <p:cNvSpPr>
             <a:spLocks noGrp="1"/>
           </p:cNvSpPr>
@@ -2369,7 +2380,7 @@
       </p:grpSpPr>
       <p:sp>
         <p:nvSpPr>
-          <p:cNvPr id="1305292965" name="Slide Image Placeholder 1"/>
+          <p:cNvPr id="2075282956" name="Slide Image Placeholder 1"/>
           <p:cNvSpPr>
             <a:spLocks noChangeAspect="1" noGrp="1" noRot="1"/>
           </p:cNvSpPr>
@@ -2381,7 +2392,7 @@
       </p:sp>
       <p:sp>
         <p:nvSpPr>
-          <p:cNvPr id="1334678265" name="Notes Placeholder 2"/>
+          <p:cNvPr id="638071398" name="Notes Placeholder 2"/>
           <p:cNvSpPr>
             <a:spLocks noGrp="1"/>
           </p:cNvSpPr>
@@ -2403,7 +2414,7 @@
       </p:sp>
       <p:sp>
         <p:nvSpPr>
-          <p:cNvPr id="920903291" name="Slide Number Placeholder 3"/>
+          <p:cNvPr id="1771113723" name="Slide Number Placeholder 3"/>
           <p:cNvSpPr>
             <a:spLocks noGrp="1"/>
           </p:cNvSpPr>
@@ -2451,7 +2462,7 @@
       </p:grpSpPr>
       <p:sp>
         <p:nvSpPr>
-          <p:cNvPr id="764377717" name="Slide Image Placeholder 1"/>
+          <p:cNvPr id="1507232259" name="Slide Image Placeholder 1"/>
           <p:cNvSpPr>
             <a:spLocks noChangeAspect="1" noGrp="1" noRot="1"/>
           </p:cNvSpPr>
@@ -2463,7 +2474,7 @@
       </p:sp>
       <p:sp>
         <p:nvSpPr>
-          <p:cNvPr id="297684682" name="Notes Placeholder 2"/>
+          <p:cNvPr id="1050353994" name="Notes Placeholder 2"/>
           <p:cNvSpPr>
             <a:spLocks noGrp="1"/>
           </p:cNvSpPr>
@@ -2485,7 +2496,7 @@
       </p:sp>
       <p:sp>
         <p:nvSpPr>
-          <p:cNvPr id="1746691074" name="Slide Number Placeholder 3"/>
+          <p:cNvPr id="443410038" name="Slide Number Placeholder 3"/>
           <p:cNvSpPr>
             <a:spLocks noGrp="1"/>
           </p:cNvSpPr>
@@ -2533,7 +2544,7 @@
       </p:grpSpPr>
       <p:sp>
         <p:nvSpPr>
-          <p:cNvPr id="1930031354" name="Slide Image Placeholder 1"/>
+          <p:cNvPr id="2135269705" name="Slide Image Placeholder 1"/>
           <p:cNvSpPr>
             <a:spLocks noChangeAspect="1" noGrp="1" noRot="1"/>
           </p:cNvSpPr>
@@ -2545,7 +2556,7 @@
       </p:sp>
       <p:sp>
         <p:nvSpPr>
-          <p:cNvPr id="321706425" name="Notes Placeholder 2"/>
+          <p:cNvPr id="715051014" name="Notes Placeholder 2"/>
           <p:cNvSpPr>
             <a:spLocks noGrp="1"/>
           </p:cNvSpPr>
@@ -2567,7 +2578,7 @@
       </p:sp>
       <p:sp>
         <p:nvSpPr>
-          <p:cNvPr id="830970800" name="Slide Number Placeholder 3"/>
+          <p:cNvPr id="1007447514" name="Slide Number Placeholder 3"/>
           <p:cNvSpPr>
             <a:spLocks noGrp="1"/>
           </p:cNvSpPr>
@@ -2615,7 +2626,7 @@
       </p:grpSpPr>
       <p:sp>
         <p:nvSpPr>
-          <p:cNvPr id="1743359079" name="Slide Image Placeholder 1"/>
+          <p:cNvPr id="1555364652" name="Slide Image Placeholder 1"/>
           <p:cNvSpPr>
             <a:spLocks noChangeAspect="1" noGrp="1" noRot="1"/>
           </p:cNvSpPr>
@@ -2627,7 +2638,7 @@
       </p:sp>
       <p:sp>
         <p:nvSpPr>
-          <p:cNvPr id="944810956" name="Notes Placeholder 2"/>
+          <p:cNvPr id="330537120" name="Notes Placeholder 2"/>
           <p:cNvSpPr>
             <a:spLocks noGrp="1"/>
           </p:cNvSpPr>
@@ -2649,7 +2660,7 @@
       </p:sp>
       <p:sp>
         <p:nvSpPr>
-          <p:cNvPr id="134415594" name="Slide Number Placeholder 3"/>
+          <p:cNvPr id="926994214" name="Slide Number Placeholder 3"/>
           <p:cNvSpPr>
             <a:spLocks noGrp="1"/>
           </p:cNvSpPr>
@@ -2697,7 +2708,7 @@
       </p:grpSpPr>
       <p:sp>
         <p:nvSpPr>
-          <p:cNvPr id="1159667795" name="Slide Image Placeholder 1"/>
+          <p:cNvPr id="1005523275" name="Slide Image Placeholder 1"/>
           <p:cNvSpPr>
             <a:spLocks noChangeAspect="1" noGrp="1" noRot="1"/>
           </p:cNvSpPr>
@@ -2709,7 +2720,7 @@
       </p:sp>
       <p:sp>
         <p:nvSpPr>
-          <p:cNvPr id="294921813" name="Notes Placeholder 2"/>
+          <p:cNvPr id="1129989793" name="Notes Placeholder 2"/>
           <p:cNvSpPr>
             <a:spLocks noGrp="1"/>
           </p:cNvSpPr>
@@ -2731,7 +2742,7 @@
       </p:sp>
       <p:sp>
         <p:nvSpPr>
-          <p:cNvPr id="1621415978" name="Slide Number Placeholder 3"/>
+          <p:cNvPr id="1181620073" name="Slide Number Placeholder 3"/>
           <p:cNvSpPr>
             <a:spLocks noGrp="1"/>
           </p:cNvSpPr>
@@ -2779,7 +2790,7 @@
       </p:grpSpPr>
       <p:sp>
         <p:nvSpPr>
-          <p:cNvPr id="1463571579" name="Slide Image Placeholder 1"/>
+          <p:cNvPr id="1429097074" name="Slide Image Placeholder 1"/>
           <p:cNvSpPr>
             <a:spLocks noChangeAspect="1" noGrp="1" noRot="1"/>
           </p:cNvSpPr>
@@ -2791,7 +2802,7 @@
       </p:sp>
       <p:sp>
         <p:nvSpPr>
-          <p:cNvPr id="705919562" name="Notes Placeholder 2"/>
+          <p:cNvPr id="1192007127" name="Notes Placeholder 2"/>
           <p:cNvSpPr>
             <a:spLocks noGrp="1"/>
           </p:cNvSpPr>
@@ -2813,7 +2824,7 @@
       </p:sp>
       <p:sp>
         <p:nvSpPr>
-          <p:cNvPr id="2093660426" name="Slide Number Placeholder 3"/>
+          <p:cNvPr id="514792458" name="Slide Number Placeholder 3"/>
           <p:cNvSpPr>
             <a:spLocks noGrp="1"/>
           </p:cNvSpPr>
@@ -2861,7 +2872,7 @@
       </p:grpSpPr>
       <p:sp>
         <p:nvSpPr>
-          <p:cNvPr id="219309632" name="Slide Image Placeholder 1"/>
+          <p:cNvPr id="600905231" name="Slide Image Placeholder 1"/>
           <p:cNvSpPr>
             <a:spLocks noChangeAspect="1" noGrp="1" noRot="1"/>
           </p:cNvSpPr>
@@ -2873,7 +2884,7 @@
       </p:sp>
       <p:sp>
         <p:nvSpPr>
-          <p:cNvPr id="1451820718" name="Notes Placeholder 2"/>
+          <p:cNvPr id="1918900384" name="Notes Placeholder 2"/>
           <p:cNvSpPr>
             <a:spLocks noGrp="1"/>
           </p:cNvSpPr>
@@ -2895,7 +2906,7 @@
       </p:sp>
       <p:sp>
         <p:nvSpPr>
-          <p:cNvPr id="1315255676" name="Slide Number Placeholder 3"/>
+          <p:cNvPr id="1963512989" name="Slide Number Placeholder 3"/>
           <p:cNvSpPr>
             <a:spLocks noGrp="1"/>
           </p:cNvSpPr>
@@ -2943,7 +2954,7 @@
       </p:grpSpPr>
       <p:sp>
         <p:nvSpPr>
-          <p:cNvPr id="935106030" name="Slide Image Placeholder 1"/>
+          <p:cNvPr id="52805435" name="Slide Image Placeholder 1"/>
           <p:cNvSpPr>
             <a:spLocks noChangeAspect="1" noGrp="1" noRot="1"/>
           </p:cNvSpPr>
@@ -2955,7 +2966,7 @@
       </p:sp>
       <p:sp>
         <p:nvSpPr>
-          <p:cNvPr id="374394003" name="Notes Placeholder 2"/>
+          <p:cNvPr id="2022716698" name="Notes Placeholder 2"/>
           <p:cNvSpPr>
             <a:spLocks noGrp="1"/>
           </p:cNvSpPr>
@@ -2977,7 +2988,7 @@
       </p:sp>
       <p:sp>
         <p:nvSpPr>
-          <p:cNvPr id="1412243189" name="Slide Number Placeholder 3"/>
+          <p:cNvPr id="501852384" name="Slide Number Placeholder 3"/>
           <p:cNvSpPr>
             <a:spLocks noGrp="1"/>
           </p:cNvSpPr>
@@ -3025,7 +3036,7 @@
       </p:grpSpPr>
       <p:sp>
         <p:nvSpPr>
-          <p:cNvPr id="1286943927" name="Slide Image Placeholder 1"/>
+          <p:cNvPr id="981734496" name="Slide Image Placeholder 1"/>
           <p:cNvSpPr>
             <a:spLocks noChangeAspect="1" noGrp="1" noRot="1"/>
           </p:cNvSpPr>
@@ -3037,7 +3048,7 @@
       </p:sp>
       <p:sp>
         <p:nvSpPr>
-          <p:cNvPr id="851510420" name="Notes Placeholder 2"/>
+          <p:cNvPr id="1071409513" name="Notes Placeholder 2"/>
           <p:cNvSpPr>
             <a:spLocks noGrp="1"/>
           </p:cNvSpPr>
@@ -3059,7 +3070,7 @@
       </p:sp>
       <p:sp>
         <p:nvSpPr>
-          <p:cNvPr id="1219721321" name="Slide Number Placeholder 3"/>
+          <p:cNvPr id="789057970" name="Slide Number Placeholder 3"/>
           <p:cNvSpPr>
             <a:spLocks noGrp="1"/>
           </p:cNvSpPr>
@@ -3107,7 +3118,7 @@
       </p:grpSpPr>
       <p:sp>
         <p:nvSpPr>
-          <p:cNvPr id="2106198807" name="Slide Image Placeholder 1"/>
+          <p:cNvPr id="1581790695" name="Slide Image Placeholder 1"/>
           <p:cNvSpPr>
             <a:spLocks noChangeAspect="1" noGrp="1" noRot="1"/>
           </p:cNvSpPr>
@@ -3119,7 +3130,7 @@
       </p:sp>
       <p:sp>
         <p:nvSpPr>
-          <p:cNvPr id="755992098" name="Notes Placeholder 2"/>
+          <p:cNvPr id="1338003585" name="Notes Placeholder 2"/>
           <p:cNvSpPr>
             <a:spLocks noGrp="1"/>
           </p:cNvSpPr>
@@ -3141,7 +3152,7 @@
       </p:sp>
       <p:sp>
         <p:nvSpPr>
-          <p:cNvPr id="1910452349" name="Slide Number Placeholder 3"/>
+          <p:cNvPr id="1661010581" name="Slide Number Placeholder 3"/>
           <p:cNvSpPr>
             <a:spLocks noGrp="1"/>
           </p:cNvSpPr>
@@ -3189,7 +3200,7 @@
       </p:grpSpPr>
       <p:sp>
         <p:nvSpPr>
-          <p:cNvPr id="1145772011" name="Slide Image Placeholder 1"/>
+          <p:cNvPr id="239829665" name="Slide Image Placeholder 1"/>
           <p:cNvSpPr>
             <a:spLocks noChangeAspect="1" noGrp="1" noRot="1"/>
           </p:cNvSpPr>
@@ -3201,7 +3212,7 @@
       </p:sp>
       <p:sp>
         <p:nvSpPr>
-          <p:cNvPr id="945808688" name="Notes Placeholder 2"/>
+          <p:cNvPr id="788967348" name="Notes Placeholder 2"/>
           <p:cNvSpPr>
             <a:spLocks noGrp="1"/>
           </p:cNvSpPr>
@@ -3223,7 +3234,7 @@
       </p:sp>
       <p:sp>
         <p:nvSpPr>
-          <p:cNvPr id="1300526023" name="Slide Number Placeholder 3"/>
+          <p:cNvPr id="625757246" name="Slide Number Placeholder 3"/>
           <p:cNvSpPr>
             <a:spLocks noGrp="1"/>
           </p:cNvSpPr>
@@ -3271,7 +3282,7 @@
       </p:grpSpPr>
       <p:sp>
         <p:nvSpPr>
-          <p:cNvPr id="600318274" name="Slide Image Placeholder 1"/>
+          <p:cNvPr id="1926078581" name="Slide Image Placeholder 1"/>
           <p:cNvSpPr>
             <a:spLocks noChangeAspect="1" noGrp="1" noRot="1"/>
           </p:cNvSpPr>
@@ -3283,7 +3294,7 @@
       </p:sp>
       <p:sp>
         <p:nvSpPr>
-          <p:cNvPr id="193139730" name="Notes Placeholder 2"/>
+          <p:cNvPr id="611736460" name="Notes Placeholder 2"/>
           <p:cNvSpPr>
             <a:spLocks noGrp="1"/>
           </p:cNvSpPr>
@@ -3305,7 +3316,7 @@
       </p:sp>
       <p:sp>
         <p:nvSpPr>
-          <p:cNvPr id="762704411" name="Slide Number Placeholder 3"/>
+          <p:cNvPr id="782352309" name="Slide Number Placeholder 3"/>
           <p:cNvSpPr>
             <a:spLocks noGrp="1"/>
           </p:cNvSpPr>
@@ -3353,7 +3364,7 @@
       </p:grpSpPr>
       <p:sp>
         <p:nvSpPr>
-          <p:cNvPr id="1845517746" name="Slide Image Placeholder 1"/>
+          <p:cNvPr id="1443678381" name="Slide Image Placeholder 1"/>
           <p:cNvSpPr>
             <a:spLocks noChangeAspect="1" noGrp="1" noRot="1"/>
           </p:cNvSpPr>
@@ -3365,7 +3376,7 @@
       </p:sp>
       <p:sp>
         <p:nvSpPr>
-          <p:cNvPr id="1570804246" name="Notes Placeholder 2"/>
+          <p:cNvPr id="1655505317" name="Notes Placeholder 2"/>
           <p:cNvSpPr>
             <a:spLocks noGrp="1"/>
           </p:cNvSpPr>
@@ -3387,7 +3398,7 @@
       </p:sp>
       <p:sp>
         <p:nvSpPr>
-          <p:cNvPr id="1045875186" name="Slide Number Placeholder 3"/>
+          <p:cNvPr id="338519528" name="Slide Number Placeholder 3"/>
           <p:cNvSpPr>
             <a:spLocks noGrp="1"/>
           </p:cNvSpPr>
@@ -3435,7 +3446,7 @@
       </p:grpSpPr>
       <p:sp>
         <p:nvSpPr>
-          <p:cNvPr id="1167080718" name="Slide Image Placeholder 1"/>
+          <p:cNvPr id="1868620287" name="Slide Image Placeholder 1"/>
           <p:cNvSpPr>
             <a:spLocks noChangeAspect="1" noGrp="1" noRot="1"/>
           </p:cNvSpPr>
@@ -3447,7 +3458,7 @@
       </p:sp>
       <p:sp>
         <p:nvSpPr>
-          <p:cNvPr id="546818257" name="Notes Placeholder 2"/>
+          <p:cNvPr id="1033887267" name="Notes Placeholder 2"/>
           <p:cNvSpPr>
             <a:spLocks noGrp="1"/>
           </p:cNvSpPr>
@@ -3469,7 +3480,7 @@
       </p:sp>
       <p:sp>
         <p:nvSpPr>
-          <p:cNvPr id="1290540183" name="Slide Number Placeholder 3"/>
+          <p:cNvPr id="2087130491" name="Slide Number Placeholder 3"/>
           <p:cNvSpPr>
             <a:spLocks noGrp="1"/>
           </p:cNvSpPr>
@@ -4173,7 +4184,7 @@
       </p:grpSpPr>
       <p:sp>
         <p:nvSpPr>
-          <p:cNvPr id="198236888" name="Slide Image Placeholder 1"/>
+          <p:cNvPr id="1332295015" name="Slide Image Placeholder 1"/>
           <p:cNvSpPr>
             <a:spLocks noChangeAspect="1" noGrp="1" noRot="1"/>
           </p:cNvSpPr>
@@ -4185,7 +4196,7 @@
       </p:sp>
       <p:sp>
         <p:nvSpPr>
-          <p:cNvPr id="1426002767" name="Notes Placeholder 2"/>
+          <p:cNvPr id="239985469" name="Notes Placeholder 2"/>
           <p:cNvSpPr>
             <a:spLocks noGrp="1"/>
           </p:cNvSpPr>
@@ -4207,7 +4218,7 @@
       </p:sp>
       <p:sp>
         <p:nvSpPr>
-          <p:cNvPr id="1294653044" name="Slide Number Placeholder 3"/>
+          <p:cNvPr id="54806656" name="Slide Number Placeholder 3"/>
           <p:cNvSpPr>
             <a:spLocks noGrp="1"/>
           </p:cNvSpPr>
@@ -4728,6 +4739,334 @@
 </p:notes>
 </file>
 
+<file path=ppt/notesSlides/notesSlide56.xml><?xml version="1.0" encoding="utf-8"?>
+<p:notes xmlns:a="http://schemas.openxmlformats.org/drawingml/2006/main" xmlns:r="http://schemas.openxmlformats.org/officeDocument/2006/relationships" xmlns:p="http://schemas.openxmlformats.org/presentationml/2006/main" xmlns:m="http://schemas.openxmlformats.org/officeDocument/2006/math" xmlns:w="http://schemas.openxmlformats.org/wordprocessingml/2006/main">
+  <p:cSld name="">
+    <p:spTree>
+      <p:nvGrpSpPr>
+        <p:cNvPr id="1" name=""/>
+        <p:cNvGrpSpPr/>
+        <p:nvPr/>
+      </p:nvGrpSpPr>
+      <p:grpSpPr bwMode="auto">
+        <a:xfrm>
+          <a:off x="0" y="0"/>
+          <a:ext cx="0" cy="0"/>
+          <a:chOff x="0" y="0"/>
+          <a:chExt cx="0" cy="0"/>
+        </a:xfrm>
+      </p:grpSpPr>
+      <p:sp>
+        <p:nvSpPr>
+          <p:cNvPr id="470411725" name="Slide Image Placeholder 1"/>
+          <p:cNvSpPr>
+            <a:spLocks noChangeAspect="1" noGrp="1" noRot="1"/>
+          </p:cNvSpPr>
+          <p:nvPr>
+            <p:ph type="sldImg"/>
+          </p:nvPr>
+        </p:nvSpPr>
+        <p:spPr bwMode="auto"/>
+      </p:sp>
+      <p:sp>
+        <p:nvSpPr>
+          <p:cNvPr id="1558371685" name="Notes Placeholder 2"/>
+          <p:cNvSpPr>
+            <a:spLocks noGrp="1"/>
+          </p:cNvSpPr>
+          <p:nvPr>
+            <p:ph type="body" idx="1"/>
+          </p:nvPr>
+        </p:nvSpPr>
+        <p:spPr bwMode="auto"/>
+        <p:txBody>
+          <a:bodyPr/>
+          <a:lstStyle/>
+          <a:p>
+            <a:pPr>
+              <a:defRPr/>
+            </a:pPr>
+            <a:endParaRPr/>
+          </a:p>
+        </p:txBody>
+      </p:sp>
+      <p:sp>
+        <p:nvSpPr>
+          <p:cNvPr id="1411854427" name="Slide Number Placeholder 3"/>
+          <p:cNvSpPr>
+            <a:spLocks noGrp="1"/>
+          </p:cNvSpPr>
+          <p:nvPr>
+            <p:ph type="sldNum" sz="quarter" idx="10"/>
+          </p:nvPr>
+        </p:nvSpPr>
+        <p:spPr bwMode="auto"/>
+        <p:txBody>
+          <a:bodyPr/>
+          <a:lstStyle/>
+          <a:p>
+            <a:pPr>
+              <a:defRPr/>
+            </a:pPr>
+            <a:fld id="{C13FCF4C-33A0-98C5-53AE-96169BD59BB4}" type="slidenum">
+              <a:rPr/>
+              <a:t/>
+            </a:fld>
+            <a:endParaRPr/>
+          </a:p>
+        </p:txBody>
+      </p:sp>
+    </p:spTree>
+  </p:cSld>
+</p:notes>
+</file>
+
+<file path=ppt/notesSlides/notesSlide57.xml><?xml version="1.0" encoding="utf-8"?>
+<p:notes xmlns:a="http://schemas.openxmlformats.org/drawingml/2006/main" xmlns:r="http://schemas.openxmlformats.org/officeDocument/2006/relationships" xmlns:p="http://schemas.openxmlformats.org/presentationml/2006/main" xmlns:m="http://schemas.openxmlformats.org/officeDocument/2006/math" xmlns:w="http://schemas.openxmlformats.org/wordprocessingml/2006/main">
+  <p:cSld name="">
+    <p:spTree>
+      <p:nvGrpSpPr>
+        <p:cNvPr id="1" name=""/>
+        <p:cNvGrpSpPr/>
+        <p:nvPr/>
+      </p:nvGrpSpPr>
+      <p:grpSpPr bwMode="auto">
+        <a:xfrm>
+          <a:off x="0" y="0"/>
+          <a:ext cx="0" cy="0"/>
+          <a:chOff x="0" y="0"/>
+          <a:chExt cx="0" cy="0"/>
+        </a:xfrm>
+      </p:grpSpPr>
+      <p:sp>
+        <p:nvSpPr>
+          <p:cNvPr id="502108939" name="Slide Image Placeholder 1"/>
+          <p:cNvSpPr>
+            <a:spLocks noChangeAspect="1" noGrp="1" noRot="1"/>
+          </p:cNvSpPr>
+          <p:nvPr>
+            <p:ph type="sldImg"/>
+          </p:nvPr>
+        </p:nvSpPr>
+        <p:spPr bwMode="auto"/>
+      </p:sp>
+      <p:sp>
+        <p:nvSpPr>
+          <p:cNvPr id="224898924" name="Notes Placeholder 2"/>
+          <p:cNvSpPr>
+            <a:spLocks noGrp="1"/>
+          </p:cNvSpPr>
+          <p:nvPr>
+            <p:ph type="body" idx="1"/>
+          </p:nvPr>
+        </p:nvSpPr>
+        <p:spPr bwMode="auto"/>
+        <p:txBody>
+          <a:bodyPr/>
+          <a:lstStyle/>
+          <a:p>
+            <a:pPr>
+              <a:defRPr/>
+            </a:pPr>
+            <a:endParaRPr/>
+          </a:p>
+        </p:txBody>
+      </p:sp>
+      <p:sp>
+        <p:nvSpPr>
+          <p:cNvPr id="539964213" name="Slide Number Placeholder 3"/>
+          <p:cNvSpPr>
+            <a:spLocks noGrp="1"/>
+          </p:cNvSpPr>
+          <p:nvPr>
+            <p:ph type="sldNum" sz="quarter" idx="10"/>
+          </p:nvPr>
+        </p:nvSpPr>
+        <p:spPr bwMode="auto"/>
+        <p:txBody>
+          <a:bodyPr/>
+          <a:lstStyle/>
+          <a:p>
+            <a:pPr>
+              <a:defRPr/>
+            </a:pPr>
+            <a:fld id="{2527E874-9DAB-F1B0-9E9E-30362F905311}" type="slidenum">
+              <a:rPr/>
+              <a:t/>
+            </a:fld>
+            <a:endParaRPr/>
+          </a:p>
+        </p:txBody>
+      </p:sp>
+    </p:spTree>
+  </p:cSld>
+</p:notes>
+</file>
+
+<file path=ppt/notesSlides/notesSlide58.xml><?xml version="1.0" encoding="utf-8"?>
+<p:notes xmlns:a="http://schemas.openxmlformats.org/drawingml/2006/main" xmlns:r="http://schemas.openxmlformats.org/officeDocument/2006/relationships" xmlns:p="http://schemas.openxmlformats.org/presentationml/2006/main" xmlns:m="http://schemas.openxmlformats.org/officeDocument/2006/math" xmlns:w="http://schemas.openxmlformats.org/wordprocessingml/2006/main">
+  <p:cSld name="">
+    <p:spTree>
+      <p:nvGrpSpPr>
+        <p:cNvPr id="1" name=""/>
+        <p:cNvGrpSpPr/>
+        <p:nvPr/>
+      </p:nvGrpSpPr>
+      <p:grpSpPr bwMode="auto">
+        <a:xfrm>
+          <a:off x="0" y="0"/>
+          <a:ext cx="0" cy="0"/>
+          <a:chOff x="0" y="0"/>
+          <a:chExt cx="0" cy="0"/>
+        </a:xfrm>
+      </p:grpSpPr>
+      <p:sp>
+        <p:nvSpPr>
+          <p:cNvPr id="471319003" name="Slide Image Placeholder 1"/>
+          <p:cNvSpPr>
+            <a:spLocks noChangeAspect="1" noGrp="1" noRot="1"/>
+          </p:cNvSpPr>
+          <p:nvPr>
+            <p:ph type="sldImg"/>
+          </p:nvPr>
+        </p:nvSpPr>
+        <p:spPr bwMode="auto"/>
+      </p:sp>
+      <p:sp>
+        <p:nvSpPr>
+          <p:cNvPr id="442008024" name="Notes Placeholder 2"/>
+          <p:cNvSpPr>
+            <a:spLocks noGrp="1"/>
+          </p:cNvSpPr>
+          <p:nvPr>
+            <p:ph type="body" idx="1"/>
+          </p:nvPr>
+        </p:nvSpPr>
+        <p:spPr bwMode="auto"/>
+        <p:txBody>
+          <a:bodyPr/>
+          <a:lstStyle/>
+          <a:p>
+            <a:pPr>
+              <a:defRPr/>
+            </a:pPr>
+            <a:endParaRPr/>
+          </a:p>
+        </p:txBody>
+      </p:sp>
+      <p:sp>
+        <p:nvSpPr>
+          <p:cNvPr id="702600940" name="Slide Number Placeholder 3"/>
+          <p:cNvSpPr>
+            <a:spLocks noGrp="1"/>
+          </p:cNvSpPr>
+          <p:nvPr>
+            <p:ph type="sldNum" sz="quarter" idx="10"/>
+          </p:nvPr>
+        </p:nvSpPr>
+        <p:spPr bwMode="auto"/>
+        <p:txBody>
+          <a:bodyPr/>
+          <a:lstStyle/>
+          <a:p>
+            <a:pPr>
+              <a:defRPr/>
+            </a:pPr>
+            <a:fld id="{19BE01AD-63B6-4B21-AE5B-80C99C1AA2FE}" type="slidenum">
+              <a:rPr/>
+              <a:t/>
+            </a:fld>
+            <a:endParaRPr/>
+          </a:p>
+        </p:txBody>
+      </p:sp>
+    </p:spTree>
+  </p:cSld>
+</p:notes>
+</file>
+
+<file path=ppt/notesSlides/notesSlide59.xml><?xml version="1.0" encoding="utf-8"?>
+<p:notes xmlns:a="http://schemas.openxmlformats.org/drawingml/2006/main" xmlns:r="http://schemas.openxmlformats.org/officeDocument/2006/relationships" xmlns:p="http://schemas.openxmlformats.org/presentationml/2006/main" xmlns:m="http://schemas.openxmlformats.org/officeDocument/2006/math" xmlns:w="http://schemas.openxmlformats.org/wordprocessingml/2006/main">
+  <p:cSld name="">
+    <p:spTree>
+      <p:nvGrpSpPr>
+        <p:cNvPr id="1" name=""/>
+        <p:cNvGrpSpPr/>
+        <p:nvPr/>
+      </p:nvGrpSpPr>
+      <p:grpSpPr bwMode="auto">
+        <a:xfrm>
+          <a:off x="0" y="0"/>
+          <a:ext cx="0" cy="0"/>
+          <a:chOff x="0" y="0"/>
+          <a:chExt cx="0" cy="0"/>
+        </a:xfrm>
+      </p:grpSpPr>
+      <p:sp>
+        <p:nvSpPr>
+          <p:cNvPr id="1791611823" name="Slide Image Placeholder 1"/>
+          <p:cNvSpPr>
+            <a:spLocks noChangeAspect="1" noGrp="1" noRot="1"/>
+          </p:cNvSpPr>
+          <p:nvPr>
+            <p:ph type="sldImg"/>
+          </p:nvPr>
+        </p:nvSpPr>
+        <p:spPr bwMode="auto"/>
+      </p:sp>
+      <p:sp>
+        <p:nvSpPr>
+          <p:cNvPr id="1749385805" name="Notes Placeholder 2"/>
+          <p:cNvSpPr>
+            <a:spLocks noGrp="1"/>
+          </p:cNvSpPr>
+          <p:nvPr>
+            <p:ph type="body" idx="1"/>
+          </p:nvPr>
+        </p:nvSpPr>
+        <p:spPr bwMode="auto"/>
+        <p:txBody>
+          <a:bodyPr/>
+          <a:lstStyle/>
+          <a:p>
+            <a:pPr>
+              <a:defRPr/>
+            </a:pPr>
+            <a:endParaRPr/>
+          </a:p>
+        </p:txBody>
+      </p:sp>
+      <p:sp>
+        <p:nvSpPr>
+          <p:cNvPr id="15594002" name="Slide Number Placeholder 3"/>
+          <p:cNvSpPr>
+            <a:spLocks noGrp="1"/>
+          </p:cNvSpPr>
+          <p:nvPr>
+            <p:ph type="sldNum" sz="quarter" idx="10"/>
+          </p:nvPr>
+        </p:nvSpPr>
+        <p:spPr bwMode="auto"/>
+        <p:txBody>
+          <a:bodyPr/>
+          <a:lstStyle/>
+          <a:p>
+            <a:pPr>
+              <a:defRPr/>
+            </a:pPr>
+            <a:fld id="{25EEDEA2-2CF3-D60D-3E77-463A1F0D4EB8}" type="slidenum">
+              <a:rPr/>
+              <a:t/>
+            </a:fld>
+            <a:endParaRPr/>
+          </a:p>
+        </p:txBody>
+      </p:sp>
+    </p:spTree>
+  </p:cSld>
+</p:notes>
+</file>
+
 <file path=ppt/notesSlides/notesSlide6.xml><?xml version="1.0" encoding="utf-8"?>
 <p:notes xmlns:a="http://schemas.openxmlformats.org/drawingml/2006/main" xmlns:r="http://schemas.openxmlformats.org/officeDocument/2006/relationships" xmlns:p="http://schemas.openxmlformats.org/presentationml/2006/main" xmlns:m="http://schemas.openxmlformats.org/officeDocument/2006/math" xmlns:w="http://schemas.openxmlformats.org/wordprocessingml/2006/main">
   <p:cSld name="">
@@ -4747,7 +5086,7 @@
       </p:grpSpPr>
       <p:sp>
         <p:nvSpPr>
-          <p:cNvPr id="691308459" name="Slide Image Placeholder 1"/>
+          <p:cNvPr id="1893733456" name="Slide Image Placeholder 1"/>
           <p:cNvSpPr>
             <a:spLocks noChangeAspect="1" noGrp="1" noRot="1"/>
           </p:cNvSpPr>
@@ -4759,7 +5098,7 @@
       </p:sp>
       <p:sp>
         <p:nvSpPr>
-          <p:cNvPr id="383147010" name="Notes Placeholder 2"/>
+          <p:cNvPr id="1846120354" name="Notes Placeholder 2"/>
           <p:cNvSpPr>
             <a:spLocks noGrp="1"/>
           </p:cNvSpPr>
@@ -4781,7 +5120,7 @@
       </p:sp>
       <p:sp>
         <p:nvSpPr>
-          <p:cNvPr id="477315635" name="Slide Number Placeholder 3"/>
+          <p:cNvPr id="1949513822" name="Slide Number Placeholder 3"/>
           <p:cNvSpPr>
             <a:spLocks noGrp="1"/>
           </p:cNvSpPr>
@@ -4798,6 +5137,580 @@
               <a:defRPr/>
             </a:pPr>
             <a:fld id="{C74EA385-0DCF-22EF-AB43-FBB0000E92C9}" type="slidenum">
+              <a:rPr/>
+              <a:t/>
+            </a:fld>
+            <a:endParaRPr/>
+          </a:p>
+        </p:txBody>
+      </p:sp>
+    </p:spTree>
+  </p:cSld>
+</p:notes>
+</file>
+
+<file path=ppt/notesSlides/notesSlide60.xml><?xml version="1.0" encoding="utf-8"?>
+<p:notes xmlns:a="http://schemas.openxmlformats.org/drawingml/2006/main" xmlns:r="http://schemas.openxmlformats.org/officeDocument/2006/relationships" xmlns:p="http://schemas.openxmlformats.org/presentationml/2006/main" xmlns:m="http://schemas.openxmlformats.org/officeDocument/2006/math" xmlns:w="http://schemas.openxmlformats.org/wordprocessingml/2006/main">
+  <p:cSld name="">
+    <p:spTree>
+      <p:nvGrpSpPr>
+        <p:cNvPr id="1" name=""/>
+        <p:cNvGrpSpPr/>
+        <p:nvPr/>
+      </p:nvGrpSpPr>
+      <p:grpSpPr bwMode="auto">
+        <a:xfrm>
+          <a:off x="0" y="0"/>
+          <a:ext cx="0" cy="0"/>
+          <a:chOff x="0" y="0"/>
+          <a:chExt cx="0" cy="0"/>
+        </a:xfrm>
+      </p:grpSpPr>
+      <p:sp>
+        <p:nvSpPr>
+          <p:cNvPr id="1556298905" name="Slide Image Placeholder 1"/>
+          <p:cNvSpPr>
+            <a:spLocks noChangeAspect="1" noGrp="1" noRot="1"/>
+          </p:cNvSpPr>
+          <p:nvPr>
+            <p:ph type="sldImg"/>
+          </p:nvPr>
+        </p:nvSpPr>
+        <p:spPr bwMode="auto"/>
+      </p:sp>
+      <p:sp>
+        <p:nvSpPr>
+          <p:cNvPr id="1158569657" name="Notes Placeholder 2"/>
+          <p:cNvSpPr>
+            <a:spLocks noGrp="1"/>
+          </p:cNvSpPr>
+          <p:nvPr>
+            <p:ph type="body" idx="1"/>
+          </p:nvPr>
+        </p:nvSpPr>
+        <p:spPr bwMode="auto"/>
+        <p:txBody>
+          <a:bodyPr/>
+          <a:lstStyle/>
+          <a:p>
+            <a:pPr>
+              <a:defRPr/>
+            </a:pPr>
+            <a:endParaRPr/>
+          </a:p>
+        </p:txBody>
+      </p:sp>
+      <p:sp>
+        <p:nvSpPr>
+          <p:cNvPr id="2062828227" name="Slide Number Placeholder 3"/>
+          <p:cNvSpPr>
+            <a:spLocks noGrp="1"/>
+          </p:cNvSpPr>
+          <p:nvPr>
+            <p:ph type="sldNum" sz="quarter" idx="10"/>
+          </p:nvPr>
+        </p:nvSpPr>
+        <p:spPr bwMode="auto"/>
+        <p:txBody>
+          <a:bodyPr/>
+          <a:lstStyle/>
+          <a:p>
+            <a:pPr>
+              <a:defRPr/>
+            </a:pPr>
+            <a:fld id="{9A777658-1D44-2F2A-B331-6B1645C14AF8}" type="slidenum">
+              <a:rPr/>
+              <a:t/>
+            </a:fld>
+            <a:endParaRPr/>
+          </a:p>
+        </p:txBody>
+      </p:sp>
+    </p:spTree>
+  </p:cSld>
+</p:notes>
+</file>
+
+<file path=ppt/notesSlides/notesSlide61.xml><?xml version="1.0" encoding="utf-8"?>
+<p:notes xmlns:a="http://schemas.openxmlformats.org/drawingml/2006/main" xmlns:r="http://schemas.openxmlformats.org/officeDocument/2006/relationships" xmlns:p="http://schemas.openxmlformats.org/presentationml/2006/main" xmlns:m="http://schemas.openxmlformats.org/officeDocument/2006/math" xmlns:w="http://schemas.openxmlformats.org/wordprocessingml/2006/main">
+  <p:cSld name="">
+    <p:spTree>
+      <p:nvGrpSpPr>
+        <p:cNvPr id="1" name=""/>
+        <p:cNvGrpSpPr/>
+        <p:nvPr/>
+      </p:nvGrpSpPr>
+      <p:grpSpPr bwMode="auto">
+        <a:xfrm>
+          <a:off x="0" y="0"/>
+          <a:ext cx="0" cy="0"/>
+          <a:chOff x="0" y="0"/>
+          <a:chExt cx="0" cy="0"/>
+        </a:xfrm>
+      </p:grpSpPr>
+      <p:sp>
+        <p:nvSpPr>
+          <p:cNvPr id="1393353653" name="Slide Image Placeholder 1"/>
+          <p:cNvSpPr>
+            <a:spLocks noChangeAspect="1" noGrp="1" noRot="1"/>
+          </p:cNvSpPr>
+          <p:nvPr>
+            <p:ph type="sldImg"/>
+          </p:nvPr>
+        </p:nvSpPr>
+        <p:spPr bwMode="auto"/>
+      </p:sp>
+      <p:sp>
+        <p:nvSpPr>
+          <p:cNvPr id="1633586367" name="Notes Placeholder 2"/>
+          <p:cNvSpPr>
+            <a:spLocks noGrp="1"/>
+          </p:cNvSpPr>
+          <p:nvPr>
+            <p:ph type="body" idx="1"/>
+          </p:nvPr>
+        </p:nvSpPr>
+        <p:spPr bwMode="auto"/>
+        <p:txBody>
+          <a:bodyPr/>
+          <a:lstStyle/>
+          <a:p>
+            <a:pPr>
+              <a:defRPr/>
+            </a:pPr>
+            <a:endParaRPr/>
+          </a:p>
+        </p:txBody>
+      </p:sp>
+      <p:sp>
+        <p:nvSpPr>
+          <p:cNvPr id="1092804118" name="Slide Number Placeholder 3"/>
+          <p:cNvSpPr>
+            <a:spLocks noGrp="1"/>
+          </p:cNvSpPr>
+          <p:nvPr>
+            <p:ph type="sldNum" sz="quarter" idx="10"/>
+          </p:nvPr>
+        </p:nvSpPr>
+        <p:spPr bwMode="auto"/>
+        <p:txBody>
+          <a:bodyPr/>
+          <a:lstStyle/>
+          <a:p>
+            <a:pPr>
+              <a:defRPr/>
+            </a:pPr>
+            <a:fld id="{2EB66389-8905-0EA9-506E-07578F7817DD}" type="slidenum">
+              <a:rPr/>
+              <a:t/>
+            </a:fld>
+            <a:endParaRPr/>
+          </a:p>
+        </p:txBody>
+      </p:sp>
+    </p:spTree>
+  </p:cSld>
+</p:notes>
+</file>
+
+<file path=ppt/notesSlides/notesSlide62.xml><?xml version="1.0" encoding="utf-8"?>
+<p:notes xmlns:a="http://schemas.openxmlformats.org/drawingml/2006/main" xmlns:r="http://schemas.openxmlformats.org/officeDocument/2006/relationships" xmlns:p="http://schemas.openxmlformats.org/presentationml/2006/main" xmlns:m="http://schemas.openxmlformats.org/officeDocument/2006/math" xmlns:w="http://schemas.openxmlformats.org/wordprocessingml/2006/main">
+  <p:cSld name="">
+    <p:spTree>
+      <p:nvGrpSpPr>
+        <p:cNvPr id="1" name=""/>
+        <p:cNvGrpSpPr/>
+        <p:nvPr/>
+      </p:nvGrpSpPr>
+      <p:grpSpPr bwMode="auto">
+        <a:xfrm>
+          <a:off x="0" y="0"/>
+          <a:ext cx="0" cy="0"/>
+          <a:chOff x="0" y="0"/>
+          <a:chExt cx="0" cy="0"/>
+        </a:xfrm>
+      </p:grpSpPr>
+      <p:sp>
+        <p:nvSpPr>
+          <p:cNvPr id="769516545" name="Slide Image Placeholder 1"/>
+          <p:cNvSpPr>
+            <a:spLocks noChangeAspect="1" noGrp="1" noRot="1"/>
+          </p:cNvSpPr>
+          <p:nvPr>
+            <p:ph type="sldImg"/>
+          </p:nvPr>
+        </p:nvSpPr>
+        <p:spPr bwMode="auto"/>
+      </p:sp>
+      <p:sp>
+        <p:nvSpPr>
+          <p:cNvPr id="864628111" name="Notes Placeholder 2"/>
+          <p:cNvSpPr>
+            <a:spLocks noGrp="1"/>
+          </p:cNvSpPr>
+          <p:nvPr>
+            <p:ph type="body" idx="1"/>
+          </p:nvPr>
+        </p:nvSpPr>
+        <p:spPr bwMode="auto"/>
+        <p:txBody>
+          <a:bodyPr/>
+          <a:lstStyle/>
+          <a:p>
+            <a:pPr>
+              <a:defRPr/>
+            </a:pPr>
+            <a:endParaRPr/>
+          </a:p>
+        </p:txBody>
+      </p:sp>
+      <p:sp>
+        <p:nvSpPr>
+          <p:cNvPr id="1841127258" name="Slide Number Placeholder 3"/>
+          <p:cNvSpPr>
+            <a:spLocks noGrp="1"/>
+          </p:cNvSpPr>
+          <p:nvPr>
+            <p:ph type="sldNum" sz="quarter" idx="10"/>
+          </p:nvPr>
+        </p:nvSpPr>
+        <p:spPr bwMode="auto"/>
+        <p:txBody>
+          <a:bodyPr/>
+          <a:lstStyle/>
+          <a:p>
+            <a:pPr>
+              <a:defRPr/>
+            </a:pPr>
+            <a:fld id="{67EEE7C0-7DAE-FE2B-CEE5-0677C11FFA0C}" type="slidenum">
+              <a:rPr/>
+              <a:t/>
+            </a:fld>
+            <a:endParaRPr/>
+          </a:p>
+        </p:txBody>
+      </p:sp>
+    </p:spTree>
+  </p:cSld>
+</p:notes>
+</file>
+
+<file path=ppt/notesSlides/notesSlide63.xml><?xml version="1.0" encoding="utf-8"?>
+<p:notes xmlns:a="http://schemas.openxmlformats.org/drawingml/2006/main" xmlns:r="http://schemas.openxmlformats.org/officeDocument/2006/relationships" xmlns:p="http://schemas.openxmlformats.org/presentationml/2006/main" xmlns:m="http://schemas.openxmlformats.org/officeDocument/2006/math" xmlns:w="http://schemas.openxmlformats.org/wordprocessingml/2006/main">
+  <p:cSld name="">
+    <p:spTree>
+      <p:nvGrpSpPr>
+        <p:cNvPr id="1" name=""/>
+        <p:cNvGrpSpPr/>
+        <p:nvPr/>
+      </p:nvGrpSpPr>
+      <p:grpSpPr bwMode="auto">
+        <a:xfrm>
+          <a:off x="0" y="0"/>
+          <a:ext cx="0" cy="0"/>
+          <a:chOff x="0" y="0"/>
+          <a:chExt cx="0" cy="0"/>
+        </a:xfrm>
+      </p:grpSpPr>
+      <p:sp>
+        <p:nvSpPr>
+          <p:cNvPr id="312533683" name="Slide Image Placeholder 1"/>
+          <p:cNvSpPr>
+            <a:spLocks noChangeAspect="1" noGrp="1" noRot="1"/>
+          </p:cNvSpPr>
+          <p:nvPr>
+            <p:ph type="sldImg"/>
+          </p:nvPr>
+        </p:nvSpPr>
+        <p:spPr bwMode="auto"/>
+      </p:sp>
+      <p:sp>
+        <p:nvSpPr>
+          <p:cNvPr id="1054543813" name="Notes Placeholder 2"/>
+          <p:cNvSpPr>
+            <a:spLocks noGrp="1"/>
+          </p:cNvSpPr>
+          <p:nvPr>
+            <p:ph type="body" idx="1"/>
+          </p:nvPr>
+        </p:nvSpPr>
+        <p:spPr bwMode="auto"/>
+        <p:txBody>
+          <a:bodyPr/>
+          <a:lstStyle/>
+          <a:p>
+            <a:pPr>
+              <a:defRPr/>
+            </a:pPr>
+            <a:endParaRPr/>
+          </a:p>
+        </p:txBody>
+      </p:sp>
+      <p:sp>
+        <p:nvSpPr>
+          <p:cNvPr id="1107181562" name="Slide Number Placeholder 3"/>
+          <p:cNvSpPr>
+            <a:spLocks noGrp="1"/>
+          </p:cNvSpPr>
+          <p:nvPr>
+            <p:ph type="sldNum" sz="quarter" idx="10"/>
+          </p:nvPr>
+        </p:nvSpPr>
+        <p:spPr bwMode="auto"/>
+        <p:txBody>
+          <a:bodyPr/>
+          <a:lstStyle/>
+          <a:p>
+            <a:pPr>
+              <a:defRPr/>
+            </a:pPr>
+            <a:fld id="{02D73B00-E0D7-8700-168E-8D5BED1674F8}" type="slidenum">
+              <a:rPr/>
+              <a:t/>
+            </a:fld>
+            <a:endParaRPr/>
+          </a:p>
+        </p:txBody>
+      </p:sp>
+    </p:spTree>
+  </p:cSld>
+</p:notes>
+</file>
+
+<file path=ppt/notesSlides/notesSlide64.xml><?xml version="1.0" encoding="utf-8"?>
+<p:notes xmlns:a="http://schemas.openxmlformats.org/drawingml/2006/main" xmlns:r="http://schemas.openxmlformats.org/officeDocument/2006/relationships" xmlns:p="http://schemas.openxmlformats.org/presentationml/2006/main" xmlns:m="http://schemas.openxmlformats.org/officeDocument/2006/math" xmlns:w="http://schemas.openxmlformats.org/wordprocessingml/2006/main">
+  <p:cSld name="">
+    <p:spTree>
+      <p:nvGrpSpPr>
+        <p:cNvPr id="1" name=""/>
+        <p:cNvGrpSpPr/>
+        <p:nvPr/>
+      </p:nvGrpSpPr>
+      <p:grpSpPr bwMode="auto">
+        <a:xfrm>
+          <a:off x="0" y="0"/>
+          <a:ext cx="0" cy="0"/>
+          <a:chOff x="0" y="0"/>
+          <a:chExt cx="0" cy="0"/>
+        </a:xfrm>
+      </p:grpSpPr>
+      <p:sp>
+        <p:nvSpPr>
+          <p:cNvPr id="1910815687" name="Slide Image Placeholder 1"/>
+          <p:cNvSpPr>
+            <a:spLocks noChangeAspect="1" noGrp="1" noRot="1"/>
+          </p:cNvSpPr>
+          <p:nvPr>
+            <p:ph type="sldImg"/>
+          </p:nvPr>
+        </p:nvSpPr>
+        <p:spPr bwMode="auto"/>
+      </p:sp>
+      <p:sp>
+        <p:nvSpPr>
+          <p:cNvPr id="1253713353" name="Notes Placeholder 2"/>
+          <p:cNvSpPr>
+            <a:spLocks noGrp="1"/>
+          </p:cNvSpPr>
+          <p:nvPr>
+            <p:ph type="body" idx="1"/>
+          </p:nvPr>
+        </p:nvSpPr>
+        <p:spPr bwMode="auto"/>
+        <p:txBody>
+          <a:bodyPr/>
+          <a:lstStyle/>
+          <a:p>
+            <a:pPr>
+              <a:defRPr/>
+            </a:pPr>
+            <a:endParaRPr/>
+          </a:p>
+        </p:txBody>
+      </p:sp>
+      <p:sp>
+        <p:nvSpPr>
+          <p:cNvPr id="1542905862" name="Slide Number Placeholder 3"/>
+          <p:cNvSpPr>
+            <a:spLocks noGrp="1"/>
+          </p:cNvSpPr>
+          <p:nvPr>
+            <p:ph type="sldNum" sz="quarter" idx="10"/>
+          </p:nvPr>
+        </p:nvSpPr>
+        <p:spPr bwMode="auto"/>
+        <p:txBody>
+          <a:bodyPr/>
+          <a:lstStyle/>
+          <a:p>
+            <a:pPr>
+              <a:defRPr/>
+            </a:pPr>
+            <a:fld id="{57EF6CEE-34EC-1339-D428-26094DC776B5}" type="slidenum">
+              <a:rPr/>
+              <a:t/>
+            </a:fld>
+            <a:endParaRPr/>
+          </a:p>
+        </p:txBody>
+      </p:sp>
+    </p:spTree>
+  </p:cSld>
+</p:notes>
+</file>
+
+<file path=ppt/notesSlides/notesSlide65.xml><?xml version="1.0" encoding="utf-8"?>
+<p:notes xmlns:a="http://schemas.openxmlformats.org/drawingml/2006/main" xmlns:r="http://schemas.openxmlformats.org/officeDocument/2006/relationships" xmlns:p="http://schemas.openxmlformats.org/presentationml/2006/main" xmlns:m="http://schemas.openxmlformats.org/officeDocument/2006/math" xmlns:w="http://schemas.openxmlformats.org/wordprocessingml/2006/main">
+  <p:cSld name="">
+    <p:spTree>
+      <p:nvGrpSpPr>
+        <p:cNvPr id="1" name=""/>
+        <p:cNvGrpSpPr/>
+        <p:nvPr/>
+      </p:nvGrpSpPr>
+      <p:grpSpPr bwMode="auto">
+        <a:xfrm>
+          <a:off x="0" y="0"/>
+          <a:ext cx="0" cy="0"/>
+          <a:chOff x="0" y="0"/>
+          <a:chExt cx="0" cy="0"/>
+        </a:xfrm>
+      </p:grpSpPr>
+      <p:sp>
+        <p:nvSpPr>
+          <p:cNvPr id="1511782115" name="Slide Image Placeholder 1"/>
+          <p:cNvSpPr>
+            <a:spLocks noChangeAspect="1" noGrp="1" noRot="1"/>
+          </p:cNvSpPr>
+          <p:nvPr>
+            <p:ph type="sldImg"/>
+          </p:nvPr>
+        </p:nvSpPr>
+        <p:spPr bwMode="auto"/>
+      </p:sp>
+      <p:sp>
+        <p:nvSpPr>
+          <p:cNvPr id="259960514" name="Notes Placeholder 2"/>
+          <p:cNvSpPr>
+            <a:spLocks noGrp="1"/>
+          </p:cNvSpPr>
+          <p:nvPr>
+            <p:ph type="body" idx="1"/>
+          </p:nvPr>
+        </p:nvSpPr>
+        <p:spPr bwMode="auto"/>
+        <p:txBody>
+          <a:bodyPr/>
+          <a:lstStyle/>
+          <a:p>
+            <a:pPr>
+              <a:defRPr/>
+            </a:pPr>
+            <a:endParaRPr/>
+          </a:p>
+        </p:txBody>
+      </p:sp>
+      <p:sp>
+        <p:nvSpPr>
+          <p:cNvPr id="2075761295" name="Slide Number Placeholder 3"/>
+          <p:cNvSpPr>
+            <a:spLocks noGrp="1"/>
+          </p:cNvSpPr>
+          <p:nvPr>
+            <p:ph type="sldNum" sz="quarter" idx="10"/>
+          </p:nvPr>
+        </p:nvSpPr>
+        <p:spPr bwMode="auto"/>
+        <p:txBody>
+          <a:bodyPr/>
+          <a:lstStyle/>
+          <a:p>
+            <a:pPr>
+              <a:defRPr/>
+            </a:pPr>
+            <a:fld id="{217EE090-A567-ED30-360D-EEB86E308DAF}" type="slidenum">
+              <a:rPr/>
+              <a:t/>
+            </a:fld>
+            <a:endParaRPr/>
+          </a:p>
+        </p:txBody>
+      </p:sp>
+    </p:spTree>
+  </p:cSld>
+</p:notes>
+</file>
+
+<file path=ppt/notesSlides/notesSlide66.xml><?xml version="1.0" encoding="utf-8"?>
+<p:notes xmlns:a="http://schemas.openxmlformats.org/drawingml/2006/main" xmlns:r="http://schemas.openxmlformats.org/officeDocument/2006/relationships" xmlns:p="http://schemas.openxmlformats.org/presentationml/2006/main" xmlns:m="http://schemas.openxmlformats.org/officeDocument/2006/math" xmlns:w="http://schemas.openxmlformats.org/wordprocessingml/2006/main">
+  <p:cSld name="">
+    <p:spTree>
+      <p:nvGrpSpPr>
+        <p:cNvPr id="1" name=""/>
+        <p:cNvGrpSpPr/>
+        <p:nvPr/>
+      </p:nvGrpSpPr>
+      <p:grpSpPr bwMode="auto">
+        <a:xfrm>
+          <a:off x="0" y="0"/>
+          <a:ext cx="0" cy="0"/>
+          <a:chOff x="0" y="0"/>
+          <a:chExt cx="0" cy="0"/>
+        </a:xfrm>
+      </p:grpSpPr>
+      <p:sp>
+        <p:nvSpPr>
+          <p:cNvPr id="1946478487" name="Slide Image Placeholder 1"/>
+          <p:cNvSpPr>
+            <a:spLocks noChangeAspect="1" noGrp="1" noRot="1"/>
+          </p:cNvSpPr>
+          <p:nvPr>
+            <p:ph type="sldImg"/>
+          </p:nvPr>
+        </p:nvSpPr>
+        <p:spPr bwMode="auto"/>
+      </p:sp>
+      <p:sp>
+        <p:nvSpPr>
+          <p:cNvPr id="203151050" name="Notes Placeholder 2"/>
+          <p:cNvSpPr>
+            <a:spLocks noGrp="1"/>
+          </p:cNvSpPr>
+          <p:nvPr>
+            <p:ph type="body" idx="1"/>
+          </p:nvPr>
+        </p:nvSpPr>
+        <p:spPr bwMode="auto"/>
+        <p:txBody>
+          <a:bodyPr/>
+          <a:lstStyle/>
+          <a:p>
+            <a:pPr>
+              <a:defRPr/>
+            </a:pPr>
+            <a:endParaRPr/>
+          </a:p>
+        </p:txBody>
+      </p:sp>
+      <p:sp>
+        <p:nvSpPr>
+          <p:cNvPr id="1130711449" name="Slide Number Placeholder 3"/>
+          <p:cNvSpPr>
+            <a:spLocks noGrp="1"/>
+          </p:cNvSpPr>
+          <p:nvPr>
+            <p:ph type="sldNum" sz="quarter" idx="10"/>
+          </p:nvPr>
+        </p:nvSpPr>
+        <p:spPr bwMode="auto"/>
+        <p:txBody>
+          <a:bodyPr/>
+          <a:lstStyle/>
+          <a:p>
+            <a:pPr>
+              <a:defRPr/>
+            </a:pPr>
+            <a:fld id="{B28D4AAA-9B19-C7CA-EE21-2F40BB8E3B90}" type="slidenum">
               <a:rPr/>
               <a:t/>
             </a:fld>
@@ -4829,7 +5742,7 @@
       </p:grpSpPr>
       <p:sp>
         <p:nvSpPr>
-          <p:cNvPr id="1682120472" name="Slide Image Placeholder 1"/>
+          <p:cNvPr id="600228099" name="Slide Image Placeholder 1"/>
           <p:cNvSpPr>
             <a:spLocks noChangeAspect="1" noGrp="1" noRot="1"/>
           </p:cNvSpPr>
@@ -4841,7 +5754,7 @@
       </p:sp>
       <p:sp>
         <p:nvSpPr>
-          <p:cNvPr id="1054441593" name="Notes Placeholder 2"/>
+          <p:cNvPr id="1112764787" name="Notes Placeholder 2"/>
           <p:cNvSpPr>
             <a:spLocks noGrp="1"/>
           </p:cNvSpPr>
@@ -4863,7 +5776,7 @@
       </p:sp>
       <p:sp>
         <p:nvSpPr>
-          <p:cNvPr id="1793388876" name="Slide Number Placeholder 3"/>
+          <p:cNvPr id="1504950534" name="Slide Number Placeholder 3"/>
           <p:cNvSpPr>
             <a:spLocks noGrp="1"/>
           </p:cNvSpPr>
@@ -4911,7 +5824,7 @@
       </p:grpSpPr>
       <p:sp>
         <p:nvSpPr>
-          <p:cNvPr id="1264227594" name="Slide Image Placeholder 1"/>
+          <p:cNvPr id="960444069" name="Slide Image Placeholder 1"/>
           <p:cNvSpPr>
             <a:spLocks noChangeAspect="1" noGrp="1" noRot="1"/>
           </p:cNvSpPr>
@@ -4923,7 +5836,7 @@
       </p:sp>
       <p:sp>
         <p:nvSpPr>
-          <p:cNvPr id="1379398022" name="Notes Placeholder 2"/>
+          <p:cNvPr id="206572770" name="Notes Placeholder 2"/>
           <p:cNvSpPr>
             <a:spLocks noGrp="1"/>
           </p:cNvSpPr>
@@ -4945,7 +5858,7 @@
       </p:sp>
       <p:sp>
         <p:nvSpPr>
-          <p:cNvPr id="1113596869" name="Slide Number Placeholder 3"/>
+          <p:cNvPr id="236664516" name="Slide Number Placeholder 3"/>
           <p:cNvSpPr>
             <a:spLocks noGrp="1"/>
           </p:cNvSpPr>
@@ -4993,7 +5906,7 @@
       </p:grpSpPr>
       <p:sp>
         <p:nvSpPr>
-          <p:cNvPr id="614394752" name="Slide Image Placeholder 1"/>
+          <p:cNvPr id="1932212649" name="Slide Image Placeholder 1"/>
           <p:cNvSpPr>
             <a:spLocks noChangeAspect="1" noGrp="1" noRot="1"/>
           </p:cNvSpPr>
@@ -5005,7 +5918,7 @@
       </p:sp>
       <p:sp>
         <p:nvSpPr>
-          <p:cNvPr id="2012805188" name="Notes Placeholder 2"/>
+          <p:cNvPr id="1633407970" name="Notes Placeholder 2"/>
           <p:cNvSpPr>
             <a:spLocks noGrp="1"/>
           </p:cNvSpPr>
@@ -5027,7 +5940,7 @@
       </p:sp>
       <p:sp>
         <p:nvSpPr>
-          <p:cNvPr id="986871799" name="Slide Number Placeholder 3"/>
+          <p:cNvPr id="1252853267" name="Slide Number Placeholder 3"/>
           <p:cNvSpPr>
             <a:spLocks noGrp="1"/>
           </p:cNvSpPr>
@@ -5075,7 +5988,7 @@
       </p:grpSpPr>
       <p:sp>
         <p:nvSpPr>
-          <p:cNvPr id="1355503258" name="Shape 1059"/>
+          <p:cNvPr id="1359970821" name="Shape 1059"/>
           <p:cNvSpPr>
             <a:spLocks noChangeArrowheads="1" noGrp="1"/>
           </p:cNvSpPr>
@@ -5198,7 +6111,7 @@
       </p:sp>
       <p:sp>
         <p:nvSpPr>
-          <p:cNvPr id="1849442602" name="Shape 1060"/>
+          <p:cNvPr id="1664694461" name="Shape 1060"/>
           <p:cNvSpPr>
             <a:spLocks noChangeArrowheads="1" noGrp="1"/>
           </p:cNvSpPr>
@@ -5289,7 +6202,7 @@
       </p:sp>
       <p:sp>
         <p:nvSpPr>
-          <p:cNvPr id="1742208148" name="Shape 1061"/>
+          <p:cNvPr id="1701724020" name="Shape 1061"/>
           <p:cNvSpPr>
             <a:spLocks noChangeArrowheads="1" noGrp="1"/>
           </p:cNvSpPr>
@@ -5375,7 +6288,7 @@
       </p:sp>
       <p:sp>
         <p:nvSpPr>
-          <p:cNvPr id="1161599755" name="Shape 1062"/>
+          <p:cNvPr id="2074141203" name="Shape 1062"/>
           <p:cNvSpPr>
             <a:spLocks noChangeArrowheads="1" noGrp="1"/>
           </p:cNvSpPr>
@@ -5453,7 +6366,7 @@
       </p:sp>
       <p:sp>
         <p:nvSpPr>
-          <p:cNvPr id="1065769924" name="Shape 1063"/>
+          <p:cNvPr id="558846427" name="Shape 1063"/>
           <p:cNvSpPr>
             <a:spLocks noChangeArrowheads="1" noGrp="1"/>
           </p:cNvSpPr>
@@ -5531,7 +6444,7 @@
       </p:sp>
       <p:sp>
         <p:nvSpPr>
-          <p:cNvPr id="1641160951" name="Subtitle 2"/>
+          <p:cNvPr id="1632651118" name="Subtitle 2"/>
           <p:cNvSpPr>
             <a:spLocks noGrp="1"/>
           </p:cNvSpPr>
@@ -5654,7 +6567,7 @@
       </p:sp>
       <p:sp>
         <p:nvSpPr>
-          <p:cNvPr id="199224923" name="Date Placeholder 3"/>
+          <p:cNvPr id="1137823103" name="Date Placeholder 3"/>
           <p:cNvSpPr>
             <a:spLocks noGrp="1"/>
           </p:cNvSpPr>
@@ -5680,7 +6593,7 @@
       </p:sp>
       <p:sp>
         <p:nvSpPr>
-          <p:cNvPr id="1901281150" name="Footer Placeholder 4"/>
+          <p:cNvPr id="1157804732" name="Footer Placeholder 4"/>
           <p:cNvSpPr>
             <a:spLocks noGrp="1"/>
           </p:cNvSpPr>
@@ -5702,7 +6615,7 @@
       </p:sp>
       <p:sp>
         <p:nvSpPr>
-          <p:cNvPr id="846538482" name="Slide Number Placeholder 5"/>
+          <p:cNvPr id="1554333510" name="Slide Number Placeholder 5"/>
           <p:cNvSpPr>
             <a:spLocks noGrp="1"/>
           </p:cNvSpPr>
@@ -5728,7 +6641,7 @@
       </p:sp>
       <p:sp>
         <p:nvSpPr>
-          <p:cNvPr id="545038059" name="Title 6"/>
+          <p:cNvPr id="843916806" name="Title 6"/>
           <p:cNvSpPr>
             <a:spLocks noGrp="1"/>
           </p:cNvSpPr>
@@ -5788,7 +6701,7 @@
       </p:grpSpPr>
       <p:sp>
         <p:nvSpPr>
-          <p:cNvPr id="164892379" name="Title 1"/>
+          <p:cNvPr id="571584464" name="Title 1"/>
           <p:cNvSpPr>
             <a:spLocks noGrp="1"/>
           </p:cNvSpPr>
@@ -5814,7 +6727,7 @@
       </p:sp>
       <p:sp>
         <p:nvSpPr>
-          <p:cNvPr id="1773446498" name="Vertical Text Placeholder 2"/>
+          <p:cNvPr id="1313071248" name="Vertical Text Placeholder 2"/>
           <p:cNvSpPr>
             <a:spLocks noGrp="1"/>
           </p:cNvSpPr>
@@ -5880,7 +6793,7 @@
       </p:sp>
       <p:sp>
         <p:nvSpPr>
-          <p:cNvPr id="126390104" name="Date Placeholder 3"/>
+          <p:cNvPr id="1049450798" name="Date Placeholder 3"/>
           <p:cNvSpPr>
             <a:spLocks noGrp="1"/>
           </p:cNvSpPr>
@@ -5906,7 +6819,7 @@
       </p:sp>
       <p:sp>
         <p:nvSpPr>
-          <p:cNvPr id="1525751739" name="Footer Placeholder 4"/>
+          <p:cNvPr id="860064501" name="Footer Placeholder 4"/>
           <p:cNvSpPr>
             <a:spLocks noGrp="1"/>
           </p:cNvSpPr>
@@ -5928,7 +6841,7 @@
       </p:sp>
       <p:sp>
         <p:nvSpPr>
-          <p:cNvPr id="59021561" name="Slide Number Placeholder 5"/>
+          <p:cNvPr id="1281995168" name="Slide Number Placeholder 5"/>
           <p:cNvSpPr>
             <a:spLocks noGrp="1"/>
           </p:cNvSpPr>
@@ -5979,7 +6892,7 @@
       </p:grpSpPr>
       <p:sp>
         <p:nvSpPr>
-          <p:cNvPr id="137035334" name="Vertical Title 1"/>
+          <p:cNvPr id="454146224" name="Vertical Title 1"/>
           <p:cNvSpPr>
             <a:spLocks noGrp="1"/>
           </p:cNvSpPr>
@@ -6014,7 +6927,7 @@
       </p:sp>
       <p:sp>
         <p:nvSpPr>
-          <p:cNvPr id="2062006892" name="Vertical Text Placeholder 2"/>
+          <p:cNvPr id="1961388776" name="Vertical Text Placeholder 2"/>
           <p:cNvSpPr>
             <a:spLocks noGrp="1"/>
           </p:cNvSpPr>
@@ -6085,7 +6998,7 @@
       </p:sp>
       <p:sp>
         <p:nvSpPr>
-          <p:cNvPr id="1690403268" name="Date Placeholder 3"/>
+          <p:cNvPr id="1487876209" name="Date Placeholder 3"/>
           <p:cNvSpPr>
             <a:spLocks noGrp="1"/>
           </p:cNvSpPr>
@@ -6111,7 +7024,7 @@
       </p:sp>
       <p:sp>
         <p:nvSpPr>
-          <p:cNvPr id="885384315" name="Footer Placeholder 4"/>
+          <p:cNvPr id="962204018" name="Footer Placeholder 4"/>
           <p:cNvSpPr>
             <a:spLocks noGrp="1"/>
           </p:cNvSpPr>
@@ -6133,7 +7046,7 @@
       </p:sp>
       <p:sp>
         <p:nvSpPr>
-          <p:cNvPr id="1498321287" name="Slide Number Placeholder 5"/>
+          <p:cNvPr id="2137206080" name="Slide Number Placeholder 5"/>
           <p:cNvSpPr>
             <a:spLocks noGrp="1"/>
           </p:cNvSpPr>
@@ -6184,7 +7097,7 @@
       </p:grpSpPr>
       <p:sp>
         <p:nvSpPr>
-          <p:cNvPr id="1834347257" name="Title 1"/>
+          <p:cNvPr id="763988180" name="Title 1"/>
           <p:cNvSpPr>
             <a:spLocks noGrp="1"/>
           </p:cNvSpPr>
@@ -6210,7 +7123,7 @@
       </p:sp>
       <p:sp>
         <p:nvSpPr>
-          <p:cNvPr id="1519208233" name="Content Placeholder 2"/>
+          <p:cNvPr id="1588025620" name="Content Placeholder 2"/>
           <p:cNvSpPr>
             <a:spLocks noGrp="1"/>
           </p:cNvSpPr>
@@ -6276,7 +7189,7 @@
       </p:sp>
       <p:sp>
         <p:nvSpPr>
-          <p:cNvPr id="1996568654" name="Date Placeholder 3"/>
+          <p:cNvPr id="346657765" name="Date Placeholder 3"/>
           <p:cNvSpPr>
             <a:spLocks noGrp="1"/>
           </p:cNvSpPr>
@@ -6302,7 +7215,7 @@
       </p:sp>
       <p:sp>
         <p:nvSpPr>
-          <p:cNvPr id="560247567" name="Footer Placeholder 4"/>
+          <p:cNvPr id="761890273" name="Footer Placeholder 4"/>
           <p:cNvSpPr>
             <a:spLocks noGrp="1"/>
           </p:cNvSpPr>
@@ -6324,7 +7237,7 @@
       </p:sp>
       <p:sp>
         <p:nvSpPr>
-          <p:cNvPr id="1865284573" name="Slide Number Placeholder 5"/>
+          <p:cNvPr id="1421261655" name="Slide Number Placeholder 5"/>
           <p:cNvSpPr>
             <a:spLocks noGrp="1"/>
           </p:cNvSpPr>
@@ -6375,7 +7288,7 @@
       </p:grpSpPr>
       <p:sp>
         <p:nvSpPr>
-          <p:cNvPr id="1389207316" name="Title 1"/>
+          <p:cNvPr id="1035095910" name="Title 1"/>
           <p:cNvSpPr>
             <a:spLocks noGrp="1"/>
           </p:cNvSpPr>
@@ -6410,7 +7323,7 @@
       </p:sp>
       <p:sp>
         <p:nvSpPr>
-          <p:cNvPr id="299918477" name="Text Placeholder 2"/>
+          <p:cNvPr id="203540230" name="Text Placeholder 2"/>
           <p:cNvSpPr>
             <a:spLocks noGrp="1"/>
           </p:cNvSpPr>
@@ -6532,7 +7445,7 @@
       </p:sp>
       <p:sp>
         <p:nvSpPr>
-          <p:cNvPr id="1625245379" name="Date Placeholder 3"/>
+          <p:cNvPr id="1912926845" name="Date Placeholder 3"/>
           <p:cNvSpPr>
             <a:spLocks noGrp="1"/>
           </p:cNvSpPr>
@@ -6558,7 +7471,7 @@
       </p:sp>
       <p:sp>
         <p:nvSpPr>
-          <p:cNvPr id="1727141333" name="Footer Placeholder 4"/>
+          <p:cNvPr id="580993991" name="Footer Placeholder 4"/>
           <p:cNvSpPr>
             <a:spLocks noGrp="1"/>
           </p:cNvSpPr>
@@ -6580,7 +7493,7 @@
       </p:sp>
       <p:sp>
         <p:nvSpPr>
-          <p:cNvPr id="1209683496" name="Slide Number Placeholder 5"/>
+          <p:cNvPr id="928961763" name="Slide Number Placeholder 5"/>
           <p:cNvSpPr>
             <a:spLocks noGrp="1"/>
           </p:cNvSpPr>
@@ -6631,7 +7544,7 @@
       </p:grpSpPr>
       <p:sp>
         <p:nvSpPr>
-          <p:cNvPr id="1169684031" name="Title 1"/>
+          <p:cNvPr id="213609839" name="Title 1"/>
           <p:cNvSpPr>
             <a:spLocks noGrp="1"/>
           </p:cNvSpPr>
@@ -6657,7 +7570,7 @@
       </p:sp>
       <p:sp>
         <p:nvSpPr>
-          <p:cNvPr id="840179497" name="Content Placeholder 2"/>
+          <p:cNvPr id="2121882571" name="Content Placeholder 2"/>
           <p:cNvSpPr>
             <a:spLocks noGrp="1"/>
           </p:cNvSpPr>
@@ -6756,7 +7669,7 @@
       </p:sp>
       <p:sp>
         <p:nvSpPr>
-          <p:cNvPr id="1139074160" name="Content Placeholder 3"/>
+          <p:cNvPr id="1340490868" name="Content Placeholder 3"/>
           <p:cNvSpPr>
             <a:spLocks noGrp="1"/>
           </p:cNvSpPr>
@@ -6855,7 +7768,7 @@
       </p:sp>
       <p:sp>
         <p:nvSpPr>
-          <p:cNvPr id="437257455" name="Date Placeholder 4"/>
+          <p:cNvPr id="998624755" name="Date Placeholder 4"/>
           <p:cNvSpPr>
             <a:spLocks noGrp="1"/>
           </p:cNvSpPr>
@@ -6881,7 +7794,7 @@
       </p:sp>
       <p:sp>
         <p:nvSpPr>
-          <p:cNvPr id="2013125546" name="Footer Placeholder 5"/>
+          <p:cNvPr id="2004836789" name="Footer Placeholder 5"/>
           <p:cNvSpPr>
             <a:spLocks noGrp="1"/>
           </p:cNvSpPr>
@@ -6903,7 +7816,7 @@
       </p:sp>
       <p:sp>
         <p:nvSpPr>
-          <p:cNvPr id="896947115" name="Slide Number Placeholder 6"/>
+          <p:cNvPr id="301119137" name="Slide Number Placeholder 6"/>
           <p:cNvSpPr>
             <a:spLocks noGrp="1"/>
           </p:cNvSpPr>
@@ -6954,7 +7867,7 @@
       </p:grpSpPr>
       <p:sp>
         <p:nvSpPr>
-          <p:cNvPr id="2130387179" name="Title 1"/>
+          <p:cNvPr id="900932889" name="Title 1"/>
           <p:cNvSpPr>
             <a:spLocks noGrp="1"/>
           </p:cNvSpPr>
@@ -6984,7 +7897,7 @@
       </p:sp>
       <p:sp>
         <p:nvSpPr>
-          <p:cNvPr id="67130269" name="Text Placeholder 2"/>
+          <p:cNvPr id="2140071579" name="Text Placeholder 2"/>
           <p:cNvSpPr>
             <a:spLocks noGrp="1"/>
           </p:cNvSpPr>
@@ -7052,7 +7965,7 @@
       </p:sp>
       <p:sp>
         <p:nvSpPr>
-          <p:cNvPr id="1966153120" name="Content Placeholder 3"/>
+          <p:cNvPr id="789254760" name="Content Placeholder 3"/>
           <p:cNvSpPr>
             <a:spLocks noGrp="1"/>
           </p:cNvSpPr>
@@ -7151,7 +8064,7 @@
       </p:sp>
       <p:sp>
         <p:nvSpPr>
-          <p:cNvPr id="471707460" name="Text Placeholder 4"/>
+          <p:cNvPr id="325237578" name="Text Placeholder 4"/>
           <p:cNvSpPr>
             <a:spLocks noGrp="1"/>
           </p:cNvSpPr>
@@ -7219,7 +8132,7 @@
       </p:sp>
       <p:sp>
         <p:nvSpPr>
-          <p:cNvPr id="940403876" name="Content Placeholder 5"/>
+          <p:cNvPr id="1585307838" name="Content Placeholder 5"/>
           <p:cNvSpPr>
             <a:spLocks noGrp="1"/>
           </p:cNvSpPr>
@@ -7318,7 +8231,7 @@
       </p:sp>
       <p:sp>
         <p:nvSpPr>
-          <p:cNvPr id="1629214183" name="Date Placeholder 6"/>
+          <p:cNvPr id="169959635" name="Date Placeholder 6"/>
           <p:cNvSpPr>
             <a:spLocks noGrp="1"/>
           </p:cNvSpPr>
@@ -7344,7 +8257,7 @@
       </p:sp>
       <p:sp>
         <p:nvSpPr>
-          <p:cNvPr id="454417801" name="Footer Placeholder 7"/>
+          <p:cNvPr id="1946647502" name="Footer Placeholder 7"/>
           <p:cNvSpPr>
             <a:spLocks noGrp="1"/>
           </p:cNvSpPr>
@@ -7366,7 +8279,7 @@
       </p:sp>
       <p:sp>
         <p:nvSpPr>
-          <p:cNvPr id="1844187359" name="Slide Number Placeholder 8"/>
+          <p:cNvPr id="267560299" name="Slide Number Placeholder 8"/>
           <p:cNvSpPr>
             <a:spLocks noGrp="1"/>
           </p:cNvSpPr>
@@ -7417,7 +8330,7 @@
       </p:grpSpPr>
       <p:sp>
         <p:nvSpPr>
-          <p:cNvPr id="1502273308" name="Title 1"/>
+          <p:cNvPr id="1244195526" name="Title 1"/>
           <p:cNvSpPr>
             <a:spLocks noGrp="1"/>
           </p:cNvSpPr>
@@ -7443,7 +8356,7 @@
       </p:sp>
       <p:sp>
         <p:nvSpPr>
-          <p:cNvPr id="942131968" name="Date Placeholder 2"/>
+          <p:cNvPr id="1940842061" name="Date Placeholder 2"/>
           <p:cNvSpPr>
             <a:spLocks noGrp="1"/>
           </p:cNvSpPr>
@@ -7469,7 +8382,7 @@
       </p:sp>
       <p:sp>
         <p:nvSpPr>
-          <p:cNvPr id="787203125" name="Footer Placeholder 3"/>
+          <p:cNvPr id="1000131908" name="Footer Placeholder 3"/>
           <p:cNvSpPr>
             <a:spLocks noGrp="1"/>
           </p:cNvSpPr>
@@ -7491,7 +8404,7 @@
       </p:sp>
       <p:sp>
         <p:nvSpPr>
-          <p:cNvPr id="1873311333" name="Slide Number Placeholder 4"/>
+          <p:cNvPr id="164896826" name="Slide Number Placeholder 4"/>
           <p:cNvSpPr>
             <a:spLocks noGrp="1"/>
           </p:cNvSpPr>
@@ -7542,7 +8455,7 @@
       </p:grpSpPr>
       <p:sp>
         <p:nvSpPr>
-          <p:cNvPr id="2142520820" name="Date Placeholder 1"/>
+          <p:cNvPr id="165998069" name="Date Placeholder 1"/>
           <p:cNvSpPr>
             <a:spLocks noGrp="1"/>
           </p:cNvSpPr>
@@ -7568,7 +8481,7 @@
       </p:sp>
       <p:sp>
         <p:nvSpPr>
-          <p:cNvPr id="1984812164" name="Footer Placeholder 2"/>
+          <p:cNvPr id="1507863524" name="Footer Placeholder 2"/>
           <p:cNvSpPr>
             <a:spLocks noGrp="1"/>
           </p:cNvSpPr>
@@ -7590,7 +8503,7 @@
       </p:sp>
       <p:sp>
         <p:nvSpPr>
-          <p:cNvPr id="886067860" name="Slide Number Placeholder 3"/>
+          <p:cNvPr id="76901140" name="Slide Number Placeholder 3"/>
           <p:cNvSpPr>
             <a:spLocks noGrp="1"/>
           </p:cNvSpPr>
@@ -7641,7 +8554,7 @@
       </p:grpSpPr>
       <p:sp>
         <p:nvSpPr>
-          <p:cNvPr id="362037687" name="Title 1"/>
+          <p:cNvPr id="1973091300" name="Title 1"/>
           <p:cNvSpPr>
             <a:spLocks noGrp="1"/>
           </p:cNvSpPr>
@@ -7676,7 +8589,7 @@
       </p:sp>
       <p:sp>
         <p:nvSpPr>
-          <p:cNvPr id="63724738" name="Content Placeholder 2"/>
+          <p:cNvPr id="160439458" name="Content Placeholder 2"/>
           <p:cNvSpPr>
             <a:spLocks noGrp="1"/>
           </p:cNvSpPr>
@@ -7775,7 +8688,7 @@
       </p:sp>
       <p:sp>
         <p:nvSpPr>
-          <p:cNvPr id="1643472691" name="Text Placeholder 3"/>
+          <p:cNvPr id="1448449956" name="Text Placeholder 3"/>
           <p:cNvSpPr>
             <a:spLocks noGrp="1"/>
           </p:cNvSpPr>
@@ -7843,7 +8756,7 @@
       </p:sp>
       <p:sp>
         <p:nvSpPr>
-          <p:cNvPr id="713989958" name="Date Placeholder 4"/>
+          <p:cNvPr id="1483528804" name="Date Placeholder 4"/>
           <p:cNvSpPr>
             <a:spLocks noGrp="1"/>
           </p:cNvSpPr>
@@ -7869,7 +8782,7 @@
       </p:sp>
       <p:sp>
         <p:nvSpPr>
-          <p:cNvPr id="1990098598" name="Footer Placeholder 5"/>
+          <p:cNvPr id="1367058496" name="Footer Placeholder 5"/>
           <p:cNvSpPr>
             <a:spLocks noGrp="1"/>
           </p:cNvSpPr>
@@ -7891,7 +8804,7 @@
       </p:sp>
       <p:sp>
         <p:nvSpPr>
-          <p:cNvPr id="553157759" name="Slide Number Placeholder 6"/>
+          <p:cNvPr id="359669326" name="Slide Number Placeholder 6"/>
           <p:cNvSpPr>
             <a:spLocks noGrp="1"/>
           </p:cNvSpPr>
@@ -7942,7 +8855,7 @@
       </p:grpSpPr>
       <p:sp>
         <p:nvSpPr>
-          <p:cNvPr id="584087480" name="Title 1"/>
+          <p:cNvPr id="1243568321" name="Title 1"/>
           <p:cNvSpPr>
             <a:spLocks noGrp="1"/>
           </p:cNvSpPr>
@@ -7977,7 +8890,7 @@
       </p:sp>
       <p:sp>
         <p:nvSpPr>
-          <p:cNvPr id="1368208419" name="Picture Placeholder 2"/>
+          <p:cNvPr id="663689322" name="Picture Placeholder 2"/>
           <p:cNvSpPr>
             <a:spLocks noGrp="1"/>
           </p:cNvSpPr>
@@ -8041,7 +8954,7 @@
       </p:sp>
       <p:sp>
         <p:nvSpPr>
-          <p:cNvPr id="723555134" name="Text Placeholder 3"/>
+          <p:cNvPr id="89886179" name="Text Placeholder 3"/>
           <p:cNvSpPr>
             <a:spLocks noGrp="1"/>
           </p:cNvSpPr>
@@ -8109,7 +9022,7 @@
       </p:sp>
       <p:sp>
         <p:nvSpPr>
-          <p:cNvPr id="1662914661" name="Date Placeholder 4"/>
+          <p:cNvPr id="1958838003" name="Date Placeholder 4"/>
           <p:cNvSpPr>
             <a:spLocks noGrp="1"/>
           </p:cNvSpPr>
@@ -8135,7 +9048,7 @@
       </p:sp>
       <p:sp>
         <p:nvSpPr>
-          <p:cNvPr id="853354665" name="Footer Placeholder 5"/>
+          <p:cNvPr id="966513958" name="Footer Placeholder 5"/>
           <p:cNvSpPr>
             <a:spLocks noGrp="1"/>
           </p:cNvSpPr>
@@ -8157,7 +9070,7 @@
       </p:sp>
       <p:sp>
         <p:nvSpPr>
-          <p:cNvPr id="1201007163" name="Slide Number Placeholder 6"/>
+          <p:cNvPr id="103410256" name="Slide Number Placeholder 6"/>
           <p:cNvSpPr>
             <a:spLocks noGrp="1"/>
           </p:cNvSpPr>
@@ -8213,7 +9126,7 @@
       </p:grpSpPr>
       <p:sp>
         <p:nvSpPr>
-          <p:cNvPr id="633615217" name="Shape 1059"/>
+          <p:cNvPr id="1262610360" name="Shape 1059"/>
           <p:cNvSpPr>
             <a:spLocks noChangeArrowheads="1" noGrp="1"/>
           </p:cNvSpPr>
@@ -8291,7 +9204,7 @@
       </p:sp>
       <p:sp>
         <p:nvSpPr>
-          <p:cNvPr id="35053841" name="Shape 1060"/>
+          <p:cNvPr id="2001321658" name="Shape 1060"/>
           <p:cNvSpPr>
             <a:spLocks noChangeArrowheads="1" noGrp="1"/>
           </p:cNvSpPr>
@@ -8372,7 +9285,7 @@
       </p:sp>
       <p:sp>
         <p:nvSpPr>
-          <p:cNvPr id="1237744482" name="Shape 1061"/>
+          <p:cNvPr id="564589291" name="Shape 1061"/>
           <p:cNvSpPr>
             <a:spLocks noChangeArrowheads="1" noGrp="1"/>
           </p:cNvSpPr>
@@ -8490,7 +9403,7 @@
       </p:sp>
       <p:sp>
         <p:nvSpPr>
-          <p:cNvPr id="1391378685" name="Title 1"/>
+          <p:cNvPr id="1616915213" name="Title 1"/>
           <p:cNvSpPr>
             <a:spLocks noGrp="1"/>
           </p:cNvSpPr>
@@ -8526,7 +9439,7 @@
       </p:sp>
       <p:sp>
         <p:nvSpPr>
-          <p:cNvPr id="415463004" name="Text Placeholder 2"/>
+          <p:cNvPr id="2090925546" name="Text Placeholder 2"/>
           <p:cNvSpPr>
             <a:spLocks noGrp="1"/>
           </p:cNvSpPr>
@@ -8602,7 +9515,7 @@
       </p:sp>
       <p:sp>
         <p:nvSpPr>
-          <p:cNvPr id="598241148" name="Date Placeholder 3"/>
+          <p:cNvPr id="1030630832" name="Date Placeholder 3"/>
           <p:cNvSpPr>
             <a:spLocks noGrp="1"/>
           </p:cNvSpPr>
@@ -8646,7 +9559,7 @@
       </p:sp>
       <p:sp>
         <p:nvSpPr>
-          <p:cNvPr id="412706864" name="Footer Placeholder 4"/>
+          <p:cNvPr id="1645735731" name="Footer Placeholder 4"/>
           <p:cNvSpPr>
             <a:spLocks noGrp="1"/>
           </p:cNvSpPr>
@@ -8686,7 +9599,7 @@
       </p:sp>
       <p:sp>
         <p:nvSpPr>
-          <p:cNvPr id="161985766" name="Slide Number Placeholder 5"/>
+          <p:cNvPr id="138842334" name="Slide Number Placeholder 5"/>
           <p:cNvSpPr>
             <a:spLocks noGrp="1"/>
           </p:cNvSpPr>
@@ -9035,7 +9948,7 @@
       </p:grpSpPr>
       <p:sp>
         <p:nvSpPr>
-          <p:cNvPr id="583108024" name="Title 1"/>
+          <p:cNvPr id="1224365134" name="Title 1"/>
           <p:cNvSpPr>
             <a:spLocks noGrp="1"/>
           </p:cNvSpPr>
@@ -9081,7 +9994,7 @@
       </p:sp>
       <p:sp>
         <p:nvSpPr>
-          <p:cNvPr id="2106054216" name="Subtitle 2"/>
+          <p:cNvPr id="744497395" name="Subtitle 2"/>
           <p:cNvSpPr>
             <a:spLocks noGrp="1"/>
           </p:cNvSpPr>
@@ -9114,7 +10027,7 @@
       </p:sp>
       <p:sp>
         <p:nvSpPr>
-          <p:cNvPr id="1978123218" name=""/>
+          <p:cNvPr id="1041093047" name=""/>
           <p:cNvSpPr txBox="1"/>
           <p:nvPr/>
         </p:nvSpPr>
@@ -9186,7 +10099,7 @@
       </p:grpSpPr>
       <p:sp>
         <p:nvSpPr>
-          <p:cNvPr id="422215807" name="Title 1"/>
+          <p:cNvPr id="1756928276" name="Title 1"/>
           <p:cNvSpPr>
             <a:spLocks noGrp="1"/>
           </p:cNvSpPr>
@@ -9224,7 +10137,7 @@
       </p:sp>
       <p:sp>
         <p:nvSpPr>
-          <p:cNvPr id="1076301982" name="Content Placeholder 2"/>
+          <p:cNvPr id="710680029" name="Content Placeholder 2"/>
           <p:cNvSpPr>
             <a:spLocks noGrp="1"/>
           </p:cNvSpPr>
@@ -9504,7 +10417,7 @@
       </p:grpSpPr>
       <p:sp>
         <p:nvSpPr>
-          <p:cNvPr id="33266161" name="Subtitle 2"/>
+          <p:cNvPr id="621022195" name="Subtitle 2"/>
           <p:cNvSpPr>
             <a:spLocks noGrp="1"/>
           </p:cNvSpPr>
@@ -9623,7 +10536,7 @@
       </p:sp>
       <p:sp>
         <p:nvSpPr>
-          <p:cNvPr id="2030472233" name="Title 6"/>
+          <p:cNvPr id="1422499774" name="Title 6"/>
           <p:cNvSpPr>
             <a:spLocks noGrp="1"/>
           </p:cNvSpPr>
@@ -9697,7 +10610,7 @@
       </p:grpSpPr>
       <p:sp>
         <p:nvSpPr>
-          <p:cNvPr id="1103398162" name="Title 1"/>
+          <p:cNvPr id="584875660" name="Title 1"/>
           <p:cNvSpPr>
             <a:spLocks noGrp="1"/>
           </p:cNvSpPr>
@@ -9733,7 +10646,7 @@
       </p:sp>
       <p:sp>
         <p:nvSpPr>
-          <p:cNvPr id="1419621162" name="Content Placeholder 2"/>
+          <p:cNvPr id="633606417" name="Content Placeholder 2"/>
           <p:cNvSpPr>
             <a:spLocks noGrp="1"/>
           </p:cNvSpPr>
@@ -9779,7 +10692,7 @@
       </p:sp>
       <p:pic>
         <p:nvPicPr>
-          <p:cNvPr id="1285807493" name=""/>
+          <p:cNvPr id="1493067910" name=""/>
           <p:cNvPicPr>
             <a:picLocks noChangeAspect="1"/>
           </p:cNvPicPr>
@@ -9835,7 +10748,7 @@
       </p:grpSpPr>
       <p:sp>
         <p:nvSpPr>
-          <p:cNvPr id="1666574870" name="Title 1"/>
+          <p:cNvPr id="1033477357" name="Title 1"/>
           <p:cNvSpPr>
             <a:spLocks noGrp="1"/>
           </p:cNvSpPr>
@@ -9873,7 +10786,7 @@
       </p:sp>
       <p:sp>
         <p:nvSpPr>
-          <p:cNvPr id="792606827" name="Content Placeholder 2"/>
+          <p:cNvPr id="2067485695" name="Content Placeholder 2"/>
           <p:cNvSpPr>
             <a:spLocks noGrp="1"/>
           </p:cNvSpPr>
@@ -10023,7 +10936,7 @@
       </p:sp>
       <p:pic>
         <p:nvPicPr>
-          <p:cNvPr id="76833539" name=""/>
+          <p:cNvPr id="1384829681" name=""/>
           <p:cNvPicPr>
             <a:picLocks noChangeAspect="1"/>
           </p:cNvPicPr>
@@ -10078,7 +10991,7 @@
       </p:grpSpPr>
       <p:sp>
         <p:nvSpPr>
-          <p:cNvPr id="993832050" name="Title 1"/>
+          <p:cNvPr id="1250078354" name="Title 1"/>
           <p:cNvSpPr>
             <a:spLocks noGrp="1"/>
           </p:cNvSpPr>
@@ -10116,7 +11029,7 @@
       </p:sp>
       <p:sp>
         <p:nvSpPr>
-          <p:cNvPr id="983715524" name="Content Placeholder 2"/>
+          <p:cNvPr id="1528765942" name="Content Placeholder 2"/>
           <p:cNvSpPr>
             <a:spLocks noGrp="1"/>
           </p:cNvSpPr>
@@ -10236,7 +11149,7 @@
       </p:sp>
       <p:pic>
         <p:nvPicPr>
-          <p:cNvPr id="59345820" name=""/>
+          <p:cNvPr id="50060904" name=""/>
           <p:cNvPicPr>
             <a:picLocks noChangeAspect="1"/>
           </p:cNvPicPr>
@@ -10292,7 +11205,7 @@
       </p:grpSpPr>
       <p:sp>
         <p:nvSpPr>
-          <p:cNvPr id="701395648" name="Title 1"/>
+          <p:cNvPr id="690330937" name="Title 1"/>
           <p:cNvSpPr>
             <a:spLocks noGrp="1"/>
           </p:cNvSpPr>
@@ -10330,7 +11243,7 @@
       </p:sp>
       <p:sp>
         <p:nvSpPr>
-          <p:cNvPr id="1632456483" name="Content Placeholder 2"/>
+          <p:cNvPr id="2093207835" name="Content Placeholder 2"/>
           <p:cNvSpPr>
             <a:spLocks noGrp="1"/>
           </p:cNvSpPr>
@@ -10461,7 +11374,7 @@
       </p:sp>
       <p:grpSp>
         <p:nvGrpSpPr>
-          <p:cNvPr id="19050343" name=""/>
+          <p:cNvPr id="100780657" name=""/>
           <p:cNvGrpSpPr/>
           <p:nvPr/>
         </p:nvGrpSpPr>
@@ -10554,7 +11467,7 @@
       </p:grpSpPr>
       <p:sp>
         <p:nvSpPr>
-          <p:cNvPr id="1726004052" name="Title 1"/>
+          <p:cNvPr id="1199319856" name="Title 1"/>
           <p:cNvSpPr>
             <a:spLocks noGrp="1"/>
           </p:cNvSpPr>
@@ -10592,7 +11505,7 @@
       </p:sp>
       <p:sp>
         <p:nvSpPr>
-          <p:cNvPr id="1958898848" name="Content Placeholder 2"/>
+          <p:cNvPr id="1709302818" name="Content Placeholder 2"/>
           <p:cNvSpPr>
             <a:spLocks noGrp="1"/>
           </p:cNvSpPr>
@@ -10743,7 +11656,7 @@
       </p:sp>
       <p:pic>
         <p:nvPicPr>
-          <p:cNvPr id="182583650" name=""/>
+          <p:cNvPr id="851867511" name=""/>
           <p:cNvPicPr>
             <a:picLocks noChangeAspect="1"/>
           </p:cNvPicPr>
@@ -10799,7 +11712,7 @@
       </p:grpSpPr>
       <p:sp>
         <p:nvSpPr>
-          <p:cNvPr id="1127747709" name="Title 1"/>
+          <p:cNvPr id="1567103162" name="Title 1"/>
           <p:cNvSpPr>
             <a:spLocks noGrp="1"/>
           </p:cNvSpPr>
@@ -10837,7 +11750,7 @@
       </p:sp>
       <p:sp>
         <p:nvSpPr>
-          <p:cNvPr id="581186701" name="Content Placeholder 2"/>
+          <p:cNvPr id="1302747655" name="Content Placeholder 2"/>
           <p:cNvSpPr>
             <a:spLocks noGrp="1"/>
           </p:cNvSpPr>
@@ -10964,7 +11877,7 @@
       </p:sp>
       <p:pic>
         <p:nvPicPr>
-          <p:cNvPr id="1558705780" name=""/>
+          <p:cNvPr id="220722169" name=""/>
           <p:cNvPicPr>
             <a:picLocks noChangeAspect="1"/>
           </p:cNvPicPr>
@@ -11020,7 +11933,7 @@
       </p:grpSpPr>
       <p:sp>
         <p:nvSpPr>
-          <p:cNvPr id="891683455" name="Subtitle 2"/>
+          <p:cNvPr id="630115757" name="Subtitle 2"/>
           <p:cNvSpPr>
             <a:spLocks noGrp="1"/>
           </p:cNvSpPr>
@@ -11143,7 +12056,7 @@
       </p:sp>
       <p:sp>
         <p:nvSpPr>
-          <p:cNvPr id="991198728" name="Title 6"/>
+          <p:cNvPr id="1834887927" name="Title 6"/>
           <p:cNvSpPr>
             <a:spLocks noGrp="1"/>
           </p:cNvSpPr>
@@ -11215,7 +12128,7 @@
       </p:grpSpPr>
       <p:sp>
         <p:nvSpPr>
-          <p:cNvPr id="404268467" name="Title 1"/>
+          <p:cNvPr id="514965518" name="Title 1"/>
           <p:cNvSpPr>
             <a:spLocks noGrp="1"/>
           </p:cNvSpPr>
@@ -11241,7 +12154,7 @@
       </p:sp>
       <p:pic>
         <p:nvPicPr>
-          <p:cNvPr id="1412489762" name=""/>
+          <p:cNvPr id="1320346172" name=""/>
           <p:cNvPicPr>
             <a:picLocks noChangeAspect="1"/>
           </p:cNvPicPr>
@@ -11296,7 +12209,7 @@
       </p:grpSpPr>
       <p:sp>
         <p:nvSpPr>
-          <p:cNvPr id="547981012" name="Title 1"/>
+          <p:cNvPr id="655810016" name="Title 1"/>
           <p:cNvSpPr>
             <a:spLocks noGrp="1"/>
           </p:cNvSpPr>
@@ -11332,7 +12245,7 @@
       </p:sp>
       <p:sp>
         <p:nvSpPr>
-          <p:cNvPr id="340572538" name="Content Placeholder 2"/>
+          <p:cNvPr id="1713843703" name="Content Placeholder 2"/>
           <p:cNvSpPr>
             <a:spLocks noGrp="1"/>
           </p:cNvSpPr>
@@ -11354,7 +12267,7 @@
       </p:sp>
       <p:pic>
         <p:nvPicPr>
-          <p:cNvPr id="413091479" name=""/>
+          <p:cNvPr id="190710310" name=""/>
           <p:cNvPicPr>
             <a:picLocks noChangeAspect="1"/>
           </p:cNvPicPr>
@@ -11409,7 +12322,7 @@
       </p:grpSpPr>
       <p:sp>
         <p:nvSpPr>
-          <p:cNvPr id="1662387479" name="Title 1"/>
+          <p:cNvPr id="1490661534" name="Title 1"/>
           <p:cNvSpPr>
             <a:spLocks noGrp="1"/>
           </p:cNvSpPr>
@@ -11447,7 +12360,7 @@
       </p:sp>
       <p:pic>
         <p:nvPicPr>
-          <p:cNvPr id="2020556339" name=""/>
+          <p:cNvPr id="86651793" name=""/>
           <p:cNvPicPr>
             <a:picLocks noChangeAspect="1"/>
           </p:cNvPicPr>
@@ -11469,7 +12382,7 @@
       </p:pic>
       <p:sp>
         <p:nvSpPr>
-          <p:cNvPr id="1994417982" name=""/>
+          <p:cNvPr id="100012542" name=""/>
           <p:cNvSpPr txBox="1"/>
           <p:nvPr/>
         </p:nvSpPr>
@@ -11548,7 +12461,7 @@
       </p:grpSpPr>
       <p:sp>
         <p:nvSpPr>
-          <p:cNvPr id="725550083" name="Title 1"/>
+          <p:cNvPr id="966296848" name="Title 1"/>
           <p:cNvSpPr>
             <a:spLocks noGrp="1"/>
           </p:cNvSpPr>
@@ -11586,7 +12499,7 @@
       </p:sp>
       <p:sp>
         <p:nvSpPr>
-          <p:cNvPr id="1550252845" name=""/>
+          <p:cNvPr id="1448142428" name=""/>
           <p:cNvSpPr txBox="1"/>
           <p:nvPr/>
         </p:nvSpPr>
@@ -11664,7 +12577,7 @@
       </p:sp>
       <p:pic>
         <p:nvPicPr>
-          <p:cNvPr id="1535464792" name=""/>
+          <p:cNvPr id="1083505646" name=""/>
           <p:cNvPicPr>
             <a:picLocks noChangeAspect="1"/>
           </p:cNvPicPr>
@@ -11720,7 +12633,7 @@
       </p:grpSpPr>
       <p:sp>
         <p:nvSpPr>
-          <p:cNvPr id="974721710" name="Title 1"/>
+          <p:cNvPr id="829425807" name="Title 1"/>
           <p:cNvSpPr>
             <a:spLocks noGrp="1"/>
           </p:cNvSpPr>
@@ -11746,7 +12659,7 @@
       </p:sp>
       <p:pic>
         <p:nvPicPr>
-          <p:cNvPr id="1879346992" name=""/>
+          <p:cNvPr id="218009644" name=""/>
           <p:cNvPicPr>
             <a:picLocks noChangeAspect="1"/>
           </p:cNvPicPr>
@@ -11801,7 +12714,7 @@
       </p:grpSpPr>
       <p:sp>
         <p:nvSpPr>
-          <p:cNvPr id="806186729" name="Title 1"/>
+          <p:cNvPr id="602459268" name="Title 1"/>
           <p:cNvSpPr>
             <a:spLocks noGrp="1"/>
           </p:cNvSpPr>
@@ -11853,7 +12766,7 @@
       </p:sp>
       <p:sp>
         <p:nvSpPr>
-          <p:cNvPr id="559768573" name=""/>
+          <p:cNvPr id="510904366" name=""/>
           <p:cNvSpPr txBox="1"/>
           <p:nvPr/>
         </p:nvSpPr>
@@ -11931,7 +12844,7 @@
       </p:sp>
       <p:pic>
         <p:nvPicPr>
-          <p:cNvPr id="1493812880" name=""/>
+          <p:cNvPr id="1726665826" name=""/>
           <p:cNvPicPr>
             <a:picLocks noChangeAspect="1"/>
           </p:cNvPicPr>
@@ -11986,7 +12899,7 @@
       </p:grpSpPr>
       <p:sp>
         <p:nvSpPr>
-          <p:cNvPr id="2046373809" name="Title 1"/>
+          <p:cNvPr id="945551118" name="Title 1"/>
           <p:cNvSpPr>
             <a:spLocks noGrp="1"/>
           </p:cNvSpPr>
@@ -12038,7 +12951,7 @@
       </p:sp>
       <p:sp>
         <p:nvSpPr>
-          <p:cNvPr id="826054040" name=""/>
+          <p:cNvPr id="74635549" name=""/>
           <p:cNvSpPr txBox="1"/>
           <p:nvPr/>
         </p:nvSpPr>
@@ -12168,7 +13081,7 @@
       </p:sp>
       <p:pic>
         <p:nvPicPr>
-          <p:cNvPr id="2145966159" name=""/>
+          <p:cNvPr id="736809226" name=""/>
           <p:cNvPicPr>
             <a:picLocks noChangeAspect="1"/>
           </p:cNvPicPr>
@@ -12223,7 +13136,7 @@
       </p:grpSpPr>
       <p:sp>
         <p:nvSpPr>
-          <p:cNvPr id="676263669" name="Subtitle 2"/>
+          <p:cNvPr id="1883899174" name="Subtitle 2"/>
           <p:cNvSpPr>
             <a:spLocks noGrp="1"/>
           </p:cNvSpPr>
@@ -12346,7 +13259,7 @@
       </p:sp>
       <p:sp>
         <p:nvSpPr>
-          <p:cNvPr id="273595781" name="Title 6"/>
+          <p:cNvPr id="1950452087" name="Title 6"/>
           <p:cNvSpPr>
             <a:spLocks noGrp="1"/>
           </p:cNvSpPr>
@@ -12418,7 +13331,7 @@
       </p:grpSpPr>
       <p:sp>
         <p:nvSpPr>
-          <p:cNvPr id="994365778" name="Title 1"/>
+          <p:cNvPr id="210985706" name="Title 1"/>
           <p:cNvSpPr>
             <a:spLocks noGrp="1"/>
           </p:cNvSpPr>
@@ -12470,7 +13383,7 @@
       </p:sp>
       <p:sp>
         <p:nvSpPr>
-          <p:cNvPr id="167266058" name=""/>
+          <p:cNvPr id="548368486" name=""/>
           <p:cNvSpPr txBox="1"/>
           <p:nvPr/>
         </p:nvSpPr>
@@ -12533,7 +13446,7 @@
       </p:sp>
       <p:pic>
         <p:nvPicPr>
-          <p:cNvPr id="177124063" name=""/>
+          <p:cNvPr id="971571129" name=""/>
           <p:cNvPicPr>
             <a:picLocks noChangeAspect="1"/>
           </p:cNvPicPr>
@@ -12588,7 +13501,7 @@
       </p:grpSpPr>
       <p:sp>
         <p:nvSpPr>
-          <p:cNvPr id="1299528457" name="Title 1"/>
+          <p:cNvPr id="1535599800" name="Title 1"/>
           <p:cNvSpPr>
             <a:spLocks noGrp="1"/>
           </p:cNvSpPr>
@@ -12640,7 +13553,7 @@
       </p:sp>
       <p:sp>
         <p:nvSpPr>
-          <p:cNvPr id="1088923501" name=""/>
+          <p:cNvPr id="1322803280" name=""/>
           <p:cNvSpPr txBox="1"/>
           <p:nvPr/>
         </p:nvSpPr>
@@ -12703,7 +13616,7 @@
       </p:sp>
       <p:pic>
         <p:nvPicPr>
-          <p:cNvPr id="1773213275" name=""/>
+          <p:cNvPr id="391596333" name=""/>
           <p:cNvPicPr>
             <a:picLocks noChangeAspect="1"/>
           </p:cNvPicPr>
@@ -12758,7 +13671,7 @@
       </p:grpSpPr>
       <p:sp>
         <p:nvSpPr>
-          <p:cNvPr id="1939112642" name="Subtitle 2"/>
+          <p:cNvPr id="523715462" name="Subtitle 2"/>
           <p:cNvSpPr>
             <a:spLocks noGrp="1"/>
           </p:cNvSpPr>
@@ -12881,7 +13794,7 @@
       </p:sp>
       <p:sp>
         <p:nvSpPr>
-          <p:cNvPr id="1325828215" name="Title 6"/>
+          <p:cNvPr id="1805140385" name="Title 6"/>
           <p:cNvSpPr>
             <a:spLocks noGrp="1"/>
           </p:cNvSpPr>
@@ -12963,7 +13876,7 @@
       </p:grpSpPr>
       <p:sp>
         <p:nvSpPr>
-          <p:cNvPr id="1133571292" name="Subtitle 2"/>
+          <p:cNvPr id="1657849365" name="Subtitle 2"/>
           <p:cNvSpPr>
             <a:spLocks noGrp="1"/>
           </p:cNvSpPr>
@@ -13086,7 +13999,7 @@
       </p:sp>
       <p:sp>
         <p:nvSpPr>
-          <p:cNvPr id="611852541" name="Title 6"/>
+          <p:cNvPr id="2130832255" name="Title 6"/>
           <p:cNvSpPr>
             <a:spLocks noGrp="1"/>
           </p:cNvSpPr>
@@ -13168,7 +14081,7 @@
       </p:grpSpPr>
       <p:sp>
         <p:nvSpPr>
-          <p:cNvPr id="2146719770" name="Title 1"/>
+          <p:cNvPr id="197386499" name="Title 1"/>
           <p:cNvSpPr>
             <a:spLocks noGrp="1"/>
           </p:cNvSpPr>
@@ -13190,7 +14103,7 @@
       </p:sp>
       <p:sp>
         <p:nvSpPr>
-          <p:cNvPr id="265793169" name="Content Placeholder 2"/>
+          <p:cNvPr id="1079240815" name="Content Placeholder 2"/>
           <p:cNvSpPr>
             <a:spLocks noGrp="1"/>
           </p:cNvSpPr>
@@ -13245,7 +14158,7 @@
       </p:sp>
       <p:sp>
         <p:nvSpPr>
-          <p:cNvPr id="1762100096" name=""/>
+          <p:cNvPr id="364372127" name=""/>
           <p:cNvSpPr txBox="1"/>
           <p:nvPr/>
         </p:nvSpPr>
@@ -13284,7 +14197,7 @@
       </p:sp>
       <p:pic>
         <p:nvPicPr>
-          <p:cNvPr id="888823594" name=""/>
+          <p:cNvPr id="471066862" name=""/>
           <p:cNvPicPr>
             <a:picLocks noChangeAspect="1"/>
           </p:cNvPicPr>
@@ -13340,7 +14253,7 @@
       </p:grpSpPr>
       <p:sp>
         <p:nvSpPr>
-          <p:cNvPr id="10649103" name="Title 1"/>
+          <p:cNvPr id="1886364995" name="Title 1"/>
           <p:cNvSpPr>
             <a:spLocks noGrp="1"/>
           </p:cNvSpPr>
@@ -13378,7 +14291,7 @@
       </p:sp>
       <p:sp>
         <p:nvSpPr>
-          <p:cNvPr id="589468826" name=""/>
+          <p:cNvPr id="1450012760" name=""/>
           <p:cNvSpPr txBox="1"/>
           <p:nvPr/>
         </p:nvSpPr>
@@ -13467,7 +14380,7 @@
       </p:sp>
       <p:pic>
         <p:nvPicPr>
-          <p:cNvPr id="587079004" name=""/>
+          <p:cNvPr id="899017031" name=""/>
           <p:cNvPicPr>
             <a:picLocks noChangeAspect="1"/>
           </p:cNvPicPr>
@@ -13489,7 +14402,7 @@
       </p:pic>
       <p:pic>
         <p:nvPicPr>
-          <p:cNvPr id="959715389" name=""/>
+          <p:cNvPr id="716395862" name=""/>
           <p:cNvPicPr>
             <a:picLocks noChangeAspect="1"/>
           </p:cNvPicPr>
@@ -13511,7 +14424,7 @@
       </p:pic>
       <p:pic>
         <p:nvPicPr>
-          <p:cNvPr id="1107374248" name=""/>
+          <p:cNvPr id="838903756" name=""/>
           <p:cNvPicPr>
             <a:picLocks noChangeAspect="1"/>
           </p:cNvPicPr>
@@ -13566,7 +14479,7 @@
       </p:grpSpPr>
       <p:sp>
         <p:nvSpPr>
-          <p:cNvPr id="2145494501" name="Title 1"/>
+          <p:cNvPr id="1561942817" name="Title 1"/>
           <p:cNvSpPr>
             <a:spLocks noGrp="1"/>
           </p:cNvSpPr>
@@ -13604,7 +14517,7 @@
       </p:sp>
       <p:sp>
         <p:nvSpPr>
-          <p:cNvPr id="1478404326" name=""/>
+          <p:cNvPr id="1766202988" name=""/>
           <p:cNvSpPr txBox="1"/>
           <p:nvPr/>
         </p:nvSpPr>
@@ -13693,7 +14606,7 @@
       </p:sp>
       <p:pic>
         <p:nvPicPr>
-          <p:cNvPr id="195725243" name=""/>
+          <p:cNvPr id="107421747" name=""/>
           <p:cNvPicPr>
             <a:picLocks noChangeAspect="1"/>
           </p:cNvPicPr>
@@ -13715,7 +14628,7 @@
       </p:pic>
       <p:pic>
         <p:nvPicPr>
-          <p:cNvPr id="44566137" name=""/>
+          <p:cNvPr id="1211914844" name=""/>
           <p:cNvPicPr>
             <a:picLocks noChangeAspect="1"/>
           </p:cNvPicPr>
@@ -13737,7 +14650,7 @@
       </p:pic>
       <p:pic>
         <p:nvPicPr>
-          <p:cNvPr id="633790803" name=""/>
+          <p:cNvPr id="765569841" name=""/>
           <p:cNvPicPr>
             <a:picLocks noChangeAspect="1"/>
           </p:cNvPicPr>
@@ -13759,7 +14672,7 @@
       </p:pic>
       <p:sp>
         <p:nvSpPr>
-          <p:cNvPr id="1628115561" name=""/>
+          <p:cNvPr id="2120464594" name=""/>
           <p:cNvSpPr txBox="1"/>
           <p:nvPr/>
         </p:nvSpPr>
@@ -13926,7 +14839,7 @@
       </p:grpSpPr>
       <p:sp>
         <p:nvSpPr>
-          <p:cNvPr id="1479880334" name="Title 1"/>
+          <p:cNvPr id="1125311405" name="Title 1"/>
           <p:cNvSpPr>
             <a:spLocks noGrp="1"/>
           </p:cNvSpPr>
@@ -13964,7 +14877,7 @@
       </p:sp>
       <p:sp>
         <p:nvSpPr>
-          <p:cNvPr id="618448338" name=""/>
+          <p:cNvPr id="1455914496" name=""/>
           <p:cNvSpPr txBox="1"/>
           <p:nvPr/>
         </p:nvSpPr>
@@ -14053,7 +14966,7 @@
       </p:sp>
       <p:sp>
         <p:nvSpPr>
-          <p:cNvPr id="2108557237" name=""/>
+          <p:cNvPr id="2099244171" name=""/>
           <p:cNvSpPr txBox="1"/>
           <p:nvPr/>
         </p:nvSpPr>
@@ -14187,7 +15100,7 @@
       </p:sp>
       <p:pic>
         <p:nvPicPr>
-          <p:cNvPr id="215298057" name=""/>
+          <p:cNvPr id="1082327545" name=""/>
           <p:cNvPicPr>
             <a:picLocks noChangeAspect="1"/>
           </p:cNvPicPr>
@@ -14209,7 +15122,7 @@
       </p:pic>
       <p:pic>
         <p:nvPicPr>
-          <p:cNvPr id="1052872251" name=""/>
+          <p:cNvPr id="1094483085" name=""/>
           <p:cNvPicPr>
             <a:picLocks noChangeAspect="1"/>
           </p:cNvPicPr>
@@ -14231,7 +15144,7 @@
       </p:pic>
       <p:pic>
         <p:nvPicPr>
-          <p:cNvPr id="1914778063" name=""/>
+          <p:cNvPr id="1147614482" name=""/>
           <p:cNvPicPr>
             <a:picLocks noChangeAspect="1"/>
           </p:cNvPicPr>
@@ -14253,7 +15166,7 @@
       </p:pic>
       <p:sp>
         <p:nvSpPr>
-          <p:cNvPr id="1359133214" name=""/>
+          <p:cNvPr id="380700387" name=""/>
           <p:cNvSpPr txBox="1"/>
           <p:nvPr/>
         </p:nvSpPr>
@@ -14364,7 +15277,7 @@
       </p:grpSpPr>
       <p:sp>
         <p:nvSpPr>
-          <p:cNvPr id="279882223" name="Title 1"/>
+          <p:cNvPr id="780489782" name="Title 1"/>
           <p:cNvSpPr>
             <a:spLocks noGrp="1"/>
           </p:cNvSpPr>
@@ -14402,7 +15315,7 @@
       </p:sp>
       <p:sp>
         <p:nvSpPr>
-          <p:cNvPr id="2053129340" name=""/>
+          <p:cNvPr id="1839458290" name=""/>
           <p:cNvSpPr txBox="1"/>
           <p:nvPr/>
         </p:nvSpPr>
@@ -14491,7 +15404,7 @@
       </p:sp>
       <p:pic>
         <p:nvPicPr>
-          <p:cNvPr id="23957288" name=""/>
+          <p:cNvPr id="1674044024" name=""/>
           <p:cNvPicPr>
             <a:picLocks noChangeAspect="1"/>
           </p:cNvPicPr>
@@ -14513,7 +15426,7 @@
       </p:pic>
       <p:pic>
         <p:nvPicPr>
-          <p:cNvPr id="1719665110" name=""/>
+          <p:cNvPr id="1008700113" name=""/>
           <p:cNvPicPr>
             <a:picLocks noChangeAspect="1"/>
           </p:cNvPicPr>
@@ -14535,7 +15448,7 @@
       </p:pic>
       <p:sp>
         <p:nvSpPr>
-          <p:cNvPr id="465825918" name=""/>
+          <p:cNvPr id="942065527" name=""/>
           <p:cNvSpPr txBox="1"/>
           <p:nvPr/>
         </p:nvSpPr>
@@ -14654,7 +15567,7 @@
       </p:grpSpPr>
       <p:sp>
         <p:nvSpPr>
-          <p:cNvPr id="1521857737" name="Title 1"/>
+          <p:cNvPr id="403980841" name="Title 1"/>
           <p:cNvSpPr>
             <a:spLocks noGrp="1"/>
           </p:cNvSpPr>
@@ -14692,7 +15605,7 @@
       </p:sp>
       <p:sp>
         <p:nvSpPr>
-          <p:cNvPr id="1446370263" name=""/>
+          <p:cNvPr id="3826047" name=""/>
           <p:cNvSpPr txBox="1"/>
           <p:nvPr/>
         </p:nvSpPr>
@@ -14785,7 +15698,7 @@
       </p:sp>
       <p:sp>
         <p:nvSpPr>
-          <p:cNvPr id="1514223810" name=""/>
+          <p:cNvPr id="1828699579" name=""/>
           <p:cNvSpPr txBox="1"/>
           <p:nvPr/>
         </p:nvSpPr>
@@ -14871,7 +15784,7 @@
       </p:sp>
       <p:pic>
         <p:nvPicPr>
-          <p:cNvPr id="71111400" name=""/>
+          <p:cNvPr id="1817130433" name=""/>
           <p:cNvPicPr>
             <a:picLocks noChangeAspect="1"/>
           </p:cNvPicPr>
@@ -14926,7 +15839,7 @@
       </p:grpSpPr>
       <p:sp>
         <p:nvSpPr>
-          <p:cNvPr id="225166111" name="Subtitle 2"/>
+          <p:cNvPr id="473197688" name="Subtitle 2"/>
           <p:cNvSpPr>
             <a:spLocks noGrp="1"/>
           </p:cNvSpPr>
@@ -15049,7 +15962,7 @@
       </p:sp>
       <p:sp>
         <p:nvSpPr>
-          <p:cNvPr id="613777014" name="Title 6"/>
+          <p:cNvPr id="1512013176" name="Title 6"/>
           <p:cNvSpPr>
             <a:spLocks noGrp="1"/>
           </p:cNvSpPr>
@@ -15123,7 +16036,7 @@
       </p:grpSpPr>
       <p:sp>
         <p:nvSpPr>
-          <p:cNvPr id="1242211041" name="Title 1"/>
+          <p:cNvPr id="1420548517" name="Title 1"/>
           <p:cNvSpPr>
             <a:spLocks noGrp="1"/>
           </p:cNvSpPr>
@@ -15155,7 +16068,7 @@
       </p:sp>
       <p:sp>
         <p:nvSpPr>
-          <p:cNvPr id="218949113" name=""/>
+          <p:cNvPr id="282553165" name=""/>
           <p:cNvSpPr txBox="1"/>
           <p:nvPr/>
         </p:nvSpPr>
@@ -15248,7 +16161,7 @@
       </p:sp>
       <p:sp>
         <p:nvSpPr>
-          <p:cNvPr id="1111892531" name=""/>
+          <p:cNvPr id="1671774989" name=""/>
           <p:cNvSpPr txBox="1"/>
           <p:nvPr/>
         </p:nvSpPr>
@@ -15334,7 +16247,7 @@
       </p:sp>
       <p:pic>
         <p:nvPicPr>
-          <p:cNvPr id="66170304" name=""/>
+          <p:cNvPr id="830720408" name=""/>
           <p:cNvPicPr>
             <a:picLocks noChangeAspect="1"/>
           </p:cNvPicPr>
@@ -15389,7 +16302,7 @@
       </p:grpSpPr>
       <p:sp>
         <p:nvSpPr>
-          <p:cNvPr id="1430876828" name="Title 1"/>
+          <p:cNvPr id="670119766" name="Title 1"/>
           <p:cNvSpPr>
             <a:spLocks noGrp="1"/>
           </p:cNvSpPr>
@@ -15427,7 +16340,7 @@
       </p:sp>
       <p:sp>
         <p:nvSpPr>
-          <p:cNvPr id="1087414093" name=""/>
+          <p:cNvPr id="246584803" name=""/>
           <p:cNvSpPr txBox="1"/>
           <p:nvPr/>
         </p:nvSpPr>
@@ -15506,7 +16419,7 @@
       </p:sp>
       <p:sp>
         <p:nvSpPr>
-          <p:cNvPr id="635772532" name=""/>
+          <p:cNvPr id="1351222786" name=""/>
           <p:cNvSpPr txBox="1"/>
           <p:nvPr/>
         </p:nvSpPr>
@@ -15592,7 +16505,7 @@
       </p:sp>
       <p:pic>
         <p:nvPicPr>
-          <p:cNvPr id="1807395710" name=""/>
+          <p:cNvPr id="1662089587" name=""/>
           <p:cNvPicPr>
             <a:picLocks noChangeAspect="1"/>
           </p:cNvPicPr>
@@ -15647,7 +16560,7 @@
       </p:grpSpPr>
       <p:sp>
         <p:nvSpPr>
-          <p:cNvPr id="950217292" name="Title 1"/>
+          <p:cNvPr id="614656744" name="Title 1"/>
           <p:cNvSpPr>
             <a:spLocks noGrp="1"/>
           </p:cNvSpPr>
@@ -15685,7 +16598,7 @@
       </p:sp>
       <p:sp>
         <p:nvSpPr>
-          <p:cNvPr id="482471614" name=""/>
+          <p:cNvPr id="1718961538" name=""/>
           <p:cNvSpPr txBox="1"/>
           <p:nvPr/>
         </p:nvSpPr>
@@ -15736,7 +16649,7 @@
       </p:sp>
       <p:sp>
         <p:nvSpPr>
-          <p:cNvPr id="1050709652" name=""/>
+          <p:cNvPr id="912523404" name=""/>
           <p:cNvSpPr txBox="1"/>
           <p:nvPr/>
         </p:nvSpPr>
@@ -15822,7 +16735,7 @@
       </p:sp>
       <p:pic>
         <p:nvPicPr>
-          <p:cNvPr id="1907759971" name=""/>
+          <p:cNvPr id="1885777095" name=""/>
           <p:cNvPicPr>
             <a:picLocks noChangeAspect="1"/>
           </p:cNvPicPr>
@@ -15845,7 +16758,7 @@
       </p:pic>
       <p:pic>
         <p:nvPicPr>
-          <p:cNvPr id="545648354" name=""/>
+          <p:cNvPr id="691456993" name=""/>
           <p:cNvPicPr>
             <a:picLocks noChangeAspect="1"/>
           </p:cNvPicPr>
@@ -15901,7 +16814,7 @@
       </p:grpSpPr>
       <p:sp>
         <p:nvSpPr>
-          <p:cNvPr id="246653578" name="Subtitle 2"/>
+          <p:cNvPr id="919531383" name="Subtitle 2"/>
           <p:cNvSpPr>
             <a:spLocks noGrp="1"/>
           </p:cNvSpPr>
@@ -16024,7 +16937,7 @@
       </p:sp>
       <p:sp>
         <p:nvSpPr>
-          <p:cNvPr id="918671502" name="Title 6"/>
+          <p:cNvPr id="1277874894" name="Title 6"/>
           <p:cNvSpPr>
             <a:spLocks noGrp="1"/>
           </p:cNvSpPr>
@@ -16106,7 +17019,7 @@
       </p:grpSpPr>
       <p:sp>
         <p:nvSpPr>
-          <p:cNvPr id="1686807541" name="Title 1"/>
+          <p:cNvPr id="1201583841" name="Title 1"/>
           <p:cNvSpPr>
             <a:spLocks noGrp="1"/>
           </p:cNvSpPr>
@@ -16132,7 +17045,7 @@
       </p:sp>
       <p:pic>
         <p:nvPicPr>
-          <p:cNvPr id="1255007499" name=""/>
+          <p:cNvPr id="692369674" name=""/>
           <p:cNvPicPr>
             <a:picLocks noChangeAspect="1"/>
           </p:cNvPicPr>
@@ -16155,7 +17068,7 @@
       </p:pic>
       <p:pic>
         <p:nvPicPr>
-          <p:cNvPr id="479515687" name=""/>
+          <p:cNvPr id="1896405775" name=""/>
           <p:cNvPicPr>
             <a:picLocks noChangeAspect="1"/>
           </p:cNvPicPr>
@@ -16211,7 +17124,7 @@
       </p:grpSpPr>
       <p:sp>
         <p:nvSpPr>
-          <p:cNvPr id="1847812598" name="Title 1"/>
+          <p:cNvPr id="464464668" name="Title 1"/>
           <p:cNvSpPr>
             <a:spLocks noGrp="1"/>
           </p:cNvSpPr>
@@ -16249,7 +17162,7 @@
       </p:sp>
       <p:sp>
         <p:nvSpPr>
-          <p:cNvPr id="1297266959" name=""/>
+          <p:cNvPr id="1412765600" name=""/>
           <p:cNvSpPr txBox="1"/>
           <p:nvPr/>
         </p:nvSpPr>
@@ -16298,7 +17211,7 @@
       </p:sp>
       <p:sp>
         <p:nvSpPr>
-          <p:cNvPr id="439921135" name=""/>
+          <p:cNvPr id="1149978451" name=""/>
           <p:cNvSpPr txBox="1"/>
           <p:nvPr/>
         </p:nvSpPr>
@@ -16384,7 +17297,7 @@
       </p:sp>
       <p:pic>
         <p:nvPicPr>
-          <p:cNvPr id="703182186" name=""/>
+          <p:cNvPr id="237330632" name=""/>
           <p:cNvPicPr>
             <a:picLocks noChangeAspect="1"/>
           </p:cNvPicPr>
@@ -16439,7 +17352,7 @@
       </p:grpSpPr>
       <p:sp>
         <p:nvSpPr>
-          <p:cNvPr id="1760548777" name="Title 1"/>
+          <p:cNvPr id="1994754632" name="Title 1"/>
           <p:cNvSpPr>
             <a:spLocks noGrp="1"/>
           </p:cNvSpPr>
@@ -16477,7 +17390,7 @@
       </p:sp>
       <p:sp>
         <p:nvSpPr>
-          <p:cNvPr id="1374957621" name=""/>
+          <p:cNvPr id="1278302813" name=""/>
           <p:cNvSpPr txBox="1"/>
           <p:nvPr/>
         </p:nvSpPr>
@@ -16526,7 +17439,7 @@
       </p:sp>
       <p:sp>
         <p:nvSpPr>
-          <p:cNvPr id="1742486378" name=""/>
+          <p:cNvPr id="790365232" name=""/>
           <p:cNvSpPr txBox="1"/>
           <p:nvPr/>
         </p:nvSpPr>
@@ -16612,7 +17525,7 @@
       </p:sp>
       <p:pic>
         <p:nvPicPr>
-          <p:cNvPr id="1865543484" name=""/>
+          <p:cNvPr id="1392939811" name=""/>
           <p:cNvPicPr>
             <a:picLocks noChangeAspect="1"/>
           </p:cNvPicPr>
@@ -18358,7 +19271,7 @@
       </p:grpSpPr>
       <p:sp>
         <p:nvSpPr>
-          <p:cNvPr id="1374184207" name="Title 1"/>
+          <p:cNvPr id="889666663" name="Title 1"/>
           <p:cNvSpPr>
             <a:spLocks noGrp="1"/>
           </p:cNvSpPr>
@@ -18384,7 +19297,7 @@
       </p:sp>
       <p:pic>
         <p:nvPicPr>
-          <p:cNvPr id="367263191" name=""/>
+          <p:cNvPr id="1371501881" name=""/>
           <p:cNvPicPr>
             <a:picLocks noChangeAspect="1"/>
           </p:cNvPicPr>
@@ -18407,7 +19320,7 @@
       </p:pic>
       <p:pic>
         <p:nvPicPr>
-          <p:cNvPr id="1453309597" name=""/>
+          <p:cNvPr id="953067206" name=""/>
           <p:cNvPicPr>
             <a:picLocks noChangeAspect="1"/>
           </p:cNvPicPr>
@@ -19906,6 +20819,963 @@
 </p:sld>
 </file>
 
+<file path=ppt/slides/slide56.xml><?xml version="1.0" encoding="utf-8"?>
+<p:sld xmlns:a="http://schemas.openxmlformats.org/drawingml/2006/main" xmlns:r="http://schemas.openxmlformats.org/officeDocument/2006/relationships" xmlns:p="http://schemas.openxmlformats.org/presentationml/2006/main" xmlns:m="http://schemas.openxmlformats.org/officeDocument/2006/math" xmlns:w="http://schemas.openxmlformats.org/wordprocessingml/2006/main" xmlns:mc="http://schemas.openxmlformats.org/markup-compatibility/2006" showMasterPhAnim="0" showMasterSp="1" show="1">
+  <p:cSld name="">
+    <p:spTree>
+      <p:nvGrpSpPr>
+        <p:cNvPr id="1" name=""/>
+        <p:cNvGrpSpPr/>
+        <p:nvPr/>
+      </p:nvGrpSpPr>
+      <p:grpSpPr bwMode="auto">
+        <a:xfrm>
+          <a:off x="0" y="0"/>
+          <a:ext cx="0" cy="0"/>
+          <a:chOff x="0" y="0"/>
+          <a:chExt cx="0" cy="0"/>
+        </a:xfrm>
+      </p:grpSpPr>
+      <p:sp>
+        <p:nvSpPr>
+          <p:cNvPr id="967395405" name="Title 1"/>
+          <p:cNvSpPr>
+            <a:spLocks noGrp="1"/>
+          </p:cNvSpPr>
+          <p:nvPr>
+            <p:ph type="title"/>
+          </p:nvPr>
+        </p:nvSpPr>
+        <p:spPr bwMode="auto"/>
+        <p:txBody>
+          <a:bodyPr vertOverflow="overflow" horzOverflow="overflow" vert="horz" wrap="square" lIns="91440" tIns="45720" rIns="91440" bIns="45720" numCol="1" spcCol="0" rtlCol="0" fromWordArt="0" anchor="ctr" anchorCtr="0" forceAA="0" upright="0" compatLnSpc="0">
+            <a:normAutofit/>
+          </a:bodyPr>
+          <a:lstStyle/>
+          <a:p>
+            <a:pPr>
+              <a:defRPr/>
+            </a:pPr>
+            <a:r>
+              <a:rPr lang="en-AU" sz="4400" b="0" i="0" u="none" strike="noStrike" cap="none" spc="0">
+                <a:solidFill>
+                  <a:schemeClr val="tx1">
+                    <a:lumMod val="65000"/>
+                    <a:lumOff val="35000"/>
+                  </a:schemeClr>
+                </a:solidFill>
+                <a:latin typeface="Arial"/>
+                <a:ea typeface="Arial"/>
+                <a:cs typeface="Arial"/>
+              </a:rPr>
+              <a:t>Encapsulation PPP</a:t>
+            </a:r>
+            <a:endParaRPr sz="4400"/>
+          </a:p>
+        </p:txBody>
+      </p:sp>
+      <p:sp>
+        <p:nvSpPr>
+          <p:cNvPr id="2010674968" name=""/>
+          <p:cNvSpPr txBox="1"/>
+          <p:nvPr/>
+        </p:nvSpPr>
+        <p:spPr bwMode="auto">
+          <a:xfrm flipH="0" flipV="0">
+            <a:off x="306169" y="1863381"/>
+            <a:ext cx="11384228" cy="1341479"/>
+          </a:xfrm>
+          <a:prstGeom prst="rect">
+            <a:avLst/>
+          </a:prstGeom>
+          <a:noFill/>
+        </p:spPr>
+        <p:txBody>
+          <a:bodyPr vertOverflow="overflow" horzOverflow="overflow" vert="horz" wrap="square" lIns="91440" tIns="45720" rIns="91440" bIns="45720" numCol="1" spcCol="0" rtlCol="0" fromWordArt="0" anchor="t" anchorCtr="0" forceAA="0" upright="0" compatLnSpc="0">
+            <a:spAutoFit/>
+          </a:bodyPr>
+          <a:p>
+            <a:pPr algn="l">
+              <a:defRPr/>
+            </a:pPr>
+            <a:r>
+              <a:rPr lang="en-AU" sz="3200" b="0" i="0" u="none" strike="noStrike" cap="none" spc="0">
+                <a:solidFill>
+                  <a:schemeClr val="tx1">
+                    <a:lumMod val="75000"/>
+                    <a:lumOff val="25000"/>
+                  </a:schemeClr>
+                </a:solidFill>
+                <a:latin typeface="Arial"/>
+                <a:ea typeface="Arial"/>
+                <a:cs typeface="Arial"/>
+              </a:rPr>
+              <a:t>Connection from Local network to WEB server are working under encapsulation method. </a:t>
+            </a:r>
+            <a:r>
+              <a:rPr lang="en-AU" sz="3200" b="0" i="0" u="none" strike="noStrike" cap="none" spc="0">
+                <a:solidFill>
+                  <a:schemeClr val="tx1">
+                    <a:lumMod val="75000"/>
+                    <a:lumOff val="25000"/>
+                  </a:schemeClr>
+                </a:solidFill>
+                <a:latin typeface="Arial"/>
+                <a:ea typeface="Arial"/>
+                <a:cs typeface="Arial"/>
+              </a:rPr>
+              <a:t>CHAP implemented.</a:t>
+            </a:r>
+            <a:endParaRPr sz="3200" b="0">
+              <a:solidFill>
+                <a:schemeClr val="tx1">
+                  <a:lumMod val="75000"/>
+                  <a:lumOff val="25000"/>
+                </a:schemeClr>
+              </a:solidFill>
+            </a:endParaRPr>
+          </a:p>
+          <a:p>
+            <a:pPr>
+              <a:defRPr/>
+            </a:pPr>
+            <a:endParaRPr/>
+          </a:p>
+        </p:txBody>
+      </p:sp>
+      <p:sp>
+        <p:nvSpPr>
+          <p:cNvPr id="1381058076" name=""/>
+          <p:cNvSpPr txBox="1"/>
+          <p:nvPr/>
+        </p:nvSpPr>
+        <p:spPr bwMode="auto">
+          <a:xfrm flipH="0" flipV="0">
+            <a:off x="6004378" y="2752341"/>
+            <a:ext cx="183240" cy="1353312"/>
+          </a:xfrm>
+          <a:prstGeom prst="rect">
+            <a:avLst/>
+          </a:prstGeom>
+          <a:noFill/>
+        </p:spPr>
+        <p:txBody>
+          <a:bodyPr vertOverflow="overflow" horzOverflow="overflow" vert="horz" wrap="square" lIns="91440" tIns="45720" rIns="91440" bIns="45720" numCol="1" spcCol="0" rtlCol="0" fromWordArt="0" anchor="t" anchorCtr="0" forceAA="0" upright="0" compatLnSpc="0">
+            <a:spAutoFit/>
+          </a:bodyPr>
+          <a:p>
+            <a:pPr algn="l">
+              <a:lnSpc>
+                <a:spcPct val="114999"/>
+              </a:lnSpc>
+              <a:spcAft>
+                <a:spcPts val="0"/>
+              </a:spcAft>
+              <a:defRPr/>
+            </a:pPr>
+            <a:endParaRPr lang="en-AU">
+              <a:latin typeface="Arial"/>
+              <a:ea typeface="Arial"/>
+              <a:cs typeface="Arial"/>
+            </a:endParaRPr>
+          </a:p>
+          <a:p>
+            <a:pPr algn="l">
+              <a:lnSpc>
+                <a:spcPct val="114999"/>
+              </a:lnSpc>
+              <a:spcAft>
+                <a:spcPts val="0"/>
+              </a:spcAft>
+              <a:defRPr/>
+            </a:pPr>
+            <a:endParaRPr lang="en-AU">
+              <a:latin typeface="Arial"/>
+              <a:ea typeface="Arial"/>
+              <a:cs typeface="Arial"/>
+            </a:endParaRPr>
+          </a:p>
+          <a:p>
+            <a:pPr algn="l">
+              <a:lnSpc>
+                <a:spcPct val="114999"/>
+              </a:lnSpc>
+              <a:spcAft>
+                <a:spcPts val="0"/>
+              </a:spcAft>
+              <a:defRPr/>
+            </a:pPr>
+            <a:endParaRPr lang="en-AU">
+              <a:latin typeface="Arial"/>
+              <a:ea typeface="Arial"/>
+              <a:cs typeface="Arial"/>
+            </a:endParaRPr>
+          </a:p>
+          <a:p>
+            <a:pPr algn="l">
+              <a:lnSpc>
+                <a:spcPct val="114999"/>
+              </a:lnSpc>
+              <a:spcAft>
+                <a:spcPts val="0"/>
+              </a:spcAft>
+              <a:defRPr/>
+            </a:pPr>
+            <a:endParaRPr lang="en-AU">
+              <a:latin typeface="Arial"/>
+              <a:ea typeface="Arial"/>
+              <a:cs typeface="Arial"/>
+            </a:endParaRPr>
+          </a:p>
+        </p:txBody>
+      </p:sp>
+      <p:pic>
+        <p:nvPicPr>
+          <p:cNvPr id="82740213" name=""/>
+          <p:cNvPicPr>
+            <a:picLocks noChangeAspect="1"/>
+          </p:cNvPicPr>
+          <p:nvPr/>
+        </p:nvPicPr>
+        <p:blipFill>
+          <a:blip r:embed="rId3"/>
+          <a:stretch/>
+        </p:blipFill>
+        <p:spPr bwMode="auto">
+          <a:xfrm rot="0" flipH="0" flipV="0">
+            <a:off x="306169" y="3004038"/>
+            <a:ext cx="10132537" cy="3626826"/>
+          </a:xfrm>
+          <a:prstGeom prst="rect">
+            <a:avLst/>
+          </a:prstGeom>
+        </p:spPr>
+      </p:pic>
+    </p:spTree>
+  </p:cSld>
+  <p:clrMapOvr>
+    <a:masterClrMapping/>
+  </p:clrMapOvr>
+  <mc:AlternateContent xmlns:mc="http://schemas.openxmlformats.org/markup-compatibility/2006">
+    <mc:Choice xmlns:p159="http://schemas.microsoft.com/office/powerpoint/2015/09/main" xmlns:p14="http://schemas.microsoft.com/office/powerpoint/2010/main" Requires="p159">
+      <p:transition p14:dur="2000" advClick="1"/>
+    </mc:Choice>
+    <mc:Fallback>
+      <p:transition advClick="1"/>
+    </mc:Fallback>
+  </mc:AlternateContent>
+</p:sld>
+</file>
+
+<file path=ppt/slides/slide57.xml><?xml version="1.0" encoding="utf-8"?>
+<p:sld xmlns:a="http://schemas.openxmlformats.org/drawingml/2006/main" xmlns:r="http://schemas.openxmlformats.org/officeDocument/2006/relationships" xmlns:p="http://schemas.openxmlformats.org/presentationml/2006/main" xmlns:m="http://schemas.openxmlformats.org/officeDocument/2006/math" xmlns:w="http://schemas.openxmlformats.org/wordprocessingml/2006/main" xmlns:mc="http://schemas.openxmlformats.org/markup-compatibility/2006" showMasterPhAnim="0" showMasterSp="1" show="1">
+  <p:cSld name="">
+    <p:spTree>
+      <p:nvGrpSpPr>
+        <p:cNvPr id="1" name=""/>
+        <p:cNvGrpSpPr/>
+        <p:nvPr/>
+      </p:nvGrpSpPr>
+      <p:grpSpPr bwMode="auto">
+        <a:xfrm>
+          <a:off x="0" y="0"/>
+          <a:ext cx="0" cy="0"/>
+          <a:chOff x="0" y="0"/>
+          <a:chExt cx="0" cy="0"/>
+        </a:xfrm>
+      </p:grpSpPr>
+      <p:sp>
+        <p:nvSpPr>
+          <p:cNvPr id="546797298" name="Subtitle 2"/>
+          <p:cNvSpPr>
+            <a:spLocks noGrp="1"/>
+          </p:cNvSpPr>
+          <p:nvPr>
+            <p:ph type="subTitle" idx="1"/>
+          </p:nvPr>
+        </p:nvSpPr>
+        <p:spPr bwMode="auto">
+          <a:xfrm>
+            <a:off x="4655838" y="2708919"/>
+            <a:ext cx="6720744" cy="720078"/>
+          </a:xfrm>
+        </p:spPr>
+        <p:txBody>
+          <a:bodyPr/>
+          <a:lstStyle>
+            <a:lvl1pPr marL="0" indent="0" algn="r">
+              <a:buNone/>
+              <a:defRPr>
+                <a:solidFill>
+                  <a:schemeClr val="tx1">
+                    <a:lumMod val="50000"/>
+                    <a:lumOff val="50000"/>
+                  </a:schemeClr>
+                </a:solidFill>
+              </a:defRPr>
+            </a:lvl1pPr>
+            <a:lvl2pPr marL="457200" indent="0" algn="ctr">
+              <a:buNone/>
+              <a:defRPr>
+                <a:solidFill>
+                  <a:schemeClr val="tx1">
+                    <a:tint val="75000"/>
+                  </a:schemeClr>
+                </a:solidFill>
+              </a:defRPr>
+            </a:lvl2pPr>
+            <a:lvl3pPr marL="914400" indent="0" algn="ctr">
+              <a:buNone/>
+              <a:defRPr>
+                <a:solidFill>
+                  <a:schemeClr val="tx1">
+                    <a:tint val="75000"/>
+                  </a:schemeClr>
+                </a:solidFill>
+              </a:defRPr>
+            </a:lvl3pPr>
+            <a:lvl4pPr marL="1371600" indent="0" algn="ctr">
+              <a:buNone/>
+              <a:defRPr>
+                <a:solidFill>
+                  <a:schemeClr val="tx1">
+                    <a:tint val="75000"/>
+                  </a:schemeClr>
+                </a:solidFill>
+              </a:defRPr>
+            </a:lvl4pPr>
+            <a:lvl5pPr marL="1828800" indent="0" algn="ctr">
+              <a:buNone/>
+              <a:defRPr>
+                <a:solidFill>
+                  <a:schemeClr val="tx1">
+                    <a:tint val="75000"/>
+                  </a:schemeClr>
+                </a:solidFill>
+              </a:defRPr>
+            </a:lvl5pPr>
+            <a:lvl6pPr marL="2286000" indent="0" algn="ctr">
+              <a:buNone/>
+              <a:defRPr>
+                <a:solidFill>
+                  <a:schemeClr val="tx1">
+                    <a:tint val="75000"/>
+                  </a:schemeClr>
+                </a:solidFill>
+              </a:defRPr>
+            </a:lvl6pPr>
+            <a:lvl7pPr marL="2743200" indent="0" algn="ctr">
+              <a:buNone/>
+              <a:defRPr>
+                <a:solidFill>
+                  <a:schemeClr val="tx1">
+                    <a:tint val="75000"/>
+                  </a:schemeClr>
+                </a:solidFill>
+              </a:defRPr>
+            </a:lvl7pPr>
+            <a:lvl8pPr marL="3200400" indent="0" algn="ctr">
+              <a:buNone/>
+              <a:defRPr>
+                <a:solidFill>
+                  <a:schemeClr val="tx1">
+                    <a:tint val="75000"/>
+                  </a:schemeClr>
+                </a:solidFill>
+              </a:defRPr>
+            </a:lvl8pPr>
+            <a:lvl9pPr marL="3657600" indent="0" algn="ctr">
+              <a:buNone/>
+              <a:defRPr>
+                <a:solidFill>
+                  <a:schemeClr val="tx1">
+                    <a:tint val="75000"/>
+                  </a:schemeClr>
+                </a:solidFill>
+              </a:defRPr>
+            </a:lvl9pPr>
+          </a:lstStyle>
+          <a:p>
+            <a:pPr>
+              <a:defRPr/>
+            </a:pPr>
+            <a:r>
+              <a:rPr lang="en-AU"/>
+              <a:t>IPv4</a:t>
+            </a:r>
+            <a:endParaRPr/>
+          </a:p>
+        </p:txBody>
+      </p:sp>
+      <p:sp>
+        <p:nvSpPr>
+          <p:cNvPr id="75756184" name="Title 6"/>
+          <p:cNvSpPr>
+            <a:spLocks noGrp="1"/>
+          </p:cNvSpPr>
+          <p:nvPr>
+            <p:ph type="title"/>
+          </p:nvPr>
+        </p:nvSpPr>
+        <p:spPr bwMode="auto">
+          <a:xfrm flipH="0" flipV="0">
+            <a:off x="4595833" y="1208941"/>
+            <a:ext cx="6720744" cy="1319956"/>
+          </a:xfrm>
+        </p:spPr>
+        <p:txBody>
+          <a:bodyPr vertOverflow="overflow" horzOverflow="overflow" vert="horz" wrap="square" lIns="91440" tIns="45720" rIns="91440" bIns="45720" numCol="1" spcCol="0" rtlCol="0" fromWordArt="0" anchor="ctr" anchorCtr="0" forceAA="0" upright="0" compatLnSpc="0">
+            <a:normAutofit/>
+          </a:bodyPr>
+          <a:lstStyle>
+            <a:lvl1pPr algn="r">
+              <a:defRPr/>
+            </a:lvl1pPr>
+          </a:lstStyle>
+          <a:p>
+            <a:pPr>
+              <a:defRPr/>
+            </a:pPr>
+            <a:r>
+              <a:rPr lang="en-AU" sz="4200" b="0" i="0" u="none" strike="noStrike" cap="none" spc="0">
+                <a:solidFill>
+                  <a:schemeClr val="tx1">
+                    <a:lumMod val="65000"/>
+                    <a:lumOff val="35000"/>
+                  </a:schemeClr>
+                </a:solidFill>
+                <a:latin typeface="Arial"/>
+                <a:ea typeface="Arial"/>
+                <a:cs typeface="Arial"/>
+              </a:rPr>
+              <a:t>Testing Firewall and Single-port</a:t>
+            </a:r>
+            <a:endParaRPr/>
+          </a:p>
+        </p:txBody>
+      </p:sp>
+    </p:spTree>
+  </p:cSld>
+  <p:clrMapOvr>
+    <a:masterClrMapping/>
+  </p:clrMapOvr>
+  <mc:AlternateContent xmlns:mc="http://schemas.openxmlformats.org/markup-compatibility/2006">
+    <mc:Choice xmlns:p159="http://schemas.microsoft.com/office/powerpoint/2015/09/main" xmlns:p14="http://schemas.microsoft.com/office/powerpoint/2010/main" Requires="p159">
+      <p:transition p14:dur="2000" advClick="1"/>
+    </mc:Choice>
+    <mc:Fallback>
+      <p:transition advClick="1"/>
+    </mc:Fallback>
+  </mc:AlternateContent>
+</p:sld>
+</file>
+
+<file path=ppt/slides/slide58.xml><?xml version="1.0" encoding="utf-8"?>
+<p:sld xmlns:a="http://schemas.openxmlformats.org/drawingml/2006/main" xmlns:r="http://schemas.openxmlformats.org/officeDocument/2006/relationships" xmlns:p="http://schemas.openxmlformats.org/presentationml/2006/main" xmlns:m="http://schemas.openxmlformats.org/officeDocument/2006/math" xmlns:w="http://schemas.openxmlformats.org/wordprocessingml/2006/main" xmlns:mc="http://schemas.openxmlformats.org/markup-compatibility/2006" showMasterPhAnim="0" showMasterSp="1" show="1">
+  <p:cSld name="">
+    <p:spTree>
+      <p:nvGrpSpPr>
+        <p:cNvPr id="1" name=""/>
+        <p:cNvGrpSpPr/>
+        <p:nvPr/>
+      </p:nvGrpSpPr>
+      <p:grpSpPr bwMode="auto">
+        <a:xfrm>
+          <a:off x="0" y="0"/>
+          <a:ext cx="0" cy="0"/>
+          <a:chOff x="0" y="0"/>
+          <a:chExt cx="0" cy="0"/>
+        </a:xfrm>
+      </p:grpSpPr>
+      <p:sp>
+        <p:nvSpPr>
+          <p:cNvPr id="242599835" name="Title 1"/>
+          <p:cNvSpPr>
+            <a:spLocks noGrp="1"/>
+          </p:cNvSpPr>
+          <p:nvPr>
+            <p:ph type="title"/>
+          </p:nvPr>
+        </p:nvSpPr>
+        <p:spPr bwMode="auto"/>
+        <p:txBody>
+          <a:bodyPr vertOverflow="overflow" horzOverflow="overflow" vert="horz" wrap="square" lIns="91440" tIns="45720" rIns="91440" bIns="45720" numCol="1" spcCol="0" rtlCol="0" fromWordArt="0" anchor="ctr" anchorCtr="0" forceAA="0" upright="0" compatLnSpc="0">
+            <a:normAutofit/>
+          </a:bodyPr>
+          <a:lstStyle/>
+          <a:p>
+            <a:pPr>
+              <a:defRPr/>
+            </a:pPr>
+            <a:r>
+              <a:rPr lang="en-AU" sz="4400" b="0" i="0" u="none" strike="noStrike" cap="none" spc="0">
+                <a:solidFill>
+                  <a:schemeClr val="tx1">
+                    <a:lumMod val="65000"/>
+                    <a:lumOff val="35000"/>
+                  </a:schemeClr>
+                </a:solidFill>
+                <a:latin typeface="Arial"/>
+                <a:ea typeface="Arial"/>
+                <a:cs typeface="Arial"/>
+              </a:rPr>
+              <a:t>Firewall Single-port</a:t>
+            </a:r>
+            <a:endParaRPr sz="4400"/>
+          </a:p>
+        </p:txBody>
+      </p:sp>
+      <p:sp>
+        <p:nvSpPr>
+          <p:cNvPr id="1098050350" name=""/>
+          <p:cNvSpPr txBox="1"/>
+          <p:nvPr/>
+        </p:nvSpPr>
+        <p:spPr bwMode="auto">
+          <a:xfrm flipH="0" flipV="0">
+            <a:off x="917740" y="2462601"/>
+            <a:ext cx="3527027" cy="579479"/>
+          </a:xfrm>
+          <a:prstGeom prst="rect">
+            <a:avLst/>
+          </a:prstGeom>
+          <a:noFill/>
+        </p:spPr>
+        <p:txBody>
+          <a:bodyPr vertOverflow="overflow" horzOverflow="overflow" vert="horz" wrap="square" lIns="91440" tIns="45720" rIns="91440" bIns="45720" numCol="1" spcCol="0" rtlCol="0" fromWordArt="0" anchor="t" anchorCtr="0" forceAA="0" upright="0" compatLnSpc="0">
+            <a:spAutoFit/>
+          </a:bodyPr>
+          <a:p>
+            <a:pPr algn="l">
+              <a:defRPr/>
+            </a:pPr>
+            <a:r>
+              <a:rPr lang="en-AU" sz="3200" b="0" i="0" u="none" strike="noStrike" cap="none" spc="0">
+                <a:solidFill>
+                  <a:schemeClr val="tx1">
+                    <a:lumMod val="75000"/>
+                    <a:lumOff val="25000"/>
+                  </a:schemeClr>
+                </a:solidFill>
+                <a:latin typeface="Arial"/>
+                <a:ea typeface="Arial"/>
+                <a:cs typeface="Arial"/>
+              </a:rPr>
+              <a:t>WAN network</a:t>
+            </a:r>
+            <a:endParaRPr sz="3200" b="0">
+              <a:solidFill>
+                <a:schemeClr val="tx1">
+                  <a:lumMod val="75000"/>
+                  <a:lumOff val="25000"/>
+                </a:schemeClr>
+              </a:solidFill>
+            </a:endParaRPr>
+          </a:p>
+        </p:txBody>
+      </p:sp>
+      <p:sp>
+        <p:nvSpPr>
+          <p:cNvPr id="1941757682" name=""/>
+          <p:cNvSpPr txBox="1"/>
+          <p:nvPr/>
+        </p:nvSpPr>
+        <p:spPr bwMode="auto">
+          <a:xfrm flipH="0" flipV="0">
+            <a:off x="6004378" y="2752341"/>
+            <a:ext cx="183240" cy="1353312"/>
+          </a:xfrm>
+          <a:prstGeom prst="rect">
+            <a:avLst/>
+          </a:prstGeom>
+          <a:noFill/>
+        </p:spPr>
+        <p:txBody>
+          <a:bodyPr vertOverflow="overflow" horzOverflow="overflow" vert="horz" wrap="square" lIns="91440" tIns="45720" rIns="91440" bIns="45720" numCol="1" spcCol="0" rtlCol="0" fromWordArt="0" anchor="t" anchorCtr="0" forceAA="0" upright="0" compatLnSpc="0">
+            <a:spAutoFit/>
+          </a:bodyPr>
+          <a:p>
+            <a:pPr algn="l">
+              <a:lnSpc>
+                <a:spcPct val="114999"/>
+              </a:lnSpc>
+              <a:spcAft>
+                <a:spcPts val="0"/>
+              </a:spcAft>
+              <a:defRPr/>
+            </a:pPr>
+            <a:endParaRPr lang="en-AU">
+              <a:latin typeface="Arial"/>
+              <a:ea typeface="Arial"/>
+              <a:cs typeface="Arial"/>
+            </a:endParaRPr>
+          </a:p>
+          <a:p>
+            <a:pPr algn="l">
+              <a:lnSpc>
+                <a:spcPct val="114999"/>
+              </a:lnSpc>
+              <a:spcAft>
+                <a:spcPts val="0"/>
+              </a:spcAft>
+              <a:defRPr/>
+            </a:pPr>
+            <a:endParaRPr lang="en-AU">
+              <a:latin typeface="Arial"/>
+              <a:ea typeface="Arial"/>
+              <a:cs typeface="Arial"/>
+            </a:endParaRPr>
+          </a:p>
+          <a:p>
+            <a:pPr algn="l">
+              <a:lnSpc>
+                <a:spcPct val="114999"/>
+              </a:lnSpc>
+              <a:spcAft>
+                <a:spcPts val="0"/>
+              </a:spcAft>
+              <a:defRPr/>
+            </a:pPr>
+            <a:endParaRPr lang="en-AU">
+              <a:latin typeface="Arial"/>
+              <a:ea typeface="Arial"/>
+              <a:cs typeface="Arial"/>
+            </a:endParaRPr>
+          </a:p>
+          <a:p>
+            <a:pPr algn="l">
+              <a:lnSpc>
+                <a:spcPct val="114999"/>
+              </a:lnSpc>
+              <a:spcAft>
+                <a:spcPts val="0"/>
+              </a:spcAft>
+              <a:defRPr/>
+            </a:pPr>
+            <a:endParaRPr lang="en-AU">
+              <a:latin typeface="Arial"/>
+              <a:ea typeface="Arial"/>
+              <a:cs typeface="Arial"/>
+            </a:endParaRPr>
+          </a:p>
+        </p:txBody>
+      </p:sp>
+      <p:pic>
+        <p:nvPicPr>
+          <p:cNvPr id="488476486" name=""/>
+          <p:cNvPicPr>
+            <a:picLocks noChangeAspect="1"/>
+          </p:cNvPicPr>
+          <p:nvPr/>
+        </p:nvPicPr>
+        <p:blipFill>
+          <a:blip r:embed="rId3"/>
+          <a:srcRect l="7212" t="10263" r="3176" b="10557"/>
+          <a:stretch/>
+        </p:blipFill>
+        <p:spPr bwMode="auto">
+          <a:xfrm rot="0" flipH="0" flipV="0">
+            <a:off x="917740" y="3315432"/>
+            <a:ext cx="8661643" cy="3168893"/>
+          </a:xfrm>
+          <a:prstGeom prst="rect">
+            <a:avLst/>
+          </a:prstGeom>
+        </p:spPr>
+      </p:pic>
+    </p:spTree>
+  </p:cSld>
+  <p:clrMapOvr>
+    <a:masterClrMapping/>
+  </p:clrMapOvr>
+  <mc:AlternateContent xmlns:mc="http://schemas.openxmlformats.org/markup-compatibility/2006">
+    <mc:Choice xmlns:p159="http://schemas.microsoft.com/office/powerpoint/2015/09/main" xmlns:p14="http://schemas.microsoft.com/office/powerpoint/2010/main" Requires="p159">
+      <p:transition p14:dur="2000" advClick="1"/>
+    </mc:Choice>
+    <mc:Fallback>
+      <p:transition advClick="1"/>
+    </mc:Fallback>
+  </mc:AlternateContent>
+</p:sld>
+</file>
+
+<file path=ppt/slides/slide59.xml><?xml version="1.0" encoding="utf-8"?>
+<p:sld xmlns:a="http://schemas.openxmlformats.org/drawingml/2006/main" xmlns:r="http://schemas.openxmlformats.org/officeDocument/2006/relationships" xmlns:p="http://schemas.openxmlformats.org/presentationml/2006/main" xmlns:m="http://schemas.openxmlformats.org/officeDocument/2006/math" xmlns:w="http://schemas.openxmlformats.org/wordprocessingml/2006/main" xmlns:mc="http://schemas.openxmlformats.org/markup-compatibility/2006" showMasterPhAnim="0" showMasterSp="1" show="1">
+  <p:cSld name="">
+    <p:spTree>
+      <p:nvGrpSpPr>
+        <p:cNvPr id="1" name=""/>
+        <p:cNvGrpSpPr/>
+        <p:nvPr/>
+      </p:nvGrpSpPr>
+      <p:grpSpPr bwMode="auto">
+        <a:xfrm>
+          <a:off x="0" y="0"/>
+          <a:ext cx="0" cy="0"/>
+          <a:chOff x="0" y="0"/>
+          <a:chExt cx="0" cy="0"/>
+        </a:xfrm>
+      </p:grpSpPr>
+      <p:sp>
+        <p:nvSpPr>
+          <p:cNvPr id="1379308782" name="Title 1"/>
+          <p:cNvSpPr>
+            <a:spLocks noGrp="1"/>
+          </p:cNvSpPr>
+          <p:nvPr>
+            <p:ph type="title"/>
+          </p:nvPr>
+        </p:nvSpPr>
+        <p:spPr bwMode="auto"/>
+        <p:txBody>
+          <a:bodyPr vertOverflow="overflow" horzOverflow="overflow" vert="horz" wrap="square" lIns="91440" tIns="45720" rIns="91440" bIns="45720" numCol="1" spcCol="0" rtlCol="0" fromWordArt="0" anchor="ctr" anchorCtr="0" forceAA="0" upright="0" compatLnSpc="0">
+            <a:normAutofit/>
+          </a:bodyPr>
+          <a:lstStyle/>
+          <a:p>
+            <a:pPr>
+              <a:defRPr/>
+            </a:pPr>
+            <a:r>
+              <a:rPr lang="en-AU" sz="4400" b="0" i="0" u="none" strike="noStrike" cap="none" spc="0">
+                <a:solidFill>
+                  <a:schemeClr val="tx1">
+                    <a:lumMod val="65000"/>
+                    <a:lumOff val="35000"/>
+                  </a:schemeClr>
+                </a:solidFill>
+                <a:latin typeface="Arial"/>
+                <a:ea typeface="Arial"/>
+                <a:cs typeface="Arial"/>
+              </a:rPr>
+              <a:t>Firewall Single-port</a:t>
+            </a:r>
+            <a:endParaRPr sz="4400"/>
+          </a:p>
+        </p:txBody>
+      </p:sp>
+      <p:sp>
+        <p:nvSpPr>
+          <p:cNvPr id="1620254095" name=""/>
+          <p:cNvSpPr txBox="1"/>
+          <p:nvPr/>
+        </p:nvSpPr>
+        <p:spPr bwMode="auto">
+          <a:xfrm flipH="0" flipV="0">
+            <a:off x="917740" y="2462601"/>
+            <a:ext cx="7309325" cy="579479"/>
+          </a:xfrm>
+          <a:prstGeom prst="rect">
+            <a:avLst/>
+          </a:prstGeom>
+          <a:noFill/>
+        </p:spPr>
+        <p:txBody>
+          <a:bodyPr vertOverflow="overflow" horzOverflow="overflow" vert="horz" wrap="square" lIns="91440" tIns="45720" rIns="91440" bIns="45720" numCol="1" spcCol="0" rtlCol="0" fromWordArt="0" anchor="t" anchorCtr="0" forceAA="0" upright="0" compatLnSpc="0">
+            <a:spAutoFit/>
+          </a:bodyPr>
+          <a:p>
+            <a:pPr algn="l">
+              <a:defRPr/>
+            </a:pPr>
+            <a:r>
+              <a:rPr lang="en-AU" sz="3200" b="0" i="0" u="none" strike="noStrike" cap="none" spc="0">
+                <a:solidFill>
+                  <a:schemeClr val="tx1">
+                    <a:lumMod val="75000"/>
+                    <a:lumOff val="25000"/>
+                  </a:schemeClr>
+                </a:solidFill>
+                <a:latin typeface="Arial"/>
+                <a:ea typeface="Arial"/>
+                <a:cs typeface="Arial"/>
+              </a:rPr>
+              <a:t>Single-port enabled and DMZ disabled</a:t>
+            </a:r>
+            <a:endParaRPr sz="3200" b="0">
+              <a:solidFill>
+                <a:schemeClr val="tx1">
+                  <a:lumMod val="75000"/>
+                  <a:lumOff val="25000"/>
+                </a:schemeClr>
+              </a:solidFill>
+            </a:endParaRPr>
+          </a:p>
+        </p:txBody>
+      </p:sp>
+      <p:sp>
+        <p:nvSpPr>
+          <p:cNvPr id="850189551" name=""/>
+          <p:cNvSpPr txBox="1"/>
+          <p:nvPr/>
+        </p:nvSpPr>
+        <p:spPr bwMode="auto">
+          <a:xfrm flipH="0" flipV="0">
+            <a:off x="6004378" y="2752341"/>
+            <a:ext cx="183240" cy="1353312"/>
+          </a:xfrm>
+          <a:prstGeom prst="rect">
+            <a:avLst/>
+          </a:prstGeom>
+          <a:noFill/>
+        </p:spPr>
+        <p:txBody>
+          <a:bodyPr vertOverflow="overflow" horzOverflow="overflow" vert="horz" wrap="square" lIns="91440" tIns="45720" rIns="91440" bIns="45720" numCol="1" spcCol="0" rtlCol="0" fromWordArt="0" anchor="t" anchorCtr="0" forceAA="0" upright="0" compatLnSpc="0">
+            <a:spAutoFit/>
+          </a:bodyPr>
+          <a:p>
+            <a:pPr algn="l">
+              <a:lnSpc>
+                <a:spcPct val="114999"/>
+              </a:lnSpc>
+              <a:spcAft>
+                <a:spcPts val="0"/>
+              </a:spcAft>
+              <a:defRPr/>
+            </a:pPr>
+            <a:endParaRPr lang="en-AU">
+              <a:latin typeface="Arial"/>
+              <a:ea typeface="Arial"/>
+              <a:cs typeface="Arial"/>
+            </a:endParaRPr>
+          </a:p>
+          <a:p>
+            <a:pPr algn="l">
+              <a:lnSpc>
+                <a:spcPct val="114999"/>
+              </a:lnSpc>
+              <a:spcAft>
+                <a:spcPts val="0"/>
+              </a:spcAft>
+              <a:defRPr/>
+            </a:pPr>
+            <a:endParaRPr lang="en-AU">
+              <a:latin typeface="Arial"/>
+              <a:ea typeface="Arial"/>
+              <a:cs typeface="Arial"/>
+            </a:endParaRPr>
+          </a:p>
+          <a:p>
+            <a:pPr algn="l">
+              <a:lnSpc>
+                <a:spcPct val="114999"/>
+              </a:lnSpc>
+              <a:spcAft>
+                <a:spcPts val="0"/>
+              </a:spcAft>
+              <a:defRPr/>
+            </a:pPr>
+            <a:endParaRPr lang="en-AU">
+              <a:latin typeface="Arial"/>
+              <a:ea typeface="Arial"/>
+              <a:cs typeface="Arial"/>
+            </a:endParaRPr>
+          </a:p>
+          <a:p>
+            <a:pPr algn="l">
+              <a:lnSpc>
+                <a:spcPct val="114999"/>
+              </a:lnSpc>
+              <a:spcAft>
+                <a:spcPts val="0"/>
+              </a:spcAft>
+              <a:defRPr/>
+            </a:pPr>
+            <a:endParaRPr lang="en-AU">
+              <a:latin typeface="Arial"/>
+              <a:ea typeface="Arial"/>
+              <a:cs typeface="Arial"/>
+            </a:endParaRPr>
+          </a:p>
+        </p:txBody>
+      </p:sp>
+      <p:pic>
+        <p:nvPicPr>
+          <p:cNvPr id="1937154611" name=""/>
+          <p:cNvPicPr>
+            <a:picLocks noChangeAspect="1"/>
+          </p:cNvPicPr>
+          <p:nvPr/>
+        </p:nvPicPr>
+        <p:blipFill>
+          <a:blip r:embed="rId3"/>
+          <a:stretch/>
+        </p:blipFill>
+        <p:spPr bwMode="auto">
+          <a:xfrm rot="0" flipH="0" flipV="0">
+            <a:off x="917740" y="3173377"/>
+            <a:ext cx="5731509" cy="3173377"/>
+          </a:xfrm>
+          <a:prstGeom prst="rect">
+            <a:avLst/>
+          </a:prstGeom>
+        </p:spPr>
+      </p:pic>
+      <p:sp>
+        <p:nvSpPr>
+          <p:cNvPr id="1273967090" name=""/>
+          <p:cNvSpPr txBox="1"/>
+          <p:nvPr/>
+        </p:nvSpPr>
+        <p:spPr bwMode="auto">
+          <a:xfrm flipH="0" flipV="0">
+            <a:off x="7200576" y="3982646"/>
+            <a:ext cx="4478163" cy="1554840"/>
+          </a:xfrm>
+          <a:prstGeom prst="rect">
+            <a:avLst/>
+          </a:prstGeom>
+          <a:noFill/>
+        </p:spPr>
+        <p:txBody>
+          <a:bodyPr vertOverflow="overflow" horzOverflow="overflow" vert="horz" wrap="square" lIns="91440" tIns="45720" rIns="91440" bIns="45720" numCol="1" spcCol="0" rtlCol="0" fromWordArt="0" anchor="t" anchorCtr="0" forceAA="0" upright="0" compatLnSpc="0">
+            <a:spAutoFit/>
+          </a:bodyPr>
+          <a:p>
+            <a:pPr algn="l">
+              <a:defRPr/>
+            </a:pPr>
+            <a:r>
+              <a:rPr lang="en-AU" sz="3200" b="0" i="0" u="none" strike="noStrike" cap="none" spc="0">
+                <a:solidFill>
+                  <a:schemeClr val="tx1">
+                    <a:lumMod val="75000"/>
+                    <a:lumOff val="25000"/>
+                  </a:schemeClr>
+                </a:solidFill>
+                <a:latin typeface="Arial"/>
+                <a:ea typeface="Arial"/>
+                <a:cs typeface="Arial"/>
+              </a:rPr>
+              <a:t>Connection from Remote PC to WEB Server</a:t>
+            </a:r>
+            <a:endParaRPr sz="3200" b="0">
+              <a:solidFill>
+                <a:schemeClr val="tx1">
+                  <a:lumMod val="75000"/>
+                  <a:lumOff val="25000"/>
+                </a:schemeClr>
+              </a:solidFill>
+            </a:endParaRPr>
+          </a:p>
+        </p:txBody>
+      </p:sp>
+    </p:spTree>
+  </p:cSld>
+  <p:clrMapOvr>
+    <a:masterClrMapping/>
+  </p:clrMapOvr>
+  <mc:AlternateContent xmlns:mc="http://schemas.openxmlformats.org/markup-compatibility/2006">
+    <mc:Choice xmlns:p159="http://schemas.microsoft.com/office/powerpoint/2015/09/main" xmlns:p14="http://schemas.microsoft.com/office/powerpoint/2010/main" Requires="p159">
+      <p:transition p14:dur="2000" advClick="1"/>
+    </mc:Choice>
+    <mc:Fallback>
+      <p:transition advClick="1"/>
+    </mc:Fallback>
+  </mc:AlternateContent>
+</p:sld>
+</file>
+
 <file path=ppt/slides/slide6.xml><?xml version="1.0" encoding="utf-8"?>
 <p:sld xmlns:a="http://schemas.openxmlformats.org/drawingml/2006/main" xmlns:r="http://schemas.openxmlformats.org/officeDocument/2006/relationships" xmlns:p="http://schemas.openxmlformats.org/presentationml/2006/main" xmlns:m="http://schemas.openxmlformats.org/officeDocument/2006/math" xmlns:w="http://schemas.openxmlformats.org/wordprocessingml/2006/main" xmlns:mc="http://schemas.openxmlformats.org/markup-compatibility/2006" showMasterPhAnim="0" showMasterSp="1" show="1">
   <p:cSld name="">
@@ -19925,7 +21795,7 @@
       </p:grpSpPr>
       <p:sp>
         <p:nvSpPr>
-          <p:cNvPr id="2042563860" name="Title 1"/>
+          <p:cNvPr id="31677860" name="Title 1"/>
           <p:cNvSpPr>
             <a:spLocks noGrp="1"/>
           </p:cNvSpPr>
@@ -19961,7 +21831,7 @@
       </p:sp>
       <p:sp>
         <p:nvSpPr>
-          <p:cNvPr id="1346449983" name="Content Placeholder 2"/>
+          <p:cNvPr id="1929975179" name="Content Placeholder 2"/>
           <p:cNvSpPr>
             <a:spLocks noGrp="1"/>
           </p:cNvSpPr>
@@ -20055,7 +21925,7 @@
       </p:sp>
       <p:pic>
         <p:nvPicPr>
-          <p:cNvPr id="973937315" name=""/>
+          <p:cNvPr id="1920978669" name=""/>
           <p:cNvPicPr>
             <a:picLocks noChangeAspect="1"/>
           </p:cNvPicPr>
@@ -20091,6 +21961,2218 @@
 </p:sld>
 </file>
 
+<file path=ppt/slides/slide60.xml><?xml version="1.0" encoding="utf-8"?>
+<p:sld xmlns:a="http://schemas.openxmlformats.org/drawingml/2006/main" xmlns:r="http://schemas.openxmlformats.org/officeDocument/2006/relationships" xmlns:p="http://schemas.openxmlformats.org/presentationml/2006/main" xmlns:m="http://schemas.openxmlformats.org/officeDocument/2006/math" xmlns:w="http://schemas.openxmlformats.org/wordprocessingml/2006/main" xmlns:mc="http://schemas.openxmlformats.org/markup-compatibility/2006" showMasterPhAnim="0" showMasterSp="1" show="1">
+  <p:cSld name="">
+    <p:spTree>
+      <p:nvGrpSpPr>
+        <p:cNvPr id="1" name=""/>
+        <p:cNvGrpSpPr/>
+        <p:nvPr/>
+      </p:nvGrpSpPr>
+      <p:grpSpPr bwMode="auto">
+        <a:xfrm>
+          <a:off x="0" y="0"/>
+          <a:ext cx="0" cy="0"/>
+          <a:chOff x="0" y="0"/>
+          <a:chExt cx="0" cy="0"/>
+        </a:xfrm>
+      </p:grpSpPr>
+      <p:sp>
+        <p:nvSpPr>
+          <p:cNvPr id="569536391" name="Subtitle 2"/>
+          <p:cNvSpPr>
+            <a:spLocks noGrp="1"/>
+          </p:cNvSpPr>
+          <p:nvPr>
+            <p:ph type="subTitle" idx="1"/>
+          </p:nvPr>
+        </p:nvSpPr>
+        <p:spPr bwMode="auto">
+          <a:xfrm>
+            <a:off x="4655838" y="2708919"/>
+            <a:ext cx="6720744" cy="720078"/>
+          </a:xfrm>
+        </p:spPr>
+        <p:txBody>
+          <a:bodyPr/>
+          <a:lstStyle>
+            <a:lvl1pPr marL="0" indent="0" algn="r">
+              <a:buNone/>
+              <a:defRPr>
+                <a:solidFill>
+                  <a:schemeClr val="tx1">
+                    <a:lumMod val="50000"/>
+                    <a:lumOff val="50000"/>
+                  </a:schemeClr>
+                </a:solidFill>
+              </a:defRPr>
+            </a:lvl1pPr>
+            <a:lvl2pPr marL="457200" indent="0" algn="ctr">
+              <a:buNone/>
+              <a:defRPr>
+                <a:solidFill>
+                  <a:schemeClr val="tx1">
+                    <a:tint val="75000"/>
+                  </a:schemeClr>
+                </a:solidFill>
+              </a:defRPr>
+            </a:lvl2pPr>
+            <a:lvl3pPr marL="914400" indent="0" algn="ctr">
+              <a:buNone/>
+              <a:defRPr>
+                <a:solidFill>
+                  <a:schemeClr val="tx1">
+                    <a:tint val="75000"/>
+                  </a:schemeClr>
+                </a:solidFill>
+              </a:defRPr>
+            </a:lvl3pPr>
+            <a:lvl4pPr marL="1371600" indent="0" algn="ctr">
+              <a:buNone/>
+              <a:defRPr>
+                <a:solidFill>
+                  <a:schemeClr val="tx1">
+                    <a:tint val="75000"/>
+                  </a:schemeClr>
+                </a:solidFill>
+              </a:defRPr>
+            </a:lvl4pPr>
+            <a:lvl5pPr marL="1828800" indent="0" algn="ctr">
+              <a:buNone/>
+              <a:defRPr>
+                <a:solidFill>
+                  <a:schemeClr val="tx1">
+                    <a:tint val="75000"/>
+                  </a:schemeClr>
+                </a:solidFill>
+              </a:defRPr>
+            </a:lvl5pPr>
+            <a:lvl6pPr marL="2286000" indent="0" algn="ctr">
+              <a:buNone/>
+              <a:defRPr>
+                <a:solidFill>
+                  <a:schemeClr val="tx1">
+                    <a:tint val="75000"/>
+                  </a:schemeClr>
+                </a:solidFill>
+              </a:defRPr>
+            </a:lvl6pPr>
+            <a:lvl7pPr marL="2743200" indent="0" algn="ctr">
+              <a:buNone/>
+              <a:defRPr>
+                <a:solidFill>
+                  <a:schemeClr val="tx1">
+                    <a:tint val="75000"/>
+                  </a:schemeClr>
+                </a:solidFill>
+              </a:defRPr>
+            </a:lvl7pPr>
+            <a:lvl8pPr marL="3200400" indent="0" algn="ctr">
+              <a:buNone/>
+              <a:defRPr>
+                <a:solidFill>
+                  <a:schemeClr val="tx1">
+                    <a:tint val="75000"/>
+                  </a:schemeClr>
+                </a:solidFill>
+              </a:defRPr>
+            </a:lvl8pPr>
+            <a:lvl9pPr marL="3657600" indent="0" algn="ctr">
+              <a:buNone/>
+              <a:defRPr>
+                <a:solidFill>
+                  <a:schemeClr val="tx1">
+                    <a:tint val="75000"/>
+                  </a:schemeClr>
+                </a:solidFill>
+              </a:defRPr>
+            </a:lvl9pPr>
+          </a:lstStyle>
+          <a:p>
+            <a:pPr>
+              <a:defRPr/>
+            </a:pPr>
+            <a:endParaRPr/>
+          </a:p>
+        </p:txBody>
+      </p:sp>
+      <p:sp>
+        <p:nvSpPr>
+          <p:cNvPr id="1519868569" name="Title 6"/>
+          <p:cNvSpPr>
+            <a:spLocks noGrp="1"/>
+          </p:cNvSpPr>
+          <p:nvPr>
+            <p:ph type="title"/>
+          </p:nvPr>
+        </p:nvSpPr>
+        <p:spPr bwMode="auto">
+          <a:xfrm flipH="0" flipV="0">
+            <a:off x="4595833" y="1208941"/>
+            <a:ext cx="6720744" cy="1319956"/>
+          </a:xfrm>
+        </p:spPr>
+        <p:txBody>
+          <a:bodyPr vertOverflow="overflow" horzOverflow="overflow" vert="horz" wrap="square" lIns="91440" tIns="45720" rIns="91440" bIns="45720" numCol="1" spcCol="0" rtlCol="0" fromWordArt="0" anchor="ctr" anchorCtr="0" forceAA="0" upright="0" compatLnSpc="0">
+            <a:normAutofit fontScale="95000" lnSpcReduction="1000"/>
+          </a:bodyPr>
+          <a:lstStyle>
+            <a:lvl1pPr algn="r">
+              <a:defRPr/>
+            </a:lvl1pPr>
+          </a:lstStyle>
+          <a:p>
+            <a:pPr>
+              <a:defRPr/>
+            </a:pPr>
+            <a:r>
+              <a:rPr lang="en-AU">
+                <a:latin typeface="Arial"/>
+                <a:ea typeface="Arial"/>
+                <a:cs typeface="Arial"/>
+              </a:rPr>
+              <a:t>Summary Technologies &amp; Protocols</a:t>
+            </a:r>
+            <a:endParaRPr/>
+          </a:p>
+        </p:txBody>
+      </p:sp>
+    </p:spTree>
+  </p:cSld>
+  <p:clrMapOvr>
+    <a:masterClrMapping/>
+  </p:clrMapOvr>
+  <mc:AlternateContent xmlns:mc="http://schemas.openxmlformats.org/markup-compatibility/2006">
+    <mc:Choice xmlns:p159="http://schemas.microsoft.com/office/powerpoint/2015/09/main" xmlns:p14="http://schemas.microsoft.com/office/powerpoint/2010/main" Requires="p159">
+      <p:transition p14:dur="2000" advClick="1"/>
+    </mc:Choice>
+    <mc:Fallback>
+      <p:transition advClick="1"/>
+    </mc:Fallback>
+  </mc:AlternateContent>
+</p:sld>
+</file>
+
+<file path=ppt/slides/slide61.xml><?xml version="1.0" encoding="utf-8"?>
+<p:sld xmlns:a="http://schemas.openxmlformats.org/drawingml/2006/main" xmlns:r="http://schemas.openxmlformats.org/officeDocument/2006/relationships" xmlns:p="http://schemas.openxmlformats.org/presentationml/2006/main" xmlns:m="http://schemas.openxmlformats.org/officeDocument/2006/math" xmlns:w="http://schemas.openxmlformats.org/wordprocessingml/2006/main" xmlns:mc="http://schemas.openxmlformats.org/markup-compatibility/2006" showMasterPhAnim="0" showMasterSp="1" show="1">
+  <p:cSld name="">
+    <p:spTree>
+      <p:nvGrpSpPr>
+        <p:cNvPr id="1" name=""/>
+        <p:cNvGrpSpPr/>
+        <p:nvPr/>
+      </p:nvGrpSpPr>
+      <p:grpSpPr bwMode="auto">
+        <a:xfrm>
+          <a:off x="0" y="0"/>
+          <a:ext cx="0" cy="0"/>
+          <a:chOff x="0" y="0"/>
+          <a:chExt cx="0" cy="0"/>
+        </a:xfrm>
+      </p:grpSpPr>
+      <p:sp>
+        <p:nvSpPr>
+          <p:cNvPr id="2000704726" name="Title 1"/>
+          <p:cNvSpPr>
+            <a:spLocks noGrp="1"/>
+          </p:cNvSpPr>
+          <p:nvPr>
+            <p:ph type="title"/>
+          </p:nvPr>
+        </p:nvSpPr>
+        <p:spPr bwMode="auto"/>
+        <p:txBody>
+          <a:bodyPr vertOverflow="overflow" horzOverflow="overflow" vert="horz" wrap="square" lIns="91440" tIns="45720" rIns="91440" bIns="45720" numCol="1" spcCol="0" rtlCol="0" fromWordArt="0" anchor="ctr" anchorCtr="0" forceAA="0" upright="0" compatLnSpc="0">
+            <a:normAutofit/>
+          </a:bodyPr>
+          <a:lstStyle/>
+          <a:p>
+            <a:pPr>
+              <a:defRPr/>
+            </a:pPr>
+            <a:r>
+              <a:rPr lang="en-AU" sz="4400" b="0" i="0" u="none" strike="noStrike" cap="none" spc="0">
+                <a:solidFill>
+                  <a:schemeClr val="tx1">
+                    <a:lumMod val="65000"/>
+                    <a:lumOff val="35000"/>
+                  </a:schemeClr>
+                </a:solidFill>
+                <a:latin typeface="Arial"/>
+                <a:ea typeface="Arial"/>
+                <a:cs typeface="Arial"/>
+              </a:rPr>
+              <a:t>Encapsulation PPP</a:t>
+            </a:r>
+            <a:endParaRPr sz="4400"/>
+          </a:p>
+        </p:txBody>
+      </p:sp>
+      <p:sp>
+        <p:nvSpPr>
+          <p:cNvPr id="1107718979" name=""/>
+          <p:cNvSpPr txBox="1"/>
+          <p:nvPr/>
+        </p:nvSpPr>
+        <p:spPr bwMode="auto">
+          <a:xfrm flipH="0" flipV="0">
+            <a:off x="609598" y="1863381"/>
+            <a:ext cx="10976759" cy="3993239"/>
+          </a:xfrm>
+          <a:prstGeom prst="rect">
+            <a:avLst/>
+          </a:prstGeom>
+          <a:noFill/>
+        </p:spPr>
+        <p:txBody>
+          <a:bodyPr vertOverflow="overflow" horzOverflow="overflow" vert="horz" wrap="square" lIns="91440" tIns="45720" rIns="91440" bIns="45720" numCol="1" spcCol="0" rtlCol="0" fromWordArt="0" anchor="t" anchorCtr="0" forceAA="0" upright="0" compatLnSpc="0">
+            <a:spAutoFit/>
+          </a:bodyPr>
+          <a:p>
+            <a:pPr>
+              <a:defRPr/>
+            </a:pPr>
+            <a:r>
+              <a:rPr lang="en-AU" sz="3200" b="1" i="0" u="none" strike="noStrike" cap="none" spc="0">
+                <a:solidFill>
+                  <a:schemeClr val="tx1">
+                    <a:lumMod val="75000"/>
+                    <a:lumOff val="25000"/>
+                  </a:schemeClr>
+                </a:solidFill>
+                <a:latin typeface="Arial"/>
+                <a:ea typeface="Arial"/>
+                <a:cs typeface="Arial"/>
+              </a:rPr>
+              <a:t>DHCP (Dynamic Host Configuration Protocol):</a:t>
+            </a:r>
+            <a:endParaRPr sz="3200" b="1" i="0" u="none" strike="noStrike" cap="none" spc="0">
+              <a:solidFill>
+                <a:schemeClr val="tx1">
+                  <a:lumMod val="75000"/>
+                  <a:lumOff val="25000"/>
+                </a:schemeClr>
+              </a:solidFill>
+              <a:latin typeface="Arial"/>
+              <a:cs typeface="Arial"/>
+            </a:endParaRPr>
+          </a:p>
+          <a:p>
+            <a:pPr>
+              <a:defRPr/>
+            </a:pPr>
+            <a:r>
+              <a:rPr lang="en-AU" sz="3200" b="0" i="0" u="none" strike="noStrike" cap="none" spc="0">
+                <a:solidFill>
+                  <a:schemeClr val="tx1">
+                    <a:lumMod val="75000"/>
+                    <a:lumOff val="25000"/>
+                  </a:schemeClr>
+                </a:solidFill>
+                <a:latin typeface="Arial"/>
+                <a:ea typeface="Arial"/>
+                <a:cs typeface="Arial"/>
+              </a:rPr>
+              <a:t>Automatically assigns IP, gateway, and DNS addresses to devices on the network</a:t>
+            </a:r>
+            <a:endParaRPr lang="en-AU" sz="3200" b="0" i="0" u="none" strike="noStrike" cap="none" spc="0">
+              <a:solidFill>
+                <a:schemeClr val="tx1">
+                  <a:lumMod val="75000"/>
+                  <a:lumOff val="25000"/>
+                </a:schemeClr>
+              </a:solidFill>
+              <a:latin typeface="Arial"/>
+              <a:cs typeface="Arial"/>
+            </a:endParaRPr>
+          </a:p>
+          <a:p>
+            <a:pPr>
+              <a:defRPr/>
+            </a:pPr>
+            <a:endParaRPr lang="en-AU" sz="3200" b="0" i="0" u="none" strike="noStrike" cap="none" spc="0">
+              <a:solidFill>
+                <a:schemeClr val="tx1">
+                  <a:lumMod val="75000"/>
+                  <a:lumOff val="25000"/>
+                </a:schemeClr>
+              </a:solidFill>
+              <a:latin typeface="Arial"/>
+              <a:cs typeface="Arial"/>
+            </a:endParaRPr>
+          </a:p>
+          <a:p>
+            <a:pPr>
+              <a:defRPr/>
+            </a:pPr>
+            <a:r>
+              <a:rPr lang="en-AU" sz="3200" b="1" i="0" u="none" strike="noStrike" cap="none" spc="0">
+                <a:solidFill>
+                  <a:schemeClr val="tx1">
+                    <a:lumMod val="75000"/>
+                    <a:lumOff val="25000"/>
+                  </a:schemeClr>
+                </a:solidFill>
+                <a:latin typeface="Arial"/>
+                <a:ea typeface="Arial"/>
+                <a:cs typeface="Arial"/>
+              </a:rPr>
+              <a:t>LACP (Link Aggregation Control Protocol):</a:t>
+            </a:r>
+            <a:endParaRPr sz="3200" b="1" i="0" u="none" strike="noStrike" cap="none" spc="0">
+              <a:solidFill>
+                <a:schemeClr val="tx1">
+                  <a:lumMod val="75000"/>
+                  <a:lumOff val="25000"/>
+                </a:schemeClr>
+              </a:solidFill>
+              <a:latin typeface="Arial"/>
+              <a:cs typeface="Arial"/>
+            </a:endParaRPr>
+          </a:p>
+          <a:p>
+            <a:pPr>
+              <a:defRPr/>
+            </a:pPr>
+            <a:r>
+              <a:rPr lang="en-AU" sz="3200" b="0" i="0" u="none" strike="noStrike" cap="none" spc="0">
+                <a:solidFill>
+                  <a:schemeClr val="tx1">
+                    <a:lumMod val="75000"/>
+                    <a:lumOff val="25000"/>
+                  </a:schemeClr>
+                </a:solidFill>
+                <a:latin typeface="Arial"/>
+                <a:ea typeface="Arial"/>
+                <a:cs typeface="Arial"/>
+              </a:rPr>
+              <a:t>Combines several physical links to form a single logical link for the purpose of increasing bandwidth also providing redundancy when one of the switches fails.</a:t>
+            </a:r>
+            <a:endParaRPr lang="en-AU" sz="3200" b="0" i="0" u="none" strike="noStrike" cap="none" spc="0">
+              <a:solidFill>
+                <a:schemeClr val="tx1">
+                  <a:lumMod val="75000"/>
+                  <a:lumOff val="25000"/>
+                </a:schemeClr>
+              </a:solidFill>
+              <a:latin typeface="Arial"/>
+              <a:cs typeface="Arial"/>
+            </a:endParaRPr>
+          </a:p>
+        </p:txBody>
+      </p:sp>
+      <p:sp>
+        <p:nvSpPr>
+          <p:cNvPr id="142005092" name=""/>
+          <p:cNvSpPr txBox="1"/>
+          <p:nvPr/>
+        </p:nvSpPr>
+        <p:spPr bwMode="auto">
+          <a:xfrm flipH="0" flipV="0">
+            <a:off x="6004378" y="2752341"/>
+            <a:ext cx="183240" cy="1353312"/>
+          </a:xfrm>
+          <a:prstGeom prst="rect">
+            <a:avLst/>
+          </a:prstGeom>
+          <a:noFill/>
+        </p:spPr>
+        <p:txBody>
+          <a:bodyPr vertOverflow="overflow" horzOverflow="overflow" vert="horz" wrap="square" lIns="91440" tIns="45720" rIns="91440" bIns="45720" numCol="1" spcCol="0" rtlCol="0" fromWordArt="0" anchor="t" anchorCtr="0" forceAA="0" upright="0" compatLnSpc="0">
+            <a:spAutoFit/>
+          </a:bodyPr>
+          <a:p>
+            <a:pPr algn="l">
+              <a:lnSpc>
+                <a:spcPct val="114999"/>
+              </a:lnSpc>
+              <a:spcAft>
+                <a:spcPts val="0"/>
+              </a:spcAft>
+              <a:defRPr/>
+            </a:pPr>
+            <a:endParaRPr lang="en-AU">
+              <a:latin typeface="Arial"/>
+              <a:ea typeface="Arial"/>
+              <a:cs typeface="Arial"/>
+            </a:endParaRPr>
+          </a:p>
+          <a:p>
+            <a:pPr algn="l">
+              <a:lnSpc>
+                <a:spcPct val="114999"/>
+              </a:lnSpc>
+              <a:spcAft>
+                <a:spcPts val="0"/>
+              </a:spcAft>
+              <a:defRPr/>
+            </a:pPr>
+            <a:endParaRPr lang="en-AU">
+              <a:latin typeface="Arial"/>
+              <a:ea typeface="Arial"/>
+              <a:cs typeface="Arial"/>
+            </a:endParaRPr>
+          </a:p>
+          <a:p>
+            <a:pPr algn="l">
+              <a:lnSpc>
+                <a:spcPct val="114999"/>
+              </a:lnSpc>
+              <a:spcAft>
+                <a:spcPts val="0"/>
+              </a:spcAft>
+              <a:defRPr/>
+            </a:pPr>
+            <a:endParaRPr lang="en-AU">
+              <a:latin typeface="Arial"/>
+              <a:ea typeface="Arial"/>
+              <a:cs typeface="Arial"/>
+            </a:endParaRPr>
+          </a:p>
+          <a:p>
+            <a:pPr algn="l">
+              <a:lnSpc>
+                <a:spcPct val="114999"/>
+              </a:lnSpc>
+              <a:spcAft>
+                <a:spcPts val="0"/>
+              </a:spcAft>
+              <a:defRPr/>
+            </a:pPr>
+            <a:endParaRPr lang="en-AU">
+              <a:latin typeface="Arial"/>
+              <a:ea typeface="Arial"/>
+              <a:cs typeface="Arial"/>
+            </a:endParaRPr>
+          </a:p>
+        </p:txBody>
+      </p:sp>
+    </p:spTree>
+  </p:cSld>
+  <p:clrMapOvr>
+    <a:masterClrMapping/>
+  </p:clrMapOvr>
+  <mc:AlternateContent xmlns:mc="http://schemas.openxmlformats.org/markup-compatibility/2006">
+    <mc:Choice xmlns:p159="http://schemas.microsoft.com/office/powerpoint/2015/09/main" xmlns:p14="http://schemas.microsoft.com/office/powerpoint/2010/main" Requires="p159">
+      <p:transition p14:dur="2000" advClick="1"/>
+    </mc:Choice>
+    <mc:Fallback>
+      <p:transition advClick="1"/>
+    </mc:Fallback>
+  </mc:AlternateContent>
+</p:sld>
+</file>
+
+<file path=ppt/slides/slide62.xml><?xml version="1.0" encoding="utf-8"?>
+<p:sld xmlns:a="http://schemas.openxmlformats.org/drawingml/2006/main" xmlns:r="http://schemas.openxmlformats.org/officeDocument/2006/relationships" xmlns:p="http://schemas.openxmlformats.org/presentationml/2006/main" xmlns:m="http://schemas.openxmlformats.org/officeDocument/2006/math" xmlns:w="http://schemas.openxmlformats.org/wordprocessingml/2006/main" xmlns:mc="http://schemas.openxmlformats.org/markup-compatibility/2006" showMasterPhAnim="0" showMasterSp="1" show="1">
+  <p:cSld name="">
+    <p:spTree>
+      <p:nvGrpSpPr>
+        <p:cNvPr id="1" name=""/>
+        <p:cNvGrpSpPr/>
+        <p:nvPr/>
+      </p:nvGrpSpPr>
+      <p:grpSpPr bwMode="auto">
+        <a:xfrm>
+          <a:off x="0" y="0"/>
+          <a:ext cx="0" cy="0"/>
+          <a:chOff x="0" y="0"/>
+          <a:chExt cx="0" cy="0"/>
+        </a:xfrm>
+      </p:grpSpPr>
+      <p:sp>
+        <p:nvSpPr>
+          <p:cNvPr id="147164094" name="Title 1"/>
+          <p:cNvSpPr>
+            <a:spLocks noGrp="1"/>
+          </p:cNvSpPr>
+          <p:nvPr>
+            <p:ph type="title"/>
+          </p:nvPr>
+        </p:nvSpPr>
+        <p:spPr bwMode="auto"/>
+        <p:txBody>
+          <a:bodyPr vertOverflow="overflow" horzOverflow="overflow" vert="horz" wrap="square" lIns="91440" tIns="45720" rIns="91440" bIns="45720" numCol="1" spcCol="0" rtlCol="0" fromWordArt="0" anchor="ctr" anchorCtr="0" forceAA="0" upright="0" compatLnSpc="0">
+            <a:normAutofit/>
+          </a:bodyPr>
+          <a:lstStyle/>
+          <a:p>
+            <a:pPr>
+              <a:defRPr/>
+            </a:pPr>
+            <a:r>
+              <a:rPr lang="en-AU" sz="4400" b="0" i="0" u="none" strike="noStrike" cap="none" spc="0">
+                <a:solidFill>
+                  <a:schemeClr val="tx1">
+                    <a:lumMod val="65000"/>
+                    <a:lumOff val="35000"/>
+                  </a:schemeClr>
+                </a:solidFill>
+                <a:latin typeface="Arial"/>
+                <a:ea typeface="Arial"/>
+                <a:cs typeface="Arial"/>
+              </a:rPr>
+              <a:t>Encapsulation PPP</a:t>
+            </a:r>
+            <a:endParaRPr sz="4400"/>
+          </a:p>
+        </p:txBody>
+      </p:sp>
+      <p:sp>
+        <p:nvSpPr>
+          <p:cNvPr id="1915313713" name=""/>
+          <p:cNvSpPr txBox="1"/>
+          <p:nvPr/>
+        </p:nvSpPr>
+        <p:spPr bwMode="auto">
+          <a:xfrm flipH="0" flipV="0">
+            <a:off x="609598" y="1863381"/>
+            <a:ext cx="10977839" cy="3505559"/>
+          </a:xfrm>
+          <a:prstGeom prst="rect">
+            <a:avLst/>
+          </a:prstGeom>
+          <a:noFill/>
+        </p:spPr>
+        <p:txBody>
+          <a:bodyPr vertOverflow="overflow" horzOverflow="overflow" vert="horz" wrap="square" lIns="91440" tIns="45720" rIns="91440" bIns="45720" numCol="1" spcCol="0" rtlCol="0" fromWordArt="0" anchor="t" anchorCtr="0" forceAA="0" upright="0" compatLnSpc="0">
+            <a:spAutoFit/>
+          </a:bodyPr>
+          <a:p>
+            <a:pPr>
+              <a:defRPr/>
+            </a:pPr>
+            <a:r>
+              <a:rPr lang="en-AU" sz="3200" b="1" i="0" u="none" strike="noStrike" cap="none" spc="0">
+                <a:solidFill>
+                  <a:schemeClr val="tx1">
+                    <a:lumMod val="75000"/>
+                    <a:lumOff val="25000"/>
+                  </a:schemeClr>
+                </a:solidFill>
+                <a:latin typeface="Arial"/>
+                <a:ea typeface="Arial"/>
+                <a:cs typeface="Arial"/>
+              </a:rPr>
+              <a:t>HSRP (Hot Standby Router Protocol):</a:t>
+            </a:r>
+            <a:endParaRPr sz="3200" b="1" i="0" u="none" strike="noStrike" cap="none" spc="0">
+              <a:solidFill>
+                <a:schemeClr val="tx1">
+                  <a:lumMod val="75000"/>
+                  <a:lumOff val="25000"/>
+                </a:schemeClr>
+              </a:solidFill>
+              <a:latin typeface="Arial"/>
+              <a:cs typeface="Arial"/>
+            </a:endParaRPr>
+          </a:p>
+          <a:p>
+            <a:pPr>
+              <a:defRPr/>
+            </a:pPr>
+            <a:r>
+              <a:rPr lang="en-AU" sz="3200" b="0" i="0" u="none" strike="noStrike" cap="none" spc="0">
+                <a:solidFill>
+                  <a:schemeClr val="tx1">
+                    <a:lumMod val="75000"/>
+                    <a:lumOff val="25000"/>
+                  </a:schemeClr>
+                </a:solidFill>
+                <a:latin typeface="Arial"/>
+                <a:ea typeface="Arial"/>
+                <a:cs typeface="Arial"/>
+              </a:rPr>
+              <a:t>Provides redundancy. If the primary router fails, another router automatically takes over, ensuring service continuity.</a:t>
+            </a:r>
+            <a:endParaRPr lang="en-AU" sz="3200" b="0" i="0" u="none" strike="noStrike" cap="none" spc="0">
+              <a:solidFill>
+                <a:schemeClr val="tx1">
+                  <a:lumMod val="75000"/>
+                  <a:lumOff val="25000"/>
+                </a:schemeClr>
+              </a:solidFill>
+              <a:latin typeface="Arial"/>
+              <a:cs typeface="Arial"/>
+            </a:endParaRPr>
+          </a:p>
+          <a:p>
+            <a:pPr>
+              <a:defRPr/>
+            </a:pPr>
+            <a:endParaRPr lang="en-AU" sz="3200" b="0" i="0" u="none" strike="noStrike" cap="none" spc="0">
+              <a:solidFill>
+                <a:schemeClr val="tx1">
+                  <a:lumMod val="75000"/>
+                  <a:lumOff val="25000"/>
+                </a:schemeClr>
+              </a:solidFill>
+              <a:latin typeface="Arial"/>
+              <a:cs typeface="Arial"/>
+            </a:endParaRPr>
+          </a:p>
+          <a:p>
+            <a:pPr>
+              <a:defRPr/>
+            </a:pPr>
+            <a:r>
+              <a:rPr lang="en-AU" sz="3200" b="1" i="0" u="none" strike="noStrike" cap="none" spc="0">
+                <a:solidFill>
+                  <a:schemeClr val="tx1">
+                    <a:lumMod val="75000"/>
+                    <a:lumOff val="25000"/>
+                  </a:schemeClr>
+                </a:solidFill>
+                <a:latin typeface="Arial"/>
+                <a:ea typeface="Arial"/>
+                <a:cs typeface="Arial"/>
+              </a:rPr>
+              <a:t>OSPF (Open Shortest Path First):</a:t>
+            </a:r>
+            <a:endParaRPr sz="3200" b="1" i="0" u="none" strike="noStrike" cap="none" spc="0">
+              <a:solidFill>
+                <a:schemeClr val="tx1">
+                  <a:lumMod val="75000"/>
+                  <a:lumOff val="25000"/>
+                </a:schemeClr>
+              </a:solidFill>
+              <a:latin typeface="Arial"/>
+              <a:cs typeface="Arial"/>
+            </a:endParaRPr>
+          </a:p>
+          <a:p>
+            <a:pPr>
+              <a:defRPr/>
+            </a:pPr>
+            <a:r>
+              <a:rPr lang="en-AU" sz="3200" b="0" i="0" u="none" strike="noStrike" cap="none" spc="0">
+                <a:solidFill>
+                  <a:schemeClr val="tx1">
+                    <a:lumMod val="75000"/>
+                    <a:lumOff val="25000"/>
+                  </a:schemeClr>
+                </a:solidFill>
+                <a:latin typeface="Arial"/>
+                <a:ea typeface="Arial"/>
+                <a:cs typeface="Arial"/>
+              </a:rPr>
+              <a:t>Dynamic routing that allows the calculation of the most efficient route to send packets in a network.</a:t>
+            </a:r>
+            <a:endParaRPr lang="en-AU" sz="3200" b="0" i="0" u="none" strike="noStrike" cap="none" spc="0">
+              <a:solidFill>
+                <a:schemeClr val="tx1">
+                  <a:lumMod val="75000"/>
+                  <a:lumOff val="25000"/>
+                </a:schemeClr>
+              </a:solidFill>
+              <a:latin typeface="Arial"/>
+              <a:cs typeface="Arial"/>
+            </a:endParaRPr>
+          </a:p>
+        </p:txBody>
+      </p:sp>
+      <p:sp>
+        <p:nvSpPr>
+          <p:cNvPr id="1118551135" name=""/>
+          <p:cNvSpPr txBox="1"/>
+          <p:nvPr/>
+        </p:nvSpPr>
+        <p:spPr bwMode="auto">
+          <a:xfrm flipH="0" flipV="0">
+            <a:off x="6004378" y="2752341"/>
+            <a:ext cx="183240" cy="1353312"/>
+          </a:xfrm>
+          <a:prstGeom prst="rect">
+            <a:avLst/>
+          </a:prstGeom>
+          <a:noFill/>
+        </p:spPr>
+        <p:txBody>
+          <a:bodyPr vertOverflow="overflow" horzOverflow="overflow" vert="horz" wrap="square" lIns="91440" tIns="45720" rIns="91440" bIns="45720" numCol="1" spcCol="0" rtlCol="0" fromWordArt="0" anchor="t" anchorCtr="0" forceAA="0" upright="0" compatLnSpc="0">
+            <a:spAutoFit/>
+          </a:bodyPr>
+          <a:p>
+            <a:pPr algn="l">
+              <a:lnSpc>
+                <a:spcPct val="114999"/>
+              </a:lnSpc>
+              <a:spcAft>
+                <a:spcPts val="0"/>
+              </a:spcAft>
+              <a:defRPr/>
+            </a:pPr>
+            <a:endParaRPr lang="en-AU">
+              <a:latin typeface="Arial"/>
+              <a:ea typeface="Arial"/>
+              <a:cs typeface="Arial"/>
+            </a:endParaRPr>
+          </a:p>
+          <a:p>
+            <a:pPr algn="l">
+              <a:lnSpc>
+                <a:spcPct val="114999"/>
+              </a:lnSpc>
+              <a:spcAft>
+                <a:spcPts val="0"/>
+              </a:spcAft>
+              <a:defRPr/>
+            </a:pPr>
+            <a:endParaRPr lang="en-AU">
+              <a:latin typeface="Arial"/>
+              <a:ea typeface="Arial"/>
+              <a:cs typeface="Arial"/>
+            </a:endParaRPr>
+          </a:p>
+          <a:p>
+            <a:pPr algn="l">
+              <a:lnSpc>
+                <a:spcPct val="114999"/>
+              </a:lnSpc>
+              <a:spcAft>
+                <a:spcPts val="0"/>
+              </a:spcAft>
+              <a:defRPr/>
+            </a:pPr>
+            <a:endParaRPr lang="en-AU">
+              <a:latin typeface="Arial"/>
+              <a:ea typeface="Arial"/>
+              <a:cs typeface="Arial"/>
+            </a:endParaRPr>
+          </a:p>
+          <a:p>
+            <a:pPr algn="l">
+              <a:lnSpc>
+                <a:spcPct val="114999"/>
+              </a:lnSpc>
+              <a:spcAft>
+                <a:spcPts val="0"/>
+              </a:spcAft>
+              <a:defRPr/>
+            </a:pPr>
+            <a:endParaRPr lang="en-AU">
+              <a:latin typeface="Arial"/>
+              <a:ea typeface="Arial"/>
+              <a:cs typeface="Arial"/>
+            </a:endParaRPr>
+          </a:p>
+        </p:txBody>
+      </p:sp>
+    </p:spTree>
+  </p:cSld>
+  <p:clrMapOvr>
+    <a:masterClrMapping/>
+  </p:clrMapOvr>
+  <mc:AlternateContent xmlns:mc="http://schemas.openxmlformats.org/markup-compatibility/2006">
+    <mc:Choice xmlns:p159="http://schemas.microsoft.com/office/powerpoint/2015/09/main" xmlns:p14="http://schemas.microsoft.com/office/powerpoint/2010/main" Requires="p159">
+      <p:transition p14:dur="2000" advClick="1"/>
+    </mc:Choice>
+    <mc:Fallback>
+      <p:transition advClick="1"/>
+    </mc:Fallback>
+  </mc:AlternateContent>
+</p:sld>
+</file>
+
+<file path=ppt/slides/slide63.xml><?xml version="1.0" encoding="utf-8"?>
+<p:sld xmlns:a="http://schemas.openxmlformats.org/drawingml/2006/main" xmlns:r="http://schemas.openxmlformats.org/officeDocument/2006/relationships" xmlns:p="http://schemas.openxmlformats.org/presentationml/2006/main" xmlns:m="http://schemas.openxmlformats.org/officeDocument/2006/math" xmlns:w="http://schemas.openxmlformats.org/wordprocessingml/2006/main" xmlns:mc="http://schemas.openxmlformats.org/markup-compatibility/2006" showMasterPhAnim="0" showMasterSp="1" show="1">
+  <p:cSld name="">
+    <p:spTree>
+      <p:nvGrpSpPr>
+        <p:cNvPr id="1" name=""/>
+        <p:cNvGrpSpPr/>
+        <p:nvPr/>
+      </p:nvGrpSpPr>
+      <p:grpSpPr bwMode="auto">
+        <a:xfrm>
+          <a:off x="0" y="0"/>
+          <a:ext cx="0" cy="0"/>
+          <a:chOff x="0" y="0"/>
+          <a:chExt cx="0" cy="0"/>
+        </a:xfrm>
+      </p:grpSpPr>
+      <p:sp>
+        <p:nvSpPr>
+          <p:cNvPr id="1215630870" name="Title 1"/>
+          <p:cNvSpPr>
+            <a:spLocks noGrp="1"/>
+          </p:cNvSpPr>
+          <p:nvPr>
+            <p:ph type="title"/>
+          </p:nvPr>
+        </p:nvSpPr>
+        <p:spPr bwMode="auto"/>
+        <p:txBody>
+          <a:bodyPr vertOverflow="overflow" horzOverflow="overflow" vert="horz" wrap="square" lIns="91440" tIns="45720" rIns="91440" bIns="45720" numCol="1" spcCol="0" rtlCol="0" fromWordArt="0" anchor="ctr" anchorCtr="0" forceAA="0" upright="0" compatLnSpc="0">
+            <a:normAutofit/>
+          </a:bodyPr>
+          <a:lstStyle/>
+          <a:p>
+            <a:pPr>
+              <a:defRPr/>
+            </a:pPr>
+            <a:r>
+              <a:rPr lang="en-AU" sz="4400" b="0" i="0" u="none" strike="noStrike" cap="none" spc="0">
+                <a:solidFill>
+                  <a:schemeClr val="tx1">
+                    <a:lumMod val="65000"/>
+                    <a:lumOff val="35000"/>
+                  </a:schemeClr>
+                </a:solidFill>
+                <a:latin typeface="Arial"/>
+                <a:ea typeface="Arial"/>
+                <a:cs typeface="Arial"/>
+              </a:rPr>
+              <a:t>Encapsulation PPP</a:t>
+            </a:r>
+            <a:endParaRPr sz="4400"/>
+          </a:p>
+        </p:txBody>
+      </p:sp>
+      <p:sp>
+        <p:nvSpPr>
+          <p:cNvPr id="1759256401" name=""/>
+          <p:cNvSpPr txBox="1"/>
+          <p:nvPr/>
+        </p:nvSpPr>
+        <p:spPr bwMode="auto">
+          <a:xfrm flipH="0" flipV="0">
+            <a:off x="609598" y="1863381"/>
+            <a:ext cx="10978919" cy="3993239"/>
+          </a:xfrm>
+          <a:prstGeom prst="rect">
+            <a:avLst/>
+          </a:prstGeom>
+          <a:noFill/>
+        </p:spPr>
+        <p:txBody>
+          <a:bodyPr vertOverflow="overflow" horzOverflow="overflow" vert="horz" wrap="square" lIns="91440" tIns="45720" rIns="91440" bIns="45720" numCol="1" spcCol="0" rtlCol="0" fromWordArt="0" anchor="t" anchorCtr="0" forceAA="0" upright="0" compatLnSpc="0">
+            <a:spAutoFit/>
+          </a:bodyPr>
+          <a:p>
+            <a:pPr>
+              <a:defRPr/>
+            </a:pPr>
+            <a:r>
+              <a:rPr lang="en-AU" sz="3200" b="1" i="0" u="none" strike="noStrike" cap="none" spc="0">
+                <a:solidFill>
+                  <a:schemeClr val="tx1">
+                    <a:lumMod val="75000"/>
+                    <a:lumOff val="25000"/>
+                  </a:schemeClr>
+                </a:solidFill>
+                <a:latin typeface="Arial"/>
+                <a:ea typeface="Arial"/>
+                <a:cs typeface="Arial"/>
+              </a:rPr>
+              <a:t>ACLs (Access Control Lists): </a:t>
+            </a:r>
+            <a:endParaRPr sz="3200" b="1" i="0" u="none" strike="noStrike" cap="none" spc="0">
+              <a:solidFill>
+                <a:schemeClr val="tx1">
+                  <a:lumMod val="75000"/>
+                  <a:lumOff val="25000"/>
+                </a:schemeClr>
+              </a:solidFill>
+              <a:latin typeface="Arial"/>
+              <a:cs typeface="Arial"/>
+            </a:endParaRPr>
+          </a:p>
+          <a:p>
+            <a:pPr>
+              <a:defRPr/>
+            </a:pPr>
+            <a:r>
+              <a:rPr lang="en-AU" sz="3200" b="0" i="0" u="none" strike="noStrike" cap="none" spc="0">
+                <a:solidFill>
+                  <a:schemeClr val="tx1">
+                    <a:lumMod val="75000"/>
+                    <a:lumOff val="25000"/>
+                  </a:schemeClr>
+                </a:solidFill>
+                <a:latin typeface="Arial"/>
+                <a:ea typeface="Arial"/>
+                <a:cs typeface="Arial"/>
+              </a:rPr>
+              <a:t>Rules applied to allow or deny traffic. They are used to filter traffic and improve security.</a:t>
+            </a:r>
+            <a:endParaRPr lang="en-AU" sz="3200" b="0" i="0" u="none" strike="noStrike" cap="none" spc="0">
+              <a:solidFill>
+                <a:schemeClr val="tx1">
+                  <a:lumMod val="75000"/>
+                  <a:lumOff val="25000"/>
+                </a:schemeClr>
+              </a:solidFill>
+              <a:latin typeface="Arial"/>
+              <a:cs typeface="Arial"/>
+            </a:endParaRPr>
+          </a:p>
+          <a:p>
+            <a:pPr>
+              <a:defRPr/>
+            </a:pPr>
+            <a:endParaRPr lang="en-AU" sz="3200" b="0" i="0" u="none" strike="noStrike" cap="none" spc="0">
+              <a:solidFill>
+                <a:schemeClr val="tx1">
+                  <a:lumMod val="75000"/>
+                  <a:lumOff val="25000"/>
+                </a:schemeClr>
+              </a:solidFill>
+              <a:latin typeface="Arial"/>
+              <a:cs typeface="Arial"/>
+            </a:endParaRPr>
+          </a:p>
+          <a:p>
+            <a:pPr>
+              <a:defRPr/>
+            </a:pPr>
+            <a:r>
+              <a:rPr lang="en-AU" sz="3200" b="1" i="0" u="none" strike="noStrike" cap="none" spc="0">
+                <a:solidFill>
+                  <a:schemeClr val="tx1">
+                    <a:lumMod val="75000"/>
+                    <a:lumOff val="25000"/>
+                  </a:schemeClr>
+                </a:solidFill>
+                <a:latin typeface="Arial"/>
+                <a:ea typeface="Arial"/>
+                <a:cs typeface="Arial"/>
+              </a:rPr>
+              <a:t>VPN IPsec (Internet Protocol Security):</a:t>
+            </a:r>
+            <a:endParaRPr sz="3200" b="1" i="0" u="none" strike="noStrike" cap="none" spc="0">
+              <a:solidFill>
+                <a:schemeClr val="tx1">
+                  <a:lumMod val="75000"/>
+                  <a:lumOff val="25000"/>
+                </a:schemeClr>
+              </a:solidFill>
+              <a:latin typeface="Arial"/>
+              <a:cs typeface="Arial"/>
+            </a:endParaRPr>
+          </a:p>
+          <a:p>
+            <a:pPr>
+              <a:defRPr/>
+            </a:pPr>
+            <a:r>
+              <a:rPr lang="en-AU" sz="3200" b="0" i="0" u="none" strike="noStrike" cap="none" spc="0">
+                <a:solidFill>
+                  <a:schemeClr val="tx1">
+                    <a:lumMod val="75000"/>
+                    <a:lumOff val="25000"/>
+                  </a:schemeClr>
+                </a:solidFill>
+                <a:latin typeface="Arial"/>
+                <a:ea typeface="Arial"/>
+                <a:cs typeface="Arial"/>
+              </a:rPr>
+              <a:t>Creates secure (encrypted) connections over the Internet between two networks (site-to-site), protecting data confidentiality and integrity.</a:t>
+            </a:r>
+            <a:endParaRPr lang="en-AU" sz="3200" b="0" i="0" u="none" strike="noStrike" cap="none" spc="0">
+              <a:solidFill>
+                <a:schemeClr val="tx1">
+                  <a:lumMod val="75000"/>
+                  <a:lumOff val="25000"/>
+                </a:schemeClr>
+              </a:solidFill>
+              <a:latin typeface="Arial"/>
+              <a:cs typeface="Arial"/>
+            </a:endParaRPr>
+          </a:p>
+        </p:txBody>
+      </p:sp>
+      <p:sp>
+        <p:nvSpPr>
+          <p:cNvPr id="1808845418" name=""/>
+          <p:cNvSpPr txBox="1"/>
+          <p:nvPr/>
+        </p:nvSpPr>
+        <p:spPr bwMode="auto">
+          <a:xfrm flipH="0" flipV="0">
+            <a:off x="6004378" y="2752341"/>
+            <a:ext cx="183240" cy="1353312"/>
+          </a:xfrm>
+          <a:prstGeom prst="rect">
+            <a:avLst/>
+          </a:prstGeom>
+          <a:noFill/>
+        </p:spPr>
+        <p:txBody>
+          <a:bodyPr vertOverflow="overflow" horzOverflow="overflow" vert="horz" wrap="square" lIns="91440" tIns="45720" rIns="91440" bIns="45720" numCol="1" spcCol="0" rtlCol="0" fromWordArt="0" anchor="t" anchorCtr="0" forceAA="0" upright="0" compatLnSpc="0">
+            <a:spAutoFit/>
+          </a:bodyPr>
+          <a:p>
+            <a:pPr algn="l">
+              <a:lnSpc>
+                <a:spcPct val="114999"/>
+              </a:lnSpc>
+              <a:spcAft>
+                <a:spcPts val="0"/>
+              </a:spcAft>
+              <a:defRPr/>
+            </a:pPr>
+            <a:endParaRPr lang="en-AU">
+              <a:latin typeface="Arial"/>
+              <a:ea typeface="Arial"/>
+              <a:cs typeface="Arial"/>
+            </a:endParaRPr>
+          </a:p>
+          <a:p>
+            <a:pPr algn="l">
+              <a:lnSpc>
+                <a:spcPct val="114999"/>
+              </a:lnSpc>
+              <a:spcAft>
+                <a:spcPts val="0"/>
+              </a:spcAft>
+              <a:defRPr/>
+            </a:pPr>
+            <a:endParaRPr lang="en-AU">
+              <a:latin typeface="Arial"/>
+              <a:ea typeface="Arial"/>
+              <a:cs typeface="Arial"/>
+            </a:endParaRPr>
+          </a:p>
+          <a:p>
+            <a:pPr algn="l">
+              <a:lnSpc>
+                <a:spcPct val="114999"/>
+              </a:lnSpc>
+              <a:spcAft>
+                <a:spcPts val="0"/>
+              </a:spcAft>
+              <a:defRPr/>
+            </a:pPr>
+            <a:endParaRPr lang="en-AU">
+              <a:latin typeface="Arial"/>
+              <a:ea typeface="Arial"/>
+              <a:cs typeface="Arial"/>
+            </a:endParaRPr>
+          </a:p>
+          <a:p>
+            <a:pPr algn="l">
+              <a:lnSpc>
+                <a:spcPct val="114999"/>
+              </a:lnSpc>
+              <a:spcAft>
+                <a:spcPts val="0"/>
+              </a:spcAft>
+              <a:defRPr/>
+            </a:pPr>
+            <a:endParaRPr lang="en-AU">
+              <a:latin typeface="Arial"/>
+              <a:ea typeface="Arial"/>
+              <a:cs typeface="Arial"/>
+            </a:endParaRPr>
+          </a:p>
+        </p:txBody>
+      </p:sp>
+    </p:spTree>
+  </p:cSld>
+  <p:clrMapOvr>
+    <a:masterClrMapping/>
+  </p:clrMapOvr>
+  <mc:AlternateContent xmlns:mc="http://schemas.openxmlformats.org/markup-compatibility/2006">
+    <mc:Choice xmlns:p159="http://schemas.microsoft.com/office/powerpoint/2015/09/main" xmlns:p14="http://schemas.microsoft.com/office/powerpoint/2010/main" Requires="p159">
+      <p:transition p14:dur="2000" advClick="1"/>
+    </mc:Choice>
+    <mc:Fallback>
+      <p:transition advClick="1"/>
+    </mc:Fallback>
+  </mc:AlternateContent>
+</p:sld>
+</file>
+
+<file path=ppt/slides/slide64.xml><?xml version="1.0" encoding="utf-8"?>
+<p:sld xmlns:a="http://schemas.openxmlformats.org/drawingml/2006/main" xmlns:r="http://schemas.openxmlformats.org/officeDocument/2006/relationships" xmlns:p="http://schemas.openxmlformats.org/presentationml/2006/main" xmlns:m="http://schemas.openxmlformats.org/officeDocument/2006/math" xmlns:w="http://schemas.openxmlformats.org/wordprocessingml/2006/main" xmlns:mc="http://schemas.openxmlformats.org/markup-compatibility/2006" showMasterPhAnim="0" showMasterSp="1" show="1">
+  <p:cSld name="">
+    <p:spTree>
+      <p:nvGrpSpPr>
+        <p:cNvPr id="1" name=""/>
+        <p:cNvGrpSpPr/>
+        <p:nvPr/>
+      </p:nvGrpSpPr>
+      <p:grpSpPr bwMode="auto">
+        <a:xfrm>
+          <a:off x="0" y="0"/>
+          <a:ext cx="0" cy="0"/>
+          <a:chOff x="0" y="0"/>
+          <a:chExt cx="0" cy="0"/>
+        </a:xfrm>
+      </p:grpSpPr>
+      <p:sp>
+        <p:nvSpPr>
+          <p:cNvPr id="427509594" name="Title 1"/>
+          <p:cNvSpPr>
+            <a:spLocks noGrp="1"/>
+          </p:cNvSpPr>
+          <p:nvPr>
+            <p:ph type="title"/>
+          </p:nvPr>
+        </p:nvSpPr>
+        <p:spPr bwMode="auto"/>
+        <p:txBody>
+          <a:bodyPr vertOverflow="overflow" horzOverflow="overflow" vert="horz" wrap="square" lIns="91440" tIns="45720" rIns="91440" bIns="45720" numCol="1" spcCol="0" rtlCol="0" fromWordArt="0" anchor="ctr" anchorCtr="0" forceAA="0" upright="0" compatLnSpc="0">
+            <a:normAutofit/>
+          </a:bodyPr>
+          <a:lstStyle/>
+          <a:p>
+            <a:pPr>
+              <a:defRPr/>
+            </a:pPr>
+            <a:r>
+              <a:rPr lang="en-AU" sz="4400" b="0" i="0" u="none" strike="noStrike" cap="none" spc="0">
+                <a:solidFill>
+                  <a:schemeClr val="tx1">
+                    <a:lumMod val="65000"/>
+                    <a:lumOff val="35000"/>
+                  </a:schemeClr>
+                </a:solidFill>
+                <a:latin typeface="Arial"/>
+                <a:ea typeface="Arial"/>
+                <a:cs typeface="Arial"/>
+              </a:rPr>
+              <a:t>Encapsulation PPP</a:t>
+            </a:r>
+            <a:endParaRPr sz="4400"/>
+          </a:p>
+        </p:txBody>
+      </p:sp>
+      <p:sp>
+        <p:nvSpPr>
+          <p:cNvPr id="715471223" name=""/>
+          <p:cNvSpPr txBox="1"/>
+          <p:nvPr/>
+        </p:nvSpPr>
+        <p:spPr bwMode="auto">
+          <a:xfrm flipH="0" flipV="0">
+            <a:off x="609598" y="1863381"/>
+            <a:ext cx="10979639" cy="3017880"/>
+          </a:xfrm>
+          <a:prstGeom prst="rect">
+            <a:avLst/>
+          </a:prstGeom>
+          <a:noFill/>
+        </p:spPr>
+        <p:txBody>
+          <a:bodyPr vertOverflow="overflow" horzOverflow="overflow" vert="horz" wrap="square" lIns="91440" tIns="45720" rIns="91440" bIns="45720" numCol="1" spcCol="0" rtlCol="0" fromWordArt="0" anchor="t" anchorCtr="0" forceAA="0" upright="0" compatLnSpc="0">
+            <a:spAutoFit/>
+          </a:bodyPr>
+          <a:p>
+            <a:pPr>
+              <a:defRPr/>
+            </a:pPr>
+            <a:r>
+              <a:rPr lang="en-AU" sz="3200" b="1" i="0" u="none" strike="noStrike" cap="none" spc="0">
+                <a:solidFill>
+                  <a:schemeClr val="tx1">
+                    <a:lumMod val="75000"/>
+                    <a:lumOff val="25000"/>
+                  </a:schemeClr>
+                </a:solidFill>
+                <a:latin typeface="Arial"/>
+                <a:ea typeface="Arial"/>
+                <a:cs typeface="Arial"/>
+              </a:rPr>
+              <a:t>PPP Authentication (Point-to-Point Protocol Authentication):</a:t>
+            </a:r>
+            <a:endParaRPr sz="3200" b="1" i="0" u="none" strike="noStrike" cap="none" spc="0">
+              <a:solidFill>
+                <a:schemeClr val="tx1">
+                  <a:lumMod val="75000"/>
+                  <a:lumOff val="25000"/>
+                </a:schemeClr>
+              </a:solidFill>
+              <a:latin typeface="Arial"/>
+              <a:cs typeface="Arial"/>
+            </a:endParaRPr>
+          </a:p>
+          <a:p>
+            <a:pPr>
+              <a:defRPr/>
+            </a:pPr>
+            <a:r>
+              <a:rPr lang="en-AU" sz="3200" b="0" i="0" u="none" strike="noStrike" cap="none" spc="0">
+                <a:solidFill>
+                  <a:schemeClr val="tx1">
+                    <a:lumMod val="75000"/>
+                    <a:lumOff val="25000"/>
+                  </a:schemeClr>
+                </a:solidFill>
+                <a:latin typeface="Arial"/>
+                <a:ea typeface="Arial"/>
+                <a:cs typeface="Arial"/>
+              </a:rPr>
+              <a:t>Responsible for establishing point-to-point connections and provides encapsulation to facilitate the connection. Also supports authentication mechanisms (CHAP) between two network devices to add an additional layer of security.</a:t>
+            </a:r>
+            <a:endParaRPr lang="en-AU" sz="3200" b="0" i="0" u="none" strike="noStrike" cap="none" spc="0">
+              <a:solidFill>
+                <a:schemeClr val="tx1">
+                  <a:lumMod val="75000"/>
+                  <a:lumOff val="25000"/>
+                </a:schemeClr>
+              </a:solidFill>
+              <a:latin typeface="Arial"/>
+              <a:cs typeface="Arial"/>
+            </a:endParaRPr>
+          </a:p>
+        </p:txBody>
+      </p:sp>
+      <p:sp>
+        <p:nvSpPr>
+          <p:cNvPr id="25679015" name=""/>
+          <p:cNvSpPr txBox="1"/>
+          <p:nvPr/>
+        </p:nvSpPr>
+        <p:spPr bwMode="auto">
+          <a:xfrm flipH="0" flipV="0">
+            <a:off x="6004378" y="2752341"/>
+            <a:ext cx="183240" cy="1353312"/>
+          </a:xfrm>
+          <a:prstGeom prst="rect">
+            <a:avLst/>
+          </a:prstGeom>
+          <a:noFill/>
+        </p:spPr>
+        <p:txBody>
+          <a:bodyPr vertOverflow="overflow" horzOverflow="overflow" vert="horz" wrap="square" lIns="91440" tIns="45720" rIns="91440" bIns="45720" numCol="1" spcCol="0" rtlCol="0" fromWordArt="0" anchor="t" anchorCtr="0" forceAA="0" upright="0" compatLnSpc="0">
+            <a:spAutoFit/>
+          </a:bodyPr>
+          <a:p>
+            <a:pPr algn="l">
+              <a:lnSpc>
+                <a:spcPct val="114999"/>
+              </a:lnSpc>
+              <a:spcAft>
+                <a:spcPts val="0"/>
+              </a:spcAft>
+              <a:defRPr/>
+            </a:pPr>
+            <a:endParaRPr lang="en-AU">
+              <a:latin typeface="Arial"/>
+              <a:ea typeface="Arial"/>
+              <a:cs typeface="Arial"/>
+            </a:endParaRPr>
+          </a:p>
+          <a:p>
+            <a:pPr algn="l">
+              <a:lnSpc>
+                <a:spcPct val="114999"/>
+              </a:lnSpc>
+              <a:spcAft>
+                <a:spcPts val="0"/>
+              </a:spcAft>
+              <a:defRPr/>
+            </a:pPr>
+            <a:endParaRPr lang="en-AU">
+              <a:latin typeface="Arial"/>
+              <a:ea typeface="Arial"/>
+              <a:cs typeface="Arial"/>
+            </a:endParaRPr>
+          </a:p>
+          <a:p>
+            <a:pPr algn="l">
+              <a:lnSpc>
+                <a:spcPct val="114999"/>
+              </a:lnSpc>
+              <a:spcAft>
+                <a:spcPts val="0"/>
+              </a:spcAft>
+              <a:defRPr/>
+            </a:pPr>
+            <a:endParaRPr lang="en-AU">
+              <a:latin typeface="Arial"/>
+              <a:ea typeface="Arial"/>
+              <a:cs typeface="Arial"/>
+            </a:endParaRPr>
+          </a:p>
+          <a:p>
+            <a:pPr algn="l">
+              <a:lnSpc>
+                <a:spcPct val="114999"/>
+              </a:lnSpc>
+              <a:spcAft>
+                <a:spcPts val="0"/>
+              </a:spcAft>
+              <a:defRPr/>
+            </a:pPr>
+            <a:endParaRPr lang="en-AU">
+              <a:latin typeface="Arial"/>
+              <a:ea typeface="Arial"/>
+              <a:cs typeface="Arial"/>
+            </a:endParaRPr>
+          </a:p>
+        </p:txBody>
+      </p:sp>
+    </p:spTree>
+  </p:cSld>
+  <p:clrMapOvr>
+    <a:masterClrMapping/>
+  </p:clrMapOvr>
+  <mc:AlternateContent xmlns:mc="http://schemas.openxmlformats.org/markup-compatibility/2006">
+    <mc:Choice xmlns:p159="http://schemas.microsoft.com/office/powerpoint/2015/09/main" xmlns:p14="http://schemas.microsoft.com/office/powerpoint/2010/main" Requires="p159">
+      <p:transition p14:dur="2000" advClick="1"/>
+    </mc:Choice>
+    <mc:Fallback>
+      <p:transition advClick="1"/>
+    </mc:Fallback>
+  </mc:AlternateContent>
+</p:sld>
+</file>
+
+<file path=ppt/slides/slide65.xml><?xml version="1.0" encoding="utf-8"?>
+<p:sld xmlns:a="http://schemas.openxmlformats.org/drawingml/2006/main" xmlns:r="http://schemas.openxmlformats.org/officeDocument/2006/relationships" xmlns:p="http://schemas.openxmlformats.org/presentationml/2006/main" xmlns:m="http://schemas.openxmlformats.org/officeDocument/2006/math" xmlns:w="http://schemas.openxmlformats.org/wordprocessingml/2006/main" xmlns:mc="http://schemas.openxmlformats.org/markup-compatibility/2006" showMasterPhAnim="0" showMasterSp="1" show="1">
+  <p:cSld name="">
+    <p:spTree>
+      <p:nvGrpSpPr>
+        <p:cNvPr id="1" name=""/>
+        <p:cNvGrpSpPr/>
+        <p:nvPr/>
+      </p:nvGrpSpPr>
+      <p:grpSpPr bwMode="auto">
+        <a:xfrm>
+          <a:off x="0" y="0"/>
+          <a:ext cx="0" cy="0"/>
+          <a:chOff x="0" y="0"/>
+          <a:chExt cx="0" cy="0"/>
+        </a:xfrm>
+      </p:grpSpPr>
+      <p:sp>
+        <p:nvSpPr>
+          <p:cNvPr id="1058130313" name="Subtitle 2"/>
+          <p:cNvSpPr>
+            <a:spLocks noGrp="1"/>
+          </p:cNvSpPr>
+          <p:nvPr>
+            <p:ph type="subTitle" idx="1"/>
+          </p:nvPr>
+        </p:nvSpPr>
+        <p:spPr bwMode="auto">
+          <a:xfrm>
+            <a:off x="4655838" y="2708919"/>
+            <a:ext cx="6720744" cy="720078"/>
+          </a:xfrm>
+        </p:spPr>
+        <p:txBody>
+          <a:bodyPr/>
+          <a:lstStyle>
+            <a:lvl1pPr marL="0" indent="0" algn="r">
+              <a:buNone/>
+              <a:defRPr>
+                <a:solidFill>
+                  <a:schemeClr val="tx1">
+                    <a:lumMod val="50000"/>
+                    <a:lumOff val="50000"/>
+                  </a:schemeClr>
+                </a:solidFill>
+              </a:defRPr>
+            </a:lvl1pPr>
+            <a:lvl2pPr marL="457200" indent="0" algn="ctr">
+              <a:buNone/>
+              <a:defRPr>
+                <a:solidFill>
+                  <a:schemeClr val="tx1">
+                    <a:tint val="75000"/>
+                  </a:schemeClr>
+                </a:solidFill>
+              </a:defRPr>
+            </a:lvl2pPr>
+            <a:lvl3pPr marL="914400" indent="0" algn="ctr">
+              <a:buNone/>
+              <a:defRPr>
+                <a:solidFill>
+                  <a:schemeClr val="tx1">
+                    <a:tint val="75000"/>
+                  </a:schemeClr>
+                </a:solidFill>
+              </a:defRPr>
+            </a:lvl3pPr>
+            <a:lvl4pPr marL="1371600" indent="0" algn="ctr">
+              <a:buNone/>
+              <a:defRPr>
+                <a:solidFill>
+                  <a:schemeClr val="tx1">
+                    <a:tint val="75000"/>
+                  </a:schemeClr>
+                </a:solidFill>
+              </a:defRPr>
+            </a:lvl4pPr>
+            <a:lvl5pPr marL="1828800" indent="0" algn="ctr">
+              <a:buNone/>
+              <a:defRPr>
+                <a:solidFill>
+                  <a:schemeClr val="tx1">
+                    <a:tint val="75000"/>
+                  </a:schemeClr>
+                </a:solidFill>
+              </a:defRPr>
+            </a:lvl5pPr>
+            <a:lvl6pPr marL="2286000" indent="0" algn="ctr">
+              <a:buNone/>
+              <a:defRPr>
+                <a:solidFill>
+                  <a:schemeClr val="tx1">
+                    <a:tint val="75000"/>
+                  </a:schemeClr>
+                </a:solidFill>
+              </a:defRPr>
+            </a:lvl6pPr>
+            <a:lvl7pPr marL="2743200" indent="0" algn="ctr">
+              <a:buNone/>
+              <a:defRPr>
+                <a:solidFill>
+                  <a:schemeClr val="tx1">
+                    <a:tint val="75000"/>
+                  </a:schemeClr>
+                </a:solidFill>
+              </a:defRPr>
+            </a:lvl7pPr>
+            <a:lvl8pPr marL="3200400" indent="0" algn="ctr">
+              <a:buNone/>
+              <a:defRPr>
+                <a:solidFill>
+                  <a:schemeClr val="tx1">
+                    <a:tint val="75000"/>
+                  </a:schemeClr>
+                </a:solidFill>
+              </a:defRPr>
+            </a:lvl8pPr>
+            <a:lvl9pPr marL="3657600" indent="0" algn="ctr">
+              <a:buNone/>
+              <a:defRPr>
+                <a:solidFill>
+                  <a:schemeClr val="tx1">
+                    <a:tint val="75000"/>
+                  </a:schemeClr>
+                </a:solidFill>
+              </a:defRPr>
+            </a:lvl9pPr>
+          </a:lstStyle>
+          <a:p>
+            <a:pPr>
+              <a:defRPr/>
+            </a:pPr>
+            <a:endParaRPr/>
+          </a:p>
+        </p:txBody>
+      </p:sp>
+      <p:sp>
+        <p:nvSpPr>
+          <p:cNvPr id="1126376044" name="Title 6"/>
+          <p:cNvSpPr>
+            <a:spLocks noGrp="1"/>
+          </p:cNvSpPr>
+          <p:nvPr>
+            <p:ph type="title"/>
+          </p:nvPr>
+        </p:nvSpPr>
+        <p:spPr bwMode="auto">
+          <a:xfrm flipH="0" flipV="0">
+            <a:off x="4595833" y="1208941"/>
+            <a:ext cx="6720744" cy="1319956"/>
+          </a:xfrm>
+        </p:spPr>
+        <p:txBody>
+          <a:bodyPr vertOverflow="overflow" horzOverflow="overflow" vert="horz" wrap="square" lIns="91440" tIns="45720" rIns="91440" bIns="45720" numCol="1" spcCol="0" rtlCol="0" fromWordArt="0" anchor="ctr" anchorCtr="0" forceAA="0" upright="0" compatLnSpc="0">
+            <a:normAutofit/>
+          </a:bodyPr>
+          <a:lstStyle>
+            <a:lvl1pPr algn="r">
+              <a:defRPr/>
+            </a:lvl1pPr>
+          </a:lstStyle>
+          <a:p>
+            <a:pPr>
+              <a:defRPr/>
+            </a:pPr>
+            <a:r>
+              <a:rPr lang="en-AU">
+                <a:latin typeface="Arial"/>
+                <a:ea typeface="Arial"/>
+                <a:cs typeface="Arial"/>
+              </a:rPr>
+              <a:t>Bibliography</a:t>
+            </a:r>
+            <a:endParaRPr/>
+          </a:p>
+        </p:txBody>
+      </p:sp>
+    </p:spTree>
+  </p:cSld>
+  <p:clrMapOvr>
+    <a:masterClrMapping/>
+  </p:clrMapOvr>
+  <mc:AlternateContent xmlns:mc="http://schemas.openxmlformats.org/markup-compatibility/2006">
+    <mc:Choice xmlns:p159="http://schemas.microsoft.com/office/powerpoint/2015/09/main" xmlns:p14="http://schemas.microsoft.com/office/powerpoint/2010/main" Requires="p159">
+      <p:transition p14:dur="2000" advClick="1"/>
+    </mc:Choice>
+    <mc:Fallback>
+      <p:transition advClick="1"/>
+    </mc:Fallback>
+  </mc:AlternateContent>
+</p:sld>
+</file>
+
+<file path=ppt/slides/slide66.xml><?xml version="1.0" encoding="utf-8"?>
+<p:sld xmlns:a="http://schemas.openxmlformats.org/drawingml/2006/main" xmlns:r="http://schemas.openxmlformats.org/officeDocument/2006/relationships" xmlns:p="http://schemas.openxmlformats.org/presentationml/2006/main" xmlns:m="http://schemas.openxmlformats.org/officeDocument/2006/math" xmlns:w="http://schemas.openxmlformats.org/wordprocessingml/2006/main" xmlns:mc="http://schemas.openxmlformats.org/markup-compatibility/2006" showMasterPhAnim="0" showMasterSp="1" show="1">
+  <p:cSld name="">
+    <p:spTree>
+      <p:nvGrpSpPr>
+        <p:cNvPr id="1" name=""/>
+        <p:cNvGrpSpPr/>
+        <p:nvPr/>
+      </p:nvGrpSpPr>
+      <p:grpSpPr bwMode="auto">
+        <a:xfrm>
+          <a:off x="0" y="0"/>
+          <a:ext cx="0" cy="0"/>
+          <a:chOff x="0" y="0"/>
+          <a:chExt cx="0" cy="0"/>
+        </a:xfrm>
+      </p:grpSpPr>
+      <p:sp>
+        <p:nvSpPr>
+          <p:cNvPr id="2128574098" name="Title 1"/>
+          <p:cNvSpPr>
+            <a:spLocks noGrp="1"/>
+          </p:cNvSpPr>
+          <p:nvPr>
+            <p:ph type="title"/>
+          </p:nvPr>
+        </p:nvSpPr>
+        <p:spPr bwMode="auto"/>
+        <p:txBody>
+          <a:bodyPr vertOverflow="overflow" horzOverflow="overflow" vert="horz" wrap="square" lIns="91440" tIns="45720" rIns="91440" bIns="45720" numCol="1" spcCol="0" rtlCol="0" fromWordArt="0" anchor="ctr" anchorCtr="0" forceAA="0" upright="0" compatLnSpc="0">
+            <a:normAutofit/>
+          </a:bodyPr>
+          <a:lstStyle/>
+          <a:p>
+            <a:pPr>
+              <a:defRPr/>
+            </a:pPr>
+            <a:r>
+              <a:rPr lang="en-AU" sz="4400" b="0" i="0" u="none" strike="noStrike" cap="none" spc="0">
+                <a:solidFill>
+                  <a:schemeClr val="tx1">
+                    <a:lumMod val="65000"/>
+                    <a:lumOff val="35000"/>
+                  </a:schemeClr>
+                </a:solidFill>
+                <a:latin typeface="Arial"/>
+                <a:ea typeface="Arial"/>
+                <a:cs typeface="Arial"/>
+              </a:rPr>
+              <a:t>Bibliography</a:t>
+            </a:r>
+            <a:endParaRPr sz="4400"/>
+          </a:p>
+        </p:txBody>
+      </p:sp>
+      <p:sp>
+        <p:nvSpPr>
+          <p:cNvPr id="781075745" name=""/>
+          <p:cNvSpPr txBox="1"/>
+          <p:nvPr/>
+        </p:nvSpPr>
+        <p:spPr bwMode="auto">
+          <a:xfrm rot="0" flipH="0" flipV="0">
+            <a:off x="39600" y="1864800"/>
+            <a:ext cx="12164492" cy="4192883"/>
+          </a:xfrm>
+          <a:prstGeom prst="rect">
+            <a:avLst/>
+          </a:prstGeom>
+          <a:noFill/>
+        </p:spPr>
+        <p:txBody>
+          <a:bodyPr vertOverflow="overflow" horzOverflow="overflow" vert="horz" wrap="square" lIns="91440" tIns="45720" rIns="91440" bIns="45720" numCol="2" spcCol="360000" rtlCol="0" fromWordArt="0" anchor="t" anchorCtr="0" forceAA="0" upright="0" compatLnSpc="0">
+            <a:spAutoFit/>
+          </a:bodyPr>
+          <a:p>
+            <a:pPr marL="283879" indent="-283879">
+              <a:lnSpc>
+                <a:spcPct val="114999"/>
+              </a:lnSpc>
+              <a:spcAft>
+                <a:spcPts val="0"/>
+              </a:spcAft>
+              <a:buFont typeface="Arial"/>
+              <a:buChar char="•"/>
+              <a:defRPr/>
+            </a:pPr>
+            <a:r>
+              <a:rPr lang="en-AU">
+                <a:latin typeface="Arial"/>
+                <a:ea typeface="Arial"/>
+                <a:cs typeface="Arial"/>
+              </a:rPr>
+              <a:t>Network System: </a:t>
+            </a:r>
+            <a:r>
+              <a:rPr lang="en-AU" u="sng">
+                <a:solidFill>
+                  <a:schemeClr val="hlink"/>
+                </a:solidFill>
+                <a:latin typeface="Arial"/>
+                <a:ea typeface="Arial"/>
+                <a:cs typeface="Arial"/>
+                <a:hlinkClick r:id="rId3" tooltip="Gurutech Networking Training - Secure Network Training"/>
+              </a:rPr>
+              <a:t>Gurutech Networking Training - Secure Network Training</a:t>
+            </a:r>
+            <a:endParaRPr lang="en-AU">
+              <a:latin typeface="Arial"/>
+              <a:cs typeface="Arial"/>
+            </a:endParaRPr>
+          </a:p>
+          <a:p>
+            <a:pPr marL="283879" indent="-283879">
+              <a:lnSpc>
+                <a:spcPct val="114999"/>
+              </a:lnSpc>
+              <a:spcAft>
+                <a:spcPts val="0"/>
+              </a:spcAft>
+              <a:buFont typeface="Arial"/>
+              <a:buChar char="•"/>
+              <a:defRPr/>
+            </a:pPr>
+            <a:r>
+              <a:rPr lang="en-AU">
+                <a:latin typeface="Arial"/>
+                <a:ea typeface="Arial"/>
+                <a:cs typeface="Arial"/>
+              </a:rPr>
+              <a:t>DHCPv6 Router: </a:t>
+            </a:r>
+            <a:r>
+              <a:rPr lang="en-AU" u="sng">
+                <a:solidFill>
+                  <a:schemeClr val="hlink"/>
+                </a:solidFill>
+                <a:latin typeface="Arial"/>
+                <a:ea typeface="Arial"/>
+                <a:cs typeface="Arial"/>
+                <a:hlinkClick r:id="rId4" tooltip=" Gurutech Networking Training"/>
+              </a:rPr>
+              <a:t> Gurutech Networking Training - DHCPv6</a:t>
+            </a:r>
+            <a:endParaRPr lang="en-AU">
+              <a:latin typeface="Arial"/>
+              <a:cs typeface="Arial"/>
+            </a:endParaRPr>
+          </a:p>
+          <a:p>
+            <a:pPr marL="283879" indent="-283879">
+              <a:lnSpc>
+                <a:spcPct val="114999"/>
+              </a:lnSpc>
+              <a:spcAft>
+                <a:spcPts val="0"/>
+              </a:spcAft>
+              <a:buFont typeface="Arial"/>
+              <a:buChar char="•"/>
+              <a:defRPr/>
+            </a:pPr>
+            <a:r>
+              <a:rPr lang="en-AU">
+                <a:latin typeface="Arial"/>
+                <a:ea typeface="Arial"/>
+                <a:cs typeface="Arial"/>
+              </a:rPr>
+              <a:t>DHCPv6 stateless-stateful: </a:t>
+            </a:r>
+            <a:r>
+              <a:rPr lang="en-AU" u="sng">
+                <a:solidFill>
+                  <a:schemeClr val="hlink"/>
+                </a:solidFill>
+                <a:latin typeface="Arial"/>
+                <a:ea typeface="Arial"/>
+                <a:cs typeface="Arial"/>
+                <a:hlinkClick r:id="rId5" tooltip="ShefferKimanzi"/>
+              </a:rPr>
+              <a:t>ShefferKimanzi - DCHP v6 configuration</a:t>
+            </a:r>
+            <a:endParaRPr lang="en-AU">
+              <a:latin typeface="Arial"/>
+              <a:cs typeface="Arial"/>
+            </a:endParaRPr>
+          </a:p>
+          <a:p>
+            <a:pPr marL="283879" indent="-283879">
+              <a:lnSpc>
+                <a:spcPct val="114999"/>
+              </a:lnSpc>
+              <a:spcAft>
+                <a:spcPts val="0"/>
+              </a:spcAft>
+              <a:buFont typeface="Arial"/>
+              <a:buChar char="•"/>
+              <a:defRPr/>
+            </a:pPr>
+            <a:r>
+              <a:rPr lang="en-AU">
+                <a:latin typeface="Arial"/>
+                <a:ea typeface="Arial"/>
+                <a:cs typeface="Arial"/>
+              </a:rPr>
+              <a:t>LACP: </a:t>
+            </a:r>
+            <a:r>
+              <a:rPr lang="en-AU" u="sng">
+                <a:solidFill>
+                  <a:schemeClr val="hlink"/>
+                </a:solidFill>
+                <a:latin typeface="Arial"/>
+                <a:ea typeface="Arial"/>
+                <a:cs typeface="Arial"/>
+                <a:hlinkClick r:id="rId6" tooltip="ITExamAnswers.net - Configure EtherChannel "/>
+              </a:rPr>
+              <a:t>ITExamAnswers.net - Configure EtherChannel </a:t>
+            </a:r>
+            <a:r>
+              <a:rPr lang="en-AU">
+                <a:latin typeface="Arial"/>
+                <a:ea typeface="Arial"/>
+                <a:cs typeface="Arial"/>
+              </a:rPr>
+              <a:t>l</a:t>
+            </a:r>
+            <a:endParaRPr lang="en-AU">
+              <a:latin typeface="Arial"/>
+              <a:cs typeface="Arial"/>
+            </a:endParaRPr>
+          </a:p>
+          <a:p>
+            <a:pPr marL="283879" indent="-283879">
+              <a:lnSpc>
+                <a:spcPct val="114999"/>
+              </a:lnSpc>
+              <a:spcAft>
+                <a:spcPts val="0"/>
+              </a:spcAft>
+              <a:buFont typeface="Arial"/>
+              <a:buChar char="•"/>
+              <a:defRPr/>
+            </a:pPr>
+            <a:r>
+              <a:rPr lang="en-AU">
+                <a:latin typeface="Arial"/>
+                <a:ea typeface="Arial"/>
+                <a:cs typeface="Arial"/>
+              </a:rPr>
+              <a:t>HRSP v2 IPv6: </a:t>
+            </a:r>
+            <a:r>
+              <a:rPr lang="en-AU" u="sng">
+                <a:solidFill>
+                  <a:schemeClr val="hlink"/>
+                </a:solidFill>
+                <a:latin typeface="Arial"/>
+                <a:ea typeface="Arial"/>
+                <a:cs typeface="Arial"/>
+                <a:hlinkClick r:id="rId7" tooltip="Packet Tracer Network - HSRP Configuration"/>
+              </a:rPr>
+              <a:t>Packet Tracer Network - HSRP Configuration</a:t>
+            </a:r>
+            <a:endParaRPr lang="en-AU">
+              <a:latin typeface="Arial"/>
+              <a:cs typeface="Arial"/>
+            </a:endParaRPr>
+          </a:p>
+          <a:p>
+            <a:pPr marL="283879" indent="-283879">
+              <a:lnSpc>
+                <a:spcPct val="114999"/>
+              </a:lnSpc>
+              <a:spcAft>
+                <a:spcPts val="0"/>
+              </a:spcAft>
+              <a:buFont typeface="Arial"/>
+              <a:buChar char="•"/>
+              <a:defRPr/>
+            </a:pPr>
+            <a:r>
+              <a:rPr lang="en-AU">
+                <a:latin typeface="Arial"/>
+                <a:ea typeface="Arial"/>
+                <a:cs typeface="Arial"/>
+              </a:rPr>
+              <a:t>IPCisco.com: </a:t>
+            </a:r>
+            <a:r>
+              <a:rPr lang="en-AU" u="sng">
+                <a:solidFill>
+                  <a:schemeClr val="hlink"/>
+                </a:solidFill>
+                <a:latin typeface="Arial"/>
+                <a:ea typeface="Arial"/>
+                <a:cs typeface="Arial"/>
+                <a:hlinkClick r:id="rId8" tooltip="ADSL IPv6"/>
+              </a:rPr>
+              <a:t>ADSL IPv6</a:t>
+            </a:r>
+            <a:endParaRPr lang="en-AU">
+              <a:latin typeface="Arial"/>
+              <a:cs typeface="Arial"/>
+            </a:endParaRPr>
+          </a:p>
+          <a:p>
+            <a:pPr marL="283879" indent="-283879">
+              <a:lnSpc>
+                <a:spcPct val="114999"/>
+              </a:lnSpc>
+              <a:spcAft>
+                <a:spcPts val="0"/>
+              </a:spcAft>
+              <a:buFont typeface="Arial"/>
+              <a:buChar char="•"/>
+              <a:defRPr/>
+            </a:pPr>
+            <a:r>
+              <a:rPr lang="en-AU">
+                <a:latin typeface="Arial"/>
+                <a:ea typeface="Arial"/>
+                <a:cs typeface="Arial"/>
+              </a:rPr>
+              <a:t>ACLs: </a:t>
+            </a:r>
+            <a:r>
+              <a:rPr lang="en-AU" u="sng">
+                <a:solidFill>
+                  <a:schemeClr val="hlink"/>
+                </a:solidFill>
+                <a:latin typeface="Arial"/>
+                <a:ea typeface="Arial"/>
+                <a:cs typeface="Arial"/>
+                <a:hlinkClick r:id="rId9" tooltip="Packet Tracer Network - ACLs"/>
+              </a:rPr>
+              <a:t>Packet Tracer Network - ACLs</a:t>
+            </a:r>
+            <a:endParaRPr lang="en-AU">
+              <a:latin typeface="Arial"/>
+              <a:cs typeface="Arial"/>
+            </a:endParaRPr>
+          </a:p>
+          <a:p>
+            <a:pPr marL="283879" indent="-283879">
+              <a:lnSpc>
+                <a:spcPct val="114999"/>
+              </a:lnSpc>
+              <a:spcAft>
+                <a:spcPts val="0"/>
+              </a:spcAft>
+              <a:buFont typeface="Arial"/>
+              <a:buChar char="•"/>
+              <a:defRPr/>
+            </a:pPr>
+            <a:r>
+              <a:rPr lang="en-AU">
+                <a:latin typeface="Arial"/>
+                <a:ea typeface="Arial"/>
+                <a:cs typeface="Arial"/>
+              </a:rPr>
+              <a:t>OSPFv3: </a:t>
+            </a:r>
+            <a:r>
+              <a:rPr lang="en-AU" u="sng">
+                <a:solidFill>
+                  <a:schemeClr val="hlink"/>
+                </a:solidFill>
+                <a:latin typeface="Arial"/>
+                <a:ea typeface="Arial"/>
+                <a:cs typeface="Arial"/>
+                <a:hlinkClick r:id="rId10" tooltip="Networking Academy -  IPv6 OSPFv3 "/>
+              </a:rPr>
+              <a:t>Networking Academy -  IPv6 OSPFv3 </a:t>
+            </a:r>
+            <a:endParaRPr lang="en-AU">
+              <a:latin typeface="Arial"/>
+              <a:cs typeface="Arial"/>
+            </a:endParaRPr>
+          </a:p>
+          <a:p>
+            <a:pPr marL="283879" indent="-283879">
+              <a:lnSpc>
+                <a:spcPct val="114999"/>
+              </a:lnSpc>
+              <a:spcAft>
+                <a:spcPts val="0"/>
+              </a:spcAft>
+              <a:buFont typeface="Arial"/>
+              <a:buChar char="•"/>
+              <a:defRPr/>
+            </a:pPr>
+            <a:r>
+              <a:rPr lang="en-AU">
+                <a:latin typeface="Arial"/>
+                <a:ea typeface="Arial"/>
+                <a:cs typeface="Arial"/>
+              </a:rPr>
+              <a:t>OSPf: </a:t>
+            </a:r>
+            <a:r>
+              <a:rPr lang="en-AU" u="sng">
+                <a:solidFill>
+                  <a:schemeClr val="hlink"/>
+                </a:solidFill>
+                <a:latin typeface="Arial"/>
+                <a:ea typeface="Arial"/>
+                <a:cs typeface="Arial"/>
+                <a:hlinkClick r:id="rId11" tooltip="Computer Networking - OSPF"/>
+              </a:rPr>
+              <a:t>Computer Networking - OSPF</a:t>
+            </a:r>
+            <a:endParaRPr lang="en-AU">
+              <a:latin typeface="Arial"/>
+              <a:cs typeface="Arial"/>
+            </a:endParaRPr>
+          </a:p>
+          <a:p>
+            <a:pPr marL="283879" indent="-283879">
+              <a:lnSpc>
+                <a:spcPct val="114999"/>
+              </a:lnSpc>
+              <a:spcAft>
+                <a:spcPts val="0"/>
+              </a:spcAft>
+              <a:buFont typeface="Arial"/>
+              <a:buChar char="•"/>
+              <a:defRPr/>
+            </a:pPr>
+            <a:r>
+              <a:rPr lang="en-AU">
+                <a:latin typeface="Arial"/>
+                <a:ea typeface="Arial"/>
+                <a:cs typeface="Arial"/>
+              </a:rPr>
+              <a:t>VPN IPsec tunnel (site-to-site): </a:t>
+            </a:r>
+            <a:r>
+              <a:rPr lang="en-AU" u="sng">
+                <a:solidFill>
+                  <a:schemeClr val="hlink"/>
+                </a:solidFill>
+                <a:latin typeface="Arial"/>
+                <a:ea typeface="Arial"/>
+                <a:cs typeface="Arial"/>
+                <a:hlinkClick r:id="rId12" tooltip="Abdullah Irfan, Medium, VPN tunnel"/>
+              </a:rPr>
+              <a:t>Abdullah Irfan, Medium, VPN tunnel</a:t>
+            </a:r>
+            <a:endParaRPr lang="en-AU">
+              <a:latin typeface="Arial"/>
+              <a:cs typeface="Arial"/>
+            </a:endParaRPr>
+          </a:p>
+          <a:p>
+            <a:pPr marL="283879" indent="-283879">
+              <a:lnSpc>
+                <a:spcPct val="114999"/>
+              </a:lnSpc>
+              <a:spcAft>
+                <a:spcPts val="0"/>
+              </a:spcAft>
+              <a:buFont typeface="Arial"/>
+              <a:buChar char="•"/>
+              <a:defRPr/>
+            </a:pPr>
+            <a:r>
+              <a:rPr lang="en-AU">
+                <a:latin typeface="Arial"/>
+                <a:ea typeface="Arial"/>
+                <a:cs typeface="Arial"/>
+              </a:rPr>
+              <a:t>VPN site-to-site, IPsec: </a:t>
+            </a:r>
+            <a:r>
+              <a:rPr lang="en-AU" u="sng">
+                <a:solidFill>
+                  <a:schemeClr val="hlink"/>
+                </a:solidFill>
+                <a:latin typeface="Arial"/>
+                <a:ea typeface="Arial"/>
+                <a:cs typeface="Arial"/>
+                <a:hlinkClick r:id="rId13" tooltip="Gurutech Networking Training - VPN IPsec"/>
+              </a:rPr>
+              <a:t>Gurutech Networking Training - VPN IPsec</a:t>
+            </a:r>
+            <a:endParaRPr lang="en-AU">
+              <a:latin typeface="Arial"/>
+              <a:cs typeface="Arial"/>
+            </a:endParaRPr>
+          </a:p>
+          <a:p>
+            <a:pPr marL="283879" indent="-283879">
+              <a:lnSpc>
+                <a:spcPct val="114999"/>
+              </a:lnSpc>
+              <a:spcAft>
+                <a:spcPts val="0"/>
+              </a:spcAft>
+              <a:buFont typeface="Arial"/>
+              <a:buChar char="•"/>
+              <a:defRPr/>
+            </a:pPr>
+            <a:r>
+              <a:rPr lang="en-AU">
+                <a:latin typeface="Arial"/>
+                <a:ea typeface="Arial"/>
+                <a:cs typeface="Arial"/>
+              </a:rPr>
+              <a:t>SSH:  </a:t>
+            </a:r>
+            <a:r>
+              <a:rPr lang="en-AU" u="sng">
+                <a:solidFill>
+                  <a:schemeClr val="hlink"/>
+                </a:solidFill>
+                <a:latin typeface="Arial"/>
+                <a:ea typeface="Arial"/>
+                <a:cs typeface="Arial"/>
+                <a:hlinkClick r:id="rId14" tooltip=" Sheffer Kimanzi, Configuring ssh"/>
+              </a:rPr>
+              <a:t> Sheffer Kimanzi, Configuring ssh</a:t>
+            </a:r>
+            <a:endParaRPr lang="en-AU">
+              <a:latin typeface="Arial"/>
+              <a:cs typeface="Arial"/>
+            </a:endParaRPr>
+          </a:p>
+          <a:p>
+            <a:pPr marL="283879" indent="-283879">
+              <a:buFont typeface="Arial"/>
+              <a:buChar char="•"/>
+              <a:defRPr/>
+            </a:pPr>
+            <a:r>
+              <a:rPr lang="en-AU">
+                <a:latin typeface="Arial"/>
+                <a:ea typeface="Arial"/>
+                <a:cs typeface="Arial"/>
+              </a:rPr>
+              <a:t>Telnet: </a:t>
+            </a:r>
+            <a:r>
+              <a:rPr lang="en-AU" u="sng">
+                <a:solidFill>
+                  <a:schemeClr val="hlink"/>
+                </a:solidFill>
+                <a:latin typeface="Arial"/>
+                <a:ea typeface="Arial"/>
+                <a:cs typeface="Arial"/>
+                <a:hlinkClick r:id="rId15" tooltip=" Sheffer Kimanzi, Configuring telnet"/>
+              </a:rPr>
+              <a:t> Sheffer Kimanzi, Configuring telnet</a:t>
+            </a:r>
+            <a:endParaRPr/>
+          </a:p>
+        </p:txBody>
+      </p:sp>
+      <p:sp>
+        <p:nvSpPr>
+          <p:cNvPr id="961560249" name=""/>
+          <p:cNvSpPr txBox="1"/>
+          <p:nvPr/>
+        </p:nvSpPr>
+        <p:spPr bwMode="auto">
+          <a:xfrm flipH="0" flipV="0">
+            <a:off x="6004378" y="2752341"/>
+            <a:ext cx="183240" cy="1353312"/>
+          </a:xfrm>
+          <a:prstGeom prst="rect">
+            <a:avLst/>
+          </a:prstGeom>
+          <a:noFill/>
+        </p:spPr>
+        <p:txBody>
+          <a:bodyPr vertOverflow="overflow" horzOverflow="overflow" vert="horz" wrap="square" lIns="91440" tIns="45720" rIns="91440" bIns="45720" numCol="1" spcCol="0" rtlCol="0" fromWordArt="0" anchor="t" anchorCtr="0" forceAA="0" upright="0" compatLnSpc="0">
+            <a:spAutoFit/>
+          </a:bodyPr>
+          <a:p>
+            <a:pPr algn="l">
+              <a:lnSpc>
+                <a:spcPct val="114999"/>
+              </a:lnSpc>
+              <a:spcAft>
+                <a:spcPts val="0"/>
+              </a:spcAft>
+              <a:defRPr/>
+            </a:pPr>
+            <a:endParaRPr lang="en-AU">
+              <a:latin typeface="Arial"/>
+              <a:ea typeface="Arial"/>
+              <a:cs typeface="Arial"/>
+            </a:endParaRPr>
+          </a:p>
+          <a:p>
+            <a:pPr algn="l">
+              <a:lnSpc>
+                <a:spcPct val="114999"/>
+              </a:lnSpc>
+              <a:spcAft>
+                <a:spcPts val="0"/>
+              </a:spcAft>
+              <a:defRPr/>
+            </a:pPr>
+            <a:endParaRPr lang="en-AU">
+              <a:latin typeface="Arial"/>
+              <a:ea typeface="Arial"/>
+              <a:cs typeface="Arial"/>
+            </a:endParaRPr>
+          </a:p>
+          <a:p>
+            <a:pPr algn="l">
+              <a:lnSpc>
+                <a:spcPct val="114999"/>
+              </a:lnSpc>
+              <a:spcAft>
+                <a:spcPts val="0"/>
+              </a:spcAft>
+              <a:defRPr/>
+            </a:pPr>
+            <a:endParaRPr lang="en-AU">
+              <a:latin typeface="Arial"/>
+              <a:ea typeface="Arial"/>
+              <a:cs typeface="Arial"/>
+            </a:endParaRPr>
+          </a:p>
+          <a:p>
+            <a:pPr algn="l">
+              <a:lnSpc>
+                <a:spcPct val="114999"/>
+              </a:lnSpc>
+              <a:spcAft>
+                <a:spcPts val="0"/>
+              </a:spcAft>
+              <a:defRPr/>
+            </a:pPr>
+            <a:endParaRPr lang="en-AU">
+              <a:latin typeface="Arial"/>
+              <a:ea typeface="Arial"/>
+              <a:cs typeface="Arial"/>
+            </a:endParaRPr>
+          </a:p>
+        </p:txBody>
+      </p:sp>
+    </p:spTree>
+  </p:cSld>
+  <p:clrMapOvr>
+    <a:masterClrMapping/>
+  </p:clrMapOvr>
+  <mc:AlternateContent xmlns:mc="http://schemas.openxmlformats.org/markup-compatibility/2006">
+    <mc:Choice xmlns:p159="http://schemas.microsoft.com/office/powerpoint/2015/09/main" xmlns:p14="http://schemas.microsoft.com/office/powerpoint/2010/main" Requires="p159">
+      <p:transition p14:dur="2000" advClick="1"/>
+    </mc:Choice>
+    <mc:Fallback>
+      <p:transition advClick="1"/>
+    </mc:Fallback>
+  </mc:AlternateContent>
+</p:sld>
+</file>
+
 <file path=ppt/slides/slide7.xml><?xml version="1.0" encoding="utf-8"?>
 <p:sld xmlns:a="http://schemas.openxmlformats.org/drawingml/2006/main" xmlns:r="http://schemas.openxmlformats.org/officeDocument/2006/relationships" xmlns:p="http://schemas.openxmlformats.org/presentationml/2006/main" xmlns:m="http://schemas.openxmlformats.org/officeDocument/2006/math" xmlns:w="http://schemas.openxmlformats.org/wordprocessingml/2006/main" xmlns:mc="http://schemas.openxmlformats.org/markup-compatibility/2006" showMasterPhAnim="0" showMasterSp="1" show="1">
   <p:cSld name="">
@@ -20110,7 +24192,7 @@
       </p:grpSpPr>
       <p:sp>
         <p:nvSpPr>
-          <p:cNvPr id="1864067102" name="Title 1"/>
+          <p:cNvPr id="1971785310" name="Title 1"/>
           <p:cNvSpPr>
             <a:spLocks noGrp="1"/>
           </p:cNvSpPr>
@@ -20146,7 +24228,7 @@
       </p:sp>
       <p:sp>
         <p:nvSpPr>
-          <p:cNvPr id="1137551846" name="Content Placeholder 2"/>
+          <p:cNvPr id="1845496964" name="Content Placeholder 2"/>
           <p:cNvSpPr>
             <a:spLocks noGrp="1"/>
           </p:cNvSpPr>
@@ -20336,7 +24418,7 @@
       </p:sp>
       <p:sp>
         <p:nvSpPr>
-          <p:cNvPr id="1844523075" name=""/>
+          <p:cNvPr id="1287167131" name=""/>
           <p:cNvSpPr txBox="1"/>
           <p:nvPr/>
         </p:nvSpPr>
@@ -20553,7 +24635,7 @@
       </p:grpSpPr>
       <p:sp>
         <p:nvSpPr>
-          <p:cNvPr id="310318090" name="Title 1"/>
+          <p:cNvPr id="53017485" name="Title 1"/>
           <p:cNvSpPr>
             <a:spLocks noGrp="1"/>
           </p:cNvSpPr>
@@ -20583,7 +24665,7 @@
       </p:sp>
       <p:sp>
         <p:nvSpPr>
-          <p:cNvPr id="1931567850" name="Content Placeholder 2"/>
+          <p:cNvPr id="1647019077" name="Content Placeholder 2"/>
           <p:cNvSpPr>
             <a:spLocks noGrp="1"/>
           </p:cNvSpPr>
@@ -20605,7 +24687,7 @@
       </p:sp>
       <p:graphicFrame>
         <p:nvGraphicFramePr>
-          <p:cNvPr id="680308783" name=""/>
+          <p:cNvPr id="750032958" name=""/>
           <p:cNvGraphicFramePr>
             <a:graphicFrameLocks xmlns:a="http://schemas.openxmlformats.org/drawingml/2006/main"/>
           </p:cNvGraphicFramePr>
@@ -20961,7 +25043,7 @@
       </p:grpSpPr>
       <p:sp>
         <p:nvSpPr>
-          <p:cNvPr id="1009834744" name="Subtitle 2"/>
+          <p:cNvPr id="1301928303" name="Subtitle 2"/>
           <p:cNvSpPr>
             <a:spLocks noGrp="1"/>
           </p:cNvSpPr>
@@ -21094,7 +25176,7 @@
       </p:sp>
       <p:sp>
         <p:nvSpPr>
-          <p:cNvPr id="1414270188" name="Title 6"/>
+          <p:cNvPr id="785981603" name="Title 6"/>
           <p:cNvSpPr>
             <a:spLocks noGrp="1"/>
           </p:cNvSpPr>

--- a/TERM1-BLOCK1/2-ICTNWK541-Configure_Verify_Troubleshoot_WAN_links-IP_services/Assessmet_Task2/Task2/ICTNWK541 Assessment task.pptx
+++ b/TERM1-BLOCK1/2-ICTNWK541-Configure_Verify_Troubleshoot_WAN_links-IP_services/Assessmet_Task2/Task2/ICTNWK541 Assessment task.pptx
@@ -5,7 +5,7 @@
     <p:sldMasterId id="2147483648" r:id="rId1"/>
   </p:sldMasterIdLst>
   <p:notesMasterIdLst>
-    <p:notesMasterId r:id="rId70"/>
+    <p:notesMasterId r:id="rId73"/>
   </p:notesMasterIdLst>
   <p:sldIdLst>
     <p:sldId id="256" r:id="rId4"/>
@@ -74,6 +74,9 @@
     <p:sldId id="319" r:id="rId67"/>
     <p:sldId id="320" r:id="rId68"/>
     <p:sldId id="321" r:id="rId69"/>
+    <p:sldId id="322" r:id="rId70"/>
+    <p:sldId id="323" r:id="rId71"/>
+    <p:sldId id="324" r:id="rId72"/>
   </p:sldIdLst>
   <p:sldSz cx="12192000" cy="6858000"/>
   <p:notesSz cx="6858000" cy="9144000"/>
@@ -199,7 +202,7 @@
       </p:grpSpPr>
       <p:sp>
         <p:nvSpPr>
-          <p:cNvPr id="1953724660" name="Header Placeholder 1"/>
+          <p:cNvPr id="701631100" name="Header Placeholder 1"/>
           <p:cNvSpPr>
             <a:spLocks noGrp="1"/>
           </p:cNvSpPr>
@@ -233,7 +236,7 @@
       </p:sp>
       <p:sp>
         <p:nvSpPr>
-          <p:cNvPr id="427427129" name="Date Placeholder 2"/>
+          <p:cNvPr id="112219787" name="Date Placeholder 2"/>
           <p:cNvSpPr>
             <a:spLocks noGrp="1"/>
           </p:cNvSpPr>
@@ -271,7 +274,7 @@
       </p:sp>
       <p:sp>
         <p:nvSpPr>
-          <p:cNvPr id="1024510690" name="Slide Image Placeholder 3"/>
+          <p:cNvPr id="80722110" name="Slide Image Placeholder 3"/>
           <p:cNvSpPr>
             <a:spLocks noChangeAspect="1" noGrp="1" noRot="1"/>
           </p:cNvSpPr>
@@ -307,7 +310,7 @@
       </p:sp>
       <p:sp>
         <p:nvSpPr>
-          <p:cNvPr id="750524678" name="Notes Placeholder 4"/>
+          <p:cNvPr id="1227311347" name="Notes Placeholder 4"/>
           <p:cNvSpPr>
             <a:spLocks noGrp="1"/>
           </p:cNvSpPr>
@@ -381,7 +384,7 @@
       </p:sp>
       <p:sp>
         <p:nvSpPr>
-          <p:cNvPr id="392762089" name="Footer Placeholder 5"/>
+          <p:cNvPr id="1992181879" name="Footer Placeholder 5"/>
           <p:cNvSpPr>
             <a:spLocks noGrp="1"/>
           </p:cNvSpPr>
@@ -415,7 +418,7 @@
       </p:sp>
       <p:sp>
         <p:nvSpPr>
-          <p:cNvPr id="1119965091" name="Slide Number Placeholder 6"/>
+          <p:cNvPr id="463076970" name="Slide Number Placeholder 6"/>
           <p:cNvSpPr>
             <a:spLocks noGrp="1"/>
           </p:cNvSpPr>
@@ -568,7 +571,7 @@
       </p:grpSpPr>
       <p:sp>
         <p:nvSpPr>
-          <p:cNvPr id="1627012151" name="Slide Image Placeholder 1"/>
+          <p:cNvPr id="793939494" name="Slide Image Placeholder 1"/>
           <p:cNvSpPr>
             <a:spLocks noChangeAspect="1" noGrp="1" noRot="1"/>
           </p:cNvSpPr>
@@ -585,7 +588,7 @@
       </p:sp>
       <p:sp>
         <p:nvSpPr>
-          <p:cNvPr id="573931248" name="Notes Placeholder 2"/>
+          <p:cNvPr id="1298295833" name="Notes Placeholder 2"/>
           <p:cNvSpPr>
             <a:spLocks noGrp="1"/>
           </p:cNvSpPr>
@@ -610,7 +613,7 @@
       </p:sp>
       <p:sp>
         <p:nvSpPr>
-          <p:cNvPr id="2059651768" name="Slide Number Placeholder 3"/>
+          <p:cNvPr id="1735780774" name="Slide Number Placeholder 3"/>
           <p:cNvSpPr>
             <a:spLocks noGrp="1"/>
           </p:cNvSpPr>
@@ -658,7 +661,7 @@
       </p:grpSpPr>
       <p:sp>
         <p:nvSpPr>
-          <p:cNvPr id="1580011151" name="Slide Image Placeholder 1"/>
+          <p:cNvPr id="564307056" name="Slide Image Placeholder 1"/>
           <p:cNvSpPr>
             <a:spLocks noChangeAspect="1" noGrp="1" noRot="1"/>
           </p:cNvSpPr>
@@ -670,7 +673,7 @@
       </p:sp>
       <p:sp>
         <p:nvSpPr>
-          <p:cNvPr id="1074232886" name="Notes Placeholder 2"/>
+          <p:cNvPr id="1730367407" name="Notes Placeholder 2"/>
           <p:cNvSpPr>
             <a:spLocks noGrp="1"/>
           </p:cNvSpPr>
@@ -692,7 +695,7 @@
       </p:sp>
       <p:sp>
         <p:nvSpPr>
-          <p:cNvPr id="575315295" name="Slide Number Placeholder 3"/>
+          <p:cNvPr id="846417763" name="Slide Number Placeholder 3"/>
           <p:cNvSpPr>
             <a:spLocks noGrp="1"/>
           </p:cNvSpPr>
@@ -740,7 +743,7 @@
       </p:grpSpPr>
       <p:sp>
         <p:nvSpPr>
-          <p:cNvPr id="1942182293" name="Slide Image Placeholder 1"/>
+          <p:cNvPr id="1761899200" name="Slide Image Placeholder 1"/>
           <p:cNvSpPr>
             <a:spLocks noChangeAspect="1" noGrp="1" noRot="1"/>
           </p:cNvSpPr>
@@ -752,7 +755,7 @@
       </p:sp>
       <p:sp>
         <p:nvSpPr>
-          <p:cNvPr id="100158797" name="Notes Placeholder 2"/>
+          <p:cNvPr id="497400948" name="Notes Placeholder 2"/>
           <p:cNvSpPr>
             <a:spLocks noGrp="1"/>
           </p:cNvSpPr>
@@ -774,7 +777,7 @@
       </p:sp>
       <p:sp>
         <p:nvSpPr>
-          <p:cNvPr id="1161376334" name="Slide Number Placeholder 3"/>
+          <p:cNvPr id="1890091983" name="Slide Number Placeholder 3"/>
           <p:cNvSpPr>
             <a:spLocks noGrp="1"/>
           </p:cNvSpPr>
@@ -822,7 +825,7 @@
       </p:grpSpPr>
       <p:sp>
         <p:nvSpPr>
-          <p:cNvPr id="621633476" name="Slide Image Placeholder 1"/>
+          <p:cNvPr id="1914305984" name="Slide Image Placeholder 1"/>
           <p:cNvSpPr>
             <a:spLocks noChangeAspect="1" noGrp="1" noRot="1"/>
           </p:cNvSpPr>
@@ -834,7 +837,7 @@
       </p:sp>
       <p:sp>
         <p:nvSpPr>
-          <p:cNvPr id="295982001" name="Notes Placeholder 2"/>
+          <p:cNvPr id="1851491400" name="Notes Placeholder 2"/>
           <p:cNvSpPr>
             <a:spLocks noGrp="1"/>
           </p:cNvSpPr>
@@ -856,7 +859,7 @@
       </p:sp>
       <p:sp>
         <p:nvSpPr>
-          <p:cNvPr id="1698178314" name="Slide Number Placeholder 3"/>
+          <p:cNvPr id="93930941" name="Slide Number Placeholder 3"/>
           <p:cNvSpPr>
             <a:spLocks noGrp="1"/>
           </p:cNvSpPr>
@@ -904,7 +907,7 @@
       </p:grpSpPr>
       <p:sp>
         <p:nvSpPr>
-          <p:cNvPr id="541412063" name="Slide Image Placeholder 1"/>
+          <p:cNvPr id="1143141851" name="Slide Image Placeholder 1"/>
           <p:cNvSpPr>
             <a:spLocks noChangeAspect="1" noGrp="1" noRot="1"/>
           </p:cNvSpPr>
@@ -916,7 +919,7 @@
       </p:sp>
       <p:sp>
         <p:nvSpPr>
-          <p:cNvPr id="660302493" name="Notes Placeholder 2"/>
+          <p:cNvPr id="1954548056" name="Notes Placeholder 2"/>
           <p:cNvSpPr>
             <a:spLocks noGrp="1"/>
           </p:cNvSpPr>
@@ -938,7 +941,7 @@
       </p:sp>
       <p:sp>
         <p:nvSpPr>
-          <p:cNvPr id="925393316" name="Slide Number Placeholder 3"/>
+          <p:cNvPr id="18094534" name="Slide Number Placeholder 3"/>
           <p:cNvSpPr>
             <a:spLocks noGrp="1"/>
           </p:cNvSpPr>
@@ -986,7 +989,7 @@
       </p:grpSpPr>
       <p:sp>
         <p:nvSpPr>
-          <p:cNvPr id="1244254034" name="Slide Image Placeholder 1"/>
+          <p:cNvPr id="1187686024" name="Slide Image Placeholder 1"/>
           <p:cNvSpPr>
             <a:spLocks noChangeAspect="1" noGrp="1" noRot="1"/>
           </p:cNvSpPr>
@@ -998,7 +1001,7 @@
       </p:sp>
       <p:sp>
         <p:nvSpPr>
-          <p:cNvPr id="1547834292" name="Notes Placeholder 2"/>
+          <p:cNvPr id="1643602511" name="Notes Placeholder 2"/>
           <p:cNvSpPr>
             <a:spLocks noGrp="1"/>
           </p:cNvSpPr>
@@ -1020,7 +1023,7 @@
       </p:sp>
       <p:sp>
         <p:nvSpPr>
-          <p:cNvPr id="1206467336" name="Slide Number Placeholder 3"/>
+          <p:cNvPr id="1227202463" name="Slide Number Placeholder 3"/>
           <p:cNvSpPr>
             <a:spLocks noGrp="1"/>
           </p:cNvSpPr>
@@ -1068,7 +1071,7 @@
       </p:grpSpPr>
       <p:sp>
         <p:nvSpPr>
-          <p:cNvPr id="747793243" name="Slide Image Placeholder 1"/>
+          <p:cNvPr id="426064473" name="Slide Image Placeholder 1"/>
           <p:cNvSpPr>
             <a:spLocks noChangeAspect="1" noGrp="1" noRot="1"/>
           </p:cNvSpPr>
@@ -1080,7 +1083,7 @@
       </p:sp>
       <p:sp>
         <p:nvSpPr>
-          <p:cNvPr id="534077179" name="Notes Placeholder 2"/>
+          <p:cNvPr id="1421449779" name="Notes Placeholder 2"/>
           <p:cNvSpPr>
             <a:spLocks noGrp="1"/>
           </p:cNvSpPr>
@@ -1102,7 +1105,7 @@
       </p:sp>
       <p:sp>
         <p:nvSpPr>
-          <p:cNvPr id="325145942" name="Slide Number Placeholder 3"/>
+          <p:cNvPr id="680717849" name="Slide Number Placeholder 3"/>
           <p:cNvSpPr>
             <a:spLocks noGrp="1"/>
           </p:cNvSpPr>
@@ -1150,7 +1153,7 @@
       </p:grpSpPr>
       <p:sp>
         <p:nvSpPr>
-          <p:cNvPr id="2016728815" name="Slide Image Placeholder 1"/>
+          <p:cNvPr id="1365124319" name="Slide Image Placeholder 1"/>
           <p:cNvSpPr>
             <a:spLocks noChangeAspect="1" noGrp="1" noRot="1"/>
           </p:cNvSpPr>
@@ -1162,7 +1165,7 @@
       </p:sp>
       <p:sp>
         <p:nvSpPr>
-          <p:cNvPr id="1968921814" name="Notes Placeholder 2"/>
+          <p:cNvPr id="1316118418" name="Notes Placeholder 2"/>
           <p:cNvSpPr>
             <a:spLocks noGrp="1"/>
           </p:cNvSpPr>
@@ -1184,7 +1187,7 @@
       </p:sp>
       <p:sp>
         <p:nvSpPr>
-          <p:cNvPr id="2048840716" name="Slide Number Placeholder 3"/>
+          <p:cNvPr id="1019099994" name="Slide Number Placeholder 3"/>
           <p:cNvSpPr>
             <a:spLocks noGrp="1"/>
           </p:cNvSpPr>
@@ -1232,7 +1235,7 @@
       </p:grpSpPr>
       <p:sp>
         <p:nvSpPr>
-          <p:cNvPr id="427303466" name="Slide Image Placeholder 1"/>
+          <p:cNvPr id="386994740" name="Slide Image Placeholder 1"/>
           <p:cNvSpPr>
             <a:spLocks noChangeAspect="1" noGrp="1" noRot="1"/>
           </p:cNvSpPr>
@@ -1244,7 +1247,7 @@
       </p:sp>
       <p:sp>
         <p:nvSpPr>
-          <p:cNvPr id="2027169648" name="Notes Placeholder 2"/>
+          <p:cNvPr id="1493408851" name="Notes Placeholder 2"/>
           <p:cNvSpPr>
             <a:spLocks noGrp="1"/>
           </p:cNvSpPr>
@@ -1266,7 +1269,7 @@
       </p:sp>
       <p:sp>
         <p:nvSpPr>
-          <p:cNvPr id="1022152848" name="Slide Number Placeholder 3"/>
+          <p:cNvPr id="1079028606" name="Slide Number Placeholder 3"/>
           <p:cNvSpPr>
             <a:spLocks noGrp="1"/>
           </p:cNvSpPr>
@@ -1314,7 +1317,7 @@
       </p:grpSpPr>
       <p:sp>
         <p:nvSpPr>
-          <p:cNvPr id="994553413" name="Slide Image Placeholder 1"/>
+          <p:cNvPr id="1783515582" name="Slide Image Placeholder 1"/>
           <p:cNvSpPr>
             <a:spLocks noChangeAspect="1" noGrp="1" noRot="1"/>
           </p:cNvSpPr>
@@ -1326,7 +1329,7 @@
       </p:sp>
       <p:sp>
         <p:nvSpPr>
-          <p:cNvPr id="1217024267" name="Notes Placeholder 2"/>
+          <p:cNvPr id="45584452" name="Notes Placeholder 2"/>
           <p:cNvSpPr>
             <a:spLocks noGrp="1"/>
           </p:cNvSpPr>
@@ -1348,7 +1351,7 @@
       </p:sp>
       <p:sp>
         <p:nvSpPr>
-          <p:cNvPr id="1068186220" name="Slide Number Placeholder 3"/>
+          <p:cNvPr id="820266763" name="Slide Number Placeholder 3"/>
           <p:cNvSpPr>
             <a:spLocks noGrp="1"/>
           </p:cNvSpPr>
@@ -1396,7 +1399,7 @@
       </p:grpSpPr>
       <p:sp>
         <p:nvSpPr>
-          <p:cNvPr id="371850668" name="Slide Image Placeholder 1"/>
+          <p:cNvPr id="1231154526" name="Slide Image Placeholder 1"/>
           <p:cNvSpPr>
             <a:spLocks noChangeAspect="1" noGrp="1" noRot="1"/>
           </p:cNvSpPr>
@@ -1408,7 +1411,7 @@
       </p:sp>
       <p:sp>
         <p:nvSpPr>
-          <p:cNvPr id="1700572039" name="Notes Placeholder 2"/>
+          <p:cNvPr id="1297097146" name="Notes Placeholder 2"/>
           <p:cNvSpPr>
             <a:spLocks noGrp="1"/>
           </p:cNvSpPr>
@@ -1430,7 +1433,7 @@
       </p:sp>
       <p:sp>
         <p:nvSpPr>
-          <p:cNvPr id="469479441" name="Slide Number Placeholder 3"/>
+          <p:cNvPr id="887083814" name="Slide Number Placeholder 3"/>
           <p:cNvSpPr>
             <a:spLocks noGrp="1"/>
           </p:cNvSpPr>
@@ -1478,7 +1481,7 @@
       </p:grpSpPr>
       <p:sp>
         <p:nvSpPr>
-          <p:cNvPr id="368066905" name="Slide Image Placeholder 1"/>
+          <p:cNvPr id="1259002652" name="Slide Image Placeholder 1"/>
           <p:cNvSpPr>
             <a:spLocks noChangeAspect="1" noGrp="1" noRot="1"/>
           </p:cNvSpPr>
@@ -1490,7 +1493,7 @@
       </p:sp>
       <p:sp>
         <p:nvSpPr>
-          <p:cNvPr id="1004660028" name="Notes Placeholder 2"/>
+          <p:cNvPr id="1899578099" name="Notes Placeholder 2"/>
           <p:cNvSpPr>
             <a:spLocks noGrp="1"/>
           </p:cNvSpPr>
@@ -1512,7 +1515,7 @@
       </p:sp>
       <p:sp>
         <p:nvSpPr>
-          <p:cNvPr id="1277380830" name="Slide Number Placeholder 3"/>
+          <p:cNvPr id="804689453" name="Slide Number Placeholder 3"/>
           <p:cNvSpPr>
             <a:spLocks noGrp="1"/>
           </p:cNvSpPr>
@@ -1560,7 +1563,7 @@
       </p:grpSpPr>
       <p:sp>
         <p:nvSpPr>
-          <p:cNvPr id="1508969071" name="Slide Image Placeholder 1"/>
+          <p:cNvPr id="1316218282" name="Slide Image Placeholder 1"/>
           <p:cNvSpPr>
             <a:spLocks noChangeAspect="1" noGrp="1" noRot="1"/>
           </p:cNvSpPr>
@@ -1572,7 +1575,7 @@
       </p:sp>
       <p:sp>
         <p:nvSpPr>
-          <p:cNvPr id="1858536108" name="Notes Placeholder 2"/>
+          <p:cNvPr id="578767468" name="Notes Placeholder 2"/>
           <p:cNvSpPr>
             <a:spLocks noGrp="1"/>
           </p:cNvSpPr>
@@ -1594,7 +1597,7 @@
       </p:sp>
       <p:sp>
         <p:nvSpPr>
-          <p:cNvPr id="2129403518" name="Slide Number Placeholder 3"/>
+          <p:cNvPr id="234117702" name="Slide Number Placeholder 3"/>
           <p:cNvSpPr>
             <a:spLocks noGrp="1"/>
           </p:cNvSpPr>
@@ -1642,7 +1645,7 @@
       </p:grpSpPr>
       <p:sp>
         <p:nvSpPr>
-          <p:cNvPr id="1789997269" name="Slide Image Placeholder 1"/>
+          <p:cNvPr id="179535978" name="Slide Image Placeholder 1"/>
           <p:cNvSpPr>
             <a:spLocks noChangeAspect="1" noGrp="1" noRot="1"/>
           </p:cNvSpPr>
@@ -1654,7 +1657,7 @@
       </p:sp>
       <p:sp>
         <p:nvSpPr>
-          <p:cNvPr id="2077792828" name="Notes Placeholder 2"/>
+          <p:cNvPr id="1004405096" name="Notes Placeholder 2"/>
           <p:cNvSpPr>
             <a:spLocks noGrp="1"/>
           </p:cNvSpPr>
@@ -1676,7 +1679,7 @@
       </p:sp>
       <p:sp>
         <p:nvSpPr>
-          <p:cNvPr id="1263389573" name="Slide Number Placeholder 3"/>
+          <p:cNvPr id="759847199" name="Slide Number Placeholder 3"/>
           <p:cNvSpPr>
             <a:spLocks noGrp="1"/>
           </p:cNvSpPr>
@@ -1724,7 +1727,7 @@
       </p:grpSpPr>
       <p:sp>
         <p:nvSpPr>
-          <p:cNvPr id="1361415018" name="Slide Image Placeholder 1"/>
+          <p:cNvPr id="248800580" name="Slide Image Placeholder 1"/>
           <p:cNvSpPr>
             <a:spLocks noChangeAspect="1" noGrp="1" noRot="1"/>
           </p:cNvSpPr>
@@ -1736,7 +1739,7 @@
       </p:sp>
       <p:sp>
         <p:nvSpPr>
-          <p:cNvPr id="1512969328" name="Notes Placeholder 2"/>
+          <p:cNvPr id="2144666014" name="Notes Placeholder 2"/>
           <p:cNvSpPr>
             <a:spLocks noGrp="1"/>
           </p:cNvSpPr>
@@ -1758,7 +1761,7 @@
       </p:sp>
       <p:sp>
         <p:nvSpPr>
-          <p:cNvPr id="618089574" name="Slide Number Placeholder 3"/>
+          <p:cNvPr id="517502585" name="Slide Number Placeholder 3"/>
           <p:cNvSpPr>
             <a:spLocks noGrp="1"/>
           </p:cNvSpPr>
@@ -1806,7 +1809,7 @@
       </p:grpSpPr>
       <p:sp>
         <p:nvSpPr>
-          <p:cNvPr id="1624160776" name="Slide Image Placeholder 1"/>
+          <p:cNvPr id="1421568178" name="Slide Image Placeholder 1"/>
           <p:cNvSpPr>
             <a:spLocks noChangeAspect="1" noGrp="1" noRot="1"/>
           </p:cNvSpPr>
@@ -1818,7 +1821,7 @@
       </p:sp>
       <p:sp>
         <p:nvSpPr>
-          <p:cNvPr id="276058896" name="Notes Placeholder 2"/>
+          <p:cNvPr id="2129986632" name="Notes Placeholder 2"/>
           <p:cNvSpPr>
             <a:spLocks noGrp="1"/>
           </p:cNvSpPr>
@@ -1840,7 +1843,7 @@
       </p:sp>
       <p:sp>
         <p:nvSpPr>
-          <p:cNvPr id="1439217042" name="Slide Number Placeholder 3"/>
+          <p:cNvPr id="1403211334" name="Slide Number Placeholder 3"/>
           <p:cNvSpPr>
             <a:spLocks noGrp="1"/>
           </p:cNvSpPr>
@@ -1888,7 +1891,7 @@
       </p:grpSpPr>
       <p:sp>
         <p:nvSpPr>
-          <p:cNvPr id="1061187536" name="Slide Image Placeholder 1"/>
+          <p:cNvPr id="554647135" name="Slide Image Placeholder 1"/>
           <p:cNvSpPr>
             <a:spLocks noChangeAspect="1" noGrp="1" noRot="1"/>
           </p:cNvSpPr>
@@ -1900,7 +1903,7 @@
       </p:sp>
       <p:sp>
         <p:nvSpPr>
-          <p:cNvPr id="1464317064" name="Notes Placeholder 2"/>
+          <p:cNvPr id="396680501" name="Notes Placeholder 2"/>
           <p:cNvSpPr>
             <a:spLocks noGrp="1"/>
           </p:cNvSpPr>
@@ -1922,7 +1925,7 @@
       </p:sp>
       <p:sp>
         <p:nvSpPr>
-          <p:cNvPr id="502508346" name="Slide Number Placeholder 3"/>
+          <p:cNvPr id="934902004" name="Slide Number Placeholder 3"/>
           <p:cNvSpPr>
             <a:spLocks noGrp="1"/>
           </p:cNvSpPr>
@@ -1970,7 +1973,7 @@
       </p:grpSpPr>
       <p:sp>
         <p:nvSpPr>
-          <p:cNvPr id="301857532" name="Slide Image Placeholder 1"/>
+          <p:cNvPr id="2145688402" name="Slide Image Placeholder 1"/>
           <p:cNvSpPr>
             <a:spLocks noChangeAspect="1" noGrp="1" noRot="1"/>
           </p:cNvSpPr>
@@ -1982,7 +1985,7 @@
       </p:sp>
       <p:sp>
         <p:nvSpPr>
-          <p:cNvPr id="539449593" name="Notes Placeholder 2"/>
+          <p:cNvPr id="61210128" name="Notes Placeholder 2"/>
           <p:cNvSpPr>
             <a:spLocks noGrp="1"/>
           </p:cNvSpPr>
@@ -2004,7 +2007,7 @@
       </p:sp>
       <p:sp>
         <p:nvSpPr>
-          <p:cNvPr id="899344684" name="Slide Number Placeholder 3"/>
+          <p:cNvPr id="1349943077" name="Slide Number Placeholder 3"/>
           <p:cNvSpPr>
             <a:spLocks noGrp="1"/>
           </p:cNvSpPr>
@@ -2052,7 +2055,7 @@
       </p:grpSpPr>
       <p:sp>
         <p:nvSpPr>
-          <p:cNvPr id="1292808495" name="Slide Image Placeholder 1"/>
+          <p:cNvPr id="1583483526" name="Slide Image Placeholder 1"/>
           <p:cNvSpPr>
             <a:spLocks noChangeAspect="1" noGrp="1" noRot="1"/>
           </p:cNvSpPr>
@@ -2064,7 +2067,7 @@
       </p:sp>
       <p:sp>
         <p:nvSpPr>
-          <p:cNvPr id="1597601563" name="Notes Placeholder 2"/>
+          <p:cNvPr id="1881759591" name="Notes Placeholder 2"/>
           <p:cNvSpPr>
             <a:spLocks noGrp="1"/>
           </p:cNvSpPr>
@@ -2086,7 +2089,7 @@
       </p:sp>
       <p:sp>
         <p:nvSpPr>
-          <p:cNvPr id="1677915480" name="Slide Number Placeholder 3"/>
+          <p:cNvPr id="2063429975" name="Slide Number Placeholder 3"/>
           <p:cNvSpPr>
             <a:spLocks noGrp="1"/>
           </p:cNvSpPr>
@@ -2134,7 +2137,7 @@
       </p:grpSpPr>
       <p:sp>
         <p:nvSpPr>
-          <p:cNvPr id="336855803" name="Slide Image Placeholder 1"/>
+          <p:cNvPr id="235940056" name="Slide Image Placeholder 1"/>
           <p:cNvSpPr>
             <a:spLocks noChangeAspect="1" noGrp="1" noRot="1"/>
           </p:cNvSpPr>
@@ -2146,7 +2149,7 @@
       </p:sp>
       <p:sp>
         <p:nvSpPr>
-          <p:cNvPr id="1236463998" name="Notes Placeholder 2"/>
+          <p:cNvPr id="911670394" name="Notes Placeholder 2"/>
           <p:cNvSpPr>
             <a:spLocks noGrp="1"/>
           </p:cNvSpPr>
@@ -2168,7 +2171,7 @@
       </p:sp>
       <p:sp>
         <p:nvSpPr>
-          <p:cNvPr id="302698573" name="Slide Number Placeholder 3"/>
+          <p:cNvPr id="2005863477" name="Slide Number Placeholder 3"/>
           <p:cNvSpPr>
             <a:spLocks noGrp="1"/>
           </p:cNvSpPr>
@@ -2216,7 +2219,7 @@
       </p:grpSpPr>
       <p:sp>
         <p:nvSpPr>
-          <p:cNvPr id="954779018" name="Slide Image Placeholder 1"/>
+          <p:cNvPr id="362972766" name="Slide Image Placeholder 1"/>
           <p:cNvSpPr>
             <a:spLocks noChangeAspect="1" noGrp="1" noRot="1"/>
           </p:cNvSpPr>
@@ -2228,7 +2231,7 @@
       </p:sp>
       <p:sp>
         <p:nvSpPr>
-          <p:cNvPr id="507709589" name="Notes Placeholder 2"/>
+          <p:cNvPr id="1692977413" name="Notes Placeholder 2"/>
           <p:cNvSpPr>
             <a:spLocks noGrp="1"/>
           </p:cNvSpPr>
@@ -2250,7 +2253,7 @@
       </p:sp>
       <p:sp>
         <p:nvSpPr>
-          <p:cNvPr id="330293573" name="Slide Number Placeholder 3"/>
+          <p:cNvPr id="517077278" name="Slide Number Placeholder 3"/>
           <p:cNvSpPr>
             <a:spLocks noGrp="1"/>
           </p:cNvSpPr>
@@ -2298,7 +2301,7 @@
       </p:grpSpPr>
       <p:sp>
         <p:nvSpPr>
-          <p:cNvPr id="1761412812" name="Slide Image Placeholder 1"/>
+          <p:cNvPr id="119898976" name="Slide Image Placeholder 1"/>
           <p:cNvSpPr>
             <a:spLocks noChangeAspect="1" noGrp="1" noRot="1"/>
           </p:cNvSpPr>
@@ -2310,7 +2313,7 @@
       </p:sp>
       <p:sp>
         <p:nvSpPr>
-          <p:cNvPr id="1078174546" name="Notes Placeholder 2"/>
+          <p:cNvPr id="2025896510" name="Notes Placeholder 2"/>
           <p:cNvSpPr>
             <a:spLocks noGrp="1"/>
           </p:cNvSpPr>
@@ -2332,7 +2335,7 @@
       </p:sp>
       <p:sp>
         <p:nvSpPr>
-          <p:cNvPr id="947187596" name="Slide Number Placeholder 3"/>
+          <p:cNvPr id="1146526073" name="Slide Number Placeholder 3"/>
           <p:cNvSpPr>
             <a:spLocks noGrp="1"/>
           </p:cNvSpPr>
@@ -2380,7 +2383,7 @@
       </p:grpSpPr>
       <p:sp>
         <p:nvSpPr>
-          <p:cNvPr id="2075282956" name="Slide Image Placeholder 1"/>
+          <p:cNvPr id="1501788674" name="Slide Image Placeholder 1"/>
           <p:cNvSpPr>
             <a:spLocks noChangeAspect="1" noGrp="1" noRot="1"/>
           </p:cNvSpPr>
@@ -2392,7 +2395,7 @@
       </p:sp>
       <p:sp>
         <p:nvSpPr>
-          <p:cNvPr id="638071398" name="Notes Placeholder 2"/>
+          <p:cNvPr id="1531936718" name="Notes Placeholder 2"/>
           <p:cNvSpPr>
             <a:spLocks noGrp="1"/>
           </p:cNvSpPr>
@@ -2414,7 +2417,7 @@
       </p:sp>
       <p:sp>
         <p:nvSpPr>
-          <p:cNvPr id="1771113723" name="Slide Number Placeholder 3"/>
+          <p:cNvPr id="1620162111" name="Slide Number Placeholder 3"/>
           <p:cNvSpPr>
             <a:spLocks noGrp="1"/>
           </p:cNvSpPr>
@@ -2462,7 +2465,7 @@
       </p:grpSpPr>
       <p:sp>
         <p:nvSpPr>
-          <p:cNvPr id="1507232259" name="Slide Image Placeholder 1"/>
+          <p:cNvPr id="1442608672" name="Slide Image Placeholder 1"/>
           <p:cNvSpPr>
             <a:spLocks noChangeAspect="1" noGrp="1" noRot="1"/>
           </p:cNvSpPr>
@@ -2474,7 +2477,7 @@
       </p:sp>
       <p:sp>
         <p:nvSpPr>
-          <p:cNvPr id="1050353994" name="Notes Placeholder 2"/>
+          <p:cNvPr id="599241166" name="Notes Placeholder 2"/>
           <p:cNvSpPr>
             <a:spLocks noGrp="1"/>
           </p:cNvSpPr>
@@ -2496,7 +2499,7 @@
       </p:sp>
       <p:sp>
         <p:nvSpPr>
-          <p:cNvPr id="443410038" name="Slide Number Placeholder 3"/>
+          <p:cNvPr id="368034831" name="Slide Number Placeholder 3"/>
           <p:cNvSpPr>
             <a:spLocks noGrp="1"/>
           </p:cNvSpPr>
@@ -2544,7 +2547,7 @@
       </p:grpSpPr>
       <p:sp>
         <p:nvSpPr>
-          <p:cNvPr id="2135269705" name="Slide Image Placeholder 1"/>
+          <p:cNvPr id="1727491079" name="Slide Image Placeholder 1"/>
           <p:cNvSpPr>
             <a:spLocks noChangeAspect="1" noGrp="1" noRot="1"/>
           </p:cNvSpPr>
@@ -2556,7 +2559,7 @@
       </p:sp>
       <p:sp>
         <p:nvSpPr>
-          <p:cNvPr id="715051014" name="Notes Placeholder 2"/>
+          <p:cNvPr id="42695158" name="Notes Placeholder 2"/>
           <p:cNvSpPr>
             <a:spLocks noGrp="1"/>
           </p:cNvSpPr>
@@ -2578,7 +2581,7 @@
       </p:sp>
       <p:sp>
         <p:nvSpPr>
-          <p:cNvPr id="1007447514" name="Slide Number Placeholder 3"/>
+          <p:cNvPr id="50306732" name="Slide Number Placeholder 3"/>
           <p:cNvSpPr>
             <a:spLocks noGrp="1"/>
           </p:cNvSpPr>
@@ -2626,7 +2629,7 @@
       </p:grpSpPr>
       <p:sp>
         <p:nvSpPr>
-          <p:cNvPr id="1555364652" name="Slide Image Placeholder 1"/>
+          <p:cNvPr id="217472054" name="Slide Image Placeholder 1"/>
           <p:cNvSpPr>
             <a:spLocks noChangeAspect="1" noGrp="1" noRot="1"/>
           </p:cNvSpPr>
@@ -2638,7 +2641,7 @@
       </p:sp>
       <p:sp>
         <p:nvSpPr>
-          <p:cNvPr id="330537120" name="Notes Placeholder 2"/>
+          <p:cNvPr id="1655767542" name="Notes Placeholder 2"/>
           <p:cNvSpPr>
             <a:spLocks noGrp="1"/>
           </p:cNvSpPr>
@@ -2660,7 +2663,7 @@
       </p:sp>
       <p:sp>
         <p:nvSpPr>
-          <p:cNvPr id="926994214" name="Slide Number Placeholder 3"/>
+          <p:cNvPr id="1649295240" name="Slide Number Placeholder 3"/>
           <p:cNvSpPr>
             <a:spLocks noGrp="1"/>
           </p:cNvSpPr>
@@ -2708,7 +2711,7 @@
       </p:grpSpPr>
       <p:sp>
         <p:nvSpPr>
-          <p:cNvPr id="1005523275" name="Slide Image Placeholder 1"/>
+          <p:cNvPr id="1595508106" name="Slide Image Placeholder 1"/>
           <p:cNvSpPr>
             <a:spLocks noChangeAspect="1" noGrp="1" noRot="1"/>
           </p:cNvSpPr>
@@ -2720,7 +2723,7 @@
       </p:sp>
       <p:sp>
         <p:nvSpPr>
-          <p:cNvPr id="1129989793" name="Notes Placeholder 2"/>
+          <p:cNvPr id="188922190" name="Notes Placeholder 2"/>
           <p:cNvSpPr>
             <a:spLocks noGrp="1"/>
           </p:cNvSpPr>
@@ -2742,7 +2745,7 @@
       </p:sp>
       <p:sp>
         <p:nvSpPr>
-          <p:cNvPr id="1181620073" name="Slide Number Placeholder 3"/>
+          <p:cNvPr id="1890596279" name="Slide Number Placeholder 3"/>
           <p:cNvSpPr>
             <a:spLocks noGrp="1"/>
           </p:cNvSpPr>
@@ -2790,7 +2793,7 @@
       </p:grpSpPr>
       <p:sp>
         <p:nvSpPr>
-          <p:cNvPr id="1429097074" name="Slide Image Placeholder 1"/>
+          <p:cNvPr id="2033486976" name="Slide Image Placeholder 1"/>
           <p:cNvSpPr>
             <a:spLocks noChangeAspect="1" noGrp="1" noRot="1"/>
           </p:cNvSpPr>
@@ -2802,7 +2805,7 @@
       </p:sp>
       <p:sp>
         <p:nvSpPr>
-          <p:cNvPr id="1192007127" name="Notes Placeholder 2"/>
+          <p:cNvPr id="495000578" name="Notes Placeholder 2"/>
           <p:cNvSpPr>
             <a:spLocks noGrp="1"/>
           </p:cNvSpPr>
@@ -2824,7 +2827,7 @@
       </p:sp>
       <p:sp>
         <p:nvSpPr>
-          <p:cNvPr id="514792458" name="Slide Number Placeholder 3"/>
+          <p:cNvPr id="12256348" name="Slide Number Placeholder 3"/>
           <p:cNvSpPr>
             <a:spLocks noGrp="1"/>
           </p:cNvSpPr>
@@ -2872,7 +2875,7 @@
       </p:grpSpPr>
       <p:sp>
         <p:nvSpPr>
-          <p:cNvPr id="600905231" name="Slide Image Placeholder 1"/>
+          <p:cNvPr id="493163783" name="Slide Image Placeholder 1"/>
           <p:cNvSpPr>
             <a:spLocks noChangeAspect="1" noGrp="1" noRot="1"/>
           </p:cNvSpPr>
@@ -2884,7 +2887,7 @@
       </p:sp>
       <p:sp>
         <p:nvSpPr>
-          <p:cNvPr id="1918900384" name="Notes Placeholder 2"/>
+          <p:cNvPr id="673812867" name="Notes Placeholder 2"/>
           <p:cNvSpPr>
             <a:spLocks noGrp="1"/>
           </p:cNvSpPr>
@@ -2906,7 +2909,7 @@
       </p:sp>
       <p:sp>
         <p:nvSpPr>
-          <p:cNvPr id="1963512989" name="Slide Number Placeholder 3"/>
+          <p:cNvPr id="602488734" name="Slide Number Placeholder 3"/>
           <p:cNvSpPr>
             <a:spLocks noGrp="1"/>
           </p:cNvSpPr>
@@ -2954,7 +2957,7 @@
       </p:grpSpPr>
       <p:sp>
         <p:nvSpPr>
-          <p:cNvPr id="52805435" name="Slide Image Placeholder 1"/>
+          <p:cNvPr id="205242171" name="Slide Image Placeholder 1"/>
           <p:cNvSpPr>
             <a:spLocks noChangeAspect="1" noGrp="1" noRot="1"/>
           </p:cNvSpPr>
@@ -2966,7 +2969,7 @@
       </p:sp>
       <p:sp>
         <p:nvSpPr>
-          <p:cNvPr id="2022716698" name="Notes Placeholder 2"/>
+          <p:cNvPr id="1644910767" name="Notes Placeholder 2"/>
           <p:cNvSpPr>
             <a:spLocks noGrp="1"/>
           </p:cNvSpPr>
@@ -2988,7 +2991,7 @@
       </p:sp>
       <p:sp>
         <p:nvSpPr>
-          <p:cNvPr id="501852384" name="Slide Number Placeholder 3"/>
+          <p:cNvPr id="778391971" name="Slide Number Placeholder 3"/>
           <p:cNvSpPr>
             <a:spLocks noGrp="1"/>
           </p:cNvSpPr>
@@ -3036,7 +3039,7 @@
       </p:grpSpPr>
       <p:sp>
         <p:nvSpPr>
-          <p:cNvPr id="981734496" name="Slide Image Placeholder 1"/>
+          <p:cNvPr id="1829954082" name="Slide Image Placeholder 1"/>
           <p:cNvSpPr>
             <a:spLocks noChangeAspect="1" noGrp="1" noRot="1"/>
           </p:cNvSpPr>
@@ -3048,7 +3051,7 @@
       </p:sp>
       <p:sp>
         <p:nvSpPr>
-          <p:cNvPr id="1071409513" name="Notes Placeholder 2"/>
+          <p:cNvPr id="454725680" name="Notes Placeholder 2"/>
           <p:cNvSpPr>
             <a:spLocks noGrp="1"/>
           </p:cNvSpPr>
@@ -3070,7 +3073,7 @@
       </p:sp>
       <p:sp>
         <p:nvSpPr>
-          <p:cNvPr id="789057970" name="Slide Number Placeholder 3"/>
+          <p:cNvPr id="1165633240" name="Slide Number Placeholder 3"/>
           <p:cNvSpPr>
             <a:spLocks noGrp="1"/>
           </p:cNvSpPr>
@@ -3118,7 +3121,7 @@
       </p:grpSpPr>
       <p:sp>
         <p:nvSpPr>
-          <p:cNvPr id="1581790695" name="Slide Image Placeholder 1"/>
+          <p:cNvPr id="1689545434" name="Slide Image Placeholder 1"/>
           <p:cNvSpPr>
             <a:spLocks noChangeAspect="1" noGrp="1" noRot="1"/>
           </p:cNvSpPr>
@@ -3130,7 +3133,7 @@
       </p:sp>
       <p:sp>
         <p:nvSpPr>
-          <p:cNvPr id="1338003585" name="Notes Placeholder 2"/>
+          <p:cNvPr id="1235905009" name="Notes Placeholder 2"/>
           <p:cNvSpPr>
             <a:spLocks noGrp="1"/>
           </p:cNvSpPr>
@@ -3152,7 +3155,7 @@
       </p:sp>
       <p:sp>
         <p:nvSpPr>
-          <p:cNvPr id="1661010581" name="Slide Number Placeholder 3"/>
+          <p:cNvPr id="1378241936" name="Slide Number Placeholder 3"/>
           <p:cNvSpPr>
             <a:spLocks noGrp="1"/>
           </p:cNvSpPr>
@@ -3200,7 +3203,7 @@
       </p:grpSpPr>
       <p:sp>
         <p:nvSpPr>
-          <p:cNvPr id="239829665" name="Slide Image Placeholder 1"/>
+          <p:cNvPr id="1788538075" name="Slide Image Placeholder 1"/>
           <p:cNvSpPr>
             <a:spLocks noChangeAspect="1" noGrp="1" noRot="1"/>
           </p:cNvSpPr>
@@ -3212,7 +3215,7 @@
       </p:sp>
       <p:sp>
         <p:nvSpPr>
-          <p:cNvPr id="788967348" name="Notes Placeholder 2"/>
+          <p:cNvPr id="474726257" name="Notes Placeholder 2"/>
           <p:cNvSpPr>
             <a:spLocks noGrp="1"/>
           </p:cNvSpPr>
@@ -3234,7 +3237,7 @@
       </p:sp>
       <p:sp>
         <p:nvSpPr>
-          <p:cNvPr id="625757246" name="Slide Number Placeholder 3"/>
+          <p:cNvPr id="1642724013" name="Slide Number Placeholder 3"/>
           <p:cNvSpPr>
             <a:spLocks noGrp="1"/>
           </p:cNvSpPr>
@@ -3282,7 +3285,7 @@
       </p:grpSpPr>
       <p:sp>
         <p:nvSpPr>
-          <p:cNvPr id="1926078581" name="Slide Image Placeholder 1"/>
+          <p:cNvPr id="796549596" name="Slide Image Placeholder 1"/>
           <p:cNvSpPr>
             <a:spLocks noChangeAspect="1" noGrp="1" noRot="1"/>
           </p:cNvSpPr>
@@ -3294,7 +3297,7 @@
       </p:sp>
       <p:sp>
         <p:nvSpPr>
-          <p:cNvPr id="611736460" name="Notes Placeholder 2"/>
+          <p:cNvPr id="1064716668" name="Notes Placeholder 2"/>
           <p:cNvSpPr>
             <a:spLocks noGrp="1"/>
           </p:cNvSpPr>
@@ -3316,7 +3319,7 @@
       </p:sp>
       <p:sp>
         <p:nvSpPr>
-          <p:cNvPr id="782352309" name="Slide Number Placeholder 3"/>
+          <p:cNvPr id="1989240185" name="Slide Number Placeholder 3"/>
           <p:cNvSpPr>
             <a:spLocks noGrp="1"/>
           </p:cNvSpPr>
@@ -3364,7 +3367,7 @@
       </p:grpSpPr>
       <p:sp>
         <p:nvSpPr>
-          <p:cNvPr id="1443678381" name="Slide Image Placeholder 1"/>
+          <p:cNvPr id="1791267836" name="Slide Image Placeholder 1"/>
           <p:cNvSpPr>
             <a:spLocks noChangeAspect="1" noGrp="1" noRot="1"/>
           </p:cNvSpPr>
@@ -3376,7 +3379,7 @@
       </p:sp>
       <p:sp>
         <p:nvSpPr>
-          <p:cNvPr id="1655505317" name="Notes Placeholder 2"/>
+          <p:cNvPr id="784354829" name="Notes Placeholder 2"/>
           <p:cNvSpPr>
             <a:spLocks noGrp="1"/>
           </p:cNvSpPr>
@@ -3398,7 +3401,7 @@
       </p:sp>
       <p:sp>
         <p:nvSpPr>
-          <p:cNvPr id="338519528" name="Slide Number Placeholder 3"/>
+          <p:cNvPr id="1020217404" name="Slide Number Placeholder 3"/>
           <p:cNvSpPr>
             <a:spLocks noGrp="1"/>
           </p:cNvSpPr>
@@ -3446,7 +3449,7 @@
       </p:grpSpPr>
       <p:sp>
         <p:nvSpPr>
-          <p:cNvPr id="1868620287" name="Slide Image Placeholder 1"/>
+          <p:cNvPr id="557642497" name="Slide Image Placeholder 1"/>
           <p:cNvSpPr>
             <a:spLocks noChangeAspect="1" noGrp="1" noRot="1"/>
           </p:cNvSpPr>
@@ -3458,7 +3461,7 @@
       </p:sp>
       <p:sp>
         <p:nvSpPr>
-          <p:cNvPr id="1033887267" name="Notes Placeholder 2"/>
+          <p:cNvPr id="83097768" name="Notes Placeholder 2"/>
           <p:cNvSpPr>
             <a:spLocks noGrp="1"/>
           </p:cNvSpPr>
@@ -3480,7 +3483,7 @@
       </p:sp>
       <p:sp>
         <p:nvSpPr>
-          <p:cNvPr id="2087130491" name="Slide Number Placeholder 3"/>
+          <p:cNvPr id="719658395" name="Slide Number Placeholder 3"/>
           <p:cNvSpPr>
             <a:spLocks noGrp="1"/>
           </p:cNvSpPr>
@@ -4184,7 +4187,7 @@
       </p:grpSpPr>
       <p:sp>
         <p:nvSpPr>
-          <p:cNvPr id="1332295015" name="Slide Image Placeholder 1"/>
+          <p:cNvPr id="2020327706" name="Slide Image Placeholder 1"/>
           <p:cNvSpPr>
             <a:spLocks noChangeAspect="1" noGrp="1" noRot="1"/>
           </p:cNvSpPr>
@@ -4196,7 +4199,7 @@
       </p:sp>
       <p:sp>
         <p:nvSpPr>
-          <p:cNvPr id="239985469" name="Notes Placeholder 2"/>
+          <p:cNvPr id="1125575154" name="Notes Placeholder 2"/>
           <p:cNvSpPr>
             <a:spLocks noGrp="1"/>
           </p:cNvSpPr>
@@ -4218,7 +4221,7 @@
       </p:sp>
       <p:sp>
         <p:nvSpPr>
-          <p:cNvPr id="54806656" name="Slide Number Placeholder 3"/>
+          <p:cNvPr id="1014850852" name="Slide Number Placeholder 3"/>
           <p:cNvSpPr>
             <a:spLocks noGrp="1"/>
           </p:cNvSpPr>
@@ -5086,7 +5089,7 @@
       </p:grpSpPr>
       <p:sp>
         <p:nvSpPr>
-          <p:cNvPr id="1893733456" name="Slide Image Placeholder 1"/>
+          <p:cNvPr id="2081271732" name="Slide Image Placeholder 1"/>
           <p:cNvSpPr>
             <a:spLocks noChangeAspect="1" noGrp="1" noRot="1"/>
           </p:cNvSpPr>
@@ -5098,7 +5101,7 @@
       </p:sp>
       <p:sp>
         <p:nvSpPr>
-          <p:cNvPr id="1846120354" name="Notes Placeholder 2"/>
+          <p:cNvPr id="182614132" name="Notes Placeholder 2"/>
           <p:cNvSpPr>
             <a:spLocks noGrp="1"/>
           </p:cNvSpPr>
@@ -5120,7 +5123,7 @@
       </p:sp>
       <p:sp>
         <p:nvSpPr>
-          <p:cNvPr id="1949513822" name="Slide Number Placeholder 3"/>
+          <p:cNvPr id="1860452815" name="Slide Number Placeholder 3"/>
           <p:cNvSpPr>
             <a:spLocks noGrp="1"/>
           </p:cNvSpPr>
@@ -5168,7 +5171,7 @@
       </p:grpSpPr>
       <p:sp>
         <p:nvSpPr>
-          <p:cNvPr id="1556298905" name="Slide Image Placeholder 1"/>
+          <p:cNvPr id="798582857" name="Slide Image Placeholder 1"/>
           <p:cNvSpPr>
             <a:spLocks noChangeAspect="1" noGrp="1" noRot="1"/>
           </p:cNvSpPr>
@@ -5180,7 +5183,7 @@
       </p:sp>
       <p:sp>
         <p:nvSpPr>
-          <p:cNvPr id="1158569657" name="Notes Placeholder 2"/>
+          <p:cNvPr id="337156379" name="Notes Placeholder 2"/>
           <p:cNvSpPr>
             <a:spLocks noGrp="1"/>
           </p:cNvSpPr>
@@ -5202,7 +5205,7 @@
       </p:sp>
       <p:sp>
         <p:nvSpPr>
-          <p:cNvPr id="2062828227" name="Slide Number Placeholder 3"/>
+          <p:cNvPr id="1192278281" name="Slide Number Placeholder 3"/>
           <p:cNvSpPr>
             <a:spLocks noGrp="1"/>
           </p:cNvSpPr>
@@ -5218,7 +5221,7 @@
             <a:pPr>
               <a:defRPr/>
             </a:pPr>
-            <a:fld id="{9A777658-1D44-2F2A-B331-6B1645C14AF8}" type="slidenum">
+            <a:fld id="{B0BFE1BB-6685-430D-2F60-983CAB470667}" type="slidenum">
               <a:rPr/>
               <a:t/>
             </a:fld>
@@ -5250,7 +5253,7 @@
       </p:grpSpPr>
       <p:sp>
         <p:nvSpPr>
-          <p:cNvPr id="1393353653" name="Slide Image Placeholder 1"/>
+          <p:cNvPr id="1005554093" name="Slide Image Placeholder 1"/>
           <p:cNvSpPr>
             <a:spLocks noChangeAspect="1" noGrp="1" noRot="1"/>
           </p:cNvSpPr>
@@ -5262,7 +5265,7 @@
       </p:sp>
       <p:sp>
         <p:nvSpPr>
-          <p:cNvPr id="1633586367" name="Notes Placeholder 2"/>
+          <p:cNvPr id="23514510" name="Notes Placeholder 2"/>
           <p:cNvSpPr>
             <a:spLocks noGrp="1"/>
           </p:cNvSpPr>
@@ -5284,7 +5287,7 @@
       </p:sp>
       <p:sp>
         <p:nvSpPr>
-          <p:cNvPr id="1092804118" name="Slide Number Placeholder 3"/>
+          <p:cNvPr id="1216873756" name="Slide Number Placeholder 3"/>
           <p:cNvSpPr>
             <a:spLocks noGrp="1"/>
           </p:cNvSpPr>
@@ -5300,7 +5303,7 @@
             <a:pPr>
               <a:defRPr/>
             </a:pPr>
-            <a:fld id="{2EB66389-8905-0EA9-506E-07578F7817DD}" type="slidenum">
+            <a:fld id="{B31BBDB4-15E6-6C8C-17E2-0460A6386B51}" type="slidenum">
               <a:rPr/>
               <a:t/>
             </a:fld>
@@ -5332,7 +5335,7 @@
       </p:grpSpPr>
       <p:sp>
         <p:nvSpPr>
-          <p:cNvPr id="769516545" name="Slide Image Placeholder 1"/>
+          <p:cNvPr id="329893019" name="Slide Image Placeholder 1"/>
           <p:cNvSpPr>
             <a:spLocks noChangeAspect="1" noGrp="1" noRot="1"/>
           </p:cNvSpPr>
@@ -5344,7 +5347,7 @@
       </p:sp>
       <p:sp>
         <p:nvSpPr>
-          <p:cNvPr id="864628111" name="Notes Placeholder 2"/>
+          <p:cNvPr id="1156055330" name="Notes Placeholder 2"/>
           <p:cNvSpPr>
             <a:spLocks noGrp="1"/>
           </p:cNvSpPr>
@@ -5366,7 +5369,7 @@
       </p:sp>
       <p:sp>
         <p:nvSpPr>
-          <p:cNvPr id="1841127258" name="Slide Number Placeholder 3"/>
+          <p:cNvPr id="656183179" name="Slide Number Placeholder 3"/>
           <p:cNvSpPr>
             <a:spLocks noGrp="1"/>
           </p:cNvSpPr>
@@ -5382,7 +5385,7 @@
             <a:pPr>
               <a:defRPr/>
             </a:pPr>
-            <a:fld id="{67EEE7C0-7DAE-FE2B-CEE5-0677C11FFA0C}" type="slidenum">
+            <a:fld id="{C122BCB5-4ECD-185E-F2F1-3168288ACB7A}" type="slidenum">
               <a:rPr/>
               <a:t/>
             </a:fld>
@@ -5414,7 +5417,7 @@
       </p:grpSpPr>
       <p:sp>
         <p:nvSpPr>
-          <p:cNvPr id="312533683" name="Slide Image Placeholder 1"/>
+          <p:cNvPr id="1556298905" name="Slide Image Placeholder 1"/>
           <p:cNvSpPr>
             <a:spLocks noChangeAspect="1" noGrp="1" noRot="1"/>
           </p:cNvSpPr>
@@ -5426,7 +5429,7 @@
       </p:sp>
       <p:sp>
         <p:nvSpPr>
-          <p:cNvPr id="1054543813" name="Notes Placeholder 2"/>
+          <p:cNvPr id="1158569657" name="Notes Placeholder 2"/>
           <p:cNvSpPr>
             <a:spLocks noGrp="1"/>
           </p:cNvSpPr>
@@ -5448,7 +5451,7 @@
       </p:sp>
       <p:sp>
         <p:nvSpPr>
-          <p:cNvPr id="1107181562" name="Slide Number Placeholder 3"/>
+          <p:cNvPr id="2062828227" name="Slide Number Placeholder 3"/>
           <p:cNvSpPr>
             <a:spLocks noGrp="1"/>
           </p:cNvSpPr>
@@ -5464,7 +5467,7 @@
             <a:pPr>
               <a:defRPr/>
             </a:pPr>
-            <a:fld id="{02D73B00-E0D7-8700-168E-8D5BED1674F8}" type="slidenum">
+            <a:fld id="{9A777658-1D44-2F2A-B331-6B1645C14AF8}" type="slidenum">
               <a:rPr/>
               <a:t/>
             </a:fld>
@@ -5496,7 +5499,7 @@
       </p:grpSpPr>
       <p:sp>
         <p:nvSpPr>
-          <p:cNvPr id="1910815687" name="Slide Image Placeholder 1"/>
+          <p:cNvPr id="1393353653" name="Slide Image Placeholder 1"/>
           <p:cNvSpPr>
             <a:spLocks noChangeAspect="1" noGrp="1" noRot="1"/>
           </p:cNvSpPr>
@@ -5508,7 +5511,7 @@
       </p:sp>
       <p:sp>
         <p:nvSpPr>
-          <p:cNvPr id="1253713353" name="Notes Placeholder 2"/>
+          <p:cNvPr id="1633586367" name="Notes Placeholder 2"/>
           <p:cNvSpPr>
             <a:spLocks noGrp="1"/>
           </p:cNvSpPr>
@@ -5530,7 +5533,7 @@
       </p:sp>
       <p:sp>
         <p:nvSpPr>
-          <p:cNvPr id="1542905862" name="Slide Number Placeholder 3"/>
+          <p:cNvPr id="1092804118" name="Slide Number Placeholder 3"/>
           <p:cNvSpPr>
             <a:spLocks noGrp="1"/>
           </p:cNvSpPr>
@@ -5546,7 +5549,7 @@
             <a:pPr>
               <a:defRPr/>
             </a:pPr>
-            <a:fld id="{57EF6CEE-34EC-1339-D428-26094DC776B5}" type="slidenum">
+            <a:fld id="{2EB66389-8905-0EA9-506E-07578F7817DD}" type="slidenum">
               <a:rPr/>
               <a:t/>
             </a:fld>
@@ -5578,7 +5581,7 @@
       </p:grpSpPr>
       <p:sp>
         <p:nvSpPr>
-          <p:cNvPr id="1511782115" name="Slide Image Placeholder 1"/>
+          <p:cNvPr id="769516545" name="Slide Image Placeholder 1"/>
           <p:cNvSpPr>
             <a:spLocks noChangeAspect="1" noGrp="1" noRot="1"/>
           </p:cNvSpPr>
@@ -5590,7 +5593,7 @@
       </p:sp>
       <p:sp>
         <p:nvSpPr>
-          <p:cNvPr id="259960514" name="Notes Placeholder 2"/>
+          <p:cNvPr id="864628111" name="Notes Placeholder 2"/>
           <p:cNvSpPr>
             <a:spLocks noGrp="1"/>
           </p:cNvSpPr>
@@ -5612,7 +5615,7 @@
       </p:sp>
       <p:sp>
         <p:nvSpPr>
-          <p:cNvPr id="2075761295" name="Slide Number Placeholder 3"/>
+          <p:cNvPr id="1841127258" name="Slide Number Placeholder 3"/>
           <p:cNvSpPr>
             <a:spLocks noGrp="1"/>
           </p:cNvSpPr>
@@ -5628,7 +5631,7 @@
             <a:pPr>
               <a:defRPr/>
             </a:pPr>
-            <a:fld id="{217EE090-A567-ED30-360D-EEB86E308DAF}" type="slidenum">
+            <a:fld id="{67EEE7C0-7DAE-FE2B-CEE5-0677C11FFA0C}" type="slidenum">
               <a:rPr/>
               <a:t/>
             </a:fld>
@@ -5660,6 +5663,252 @@
       </p:grpSpPr>
       <p:sp>
         <p:nvSpPr>
+          <p:cNvPr id="312533683" name="Slide Image Placeholder 1"/>
+          <p:cNvSpPr>
+            <a:spLocks noChangeAspect="1" noGrp="1" noRot="1"/>
+          </p:cNvSpPr>
+          <p:nvPr>
+            <p:ph type="sldImg"/>
+          </p:nvPr>
+        </p:nvSpPr>
+        <p:spPr bwMode="auto"/>
+      </p:sp>
+      <p:sp>
+        <p:nvSpPr>
+          <p:cNvPr id="1054543813" name="Notes Placeholder 2"/>
+          <p:cNvSpPr>
+            <a:spLocks noGrp="1"/>
+          </p:cNvSpPr>
+          <p:nvPr>
+            <p:ph type="body" idx="1"/>
+          </p:nvPr>
+        </p:nvSpPr>
+        <p:spPr bwMode="auto"/>
+        <p:txBody>
+          <a:bodyPr/>
+          <a:lstStyle/>
+          <a:p>
+            <a:pPr>
+              <a:defRPr/>
+            </a:pPr>
+            <a:endParaRPr/>
+          </a:p>
+        </p:txBody>
+      </p:sp>
+      <p:sp>
+        <p:nvSpPr>
+          <p:cNvPr id="1107181562" name="Slide Number Placeholder 3"/>
+          <p:cNvSpPr>
+            <a:spLocks noGrp="1"/>
+          </p:cNvSpPr>
+          <p:nvPr>
+            <p:ph type="sldNum" sz="quarter" idx="10"/>
+          </p:nvPr>
+        </p:nvSpPr>
+        <p:spPr bwMode="auto"/>
+        <p:txBody>
+          <a:bodyPr/>
+          <a:lstStyle/>
+          <a:p>
+            <a:pPr>
+              <a:defRPr/>
+            </a:pPr>
+            <a:fld id="{02D73B00-E0D7-8700-168E-8D5BED1674F8}" type="slidenum">
+              <a:rPr/>
+              <a:t/>
+            </a:fld>
+            <a:endParaRPr/>
+          </a:p>
+        </p:txBody>
+      </p:sp>
+    </p:spTree>
+  </p:cSld>
+</p:notes>
+</file>
+
+<file path=ppt/notesSlides/notesSlide67.xml><?xml version="1.0" encoding="utf-8"?>
+<p:notes xmlns:a="http://schemas.openxmlformats.org/drawingml/2006/main" xmlns:r="http://schemas.openxmlformats.org/officeDocument/2006/relationships" xmlns:p="http://schemas.openxmlformats.org/presentationml/2006/main" xmlns:m="http://schemas.openxmlformats.org/officeDocument/2006/math" xmlns:w="http://schemas.openxmlformats.org/wordprocessingml/2006/main">
+  <p:cSld name="">
+    <p:spTree>
+      <p:nvGrpSpPr>
+        <p:cNvPr id="1" name=""/>
+        <p:cNvGrpSpPr/>
+        <p:nvPr/>
+      </p:nvGrpSpPr>
+      <p:grpSpPr bwMode="auto">
+        <a:xfrm>
+          <a:off x="0" y="0"/>
+          <a:ext cx="0" cy="0"/>
+          <a:chOff x="0" y="0"/>
+          <a:chExt cx="0" cy="0"/>
+        </a:xfrm>
+      </p:grpSpPr>
+      <p:sp>
+        <p:nvSpPr>
+          <p:cNvPr id="1910815687" name="Slide Image Placeholder 1"/>
+          <p:cNvSpPr>
+            <a:spLocks noChangeAspect="1" noGrp="1" noRot="1"/>
+          </p:cNvSpPr>
+          <p:nvPr>
+            <p:ph type="sldImg"/>
+          </p:nvPr>
+        </p:nvSpPr>
+        <p:spPr bwMode="auto"/>
+      </p:sp>
+      <p:sp>
+        <p:nvSpPr>
+          <p:cNvPr id="1253713353" name="Notes Placeholder 2"/>
+          <p:cNvSpPr>
+            <a:spLocks noGrp="1"/>
+          </p:cNvSpPr>
+          <p:nvPr>
+            <p:ph type="body" idx="1"/>
+          </p:nvPr>
+        </p:nvSpPr>
+        <p:spPr bwMode="auto"/>
+        <p:txBody>
+          <a:bodyPr/>
+          <a:lstStyle/>
+          <a:p>
+            <a:pPr>
+              <a:defRPr/>
+            </a:pPr>
+            <a:endParaRPr/>
+          </a:p>
+        </p:txBody>
+      </p:sp>
+      <p:sp>
+        <p:nvSpPr>
+          <p:cNvPr id="1542905862" name="Slide Number Placeholder 3"/>
+          <p:cNvSpPr>
+            <a:spLocks noGrp="1"/>
+          </p:cNvSpPr>
+          <p:nvPr>
+            <p:ph type="sldNum" sz="quarter" idx="10"/>
+          </p:nvPr>
+        </p:nvSpPr>
+        <p:spPr bwMode="auto"/>
+        <p:txBody>
+          <a:bodyPr/>
+          <a:lstStyle/>
+          <a:p>
+            <a:pPr>
+              <a:defRPr/>
+            </a:pPr>
+            <a:fld id="{57EF6CEE-34EC-1339-D428-26094DC776B5}" type="slidenum">
+              <a:rPr/>
+              <a:t/>
+            </a:fld>
+            <a:endParaRPr/>
+          </a:p>
+        </p:txBody>
+      </p:sp>
+    </p:spTree>
+  </p:cSld>
+</p:notes>
+</file>
+
+<file path=ppt/notesSlides/notesSlide68.xml><?xml version="1.0" encoding="utf-8"?>
+<p:notes xmlns:a="http://schemas.openxmlformats.org/drawingml/2006/main" xmlns:r="http://schemas.openxmlformats.org/officeDocument/2006/relationships" xmlns:p="http://schemas.openxmlformats.org/presentationml/2006/main" xmlns:m="http://schemas.openxmlformats.org/officeDocument/2006/math" xmlns:w="http://schemas.openxmlformats.org/wordprocessingml/2006/main">
+  <p:cSld name="">
+    <p:spTree>
+      <p:nvGrpSpPr>
+        <p:cNvPr id="1" name=""/>
+        <p:cNvGrpSpPr/>
+        <p:nvPr/>
+      </p:nvGrpSpPr>
+      <p:grpSpPr bwMode="auto">
+        <a:xfrm>
+          <a:off x="0" y="0"/>
+          <a:ext cx="0" cy="0"/>
+          <a:chOff x="0" y="0"/>
+          <a:chExt cx="0" cy="0"/>
+        </a:xfrm>
+      </p:grpSpPr>
+      <p:sp>
+        <p:nvSpPr>
+          <p:cNvPr id="1511782115" name="Slide Image Placeholder 1"/>
+          <p:cNvSpPr>
+            <a:spLocks noChangeAspect="1" noGrp="1" noRot="1"/>
+          </p:cNvSpPr>
+          <p:nvPr>
+            <p:ph type="sldImg"/>
+          </p:nvPr>
+        </p:nvSpPr>
+        <p:spPr bwMode="auto"/>
+      </p:sp>
+      <p:sp>
+        <p:nvSpPr>
+          <p:cNvPr id="259960514" name="Notes Placeholder 2"/>
+          <p:cNvSpPr>
+            <a:spLocks noGrp="1"/>
+          </p:cNvSpPr>
+          <p:nvPr>
+            <p:ph type="body" idx="1"/>
+          </p:nvPr>
+        </p:nvSpPr>
+        <p:spPr bwMode="auto"/>
+        <p:txBody>
+          <a:bodyPr/>
+          <a:lstStyle/>
+          <a:p>
+            <a:pPr>
+              <a:defRPr/>
+            </a:pPr>
+            <a:endParaRPr/>
+          </a:p>
+        </p:txBody>
+      </p:sp>
+      <p:sp>
+        <p:nvSpPr>
+          <p:cNvPr id="2075761295" name="Slide Number Placeholder 3"/>
+          <p:cNvSpPr>
+            <a:spLocks noGrp="1"/>
+          </p:cNvSpPr>
+          <p:nvPr>
+            <p:ph type="sldNum" sz="quarter" idx="10"/>
+          </p:nvPr>
+        </p:nvSpPr>
+        <p:spPr bwMode="auto"/>
+        <p:txBody>
+          <a:bodyPr/>
+          <a:lstStyle/>
+          <a:p>
+            <a:pPr>
+              <a:defRPr/>
+            </a:pPr>
+            <a:fld id="{217EE090-A567-ED30-360D-EEB86E308DAF}" type="slidenum">
+              <a:rPr/>
+              <a:t/>
+            </a:fld>
+            <a:endParaRPr/>
+          </a:p>
+        </p:txBody>
+      </p:sp>
+    </p:spTree>
+  </p:cSld>
+</p:notes>
+</file>
+
+<file path=ppt/notesSlides/notesSlide69.xml><?xml version="1.0" encoding="utf-8"?>
+<p:notes xmlns:a="http://schemas.openxmlformats.org/drawingml/2006/main" xmlns:r="http://schemas.openxmlformats.org/officeDocument/2006/relationships" xmlns:p="http://schemas.openxmlformats.org/presentationml/2006/main" xmlns:m="http://schemas.openxmlformats.org/officeDocument/2006/math" xmlns:w="http://schemas.openxmlformats.org/wordprocessingml/2006/main">
+  <p:cSld name="">
+    <p:spTree>
+      <p:nvGrpSpPr>
+        <p:cNvPr id="1" name=""/>
+        <p:cNvGrpSpPr/>
+        <p:nvPr/>
+      </p:nvGrpSpPr>
+      <p:grpSpPr bwMode="auto">
+        <a:xfrm>
+          <a:off x="0" y="0"/>
+          <a:ext cx="0" cy="0"/>
+          <a:chOff x="0" y="0"/>
+          <a:chExt cx="0" cy="0"/>
+        </a:xfrm>
+      </p:grpSpPr>
+      <p:sp>
+        <p:nvSpPr>
           <p:cNvPr id="1946478487" name="Slide Image Placeholder 1"/>
           <p:cNvSpPr>
             <a:spLocks noChangeAspect="1" noGrp="1" noRot="1"/>
@@ -5742,7 +5991,7 @@
       </p:grpSpPr>
       <p:sp>
         <p:nvSpPr>
-          <p:cNvPr id="600228099" name="Slide Image Placeholder 1"/>
+          <p:cNvPr id="321505098" name="Slide Image Placeholder 1"/>
           <p:cNvSpPr>
             <a:spLocks noChangeAspect="1" noGrp="1" noRot="1"/>
           </p:cNvSpPr>
@@ -5754,7 +6003,7 @@
       </p:sp>
       <p:sp>
         <p:nvSpPr>
-          <p:cNvPr id="1112764787" name="Notes Placeholder 2"/>
+          <p:cNvPr id="485245904" name="Notes Placeholder 2"/>
           <p:cNvSpPr>
             <a:spLocks noGrp="1"/>
           </p:cNvSpPr>
@@ -5776,7 +6025,7 @@
       </p:sp>
       <p:sp>
         <p:nvSpPr>
-          <p:cNvPr id="1504950534" name="Slide Number Placeholder 3"/>
+          <p:cNvPr id="475032851" name="Slide Number Placeholder 3"/>
           <p:cNvSpPr>
             <a:spLocks noGrp="1"/>
           </p:cNvSpPr>
@@ -5824,7 +6073,7 @@
       </p:grpSpPr>
       <p:sp>
         <p:nvSpPr>
-          <p:cNvPr id="960444069" name="Slide Image Placeholder 1"/>
+          <p:cNvPr id="1439391000" name="Slide Image Placeholder 1"/>
           <p:cNvSpPr>
             <a:spLocks noChangeAspect="1" noGrp="1" noRot="1"/>
           </p:cNvSpPr>
@@ -5836,7 +6085,7 @@
       </p:sp>
       <p:sp>
         <p:nvSpPr>
-          <p:cNvPr id="206572770" name="Notes Placeholder 2"/>
+          <p:cNvPr id="182366251" name="Notes Placeholder 2"/>
           <p:cNvSpPr>
             <a:spLocks noGrp="1"/>
           </p:cNvSpPr>
@@ -5858,7 +6107,7 @@
       </p:sp>
       <p:sp>
         <p:nvSpPr>
-          <p:cNvPr id="236664516" name="Slide Number Placeholder 3"/>
+          <p:cNvPr id="2087572585" name="Slide Number Placeholder 3"/>
           <p:cNvSpPr>
             <a:spLocks noGrp="1"/>
           </p:cNvSpPr>
@@ -5906,7 +6155,7 @@
       </p:grpSpPr>
       <p:sp>
         <p:nvSpPr>
-          <p:cNvPr id="1932212649" name="Slide Image Placeholder 1"/>
+          <p:cNvPr id="1878746687" name="Slide Image Placeholder 1"/>
           <p:cNvSpPr>
             <a:spLocks noChangeAspect="1" noGrp="1" noRot="1"/>
           </p:cNvSpPr>
@@ -5918,7 +6167,7 @@
       </p:sp>
       <p:sp>
         <p:nvSpPr>
-          <p:cNvPr id="1633407970" name="Notes Placeholder 2"/>
+          <p:cNvPr id="1180504867" name="Notes Placeholder 2"/>
           <p:cNvSpPr>
             <a:spLocks noGrp="1"/>
           </p:cNvSpPr>
@@ -5940,7 +6189,7 @@
       </p:sp>
       <p:sp>
         <p:nvSpPr>
-          <p:cNvPr id="1252853267" name="Slide Number Placeholder 3"/>
+          <p:cNvPr id="1574035467" name="Slide Number Placeholder 3"/>
           <p:cNvSpPr>
             <a:spLocks noGrp="1"/>
           </p:cNvSpPr>
@@ -5988,7 +6237,7 @@
       </p:grpSpPr>
       <p:sp>
         <p:nvSpPr>
-          <p:cNvPr id="1359970821" name="Shape 1059"/>
+          <p:cNvPr id="1626958657" name="Shape 1059"/>
           <p:cNvSpPr>
             <a:spLocks noChangeArrowheads="1" noGrp="1"/>
           </p:cNvSpPr>
@@ -6111,7 +6360,7 @@
       </p:sp>
       <p:sp>
         <p:nvSpPr>
-          <p:cNvPr id="1664694461" name="Shape 1060"/>
+          <p:cNvPr id="1708236694" name="Shape 1060"/>
           <p:cNvSpPr>
             <a:spLocks noChangeArrowheads="1" noGrp="1"/>
           </p:cNvSpPr>
@@ -6202,7 +6451,7 @@
       </p:sp>
       <p:sp>
         <p:nvSpPr>
-          <p:cNvPr id="1701724020" name="Shape 1061"/>
+          <p:cNvPr id="753619947" name="Shape 1061"/>
           <p:cNvSpPr>
             <a:spLocks noChangeArrowheads="1" noGrp="1"/>
           </p:cNvSpPr>
@@ -6288,7 +6537,7 @@
       </p:sp>
       <p:sp>
         <p:nvSpPr>
-          <p:cNvPr id="2074141203" name="Shape 1062"/>
+          <p:cNvPr id="1651620643" name="Shape 1062"/>
           <p:cNvSpPr>
             <a:spLocks noChangeArrowheads="1" noGrp="1"/>
           </p:cNvSpPr>
@@ -6366,7 +6615,7 @@
       </p:sp>
       <p:sp>
         <p:nvSpPr>
-          <p:cNvPr id="558846427" name="Shape 1063"/>
+          <p:cNvPr id="1091294480" name="Shape 1063"/>
           <p:cNvSpPr>
             <a:spLocks noChangeArrowheads="1" noGrp="1"/>
           </p:cNvSpPr>
@@ -6444,7 +6693,7 @@
       </p:sp>
       <p:sp>
         <p:nvSpPr>
-          <p:cNvPr id="1632651118" name="Subtitle 2"/>
+          <p:cNvPr id="1632572944" name="Subtitle 2"/>
           <p:cNvSpPr>
             <a:spLocks noGrp="1"/>
           </p:cNvSpPr>
@@ -6567,7 +6816,7 @@
       </p:sp>
       <p:sp>
         <p:nvSpPr>
-          <p:cNvPr id="1137823103" name="Date Placeholder 3"/>
+          <p:cNvPr id="805902713" name="Date Placeholder 3"/>
           <p:cNvSpPr>
             <a:spLocks noGrp="1"/>
           </p:cNvSpPr>
@@ -6593,7 +6842,7 @@
       </p:sp>
       <p:sp>
         <p:nvSpPr>
-          <p:cNvPr id="1157804732" name="Footer Placeholder 4"/>
+          <p:cNvPr id="1944584598" name="Footer Placeholder 4"/>
           <p:cNvSpPr>
             <a:spLocks noGrp="1"/>
           </p:cNvSpPr>
@@ -6615,7 +6864,7 @@
       </p:sp>
       <p:sp>
         <p:nvSpPr>
-          <p:cNvPr id="1554333510" name="Slide Number Placeholder 5"/>
+          <p:cNvPr id="1562544289" name="Slide Number Placeholder 5"/>
           <p:cNvSpPr>
             <a:spLocks noGrp="1"/>
           </p:cNvSpPr>
@@ -6641,7 +6890,7 @@
       </p:sp>
       <p:sp>
         <p:nvSpPr>
-          <p:cNvPr id="843916806" name="Title 6"/>
+          <p:cNvPr id="751312425" name="Title 6"/>
           <p:cNvSpPr>
             <a:spLocks noGrp="1"/>
           </p:cNvSpPr>
@@ -6701,7 +6950,7 @@
       </p:grpSpPr>
       <p:sp>
         <p:nvSpPr>
-          <p:cNvPr id="571584464" name="Title 1"/>
+          <p:cNvPr id="1174954722" name="Title 1"/>
           <p:cNvSpPr>
             <a:spLocks noGrp="1"/>
           </p:cNvSpPr>
@@ -6727,7 +6976,7 @@
       </p:sp>
       <p:sp>
         <p:nvSpPr>
-          <p:cNvPr id="1313071248" name="Vertical Text Placeholder 2"/>
+          <p:cNvPr id="826943209" name="Vertical Text Placeholder 2"/>
           <p:cNvSpPr>
             <a:spLocks noGrp="1"/>
           </p:cNvSpPr>
@@ -6793,7 +7042,7 @@
       </p:sp>
       <p:sp>
         <p:nvSpPr>
-          <p:cNvPr id="1049450798" name="Date Placeholder 3"/>
+          <p:cNvPr id="1488707470" name="Date Placeholder 3"/>
           <p:cNvSpPr>
             <a:spLocks noGrp="1"/>
           </p:cNvSpPr>
@@ -6819,7 +7068,7 @@
       </p:sp>
       <p:sp>
         <p:nvSpPr>
-          <p:cNvPr id="860064501" name="Footer Placeholder 4"/>
+          <p:cNvPr id="1668076988" name="Footer Placeholder 4"/>
           <p:cNvSpPr>
             <a:spLocks noGrp="1"/>
           </p:cNvSpPr>
@@ -6841,7 +7090,7 @@
       </p:sp>
       <p:sp>
         <p:nvSpPr>
-          <p:cNvPr id="1281995168" name="Slide Number Placeholder 5"/>
+          <p:cNvPr id="1869131814" name="Slide Number Placeholder 5"/>
           <p:cNvSpPr>
             <a:spLocks noGrp="1"/>
           </p:cNvSpPr>
@@ -6892,7 +7141,7 @@
       </p:grpSpPr>
       <p:sp>
         <p:nvSpPr>
-          <p:cNvPr id="454146224" name="Vertical Title 1"/>
+          <p:cNvPr id="1664340796" name="Vertical Title 1"/>
           <p:cNvSpPr>
             <a:spLocks noGrp="1"/>
           </p:cNvSpPr>
@@ -6927,7 +7176,7 @@
       </p:sp>
       <p:sp>
         <p:nvSpPr>
-          <p:cNvPr id="1961388776" name="Vertical Text Placeholder 2"/>
+          <p:cNvPr id="1241732761" name="Vertical Text Placeholder 2"/>
           <p:cNvSpPr>
             <a:spLocks noGrp="1"/>
           </p:cNvSpPr>
@@ -6998,7 +7247,7 @@
       </p:sp>
       <p:sp>
         <p:nvSpPr>
-          <p:cNvPr id="1487876209" name="Date Placeholder 3"/>
+          <p:cNvPr id="1113391168" name="Date Placeholder 3"/>
           <p:cNvSpPr>
             <a:spLocks noGrp="1"/>
           </p:cNvSpPr>
@@ -7024,7 +7273,7 @@
       </p:sp>
       <p:sp>
         <p:nvSpPr>
-          <p:cNvPr id="962204018" name="Footer Placeholder 4"/>
+          <p:cNvPr id="183791843" name="Footer Placeholder 4"/>
           <p:cNvSpPr>
             <a:spLocks noGrp="1"/>
           </p:cNvSpPr>
@@ -7046,7 +7295,7 @@
       </p:sp>
       <p:sp>
         <p:nvSpPr>
-          <p:cNvPr id="2137206080" name="Slide Number Placeholder 5"/>
+          <p:cNvPr id="1922749464" name="Slide Number Placeholder 5"/>
           <p:cNvSpPr>
             <a:spLocks noGrp="1"/>
           </p:cNvSpPr>
@@ -7097,7 +7346,7 @@
       </p:grpSpPr>
       <p:sp>
         <p:nvSpPr>
-          <p:cNvPr id="763988180" name="Title 1"/>
+          <p:cNvPr id="912018288" name="Title 1"/>
           <p:cNvSpPr>
             <a:spLocks noGrp="1"/>
           </p:cNvSpPr>
@@ -7123,7 +7372,7 @@
       </p:sp>
       <p:sp>
         <p:nvSpPr>
-          <p:cNvPr id="1588025620" name="Content Placeholder 2"/>
+          <p:cNvPr id="1271475573" name="Content Placeholder 2"/>
           <p:cNvSpPr>
             <a:spLocks noGrp="1"/>
           </p:cNvSpPr>
@@ -7189,7 +7438,7 @@
       </p:sp>
       <p:sp>
         <p:nvSpPr>
-          <p:cNvPr id="346657765" name="Date Placeholder 3"/>
+          <p:cNvPr id="1649919475" name="Date Placeholder 3"/>
           <p:cNvSpPr>
             <a:spLocks noGrp="1"/>
           </p:cNvSpPr>
@@ -7215,7 +7464,7 @@
       </p:sp>
       <p:sp>
         <p:nvSpPr>
-          <p:cNvPr id="761890273" name="Footer Placeholder 4"/>
+          <p:cNvPr id="1882733470" name="Footer Placeholder 4"/>
           <p:cNvSpPr>
             <a:spLocks noGrp="1"/>
           </p:cNvSpPr>
@@ -7237,7 +7486,7 @@
       </p:sp>
       <p:sp>
         <p:nvSpPr>
-          <p:cNvPr id="1421261655" name="Slide Number Placeholder 5"/>
+          <p:cNvPr id="2079488669" name="Slide Number Placeholder 5"/>
           <p:cNvSpPr>
             <a:spLocks noGrp="1"/>
           </p:cNvSpPr>
@@ -7288,7 +7537,7 @@
       </p:grpSpPr>
       <p:sp>
         <p:nvSpPr>
-          <p:cNvPr id="1035095910" name="Title 1"/>
+          <p:cNvPr id="1244120265" name="Title 1"/>
           <p:cNvSpPr>
             <a:spLocks noGrp="1"/>
           </p:cNvSpPr>
@@ -7323,7 +7572,7 @@
       </p:sp>
       <p:sp>
         <p:nvSpPr>
-          <p:cNvPr id="203540230" name="Text Placeholder 2"/>
+          <p:cNvPr id="355525828" name="Text Placeholder 2"/>
           <p:cNvSpPr>
             <a:spLocks noGrp="1"/>
           </p:cNvSpPr>
@@ -7445,7 +7694,7 @@
       </p:sp>
       <p:sp>
         <p:nvSpPr>
-          <p:cNvPr id="1912926845" name="Date Placeholder 3"/>
+          <p:cNvPr id="295677686" name="Date Placeholder 3"/>
           <p:cNvSpPr>
             <a:spLocks noGrp="1"/>
           </p:cNvSpPr>
@@ -7471,7 +7720,7 @@
       </p:sp>
       <p:sp>
         <p:nvSpPr>
-          <p:cNvPr id="580993991" name="Footer Placeholder 4"/>
+          <p:cNvPr id="1676625194" name="Footer Placeholder 4"/>
           <p:cNvSpPr>
             <a:spLocks noGrp="1"/>
           </p:cNvSpPr>
@@ -7493,7 +7742,7 @@
       </p:sp>
       <p:sp>
         <p:nvSpPr>
-          <p:cNvPr id="928961763" name="Slide Number Placeholder 5"/>
+          <p:cNvPr id="86317946" name="Slide Number Placeholder 5"/>
           <p:cNvSpPr>
             <a:spLocks noGrp="1"/>
           </p:cNvSpPr>
@@ -7544,7 +7793,7 @@
       </p:grpSpPr>
       <p:sp>
         <p:nvSpPr>
-          <p:cNvPr id="213609839" name="Title 1"/>
+          <p:cNvPr id="847994803" name="Title 1"/>
           <p:cNvSpPr>
             <a:spLocks noGrp="1"/>
           </p:cNvSpPr>
@@ -7570,7 +7819,7 @@
       </p:sp>
       <p:sp>
         <p:nvSpPr>
-          <p:cNvPr id="2121882571" name="Content Placeholder 2"/>
+          <p:cNvPr id="1002396112" name="Content Placeholder 2"/>
           <p:cNvSpPr>
             <a:spLocks noGrp="1"/>
           </p:cNvSpPr>
@@ -7669,7 +7918,7 @@
       </p:sp>
       <p:sp>
         <p:nvSpPr>
-          <p:cNvPr id="1340490868" name="Content Placeholder 3"/>
+          <p:cNvPr id="2093266968" name="Content Placeholder 3"/>
           <p:cNvSpPr>
             <a:spLocks noGrp="1"/>
           </p:cNvSpPr>
@@ -7768,7 +8017,7 @@
       </p:sp>
       <p:sp>
         <p:nvSpPr>
-          <p:cNvPr id="998624755" name="Date Placeholder 4"/>
+          <p:cNvPr id="1467113873" name="Date Placeholder 4"/>
           <p:cNvSpPr>
             <a:spLocks noGrp="1"/>
           </p:cNvSpPr>
@@ -7794,7 +8043,7 @@
       </p:sp>
       <p:sp>
         <p:nvSpPr>
-          <p:cNvPr id="2004836789" name="Footer Placeholder 5"/>
+          <p:cNvPr id="1270991671" name="Footer Placeholder 5"/>
           <p:cNvSpPr>
             <a:spLocks noGrp="1"/>
           </p:cNvSpPr>
@@ -7816,7 +8065,7 @@
       </p:sp>
       <p:sp>
         <p:nvSpPr>
-          <p:cNvPr id="301119137" name="Slide Number Placeholder 6"/>
+          <p:cNvPr id="1202722466" name="Slide Number Placeholder 6"/>
           <p:cNvSpPr>
             <a:spLocks noGrp="1"/>
           </p:cNvSpPr>
@@ -7867,7 +8116,7 @@
       </p:grpSpPr>
       <p:sp>
         <p:nvSpPr>
-          <p:cNvPr id="900932889" name="Title 1"/>
+          <p:cNvPr id="1948671250" name="Title 1"/>
           <p:cNvSpPr>
             <a:spLocks noGrp="1"/>
           </p:cNvSpPr>
@@ -7897,7 +8146,7 @@
       </p:sp>
       <p:sp>
         <p:nvSpPr>
-          <p:cNvPr id="2140071579" name="Text Placeholder 2"/>
+          <p:cNvPr id="950766613" name="Text Placeholder 2"/>
           <p:cNvSpPr>
             <a:spLocks noGrp="1"/>
           </p:cNvSpPr>
@@ -7965,7 +8214,7 @@
       </p:sp>
       <p:sp>
         <p:nvSpPr>
-          <p:cNvPr id="789254760" name="Content Placeholder 3"/>
+          <p:cNvPr id="555135072" name="Content Placeholder 3"/>
           <p:cNvSpPr>
             <a:spLocks noGrp="1"/>
           </p:cNvSpPr>
@@ -8064,7 +8313,7 @@
       </p:sp>
       <p:sp>
         <p:nvSpPr>
-          <p:cNvPr id="325237578" name="Text Placeholder 4"/>
+          <p:cNvPr id="2104884886" name="Text Placeholder 4"/>
           <p:cNvSpPr>
             <a:spLocks noGrp="1"/>
           </p:cNvSpPr>
@@ -8132,7 +8381,7 @@
       </p:sp>
       <p:sp>
         <p:nvSpPr>
-          <p:cNvPr id="1585307838" name="Content Placeholder 5"/>
+          <p:cNvPr id="216539340" name="Content Placeholder 5"/>
           <p:cNvSpPr>
             <a:spLocks noGrp="1"/>
           </p:cNvSpPr>
@@ -8231,7 +8480,7 @@
       </p:sp>
       <p:sp>
         <p:nvSpPr>
-          <p:cNvPr id="169959635" name="Date Placeholder 6"/>
+          <p:cNvPr id="1422837884" name="Date Placeholder 6"/>
           <p:cNvSpPr>
             <a:spLocks noGrp="1"/>
           </p:cNvSpPr>
@@ -8257,7 +8506,7 @@
       </p:sp>
       <p:sp>
         <p:nvSpPr>
-          <p:cNvPr id="1946647502" name="Footer Placeholder 7"/>
+          <p:cNvPr id="656332633" name="Footer Placeholder 7"/>
           <p:cNvSpPr>
             <a:spLocks noGrp="1"/>
           </p:cNvSpPr>
@@ -8279,7 +8528,7 @@
       </p:sp>
       <p:sp>
         <p:nvSpPr>
-          <p:cNvPr id="267560299" name="Slide Number Placeholder 8"/>
+          <p:cNvPr id="2100175944" name="Slide Number Placeholder 8"/>
           <p:cNvSpPr>
             <a:spLocks noGrp="1"/>
           </p:cNvSpPr>
@@ -8330,7 +8579,7 @@
       </p:grpSpPr>
       <p:sp>
         <p:nvSpPr>
-          <p:cNvPr id="1244195526" name="Title 1"/>
+          <p:cNvPr id="1139847908" name="Title 1"/>
           <p:cNvSpPr>
             <a:spLocks noGrp="1"/>
           </p:cNvSpPr>
@@ -8356,7 +8605,7 @@
       </p:sp>
       <p:sp>
         <p:nvSpPr>
-          <p:cNvPr id="1940842061" name="Date Placeholder 2"/>
+          <p:cNvPr id="1447717372" name="Date Placeholder 2"/>
           <p:cNvSpPr>
             <a:spLocks noGrp="1"/>
           </p:cNvSpPr>
@@ -8382,7 +8631,7 @@
       </p:sp>
       <p:sp>
         <p:nvSpPr>
-          <p:cNvPr id="1000131908" name="Footer Placeholder 3"/>
+          <p:cNvPr id="1264024391" name="Footer Placeholder 3"/>
           <p:cNvSpPr>
             <a:spLocks noGrp="1"/>
           </p:cNvSpPr>
@@ -8404,7 +8653,7 @@
       </p:sp>
       <p:sp>
         <p:nvSpPr>
-          <p:cNvPr id="164896826" name="Slide Number Placeholder 4"/>
+          <p:cNvPr id="653949140" name="Slide Number Placeholder 4"/>
           <p:cNvSpPr>
             <a:spLocks noGrp="1"/>
           </p:cNvSpPr>
@@ -8455,7 +8704,7 @@
       </p:grpSpPr>
       <p:sp>
         <p:nvSpPr>
-          <p:cNvPr id="165998069" name="Date Placeholder 1"/>
+          <p:cNvPr id="777754788" name="Date Placeholder 1"/>
           <p:cNvSpPr>
             <a:spLocks noGrp="1"/>
           </p:cNvSpPr>
@@ -8481,7 +8730,7 @@
       </p:sp>
       <p:sp>
         <p:nvSpPr>
-          <p:cNvPr id="1507863524" name="Footer Placeholder 2"/>
+          <p:cNvPr id="2105157776" name="Footer Placeholder 2"/>
           <p:cNvSpPr>
             <a:spLocks noGrp="1"/>
           </p:cNvSpPr>
@@ -8503,7 +8752,7 @@
       </p:sp>
       <p:sp>
         <p:nvSpPr>
-          <p:cNvPr id="76901140" name="Slide Number Placeholder 3"/>
+          <p:cNvPr id="1973270727" name="Slide Number Placeholder 3"/>
           <p:cNvSpPr>
             <a:spLocks noGrp="1"/>
           </p:cNvSpPr>
@@ -8554,7 +8803,7 @@
       </p:grpSpPr>
       <p:sp>
         <p:nvSpPr>
-          <p:cNvPr id="1973091300" name="Title 1"/>
+          <p:cNvPr id="277981919" name="Title 1"/>
           <p:cNvSpPr>
             <a:spLocks noGrp="1"/>
           </p:cNvSpPr>
@@ -8589,7 +8838,7 @@
       </p:sp>
       <p:sp>
         <p:nvSpPr>
-          <p:cNvPr id="160439458" name="Content Placeholder 2"/>
+          <p:cNvPr id="891857440" name="Content Placeholder 2"/>
           <p:cNvSpPr>
             <a:spLocks noGrp="1"/>
           </p:cNvSpPr>
@@ -8688,7 +8937,7 @@
       </p:sp>
       <p:sp>
         <p:nvSpPr>
-          <p:cNvPr id="1448449956" name="Text Placeholder 3"/>
+          <p:cNvPr id="1842656725" name="Text Placeholder 3"/>
           <p:cNvSpPr>
             <a:spLocks noGrp="1"/>
           </p:cNvSpPr>
@@ -8756,7 +9005,7 @@
       </p:sp>
       <p:sp>
         <p:nvSpPr>
-          <p:cNvPr id="1483528804" name="Date Placeholder 4"/>
+          <p:cNvPr id="69766284" name="Date Placeholder 4"/>
           <p:cNvSpPr>
             <a:spLocks noGrp="1"/>
           </p:cNvSpPr>
@@ -8782,7 +9031,7 @@
       </p:sp>
       <p:sp>
         <p:nvSpPr>
-          <p:cNvPr id="1367058496" name="Footer Placeholder 5"/>
+          <p:cNvPr id="67872223" name="Footer Placeholder 5"/>
           <p:cNvSpPr>
             <a:spLocks noGrp="1"/>
           </p:cNvSpPr>
@@ -8804,7 +9053,7 @@
       </p:sp>
       <p:sp>
         <p:nvSpPr>
-          <p:cNvPr id="359669326" name="Slide Number Placeholder 6"/>
+          <p:cNvPr id="1319118708" name="Slide Number Placeholder 6"/>
           <p:cNvSpPr>
             <a:spLocks noGrp="1"/>
           </p:cNvSpPr>
@@ -8855,7 +9104,7 @@
       </p:grpSpPr>
       <p:sp>
         <p:nvSpPr>
-          <p:cNvPr id="1243568321" name="Title 1"/>
+          <p:cNvPr id="1867959676" name="Title 1"/>
           <p:cNvSpPr>
             <a:spLocks noGrp="1"/>
           </p:cNvSpPr>
@@ -8890,7 +9139,7 @@
       </p:sp>
       <p:sp>
         <p:nvSpPr>
-          <p:cNvPr id="663689322" name="Picture Placeholder 2"/>
+          <p:cNvPr id="1431404774" name="Picture Placeholder 2"/>
           <p:cNvSpPr>
             <a:spLocks noGrp="1"/>
           </p:cNvSpPr>
@@ -8954,7 +9203,7 @@
       </p:sp>
       <p:sp>
         <p:nvSpPr>
-          <p:cNvPr id="89886179" name="Text Placeholder 3"/>
+          <p:cNvPr id="772287103" name="Text Placeholder 3"/>
           <p:cNvSpPr>
             <a:spLocks noGrp="1"/>
           </p:cNvSpPr>
@@ -9022,7 +9271,7 @@
       </p:sp>
       <p:sp>
         <p:nvSpPr>
-          <p:cNvPr id="1958838003" name="Date Placeholder 4"/>
+          <p:cNvPr id="67609215" name="Date Placeholder 4"/>
           <p:cNvSpPr>
             <a:spLocks noGrp="1"/>
           </p:cNvSpPr>
@@ -9048,7 +9297,7 @@
       </p:sp>
       <p:sp>
         <p:nvSpPr>
-          <p:cNvPr id="966513958" name="Footer Placeholder 5"/>
+          <p:cNvPr id="260790910" name="Footer Placeholder 5"/>
           <p:cNvSpPr>
             <a:spLocks noGrp="1"/>
           </p:cNvSpPr>
@@ -9070,7 +9319,7 @@
       </p:sp>
       <p:sp>
         <p:nvSpPr>
-          <p:cNvPr id="103410256" name="Slide Number Placeholder 6"/>
+          <p:cNvPr id="336978219" name="Slide Number Placeholder 6"/>
           <p:cNvSpPr>
             <a:spLocks noGrp="1"/>
           </p:cNvSpPr>
@@ -9126,7 +9375,7 @@
       </p:grpSpPr>
       <p:sp>
         <p:nvSpPr>
-          <p:cNvPr id="1262610360" name="Shape 1059"/>
+          <p:cNvPr id="919664346" name="Shape 1059"/>
           <p:cNvSpPr>
             <a:spLocks noChangeArrowheads="1" noGrp="1"/>
           </p:cNvSpPr>
@@ -9204,7 +9453,7 @@
       </p:sp>
       <p:sp>
         <p:nvSpPr>
-          <p:cNvPr id="2001321658" name="Shape 1060"/>
+          <p:cNvPr id="913122554" name="Shape 1060"/>
           <p:cNvSpPr>
             <a:spLocks noChangeArrowheads="1" noGrp="1"/>
           </p:cNvSpPr>
@@ -9285,7 +9534,7 @@
       </p:sp>
       <p:sp>
         <p:nvSpPr>
-          <p:cNvPr id="564589291" name="Shape 1061"/>
+          <p:cNvPr id="413216025" name="Shape 1061"/>
           <p:cNvSpPr>
             <a:spLocks noChangeArrowheads="1" noGrp="1"/>
           </p:cNvSpPr>
@@ -9403,7 +9652,7 @@
       </p:sp>
       <p:sp>
         <p:nvSpPr>
-          <p:cNvPr id="1616915213" name="Title 1"/>
+          <p:cNvPr id="1754345029" name="Title 1"/>
           <p:cNvSpPr>
             <a:spLocks noGrp="1"/>
           </p:cNvSpPr>
@@ -9439,7 +9688,7 @@
       </p:sp>
       <p:sp>
         <p:nvSpPr>
-          <p:cNvPr id="2090925546" name="Text Placeholder 2"/>
+          <p:cNvPr id="853452611" name="Text Placeholder 2"/>
           <p:cNvSpPr>
             <a:spLocks noGrp="1"/>
           </p:cNvSpPr>
@@ -9515,7 +9764,7 @@
       </p:sp>
       <p:sp>
         <p:nvSpPr>
-          <p:cNvPr id="1030630832" name="Date Placeholder 3"/>
+          <p:cNvPr id="623460630" name="Date Placeholder 3"/>
           <p:cNvSpPr>
             <a:spLocks noGrp="1"/>
           </p:cNvSpPr>
@@ -9559,7 +9808,7 @@
       </p:sp>
       <p:sp>
         <p:nvSpPr>
-          <p:cNvPr id="1645735731" name="Footer Placeholder 4"/>
+          <p:cNvPr id="60987242" name="Footer Placeholder 4"/>
           <p:cNvSpPr>
             <a:spLocks noGrp="1"/>
           </p:cNvSpPr>
@@ -9599,7 +9848,7 @@
       </p:sp>
       <p:sp>
         <p:nvSpPr>
-          <p:cNvPr id="138842334" name="Slide Number Placeholder 5"/>
+          <p:cNvPr id="123251228" name="Slide Number Placeholder 5"/>
           <p:cNvSpPr>
             <a:spLocks noGrp="1"/>
           </p:cNvSpPr>
@@ -9948,7 +10197,7 @@
       </p:grpSpPr>
       <p:sp>
         <p:nvSpPr>
-          <p:cNvPr id="1224365134" name="Title 1"/>
+          <p:cNvPr id="1741528773" name="Title 1"/>
           <p:cNvSpPr>
             <a:spLocks noGrp="1"/>
           </p:cNvSpPr>
@@ -9994,7 +10243,7 @@
       </p:sp>
       <p:sp>
         <p:nvSpPr>
-          <p:cNvPr id="744497395" name="Subtitle 2"/>
+          <p:cNvPr id="165203338" name="Subtitle 2"/>
           <p:cNvSpPr>
             <a:spLocks noGrp="1"/>
           </p:cNvSpPr>
@@ -10027,7 +10276,7 @@
       </p:sp>
       <p:sp>
         <p:nvSpPr>
-          <p:cNvPr id="1041093047" name=""/>
+          <p:cNvPr id="1486338990" name=""/>
           <p:cNvSpPr txBox="1"/>
           <p:nvPr/>
         </p:nvSpPr>
@@ -10099,7 +10348,7 @@
       </p:grpSpPr>
       <p:sp>
         <p:nvSpPr>
-          <p:cNvPr id="1756928276" name="Title 1"/>
+          <p:cNvPr id="1110237395" name="Title 1"/>
           <p:cNvSpPr>
             <a:spLocks noGrp="1"/>
           </p:cNvSpPr>
@@ -10137,7 +10386,7 @@
       </p:sp>
       <p:sp>
         <p:nvSpPr>
-          <p:cNvPr id="710680029" name="Content Placeholder 2"/>
+          <p:cNvPr id="81039108" name="Content Placeholder 2"/>
           <p:cNvSpPr>
             <a:spLocks noGrp="1"/>
           </p:cNvSpPr>
@@ -10417,7 +10666,7 @@
       </p:grpSpPr>
       <p:sp>
         <p:nvSpPr>
-          <p:cNvPr id="621022195" name="Subtitle 2"/>
+          <p:cNvPr id="1709170814" name="Subtitle 2"/>
           <p:cNvSpPr>
             <a:spLocks noGrp="1"/>
           </p:cNvSpPr>
@@ -10536,7 +10785,7 @@
       </p:sp>
       <p:sp>
         <p:nvSpPr>
-          <p:cNvPr id="1422499774" name="Title 6"/>
+          <p:cNvPr id="1505105105" name="Title 6"/>
           <p:cNvSpPr>
             <a:spLocks noGrp="1"/>
           </p:cNvSpPr>
@@ -10610,7 +10859,7 @@
       </p:grpSpPr>
       <p:sp>
         <p:nvSpPr>
-          <p:cNvPr id="584875660" name="Title 1"/>
+          <p:cNvPr id="615830592" name="Title 1"/>
           <p:cNvSpPr>
             <a:spLocks noGrp="1"/>
           </p:cNvSpPr>
@@ -10646,7 +10895,7 @@
       </p:sp>
       <p:sp>
         <p:nvSpPr>
-          <p:cNvPr id="633606417" name="Content Placeholder 2"/>
+          <p:cNvPr id="1627233323" name="Content Placeholder 2"/>
           <p:cNvSpPr>
             <a:spLocks noGrp="1"/>
           </p:cNvSpPr>
@@ -10692,7 +10941,7 @@
       </p:sp>
       <p:pic>
         <p:nvPicPr>
-          <p:cNvPr id="1493067910" name=""/>
+          <p:cNvPr id="667266716" name=""/>
           <p:cNvPicPr>
             <a:picLocks noChangeAspect="1"/>
           </p:cNvPicPr>
@@ -10748,7 +10997,7 @@
       </p:grpSpPr>
       <p:sp>
         <p:nvSpPr>
-          <p:cNvPr id="1033477357" name="Title 1"/>
+          <p:cNvPr id="1419899396" name="Title 1"/>
           <p:cNvSpPr>
             <a:spLocks noGrp="1"/>
           </p:cNvSpPr>
@@ -10786,7 +11035,7 @@
       </p:sp>
       <p:sp>
         <p:nvSpPr>
-          <p:cNvPr id="2067485695" name="Content Placeholder 2"/>
+          <p:cNvPr id="672022748" name="Content Placeholder 2"/>
           <p:cNvSpPr>
             <a:spLocks noGrp="1"/>
           </p:cNvSpPr>
@@ -10936,7 +11185,7 @@
       </p:sp>
       <p:pic>
         <p:nvPicPr>
-          <p:cNvPr id="1384829681" name=""/>
+          <p:cNvPr id="667281067" name=""/>
           <p:cNvPicPr>
             <a:picLocks noChangeAspect="1"/>
           </p:cNvPicPr>
@@ -10991,7 +11240,7 @@
       </p:grpSpPr>
       <p:sp>
         <p:nvSpPr>
-          <p:cNvPr id="1250078354" name="Title 1"/>
+          <p:cNvPr id="169600919" name="Title 1"/>
           <p:cNvSpPr>
             <a:spLocks noGrp="1"/>
           </p:cNvSpPr>
@@ -11029,7 +11278,7 @@
       </p:sp>
       <p:sp>
         <p:nvSpPr>
-          <p:cNvPr id="1528765942" name="Content Placeholder 2"/>
+          <p:cNvPr id="787090113" name="Content Placeholder 2"/>
           <p:cNvSpPr>
             <a:spLocks noGrp="1"/>
           </p:cNvSpPr>
@@ -11149,7 +11398,7 @@
       </p:sp>
       <p:pic>
         <p:nvPicPr>
-          <p:cNvPr id="50060904" name=""/>
+          <p:cNvPr id="567490056" name=""/>
           <p:cNvPicPr>
             <a:picLocks noChangeAspect="1"/>
           </p:cNvPicPr>
@@ -11205,7 +11454,7 @@
       </p:grpSpPr>
       <p:sp>
         <p:nvSpPr>
-          <p:cNvPr id="690330937" name="Title 1"/>
+          <p:cNvPr id="138807631" name="Title 1"/>
           <p:cNvSpPr>
             <a:spLocks noGrp="1"/>
           </p:cNvSpPr>
@@ -11243,7 +11492,7 @@
       </p:sp>
       <p:sp>
         <p:nvSpPr>
-          <p:cNvPr id="2093207835" name="Content Placeholder 2"/>
+          <p:cNvPr id="1670927901" name="Content Placeholder 2"/>
           <p:cNvSpPr>
             <a:spLocks noGrp="1"/>
           </p:cNvSpPr>
@@ -11374,7 +11623,7 @@
       </p:sp>
       <p:grpSp>
         <p:nvGrpSpPr>
-          <p:cNvPr id="100780657" name=""/>
+          <p:cNvPr id="240767750" name=""/>
           <p:cNvGrpSpPr/>
           <p:nvPr/>
         </p:nvGrpSpPr>
@@ -11467,7 +11716,7 @@
       </p:grpSpPr>
       <p:sp>
         <p:nvSpPr>
-          <p:cNvPr id="1199319856" name="Title 1"/>
+          <p:cNvPr id="1345661480" name="Title 1"/>
           <p:cNvSpPr>
             <a:spLocks noGrp="1"/>
           </p:cNvSpPr>
@@ -11505,7 +11754,7 @@
       </p:sp>
       <p:sp>
         <p:nvSpPr>
-          <p:cNvPr id="1709302818" name="Content Placeholder 2"/>
+          <p:cNvPr id="1471598438" name="Content Placeholder 2"/>
           <p:cNvSpPr>
             <a:spLocks noGrp="1"/>
           </p:cNvSpPr>
@@ -11656,7 +11905,7 @@
       </p:sp>
       <p:pic>
         <p:nvPicPr>
-          <p:cNvPr id="851867511" name=""/>
+          <p:cNvPr id="958618069" name=""/>
           <p:cNvPicPr>
             <a:picLocks noChangeAspect="1"/>
           </p:cNvPicPr>
@@ -11712,7 +11961,7 @@
       </p:grpSpPr>
       <p:sp>
         <p:nvSpPr>
-          <p:cNvPr id="1567103162" name="Title 1"/>
+          <p:cNvPr id="60672293" name="Title 1"/>
           <p:cNvSpPr>
             <a:spLocks noGrp="1"/>
           </p:cNvSpPr>
@@ -11750,7 +11999,7 @@
       </p:sp>
       <p:sp>
         <p:nvSpPr>
-          <p:cNvPr id="1302747655" name="Content Placeholder 2"/>
+          <p:cNvPr id="633844042" name="Content Placeholder 2"/>
           <p:cNvSpPr>
             <a:spLocks noGrp="1"/>
           </p:cNvSpPr>
@@ -11877,7 +12126,7 @@
       </p:sp>
       <p:pic>
         <p:nvPicPr>
-          <p:cNvPr id="220722169" name=""/>
+          <p:cNvPr id="1571680986" name=""/>
           <p:cNvPicPr>
             <a:picLocks noChangeAspect="1"/>
           </p:cNvPicPr>
@@ -11933,7 +12182,7 @@
       </p:grpSpPr>
       <p:sp>
         <p:nvSpPr>
-          <p:cNvPr id="630115757" name="Subtitle 2"/>
+          <p:cNvPr id="1140810021" name="Subtitle 2"/>
           <p:cNvSpPr>
             <a:spLocks noGrp="1"/>
           </p:cNvSpPr>
@@ -12056,7 +12305,7 @@
       </p:sp>
       <p:sp>
         <p:nvSpPr>
-          <p:cNvPr id="1834887927" name="Title 6"/>
+          <p:cNvPr id="2062247250" name="Title 6"/>
           <p:cNvSpPr>
             <a:spLocks noGrp="1"/>
           </p:cNvSpPr>
@@ -12128,7 +12377,7 @@
       </p:grpSpPr>
       <p:sp>
         <p:nvSpPr>
-          <p:cNvPr id="514965518" name="Title 1"/>
+          <p:cNvPr id="1221414795" name="Title 1"/>
           <p:cNvSpPr>
             <a:spLocks noGrp="1"/>
           </p:cNvSpPr>
@@ -12154,7 +12403,7 @@
       </p:sp>
       <p:pic>
         <p:nvPicPr>
-          <p:cNvPr id="1320346172" name=""/>
+          <p:cNvPr id="844850569" name=""/>
           <p:cNvPicPr>
             <a:picLocks noChangeAspect="1"/>
           </p:cNvPicPr>
@@ -12209,7 +12458,7 @@
       </p:grpSpPr>
       <p:sp>
         <p:nvSpPr>
-          <p:cNvPr id="655810016" name="Title 1"/>
+          <p:cNvPr id="2007927161" name="Title 1"/>
           <p:cNvSpPr>
             <a:spLocks noGrp="1"/>
           </p:cNvSpPr>
@@ -12245,7 +12494,7 @@
       </p:sp>
       <p:sp>
         <p:nvSpPr>
-          <p:cNvPr id="1713843703" name="Content Placeholder 2"/>
+          <p:cNvPr id="1045127861" name="Content Placeholder 2"/>
           <p:cNvSpPr>
             <a:spLocks noGrp="1"/>
           </p:cNvSpPr>
@@ -12267,7 +12516,7 @@
       </p:sp>
       <p:pic>
         <p:nvPicPr>
-          <p:cNvPr id="190710310" name=""/>
+          <p:cNvPr id="1284658764" name=""/>
           <p:cNvPicPr>
             <a:picLocks noChangeAspect="1"/>
           </p:cNvPicPr>
@@ -12322,7 +12571,7 @@
       </p:grpSpPr>
       <p:sp>
         <p:nvSpPr>
-          <p:cNvPr id="1490661534" name="Title 1"/>
+          <p:cNvPr id="1005533410" name="Title 1"/>
           <p:cNvSpPr>
             <a:spLocks noGrp="1"/>
           </p:cNvSpPr>
@@ -12360,7 +12609,7 @@
       </p:sp>
       <p:pic>
         <p:nvPicPr>
-          <p:cNvPr id="86651793" name=""/>
+          <p:cNvPr id="814463395" name=""/>
           <p:cNvPicPr>
             <a:picLocks noChangeAspect="1"/>
           </p:cNvPicPr>
@@ -12382,7 +12631,7 @@
       </p:pic>
       <p:sp>
         <p:nvSpPr>
-          <p:cNvPr id="100012542" name=""/>
+          <p:cNvPr id="1495150825" name=""/>
           <p:cNvSpPr txBox="1"/>
           <p:nvPr/>
         </p:nvSpPr>
@@ -12461,7 +12710,7 @@
       </p:grpSpPr>
       <p:sp>
         <p:nvSpPr>
-          <p:cNvPr id="966296848" name="Title 1"/>
+          <p:cNvPr id="1881799932" name="Title 1"/>
           <p:cNvSpPr>
             <a:spLocks noGrp="1"/>
           </p:cNvSpPr>
@@ -12499,7 +12748,7 @@
       </p:sp>
       <p:sp>
         <p:nvSpPr>
-          <p:cNvPr id="1448142428" name=""/>
+          <p:cNvPr id="216203683" name=""/>
           <p:cNvSpPr txBox="1"/>
           <p:nvPr/>
         </p:nvSpPr>
@@ -12577,7 +12826,7 @@
       </p:sp>
       <p:pic>
         <p:nvPicPr>
-          <p:cNvPr id="1083505646" name=""/>
+          <p:cNvPr id="2109939302" name=""/>
           <p:cNvPicPr>
             <a:picLocks noChangeAspect="1"/>
           </p:cNvPicPr>
@@ -12633,7 +12882,7 @@
       </p:grpSpPr>
       <p:sp>
         <p:nvSpPr>
-          <p:cNvPr id="829425807" name="Title 1"/>
+          <p:cNvPr id="1129989276" name="Title 1"/>
           <p:cNvSpPr>
             <a:spLocks noGrp="1"/>
           </p:cNvSpPr>
@@ -12659,7 +12908,7 @@
       </p:sp>
       <p:pic>
         <p:nvPicPr>
-          <p:cNvPr id="218009644" name=""/>
+          <p:cNvPr id="984124747" name=""/>
           <p:cNvPicPr>
             <a:picLocks noChangeAspect="1"/>
           </p:cNvPicPr>
@@ -12714,7 +12963,7 @@
       </p:grpSpPr>
       <p:sp>
         <p:nvSpPr>
-          <p:cNvPr id="602459268" name="Title 1"/>
+          <p:cNvPr id="1008796427" name="Title 1"/>
           <p:cNvSpPr>
             <a:spLocks noGrp="1"/>
           </p:cNvSpPr>
@@ -12766,7 +13015,7 @@
       </p:sp>
       <p:sp>
         <p:nvSpPr>
-          <p:cNvPr id="510904366" name=""/>
+          <p:cNvPr id="1123735304" name=""/>
           <p:cNvSpPr txBox="1"/>
           <p:nvPr/>
         </p:nvSpPr>
@@ -12844,7 +13093,7 @@
       </p:sp>
       <p:pic>
         <p:nvPicPr>
-          <p:cNvPr id="1726665826" name=""/>
+          <p:cNvPr id="1667997068" name=""/>
           <p:cNvPicPr>
             <a:picLocks noChangeAspect="1"/>
           </p:cNvPicPr>
@@ -12899,7 +13148,7 @@
       </p:grpSpPr>
       <p:sp>
         <p:nvSpPr>
-          <p:cNvPr id="945551118" name="Title 1"/>
+          <p:cNvPr id="1356224306" name="Title 1"/>
           <p:cNvSpPr>
             <a:spLocks noGrp="1"/>
           </p:cNvSpPr>
@@ -12951,7 +13200,7 @@
       </p:sp>
       <p:sp>
         <p:nvSpPr>
-          <p:cNvPr id="74635549" name=""/>
+          <p:cNvPr id="950455975" name=""/>
           <p:cNvSpPr txBox="1"/>
           <p:nvPr/>
         </p:nvSpPr>
@@ -13081,7 +13330,7 @@
       </p:sp>
       <p:pic>
         <p:nvPicPr>
-          <p:cNvPr id="736809226" name=""/>
+          <p:cNvPr id="1253902347" name=""/>
           <p:cNvPicPr>
             <a:picLocks noChangeAspect="1"/>
           </p:cNvPicPr>
@@ -13136,7 +13385,7 @@
       </p:grpSpPr>
       <p:sp>
         <p:nvSpPr>
-          <p:cNvPr id="1883899174" name="Subtitle 2"/>
+          <p:cNvPr id="1242663979" name="Subtitle 2"/>
           <p:cNvSpPr>
             <a:spLocks noGrp="1"/>
           </p:cNvSpPr>
@@ -13259,7 +13508,7 @@
       </p:sp>
       <p:sp>
         <p:nvSpPr>
-          <p:cNvPr id="1950452087" name="Title 6"/>
+          <p:cNvPr id="1698497466" name="Title 6"/>
           <p:cNvSpPr>
             <a:spLocks noGrp="1"/>
           </p:cNvSpPr>
@@ -13331,7 +13580,7 @@
       </p:grpSpPr>
       <p:sp>
         <p:nvSpPr>
-          <p:cNvPr id="210985706" name="Title 1"/>
+          <p:cNvPr id="1839783689" name="Title 1"/>
           <p:cNvSpPr>
             <a:spLocks noGrp="1"/>
           </p:cNvSpPr>
@@ -13383,7 +13632,7 @@
       </p:sp>
       <p:sp>
         <p:nvSpPr>
-          <p:cNvPr id="548368486" name=""/>
+          <p:cNvPr id="1765854544" name=""/>
           <p:cNvSpPr txBox="1"/>
           <p:nvPr/>
         </p:nvSpPr>
@@ -13446,7 +13695,7 @@
       </p:sp>
       <p:pic>
         <p:nvPicPr>
-          <p:cNvPr id="971571129" name=""/>
+          <p:cNvPr id="1305822869" name=""/>
           <p:cNvPicPr>
             <a:picLocks noChangeAspect="1"/>
           </p:cNvPicPr>
@@ -13501,7 +13750,7 @@
       </p:grpSpPr>
       <p:sp>
         <p:nvSpPr>
-          <p:cNvPr id="1535599800" name="Title 1"/>
+          <p:cNvPr id="1395006391" name="Title 1"/>
           <p:cNvSpPr>
             <a:spLocks noGrp="1"/>
           </p:cNvSpPr>
@@ -13553,7 +13802,7 @@
       </p:sp>
       <p:sp>
         <p:nvSpPr>
-          <p:cNvPr id="1322803280" name=""/>
+          <p:cNvPr id="1015843679" name=""/>
           <p:cNvSpPr txBox="1"/>
           <p:nvPr/>
         </p:nvSpPr>
@@ -13616,7 +13865,7 @@
       </p:sp>
       <p:pic>
         <p:nvPicPr>
-          <p:cNvPr id="391596333" name=""/>
+          <p:cNvPr id="989633010" name=""/>
           <p:cNvPicPr>
             <a:picLocks noChangeAspect="1"/>
           </p:cNvPicPr>
@@ -13671,7 +13920,7 @@
       </p:grpSpPr>
       <p:sp>
         <p:nvSpPr>
-          <p:cNvPr id="523715462" name="Subtitle 2"/>
+          <p:cNvPr id="1770041993" name="Subtitle 2"/>
           <p:cNvSpPr>
             <a:spLocks noGrp="1"/>
           </p:cNvSpPr>
@@ -13794,7 +14043,7 @@
       </p:sp>
       <p:sp>
         <p:nvSpPr>
-          <p:cNvPr id="1805140385" name="Title 6"/>
+          <p:cNvPr id="1376936554" name="Title 6"/>
           <p:cNvSpPr>
             <a:spLocks noGrp="1"/>
           </p:cNvSpPr>
@@ -13876,7 +14125,7 @@
       </p:grpSpPr>
       <p:sp>
         <p:nvSpPr>
-          <p:cNvPr id="1657849365" name="Subtitle 2"/>
+          <p:cNvPr id="741379654" name="Subtitle 2"/>
           <p:cNvSpPr>
             <a:spLocks noGrp="1"/>
           </p:cNvSpPr>
@@ -13999,7 +14248,7 @@
       </p:sp>
       <p:sp>
         <p:nvSpPr>
-          <p:cNvPr id="2130832255" name="Title 6"/>
+          <p:cNvPr id="1621050874" name="Title 6"/>
           <p:cNvSpPr>
             <a:spLocks noGrp="1"/>
           </p:cNvSpPr>
@@ -14081,7 +14330,7 @@
       </p:grpSpPr>
       <p:sp>
         <p:nvSpPr>
-          <p:cNvPr id="197386499" name="Title 1"/>
+          <p:cNvPr id="541615130" name="Title 1"/>
           <p:cNvSpPr>
             <a:spLocks noGrp="1"/>
           </p:cNvSpPr>
@@ -14103,7 +14352,7 @@
       </p:sp>
       <p:sp>
         <p:nvSpPr>
-          <p:cNvPr id="1079240815" name="Content Placeholder 2"/>
+          <p:cNvPr id="404927494" name="Content Placeholder 2"/>
           <p:cNvSpPr>
             <a:spLocks noGrp="1"/>
           </p:cNvSpPr>
@@ -14158,7 +14407,7 @@
       </p:sp>
       <p:sp>
         <p:nvSpPr>
-          <p:cNvPr id="364372127" name=""/>
+          <p:cNvPr id="686958869" name=""/>
           <p:cNvSpPr txBox="1"/>
           <p:nvPr/>
         </p:nvSpPr>
@@ -14197,7 +14446,7 @@
       </p:sp>
       <p:pic>
         <p:nvPicPr>
-          <p:cNvPr id="471066862" name=""/>
+          <p:cNvPr id="71642188" name=""/>
           <p:cNvPicPr>
             <a:picLocks noChangeAspect="1"/>
           </p:cNvPicPr>
@@ -14253,7 +14502,7 @@
       </p:grpSpPr>
       <p:sp>
         <p:nvSpPr>
-          <p:cNvPr id="1886364995" name="Title 1"/>
+          <p:cNvPr id="631223449" name="Title 1"/>
           <p:cNvSpPr>
             <a:spLocks noGrp="1"/>
           </p:cNvSpPr>
@@ -14291,7 +14540,7 @@
       </p:sp>
       <p:sp>
         <p:nvSpPr>
-          <p:cNvPr id="1450012760" name=""/>
+          <p:cNvPr id="1884684735" name=""/>
           <p:cNvSpPr txBox="1"/>
           <p:nvPr/>
         </p:nvSpPr>
@@ -14380,7 +14629,7 @@
       </p:sp>
       <p:pic>
         <p:nvPicPr>
-          <p:cNvPr id="899017031" name=""/>
+          <p:cNvPr id="353738824" name=""/>
           <p:cNvPicPr>
             <a:picLocks noChangeAspect="1"/>
           </p:cNvPicPr>
@@ -14402,7 +14651,7 @@
       </p:pic>
       <p:pic>
         <p:nvPicPr>
-          <p:cNvPr id="716395862" name=""/>
+          <p:cNvPr id="1921775109" name=""/>
           <p:cNvPicPr>
             <a:picLocks noChangeAspect="1"/>
           </p:cNvPicPr>
@@ -14424,7 +14673,7 @@
       </p:pic>
       <p:pic>
         <p:nvPicPr>
-          <p:cNvPr id="838903756" name=""/>
+          <p:cNvPr id="1111442066" name=""/>
           <p:cNvPicPr>
             <a:picLocks noChangeAspect="1"/>
           </p:cNvPicPr>
@@ -14479,7 +14728,7 @@
       </p:grpSpPr>
       <p:sp>
         <p:nvSpPr>
-          <p:cNvPr id="1561942817" name="Title 1"/>
+          <p:cNvPr id="1394247316" name="Title 1"/>
           <p:cNvSpPr>
             <a:spLocks noGrp="1"/>
           </p:cNvSpPr>
@@ -14517,7 +14766,7 @@
       </p:sp>
       <p:sp>
         <p:nvSpPr>
-          <p:cNvPr id="1766202988" name=""/>
+          <p:cNvPr id="2696209" name=""/>
           <p:cNvSpPr txBox="1"/>
           <p:nvPr/>
         </p:nvSpPr>
@@ -14606,7 +14855,7 @@
       </p:sp>
       <p:pic>
         <p:nvPicPr>
-          <p:cNvPr id="107421747" name=""/>
+          <p:cNvPr id="1382619689" name=""/>
           <p:cNvPicPr>
             <a:picLocks noChangeAspect="1"/>
           </p:cNvPicPr>
@@ -14628,7 +14877,7 @@
       </p:pic>
       <p:pic>
         <p:nvPicPr>
-          <p:cNvPr id="1211914844" name=""/>
+          <p:cNvPr id="99472120" name=""/>
           <p:cNvPicPr>
             <a:picLocks noChangeAspect="1"/>
           </p:cNvPicPr>
@@ -14650,7 +14899,7 @@
       </p:pic>
       <p:pic>
         <p:nvPicPr>
-          <p:cNvPr id="765569841" name=""/>
+          <p:cNvPr id="846689521" name=""/>
           <p:cNvPicPr>
             <a:picLocks noChangeAspect="1"/>
           </p:cNvPicPr>
@@ -14672,7 +14921,7 @@
       </p:pic>
       <p:sp>
         <p:nvSpPr>
-          <p:cNvPr id="2120464594" name=""/>
+          <p:cNvPr id="737161349" name=""/>
           <p:cNvSpPr txBox="1"/>
           <p:nvPr/>
         </p:nvSpPr>
@@ -14839,7 +15088,7 @@
       </p:grpSpPr>
       <p:sp>
         <p:nvSpPr>
-          <p:cNvPr id="1125311405" name="Title 1"/>
+          <p:cNvPr id="13837176" name="Title 1"/>
           <p:cNvSpPr>
             <a:spLocks noGrp="1"/>
           </p:cNvSpPr>
@@ -14877,7 +15126,7 @@
       </p:sp>
       <p:sp>
         <p:nvSpPr>
-          <p:cNvPr id="1455914496" name=""/>
+          <p:cNvPr id="1668990022" name=""/>
           <p:cNvSpPr txBox="1"/>
           <p:nvPr/>
         </p:nvSpPr>
@@ -14966,7 +15215,7 @@
       </p:sp>
       <p:sp>
         <p:nvSpPr>
-          <p:cNvPr id="2099244171" name=""/>
+          <p:cNvPr id="1635364114" name=""/>
           <p:cNvSpPr txBox="1"/>
           <p:nvPr/>
         </p:nvSpPr>
@@ -15100,7 +15349,7 @@
       </p:sp>
       <p:pic>
         <p:nvPicPr>
-          <p:cNvPr id="1082327545" name=""/>
+          <p:cNvPr id="1719724239" name=""/>
           <p:cNvPicPr>
             <a:picLocks noChangeAspect="1"/>
           </p:cNvPicPr>
@@ -15122,7 +15371,7 @@
       </p:pic>
       <p:pic>
         <p:nvPicPr>
-          <p:cNvPr id="1094483085" name=""/>
+          <p:cNvPr id="350942525" name=""/>
           <p:cNvPicPr>
             <a:picLocks noChangeAspect="1"/>
           </p:cNvPicPr>
@@ -15144,7 +15393,7 @@
       </p:pic>
       <p:pic>
         <p:nvPicPr>
-          <p:cNvPr id="1147614482" name=""/>
+          <p:cNvPr id="1145434173" name=""/>
           <p:cNvPicPr>
             <a:picLocks noChangeAspect="1"/>
           </p:cNvPicPr>
@@ -15166,7 +15415,7 @@
       </p:pic>
       <p:sp>
         <p:nvSpPr>
-          <p:cNvPr id="380700387" name=""/>
+          <p:cNvPr id="597585773" name=""/>
           <p:cNvSpPr txBox="1"/>
           <p:nvPr/>
         </p:nvSpPr>
@@ -15277,7 +15526,7 @@
       </p:grpSpPr>
       <p:sp>
         <p:nvSpPr>
-          <p:cNvPr id="780489782" name="Title 1"/>
+          <p:cNvPr id="15254595" name="Title 1"/>
           <p:cNvSpPr>
             <a:spLocks noGrp="1"/>
           </p:cNvSpPr>
@@ -15315,7 +15564,7 @@
       </p:sp>
       <p:sp>
         <p:nvSpPr>
-          <p:cNvPr id="1839458290" name=""/>
+          <p:cNvPr id="224234528" name=""/>
           <p:cNvSpPr txBox="1"/>
           <p:nvPr/>
         </p:nvSpPr>
@@ -15404,7 +15653,7 @@
       </p:sp>
       <p:pic>
         <p:nvPicPr>
-          <p:cNvPr id="1674044024" name=""/>
+          <p:cNvPr id="782344216" name=""/>
           <p:cNvPicPr>
             <a:picLocks noChangeAspect="1"/>
           </p:cNvPicPr>
@@ -15426,7 +15675,7 @@
       </p:pic>
       <p:pic>
         <p:nvPicPr>
-          <p:cNvPr id="1008700113" name=""/>
+          <p:cNvPr id="1395677273" name=""/>
           <p:cNvPicPr>
             <a:picLocks noChangeAspect="1"/>
           </p:cNvPicPr>
@@ -15448,7 +15697,7 @@
       </p:pic>
       <p:sp>
         <p:nvSpPr>
-          <p:cNvPr id="942065527" name=""/>
+          <p:cNvPr id="1140320899" name=""/>
           <p:cNvSpPr txBox="1"/>
           <p:nvPr/>
         </p:nvSpPr>
@@ -15567,7 +15816,7 @@
       </p:grpSpPr>
       <p:sp>
         <p:nvSpPr>
-          <p:cNvPr id="403980841" name="Title 1"/>
+          <p:cNvPr id="1240881378" name="Title 1"/>
           <p:cNvSpPr>
             <a:spLocks noGrp="1"/>
           </p:cNvSpPr>
@@ -15605,7 +15854,7 @@
       </p:sp>
       <p:sp>
         <p:nvSpPr>
-          <p:cNvPr id="3826047" name=""/>
+          <p:cNvPr id="983616083" name=""/>
           <p:cNvSpPr txBox="1"/>
           <p:nvPr/>
         </p:nvSpPr>
@@ -15698,7 +15947,7 @@
       </p:sp>
       <p:sp>
         <p:nvSpPr>
-          <p:cNvPr id="1828699579" name=""/>
+          <p:cNvPr id="788030792" name=""/>
           <p:cNvSpPr txBox="1"/>
           <p:nvPr/>
         </p:nvSpPr>
@@ -15784,7 +16033,7 @@
       </p:sp>
       <p:pic>
         <p:nvPicPr>
-          <p:cNvPr id="1817130433" name=""/>
+          <p:cNvPr id="517394024" name=""/>
           <p:cNvPicPr>
             <a:picLocks noChangeAspect="1"/>
           </p:cNvPicPr>
@@ -15839,7 +16088,7 @@
       </p:grpSpPr>
       <p:sp>
         <p:nvSpPr>
-          <p:cNvPr id="473197688" name="Subtitle 2"/>
+          <p:cNvPr id="1372040184" name="Subtitle 2"/>
           <p:cNvSpPr>
             <a:spLocks noGrp="1"/>
           </p:cNvSpPr>
@@ -15962,7 +16211,7 @@
       </p:sp>
       <p:sp>
         <p:nvSpPr>
-          <p:cNvPr id="1512013176" name="Title 6"/>
+          <p:cNvPr id="605173202" name="Title 6"/>
           <p:cNvSpPr>
             <a:spLocks noGrp="1"/>
           </p:cNvSpPr>
@@ -16036,7 +16285,7 @@
       </p:grpSpPr>
       <p:sp>
         <p:nvSpPr>
-          <p:cNvPr id="1420548517" name="Title 1"/>
+          <p:cNvPr id="1654642725" name="Title 1"/>
           <p:cNvSpPr>
             <a:spLocks noGrp="1"/>
           </p:cNvSpPr>
@@ -16068,7 +16317,7 @@
       </p:sp>
       <p:sp>
         <p:nvSpPr>
-          <p:cNvPr id="282553165" name=""/>
+          <p:cNvPr id="961572394" name=""/>
           <p:cNvSpPr txBox="1"/>
           <p:nvPr/>
         </p:nvSpPr>
@@ -16161,7 +16410,7 @@
       </p:sp>
       <p:sp>
         <p:nvSpPr>
-          <p:cNvPr id="1671774989" name=""/>
+          <p:cNvPr id="29918955" name=""/>
           <p:cNvSpPr txBox="1"/>
           <p:nvPr/>
         </p:nvSpPr>
@@ -16247,7 +16496,7 @@
       </p:sp>
       <p:pic>
         <p:nvPicPr>
-          <p:cNvPr id="830720408" name=""/>
+          <p:cNvPr id="1718392234" name=""/>
           <p:cNvPicPr>
             <a:picLocks noChangeAspect="1"/>
           </p:cNvPicPr>
@@ -16302,7 +16551,7 @@
       </p:grpSpPr>
       <p:sp>
         <p:nvSpPr>
-          <p:cNvPr id="670119766" name="Title 1"/>
+          <p:cNvPr id="206011231" name="Title 1"/>
           <p:cNvSpPr>
             <a:spLocks noGrp="1"/>
           </p:cNvSpPr>
@@ -16340,7 +16589,7 @@
       </p:sp>
       <p:sp>
         <p:nvSpPr>
-          <p:cNvPr id="246584803" name=""/>
+          <p:cNvPr id="1765938363" name=""/>
           <p:cNvSpPr txBox="1"/>
           <p:nvPr/>
         </p:nvSpPr>
@@ -16419,7 +16668,7 @@
       </p:sp>
       <p:sp>
         <p:nvSpPr>
-          <p:cNvPr id="1351222786" name=""/>
+          <p:cNvPr id="802037014" name=""/>
           <p:cNvSpPr txBox="1"/>
           <p:nvPr/>
         </p:nvSpPr>
@@ -16505,7 +16754,7 @@
       </p:sp>
       <p:pic>
         <p:nvPicPr>
-          <p:cNvPr id="1662089587" name=""/>
+          <p:cNvPr id="1296796876" name=""/>
           <p:cNvPicPr>
             <a:picLocks noChangeAspect="1"/>
           </p:cNvPicPr>
@@ -16560,7 +16809,7 @@
       </p:grpSpPr>
       <p:sp>
         <p:nvSpPr>
-          <p:cNvPr id="614656744" name="Title 1"/>
+          <p:cNvPr id="1219908576" name="Title 1"/>
           <p:cNvSpPr>
             <a:spLocks noGrp="1"/>
           </p:cNvSpPr>
@@ -16598,7 +16847,7 @@
       </p:sp>
       <p:sp>
         <p:nvSpPr>
-          <p:cNvPr id="1718961538" name=""/>
+          <p:cNvPr id="2096367286" name=""/>
           <p:cNvSpPr txBox="1"/>
           <p:nvPr/>
         </p:nvSpPr>
@@ -16649,7 +16898,7 @@
       </p:sp>
       <p:sp>
         <p:nvSpPr>
-          <p:cNvPr id="912523404" name=""/>
+          <p:cNvPr id="858899649" name=""/>
           <p:cNvSpPr txBox="1"/>
           <p:nvPr/>
         </p:nvSpPr>
@@ -16735,7 +16984,7 @@
       </p:sp>
       <p:pic>
         <p:nvPicPr>
-          <p:cNvPr id="1885777095" name=""/>
+          <p:cNvPr id="966718549" name=""/>
           <p:cNvPicPr>
             <a:picLocks noChangeAspect="1"/>
           </p:cNvPicPr>
@@ -16758,7 +17007,7 @@
       </p:pic>
       <p:pic>
         <p:nvPicPr>
-          <p:cNvPr id="691456993" name=""/>
+          <p:cNvPr id="157111636" name=""/>
           <p:cNvPicPr>
             <a:picLocks noChangeAspect="1"/>
           </p:cNvPicPr>
@@ -16814,7 +17063,7 @@
       </p:grpSpPr>
       <p:sp>
         <p:nvSpPr>
-          <p:cNvPr id="919531383" name="Subtitle 2"/>
+          <p:cNvPr id="515112020" name="Subtitle 2"/>
           <p:cNvSpPr>
             <a:spLocks noGrp="1"/>
           </p:cNvSpPr>
@@ -16937,7 +17186,7 @@
       </p:sp>
       <p:sp>
         <p:nvSpPr>
-          <p:cNvPr id="1277874894" name="Title 6"/>
+          <p:cNvPr id="2021653795" name="Title 6"/>
           <p:cNvSpPr>
             <a:spLocks noGrp="1"/>
           </p:cNvSpPr>
@@ -17019,7 +17268,7 @@
       </p:grpSpPr>
       <p:sp>
         <p:nvSpPr>
-          <p:cNvPr id="1201583841" name="Title 1"/>
+          <p:cNvPr id="1679530499" name="Title 1"/>
           <p:cNvSpPr>
             <a:spLocks noGrp="1"/>
           </p:cNvSpPr>
@@ -17045,7 +17294,7 @@
       </p:sp>
       <p:pic>
         <p:nvPicPr>
-          <p:cNvPr id="692369674" name=""/>
+          <p:cNvPr id="106127549" name=""/>
           <p:cNvPicPr>
             <a:picLocks noChangeAspect="1"/>
           </p:cNvPicPr>
@@ -17068,7 +17317,7 @@
       </p:pic>
       <p:pic>
         <p:nvPicPr>
-          <p:cNvPr id="1896405775" name=""/>
+          <p:cNvPr id="880051701" name=""/>
           <p:cNvPicPr>
             <a:picLocks noChangeAspect="1"/>
           </p:cNvPicPr>
@@ -17124,7 +17373,7 @@
       </p:grpSpPr>
       <p:sp>
         <p:nvSpPr>
-          <p:cNvPr id="464464668" name="Title 1"/>
+          <p:cNvPr id="1331986684" name="Title 1"/>
           <p:cNvSpPr>
             <a:spLocks noGrp="1"/>
           </p:cNvSpPr>
@@ -17162,7 +17411,7 @@
       </p:sp>
       <p:sp>
         <p:nvSpPr>
-          <p:cNvPr id="1412765600" name=""/>
+          <p:cNvPr id="1787102246" name=""/>
           <p:cNvSpPr txBox="1"/>
           <p:nvPr/>
         </p:nvSpPr>
@@ -17211,7 +17460,7 @@
       </p:sp>
       <p:sp>
         <p:nvSpPr>
-          <p:cNvPr id="1149978451" name=""/>
+          <p:cNvPr id="1987648879" name=""/>
           <p:cNvSpPr txBox="1"/>
           <p:nvPr/>
         </p:nvSpPr>
@@ -17297,7 +17546,7 @@
       </p:sp>
       <p:pic>
         <p:nvPicPr>
-          <p:cNvPr id="237330632" name=""/>
+          <p:cNvPr id="1493750658" name=""/>
           <p:cNvPicPr>
             <a:picLocks noChangeAspect="1"/>
           </p:cNvPicPr>
@@ -17352,7 +17601,7 @@
       </p:grpSpPr>
       <p:sp>
         <p:nvSpPr>
-          <p:cNvPr id="1994754632" name="Title 1"/>
+          <p:cNvPr id="501395881" name="Title 1"/>
           <p:cNvSpPr>
             <a:spLocks noGrp="1"/>
           </p:cNvSpPr>
@@ -17390,7 +17639,7 @@
       </p:sp>
       <p:sp>
         <p:nvSpPr>
-          <p:cNvPr id="1278302813" name=""/>
+          <p:cNvPr id="1933208823" name=""/>
           <p:cNvSpPr txBox="1"/>
           <p:nvPr/>
         </p:nvSpPr>
@@ -17439,7 +17688,7 @@
       </p:sp>
       <p:sp>
         <p:nvSpPr>
-          <p:cNvPr id="790365232" name=""/>
+          <p:cNvPr id="1251858850" name=""/>
           <p:cNvSpPr txBox="1"/>
           <p:nvPr/>
         </p:nvSpPr>
@@ -17525,7 +17774,7 @@
       </p:sp>
       <p:pic>
         <p:nvPicPr>
-          <p:cNvPr id="1392939811" name=""/>
+          <p:cNvPr id="1007108526" name=""/>
           <p:cNvPicPr>
             <a:picLocks noChangeAspect="1"/>
           </p:cNvPicPr>
@@ -19271,7 +19520,7 @@
       </p:grpSpPr>
       <p:sp>
         <p:nvSpPr>
-          <p:cNvPr id="889666663" name="Title 1"/>
+          <p:cNvPr id="1729869939" name="Title 1"/>
           <p:cNvSpPr>
             <a:spLocks noGrp="1"/>
           </p:cNvSpPr>
@@ -19297,7 +19546,7 @@
       </p:sp>
       <p:pic>
         <p:nvPicPr>
-          <p:cNvPr id="1371501881" name=""/>
+          <p:cNvPr id="1603418668" name=""/>
           <p:cNvPicPr>
             <a:picLocks noChangeAspect="1"/>
           </p:cNvPicPr>
@@ -19320,7 +19569,7 @@
       </p:pic>
       <p:pic>
         <p:nvPicPr>
-          <p:cNvPr id="953067206" name=""/>
+          <p:cNvPr id="1086221692" name=""/>
           <p:cNvPicPr>
             <a:picLocks noChangeAspect="1"/>
           </p:cNvPicPr>
@@ -21795,7 +22044,7 @@
       </p:grpSpPr>
       <p:sp>
         <p:nvSpPr>
-          <p:cNvPr id="31677860" name="Title 1"/>
+          <p:cNvPr id="1406489652" name="Title 1"/>
           <p:cNvSpPr>
             <a:spLocks noGrp="1"/>
           </p:cNvSpPr>
@@ -21831,7 +22080,7 @@
       </p:sp>
       <p:sp>
         <p:nvSpPr>
-          <p:cNvPr id="1929975179" name="Content Placeholder 2"/>
+          <p:cNvPr id="2004557933" name="Content Placeholder 2"/>
           <p:cNvSpPr>
             <a:spLocks noGrp="1"/>
           </p:cNvSpPr>
@@ -21925,7 +22174,7 @@
       </p:sp>
       <p:pic>
         <p:nvPicPr>
-          <p:cNvPr id="1920978669" name=""/>
+          <p:cNvPr id="431139177" name=""/>
           <p:cNvPicPr>
             <a:picLocks noChangeAspect="1"/>
           </p:cNvPicPr>
@@ -21980,7 +22229,7 @@
       </p:grpSpPr>
       <p:sp>
         <p:nvSpPr>
-          <p:cNvPr id="569536391" name="Subtitle 2"/>
+          <p:cNvPr id="46434528" name="Subtitle 2"/>
           <p:cNvSpPr>
             <a:spLocks noGrp="1"/>
           </p:cNvSpPr>
@@ -22093,13 +22342,17 @@
             <a:pPr>
               <a:defRPr/>
             </a:pPr>
-            <a:endParaRPr/>
-          </a:p>
-        </p:txBody>
-      </p:sp>
-      <p:sp>
-        <p:nvSpPr>
-          <p:cNvPr id="1519868569" name="Title 6"/>
+            <a:r>
+              <a:rPr lang="en-AU"/>
+              <a:t>IPv4</a:t>
+            </a:r>
+            <a:endParaRPr/>
+          </a:p>
+        </p:txBody>
+      </p:sp>
+      <p:sp>
+        <p:nvSpPr>
+          <p:cNvPr id="1166720134" name="Title 6"/>
           <p:cNvSpPr>
             <a:spLocks noGrp="1"/>
           </p:cNvSpPr>
@@ -22115,7 +22368,7 @@
         </p:spPr>
         <p:txBody>
           <a:bodyPr vertOverflow="overflow" horzOverflow="overflow" vert="horz" wrap="square" lIns="91440" tIns="45720" rIns="91440" bIns="45720" numCol="1" spcCol="0" rtlCol="0" fromWordArt="0" anchor="ctr" anchorCtr="0" forceAA="0" upright="0" compatLnSpc="0">
-            <a:normAutofit fontScale="95000" lnSpcReduction="1000"/>
+            <a:normAutofit/>
           </a:bodyPr>
           <a:lstStyle>
             <a:lvl1pPr algn="r">
@@ -22132,7 +22385,7 @@
                 <a:ea typeface="Arial"/>
                 <a:cs typeface="Arial"/>
               </a:rPr>
-              <a:t>Summary Technologies &amp; Protocols</a:t>
+              <a:t>Logging Network</a:t>
             </a:r>
             <a:endParaRPr/>
           </a:p>
@@ -22173,7 +22426,7 @@
       </p:grpSpPr>
       <p:sp>
         <p:nvSpPr>
-          <p:cNvPr id="2000704726" name="Title 1"/>
+          <p:cNvPr id="747992788" name="Title 1"/>
           <p:cNvSpPr>
             <a:spLocks noGrp="1"/>
           </p:cNvSpPr>
@@ -22203,7 +22456,7 @@
                 <a:ea typeface="Arial"/>
                 <a:cs typeface="Arial"/>
               </a:rPr>
-              <a:t>Encapsulation PPP</a:t>
+              <a:t>Firewall Single-port</a:t>
             </a:r>
             <a:endParaRPr sz="4400"/>
           </a:p>
@@ -22211,14 +22464,14 @@
       </p:sp>
       <p:sp>
         <p:nvSpPr>
-          <p:cNvPr id="1107718979" name=""/>
+          <p:cNvPr id="1903717909" name=""/>
           <p:cNvSpPr txBox="1"/>
           <p:nvPr/>
         </p:nvSpPr>
         <p:spPr bwMode="auto">
           <a:xfrm flipH="0" flipV="0">
-            <a:off x="609598" y="1863381"/>
-            <a:ext cx="10976759" cy="3993239"/>
+            <a:off x="917739" y="1949717"/>
+            <a:ext cx="3532786" cy="579479"/>
           </a:xfrm>
           <a:prstGeom prst="rect">
             <a:avLst/>
@@ -22230,11 +22483,11 @@
             <a:spAutoFit/>
           </a:bodyPr>
           <a:p>
-            <a:pPr>
-              <a:defRPr/>
-            </a:pPr>
-            <a:r>
-              <a:rPr lang="en-AU" sz="3200" b="1" i="0" u="none" strike="noStrike" cap="none" spc="0">
+            <a:pPr algn="l">
+              <a:defRPr/>
+            </a:pPr>
+            <a:r>
+              <a:rPr lang="en-AU" sz="3200" b="0" i="0" u="none" strike="noStrike" cap="none" spc="0">
                 <a:solidFill>
                   <a:schemeClr val="tx1">
                     <a:lumMod val="75000"/>
@@ -22245,126 +22498,22 @@
                 <a:ea typeface="Arial"/>
                 <a:cs typeface="Arial"/>
               </a:rPr>
-              <a:t>DHCP (Dynamic Host Configuration Protocol):</a:t>
-            </a:r>
-            <a:endParaRPr sz="3200" b="1" i="0" u="none" strike="noStrike" cap="none" spc="0">
+              <a:t>WAN Network</a:t>
+            </a:r>
+            <a:endParaRPr sz="3200" b="0">
               <a:solidFill>
                 <a:schemeClr val="tx1">
                   <a:lumMod val="75000"/>
                   <a:lumOff val="25000"/>
                 </a:schemeClr>
               </a:solidFill>
-              <a:latin typeface="Arial"/>
-              <a:cs typeface="Arial"/>
             </a:endParaRPr>
           </a:p>
-          <a:p>
-            <a:pPr>
-              <a:defRPr/>
-            </a:pPr>
-            <a:r>
-              <a:rPr lang="en-AU" sz="3200" b="0" i="0" u="none" strike="noStrike" cap="none" spc="0">
-                <a:solidFill>
-                  <a:schemeClr val="tx1">
-                    <a:lumMod val="75000"/>
-                    <a:lumOff val="25000"/>
-                  </a:schemeClr>
-                </a:solidFill>
-                <a:latin typeface="Arial"/>
-                <a:ea typeface="Arial"/>
-                <a:cs typeface="Arial"/>
-              </a:rPr>
-              <a:t>Automatically assigns IP, gateway, and DNS addresses to devices on the network</a:t>
-            </a:r>
-            <a:endParaRPr lang="en-AU" sz="3200" b="0" i="0" u="none" strike="noStrike" cap="none" spc="0">
-              <a:solidFill>
-                <a:schemeClr val="tx1">
-                  <a:lumMod val="75000"/>
-                  <a:lumOff val="25000"/>
-                </a:schemeClr>
-              </a:solidFill>
-              <a:latin typeface="Arial"/>
-              <a:cs typeface="Arial"/>
-            </a:endParaRPr>
-          </a:p>
-          <a:p>
-            <a:pPr>
-              <a:defRPr/>
-            </a:pPr>
-            <a:endParaRPr lang="en-AU" sz="3200" b="0" i="0" u="none" strike="noStrike" cap="none" spc="0">
-              <a:solidFill>
-                <a:schemeClr val="tx1">
-                  <a:lumMod val="75000"/>
-                  <a:lumOff val="25000"/>
-                </a:schemeClr>
-              </a:solidFill>
-              <a:latin typeface="Arial"/>
-              <a:cs typeface="Arial"/>
-            </a:endParaRPr>
-          </a:p>
-          <a:p>
-            <a:pPr>
-              <a:defRPr/>
-            </a:pPr>
-            <a:r>
-              <a:rPr lang="en-AU" sz="3200" b="1" i="0" u="none" strike="noStrike" cap="none" spc="0">
-                <a:solidFill>
-                  <a:schemeClr val="tx1">
-                    <a:lumMod val="75000"/>
-                    <a:lumOff val="25000"/>
-                  </a:schemeClr>
-                </a:solidFill>
-                <a:latin typeface="Arial"/>
-                <a:ea typeface="Arial"/>
-                <a:cs typeface="Arial"/>
-              </a:rPr>
-              <a:t>LACP (Link Aggregation Control Protocol):</a:t>
-            </a:r>
-            <a:endParaRPr sz="3200" b="1" i="0" u="none" strike="noStrike" cap="none" spc="0">
-              <a:solidFill>
-                <a:schemeClr val="tx1">
-                  <a:lumMod val="75000"/>
-                  <a:lumOff val="25000"/>
-                </a:schemeClr>
-              </a:solidFill>
-              <a:latin typeface="Arial"/>
-              <a:cs typeface="Arial"/>
-            </a:endParaRPr>
-          </a:p>
-          <a:p>
-            <a:pPr>
-              <a:defRPr/>
-            </a:pPr>
-            <a:r>
-              <a:rPr lang="en-AU" sz="3200" b="0" i="0" u="none" strike="noStrike" cap="none" spc="0">
-                <a:solidFill>
-                  <a:schemeClr val="tx1">
-                    <a:lumMod val="75000"/>
-                    <a:lumOff val="25000"/>
-                  </a:schemeClr>
-                </a:solidFill>
-                <a:latin typeface="Arial"/>
-                <a:ea typeface="Arial"/>
-                <a:cs typeface="Arial"/>
-              </a:rPr>
-              <a:t>Combines several physical links to form a single logical link for the purpose of increasing bandwidth also providing redundancy when one of the switches fails.</a:t>
-            </a:r>
-            <a:endParaRPr lang="en-AU" sz="3200" b="0" i="0" u="none" strike="noStrike" cap="none" spc="0">
-              <a:solidFill>
-                <a:schemeClr val="tx1">
-                  <a:lumMod val="75000"/>
-                  <a:lumOff val="25000"/>
-                </a:schemeClr>
-              </a:solidFill>
-              <a:latin typeface="Arial"/>
-              <a:cs typeface="Arial"/>
-            </a:endParaRPr>
-          </a:p>
-        </p:txBody>
-      </p:sp>
-      <p:sp>
-        <p:nvSpPr>
-          <p:cNvPr id="142005092" name=""/>
+        </p:txBody>
+      </p:sp>
+      <p:sp>
+        <p:nvSpPr>
+          <p:cNvPr id="1852886028" name=""/>
           <p:cNvSpPr txBox="1"/>
           <p:nvPr/>
         </p:nvSpPr>
@@ -22448,6 +22597,28 @@
           </a:p>
         </p:txBody>
       </p:sp>
+      <p:pic>
+        <p:nvPicPr>
+          <p:cNvPr id="97776694" name=""/>
+          <p:cNvPicPr>
+            <a:picLocks noChangeAspect="1"/>
+          </p:cNvPicPr>
+          <p:nvPr/>
+        </p:nvPicPr>
+        <p:blipFill>
+          <a:blip r:embed="rId3"/>
+          <a:stretch/>
+        </p:blipFill>
+        <p:spPr bwMode="auto">
+          <a:xfrm rot="0" flipH="0" flipV="0">
+            <a:off x="1007451" y="2656009"/>
+            <a:ext cx="9086042" cy="3608509"/>
+          </a:xfrm>
+          <a:prstGeom prst="rect">
+            <a:avLst/>
+          </a:prstGeom>
+        </p:spPr>
+      </p:pic>
     </p:spTree>
   </p:cSld>
   <p:clrMapOvr>
@@ -22483,7 +22654,7 @@
       </p:grpSpPr>
       <p:sp>
         <p:nvSpPr>
-          <p:cNvPr id="147164094" name="Title 1"/>
+          <p:cNvPr id="566665535" name="Title 1"/>
           <p:cNvSpPr>
             <a:spLocks noGrp="1"/>
           </p:cNvSpPr>
@@ -22513,7 +22684,7 @@
                 <a:ea typeface="Arial"/>
                 <a:cs typeface="Arial"/>
               </a:rPr>
-              <a:t>Encapsulation PPP</a:t>
+              <a:t>Firewall Single-port</a:t>
             </a:r>
             <a:endParaRPr sz="4400"/>
           </a:p>
@@ -22521,14 +22692,14 @@
       </p:sp>
       <p:sp>
         <p:nvSpPr>
-          <p:cNvPr id="1915313713" name=""/>
+          <p:cNvPr id="521395437" name=""/>
           <p:cNvSpPr txBox="1"/>
           <p:nvPr/>
         </p:nvSpPr>
         <p:spPr bwMode="auto">
           <a:xfrm flipH="0" flipV="0">
-            <a:off x="609598" y="1863381"/>
-            <a:ext cx="10977839" cy="3505559"/>
+            <a:off x="917739" y="1949717"/>
+            <a:ext cx="10666458" cy="1067159"/>
           </a:xfrm>
           <a:prstGeom prst="rect">
             <a:avLst/>
@@ -22540,11 +22711,11 @@
             <a:spAutoFit/>
           </a:bodyPr>
           <a:p>
-            <a:pPr>
-              <a:defRPr/>
-            </a:pPr>
-            <a:r>
-              <a:rPr lang="en-AU" sz="3200" b="1" i="0" u="none" strike="noStrike" cap="none" spc="0">
+            <a:pPr algn="l">
+              <a:defRPr/>
+            </a:pPr>
+            <a:r>
+              <a:rPr lang="en-AU" sz="3200" b="0" i="0" u="none" strike="noStrike" cap="none" spc="0">
                 <a:solidFill>
                   <a:schemeClr val="tx1">
                     <a:lumMod val="75000"/>
@@ -22555,126 +22726,22 @@
                 <a:ea typeface="Arial"/>
                 <a:cs typeface="Arial"/>
               </a:rPr>
-              <a:t>HSRP (Hot Standby Router Protocol):</a:t>
-            </a:r>
-            <a:endParaRPr sz="3200" b="1" i="0" u="none" strike="noStrike" cap="none" spc="0">
+              <a:t>Echo replies from R2 to PC-C its destination is LAN interface of R2 (because is its local network)</a:t>
+            </a:r>
+            <a:endParaRPr sz="3200" b="0">
               <a:solidFill>
                 <a:schemeClr val="tx1">
                   <a:lumMod val="75000"/>
                   <a:lumOff val="25000"/>
                 </a:schemeClr>
               </a:solidFill>
-              <a:latin typeface="Arial"/>
-              <a:cs typeface="Arial"/>
             </a:endParaRPr>
           </a:p>
-          <a:p>
-            <a:pPr>
-              <a:defRPr/>
-            </a:pPr>
-            <a:r>
-              <a:rPr lang="en-AU" sz="3200" b="0" i="0" u="none" strike="noStrike" cap="none" spc="0">
-                <a:solidFill>
-                  <a:schemeClr val="tx1">
-                    <a:lumMod val="75000"/>
-                    <a:lumOff val="25000"/>
-                  </a:schemeClr>
-                </a:solidFill>
-                <a:latin typeface="Arial"/>
-                <a:ea typeface="Arial"/>
-                <a:cs typeface="Arial"/>
-              </a:rPr>
-              <a:t>Provides redundancy. If the primary router fails, another router automatically takes over, ensuring service continuity.</a:t>
-            </a:r>
-            <a:endParaRPr lang="en-AU" sz="3200" b="0" i="0" u="none" strike="noStrike" cap="none" spc="0">
-              <a:solidFill>
-                <a:schemeClr val="tx1">
-                  <a:lumMod val="75000"/>
-                  <a:lumOff val="25000"/>
-                </a:schemeClr>
-              </a:solidFill>
-              <a:latin typeface="Arial"/>
-              <a:cs typeface="Arial"/>
-            </a:endParaRPr>
-          </a:p>
-          <a:p>
-            <a:pPr>
-              <a:defRPr/>
-            </a:pPr>
-            <a:endParaRPr lang="en-AU" sz="3200" b="0" i="0" u="none" strike="noStrike" cap="none" spc="0">
-              <a:solidFill>
-                <a:schemeClr val="tx1">
-                  <a:lumMod val="75000"/>
-                  <a:lumOff val="25000"/>
-                </a:schemeClr>
-              </a:solidFill>
-              <a:latin typeface="Arial"/>
-              <a:cs typeface="Arial"/>
-            </a:endParaRPr>
-          </a:p>
-          <a:p>
-            <a:pPr>
-              <a:defRPr/>
-            </a:pPr>
-            <a:r>
-              <a:rPr lang="en-AU" sz="3200" b="1" i="0" u="none" strike="noStrike" cap="none" spc="0">
-                <a:solidFill>
-                  <a:schemeClr val="tx1">
-                    <a:lumMod val="75000"/>
-                    <a:lumOff val="25000"/>
-                  </a:schemeClr>
-                </a:solidFill>
-                <a:latin typeface="Arial"/>
-                <a:ea typeface="Arial"/>
-                <a:cs typeface="Arial"/>
-              </a:rPr>
-              <a:t>OSPF (Open Shortest Path First):</a:t>
-            </a:r>
-            <a:endParaRPr sz="3200" b="1" i="0" u="none" strike="noStrike" cap="none" spc="0">
-              <a:solidFill>
-                <a:schemeClr val="tx1">
-                  <a:lumMod val="75000"/>
-                  <a:lumOff val="25000"/>
-                </a:schemeClr>
-              </a:solidFill>
-              <a:latin typeface="Arial"/>
-              <a:cs typeface="Arial"/>
-            </a:endParaRPr>
-          </a:p>
-          <a:p>
-            <a:pPr>
-              <a:defRPr/>
-            </a:pPr>
-            <a:r>
-              <a:rPr lang="en-AU" sz="3200" b="0" i="0" u="none" strike="noStrike" cap="none" spc="0">
-                <a:solidFill>
-                  <a:schemeClr val="tx1">
-                    <a:lumMod val="75000"/>
-                    <a:lumOff val="25000"/>
-                  </a:schemeClr>
-                </a:solidFill>
-                <a:latin typeface="Arial"/>
-                <a:ea typeface="Arial"/>
-                <a:cs typeface="Arial"/>
-              </a:rPr>
-              <a:t>Dynamic routing that allows the calculation of the most efficient route to send packets in a network.</a:t>
-            </a:r>
-            <a:endParaRPr lang="en-AU" sz="3200" b="0" i="0" u="none" strike="noStrike" cap="none" spc="0">
-              <a:solidFill>
-                <a:schemeClr val="tx1">
-                  <a:lumMod val="75000"/>
-                  <a:lumOff val="25000"/>
-                </a:schemeClr>
-              </a:solidFill>
-              <a:latin typeface="Arial"/>
-              <a:cs typeface="Arial"/>
-            </a:endParaRPr>
-          </a:p>
-        </p:txBody>
-      </p:sp>
-      <p:sp>
-        <p:nvSpPr>
-          <p:cNvPr id="1118551135" name=""/>
+        </p:txBody>
+      </p:sp>
+      <p:sp>
+        <p:nvSpPr>
+          <p:cNvPr id="1742824634" name=""/>
           <p:cNvSpPr txBox="1"/>
           <p:nvPr/>
         </p:nvSpPr>
@@ -22758,6 +22825,28 @@
           </a:p>
         </p:txBody>
       </p:sp>
+      <p:pic>
+        <p:nvPicPr>
+          <p:cNvPr id="1880382774" name=""/>
+          <p:cNvPicPr>
+            <a:picLocks noChangeAspect="1"/>
+          </p:cNvPicPr>
+          <p:nvPr/>
+        </p:nvPicPr>
+        <p:blipFill>
+          <a:blip r:embed="rId3"/>
+          <a:stretch/>
+        </p:blipFill>
+        <p:spPr bwMode="auto">
+          <a:xfrm rot="0" flipH="0" flipV="0">
+            <a:off x="917739" y="3264141"/>
+            <a:ext cx="7542261" cy="3275136"/>
+          </a:xfrm>
+          <a:prstGeom prst="rect">
+            <a:avLst/>
+          </a:prstGeom>
+        </p:spPr>
+      </p:pic>
     </p:spTree>
   </p:cSld>
   <p:clrMapOvr>
@@ -22793,7 +22882,126 @@
       </p:grpSpPr>
       <p:sp>
         <p:nvSpPr>
-          <p:cNvPr id="1215630870" name="Title 1"/>
+          <p:cNvPr id="569536391" name="Subtitle 2"/>
+          <p:cNvSpPr>
+            <a:spLocks noGrp="1"/>
+          </p:cNvSpPr>
+          <p:nvPr>
+            <p:ph type="subTitle" idx="1"/>
+          </p:nvPr>
+        </p:nvSpPr>
+        <p:spPr bwMode="auto">
+          <a:xfrm>
+            <a:off x="4655838" y="2708919"/>
+            <a:ext cx="6720744" cy="720078"/>
+          </a:xfrm>
+        </p:spPr>
+        <p:txBody>
+          <a:bodyPr/>
+          <a:lstStyle>
+            <a:lvl1pPr marL="0" indent="0" algn="r">
+              <a:buNone/>
+              <a:defRPr>
+                <a:solidFill>
+                  <a:schemeClr val="tx1">
+                    <a:lumMod val="50000"/>
+                    <a:lumOff val="50000"/>
+                  </a:schemeClr>
+                </a:solidFill>
+              </a:defRPr>
+            </a:lvl1pPr>
+            <a:lvl2pPr marL="457200" indent="0" algn="ctr">
+              <a:buNone/>
+              <a:defRPr>
+                <a:solidFill>
+                  <a:schemeClr val="tx1">
+                    <a:tint val="75000"/>
+                  </a:schemeClr>
+                </a:solidFill>
+              </a:defRPr>
+            </a:lvl2pPr>
+            <a:lvl3pPr marL="914400" indent="0" algn="ctr">
+              <a:buNone/>
+              <a:defRPr>
+                <a:solidFill>
+                  <a:schemeClr val="tx1">
+                    <a:tint val="75000"/>
+                  </a:schemeClr>
+                </a:solidFill>
+              </a:defRPr>
+            </a:lvl3pPr>
+            <a:lvl4pPr marL="1371600" indent="0" algn="ctr">
+              <a:buNone/>
+              <a:defRPr>
+                <a:solidFill>
+                  <a:schemeClr val="tx1">
+                    <a:tint val="75000"/>
+                  </a:schemeClr>
+                </a:solidFill>
+              </a:defRPr>
+            </a:lvl4pPr>
+            <a:lvl5pPr marL="1828800" indent="0" algn="ctr">
+              <a:buNone/>
+              <a:defRPr>
+                <a:solidFill>
+                  <a:schemeClr val="tx1">
+                    <a:tint val="75000"/>
+                  </a:schemeClr>
+                </a:solidFill>
+              </a:defRPr>
+            </a:lvl5pPr>
+            <a:lvl6pPr marL="2286000" indent="0" algn="ctr">
+              <a:buNone/>
+              <a:defRPr>
+                <a:solidFill>
+                  <a:schemeClr val="tx1">
+                    <a:tint val="75000"/>
+                  </a:schemeClr>
+                </a:solidFill>
+              </a:defRPr>
+            </a:lvl6pPr>
+            <a:lvl7pPr marL="2743200" indent="0" algn="ctr">
+              <a:buNone/>
+              <a:defRPr>
+                <a:solidFill>
+                  <a:schemeClr val="tx1">
+                    <a:tint val="75000"/>
+                  </a:schemeClr>
+                </a:solidFill>
+              </a:defRPr>
+            </a:lvl7pPr>
+            <a:lvl8pPr marL="3200400" indent="0" algn="ctr">
+              <a:buNone/>
+              <a:defRPr>
+                <a:solidFill>
+                  <a:schemeClr val="tx1">
+                    <a:tint val="75000"/>
+                  </a:schemeClr>
+                </a:solidFill>
+              </a:defRPr>
+            </a:lvl8pPr>
+            <a:lvl9pPr marL="3657600" indent="0" algn="ctr">
+              <a:buNone/>
+              <a:defRPr>
+                <a:solidFill>
+                  <a:schemeClr val="tx1">
+                    <a:tint val="75000"/>
+                  </a:schemeClr>
+                </a:solidFill>
+              </a:defRPr>
+            </a:lvl9pPr>
+          </a:lstStyle>
+          <a:p>
+            <a:pPr>
+              <a:defRPr/>
+            </a:pPr>
+            <a:endParaRPr/>
+          </a:p>
+        </p:txBody>
+      </p:sp>
+      <p:sp>
+        <p:nvSpPr>
+          <p:cNvPr id="1519868569" name="Title 6"/>
           <p:cNvSpPr>
             <a:spLocks noGrp="1"/>
           </p:cNvSpPr>
@@ -22801,270 +23009,34 @@
             <p:ph type="title"/>
           </p:nvPr>
         </p:nvSpPr>
-        <p:spPr bwMode="auto"/>
+        <p:spPr bwMode="auto">
+          <a:xfrm flipH="0" flipV="0">
+            <a:off x="4595833" y="1208941"/>
+            <a:ext cx="6720744" cy="1319956"/>
+          </a:xfrm>
+        </p:spPr>
         <p:txBody>
           <a:bodyPr vertOverflow="overflow" horzOverflow="overflow" vert="horz" wrap="square" lIns="91440" tIns="45720" rIns="91440" bIns="45720" numCol="1" spcCol="0" rtlCol="0" fromWordArt="0" anchor="ctr" anchorCtr="0" forceAA="0" upright="0" compatLnSpc="0">
-            <a:normAutofit/>
+            <a:normAutofit fontScale="95000" lnSpcReduction="1000"/>
           </a:bodyPr>
-          <a:lstStyle/>
-          <a:p>
-            <a:pPr>
-              <a:defRPr/>
-            </a:pPr>
-            <a:r>
-              <a:rPr lang="en-AU" sz="4400" b="0" i="0" u="none" strike="noStrike" cap="none" spc="0">
-                <a:solidFill>
-                  <a:schemeClr val="tx1">
-                    <a:lumMod val="65000"/>
-                    <a:lumOff val="35000"/>
-                  </a:schemeClr>
-                </a:solidFill>
+          <a:lstStyle>
+            <a:lvl1pPr algn="r">
+              <a:defRPr/>
+            </a:lvl1pPr>
+          </a:lstStyle>
+          <a:p>
+            <a:pPr>
+              <a:defRPr/>
+            </a:pPr>
+            <a:r>
+              <a:rPr lang="en-AU">
                 <a:latin typeface="Arial"/>
                 <a:ea typeface="Arial"/>
                 <a:cs typeface="Arial"/>
               </a:rPr>
-              <a:t>Encapsulation PPP</a:t>
-            </a:r>
-            <a:endParaRPr sz="4400"/>
-          </a:p>
-        </p:txBody>
-      </p:sp>
-      <p:sp>
-        <p:nvSpPr>
-          <p:cNvPr id="1759256401" name=""/>
-          <p:cNvSpPr txBox="1"/>
-          <p:nvPr/>
-        </p:nvSpPr>
-        <p:spPr bwMode="auto">
-          <a:xfrm flipH="0" flipV="0">
-            <a:off x="609598" y="1863381"/>
-            <a:ext cx="10978919" cy="3993239"/>
-          </a:xfrm>
-          <a:prstGeom prst="rect">
-            <a:avLst/>
-          </a:prstGeom>
-          <a:noFill/>
-        </p:spPr>
-        <p:txBody>
-          <a:bodyPr vertOverflow="overflow" horzOverflow="overflow" vert="horz" wrap="square" lIns="91440" tIns="45720" rIns="91440" bIns="45720" numCol="1" spcCol="0" rtlCol="0" fromWordArt="0" anchor="t" anchorCtr="0" forceAA="0" upright="0" compatLnSpc="0">
-            <a:spAutoFit/>
-          </a:bodyPr>
-          <a:p>
-            <a:pPr>
-              <a:defRPr/>
-            </a:pPr>
-            <a:r>
-              <a:rPr lang="en-AU" sz="3200" b="1" i="0" u="none" strike="noStrike" cap="none" spc="0">
-                <a:solidFill>
-                  <a:schemeClr val="tx1">
-                    <a:lumMod val="75000"/>
-                    <a:lumOff val="25000"/>
-                  </a:schemeClr>
-                </a:solidFill>
-                <a:latin typeface="Arial"/>
-                <a:ea typeface="Arial"/>
-                <a:cs typeface="Arial"/>
-              </a:rPr>
-              <a:t>ACLs (Access Control Lists): </a:t>
-            </a:r>
-            <a:endParaRPr sz="3200" b="1" i="0" u="none" strike="noStrike" cap="none" spc="0">
-              <a:solidFill>
-                <a:schemeClr val="tx1">
-                  <a:lumMod val="75000"/>
-                  <a:lumOff val="25000"/>
-                </a:schemeClr>
-              </a:solidFill>
-              <a:latin typeface="Arial"/>
-              <a:cs typeface="Arial"/>
-            </a:endParaRPr>
-          </a:p>
-          <a:p>
-            <a:pPr>
-              <a:defRPr/>
-            </a:pPr>
-            <a:r>
-              <a:rPr lang="en-AU" sz="3200" b="0" i="0" u="none" strike="noStrike" cap="none" spc="0">
-                <a:solidFill>
-                  <a:schemeClr val="tx1">
-                    <a:lumMod val="75000"/>
-                    <a:lumOff val="25000"/>
-                  </a:schemeClr>
-                </a:solidFill>
-                <a:latin typeface="Arial"/>
-                <a:ea typeface="Arial"/>
-                <a:cs typeface="Arial"/>
-              </a:rPr>
-              <a:t>Rules applied to allow or deny traffic. They are used to filter traffic and improve security.</a:t>
-            </a:r>
-            <a:endParaRPr lang="en-AU" sz="3200" b="0" i="0" u="none" strike="noStrike" cap="none" spc="0">
-              <a:solidFill>
-                <a:schemeClr val="tx1">
-                  <a:lumMod val="75000"/>
-                  <a:lumOff val="25000"/>
-                </a:schemeClr>
-              </a:solidFill>
-              <a:latin typeface="Arial"/>
-              <a:cs typeface="Arial"/>
-            </a:endParaRPr>
-          </a:p>
-          <a:p>
-            <a:pPr>
-              <a:defRPr/>
-            </a:pPr>
-            <a:endParaRPr lang="en-AU" sz="3200" b="0" i="0" u="none" strike="noStrike" cap="none" spc="0">
-              <a:solidFill>
-                <a:schemeClr val="tx1">
-                  <a:lumMod val="75000"/>
-                  <a:lumOff val="25000"/>
-                </a:schemeClr>
-              </a:solidFill>
-              <a:latin typeface="Arial"/>
-              <a:cs typeface="Arial"/>
-            </a:endParaRPr>
-          </a:p>
-          <a:p>
-            <a:pPr>
-              <a:defRPr/>
-            </a:pPr>
-            <a:r>
-              <a:rPr lang="en-AU" sz="3200" b="1" i="0" u="none" strike="noStrike" cap="none" spc="0">
-                <a:solidFill>
-                  <a:schemeClr val="tx1">
-                    <a:lumMod val="75000"/>
-                    <a:lumOff val="25000"/>
-                  </a:schemeClr>
-                </a:solidFill>
-                <a:latin typeface="Arial"/>
-                <a:ea typeface="Arial"/>
-                <a:cs typeface="Arial"/>
-              </a:rPr>
-              <a:t>VPN IPsec (Internet Protocol Security):</a:t>
-            </a:r>
-            <a:endParaRPr sz="3200" b="1" i="0" u="none" strike="noStrike" cap="none" spc="0">
-              <a:solidFill>
-                <a:schemeClr val="tx1">
-                  <a:lumMod val="75000"/>
-                  <a:lumOff val="25000"/>
-                </a:schemeClr>
-              </a:solidFill>
-              <a:latin typeface="Arial"/>
-              <a:cs typeface="Arial"/>
-            </a:endParaRPr>
-          </a:p>
-          <a:p>
-            <a:pPr>
-              <a:defRPr/>
-            </a:pPr>
-            <a:r>
-              <a:rPr lang="en-AU" sz="3200" b="0" i="0" u="none" strike="noStrike" cap="none" spc="0">
-                <a:solidFill>
-                  <a:schemeClr val="tx1">
-                    <a:lumMod val="75000"/>
-                    <a:lumOff val="25000"/>
-                  </a:schemeClr>
-                </a:solidFill>
-                <a:latin typeface="Arial"/>
-                <a:ea typeface="Arial"/>
-                <a:cs typeface="Arial"/>
-              </a:rPr>
-              <a:t>Creates secure (encrypted) connections over the Internet between two networks (site-to-site), protecting data confidentiality and integrity.</a:t>
-            </a:r>
-            <a:endParaRPr lang="en-AU" sz="3200" b="0" i="0" u="none" strike="noStrike" cap="none" spc="0">
-              <a:solidFill>
-                <a:schemeClr val="tx1">
-                  <a:lumMod val="75000"/>
-                  <a:lumOff val="25000"/>
-                </a:schemeClr>
-              </a:solidFill>
-              <a:latin typeface="Arial"/>
-              <a:cs typeface="Arial"/>
-            </a:endParaRPr>
-          </a:p>
-        </p:txBody>
-      </p:sp>
-      <p:sp>
-        <p:nvSpPr>
-          <p:cNvPr id="1808845418" name=""/>
-          <p:cNvSpPr txBox="1"/>
-          <p:nvPr/>
-        </p:nvSpPr>
-        <p:spPr bwMode="auto">
-          <a:xfrm flipH="0" flipV="0">
-            <a:off x="6004378" y="2752341"/>
-            <a:ext cx="183240" cy="1353312"/>
-          </a:xfrm>
-          <a:prstGeom prst="rect">
-            <a:avLst/>
-          </a:prstGeom>
-          <a:noFill/>
-        </p:spPr>
-        <p:txBody>
-          <a:bodyPr vertOverflow="overflow" horzOverflow="overflow" vert="horz" wrap="square" lIns="91440" tIns="45720" rIns="91440" bIns="45720" numCol="1" spcCol="0" rtlCol="0" fromWordArt="0" anchor="t" anchorCtr="0" forceAA="0" upright="0" compatLnSpc="0">
-            <a:spAutoFit/>
-          </a:bodyPr>
-          <a:p>
-            <a:pPr algn="l">
-              <a:lnSpc>
-                <a:spcPct val="114999"/>
-              </a:lnSpc>
-              <a:spcAft>
-                <a:spcPts val="0"/>
-              </a:spcAft>
-              <a:defRPr/>
-            </a:pPr>
-            <a:endParaRPr lang="en-AU">
-              <a:latin typeface="Arial"/>
-              <a:ea typeface="Arial"/>
-              <a:cs typeface="Arial"/>
-            </a:endParaRPr>
-          </a:p>
-          <a:p>
-            <a:pPr algn="l">
-              <a:lnSpc>
-                <a:spcPct val="114999"/>
-              </a:lnSpc>
-              <a:spcAft>
-                <a:spcPts val="0"/>
-              </a:spcAft>
-              <a:defRPr/>
-            </a:pPr>
-            <a:endParaRPr lang="en-AU">
-              <a:latin typeface="Arial"/>
-              <a:ea typeface="Arial"/>
-              <a:cs typeface="Arial"/>
-            </a:endParaRPr>
-          </a:p>
-          <a:p>
-            <a:pPr algn="l">
-              <a:lnSpc>
-                <a:spcPct val="114999"/>
-              </a:lnSpc>
-              <a:spcAft>
-                <a:spcPts val="0"/>
-              </a:spcAft>
-              <a:defRPr/>
-            </a:pPr>
-            <a:endParaRPr lang="en-AU">
-              <a:latin typeface="Arial"/>
-              <a:ea typeface="Arial"/>
-              <a:cs typeface="Arial"/>
-            </a:endParaRPr>
-          </a:p>
-          <a:p>
-            <a:pPr algn="l">
-              <a:lnSpc>
-                <a:spcPct val="114999"/>
-              </a:lnSpc>
-              <a:spcAft>
-                <a:spcPts val="0"/>
-              </a:spcAft>
-              <a:defRPr/>
-            </a:pPr>
-            <a:endParaRPr lang="en-AU">
-              <a:latin typeface="Arial"/>
-              <a:ea typeface="Arial"/>
-              <a:cs typeface="Arial"/>
-            </a:endParaRPr>
+              <a:t>Summary Technologies &amp; Protocols</a:t>
+            </a:r>
+            <a:endParaRPr/>
           </a:p>
         </p:txBody>
       </p:sp>
@@ -23103,7 +23075,7 @@
       </p:grpSpPr>
       <p:sp>
         <p:nvSpPr>
-          <p:cNvPr id="427509594" name="Title 1"/>
+          <p:cNvPr id="2000704726" name="Title 1"/>
           <p:cNvSpPr>
             <a:spLocks noGrp="1"/>
           </p:cNvSpPr>
@@ -23141,14 +23113,14 @@
       </p:sp>
       <p:sp>
         <p:nvSpPr>
-          <p:cNvPr id="715471223" name=""/>
+          <p:cNvPr id="1107718979" name=""/>
           <p:cNvSpPr txBox="1"/>
           <p:nvPr/>
         </p:nvSpPr>
         <p:spPr bwMode="auto">
           <a:xfrm flipH="0" flipV="0">
             <a:off x="609598" y="1863381"/>
-            <a:ext cx="10979639" cy="3017880"/>
+            <a:ext cx="10976759" cy="3993239"/>
           </a:xfrm>
           <a:prstGeom prst="rect">
             <a:avLst/>
@@ -23175,7 +23147,7 @@
                 <a:ea typeface="Arial"/>
                 <a:cs typeface="Arial"/>
               </a:rPr>
-              <a:t>PPP Authentication (Point-to-Point Protocol Authentication):</a:t>
+              <a:t>DHCP (Dynamic Host Configuration Protocol):</a:t>
             </a:r>
             <a:endParaRPr sz="3200" b="1" i="0" u="none" strike="noStrike" cap="none" spc="0">
               <a:solidFill>
@@ -23204,7 +23176,7 @@
                 <a:ea typeface="Arial"/>
                 <a:cs typeface="Arial"/>
               </a:rPr>
-              <a:t>Responsible for establishing point-to-point connections and provides encapsulation to facilitate the connection. Also supports authentication mechanisms (CHAP) between two network devices to add an additional layer of security.</a:t>
+              <a:t>Automatically assigns IP, gateway, and DNS addresses to devices on the network</a:t>
             </a:r>
             <a:endParaRPr lang="en-AU" sz="3200" b="0" i="0" u="none" strike="noStrike" cap="none" spc="0">
               <a:solidFill>
@@ -23217,11 +23189,84 @@
               <a:cs typeface="Arial"/>
             </a:endParaRPr>
           </a:p>
-        </p:txBody>
-      </p:sp>
-      <p:sp>
-        <p:nvSpPr>
-          <p:cNvPr id="25679015" name=""/>
+          <a:p>
+            <a:pPr>
+              <a:defRPr/>
+            </a:pPr>
+            <a:endParaRPr lang="en-AU" sz="3200" b="0" i="0" u="none" strike="noStrike" cap="none" spc="0">
+              <a:solidFill>
+                <a:schemeClr val="tx1">
+                  <a:lumMod val="75000"/>
+                  <a:lumOff val="25000"/>
+                </a:schemeClr>
+              </a:solidFill>
+              <a:latin typeface="Arial"/>
+              <a:cs typeface="Arial"/>
+            </a:endParaRPr>
+          </a:p>
+          <a:p>
+            <a:pPr>
+              <a:defRPr/>
+            </a:pPr>
+            <a:r>
+              <a:rPr lang="en-AU" sz="3200" b="1" i="0" u="none" strike="noStrike" cap="none" spc="0">
+                <a:solidFill>
+                  <a:schemeClr val="tx1">
+                    <a:lumMod val="75000"/>
+                    <a:lumOff val="25000"/>
+                  </a:schemeClr>
+                </a:solidFill>
+                <a:latin typeface="Arial"/>
+                <a:ea typeface="Arial"/>
+                <a:cs typeface="Arial"/>
+              </a:rPr>
+              <a:t>LACP (Link Aggregation Control Protocol):</a:t>
+            </a:r>
+            <a:endParaRPr sz="3200" b="1" i="0" u="none" strike="noStrike" cap="none" spc="0">
+              <a:solidFill>
+                <a:schemeClr val="tx1">
+                  <a:lumMod val="75000"/>
+                  <a:lumOff val="25000"/>
+                </a:schemeClr>
+              </a:solidFill>
+              <a:latin typeface="Arial"/>
+              <a:cs typeface="Arial"/>
+            </a:endParaRPr>
+          </a:p>
+          <a:p>
+            <a:pPr>
+              <a:defRPr/>
+            </a:pPr>
+            <a:r>
+              <a:rPr lang="en-AU" sz="3200" b="0" i="0" u="none" strike="noStrike" cap="none" spc="0">
+                <a:solidFill>
+                  <a:schemeClr val="tx1">
+                    <a:lumMod val="75000"/>
+                    <a:lumOff val="25000"/>
+                  </a:schemeClr>
+                </a:solidFill>
+                <a:latin typeface="Arial"/>
+                <a:ea typeface="Arial"/>
+                <a:cs typeface="Arial"/>
+              </a:rPr>
+              <a:t>Combines several physical links to form a single logical link for the purpose of increasing bandwidth also providing redundancy when one of the switches fails.</a:t>
+            </a:r>
+            <a:endParaRPr lang="en-AU" sz="3200" b="0" i="0" u="none" strike="noStrike" cap="none" spc="0">
+              <a:solidFill>
+                <a:schemeClr val="tx1">
+                  <a:lumMod val="75000"/>
+                  <a:lumOff val="25000"/>
+                </a:schemeClr>
+              </a:solidFill>
+              <a:latin typeface="Arial"/>
+              <a:cs typeface="Arial"/>
+            </a:endParaRPr>
+          </a:p>
+        </p:txBody>
+      </p:sp>
+      <p:sp>
+        <p:nvSpPr>
+          <p:cNvPr id="142005092" name=""/>
           <p:cNvSpPr txBox="1"/>
           <p:nvPr/>
         </p:nvSpPr>
@@ -23340,126 +23385,7 @@
       </p:grpSpPr>
       <p:sp>
         <p:nvSpPr>
-          <p:cNvPr id="1058130313" name="Subtitle 2"/>
-          <p:cNvSpPr>
-            <a:spLocks noGrp="1"/>
-          </p:cNvSpPr>
-          <p:nvPr>
-            <p:ph type="subTitle" idx="1"/>
-          </p:nvPr>
-        </p:nvSpPr>
-        <p:spPr bwMode="auto">
-          <a:xfrm>
-            <a:off x="4655838" y="2708919"/>
-            <a:ext cx="6720744" cy="720078"/>
-          </a:xfrm>
-        </p:spPr>
-        <p:txBody>
-          <a:bodyPr/>
-          <a:lstStyle>
-            <a:lvl1pPr marL="0" indent="0" algn="r">
-              <a:buNone/>
-              <a:defRPr>
-                <a:solidFill>
-                  <a:schemeClr val="tx1">
-                    <a:lumMod val="50000"/>
-                    <a:lumOff val="50000"/>
-                  </a:schemeClr>
-                </a:solidFill>
-              </a:defRPr>
-            </a:lvl1pPr>
-            <a:lvl2pPr marL="457200" indent="0" algn="ctr">
-              <a:buNone/>
-              <a:defRPr>
-                <a:solidFill>
-                  <a:schemeClr val="tx1">
-                    <a:tint val="75000"/>
-                  </a:schemeClr>
-                </a:solidFill>
-              </a:defRPr>
-            </a:lvl2pPr>
-            <a:lvl3pPr marL="914400" indent="0" algn="ctr">
-              <a:buNone/>
-              <a:defRPr>
-                <a:solidFill>
-                  <a:schemeClr val="tx1">
-                    <a:tint val="75000"/>
-                  </a:schemeClr>
-                </a:solidFill>
-              </a:defRPr>
-            </a:lvl3pPr>
-            <a:lvl4pPr marL="1371600" indent="0" algn="ctr">
-              <a:buNone/>
-              <a:defRPr>
-                <a:solidFill>
-                  <a:schemeClr val="tx1">
-                    <a:tint val="75000"/>
-                  </a:schemeClr>
-                </a:solidFill>
-              </a:defRPr>
-            </a:lvl4pPr>
-            <a:lvl5pPr marL="1828800" indent="0" algn="ctr">
-              <a:buNone/>
-              <a:defRPr>
-                <a:solidFill>
-                  <a:schemeClr val="tx1">
-                    <a:tint val="75000"/>
-                  </a:schemeClr>
-                </a:solidFill>
-              </a:defRPr>
-            </a:lvl5pPr>
-            <a:lvl6pPr marL="2286000" indent="0" algn="ctr">
-              <a:buNone/>
-              <a:defRPr>
-                <a:solidFill>
-                  <a:schemeClr val="tx1">
-                    <a:tint val="75000"/>
-                  </a:schemeClr>
-                </a:solidFill>
-              </a:defRPr>
-            </a:lvl6pPr>
-            <a:lvl7pPr marL="2743200" indent="0" algn="ctr">
-              <a:buNone/>
-              <a:defRPr>
-                <a:solidFill>
-                  <a:schemeClr val="tx1">
-                    <a:tint val="75000"/>
-                  </a:schemeClr>
-                </a:solidFill>
-              </a:defRPr>
-            </a:lvl7pPr>
-            <a:lvl8pPr marL="3200400" indent="0" algn="ctr">
-              <a:buNone/>
-              <a:defRPr>
-                <a:solidFill>
-                  <a:schemeClr val="tx1">
-                    <a:tint val="75000"/>
-                  </a:schemeClr>
-                </a:solidFill>
-              </a:defRPr>
-            </a:lvl8pPr>
-            <a:lvl9pPr marL="3657600" indent="0" algn="ctr">
-              <a:buNone/>
-              <a:defRPr>
-                <a:solidFill>
-                  <a:schemeClr val="tx1">
-                    <a:tint val="75000"/>
-                  </a:schemeClr>
-                </a:solidFill>
-              </a:defRPr>
-            </a:lvl9pPr>
-          </a:lstStyle>
-          <a:p>
-            <a:pPr>
-              <a:defRPr/>
-            </a:pPr>
-            <a:endParaRPr/>
-          </a:p>
-        </p:txBody>
-      </p:sp>
-      <p:sp>
-        <p:nvSpPr>
-          <p:cNvPr id="1126376044" name="Title 6"/>
+          <p:cNvPr id="147164094" name="Title 1"/>
           <p:cNvSpPr>
             <a:spLocks noGrp="1"/>
           </p:cNvSpPr>
@@ -23467,34 +23393,270 @@
             <p:ph type="title"/>
           </p:nvPr>
         </p:nvSpPr>
-        <p:spPr bwMode="auto">
-          <a:xfrm flipH="0" flipV="0">
-            <a:off x="4595833" y="1208941"/>
-            <a:ext cx="6720744" cy="1319956"/>
-          </a:xfrm>
-        </p:spPr>
+        <p:spPr bwMode="auto"/>
         <p:txBody>
           <a:bodyPr vertOverflow="overflow" horzOverflow="overflow" vert="horz" wrap="square" lIns="91440" tIns="45720" rIns="91440" bIns="45720" numCol="1" spcCol="0" rtlCol="0" fromWordArt="0" anchor="ctr" anchorCtr="0" forceAA="0" upright="0" compatLnSpc="0">
             <a:normAutofit/>
           </a:bodyPr>
-          <a:lstStyle>
-            <a:lvl1pPr algn="r">
-              <a:defRPr/>
-            </a:lvl1pPr>
-          </a:lstStyle>
-          <a:p>
-            <a:pPr>
-              <a:defRPr/>
-            </a:pPr>
-            <a:r>
-              <a:rPr lang="en-AU">
+          <a:lstStyle/>
+          <a:p>
+            <a:pPr>
+              <a:defRPr/>
+            </a:pPr>
+            <a:r>
+              <a:rPr lang="en-AU" sz="4400" b="0" i="0" u="none" strike="noStrike" cap="none" spc="0">
+                <a:solidFill>
+                  <a:schemeClr val="tx1">
+                    <a:lumMod val="65000"/>
+                    <a:lumOff val="35000"/>
+                  </a:schemeClr>
+                </a:solidFill>
                 <a:latin typeface="Arial"/>
                 <a:ea typeface="Arial"/>
                 <a:cs typeface="Arial"/>
               </a:rPr>
-              <a:t>Bibliography</a:t>
-            </a:r>
-            <a:endParaRPr/>
+              <a:t>Encapsulation PPP</a:t>
+            </a:r>
+            <a:endParaRPr sz="4400"/>
+          </a:p>
+        </p:txBody>
+      </p:sp>
+      <p:sp>
+        <p:nvSpPr>
+          <p:cNvPr id="1915313713" name=""/>
+          <p:cNvSpPr txBox="1"/>
+          <p:nvPr/>
+        </p:nvSpPr>
+        <p:spPr bwMode="auto">
+          <a:xfrm flipH="0" flipV="0">
+            <a:off x="609598" y="1863381"/>
+            <a:ext cx="10977839" cy="3505559"/>
+          </a:xfrm>
+          <a:prstGeom prst="rect">
+            <a:avLst/>
+          </a:prstGeom>
+          <a:noFill/>
+        </p:spPr>
+        <p:txBody>
+          <a:bodyPr vertOverflow="overflow" horzOverflow="overflow" vert="horz" wrap="square" lIns="91440" tIns="45720" rIns="91440" bIns="45720" numCol="1" spcCol="0" rtlCol="0" fromWordArt="0" anchor="t" anchorCtr="0" forceAA="0" upright="0" compatLnSpc="0">
+            <a:spAutoFit/>
+          </a:bodyPr>
+          <a:p>
+            <a:pPr>
+              <a:defRPr/>
+            </a:pPr>
+            <a:r>
+              <a:rPr lang="en-AU" sz="3200" b="1" i="0" u="none" strike="noStrike" cap="none" spc="0">
+                <a:solidFill>
+                  <a:schemeClr val="tx1">
+                    <a:lumMod val="75000"/>
+                    <a:lumOff val="25000"/>
+                  </a:schemeClr>
+                </a:solidFill>
+                <a:latin typeface="Arial"/>
+                <a:ea typeface="Arial"/>
+                <a:cs typeface="Arial"/>
+              </a:rPr>
+              <a:t>HSRP (Hot Standby Router Protocol):</a:t>
+            </a:r>
+            <a:endParaRPr sz="3200" b="1" i="0" u="none" strike="noStrike" cap="none" spc="0">
+              <a:solidFill>
+                <a:schemeClr val="tx1">
+                  <a:lumMod val="75000"/>
+                  <a:lumOff val="25000"/>
+                </a:schemeClr>
+              </a:solidFill>
+              <a:latin typeface="Arial"/>
+              <a:cs typeface="Arial"/>
+            </a:endParaRPr>
+          </a:p>
+          <a:p>
+            <a:pPr>
+              <a:defRPr/>
+            </a:pPr>
+            <a:r>
+              <a:rPr lang="en-AU" sz="3200" b="0" i="0" u="none" strike="noStrike" cap="none" spc="0">
+                <a:solidFill>
+                  <a:schemeClr val="tx1">
+                    <a:lumMod val="75000"/>
+                    <a:lumOff val="25000"/>
+                  </a:schemeClr>
+                </a:solidFill>
+                <a:latin typeface="Arial"/>
+                <a:ea typeface="Arial"/>
+                <a:cs typeface="Arial"/>
+              </a:rPr>
+              <a:t>Provides redundancy. If the primary router fails, another router automatically takes over, ensuring service continuity.</a:t>
+            </a:r>
+            <a:endParaRPr lang="en-AU" sz="3200" b="0" i="0" u="none" strike="noStrike" cap="none" spc="0">
+              <a:solidFill>
+                <a:schemeClr val="tx1">
+                  <a:lumMod val="75000"/>
+                  <a:lumOff val="25000"/>
+                </a:schemeClr>
+              </a:solidFill>
+              <a:latin typeface="Arial"/>
+              <a:cs typeface="Arial"/>
+            </a:endParaRPr>
+          </a:p>
+          <a:p>
+            <a:pPr>
+              <a:defRPr/>
+            </a:pPr>
+            <a:endParaRPr lang="en-AU" sz="3200" b="0" i="0" u="none" strike="noStrike" cap="none" spc="0">
+              <a:solidFill>
+                <a:schemeClr val="tx1">
+                  <a:lumMod val="75000"/>
+                  <a:lumOff val="25000"/>
+                </a:schemeClr>
+              </a:solidFill>
+              <a:latin typeface="Arial"/>
+              <a:cs typeface="Arial"/>
+            </a:endParaRPr>
+          </a:p>
+          <a:p>
+            <a:pPr>
+              <a:defRPr/>
+            </a:pPr>
+            <a:r>
+              <a:rPr lang="en-AU" sz="3200" b="1" i="0" u="none" strike="noStrike" cap="none" spc="0">
+                <a:solidFill>
+                  <a:schemeClr val="tx1">
+                    <a:lumMod val="75000"/>
+                    <a:lumOff val="25000"/>
+                  </a:schemeClr>
+                </a:solidFill>
+                <a:latin typeface="Arial"/>
+                <a:ea typeface="Arial"/>
+                <a:cs typeface="Arial"/>
+              </a:rPr>
+              <a:t>OSPF (Open Shortest Path First):</a:t>
+            </a:r>
+            <a:endParaRPr sz="3200" b="1" i="0" u="none" strike="noStrike" cap="none" spc="0">
+              <a:solidFill>
+                <a:schemeClr val="tx1">
+                  <a:lumMod val="75000"/>
+                  <a:lumOff val="25000"/>
+                </a:schemeClr>
+              </a:solidFill>
+              <a:latin typeface="Arial"/>
+              <a:cs typeface="Arial"/>
+            </a:endParaRPr>
+          </a:p>
+          <a:p>
+            <a:pPr>
+              <a:defRPr/>
+            </a:pPr>
+            <a:r>
+              <a:rPr lang="en-AU" sz="3200" b="0" i="0" u="none" strike="noStrike" cap="none" spc="0">
+                <a:solidFill>
+                  <a:schemeClr val="tx1">
+                    <a:lumMod val="75000"/>
+                    <a:lumOff val="25000"/>
+                  </a:schemeClr>
+                </a:solidFill>
+                <a:latin typeface="Arial"/>
+                <a:ea typeface="Arial"/>
+                <a:cs typeface="Arial"/>
+              </a:rPr>
+              <a:t>Dynamic routing that allows the calculation of the most efficient route to send packets in a network.</a:t>
+            </a:r>
+            <a:endParaRPr lang="en-AU" sz="3200" b="0" i="0" u="none" strike="noStrike" cap="none" spc="0">
+              <a:solidFill>
+                <a:schemeClr val="tx1">
+                  <a:lumMod val="75000"/>
+                  <a:lumOff val="25000"/>
+                </a:schemeClr>
+              </a:solidFill>
+              <a:latin typeface="Arial"/>
+              <a:cs typeface="Arial"/>
+            </a:endParaRPr>
+          </a:p>
+        </p:txBody>
+      </p:sp>
+      <p:sp>
+        <p:nvSpPr>
+          <p:cNvPr id="1118551135" name=""/>
+          <p:cNvSpPr txBox="1"/>
+          <p:nvPr/>
+        </p:nvSpPr>
+        <p:spPr bwMode="auto">
+          <a:xfrm flipH="0" flipV="0">
+            <a:off x="6004378" y="2752341"/>
+            <a:ext cx="183240" cy="1353312"/>
+          </a:xfrm>
+          <a:prstGeom prst="rect">
+            <a:avLst/>
+          </a:prstGeom>
+          <a:noFill/>
+        </p:spPr>
+        <p:txBody>
+          <a:bodyPr vertOverflow="overflow" horzOverflow="overflow" vert="horz" wrap="square" lIns="91440" tIns="45720" rIns="91440" bIns="45720" numCol="1" spcCol="0" rtlCol="0" fromWordArt="0" anchor="t" anchorCtr="0" forceAA="0" upright="0" compatLnSpc="0">
+            <a:spAutoFit/>
+          </a:bodyPr>
+          <a:p>
+            <a:pPr algn="l">
+              <a:lnSpc>
+                <a:spcPct val="114999"/>
+              </a:lnSpc>
+              <a:spcAft>
+                <a:spcPts val="0"/>
+              </a:spcAft>
+              <a:defRPr/>
+            </a:pPr>
+            <a:endParaRPr lang="en-AU">
+              <a:latin typeface="Arial"/>
+              <a:ea typeface="Arial"/>
+              <a:cs typeface="Arial"/>
+            </a:endParaRPr>
+          </a:p>
+          <a:p>
+            <a:pPr algn="l">
+              <a:lnSpc>
+                <a:spcPct val="114999"/>
+              </a:lnSpc>
+              <a:spcAft>
+                <a:spcPts val="0"/>
+              </a:spcAft>
+              <a:defRPr/>
+            </a:pPr>
+            <a:endParaRPr lang="en-AU">
+              <a:latin typeface="Arial"/>
+              <a:ea typeface="Arial"/>
+              <a:cs typeface="Arial"/>
+            </a:endParaRPr>
+          </a:p>
+          <a:p>
+            <a:pPr algn="l">
+              <a:lnSpc>
+                <a:spcPct val="114999"/>
+              </a:lnSpc>
+              <a:spcAft>
+                <a:spcPts val="0"/>
+              </a:spcAft>
+              <a:defRPr/>
+            </a:pPr>
+            <a:endParaRPr lang="en-AU">
+              <a:latin typeface="Arial"/>
+              <a:ea typeface="Arial"/>
+              <a:cs typeface="Arial"/>
+            </a:endParaRPr>
+          </a:p>
+          <a:p>
+            <a:pPr algn="l">
+              <a:lnSpc>
+                <a:spcPct val="114999"/>
+              </a:lnSpc>
+              <a:spcAft>
+                <a:spcPts val="0"/>
+              </a:spcAft>
+              <a:defRPr/>
+            </a:pPr>
+            <a:endParaRPr lang="en-AU">
+              <a:latin typeface="Arial"/>
+              <a:ea typeface="Arial"/>
+              <a:cs typeface="Arial"/>
+            </a:endParaRPr>
           </a:p>
         </p:txBody>
       </p:sp>
@@ -23533,6 +23695,746 @@
       </p:grpSpPr>
       <p:sp>
         <p:nvSpPr>
+          <p:cNvPr id="1215630870" name="Title 1"/>
+          <p:cNvSpPr>
+            <a:spLocks noGrp="1"/>
+          </p:cNvSpPr>
+          <p:nvPr>
+            <p:ph type="title"/>
+          </p:nvPr>
+        </p:nvSpPr>
+        <p:spPr bwMode="auto"/>
+        <p:txBody>
+          <a:bodyPr vertOverflow="overflow" horzOverflow="overflow" vert="horz" wrap="square" lIns="91440" tIns="45720" rIns="91440" bIns="45720" numCol="1" spcCol="0" rtlCol="0" fromWordArt="0" anchor="ctr" anchorCtr="0" forceAA="0" upright="0" compatLnSpc="0">
+            <a:normAutofit/>
+          </a:bodyPr>
+          <a:lstStyle/>
+          <a:p>
+            <a:pPr>
+              <a:defRPr/>
+            </a:pPr>
+            <a:r>
+              <a:rPr lang="en-AU" sz="4400" b="0" i="0" u="none" strike="noStrike" cap="none" spc="0">
+                <a:solidFill>
+                  <a:schemeClr val="tx1">
+                    <a:lumMod val="65000"/>
+                    <a:lumOff val="35000"/>
+                  </a:schemeClr>
+                </a:solidFill>
+                <a:latin typeface="Arial"/>
+                <a:ea typeface="Arial"/>
+                <a:cs typeface="Arial"/>
+              </a:rPr>
+              <a:t>Encapsulation PPP</a:t>
+            </a:r>
+            <a:endParaRPr sz="4400"/>
+          </a:p>
+        </p:txBody>
+      </p:sp>
+      <p:sp>
+        <p:nvSpPr>
+          <p:cNvPr id="1759256401" name=""/>
+          <p:cNvSpPr txBox="1"/>
+          <p:nvPr/>
+        </p:nvSpPr>
+        <p:spPr bwMode="auto">
+          <a:xfrm flipH="0" flipV="0">
+            <a:off x="609598" y="1863381"/>
+            <a:ext cx="10978919" cy="3993239"/>
+          </a:xfrm>
+          <a:prstGeom prst="rect">
+            <a:avLst/>
+          </a:prstGeom>
+          <a:noFill/>
+        </p:spPr>
+        <p:txBody>
+          <a:bodyPr vertOverflow="overflow" horzOverflow="overflow" vert="horz" wrap="square" lIns="91440" tIns="45720" rIns="91440" bIns="45720" numCol="1" spcCol="0" rtlCol="0" fromWordArt="0" anchor="t" anchorCtr="0" forceAA="0" upright="0" compatLnSpc="0">
+            <a:spAutoFit/>
+          </a:bodyPr>
+          <a:p>
+            <a:pPr>
+              <a:defRPr/>
+            </a:pPr>
+            <a:r>
+              <a:rPr lang="en-AU" sz="3200" b="1" i="0" u="none" strike="noStrike" cap="none" spc="0">
+                <a:solidFill>
+                  <a:schemeClr val="tx1">
+                    <a:lumMod val="75000"/>
+                    <a:lumOff val="25000"/>
+                  </a:schemeClr>
+                </a:solidFill>
+                <a:latin typeface="Arial"/>
+                <a:ea typeface="Arial"/>
+                <a:cs typeface="Arial"/>
+              </a:rPr>
+              <a:t>ACLs (Access Control Lists): </a:t>
+            </a:r>
+            <a:endParaRPr sz="3200" b="1" i="0" u="none" strike="noStrike" cap="none" spc="0">
+              <a:solidFill>
+                <a:schemeClr val="tx1">
+                  <a:lumMod val="75000"/>
+                  <a:lumOff val="25000"/>
+                </a:schemeClr>
+              </a:solidFill>
+              <a:latin typeface="Arial"/>
+              <a:cs typeface="Arial"/>
+            </a:endParaRPr>
+          </a:p>
+          <a:p>
+            <a:pPr>
+              <a:defRPr/>
+            </a:pPr>
+            <a:r>
+              <a:rPr lang="en-AU" sz="3200" b="0" i="0" u="none" strike="noStrike" cap="none" spc="0">
+                <a:solidFill>
+                  <a:schemeClr val="tx1">
+                    <a:lumMod val="75000"/>
+                    <a:lumOff val="25000"/>
+                  </a:schemeClr>
+                </a:solidFill>
+                <a:latin typeface="Arial"/>
+                <a:ea typeface="Arial"/>
+                <a:cs typeface="Arial"/>
+              </a:rPr>
+              <a:t>Rules applied to allow or deny traffic. They are used to filter traffic and improve security.</a:t>
+            </a:r>
+            <a:endParaRPr lang="en-AU" sz="3200" b="0" i="0" u="none" strike="noStrike" cap="none" spc="0">
+              <a:solidFill>
+                <a:schemeClr val="tx1">
+                  <a:lumMod val="75000"/>
+                  <a:lumOff val="25000"/>
+                </a:schemeClr>
+              </a:solidFill>
+              <a:latin typeface="Arial"/>
+              <a:cs typeface="Arial"/>
+            </a:endParaRPr>
+          </a:p>
+          <a:p>
+            <a:pPr>
+              <a:defRPr/>
+            </a:pPr>
+            <a:endParaRPr lang="en-AU" sz="3200" b="0" i="0" u="none" strike="noStrike" cap="none" spc="0">
+              <a:solidFill>
+                <a:schemeClr val="tx1">
+                  <a:lumMod val="75000"/>
+                  <a:lumOff val="25000"/>
+                </a:schemeClr>
+              </a:solidFill>
+              <a:latin typeface="Arial"/>
+              <a:cs typeface="Arial"/>
+            </a:endParaRPr>
+          </a:p>
+          <a:p>
+            <a:pPr>
+              <a:defRPr/>
+            </a:pPr>
+            <a:r>
+              <a:rPr lang="en-AU" sz="3200" b="1" i="0" u="none" strike="noStrike" cap="none" spc="0">
+                <a:solidFill>
+                  <a:schemeClr val="tx1">
+                    <a:lumMod val="75000"/>
+                    <a:lumOff val="25000"/>
+                  </a:schemeClr>
+                </a:solidFill>
+                <a:latin typeface="Arial"/>
+                <a:ea typeface="Arial"/>
+                <a:cs typeface="Arial"/>
+              </a:rPr>
+              <a:t>VPN IPsec (Internet Protocol Security):</a:t>
+            </a:r>
+            <a:endParaRPr sz="3200" b="1" i="0" u="none" strike="noStrike" cap="none" spc="0">
+              <a:solidFill>
+                <a:schemeClr val="tx1">
+                  <a:lumMod val="75000"/>
+                  <a:lumOff val="25000"/>
+                </a:schemeClr>
+              </a:solidFill>
+              <a:latin typeface="Arial"/>
+              <a:cs typeface="Arial"/>
+            </a:endParaRPr>
+          </a:p>
+          <a:p>
+            <a:pPr>
+              <a:defRPr/>
+            </a:pPr>
+            <a:r>
+              <a:rPr lang="en-AU" sz="3200" b="0" i="0" u="none" strike="noStrike" cap="none" spc="0">
+                <a:solidFill>
+                  <a:schemeClr val="tx1">
+                    <a:lumMod val="75000"/>
+                    <a:lumOff val="25000"/>
+                  </a:schemeClr>
+                </a:solidFill>
+                <a:latin typeface="Arial"/>
+                <a:ea typeface="Arial"/>
+                <a:cs typeface="Arial"/>
+              </a:rPr>
+              <a:t>Creates secure (encrypted) connections over the Internet between two networks (site-to-site), protecting data confidentiality and integrity.</a:t>
+            </a:r>
+            <a:endParaRPr lang="en-AU" sz="3200" b="0" i="0" u="none" strike="noStrike" cap="none" spc="0">
+              <a:solidFill>
+                <a:schemeClr val="tx1">
+                  <a:lumMod val="75000"/>
+                  <a:lumOff val="25000"/>
+                </a:schemeClr>
+              </a:solidFill>
+              <a:latin typeface="Arial"/>
+              <a:cs typeface="Arial"/>
+            </a:endParaRPr>
+          </a:p>
+        </p:txBody>
+      </p:sp>
+      <p:sp>
+        <p:nvSpPr>
+          <p:cNvPr id="1808845418" name=""/>
+          <p:cNvSpPr txBox="1"/>
+          <p:nvPr/>
+        </p:nvSpPr>
+        <p:spPr bwMode="auto">
+          <a:xfrm flipH="0" flipV="0">
+            <a:off x="6004378" y="2752341"/>
+            <a:ext cx="183240" cy="1353312"/>
+          </a:xfrm>
+          <a:prstGeom prst="rect">
+            <a:avLst/>
+          </a:prstGeom>
+          <a:noFill/>
+        </p:spPr>
+        <p:txBody>
+          <a:bodyPr vertOverflow="overflow" horzOverflow="overflow" vert="horz" wrap="square" lIns="91440" tIns="45720" rIns="91440" bIns="45720" numCol="1" spcCol="0" rtlCol="0" fromWordArt="0" anchor="t" anchorCtr="0" forceAA="0" upright="0" compatLnSpc="0">
+            <a:spAutoFit/>
+          </a:bodyPr>
+          <a:p>
+            <a:pPr algn="l">
+              <a:lnSpc>
+                <a:spcPct val="114999"/>
+              </a:lnSpc>
+              <a:spcAft>
+                <a:spcPts val="0"/>
+              </a:spcAft>
+              <a:defRPr/>
+            </a:pPr>
+            <a:endParaRPr lang="en-AU">
+              <a:latin typeface="Arial"/>
+              <a:ea typeface="Arial"/>
+              <a:cs typeface="Arial"/>
+            </a:endParaRPr>
+          </a:p>
+          <a:p>
+            <a:pPr algn="l">
+              <a:lnSpc>
+                <a:spcPct val="114999"/>
+              </a:lnSpc>
+              <a:spcAft>
+                <a:spcPts val="0"/>
+              </a:spcAft>
+              <a:defRPr/>
+            </a:pPr>
+            <a:endParaRPr lang="en-AU">
+              <a:latin typeface="Arial"/>
+              <a:ea typeface="Arial"/>
+              <a:cs typeface="Arial"/>
+            </a:endParaRPr>
+          </a:p>
+          <a:p>
+            <a:pPr algn="l">
+              <a:lnSpc>
+                <a:spcPct val="114999"/>
+              </a:lnSpc>
+              <a:spcAft>
+                <a:spcPts val="0"/>
+              </a:spcAft>
+              <a:defRPr/>
+            </a:pPr>
+            <a:endParaRPr lang="en-AU">
+              <a:latin typeface="Arial"/>
+              <a:ea typeface="Arial"/>
+              <a:cs typeface="Arial"/>
+            </a:endParaRPr>
+          </a:p>
+          <a:p>
+            <a:pPr algn="l">
+              <a:lnSpc>
+                <a:spcPct val="114999"/>
+              </a:lnSpc>
+              <a:spcAft>
+                <a:spcPts val="0"/>
+              </a:spcAft>
+              <a:defRPr/>
+            </a:pPr>
+            <a:endParaRPr lang="en-AU">
+              <a:latin typeface="Arial"/>
+              <a:ea typeface="Arial"/>
+              <a:cs typeface="Arial"/>
+            </a:endParaRPr>
+          </a:p>
+        </p:txBody>
+      </p:sp>
+    </p:spTree>
+  </p:cSld>
+  <p:clrMapOvr>
+    <a:masterClrMapping/>
+  </p:clrMapOvr>
+  <mc:AlternateContent xmlns:mc="http://schemas.openxmlformats.org/markup-compatibility/2006">
+    <mc:Choice xmlns:p159="http://schemas.microsoft.com/office/powerpoint/2015/09/main" xmlns:p14="http://schemas.microsoft.com/office/powerpoint/2010/main" Requires="p159">
+      <p:transition p14:dur="2000" advClick="1"/>
+    </mc:Choice>
+    <mc:Fallback>
+      <p:transition advClick="1"/>
+    </mc:Fallback>
+  </mc:AlternateContent>
+</p:sld>
+</file>
+
+<file path=ppt/slides/slide67.xml><?xml version="1.0" encoding="utf-8"?>
+<p:sld xmlns:a="http://schemas.openxmlformats.org/drawingml/2006/main" xmlns:r="http://schemas.openxmlformats.org/officeDocument/2006/relationships" xmlns:p="http://schemas.openxmlformats.org/presentationml/2006/main" xmlns:m="http://schemas.openxmlformats.org/officeDocument/2006/math" xmlns:w="http://schemas.openxmlformats.org/wordprocessingml/2006/main" xmlns:mc="http://schemas.openxmlformats.org/markup-compatibility/2006" showMasterPhAnim="0" showMasterSp="1" show="1">
+  <p:cSld name="">
+    <p:spTree>
+      <p:nvGrpSpPr>
+        <p:cNvPr id="1" name=""/>
+        <p:cNvGrpSpPr/>
+        <p:nvPr/>
+      </p:nvGrpSpPr>
+      <p:grpSpPr bwMode="auto">
+        <a:xfrm>
+          <a:off x="0" y="0"/>
+          <a:ext cx="0" cy="0"/>
+          <a:chOff x="0" y="0"/>
+          <a:chExt cx="0" cy="0"/>
+        </a:xfrm>
+      </p:grpSpPr>
+      <p:sp>
+        <p:nvSpPr>
+          <p:cNvPr id="427509594" name="Title 1"/>
+          <p:cNvSpPr>
+            <a:spLocks noGrp="1"/>
+          </p:cNvSpPr>
+          <p:nvPr>
+            <p:ph type="title"/>
+          </p:nvPr>
+        </p:nvSpPr>
+        <p:spPr bwMode="auto"/>
+        <p:txBody>
+          <a:bodyPr vertOverflow="overflow" horzOverflow="overflow" vert="horz" wrap="square" lIns="91440" tIns="45720" rIns="91440" bIns="45720" numCol="1" spcCol="0" rtlCol="0" fromWordArt="0" anchor="ctr" anchorCtr="0" forceAA="0" upright="0" compatLnSpc="0">
+            <a:normAutofit/>
+          </a:bodyPr>
+          <a:lstStyle/>
+          <a:p>
+            <a:pPr>
+              <a:defRPr/>
+            </a:pPr>
+            <a:r>
+              <a:rPr lang="en-AU" sz="4400" b="0" i="0" u="none" strike="noStrike" cap="none" spc="0">
+                <a:solidFill>
+                  <a:schemeClr val="tx1">
+                    <a:lumMod val="65000"/>
+                    <a:lumOff val="35000"/>
+                  </a:schemeClr>
+                </a:solidFill>
+                <a:latin typeface="Arial"/>
+                <a:ea typeface="Arial"/>
+                <a:cs typeface="Arial"/>
+              </a:rPr>
+              <a:t>Encapsulation PPP</a:t>
+            </a:r>
+            <a:endParaRPr sz="4400"/>
+          </a:p>
+        </p:txBody>
+      </p:sp>
+      <p:sp>
+        <p:nvSpPr>
+          <p:cNvPr id="715471223" name=""/>
+          <p:cNvSpPr txBox="1"/>
+          <p:nvPr/>
+        </p:nvSpPr>
+        <p:spPr bwMode="auto">
+          <a:xfrm flipH="0" flipV="0">
+            <a:off x="609598" y="1863381"/>
+            <a:ext cx="10979639" cy="3017880"/>
+          </a:xfrm>
+          <a:prstGeom prst="rect">
+            <a:avLst/>
+          </a:prstGeom>
+          <a:noFill/>
+        </p:spPr>
+        <p:txBody>
+          <a:bodyPr vertOverflow="overflow" horzOverflow="overflow" vert="horz" wrap="square" lIns="91440" tIns="45720" rIns="91440" bIns="45720" numCol="1" spcCol="0" rtlCol="0" fromWordArt="0" anchor="t" anchorCtr="0" forceAA="0" upright="0" compatLnSpc="0">
+            <a:spAutoFit/>
+          </a:bodyPr>
+          <a:p>
+            <a:pPr>
+              <a:defRPr/>
+            </a:pPr>
+            <a:r>
+              <a:rPr lang="en-AU" sz="3200" b="1" i="0" u="none" strike="noStrike" cap="none" spc="0">
+                <a:solidFill>
+                  <a:schemeClr val="tx1">
+                    <a:lumMod val="75000"/>
+                    <a:lumOff val="25000"/>
+                  </a:schemeClr>
+                </a:solidFill>
+                <a:latin typeface="Arial"/>
+                <a:ea typeface="Arial"/>
+                <a:cs typeface="Arial"/>
+              </a:rPr>
+              <a:t>PPP Authentication (Point-to-Point Protocol Authentication):</a:t>
+            </a:r>
+            <a:endParaRPr sz="3200" b="1" i="0" u="none" strike="noStrike" cap="none" spc="0">
+              <a:solidFill>
+                <a:schemeClr val="tx1">
+                  <a:lumMod val="75000"/>
+                  <a:lumOff val="25000"/>
+                </a:schemeClr>
+              </a:solidFill>
+              <a:latin typeface="Arial"/>
+              <a:cs typeface="Arial"/>
+            </a:endParaRPr>
+          </a:p>
+          <a:p>
+            <a:pPr>
+              <a:defRPr/>
+            </a:pPr>
+            <a:r>
+              <a:rPr lang="en-AU" sz="3200" b="0" i="0" u="none" strike="noStrike" cap="none" spc="0">
+                <a:solidFill>
+                  <a:schemeClr val="tx1">
+                    <a:lumMod val="75000"/>
+                    <a:lumOff val="25000"/>
+                  </a:schemeClr>
+                </a:solidFill>
+                <a:latin typeface="Arial"/>
+                <a:ea typeface="Arial"/>
+                <a:cs typeface="Arial"/>
+              </a:rPr>
+              <a:t>Responsible for establishing point-to-point connections and provides encapsulation to facilitate the connection. Also supports authentication mechanisms (CHAP) between two network devices to add an additional layer of security.</a:t>
+            </a:r>
+            <a:endParaRPr lang="en-AU" sz="3200" b="0" i="0" u="none" strike="noStrike" cap="none" spc="0">
+              <a:solidFill>
+                <a:schemeClr val="tx1">
+                  <a:lumMod val="75000"/>
+                  <a:lumOff val="25000"/>
+                </a:schemeClr>
+              </a:solidFill>
+              <a:latin typeface="Arial"/>
+              <a:cs typeface="Arial"/>
+            </a:endParaRPr>
+          </a:p>
+        </p:txBody>
+      </p:sp>
+      <p:sp>
+        <p:nvSpPr>
+          <p:cNvPr id="25679015" name=""/>
+          <p:cNvSpPr txBox="1"/>
+          <p:nvPr/>
+        </p:nvSpPr>
+        <p:spPr bwMode="auto">
+          <a:xfrm flipH="0" flipV="0">
+            <a:off x="6004378" y="2752341"/>
+            <a:ext cx="183240" cy="1353312"/>
+          </a:xfrm>
+          <a:prstGeom prst="rect">
+            <a:avLst/>
+          </a:prstGeom>
+          <a:noFill/>
+        </p:spPr>
+        <p:txBody>
+          <a:bodyPr vertOverflow="overflow" horzOverflow="overflow" vert="horz" wrap="square" lIns="91440" tIns="45720" rIns="91440" bIns="45720" numCol="1" spcCol="0" rtlCol="0" fromWordArt="0" anchor="t" anchorCtr="0" forceAA="0" upright="0" compatLnSpc="0">
+            <a:spAutoFit/>
+          </a:bodyPr>
+          <a:p>
+            <a:pPr algn="l">
+              <a:lnSpc>
+                <a:spcPct val="114999"/>
+              </a:lnSpc>
+              <a:spcAft>
+                <a:spcPts val="0"/>
+              </a:spcAft>
+              <a:defRPr/>
+            </a:pPr>
+            <a:endParaRPr lang="en-AU">
+              <a:latin typeface="Arial"/>
+              <a:ea typeface="Arial"/>
+              <a:cs typeface="Arial"/>
+            </a:endParaRPr>
+          </a:p>
+          <a:p>
+            <a:pPr algn="l">
+              <a:lnSpc>
+                <a:spcPct val="114999"/>
+              </a:lnSpc>
+              <a:spcAft>
+                <a:spcPts val="0"/>
+              </a:spcAft>
+              <a:defRPr/>
+            </a:pPr>
+            <a:endParaRPr lang="en-AU">
+              <a:latin typeface="Arial"/>
+              <a:ea typeface="Arial"/>
+              <a:cs typeface="Arial"/>
+            </a:endParaRPr>
+          </a:p>
+          <a:p>
+            <a:pPr algn="l">
+              <a:lnSpc>
+                <a:spcPct val="114999"/>
+              </a:lnSpc>
+              <a:spcAft>
+                <a:spcPts val="0"/>
+              </a:spcAft>
+              <a:defRPr/>
+            </a:pPr>
+            <a:endParaRPr lang="en-AU">
+              <a:latin typeface="Arial"/>
+              <a:ea typeface="Arial"/>
+              <a:cs typeface="Arial"/>
+            </a:endParaRPr>
+          </a:p>
+          <a:p>
+            <a:pPr algn="l">
+              <a:lnSpc>
+                <a:spcPct val="114999"/>
+              </a:lnSpc>
+              <a:spcAft>
+                <a:spcPts val="0"/>
+              </a:spcAft>
+              <a:defRPr/>
+            </a:pPr>
+            <a:endParaRPr lang="en-AU">
+              <a:latin typeface="Arial"/>
+              <a:ea typeface="Arial"/>
+              <a:cs typeface="Arial"/>
+            </a:endParaRPr>
+          </a:p>
+        </p:txBody>
+      </p:sp>
+    </p:spTree>
+  </p:cSld>
+  <p:clrMapOvr>
+    <a:masterClrMapping/>
+  </p:clrMapOvr>
+  <mc:AlternateContent xmlns:mc="http://schemas.openxmlformats.org/markup-compatibility/2006">
+    <mc:Choice xmlns:p159="http://schemas.microsoft.com/office/powerpoint/2015/09/main" xmlns:p14="http://schemas.microsoft.com/office/powerpoint/2010/main" Requires="p159">
+      <p:transition p14:dur="2000" advClick="1"/>
+    </mc:Choice>
+    <mc:Fallback>
+      <p:transition advClick="1"/>
+    </mc:Fallback>
+  </mc:AlternateContent>
+</p:sld>
+</file>
+
+<file path=ppt/slides/slide68.xml><?xml version="1.0" encoding="utf-8"?>
+<p:sld xmlns:a="http://schemas.openxmlformats.org/drawingml/2006/main" xmlns:r="http://schemas.openxmlformats.org/officeDocument/2006/relationships" xmlns:p="http://schemas.openxmlformats.org/presentationml/2006/main" xmlns:m="http://schemas.openxmlformats.org/officeDocument/2006/math" xmlns:w="http://schemas.openxmlformats.org/wordprocessingml/2006/main" xmlns:mc="http://schemas.openxmlformats.org/markup-compatibility/2006" showMasterPhAnim="0" showMasterSp="1" show="1">
+  <p:cSld name="">
+    <p:spTree>
+      <p:nvGrpSpPr>
+        <p:cNvPr id="1" name=""/>
+        <p:cNvGrpSpPr/>
+        <p:nvPr/>
+      </p:nvGrpSpPr>
+      <p:grpSpPr bwMode="auto">
+        <a:xfrm>
+          <a:off x="0" y="0"/>
+          <a:ext cx="0" cy="0"/>
+          <a:chOff x="0" y="0"/>
+          <a:chExt cx="0" cy="0"/>
+        </a:xfrm>
+      </p:grpSpPr>
+      <p:sp>
+        <p:nvSpPr>
+          <p:cNvPr id="1058130313" name="Subtitle 2"/>
+          <p:cNvSpPr>
+            <a:spLocks noGrp="1"/>
+          </p:cNvSpPr>
+          <p:nvPr>
+            <p:ph type="subTitle" idx="1"/>
+          </p:nvPr>
+        </p:nvSpPr>
+        <p:spPr bwMode="auto">
+          <a:xfrm>
+            <a:off x="4655838" y="2708919"/>
+            <a:ext cx="6720744" cy="720078"/>
+          </a:xfrm>
+        </p:spPr>
+        <p:txBody>
+          <a:bodyPr/>
+          <a:lstStyle>
+            <a:lvl1pPr marL="0" indent="0" algn="r">
+              <a:buNone/>
+              <a:defRPr>
+                <a:solidFill>
+                  <a:schemeClr val="tx1">
+                    <a:lumMod val="50000"/>
+                    <a:lumOff val="50000"/>
+                  </a:schemeClr>
+                </a:solidFill>
+              </a:defRPr>
+            </a:lvl1pPr>
+            <a:lvl2pPr marL="457200" indent="0" algn="ctr">
+              <a:buNone/>
+              <a:defRPr>
+                <a:solidFill>
+                  <a:schemeClr val="tx1">
+                    <a:tint val="75000"/>
+                  </a:schemeClr>
+                </a:solidFill>
+              </a:defRPr>
+            </a:lvl2pPr>
+            <a:lvl3pPr marL="914400" indent="0" algn="ctr">
+              <a:buNone/>
+              <a:defRPr>
+                <a:solidFill>
+                  <a:schemeClr val="tx1">
+                    <a:tint val="75000"/>
+                  </a:schemeClr>
+                </a:solidFill>
+              </a:defRPr>
+            </a:lvl3pPr>
+            <a:lvl4pPr marL="1371600" indent="0" algn="ctr">
+              <a:buNone/>
+              <a:defRPr>
+                <a:solidFill>
+                  <a:schemeClr val="tx1">
+                    <a:tint val="75000"/>
+                  </a:schemeClr>
+                </a:solidFill>
+              </a:defRPr>
+            </a:lvl4pPr>
+            <a:lvl5pPr marL="1828800" indent="0" algn="ctr">
+              <a:buNone/>
+              <a:defRPr>
+                <a:solidFill>
+                  <a:schemeClr val="tx1">
+                    <a:tint val="75000"/>
+                  </a:schemeClr>
+                </a:solidFill>
+              </a:defRPr>
+            </a:lvl5pPr>
+            <a:lvl6pPr marL="2286000" indent="0" algn="ctr">
+              <a:buNone/>
+              <a:defRPr>
+                <a:solidFill>
+                  <a:schemeClr val="tx1">
+                    <a:tint val="75000"/>
+                  </a:schemeClr>
+                </a:solidFill>
+              </a:defRPr>
+            </a:lvl6pPr>
+            <a:lvl7pPr marL="2743200" indent="0" algn="ctr">
+              <a:buNone/>
+              <a:defRPr>
+                <a:solidFill>
+                  <a:schemeClr val="tx1">
+                    <a:tint val="75000"/>
+                  </a:schemeClr>
+                </a:solidFill>
+              </a:defRPr>
+            </a:lvl7pPr>
+            <a:lvl8pPr marL="3200400" indent="0" algn="ctr">
+              <a:buNone/>
+              <a:defRPr>
+                <a:solidFill>
+                  <a:schemeClr val="tx1">
+                    <a:tint val="75000"/>
+                  </a:schemeClr>
+                </a:solidFill>
+              </a:defRPr>
+            </a:lvl8pPr>
+            <a:lvl9pPr marL="3657600" indent="0" algn="ctr">
+              <a:buNone/>
+              <a:defRPr>
+                <a:solidFill>
+                  <a:schemeClr val="tx1">
+                    <a:tint val="75000"/>
+                  </a:schemeClr>
+                </a:solidFill>
+              </a:defRPr>
+            </a:lvl9pPr>
+          </a:lstStyle>
+          <a:p>
+            <a:pPr>
+              <a:defRPr/>
+            </a:pPr>
+            <a:endParaRPr/>
+          </a:p>
+        </p:txBody>
+      </p:sp>
+      <p:sp>
+        <p:nvSpPr>
+          <p:cNvPr id="1126376044" name="Title 6"/>
+          <p:cNvSpPr>
+            <a:spLocks noGrp="1"/>
+          </p:cNvSpPr>
+          <p:nvPr>
+            <p:ph type="title"/>
+          </p:nvPr>
+        </p:nvSpPr>
+        <p:spPr bwMode="auto">
+          <a:xfrm flipH="0" flipV="0">
+            <a:off x="4595833" y="1208941"/>
+            <a:ext cx="6720744" cy="1319956"/>
+          </a:xfrm>
+        </p:spPr>
+        <p:txBody>
+          <a:bodyPr vertOverflow="overflow" horzOverflow="overflow" vert="horz" wrap="square" lIns="91440" tIns="45720" rIns="91440" bIns="45720" numCol="1" spcCol="0" rtlCol="0" fromWordArt="0" anchor="ctr" anchorCtr="0" forceAA="0" upright="0" compatLnSpc="0">
+            <a:normAutofit/>
+          </a:bodyPr>
+          <a:lstStyle>
+            <a:lvl1pPr algn="r">
+              <a:defRPr/>
+            </a:lvl1pPr>
+          </a:lstStyle>
+          <a:p>
+            <a:pPr>
+              <a:defRPr/>
+            </a:pPr>
+            <a:r>
+              <a:rPr lang="en-AU">
+                <a:latin typeface="Arial"/>
+                <a:ea typeface="Arial"/>
+                <a:cs typeface="Arial"/>
+              </a:rPr>
+              <a:t>Bibliography</a:t>
+            </a:r>
+            <a:endParaRPr/>
+          </a:p>
+        </p:txBody>
+      </p:sp>
+    </p:spTree>
+  </p:cSld>
+  <p:clrMapOvr>
+    <a:masterClrMapping/>
+  </p:clrMapOvr>
+  <mc:AlternateContent xmlns:mc="http://schemas.openxmlformats.org/markup-compatibility/2006">
+    <mc:Choice xmlns:p159="http://schemas.microsoft.com/office/powerpoint/2015/09/main" xmlns:p14="http://schemas.microsoft.com/office/powerpoint/2010/main" Requires="p159">
+      <p:transition p14:dur="2000" advClick="1"/>
+    </mc:Choice>
+    <mc:Fallback>
+      <p:transition advClick="1"/>
+    </mc:Fallback>
+  </mc:AlternateContent>
+</p:sld>
+</file>
+
+<file path=ppt/slides/slide69.xml><?xml version="1.0" encoding="utf-8"?>
+<p:sld xmlns:a="http://schemas.openxmlformats.org/drawingml/2006/main" xmlns:r="http://schemas.openxmlformats.org/officeDocument/2006/relationships" xmlns:p="http://schemas.openxmlformats.org/presentationml/2006/main" xmlns:m="http://schemas.openxmlformats.org/officeDocument/2006/math" xmlns:w="http://schemas.openxmlformats.org/wordprocessingml/2006/main" xmlns:mc="http://schemas.openxmlformats.org/markup-compatibility/2006" showMasterPhAnim="0" showMasterSp="1" show="1">
+  <p:cSld name="">
+    <p:spTree>
+      <p:nvGrpSpPr>
+        <p:cNvPr id="1" name=""/>
+        <p:cNvGrpSpPr/>
+        <p:nvPr/>
+      </p:nvGrpSpPr>
+      <p:grpSpPr bwMode="auto">
+        <a:xfrm>
+          <a:off x="0" y="0"/>
+          <a:ext cx="0" cy="0"/>
+          <a:chOff x="0" y="0"/>
+          <a:chExt cx="0" cy="0"/>
+        </a:xfrm>
+      </p:grpSpPr>
+      <p:sp>
+        <p:nvSpPr>
           <p:cNvPr id="2128574098" name="Title 1"/>
           <p:cNvSpPr>
             <a:spLocks noGrp="1"/>
@@ -24192,7 +25094,7 @@
       </p:grpSpPr>
       <p:sp>
         <p:nvSpPr>
-          <p:cNvPr id="1971785310" name="Title 1"/>
+          <p:cNvPr id="1706173795" name="Title 1"/>
           <p:cNvSpPr>
             <a:spLocks noGrp="1"/>
           </p:cNvSpPr>
@@ -24228,7 +25130,7 @@
       </p:sp>
       <p:sp>
         <p:nvSpPr>
-          <p:cNvPr id="1845496964" name="Content Placeholder 2"/>
+          <p:cNvPr id="1345903339" name="Content Placeholder 2"/>
           <p:cNvSpPr>
             <a:spLocks noGrp="1"/>
           </p:cNvSpPr>
@@ -24418,7 +25320,7 @@
       </p:sp>
       <p:sp>
         <p:nvSpPr>
-          <p:cNvPr id="1287167131" name=""/>
+          <p:cNvPr id="1917524439" name=""/>
           <p:cNvSpPr txBox="1"/>
           <p:nvPr/>
         </p:nvSpPr>
@@ -24635,7 +25537,7 @@
       </p:grpSpPr>
       <p:sp>
         <p:nvSpPr>
-          <p:cNvPr id="53017485" name="Title 1"/>
+          <p:cNvPr id="11830127" name="Title 1"/>
           <p:cNvSpPr>
             <a:spLocks noGrp="1"/>
           </p:cNvSpPr>
@@ -24665,7 +25567,7 @@
       </p:sp>
       <p:sp>
         <p:nvSpPr>
-          <p:cNvPr id="1647019077" name="Content Placeholder 2"/>
+          <p:cNvPr id="1411109653" name="Content Placeholder 2"/>
           <p:cNvSpPr>
             <a:spLocks noGrp="1"/>
           </p:cNvSpPr>
@@ -24687,7 +25589,7 @@
       </p:sp>
       <p:graphicFrame>
         <p:nvGraphicFramePr>
-          <p:cNvPr id="750032958" name=""/>
+          <p:cNvPr id="2029408357" name=""/>
           <p:cNvGraphicFramePr>
             <a:graphicFrameLocks xmlns:a="http://schemas.openxmlformats.org/drawingml/2006/main"/>
           </p:cNvGraphicFramePr>
@@ -25043,7 +25945,7 @@
       </p:grpSpPr>
       <p:sp>
         <p:nvSpPr>
-          <p:cNvPr id="1301928303" name="Subtitle 2"/>
+          <p:cNvPr id="1345066123" name="Subtitle 2"/>
           <p:cNvSpPr>
             <a:spLocks noGrp="1"/>
           </p:cNvSpPr>
@@ -25176,7 +26078,7 @@
       </p:sp>
       <p:sp>
         <p:nvSpPr>
-          <p:cNvPr id="785981603" name="Title 6"/>
+          <p:cNvPr id="101318148" name="Title 6"/>
           <p:cNvSpPr>
             <a:spLocks noGrp="1"/>
           </p:cNvSpPr>
